--- a/ppt/001 - DataTypes.pptx
+++ b/ppt/001 - DataTypes.pptx
@@ -5,7 +5,7 @@
     <p:sldMasterId id="2147483648" r:id="rId1"/>
   </p:sldMasterIdLst>
   <p:notesMasterIdLst>
-    <p:notesMasterId r:id="rId57"/>
+    <p:notesMasterId r:id="rId59"/>
   </p:notesMasterIdLst>
   <p:sldIdLst>
     <p:sldId id="256" r:id="rId2"/>
@@ -15,54 +15,56 @@
     <p:sldId id="260" r:id="rId6"/>
     <p:sldId id="261" r:id="rId7"/>
     <p:sldId id="262" r:id="rId8"/>
-    <p:sldId id="263" r:id="rId9"/>
-    <p:sldId id="264" r:id="rId10"/>
-    <p:sldId id="265" r:id="rId11"/>
-    <p:sldId id="266" r:id="rId12"/>
-    <p:sldId id="267" r:id="rId13"/>
-    <p:sldId id="268" r:id="rId14"/>
-    <p:sldId id="269" r:id="rId15"/>
-    <p:sldId id="270" r:id="rId16"/>
-    <p:sldId id="271" r:id="rId17"/>
-    <p:sldId id="272" r:id="rId18"/>
-    <p:sldId id="273" r:id="rId19"/>
-    <p:sldId id="274" r:id="rId20"/>
-    <p:sldId id="275" r:id="rId21"/>
-    <p:sldId id="276" r:id="rId22"/>
-    <p:sldId id="308" r:id="rId23"/>
-    <p:sldId id="309" r:id="rId24"/>
-    <p:sldId id="310" r:id="rId25"/>
-    <p:sldId id="277" r:id="rId26"/>
-    <p:sldId id="278" r:id="rId27"/>
-    <p:sldId id="279" r:id="rId28"/>
-    <p:sldId id="307" r:id="rId29"/>
-    <p:sldId id="306" r:id="rId30"/>
-    <p:sldId id="280" r:id="rId31"/>
-    <p:sldId id="281" r:id="rId32"/>
-    <p:sldId id="282" r:id="rId33"/>
-    <p:sldId id="283" r:id="rId34"/>
-    <p:sldId id="284" r:id="rId35"/>
-    <p:sldId id="285" r:id="rId36"/>
-    <p:sldId id="286" r:id="rId37"/>
-    <p:sldId id="287" r:id="rId38"/>
-    <p:sldId id="288" r:id="rId39"/>
-    <p:sldId id="289" r:id="rId40"/>
-    <p:sldId id="290" r:id="rId41"/>
-    <p:sldId id="291" r:id="rId42"/>
-    <p:sldId id="292" r:id="rId43"/>
-    <p:sldId id="293" r:id="rId44"/>
-    <p:sldId id="294" r:id="rId45"/>
-    <p:sldId id="295" r:id="rId46"/>
-    <p:sldId id="296" r:id="rId47"/>
-    <p:sldId id="297" r:id="rId48"/>
-    <p:sldId id="298" r:id="rId49"/>
-    <p:sldId id="299" r:id="rId50"/>
-    <p:sldId id="300" r:id="rId51"/>
-    <p:sldId id="301" r:id="rId52"/>
-    <p:sldId id="302" r:id="rId53"/>
-    <p:sldId id="303" r:id="rId54"/>
-    <p:sldId id="304" r:id="rId55"/>
-    <p:sldId id="305" r:id="rId56"/>
+    <p:sldId id="312" r:id="rId9"/>
+    <p:sldId id="263" r:id="rId10"/>
+    <p:sldId id="264" r:id="rId11"/>
+    <p:sldId id="265" r:id="rId12"/>
+    <p:sldId id="266" r:id="rId13"/>
+    <p:sldId id="267" r:id="rId14"/>
+    <p:sldId id="268" r:id="rId15"/>
+    <p:sldId id="269" r:id="rId16"/>
+    <p:sldId id="270" r:id="rId17"/>
+    <p:sldId id="271" r:id="rId18"/>
+    <p:sldId id="272" r:id="rId19"/>
+    <p:sldId id="273" r:id="rId20"/>
+    <p:sldId id="274" r:id="rId21"/>
+    <p:sldId id="275" r:id="rId22"/>
+    <p:sldId id="276" r:id="rId23"/>
+    <p:sldId id="308" r:id="rId24"/>
+    <p:sldId id="309" r:id="rId25"/>
+    <p:sldId id="311" r:id="rId26"/>
+    <p:sldId id="310" r:id="rId27"/>
+    <p:sldId id="277" r:id="rId28"/>
+    <p:sldId id="278" r:id="rId29"/>
+    <p:sldId id="279" r:id="rId30"/>
+    <p:sldId id="307" r:id="rId31"/>
+    <p:sldId id="306" r:id="rId32"/>
+    <p:sldId id="280" r:id="rId33"/>
+    <p:sldId id="281" r:id="rId34"/>
+    <p:sldId id="282" r:id="rId35"/>
+    <p:sldId id="283" r:id="rId36"/>
+    <p:sldId id="284" r:id="rId37"/>
+    <p:sldId id="285" r:id="rId38"/>
+    <p:sldId id="286" r:id="rId39"/>
+    <p:sldId id="287" r:id="rId40"/>
+    <p:sldId id="288" r:id="rId41"/>
+    <p:sldId id="289" r:id="rId42"/>
+    <p:sldId id="290" r:id="rId43"/>
+    <p:sldId id="291" r:id="rId44"/>
+    <p:sldId id="292" r:id="rId45"/>
+    <p:sldId id="293" r:id="rId46"/>
+    <p:sldId id="294" r:id="rId47"/>
+    <p:sldId id="295" r:id="rId48"/>
+    <p:sldId id="296" r:id="rId49"/>
+    <p:sldId id="297" r:id="rId50"/>
+    <p:sldId id="298" r:id="rId51"/>
+    <p:sldId id="299" r:id="rId52"/>
+    <p:sldId id="300" r:id="rId53"/>
+    <p:sldId id="301" r:id="rId54"/>
+    <p:sldId id="302" r:id="rId55"/>
+    <p:sldId id="303" r:id="rId56"/>
+    <p:sldId id="304" r:id="rId57"/>
+    <p:sldId id="305" r:id="rId58"/>
   </p:sldIdLst>
   <p:sldSz cx="12192000" cy="6858000"/>
   <p:notesSz cx="6858000" cy="9144000"/>
@@ -3212,6 +3214,236 @@
       </p:grpSpPr>
       <p:pic>
         <p:nvPicPr>
+          <p:cNvPr id="169" name="Google Shape;54;p13" descr="Google Shape;54;p13"/>
+          <p:cNvPicPr>
+            <a:picLocks noChangeAspect="1"/>
+          </p:cNvPicPr>
+          <p:nvPr/>
+        </p:nvPicPr>
+        <p:blipFill>
+          <a:blip r:embed="rId2"/>
+          <a:stretch>
+            <a:fillRect/>
+          </a:stretch>
+        </p:blipFill>
+        <p:spPr>
+          <a:xfrm>
+            <a:off x="0" y="0"/>
+            <a:ext cx="12191997" cy="6858000"/>
+          </a:xfrm>
+          <a:prstGeom prst="rect">
+            <a:avLst/>
+          </a:prstGeom>
+          <a:ln w="12700">
+            <a:miter lim="400000"/>
+          </a:ln>
+        </p:spPr>
+      </p:pic>
+      <p:sp>
+        <p:nvSpPr>
+          <p:cNvPr id="170" name="Title 1"/>
+          <p:cNvSpPr txBox="1">
+            <a:spLocks noGrp="1"/>
+          </p:cNvSpPr>
+          <p:nvPr>
+            <p:ph type="title"/>
+          </p:nvPr>
+        </p:nvSpPr>
+        <p:spPr>
+          <a:prstGeom prst="rect">
+            <a:avLst/>
+          </a:prstGeom>
+        </p:spPr>
+        <p:txBody>
+          <a:bodyPr/>
+          <a:lstStyle/>
+          <a:p>
+            <a:r>
+              <a:t>Blog -writeup</a:t>
+            </a:r>
+          </a:p>
+        </p:txBody>
+      </p:sp>
+      <p:sp>
+        <p:nvSpPr>
+          <p:cNvPr id="171" name="Content Placeholder 2"/>
+          <p:cNvSpPr txBox="1">
+            <a:spLocks noGrp="1"/>
+          </p:cNvSpPr>
+          <p:nvPr>
+            <p:ph type="body" idx="1"/>
+          </p:nvPr>
+        </p:nvSpPr>
+        <p:spPr>
+          <a:prstGeom prst="rect">
+            <a:avLst/>
+          </a:prstGeom>
+        </p:spPr>
+        <p:txBody>
+          <a:bodyPr/>
+          <a:lstStyle/>
+          <a:p>
+            <a:pPr>
+              <a:lnSpc>
+                <a:spcPct val="81000"/>
+              </a:lnSpc>
+            </a:pPr>
+            <a:r>
+              <a:t>Use typeof in all the datatypes and check the result</a:t>
+            </a:r>
+          </a:p>
+          <a:p>
+            <a:pPr marL="685800" lvl="1" indent="-228600">
+              <a:lnSpc>
+                <a:spcPct val="81000"/>
+              </a:lnSpc>
+              <a:spcBef>
+                <a:spcPts val="500"/>
+              </a:spcBef>
+              <a:defRPr sz="2400"/>
+            </a:pPr>
+            <a:r>
+              <a:t>typeof(1)</a:t>
+            </a:r>
+          </a:p>
+          <a:p>
+            <a:pPr marL="685800" lvl="1" indent="-228600">
+              <a:lnSpc>
+                <a:spcPct val="81000"/>
+              </a:lnSpc>
+              <a:spcBef>
+                <a:spcPts val="500"/>
+              </a:spcBef>
+              <a:defRPr sz="2400"/>
+            </a:pPr>
+            <a:r>
+              <a:t>typeof(1.1)</a:t>
+            </a:r>
+          </a:p>
+          <a:p>
+            <a:pPr marL="685800" lvl="1" indent="-228600">
+              <a:lnSpc>
+                <a:spcPct val="81000"/>
+              </a:lnSpc>
+              <a:spcBef>
+                <a:spcPts val="500"/>
+              </a:spcBef>
+              <a:defRPr sz="2400"/>
+            </a:pPr>
+            <a:r>
+              <a:t>typeof("1.1")</a:t>
+            </a:r>
+          </a:p>
+          <a:p>
+            <a:pPr marL="685800" lvl="1" indent="-228600">
+              <a:lnSpc>
+                <a:spcPct val="81000"/>
+              </a:lnSpc>
+              <a:spcBef>
+                <a:spcPts val="500"/>
+              </a:spcBef>
+              <a:defRPr sz="2400"/>
+            </a:pPr>
+            <a:r>
+              <a:t>typeof(true)</a:t>
+            </a:r>
+          </a:p>
+          <a:p>
+            <a:pPr marL="685800" lvl="1" indent="-228600">
+              <a:lnSpc>
+                <a:spcPct val="81000"/>
+              </a:lnSpc>
+              <a:spcBef>
+                <a:spcPts val="500"/>
+              </a:spcBef>
+              <a:defRPr sz="2400"/>
+            </a:pPr>
+            <a:r>
+              <a:t>typeof(null)</a:t>
+            </a:r>
+          </a:p>
+          <a:p>
+            <a:pPr marL="685800" lvl="1" indent="-228600">
+              <a:lnSpc>
+                <a:spcPct val="81000"/>
+              </a:lnSpc>
+              <a:spcBef>
+                <a:spcPts val="500"/>
+              </a:spcBef>
+              <a:defRPr sz="2400"/>
+            </a:pPr>
+            <a:r>
+              <a:t>typeof(undefined)</a:t>
+            </a:r>
+          </a:p>
+          <a:p>
+            <a:pPr marL="685800" lvl="1" indent="-228600">
+              <a:lnSpc>
+                <a:spcPct val="81000"/>
+              </a:lnSpc>
+              <a:spcBef>
+                <a:spcPts val="500"/>
+              </a:spcBef>
+              <a:defRPr sz="2400"/>
+            </a:pPr>
+            <a:r>
+              <a:t>typeof([])</a:t>
+            </a:r>
+          </a:p>
+          <a:p>
+            <a:pPr marL="685800" lvl="1" indent="-228600">
+              <a:lnSpc>
+                <a:spcPct val="81000"/>
+              </a:lnSpc>
+              <a:spcBef>
+                <a:spcPts val="500"/>
+              </a:spcBef>
+              <a:defRPr sz="2400"/>
+            </a:pPr>
+            <a:r>
+              <a:t>typeof({})</a:t>
+            </a:r>
+          </a:p>
+          <a:p>
+            <a:pPr>
+              <a:lnSpc>
+                <a:spcPct val="81000"/>
+              </a:lnSpc>
+            </a:pPr>
+            <a:r>
+              <a:t>Write a blog about objects and its internal representation in Javascript </a:t>
+            </a:r>
+          </a:p>
+        </p:txBody>
+      </p:sp>
+    </p:spTree>
+  </p:cSld>
+  <p:clrMapOvr>
+    <a:masterClrMapping/>
+  </p:clrMapOvr>
+  <p:transition spd="med"/>
+</p:sld>
+</file>
+
+<file path=ppt/slides/slide11.xml><?xml version="1.0" encoding="utf-8"?>
+<p:sld xmlns:a="http://schemas.openxmlformats.org/drawingml/2006/main" xmlns:r="http://schemas.openxmlformats.org/officeDocument/2006/relationships" xmlns:p="http://schemas.openxmlformats.org/presentationml/2006/main">
+  <p:cSld>
+    <p:spTree>
+      <p:nvGrpSpPr>
+        <p:cNvPr id="1" name=""/>
+        <p:cNvGrpSpPr/>
+        <p:nvPr/>
+      </p:nvGrpSpPr>
+      <p:grpSpPr>
+        <a:xfrm>
+          <a:off x="0" y="0"/>
+          <a:ext cx="0" cy="0"/>
+          <a:chOff x="0" y="0"/>
+          <a:chExt cx="0" cy="0"/>
+        </a:xfrm>
+      </p:grpSpPr>
+      <p:pic>
+        <p:nvPicPr>
           <p:cNvPr id="173" name="Google Shape;54;p13" descr="Google Shape;54;p13"/>
           <p:cNvPicPr>
             <a:picLocks noChangeAspect="1"/>
@@ -3525,7 +3757,7 @@
 </p:sld>
 </file>
 
-<file path=ppt/slides/slide11.xml><?xml version="1.0" encoding="utf-8"?>
+<file path=ppt/slides/slide12.xml><?xml version="1.0" encoding="utf-8"?>
 <p:sld xmlns:a="http://schemas.openxmlformats.org/drawingml/2006/main" xmlns:r="http://schemas.openxmlformats.org/officeDocument/2006/relationships" xmlns:p="http://schemas.openxmlformats.org/presentationml/2006/main">
   <p:cSld>
     <p:spTree>
@@ -4010,7 +4242,7 @@
 </p:sld>
 </file>
 
-<file path=ppt/slides/slide12.xml><?xml version="1.0" encoding="utf-8"?>
+<file path=ppt/slides/slide13.xml><?xml version="1.0" encoding="utf-8"?>
 <p:sld xmlns:a="http://schemas.openxmlformats.org/drawingml/2006/main" xmlns:r="http://schemas.openxmlformats.org/officeDocument/2006/relationships" xmlns:p="http://schemas.openxmlformats.org/presentationml/2006/main">
   <p:cSld>
     <p:spTree>
@@ -4167,7 +4399,7 @@
 </p:sld>
 </file>
 
-<file path=ppt/slides/slide13.xml><?xml version="1.0" encoding="utf-8"?>
+<file path=ppt/slides/slide14.xml><?xml version="1.0" encoding="utf-8"?>
 <p:sld xmlns:a="http://schemas.openxmlformats.org/drawingml/2006/main" xmlns:r="http://schemas.openxmlformats.org/officeDocument/2006/relationships" xmlns:p="http://schemas.openxmlformats.org/presentationml/2006/main">
   <p:cSld>
     <p:spTree>
@@ -4864,7 +5096,7 @@
 </p:sld>
 </file>
 
-<file path=ppt/slides/slide14.xml><?xml version="1.0" encoding="utf-8"?>
+<file path=ppt/slides/slide15.xml><?xml version="1.0" encoding="utf-8"?>
 <p:sld xmlns:a="http://schemas.openxmlformats.org/drawingml/2006/main" xmlns:r="http://schemas.openxmlformats.org/officeDocument/2006/relationships" xmlns:p="http://schemas.openxmlformats.org/presentationml/2006/main">
   <p:cSld>
     <p:spTree>
@@ -5081,7 +5313,7 @@
 </p:sld>
 </file>
 
-<file path=ppt/slides/slide15.xml><?xml version="1.0" encoding="utf-8"?>
+<file path=ppt/slides/slide16.xml><?xml version="1.0" encoding="utf-8"?>
 <p:sld xmlns:a="http://schemas.openxmlformats.org/drawingml/2006/main" xmlns:r="http://schemas.openxmlformats.org/officeDocument/2006/relationships" xmlns:p="http://schemas.openxmlformats.org/presentationml/2006/main">
   <p:cSld>
     <p:spTree>
@@ -5353,7 +5585,7 @@
 </p:sld>
 </file>
 
-<file path=ppt/slides/slide16.xml><?xml version="1.0" encoding="utf-8"?>
+<file path=ppt/slides/slide17.xml><?xml version="1.0" encoding="utf-8"?>
 <p:sld xmlns:a="http://schemas.openxmlformats.org/drawingml/2006/main" xmlns:r="http://schemas.openxmlformats.org/officeDocument/2006/relationships" xmlns:p="http://schemas.openxmlformats.org/presentationml/2006/main">
   <p:cSld>
     <p:spTree>
@@ -5810,7 +6042,7 @@
 </p:sld>
 </file>
 
-<file path=ppt/slides/slide17.xml><?xml version="1.0" encoding="utf-8"?>
+<file path=ppt/slides/slide18.xml><?xml version="1.0" encoding="utf-8"?>
 <p:sld xmlns:a="http://schemas.openxmlformats.org/drawingml/2006/main" xmlns:r="http://schemas.openxmlformats.org/officeDocument/2006/relationships" xmlns:p="http://schemas.openxmlformats.org/presentationml/2006/main">
   <p:cSld>
     <p:spTree>
@@ -6307,7 +6539,7 @@
 </p:sld>
 </file>
 
-<file path=ppt/slides/slide18.xml><?xml version="1.0" encoding="utf-8"?>
+<file path=ppt/slides/slide19.xml><?xml version="1.0" encoding="utf-8"?>
 <p:sld xmlns:a="http://schemas.openxmlformats.org/drawingml/2006/main" xmlns:r="http://schemas.openxmlformats.org/officeDocument/2006/relationships" xmlns:p="http://schemas.openxmlformats.org/presentationml/2006/main">
   <p:cSld>
     <p:spTree>
@@ -6585,291 +6817,6 @@
           <a:p>
             <a:r>
               <a:t>Sample API</a:t>
-            </a:r>
-          </a:p>
-        </p:txBody>
-      </p:sp>
-    </p:spTree>
-  </p:cSld>
-  <p:clrMapOvr>
-    <a:masterClrMapping/>
-  </p:clrMapOvr>
-  <p:transition spd="med"/>
-</p:sld>
-</file>
-
-<file path=ppt/slides/slide19.xml><?xml version="1.0" encoding="utf-8"?>
-<p:sld xmlns:a="http://schemas.openxmlformats.org/drawingml/2006/main" xmlns:r="http://schemas.openxmlformats.org/officeDocument/2006/relationships" xmlns:p="http://schemas.openxmlformats.org/presentationml/2006/main">
-  <p:cSld>
-    <p:spTree>
-      <p:nvGrpSpPr>
-        <p:cNvPr id="1" name=""/>
-        <p:cNvGrpSpPr/>
-        <p:nvPr/>
-      </p:nvGrpSpPr>
-      <p:grpSpPr>
-        <a:xfrm>
-          <a:off x="0" y="0"/>
-          <a:ext cx="0" cy="0"/>
-          <a:chOff x="0" y="0"/>
-          <a:chExt cx="0" cy="0"/>
-        </a:xfrm>
-      </p:grpSpPr>
-      <p:pic>
-        <p:nvPicPr>
-          <p:cNvPr id="222" name="Google Shape;54;p13" descr="Google Shape;54;p13"/>
-          <p:cNvPicPr>
-            <a:picLocks noChangeAspect="1"/>
-          </p:cNvPicPr>
-          <p:nvPr/>
-        </p:nvPicPr>
-        <p:blipFill>
-          <a:blip r:embed="rId2"/>
-          <a:stretch>
-            <a:fillRect/>
-          </a:stretch>
-        </p:blipFill>
-        <p:spPr>
-          <a:xfrm>
-            <a:off x="0" y="0"/>
-            <a:ext cx="12191997" cy="6858000"/>
-          </a:xfrm>
-          <a:prstGeom prst="rect">
-            <a:avLst/>
-          </a:prstGeom>
-          <a:ln w="12700">
-            <a:miter lim="400000"/>
-          </a:ln>
-        </p:spPr>
-      </p:pic>
-      <p:sp>
-        <p:nvSpPr>
-          <p:cNvPr id="223" name="Title 1"/>
-          <p:cNvSpPr txBox="1">
-            <a:spLocks noGrp="1"/>
-          </p:cNvSpPr>
-          <p:nvPr>
-            <p:ph type="title"/>
-          </p:nvPr>
-        </p:nvSpPr>
-        <p:spPr>
-          <a:prstGeom prst="rect">
-            <a:avLst/>
-          </a:prstGeom>
-        </p:spPr>
-        <p:txBody>
-          <a:bodyPr/>
-          <a:lstStyle/>
-          <a:p>
-            <a:r>
-              <a:rPr lang="en-US" dirty="0"/>
-              <a:t>AJAX - </a:t>
-            </a:r>
-            <a:r>
-              <a:rPr dirty="0"/>
-              <a:t>Getting Data - </a:t>
-            </a:r>
-            <a:r>
-              <a:rPr dirty="0" err="1"/>
-              <a:t>index.html</a:t>
-            </a:r>
-            <a:r>
-              <a:rPr dirty="0"/>
-              <a:t> </a:t>
-            </a:r>
-          </a:p>
-        </p:txBody>
-      </p:sp>
-      <p:sp>
-        <p:nvSpPr>
-          <p:cNvPr id="224" name="Content Placeholder 2"/>
-          <p:cNvSpPr txBox="1">
-            <a:spLocks noGrp="1"/>
-          </p:cNvSpPr>
-          <p:nvPr>
-            <p:ph type="body" idx="1"/>
-          </p:nvPr>
-        </p:nvSpPr>
-        <p:spPr>
-          <a:prstGeom prst="rect">
-            <a:avLst/>
-          </a:prstGeom>
-        </p:spPr>
-        <p:txBody>
-          <a:bodyPr/>
-          <a:lstStyle/>
-          <a:p>
-            <a:pPr marL="0" indent="0" defTabSz="886968">
-              <a:lnSpc>
-                <a:spcPct val="72000"/>
-              </a:lnSpc>
-              <a:spcBef>
-                <a:spcPts val="900"/>
-              </a:spcBef>
-              <a:buSzTx/>
-              <a:buNone/>
-              <a:defRPr sz="2231"/>
-            </a:pPr>
-            <a:r>
-              <a:t>&lt;!DOCTYPE html&gt;</a:t>
-            </a:r>
-          </a:p>
-          <a:p>
-            <a:pPr marL="0" indent="0" defTabSz="886968">
-              <a:lnSpc>
-                <a:spcPct val="72000"/>
-              </a:lnSpc>
-              <a:spcBef>
-                <a:spcPts val="900"/>
-              </a:spcBef>
-              <a:buSzTx/>
-              <a:buNone/>
-              <a:defRPr sz="2231"/>
-            </a:pPr>
-            <a:r>
-              <a:t>&lt;html lang="en"&gt;</a:t>
-            </a:r>
-          </a:p>
-          <a:p>
-            <a:pPr marL="0" indent="0" defTabSz="886968">
-              <a:lnSpc>
-                <a:spcPct val="72000"/>
-              </a:lnSpc>
-              <a:spcBef>
-                <a:spcPts val="900"/>
-              </a:spcBef>
-              <a:buSzTx/>
-              <a:buNone/>
-              <a:defRPr sz="2231"/>
-            </a:pPr>
-            <a:r>
-              <a:t>  &lt;head&gt;</a:t>
-            </a:r>
-          </a:p>
-          <a:p>
-            <a:pPr marL="0" indent="0" defTabSz="886968">
-              <a:lnSpc>
-                <a:spcPct val="72000"/>
-              </a:lnSpc>
-              <a:spcBef>
-                <a:spcPts val="900"/>
-              </a:spcBef>
-              <a:buSzTx/>
-              <a:buNone/>
-              <a:defRPr sz="2231"/>
-            </a:pPr>
-            <a:r>
-              <a:t>    &lt;title&gt;GUVI App&lt;/title&gt;</a:t>
-            </a:r>
-          </a:p>
-          <a:p>
-            <a:pPr marL="0" indent="0" defTabSz="886968">
-              <a:lnSpc>
-                <a:spcPct val="72000"/>
-              </a:lnSpc>
-              <a:spcBef>
-                <a:spcPts val="900"/>
-              </a:spcBef>
-              <a:buSzTx/>
-              <a:buNone/>
-              <a:defRPr sz="2231"/>
-            </a:pPr>
-            <a:r>
-              <a:t>  &lt;/head&gt;</a:t>
-            </a:r>
-          </a:p>
-          <a:p>
-            <a:pPr marL="0" indent="0" defTabSz="886968">
-              <a:lnSpc>
-                <a:spcPct val="72000"/>
-              </a:lnSpc>
-              <a:spcBef>
-                <a:spcPts val="900"/>
-              </a:spcBef>
-              <a:buSzTx/>
-              <a:buNone/>
-              <a:defRPr sz="2231"/>
-            </a:pPr>
-            <a:endParaRPr/>
-          </a:p>
-          <a:p>
-            <a:pPr marL="0" indent="0" defTabSz="886968">
-              <a:lnSpc>
-                <a:spcPct val="72000"/>
-              </a:lnSpc>
-              <a:spcBef>
-                <a:spcPts val="900"/>
-              </a:spcBef>
-              <a:buSzTx/>
-              <a:buNone/>
-              <a:defRPr sz="2231"/>
-            </a:pPr>
-            <a:r>
-              <a:t>  &lt;body&gt;</a:t>
-            </a:r>
-          </a:p>
-          <a:p>
-            <a:pPr marL="0" indent="0" defTabSz="886968">
-              <a:lnSpc>
-                <a:spcPct val="72000"/>
-              </a:lnSpc>
-              <a:spcBef>
-                <a:spcPts val="900"/>
-              </a:spcBef>
-              <a:buSzTx/>
-              <a:buNone/>
-              <a:defRPr sz="2231"/>
-            </a:pPr>
-            <a:r>
-              <a:t>    &lt;div id="root"&gt;&lt;/div&gt;</a:t>
-            </a:r>
-          </a:p>
-          <a:p>
-            <a:pPr marL="0" indent="0" defTabSz="886968">
-              <a:lnSpc>
-                <a:spcPct val="72000"/>
-              </a:lnSpc>
-              <a:spcBef>
-                <a:spcPts val="900"/>
-              </a:spcBef>
-              <a:buSzTx/>
-              <a:buNone/>
-              <a:defRPr sz="2231"/>
-            </a:pPr>
-            <a:r>
-              <a:t>    &lt;script src="scripts.js"&gt;&lt;/script&gt;</a:t>
-            </a:r>
-          </a:p>
-          <a:p>
-            <a:pPr marL="0" indent="0" defTabSz="886968">
-              <a:lnSpc>
-                <a:spcPct val="72000"/>
-              </a:lnSpc>
-              <a:spcBef>
-                <a:spcPts val="900"/>
-              </a:spcBef>
-              <a:buSzTx/>
-              <a:buNone/>
-              <a:defRPr sz="2231"/>
-            </a:pPr>
-            <a:r>
-              <a:t>  &lt;/body&gt;</a:t>
-            </a:r>
-          </a:p>
-          <a:p>
-            <a:pPr marL="0" indent="0" defTabSz="886968">
-              <a:lnSpc>
-                <a:spcPct val="72000"/>
-              </a:lnSpc>
-              <a:spcBef>
-                <a:spcPts val="900"/>
-              </a:spcBef>
-              <a:buSzTx/>
-              <a:buNone/>
-              <a:defRPr sz="2231"/>
-            </a:pPr>
-            <a:r>
-              <a:t>&lt;/html&gt;</a:t>
             </a:r>
           </a:p>
         </p:txBody>
@@ -7144,7 +7091,7 @@
       </p:grpSpPr>
       <p:pic>
         <p:nvPicPr>
-          <p:cNvPr id="226" name="Google Shape;54;p13" descr="Google Shape;54;p13"/>
+          <p:cNvPr id="222" name="Google Shape;54;p13" descr="Google Shape;54;p13"/>
           <p:cNvPicPr>
             <a:picLocks noChangeAspect="1"/>
           </p:cNvPicPr>
@@ -7171,7 +7118,45 @@
       </p:pic>
       <p:sp>
         <p:nvSpPr>
-          <p:cNvPr id="227" name="Content Placeholder 5"/>
+          <p:cNvPr id="223" name="Title 1"/>
+          <p:cNvSpPr txBox="1">
+            <a:spLocks noGrp="1"/>
+          </p:cNvSpPr>
+          <p:nvPr>
+            <p:ph type="title"/>
+          </p:nvPr>
+        </p:nvSpPr>
+        <p:spPr>
+          <a:prstGeom prst="rect">
+            <a:avLst/>
+          </a:prstGeom>
+        </p:spPr>
+        <p:txBody>
+          <a:bodyPr/>
+          <a:lstStyle/>
+          <a:p>
+            <a:r>
+              <a:rPr lang="en-US" dirty="0"/>
+              <a:t>AJAX - </a:t>
+            </a:r>
+            <a:r>
+              <a:rPr dirty="0"/>
+              <a:t>Getting Data - </a:t>
+            </a:r>
+            <a:r>
+              <a:rPr dirty="0" err="1"/>
+              <a:t>index.html</a:t>
+            </a:r>
+            <a:r>
+              <a:rPr dirty="0"/>
+              <a:t> </a:t>
+            </a:r>
+          </a:p>
+        </p:txBody>
+      </p:sp>
+      <p:sp>
+        <p:nvSpPr>
+          <p:cNvPr id="224" name="Content Placeholder 2"/>
           <p:cNvSpPr txBox="1">
             <a:spLocks noGrp="1"/>
           </p:cNvSpPr>
@@ -7180,10 +7165,6 @@
           </p:nvPr>
         </p:nvSpPr>
         <p:spPr>
-          <a:xfrm>
-            <a:off x="130624" y="1690686"/>
-            <a:ext cx="12409714" cy="4399870"/>
-          </a:xfrm>
           <a:prstGeom prst="rect">
             <a:avLst/>
           </a:prstGeom>
@@ -7192,96 +7173,177 @@
           <a:bodyPr/>
           <a:lstStyle/>
           <a:p>
-            <a:pPr marL="0" indent="0">
+            <a:pPr marL="0" indent="0" defTabSz="886968">
+              <a:lnSpc>
+                <a:spcPct val="72000"/>
+              </a:lnSpc>
+              <a:spcBef>
+                <a:spcPts val="900"/>
+              </a:spcBef>
               <a:buSzTx/>
               <a:buNone/>
-              <a:defRPr sz="3700"/>
-            </a:pPr>
-            <a:r>
-              <a:t>// Create a request variable and assign a new XMLHttpRequest object to it.</a:t>
-            </a:r>
-            <a:endParaRPr sz="2500"/>
-          </a:p>
-          <a:p>
-            <a:pPr marL="0" indent="0">
+              <a:defRPr sz="2231"/>
+            </a:pPr>
+            <a:r>
+              <a:t>&lt;!DOCTYPE html&gt;</a:t>
+            </a:r>
+          </a:p>
+          <a:p>
+            <a:pPr marL="0" indent="0" defTabSz="886968">
+              <a:lnSpc>
+                <a:spcPct val="72000"/>
+              </a:lnSpc>
+              <a:spcBef>
+                <a:spcPts val="900"/>
+              </a:spcBef>
               <a:buSzTx/>
               <a:buNone/>
-              <a:defRPr sz="3700"/>
-            </a:pPr>
-            <a:r>
-              <a:t>var request = new XMLHttpRequest()</a:t>
-            </a:r>
-            <a:endParaRPr sz="2500"/>
-          </a:p>
-          <a:p>
-            <a:pPr marL="0" indent="0">
+              <a:defRPr sz="2231"/>
+            </a:pPr>
+            <a:r>
+              <a:t>&lt;html lang="en"&gt;</a:t>
+            </a:r>
+          </a:p>
+          <a:p>
+            <a:pPr marL="0" indent="0" defTabSz="886968">
+              <a:lnSpc>
+                <a:spcPct val="72000"/>
+              </a:lnSpc>
+              <a:spcBef>
+                <a:spcPts val="900"/>
+              </a:spcBef>
               <a:buSzTx/>
               <a:buNone/>
-              <a:defRPr sz="4000"/>
-            </a:pPr>
-            <a:endParaRPr sz="2500"/>
-          </a:p>
-          <a:p>
-            <a:pPr marL="0" indent="0">
+              <a:defRPr sz="2231"/>
+            </a:pPr>
+            <a:r>
+              <a:t>  &lt;head&gt;</a:t>
+            </a:r>
+          </a:p>
+          <a:p>
+            <a:pPr marL="0" indent="0" defTabSz="886968">
+              <a:lnSpc>
+                <a:spcPct val="72000"/>
+              </a:lnSpc>
+              <a:spcBef>
+                <a:spcPts val="900"/>
+              </a:spcBef>
               <a:buSzTx/>
               <a:buNone/>
-              <a:defRPr sz="3700"/>
-            </a:pPr>
-            <a:r>
-              <a:t>// Open a new connection, using the GET request on the URL endpoint</a:t>
-            </a:r>
-            <a:endParaRPr sz="2500"/>
-          </a:p>
-          <a:p>
-            <a:pPr marL="0" indent="0">
+              <a:defRPr sz="2231"/>
+            </a:pPr>
+            <a:r>
+              <a:t>    &lt;title&gt;GUVI App&lt;/title&gt;</a:t>
+            </a:r>
+          </a:p>
+          <a:p>
+            <a:pPr marL="0" indent="0" defTabSz="886968">
+              <a:lnSpc>
+                <a:spcPct val="72000"/>
+              </a:lnSpc>
+              <a:spcBef>
+                <a:spcPts val="900"/>
+              </a:spcBef>
               <a:buSzTx/>
               <a:buNone/>
-              <a:defRPr sz="3700"/>
-            </a:pPr>
-            <a:r>
-              <a:t>request.open('GET', '</a:t>
-            </a:r>
-            <a:r>
-              <a:rPr u="sng">
-                <a:solidFill>
-                  <a:srgbClr val="0563C1"/>
-                </a:solidFill>
-                <a:uFill>
-                  <a:solidFill>
-                    <a:srgbClr val="0563C1"/>
-                  </a:solidFill>
-                </a:uFill>
-                <a:hlinkClick r:id="rId3"/>
-              </a:rPr>
-              <a:t>https://restcountries.eu/rest/v2/all</a:t>
-            </a:r>
-            <a:r>
-              <a:t>', true)</a:t>
-            </a:r>
-          </a:p>
-        </p:txBody>
-      </p:sp>
-      <p:sp>
-        <p:nvSpPr>
-          <p:cNvPr id="228" name="Title 6"/>
-          <p:cNvSpPr txBox="1">
-            <a:spLocks noGrp="1"/>
-          </p:cNvSpPr>
-          <p:nvPr>
-            <p:ph type="title"/>
-          </p:nvPr>
-        </p:nvSpPr>
-        <p:spPr>
-          <a:prstGeom prst="rect">
-            <a:avLst/>
-          </a:prstGeom>
-        </p:spPr>
-        <p:txBody>
-          <a:bodyPr/>
-          <a:lstStyle/>
-          <a:p>
-            <a:r>
-              <a:t>scripts.js</a:t>
+              <a:defRPr sz="2231"/>
+            </a:pPr>
+            <a:r>
+              <a:t>  &lt;/head&gt;</a:t>
+            </a:r>
+          </a:p>
+          <a:p>
+            <a:pPr marL="0" indent="0" defTabSz="886968">
+              <a:lnSpc>
+                <a:spcPct val="72000"/>
+              </a:lnSpc>
+              <a:spcBef>
+                <a:spcPts val="900"/>
+              </a:spcBef>
+              <a:buSzTx/>
+              <a:buNone/>
+              <a:defRPr sz="2231"/>
+            </a:pPr>
+            <a:endParaRPr/>
+          </a:p>
+          <a:p>
+            <a:pPr marL="0" indent="0" defTabSz="886968">
+              <a:lnSpc>
+                <a:spcPct val="72000"/>
+              </a:lnSpc>
+              <a:spcBef>
+                <a:spcPts val="900"/>
+              </a:spcBef>
+              <a:buSzTx/>
+              <a:buNone/>
+              <a:defRPr sz="2231"/>
+            </a:pPr>
+            <a:r>
+              <a:t>  &lt;body&gt;</a:t>
+            </a:r>
+          </a:p>
+          <a:p>
+            <a:pPr marL="0" indent="0" defTabSz="886968">
+              <a:lnSpc>
+                <a:spcPct val="72000"/>
+              </a:lnSpc>
+              <a:spcBef>
+                <a:spcPts val="900"/>
+              </a:spcBef>
+              <a:buSzTx/>
+              <a:buNone/>
+              <a:defRPr sz="2231"/>
+            </a:pPr>
+            <a:r>
+              <a:t>    &lt;div id="root"&gt;&lt;/div&gt;</a:t>
+            </a:r>
+          </a:p>
+          <a:p>
+            <a:pPr marL="0" indent="0" defTabSz="886968">
+              <a:lnSpc>
+                <a:spcPct val="72000"/>
+              </a:lnSpc>
+              <a:spcBef>
+                <a:spcPts val="900"/>
+              </a:spcBef>
+              <a:buSzTx/>
+              <a:buNone/>
+              <a:defRPr sz="2231"/>
+            </a:pPr>
+            <a:r>
+              <a:t>    &lt;script src="scripts.js"&gt;&lt;/script&gt;</a:t>
+            </a:r>
+          </a:p>
+          <a:p>
+            <a:pPr marL="0" indent="0" defTabSz="886968">
+              <a:lnSpc>
+                <a:spcPct val="72000"/>
+              </a:lnSpc>
+              <a:spcBef>
+                <a:spcPts val="900"/>
+              </a:spcBef>
+              <a:buSzTx/>
+              <a:buNone/>
+              <a:defRPr sz="2231"/>
+            </a:pPr>
+            <a:r>
+              <a:t>  &lt;/body&gt;</a:t>
+            </a:r>
+          </a:p>
+          <a:p>
+            <a:pPr marL="0" indent="0" defTabSz="886968">
+              <a:lnSpc>
+                <a:spcPct val="72000"/>
+              </a:lnSpc>
+              <a:spcBef>
+                <a:spcPts val="900"/>
+              </a:spcBef>
+              <a:buSzTx/>
+              <a:buNone/>
+              <a:defRPr sz="2231"/>
+            </a:pPr>
+            <a:r>
+              <a:t>&lt;/html&gt;</a:t>
             </a:r>
           </a:p>
         </p:txBody>
@@ -7314,6 +7376,176 @@
       </p:grpSpPr>
       <p:pic>
         <p:nvPicPr>
+          <p:cNvPr id="226" name="Google Shape;54;p13" descr="Google Shape;54;p13"/>
+          <p:cNvPicPr>
+            <a:picLocks noChangeAspect="1"/>
+          </p:cNvPicPr>
+          <p:nvPr/>
+        </p:nvPicPr>
+        <p:blipFill>
+          <a:blip r:embed="rId2"/>
+          <a:stretch>
+            <a:fillRect/>
+          </a:stretch>
+        </p:blipFill>
+        <p:spPr>
+          <a:xfrm>
+            <a:off x="0" y="0"/>
+            <a:ext cx="12191997" cy="6858000"/>
+          </a:xfrm>
+          <a:prstGeom prst="rect">
+            <a:avLst/>
+          </a:prstGeom>
+          <a:ln w="12700">
+            <a:miter lim="400000"/>
+          </a:ln>
+        </p:spPr>
+      </p:pic>
+      <p:sp>
+        <p:nvSpPr>
+          <p:cNvPr id="227" name="Content Placeholder 5"/>
+          <p:cNvSpPr txBox="1">
+            <a:spLocks noGrp="1"/>
+          </p:cNvSpPr>
+          <p:nvPr>
+            <p:ph type="body" idx="1"/>
+          </p:nvPr>
+        </p:nvSpPr>
+        <p:spPr>
+          <a:xfrm>
+            <a:off x="130624" y="1690686"/>
+            <a:ext cx="12409714" cy="4399870"/>
+          </a:xfrm>
+          <a:prstGeom prst="rect">
+            <a:avLst/>
+          </a:prstGeom>
+        </p:spPr>
+        <p:txBody>
+          <a:bodyPr/>
+          <a:lstStyle/>
+          <a:p>
+            <a:pPr marL="0" indent="0">
+              <a:buSzTx/>
+              <a:buNone/>
+              <a:defRPr sz="3700"/>
+            </a:pPr>
+            <a:r>
+              <a:t>// Create a request variable and assign a new XMLHttpRequest object to it.</a:t>
+            </a:r>
+            <a:endParaRPr sz="2500"/>
+          </a:p>
+          <a:p>
+            <a:pPr marL="0" indent="0">
+              <a:buSzTx/>
+              <a:buNone/>
+              <a:defRPr sz="3700"/>
+            </a:pPr>
+            <a:r>
+              <a:t>var request = new XMLHttpRequest()</a:t>
+            </a:r>
+            <a:endParaRPr sz="2500"/>
+          </a:p>
+          <a:p>
+            <a:pPr marL="0" indent="0">
+              <a:buSzTx/>
+              <a:buNone/>
+              <a:defRPr sz="4000"/>
+            </a:pPr>
+            <a:endParaRPr sz="2500"/>
+          </a:p>
+          <a:p>
+            <a:pPr marL="0" indent="0">
+              <a:buSzTx/>
+              <a:buNone/>
+              <a:defRPr sz="3700"/>
+            </a:pPr>
+            <a:r>
+              <a:t>// Open a new connection, using the GET request on the URL endpoint</a:t>
+            </a:r>
+            <a:endParaRPr sz="2500"/>
+          </a:p>
+          <a:p>
+            <a:pPr marL="0" indent="0">
+              <a:buSzTx/>
+              <a:buNone/>
+              <a:defRPr sz="3700"/>
+            </a:pPr>
+            <a:r>
+              <a:t>request.open('GET', '</a:t>
+            </a:r>
+            <a:r>
+              <a:rPr u="sng">
+                <a:solidFill>
+                  <a:srgbClr val="0563C1"/>
+                </a:solidFill>
+                <a:uFill>
+                  <a:solidFill>
+                    <a:srgbClr val="0563C1"/>
+                  </a:solidFill>
+                </a:uFill>
+                <a:hlinkClick r:id="rId3"/>
+              </a:rPr>
+              <a:t>https://restcountries.eu/rest/v2/all</a:t>
+            </a:r>
+            <a:r>
+              <a:t>', true)</a:t>
+            </a:r>
+          </a:p>
+        </p:txBody>
+      </p:sp>
+      <p:sp>
+        <p:nvSpPr>
+          <p:cNvPr id="228" name="Title 6"/>
+          <p:cNvSpPr txBox="1">
+            <a:spLocks noGrp="1"/>
+          </p:cNvSpPr>
+          <p:nvPr>
+            <p:ph type="title"/>
+          </p:nvPr>
+        </p:nvSpPr>
+        <p:spPr>
+          <a:prstGeom prst="rect">
+            <a:avLst/>
+          </a:prstGeom>
+        </p:spPr>
+        <p:txBody>
+          <a:bodyPr/>
+          <a:lstStyle/>
+          <a:p>
+            <a:r>
+              <a:t>scripts.js</a:t>
+            </a:r>
+          </a:p>
+        </p:txBody>
+      </p:sp>
+    </p:spTree>
+  </p:cSld>
+  <p:clrMapOvr>
+    <a:masterClrMapping/>
+  </p:clrMapOvr>
+  <p:transition spd="med"/>
+</p:sld>
+</file>
+
+<file path=ppt/slides/slide22.xml><?xml version="1.0" encoding="utf-8"?>
+<p:sld xmlns:a="http://schemas.openxmlformats.org/drawingml/2006/main" xmlns:r="http://schemas.openxmlformats.org/officeDocument/2006/relationships" xmlns:p="http://schemas.openxmlformats.org/presentationml/2006/main">
+  <p:cSld>
+    <p:spTree>
+      <p:nvGrpSpPr>
+        <p:cNvPr id="1" name=""/>
+        <p:cNvGrpSpPr/>
+        <p:nvPr/>
+      </p:nvGrpSpPr>
+      <p:grpSpPr>
+        <a:xfrm>
+          <a:off x="0" y="0"/>
+          <a:ext cx="0" cy="0"/>
+          <a:chOff x="0" y="0"/>
+          <a:chExt cx="0" cy="0"/>
+        </a:xfrm>
+      </p:grpSpPr>
+      <p:pic>
+        <p:nvPicPr>
           <p:cNvPr id="230" name="Google Shape;54;p13" descr="Google Shape;54;p13"/>
           <p:cNvPicPr>
             <a:picLocks noChangeAspect="1"/>
@@ -7465,7 +7697,7 @@
 </p:sld>
 </file>
 
-<file path=ppt/slides/slide22.xml><?xml version="1.0" encoding="utf-8"?>
+<file path=ppt/slides/slide23.xml><?xml version="1.0" encoding="utf-8"?>
 <p:sld xmlns:a="http://schemas.openxmlformats.org/drawingml/2006/main" xmlns:r="http://schemas.openxmlformats.org/officeDocument/2006/relationships" xmlns:p="http://schemas.openxmlformats.org/presentationml/2006/main">
   <p:cSld>
     <p:spTree>
@@ -7667,7 +7899,7 @@
 </p:sld>
 </file>
 
-<file path=ppt/slides/slide23.xml><?xml version="1.0" encoding="utf-8"?>
+<file path=ppt/slides/slide24.xml><?xml version="1.0" encoding="utf-8"?>
 <p:sld xmlns:a="http://schemas.openxmlformats.org/drawingml/2006/main" xmlns:r="http://schemas.openxmlformats.org/officeDocument/2006/relationships" xmlns:p="http://schemas.openxmlformats.org/presentationml/2006/main">
   <p:cSld>
     <p:spTree>
@@ -8121,7 +8353,88 @@
 </p:sld>
 </file>
 
-<file path=ppt/slides/slide24.xml><?xml version="1.0" encoding="utf-8"?>
+<file path=ppt/slides/slide25.xml><?xml version="1.0" encoding="utf-8"?>
+<p:sld xmlns:a="http://schemas.openxmlformats.org/drawingml/2006/main" xmlns:r="http://schemas.openxmlformats.org/officeDocument/2006/relationships" xmlns:p="http://schemas.openxmlformats.org/presentationml/2006/main">
+  <p:cSld>
+    <p:spTree>
+      <p:nvGrpSpPr>
+        <p:cNvPr id="1" name=""/>
+        <p:cNvGrpSpPr/>
+        <p:nvPr/>
+      </p:nvGrpSpPr>
+      <p:grpSpPr>
+        <a:xfrm>
+          <a:off x="0" y="0"/>
+          <a:ext cx="0" cy="0"/>
+          <a:chOff x="0" y="0"/>
+          <a:chExt cx="0" cy="0"/>
+        </a:xfrm>
+      </p:grpSpPr>
+      <p:sp>
+        <p:nvSpPr>
+          <p:cNvPr id="2" name="Title 1">
+            <a:extLst>
+              <a:ext uri="{FF2B5EF4-FFF2-40B4-BE49-F238E27FC236}">
+                <a16:creationId xmlns:a16="http://schemas.microsoft.com/office/drawing/2014/main" id="{8CF8F62A-085C-0242-A5C6-6DD5DB554E31}"/>
+              </a:ext>
+            </a:extLst>
+          </p:cNvPr>
+          <p:cNvSpPr>
+            <a:spLocks noGrp="1"/>
+          </p:cNvSpPr>
+          <p:nvPr>
+            <p:ph type="title"/>
+          </p:nvPr>
+        </p:nvSpPr>
+        <p:spPr/>
+        <p:txBody>
+          <a:bodyPr/>
+          <a:lstStyle/>
+          <a:p>
+            <a:endParaRPr lang="en-US"/>
+          </a:p>
+        </p:txBody>
+      </p:sp>
+      <p:sp>
+        <p:nvSpPr>
+          <p:cNvPr id="3" name="Text Placeholder 2">
+            <a:extLst>
+              <a:ext uri="{FF2B5EF4-FFF2-40B4-BE49-F238E27FC236}">
+                <a16:creationId xmlns:a16="http://schemas.microsoft.com/office/drawing/2014/main" id="{5F195287-4F64-7440-A781-ECE94CCCD55B}"/>
+              </a:ext>
+            </a:extLst>
+          </p:cNvPr>
+          <p:cNvSpPr>
+            <a:spLocks noGrp="1"/>
+          </p:cNvSpPr>
+          <p:nvPr>
+            <p:ph type="body" idx="1"/>
+          </p:nvPr>
+        </p:nvSpPr>
+        <p:spPr/>
+        <p:txBody>
+          <a:bodyPr/>
+          <a:lstStyle/>
+          <a:p>
+            <a:endParaRPr lang="en-US"/>
+          </a:p>
+        </p:txBody>
+      </p:sp>
+    </p:spTree>
+    <p:extLst>
+      <p:ext uri="{BB962C8B-B14F-4D97-AF65-F5344CB8AC3E}">
+        <p14:creationId xmlns:p14="http://schemas.microsoft.com/office/powerpoint/2010/main" val="4172386101"/>
+      </p:ext>
+    </p:extLst>
+  </p:cSld>
+  <p:clrMapOvr>
+    <a:masterClrMapping/>
+  </p:clrMapOvr>
+  <p:transition spd="med"/>
+</p:sld>
+</file>
+
+<file path=ppt/slides/slide26.xml><?xml version="1.0" encoding="utf-8"?>
 <p:sld xmlns:a="http://schemas.openxmlformats.org/drawingml/2006/main" xmlns:r="http://schemas.openxmlformats.org/officeDocument/2006/relationships" xmlns:p="http://schemas.openxmlformats.org/presentationml/2006/main">
   <p:cSld>
     <p:spTree>
@@ -8495,7 +8808,7 @@
 </p:sld>
 </file>
 
-<file path=ppt/slides/slide25.xml><?xml version="1.0" encoding="utf-8"?>
+<file path=ppt/slides/slide27.xml><?xml version="1.0" encoding="utf-8"?>
 <p:sld xmlns:a="http://schemas.openxmlformats.org/drawingml/2006/main" xmlns:r="http://schemas.openxmlformats.org/officeDocument/2006/relationships" xmlns:p="http://schemas.openxmlformats.org/presentationml/2006/main">
   <p:cSld>
     <p:spTree>
@@ -8846,7 +9159,7 @@
 </p:sld>
 </file>
 
-<file path=ppt/slides/slide26.xml><?xml version="1.0" encoding="utf-8"?>
+<file path=ppt/slides/slide28.xml><?xml version="1.0" encoding="utf-8"?>
 <p:sld xmlns:a="http://schemas.openxmlformats.org/drawingml/2006/main" xmlns:r="http://schemas.openxmlformats.org/officeDocument/2006/relationships" xmlns:p="http://schemas.openxmlformats.org/presentationml/2006/main">
   <p:cSld>
     <p:spTree>
@@ -9184,7 +9497,7 @@
 </p:sld>
 </file>
 
-<file path=ppt/slides/slide27.xml><?xml version="1.0" encoding="utf-8"?>
+<file path=ppt/slides/slide29.xml><?xml version="1.0" encoding="utf-8"?>
 <p:sld xmlns:a="http://schemas.openxmlformats.org/drawingml/2006/main" xmlns:r="http://schemas.openxmlformats.org/officeDocument/2006/relationships" xmlns:p="http://schemas.openxmlformats.org/presentationml/2006/main">
   <p:cSld>
     <p:spTree>
@@ -9562,7 +9875,702 @@
 </p:sld>
 </file>
 
-<file path=ppt/slides/slide28.xml><?xml version="1.0" encoding="utf-8"?>
+<file path=ppt/slides/slide3.xml><?xml version="1.0" encoding="utf-8"?>
+<p:sld xmlns:a="http://schemas.openxmlformats.org/drawingml/2006/main" xmlns:r="http://schemas.openxmlformats.org/officeDocument/2006/relationships" xmlns:p="http://schemas.openxmlformats.org/presentationml/2006/main">
+  <p:cSld>
+    <p:spTree>
+      <p:nvGrpSpPr>
+        <p:cNvPr id="1" name=""/>
+        <p:cNvGrpSpPr/>
+        <p:nvPr/>
+      </p:nvGrpSpPr>
+      <p:grpSpPr>
+        <a:xfrm>
+          <a:off x="0" y="0"/>
+          <a:ext cx="0" cy="0"/>
+          <a:chOff x="0" y="0"/>
+          <a:chExt cx="0" cy="0"/>
+        </a:xfrm>
+      </p:grpSpPr>
+      <p:pic>
+        <p:nvPicPr>
+          <p:cNvPr id="110" name="Google Shape;54;p13" descr="Google Shape;54;p13"/>
+          <p:cNvPicPr>
+            <a:picLocks noChangeAspect="1"/>
+          </p:cNvPicPr>
+          <p:nvPr/>
+        </p:nvPicPr>
+        <p:blipFill>
+          <a:blip r:embed="rId2"/>
+          <a:stretch>
+            <a:fillRect/>
+          </a:stretch>
+        </p:blipFill>
+        <p:spPr>
+          <a:xfrm>
+            <a:off x="0" y="0"/>
+            <a:ext cx="12191997" cy="6858000"/>
+          </a:xfrm>
+          <a:prstGeom prst="rect">
+            <a:avLst/>
+          </a:prstGeom>
+          <a:ln w="12700">
+            <a:miter lim="400000"/>
+          </a:ln>
+        </p:spPr>
+      </p:pic>
+      <p:sp>
+        <p:nvSpPr>
+          <p:cNvPr id="111" name="Title 1"/>
+          <p:cNvSpPr txBox="1">
+            <a:spLocks noGrp="1"/>
+          </p:cNvSpPr>
+          <p:nvPr>
+            <p:ph type="title"/>
+          </p:nvPr>
+        </p:nvSpPr>
+        <p:spPr>
+          <a:prstGeom prst="rect">
+            <a:avLst/>
+          </a:prstGeom>
+        </p:spPr>
+        <p:txBody>
+          <a:bodyPr/>
+          <a:lstStyle/>
+          <a:p>
+            <a:r>
+              <a:t>Recap</a:t>
+            </a:r>
+          </a:p>
+        </p:txBody>
+      </p:sp>
+      <p:sp>
+        <p:nvSpPr>
+          <p:cNvPr id="112" name="Content Placeholder 2"/>
+          <p:cNvSpPr txBox="1">
+            <a:spLocks noGrp="1"/>
+          </p:cNvSpPr>
+          <p:nvPr>
+            <p:ph type="body" sz="quarter" idx="1"/>
+          </p:nvPr>
+        </p:nvSpPr>
+        <p:spPr>
+          <a:xfrm>
+            <a:off x="838200" y="1825625"/>
+            <a:ext cx="2966546" cy="4351338"/>
+          </a:xfrm>
+          <a:prstGeom prst="rect">
+            <a:avLst/>
+          </a:prstGeom>
+        </p:spPr>
+        <p:txBody>
+          <a:bodyPr/>
+          <a:lstStyle/>
+          <a:p>
+            <a:pPr marL="0" indent="0">
+              <a:lnSpc>
+                <a:spcPct val="72000"/>
+              </a:lnSpc>
+              <a:buSzTx/>
+              <a:buNone/>
+              <a:defRPr sz="1700"/>
+            </a:pPr>
+            <a:r>
+              <a:t>function f()</a:t>
+            </a:r>
+          </a:p>
+          <a:p>
+            <a:pPr marL="0" indent="0">
+              <a:lnSpc>
+                <a:spcPct val="72000"/>
+              </a:lnSpc>
+              <a:buSzTx/>
+              <a:buNone/>
+              <a:defRPr sz="1700"/>
+            </a:pPr>
+            <a:r>
+              <a:t>{</a:t>
+            </a:r>
+          </a:p>
+          <a:p>
+            <a:pPr marL="0" indent="0">
+              <a:lnSpc>
+                <a:spcPct val="72000"/>
+              </a:lnSpc>
+              <a:buSzTx/>
+              <a:buNone/>
+              <a:defRPr sz="1700"/>
+            </a:pPr>
+            <a:r>
+              <a:t>var m1 = 10;</a:t>
+            </a:r>
+          </a:p>
+          <a:p>
+            <a:pPr marL="0" indent="0">
+              <a:lnSpc>
+                <a:spcPct val="72000"/>
+              </a:lnSpc>
+              <a:buSzTx/>
+              <a:buNone/>
+              <a:defRPr sz="1700"/>
+            </a:pPr>
+            <a:r>
+              <a:t>var m2 = 10;</a:t>
+            </a:r>
+          </a:p>
+          <a:p>
+            <a:pPr marL="0" indent="0">
+              <a:lnSpc>
+                <a:spcPct val="72000"/>
+              </a:lnSpc>
+              <a:buSzTx/>
+              <a:buNone/>
+              <a:defRPr sz="1700"/>
+            </a:pPr>
+            <a:r>
+              <a:t>if(m1==m1)</a:t>
+            </a:r>
+          </a:p>
+          <a:p>
+            <a:pPr marL="0" indent="0">
+              <a:lnSpc>
+                <a:spcPct val="72000"/>
+              </a:lnSpc>
+              <a:buSzTx/>
+              <a:buNone/>
+              <a:defRPr sz="1700"/>
+            </a:pPr>
+            <a:r>
+              <a:t>{</a:t>
+            </a:r>
+          </a:p>
+          <a:p>
+            <a:pPr marL="0" indent="0">
+              <a:lnSpc>
+                <a:spcPct val="72000"/>
+              </a:lnSpc>
+              <a:buSzTx/>
+              <a:buNone/>
+              <a:defRPr sz="1700"/>
+            </a:pPr>
+            <a:r>
+              <a:t>console.log("Equal");</a:t>
+            </a:r>
+          </a:p>
+          <a:p>
+            <a:pPr marL="0" indent="0">
+              <a:lnSpc>
+                <a:spcPct val="72000"/>
+              </a:lnSpc>
+              <a:buSzTx/>
+              <a:buNone/>
+              <a:defRPr sz="1700"/>
+            </a:pPr>
+            <a:r>
+              <a:t>}</a:t>
+            </a:r>
+          </a:p>
+          <a:p>
+            <a:pPr marL="0" indent="0">
+              <a:lnSpc>
+                <a:spcPct val="72000"/>
+              </a:lnSpc>
+              <a:buSzTx/>
+              <a:buNone/>
+              <a:defRPr sz="1700"/>
+            </a:pPr>
+            <a:r>
+              <a:t>else</a:t>
+            </a:r>
+          </a:p>
+          <a:p>
+            <a:pPr marL="0" indent="0">
+              <a:lnSpc>
+                <a:spcPct val="72000"/>
+              </a:lnSpc>
+              <a:buSzTx/>
+              <a:buNone/>
+              <a:defRPr sz="1700"/>
+            </a:pPr>
+            <a:r>
+              <a:t>{</a:t>
+            </a:r>
+          </a:p>
+          <a:p>
+            <a:pPr marL="0" indent="0">
+              <a:lnSpc>
+                <a:spcPct val="72000"/>
+              </a:lnSpc>
+              <a:buSzTx/>
+              <a:buNone/>
+              <a:defRPr sz="1700"/>
+            </a:pPr>
+            <a:r>
+              <a:t>console.log("Not Equal");</a:t>
+            </a:r>
+          </a:p>
+          <a:p>
+            <a:pPr marL="0" indent="0">
+              <a:lnSpc>
+                <a:spcPct val="72000"/>
+              </a:lnSpc>
+              <a:buSzTx/>
+              <a:buNone/>
+              <a:defRPr sz="1700"/>
+            </a:pPr>
+            <a:r>
+              <a:t>}</a:t>
+            </a:r>
+          </a:p>
+          <a:p>
+            <a:pPr marL="0" indent="0">
+              <a:lnSpc>
+                <a:spcPct val="72000"/>
+              </a:lnSpc>
+              <a:buSzTx/>
+              <a:buNone/>
+              <a:defRPr sz="1700"/>
+            </a:pPr>
+            <a:r>
+              <a:t>}</a:t>
+            </a:r>
+          </a:p>
+        </p:txBody>
+      </p:sp>
+      <p:sp>
+        <p:nvSpPr>
+          <p:cNvPr id="113" name="Content Placeholder 2"/>
+          <p:cNvSpPr txBox="1"/>
+          <p:nvPr/>
+        </p:nvSpPr>
+        <p:spPr>
+          <a:xfrm>
+            <a:off x="4431160" y="1578631"/>
+            <a:ext cx="2875107" cy="4351338"/>
+          </a:xfrm>
+          <a:prstGeom prst="rect">
+            <a:avLst/>
+          </a:prstGeom>
+          <a:ln w="12700">
+            <a:miter lim="400000"/>
+          </a:ln>
+          <a:extLst>
+            <a:ext uri="{C572A759-6A51-4108-AA02-DFA0A04FC94B}">
+              <ma14:wrappingTextBoxFlag xmlns="" xmlns:m="http://schemas.openxmlformats.org/officeDocument/2006/math" xmlns:a14="http://schemas.microsoft.com/office/drawing/2010/main" xmlns:ma14="http://schemas.microsoft.com/office/mac/drawingml/2011/main" val="1"/>
+            </a:ext>
+          </a:extLst>
+        </p:spPr>
+        <p:txBody>
+          <a:bodyPr lIns="45719" rIns="45719">
+            <a:normAutofit/>
+          </a:bodyPr>
+          <a:lstStyle/>
+          <a:p>
+            <a:pPr>
+              <a:lnSpc>
+                <a:spcPct val="72000"/>
+              </a:lnSpc>
+              <a:spcBef>
+                <a:spcPts val="1000"/>
+              </a:spcBef>
+              <a:defRPr sz="1700"/>
+            </a:pPr>
+            <a:r>
+              <a:t>function f()</a:t>
+            </a:r>
+          </a:p>
+          <a:p>
+            <a:pPr>
+              <a:lnSpc>
+                <a:spcPct val="72000"/>
+              </a:lnSpc>
+              <a:spcBef>
+                <a:spcPts val="1000"/>
+              </a:spcBef>
+              <a:defRPr sz="1700"/>
+            </a:pPr>
+            <a:r>
+              <a:t>{</a:t>
+            </a:r>
+          </a:p>
+          <a:p>
+            <a:pPr>
+              <a:lnSpc>
+                <a:spcPct val="72000"/>
+              </a:lnSpc>
+              <a:spcBef>
+                <a:spcPts val="1000"/>
+              </a:spcBef>
+              <a:defRPr sz="1700"/>
+            </a:pPr>
+            <a:r>
+              <a:t>var m1 = 10;</a:t>
+            </a:r>
+          </a:p>
+          <a:p>
+            <a:pPr>
+              <a:lnSpc>
+                <a:spcPct val="72000"/>
+              </a:lnSpc>
+              <a:spcBef>
+                <a:spcPts val="1000"/>
+              </a:spcBef>
+              <a:defRPr sz="1700"/>
+            </a:pPr>
+            <a:r>
+              <a:t>var m2 = "10";</a:t>
+            </a:r>
+          </a:p>
+          <a:p>
+            <a:pPr>
+              <a:lnSpc>
+                <a:spcPct val="72000"/>
+              </a:lnSpc>
+              <a:spcBef>
+                <a:spcPts val="1000"/>
+              </a:spcBef>
+              <a:defRPr sz="1700"/>
+            </a:pPr>
+            <a:r>
+              <a:t>if(m1==m2)</a:t>
+            </a:r>
+          </a:p>
+          <a:p>
+            <a:pPr>
+              <a:lnSpc>
+                <a:spcPct val="72000"/>
+              </a:lnSpc>
+              <a:spcBef>
+                <a:spcPts val="1000"/>
+              </a:spcBef>
+              <a:defRPr sz="1700"/>
+            </a:pPr>
+            <a:r>
+              <a:t>{</a:t>
+            </a:r>
+          </a:p>
+          <a:p>
+            <a:pPr>
+              <a:lnSpc>
+                <a:spcPct val="72000"/>
+              </a:lnSpc>
+              <a:spcBef>
+                <a:spcPts val="1000"/>
+              </a:spcBef>
+              <a:defRPr sz="1700"/>
+            </a:pPr>
+            <a:r>
+              <a:t>console.log("Equal");</a:t>
+            </a:r>
+          </a:p>
+          <a:p>
+            <a:pPr>
+              <a:lnSpc>
+                <a:spcPct val="72000"/>
+              </a:lnSpc>
+              <a:spcBef>
+                <a:spcPts val="1000"/>
+              </a:spcBef>
+              <a:defRPr sz="1700"/>
+            </a:pPr>
+            <a:r>
+              <a:t>}</a:t>
+            </a:r>
+          </a:p>
+          <a:p>
+            <a:pPr>
+              <a:lnSpc>
+                <a:spcPct val="72000"/>
+              </a:lnSpc>
+              <a:spcBef>
+                <a:spcPts val="1000"/>
+              </a:spcBef>
+              <a:defRPr sz="1700"/>
+            </a:pPr>
+            <a:r>
+              <a:t>else</a:t>
+            </a:r>
+          </a:p>
+          <a:p>
+            <a:pPr>
+              <a:lnSpc>
+                <a:spcPct val="72000"/>
+              </a:lnSpc>
+              <a:spcBef>
+                <a:spcPts val="1000"/>
+              </a:spcBef>
+              <a:defRPr sz="1700"/>
+            </a:pPr>
+            <a:r>
+              <a:t>{</a:t>
+            </a:r>
+          </a:p>
+          <a:p>
+            <a:pPr>
+              <a:lnSpc>
+                <a:spcPct val="72000"/>
+              </a:lnSpc>
+              <a:spcBef>
+                <a:spcPts val="1000"/>
+              </a:spcBef>
+              <a:defRPr sz="1700"/>
+            </a:pPr>
+            <a:r>
+              <a:t>console.log("Not Equal");</a:t>
+            </a:r>
+          </a:p>
+          <a:p>
+            <a:pPr>
+              <a:lnSpc>
+                <a:spcPct val="72000"/>
+              </a:lnSpc>
+              <a:spcBef>
+                <a:spcPts val="1000"/>
+              </a:spcBef>
+              <a:defRPr sz="1700"/>
+            </a:pPr>
+            <a:r>
+              <a:t>}</a:t>
+            </a:r>
+          </a:p>
+          <a:p>
+            <a:pPr>
+              <a:lnSpc>
+                <a:spcPct val="72000"/>
+              </a:lnSpc>
+              <a:spcBef>
+                <a:spcPts val="1000"/>
+              </a:spcBef>
+              <a:defRPr sz="1700"/>
+            </a:pPr>
+            <a:r>
+              <a:t>}</a:t>
+            </a:r>
+          </a:p>
+        </p:txBody>
+      </p:sp>
+      <p:sp>
+        <p:nvSpPr>
+          <p:cNvPr id="114" name="Content Placeholder 2"/>
+          <p:cNvSpPr txBox="1"/>
+          <p:nvPr/>
+        </p:nvSpPr>
+        <p:spPr>
+          <a:xfrm>
+            <a:off x="7915339" y="1394700"/>
+            <a:ext cx="2875106" cy="4351339"/>
+          </a:xfrm>
+          <a:prstGeom prst="rect">
+            <a:avLst/>
+          </a:prstGeom>
+          <a:ln w="12700">
+            <a:miter lim="400000"/>
+          </a:ln>
+          <a:extLst>
+            <a:ext uri="{C572A759-6A51-4108-AA02-DFA0A04FC94B}">
+              <ma14:wrappingTextBoxFlag xmlns="" xmlns:m="http://schemas.openxmlformats.org/officeDocument/2006/math" xmlns:a14="http://schemas.microsoft.com/office/drawing/2010/main" xmlns:ma14="http://schemas.microsoft.com/office/mac/drawingml/2011/main" val="1"/>
+            </a:ext>
+          </a:extLst>
+        </p:spPr>
+        <p:txBody>
+          <a:bodyPr lIns="45719" rIns="45719">
+            <a:normAutofit/>
+          </a:bodyPr>
+          <a:lstStyle/>
+          <a:p>
+            <a:pPr>
+              <a:lnSpc>
+                <a:spcPct val="72000"/>
+              </a:lnSpc>
+              <a:spcBef>
+                <a:spcPts val="1000"/>
+              </a:spcBef>
+              <a:defRPr sz="1700"/>
+            </a:pPr>
+            <a:r>
+              <a:t>function f()</a:t>
+            </a:r>
+          </a:p>
+          <a:p>
+            <a:pPr>
+              <a:lnSpc>
+                <a:spcPct val="72000"/>
+              </a:lnSpc>
+              <a:spcBef>
+                <a:spcPts val="1000"/>
+              </a:spcBef>
+              <a:defRPr sz="1700"/>
+            </a:pPr>
+            <a:r>
+              <a:t>{</a:t>
+            </a:r>
+          </a:p>
+          <a:p>
+            <a:pPr>
+              <a:lnSpc>
+                <a:spcPct val="72000"/>
+              </a:lnSpc>
+              <a:spcBef>
+                <a:spcPts val="1000"/>
+              </a:spcBef>
+              <a:defRPr sz="1700"/>
+            </a:pPr>
+            <a:r>
+              <a:t>var m1 = 10;</a:t>
+            </a:r>
+          </a:p>
+          <a:p>
+            <a:pPr>
+              <a:lnSpc>
+                <a:spcPct val="72000"/>
+              </a:lnSpc>
+              <a:spcBef>
+                <a:spcPts val="1000"/>
+              </a:spcBef>
+              <a:defRPr sz="1700"/>
+            </a:pPr>
+            <a:r>
+              <a:t>var m2 = "10";</a:t>
+            </a:r>
+          </a:p>
+          <a:p>
+            <a:pPr>
+              <a:lnSpc>
+                <a:spcPct val="72000"/>
+              </a:lnSpc>
+              <a:spcBef>
+                <a:spcPts val="1000"/>
+              </a:spcBef>
+              <a:defRPr sz="1700"/>
+            </a:pPr>
+            <a:r>
+              <a:t>if(m1===m2)</a:t>
+            </a:r>
+          </a:p>
+          <a:p>
+            <a:pPr>
+              <a:lnSpc>
+                <a:spcPct val="72000"/>
+              </a:lnSpc>
+              <a:spcBef>
+                <a:spcPts val="1000"/>
+              </a:spcBef>
+              <a:defRPr sz="1700"/>
+            </a:pPr>
+            <a:r>
+              <a:t>{</a:t>
+            </a:r>
+          </a:p>
+          <a:p>
+            <a:pPr>
+              <a:lnSpc>
+                <a:spcPct val="72000"/>
+              </a:lnSpc>
+              <a:spcBef>
+                <a:spcPts val="1000"/>
+              </a:spcBef>
+              <a:defRPr sz="1700"/>
+            </a:pPr>
+            <a:r>
+              <a:t>console.log("Equal");</a:t>
+            </a:r>
+          </a:p>
+          <a:p>
+            <a:pPr>
+              <a:lnSpc>
+                <a:spcPct val="72000"/>
+              </a:lnSpc>
+              <a:spcBef>
+                <a:spcPts val="1000"/>
+              </a:spcBef>
+              <a:defRPr sz="1700"/>
+            </a:pPr>
+            <a:r>
+              <a:t>}</a:t>
+            </a:r>
+          </a:p>
+          <a:p>
+            <a:pPr>
+              <a:lnSpc>
+                <a:spcPct val="72000"/>
+              </a:lnSpc>
+              <a:spcBef>
+                <a:spcPts val="1000"/>
+              </a:spcBef>
+              <a:defRPr sz="1700"/>
+            </a:pPr>
+            <a:r>
+              <a:t>else</a:t>
+            </a:r>
+          </a:p>
+          <a:p>
+            <a:pPr>
+              <a:lnSpc>
+                <a:spcPct val="72000"/>
+              </a:lnSpc>
+              <a:spcBef>
+                <a:spcPts val="1000"/>
+              </a:spcBef>
+              <a:defRPr sz="1700"/>
+            </a:pPr>
+            <a:r>
+              <a:t>{</a:t>
+            </a:r>
+          </a:p>
+          <a:p>
+            <a:pPr>
+              <a:lnSpc>
+                <a:spcPct val="72000"/>
+              </a:lnSpc>
+              <a:spcBef>
+                <a:spcPts val="1000"/>
+              </a:spcBef>
+              <a:defRPr sz="1700"/>
+            </a:pPr>
+            <a:r>
+              <a:t>console.log("Not Equal");</a:t>
+            </a:r>
+          </a:p>
+          <a:p>
+            <a:pPr>
+              <a:lnSpc>
+                <a:spcPct val="72000"/>
+              </a:lnSpc>
+              <a:spcBef>
+                <a:spcPts val="1000"/>
+              </a:spcBef>
+              <a:defRPr sz="1700"/>
+            </a:pPr>
+            <a:r>
+              <a:t>}</a:t>
+            </a:r>
+          </a:p>
+          <a:p>
+            <a:pPr>
+              <a:lnSpc>
+                <a:spcPct val="72000"/>
+              </a:lnSpc>
+              <a:spcBef>
+                <a:spcPts val="1000"/>
+              </a:spcBef>
+              <a:defRPr sz="1700"/>
+            </a:pPr>
+            <a:r>
+              <a:t>}</a:t>
+            </a:r>
+          </a:p>
+        </p:txBody>
+      </p:sp>
+    </p:spTree>
+  </p:cSld>
+  <p:clrMapOvr>
+    <a:masterClrMapping/>
+  </p:clrMapOvr>
+  <p:transition spd="med"/>
+</p:sld>
+</file>
+
+<file path=ppt/slides/slide30.xml><?xml version="1.0" encoding="utf-8"?>
 <p:sld xmlns:a="http://schemas.openxmlformats.org/drawingml/2006/main" xmlns:r="http://schemas.openxmlformats.org/officeDocument/2006/relationships" xmlns:p="http://schemas.openxmlformats.org/presentationml/2006/main">
   <p:cSld>
     <p:spTree>
@@ -10010,7 +11018,7 @@
 </p:sld>
 </file>
 
-<file path=ppt/slides/slide29.xml><?xml version="1.0" encoding="utf-8"?>
+<file path=ppt/slides/slide31.xml><?xml version="1.0" encoding="utf-8"?>
 <p:sld xmlns:a="http://schemas.openxmlformats.org/drawingml/2006/main" xmlns:r="http://schemas.openxmlformats.org/officeDocument/2006/relationships" xmlns:p="http://schemas.openxmlformats.org/presentationml/2006/main">
   <p:cSld>
     <p:spTree>
@@ -10793,702 +11801,7 @@
 </p:sld>
 </file>
 
-<file path=ppt/slides/slide3.xml><?xml version="1.0" encoding="utf-8"?>
-<p:sld xmlns:a="http://schemas.openxmlformats.org/drawingml/2006/main" xmlns:r="http://schemas.openxmlformats.org/officeDocument/2006/relationships" xmlns:p="http://schemas.openxmlformats.org/presentationml/2006/main">
-  <p:cSld>
-    <p:spTree>
-      <p:nvGrpSpPr>
-        <p:cNvPr id="1" name=""/>
-        <p:cNvGrpSpPr/>
-        <p:nvPr/>
-      </p:nvGrpSpPr>
-      <p:grpSpPr>
-        <a:xfrm>
-          <a:off x="0" y="0"/>
-          <a:ext cx="0" cy="0"/>
-          <a:chOff x="0" y="0"/>
-          <a:chExt cx="0" cy="0"/>
-        </a:xfrm>
-      </p:grpSpPr>
-      <p:pic>
-        <p:nvPicPr>
-          <p:cNvPr id="110" name="Google Shape;54;p13" descr="Google Shape;54;p13"/>
-          <p:cNvPicPr>
-            <a:picLocks noChangeAspect="1"/>
-          </p:cNvPicPr>
-          <p:nvPr/>
-        </p:nvPicPr>
-        <p:blipFill>
-          <a:blip r:embed="rId2"/>
-          <a:stretch>
-            <a:fillRect/>
-          </a:stretch>
-        </p:blipFill>
-        <p:spPr>
-          <a:xfrm>
-            <a:off x="0" y="0"/>
-            <a:ext cx="12191997" cy="6858000"/>
-          </a:xfrm>
-          <a:prstGeom prst="rect">
-            <a:avLst/>
-          </a:prstGeom>
-          <a:ln w="12700">
-            <a:miter lim="400000"/>
-          </a:ln>
-        </p:spPr>
-      </p:pic>
-      <p:sp>
-        <p:nvSpPr>
-          <p:cNvPr id="111" name="Title 1"/>
-          <p:cNvSpPr txBox="1">
-            <a:spLocks noGrp="1"/>
-          </p:cNvSpPr>
-          <p:nvPr>
-            <p:ph type="title"/>
-          </p:nvPr>
-        </p:nvSpPr>
-        <p:spPr>
-          <a:prstGeom prst="rect">
-            <a:avLst/>
-          </a:prstGeom>
-        </p:spPr>
-        <p:txBody>
-          <a:bodyPr/>
-          <a:lstStyle/>
-          <a:p>
-            <a:r>
-              <a:t>Recap</a:t>
-            </a:r>
-          </a:p>
-        </p:txBody>
-      </p:sp>
-      <p:sp>
-        <p:nvSpPr>
-          <p:cNvPr id="112" name="Content Placeholder 2"/>
-          <p:cNvSpPr txBox="1">
-            <a:spLocks noGrp="1"/>
-          </p:cNvSpPr>
-          <p:nvPr>
-            <p:ph type="body" sz="quarter" idx="1"/>
-          </p:nvPr>
-        </p:nvSpPr>
-        <p:spPr>
-          <a:xfrm>
-            <a:off x="838200" y="1825625"/>
-            <a:ext cx="2966546" cy="4351338"/>
-          </a:xfrm>
-          <a:prstGeom prst="rect">
-            <a:avLst/>
-          </a:prstGeom>
-        </p:spPr>
-        <p:txBody>
-          <a:bodyPr/>
-          <a:lstStyle/>
-          <a:p>
-            <a:pPr marL="0" indent="0">
-              <a:lnSpc>
-                <a:spcPct val="72000"/>
-              </a:lnSpc>
-              <a:buSzTx/>
-              <a:buNone/>
-              <a:defRPr sz="1700"/>
-            </a:pPr>
-            <a:r>
-              <a:t>function f()</a:t>
-            </a:r>
-          </a:p>
-          <a:p>
-            <a:pPr marL="0" indent="0">
-              <a:lnSpc>
-                <a:spcPct val="72000"/>
-              </a:lnSpc>
-              <a:buSzTx/>
-              <a:buNone/>
-              <a:defRPr sz="1700"/>
-            </a:pPr>
-            <a:r>
-              <a:t>{</a:t>
-            </a:r>
-          </a:p>
-          <a:p>
-            <a:pPr marL="0" indent="0">
-              <a:lnSpc>
-                <a:spcPct val="72000"/>
-              </a:lnSpc>
-              <a:buSzTx/>
-              <a:buNone/>
-              <a:defRPr sz="1700"/>
-            </a:pPr>
-            <a:r>
-              <a:t>var m1 = 10;</a:t>
-            </a:r>
-          </a:p>
-          <a:p>
-            <a:pPr marL="0" indent="0">
-              <a:lnSpc>
-                <a:spcPct val="72000"/>
-              </a:lnSpc>
-              <a:buSzTx/>
-              <a:buNone/>
-              <a:defRPr sz="1700"/>
-            </a:pPr>
-            <a:r>
-              <a:t>var m2 = 10;</a:t>
-            </a:r>
-          </a:p>
-          <a:p>
-            <a:pPr marL="0" indent="0">
-              <a:lnSpc>
-                <a:spcPct val="72000"/>
-              </a:lnSpc>
-              <a:buSzTx/>
-              <a:buNone/>
-              <a:defRPr sz="1700"/>
-            </a:pPr>
-            <a:r>
-              <a:t>if(m1==m1)</a:t>
-            </a:r>
-          </a:p>
-          <a:p>
-            <a:pPr marL="0" indent="0">
-              <a:lnSpc>
-                <a:spcPct val="72000"/>
-              </a:lnSpc>
-              <a:buSzTx/>
-              <a:buNone/>
-              <a:defRPr sz="1700"/>
-            </a:pPr>
-            <a:r>
-              <a:t>{</a:t>
-            </a:r>
-          </a:p>
-          <a:p>
-            <a:pPr marL="0" indent="0">
-              <a:lnSpc>
-                <a:spcPct val="72000"/>
-              </a:lnSpc>
-              <a:buSzTx/>
-              <a:buNone/>
-              <a:defRPr sz="1700"/>
-            </a:pPr>
-            <a:r>
-              <a:t>console.log("Equal");</a:t>
-            </a:r>
-          </a:p>
-          <a:p>
-            <a:pPr marL="0" indent="0">
-              <a:lnSpc>
-                <a:spcPct val="72000"/>
-              </a:lnSpc>
-              <a:buSzTx/>
-              <a:buNone/>
-              <a:defRPr sz="1700"/>
-            </a:pPr>
-            <a:r>
-              <a:t>}</a:t>
-            </a:r>
-          </a:p>
-          <a:p>
-            <a:pPr marL="0" indent="0">
-              <a:lnSpc>
-                <a:spcPct val="72000"/>
-              </a:lnSpc>
-              <a:buSzTx/>
-              <a:buNone/>
-              <a:defRPr sz="1700"/>
-            </a:pPr>
-            <a:r>
-              <a:t>else</a:t>
-            </a:r>
-          </a:p>
-          <a:p>
-            <a:pPr marL="0" indent="0">
-              <a:lnSpc>
-                <a:spcPct val="72000"/>
-              </a:lnSpc>
-              <a:buSzTx/>
-              <a:buNone/>
-              <a:defRPr sz="1700"/>
-            </a:pPr>
-            <a:r>
-              <a:t>{</a:t>
-            </a:r>
-          </a:p>
-          <a:p>
-            <a:pPr marL="0" indent="0">
-              <a:lnSpc>
-                <a:spcPct val="72000"/>
-              </a:lnSpc>
-              <a:buSzTx/>
-              <a:buNone/>
-              <a:defRPr sz="1700"/>
-            </a:pPr>
-            <a:r>
-              <a:t>console.log("Not Equal");</a:t>
-            </a:r>
-          </a:p>
-          <a:p>
-            <a:pPr marL="0" indent="0">
-              <a:lnSpc>
-                <a:spcPct val="72000"/>
-              </a:lnSpc>
-              <a:buSzTx/>
-              <a:buNone/>
-              <a:defRPr sz="1700"/>
-            </a:pPr>
-            <a:r>
-              <a:t>}</a:t>
-            </a:r>
-          </a:p>
-          <a:p>
-            <a:pPr marL="0" indent="0">
-              <a:lnSpc>
-                <a:spcPct val="72000"/>
-              </a:lnSpc>
-              <a:buSzTx/>
-              <a:buNone/>
-              <a:defRPr sz="1700"/>
-            </a:pPr>
-            <a:r>
-              <a:t>}</a:t>
-            </a:r>
-          </a:p>
-        </p:txBody>
-      </p:sp>
-      <p:sp>
-        <p:nvSpPr>
-          <p:cNvPr id="113" name="Content Placeholder 2"/>
-          <p:cNvSpPr txBox="1"/>
-          <p:nvPr/>
-        </p:nvSpPr>
-        <p:spPr>
-          <a:xfrm>
-            <a:off x="4431160" y="1578631"/>
-            <a:ext cx="2875107" cy="4351338"/>
-          </a:xfrm>
-          <a:prstGeom prst="rect">
-            <a:avLst/>
-          </a:prstGeom>
-          <a:ln w="12700">
-            <a:miter lim="400000"/>
-          </a:ln>
-          <a:extLst>
-            <a:ext uri="{C572A759-6A51-4108-AA02-DFA0A04FC94B}">
-              <ma14:wrappingTextBoxFlag xmlns="" xmlns:m="http://schemas.openxmlformats.org/officeDocument/2006/math" xmlns:a14="http://schemas.microsoft.com/office/drawing/2010/main" xmlns:ma14="http://schemas.microsoft.com/office/mac/drawingml/2011/main" val="1"/>
-            </a:ext>
-          </a:extLst>
-        </p:spPr>
-        <p:txBody>
-          <a:bodyPr lIns="45719" rIns="45719">
-            <a:normAutofit/>
-          </a:bodyPr>
-          <a:lstStyle/>
-          <a:p>
-            <a:pPr>
-              <a:lnSpc>
-                <a:spcPct val="72000"/>
-              </a:lnSpc>
-              <a:spcBef>
-                <a:spcPts val="1000"/>
-              </a:spcBef>
-              <a:defRPr sz="1700"/>
-            </a:pPr>
-            <a:r>
-              <a:t>function f()</a:t>
-            </a:r>
-          </a:p>
-          <a:p>
-            <a:pPr>
-              <a:lnSpc>
-                <a:spcPct val="72000"/>
-              </a:lnSpc>
-              <a:spcBef>
-                <a:spcPts val="1000"/>
-              </a:spcBef>
-              <a:defRPr sz="1700"/>
-            </a:pPr>
-            <a:r>
-              <a:t>{</a:t>
-            </a:r>
-          </a:p>
-          <a:p>
-            <a:pPr>
-              <a:lnSpc>
-                <a:spcPct val="72000"/>
-              </a:lnSpc>
-              <a:spcBef>
-                <a:spcPts val="1000"/>
-              </a:spcBef>
-              <a:defRPr sz="1700"/>
-            </a:pPr>
-            <a:r>
-              <a:t>var m1 = 10;</a:t>
-            </a:r>
-          </a:p>
-          <a:p>
-            <a:pPr>
-              <a:lnSpc>
-                <a:spcPct val="72000"/>
-              </a:lnSpc>
-              <a:spcBef>
-                <a:spcPts val="1000"/>
-              </a:spcBef>
-              <a:defRPr sz="1700"/>
-            </a:pPr>
-            <a:r>
-              <a:t>var m2 = "10";</a:t>
-            </a:r>
-          </a:p>
-          <a:p>
-            <a:pPr>
-              <a:lnSpc>
-                <a:spcPct val="72000"/>
-              </a:lnSpc>
-              <a:spcBef>
-                <a:spcPts val="1000"/>
-              </a:spcBef>
-              <a:defRPr sz="1700"/>
-            </a:pPr>
-            <a:r>
-              <a:t>if(m1==m2)</a:t>
-            </a:r>
-          </a:p>
-          <a:p>
-            <a:pPr>
-              <a:lnSpc>
-                <a:spcPct val="72000"/>
-              </a:lnSpc>
-              <a:spcBef>
-                <a:spcPts val="1000"/>
-              </a:spcBef>
-              <a:defRPr sz="1700"/>
-            </a:pPr>
-            <a:r>
-              <a:t>{</a:t>
-            </a:r>
-          </a:p>
-          <a:p>
-            <a:pPr>
-              <a:lnSpc>
-                <a:spcPct val="72000"/>
-              </a:lnSpc>
-              <a:spcBef>
-                <a:spcPts val="1000"/>
-              </a:spcBef>
-              <a:defRPr sz="1700"/>
-            </a:pPr>
-            <a:r>
-              <a:t>console.log("Equal");</a:t>
-            </a:r>
-          </a:p>
-          <a:p>
-            <a:pPr>
-              <a:lnSpc>
-                <a:spcPct val="72000"/>
-              </a:lnSpc>
-              <a:spcBef>
-                <a:spcPts val="1000"/>
-              </a:spcBef>
-              <a:defRPr sz="1700"/>
-            </a:pPr>
-            <a:r>
-              <a:t>}</a:t>
-            </a:r>
-          </a:p>
-          <a:p>
-            <a:pPr>
-              <a:lnSpc>
-                <a:spcPct val="72000"/>
-              </a:lnSpc>
-              <a:spcBef>
-                <a:spcPts val="1000"/>
-              </a:spcBef>
-              <a:defRPr sz="1700"/>
-            </a:pPr>
-            <a:r>
-              <a:t>else</a:t>
-            </a:r>
-          </a:p>
-          <a:p>
-            <a:pPr>
-              <a:lnSpc>
-                <a:spcPct val="72000"/>
-              </a:lnSpc>
-              <a:spcBef>
-                <a:spcPts val="1000"/>
-              </a:spcBef>
-              <a:defRPr sz="1700"/>
-            </a:pPr>
-            <a:r>
-              <a:t>{</a:t>
-            </a:r>
-          </a:p>
-          <a:p>
-            <a:pPr>
-              <a:lnSpc>
-                <a:spcPct val="72000"/>
-              </a:lnSpc>
-              <a:spcBef>
-                <a:spcPts val="1000"/>
-              </a:spcBef>
-              <a:defRPr sz="1700"/>
-            </a:pPr>
-            <a:r>
-              <a:t>console.log("Not Equal");</a:t>
-            </a:r>
-          </a:p>
-          <a:p>
-            <a:pPr>
-              <a:lnSpc>
-                <a:spcPct val="72000"/>
-              </a:lnSpc>
-              <a:spcBef>
-                <a:spcPts val="1000"/>
-              </a:spcBef>
-              <a:defRPr sz="1700"/>
-            </a:pPr>
-            <a:r>
-              <a:t>}</a:t>
-            </a:r>
-          </a:p>
-          <a:p>
-            <a:pPr>
-              <a:lnSpc>
-                <a:spcPct val="72000"/>
-              </a:lnSpc>
-              <a:spcBef>
-                <a:spcPts val="1000"/>
-              </a:spcBef>
-              <a:defRPr sz="1700"/>
-            </a:pPr>
-            <a:r>
-              <a:t>}</a:t>
-            </a:r>
-          </a:p>
-        </p:txBody>
-      </p:sp>
-      <p:sp>
-        <p:nvSpPr>
-          <p:cNvPr id="114" name="Content Placeholder 2"/>
-          <p:cNvSpPr txBox="1"/>
-          <p:nvPr/>
-        </p:nvSpPr>
-        <p:spPr>
-          <a:xfrm>
-            <a:off x="7915339" y="1394700"/>
-            <a:ext cx="2875106" cy="4351339"/>
-          </a:xfrm>
-          <a:prstGeom prst="rect">
-            <a:avLst/>
-          </a:prstGeom>
-          <a:ln w="12700">
-            <a:miter lim="400000"/>
-          </a:ln>
-          <a:extLst>
-            <a:ext uri="{C572A759-6A51-4108-AA02-DFA0A04FC94B}">
-              <ma14:wrappingTextBoxFlag xmlns="" xmlns:m="http://schemas.openxmlformats.org/officeDocument/2006/math" xmlns:a14="http://schemas.microsoft.com/office/drawing/2010/main" xmlns:ma14="http://schemas.microsoft.com/office/mac/drawingml/2011/main" val="1"/>
-            </a:ext>
-          </a:extLst>
-        </p:spPr>
-        <p:txBody>
-          <a:bodyPr lIns="45719" rIns="45719">
-            <a:normAutofit/>
-          </a:bodyPr>
-          <a:lstStyle/>
-          <a:p>
-            <a:pPr>
-              <a:lnSpc>
-                <a:spcPct val="72000"/>
-              </a:lnSpc>
-              <a:spcBef>
-                <a:spcPts val="1000"/>
-              </a:spcBef>
-              <a:defRPr sz="1700"/>
-            </a:pPr>
-            <a:r>
-              <a:t>function f()</a:t>
-            </a:r>
-          </a:p>
-          <a:p>
-            <a:pPr>
-              <a:lnSpc>
-                <a:spcPct val="72000"/>
-              </a:lnSpc>
-              <a:spcBef>
-                <a:spcPts val="1000"/>
-              </a:spcBef>
-              <a:defRPr sz="1700"/>
-            </a:pPr>
-            <a:r>
-              <a:t>{</a:t>
-            </a:r>
-          </a:p>
-          <a:p>
-            <a:pPr>
-              <a:lnSpc>
-                <a:spcPct val="72000"/>
-              </a:lnSpc>
-              <a:spcBef>
-                <a:spcPts val="1000"/>
-              </a:spcBef>
-              <a:defRPr sz="1700"/>
-            </a:pPr>
-            <a:r>
-              <a:t>var m1 = 10;</a:t>
-            </a:r>
-          </a:p>
-          <a:p>
-            <a:pPr>
-              <a:lnSpc>
-                <a:spcPct val="72000"/>
-              </a:lnSpc>
-              <a:spcBef>
-                <a:spcPts val="1000"/>
-              </a:spcBef>
-              <a:defRPr sz="1700"/>
-            </a:pPr>
-            <a:r>
-              <a:t>var m2 = "10";</a:t>
-            </a:r>
-          </a:p>
-          <a:p>
-            <a:pPr>
-              <a:lnSpc>
-                <a:spcPct val="72000"/>
-              </a:lnSpc>
-              <a:spcBef>
-                <a:spcPts val="1000"/>
-              </a:spcBef>
-              <a:defRPr sz="1700"/>
-            </a:pPr>
-            <a:r>
-              <a:t>if(m1===m2)</a:t>
-            </a:r>
-          </a:p>
-          <a:p>
-            <a:pPr>
-              <a:lnSpc>
-                <a:spcPct val="72000"/>
-              </a:lnSpc>
-              <a:spcBef>
-                <a:spcPts val="1000"/>
-              </a:spcBef>
-              <a:defRPr sz="1700"/>
-            </a:pPr>
-            <a:r>
-              <a:t>{</a:t>
-            </a:r>
-          </a:p>
-          <a:p>
-            <a:pPr>
-              <a:lnSpc>
-                <a:spcPct val="72000"/>
-              </a:lnSpc>
-              <a:spcBef>
-                <a:spcPts val="1000"/>
-              </a:spcBef>
-              <a:defRPr sz="1700"/>
-            </a:pPr>
-            <a:r>
-              <a:t>console.log("Equal");</a:t>
-            </a:r>
-          </a:p>
-          <a:p>
-            <a:pPr>
-              <a:lnSpc>
-                <a:spcPct val="72000"/>
-              </a:lnSpc>
-              <a:spcBef>
-                <a:spcPts val="1000"/>
-              </a:spcBef>
-              <a:defRPr sz="1700"/>
-            </a:pPr>
-            <a:r>
-              <a:t>}</a:t>
-            </a:r>
-          </a:p>
-          <a:p>
-            <a:pPr>
-              <a:lnSpc>
-                <a:spcPct val="72000"/>
-              </a:lnSpc>
-              <a:spcBef>
-                <a:spcPts val="1000"/>
-              </a:spcBef>
-              <a:defRPr sz="1700"/>
-            </a:pPr>
-            <a:r>
-              <a:t>else</a:t>
-            </a:r>
-          </a:p>
-          <a:p>
-            <a:pPr>
-              <a:lnSpc>
-                <a:spcPct val="72000"/>
-              </a:lnSpc>
-              <a:spcBef>
-                <a:spcPts val="1000"/>
-              </a:spcBef>
-              <a:defRPr sz="1700"/>
-            </a:pPr>
-            <a:r>
-              <a:t>{</a:t>
-            </a:r>
-          </a:p>
-          <a:p>
-            <a:pPr>
-              <a:lnSpc>
-                <a:spcPct val="72000"/>
-              </a:lnSpc>
-              <a:spcBef>
-                <a:spcPts val="1000"/>
-              </a:spcBef>
-              <a:defRPr sz="1700"/>
-            </a:pPr>
-            <a:r>
-              <a:t>console.log("Not Equal");</a:t>
-            </a:r>
-          </a:p>
-          <a:p>
-            <a:pPr>
-              <a:lnSpc>
-                <a:spcPct val="72000"/>
-              </a:lnSpc>
-              <a:spcBef>
-                <a:spcPts val="1000"/>
-              </a:spcBef>
-              <a:defRPr sz="1700"/>
-            </a:pPr>
-            <a:r>
-              <a:t>}</a:t>
-            </a:r>
-          </a:p>
-          <a:p>
-            <a:pPr>
-              <a:lnSpc>
-                <a:spcPct val="72000"/>
-              </a:lnSpc>
-              <a:spcBef>
-                <a:spcPts val="1000"/>
-              </a:spcBef>
-              <a:defRPr sz="1700"/>
-            </a:pPr>
-            <a:r>
-              <a:t>}</a:t>
-            </a:r>
-          </a:p>
-        </p:txBody>
-      </p:sp>
-    </p:spTree>
-  </p:cSld>
-  <p:clrMapOvr>
-    <a:masterClrMapping/>
-  </p:clrMapOvr>
-  <p:transition spd="med"/>
-</p:sld>
-</file>
-
-<file path=ppt/slides/slide30.xml><?xml version="1.0" encoding="utf-8"?>
+<file path=ppt/slides/slide32.xml><?xml version="1.0" encoding="utf-8"?>
 <p:sld xmlns:a="http://schemas.openxmlformats.org/drawingml/2006/main" xmlns:r="http://schemas.openxmlformats.org/officeDocument/2006/relationships" xmlns:p="http://schemas.openxmlformats.org/presentationml/2006/main">
   <p:cSld>
     <p:spTree>
@@ -12084,7 +12397,7 @@
 </p:sld>
 </file>
 
-<file path=ppt/slides/slide31.xml><?xml version="1.0" encoding="utf-8"?>
+<file path=ppt/slides/slide33.xml><?xml version="1.0" encoding="utf-8"?>
 <p:sld xmlns:a="http://schemas.openxmlformats.org/drawingml/2006/main" xmlns:r="http://schemas.openxmlformats.org/officeDocument/2006/relationships" xmlns:p="http://schemas.openxmlformats.org/presentationml/2006/main">
   <p:cSld>
     <p:spTree>
@@ -12660,7 +12973,7 @@
 </p:sld>
 </file>
 
-<file path=ppt/slides/slide32.xml><?xml version="1.0" encoding="utf-8"?>
+<file path=ppt/slides/slide34.xml><?xml version="1.0" encoding="utf-8"?>
 <p:sld xmlns:a="http://schemas.openxmlformats.org/drawingml/2006/main" xmlns:r="http://schemas.openxmlformats.org/officeDocument/2006/relationships" xmlns:p="http://schemas.openxmlformats.org/presentationml/2006/main">
   <p:cSld>
     <p:spTree>
@@ -13173,7 +13486,7 @@
 </p:sld>
 </file>
 
-<file path=ppt/slides/slide33.xml><?xml version="1.0" encoding="utf-8"?>
+<file path=ppt/slides/slide35.xml><?xml version="1.0" encoding="utf-8"?>
 <p:sld xmlns:a="http://schemas.openxmlformats.org/drawingml/2006/main" xmlns:r="http://schemas.openxmlformats.org/officeDocument/2006/relationships" xmlns:p="http://schemas.openxmlformats.org/presentationml/2006/main">
   <p:cSld>
     <p:spTree>
@@ -13666,7 +13979,7 @@
 </p:sld>
 </file>
 
-<file path=ppt/slides/slide34.xml><?xml version="1.0" encoding="utf-8"?>
+<file path=ppt/slides/slide36.xml><?xml version="1.0" encoding="utf-8"?>
 <p:sld xmlns:a="http://schemas.openxmlformats.org/drawingml/2006/main" xmlns:r="http://schemas.openxmlformats.org/officeDocument/2006/relationships" xmlns:p="http://schemas.openxmlformats.org/presentationml/2006/main">
   <p:cSld>
     <p:spTree>
@@ -14004,7 +14317,7 @@
 </p:sld>
 </file>
 
-<file path=ppt/slides/slide35.xml><?xml version="1.0" encoding="utf-8"?>
+<file path=ppt/slides/slide37.xml><?xml version="1.0" encoding="utf-8"?>
 <p:sld xmlns:a="http://schemas.openxmlformats.org/drawingml/2006/main" xmlns:r="http://schemas.openxmlformats.org/officeDocument/2006/relationships" xmlns:p="http://schemas.openxmlformats.org/presentationml/2006/main">
   <p:cSld>
     <p:spTree>
@@ -14617,7 +14930,7 @@
 </p:sld>
 </file>
 
-<file path=ppt/slides/slide36.xml><?xml version="1.0" encoding="utf-8"?>
+<file path=ppt/slides/slide38.xml><?xml version="1.0" encoding="utf-8"?>
 <p:sld xmlns:a="http://schemas.openxmlformats.org/drawingml/2006/main" xmlns:r="http://schemas.openxmlformats.org/officeDocument/2006/relationships" xmlns:p="http://schemas.openxmlformats.org/presentationml/2006/main">
   <p:cSld>
     <p:spTree>
@@ -14747,7 +15060,7 @@
 </p:sld>
 </file>
 
-<file path=ppt/slides/slide37.xml><?xml version="1.0" encoding="utf-8"?>
+<file path=ppt/slides/slide39.xml><?xml version="1.0" encoding="utf-8"?>
 <p:sld xmlns:a="http://schemas.openxmlformats.org/drawingml/2006/main" xmlns:r="http://schemas.openxmlformats.org/officeDocument/2006/relationships" xmlns:p="http://schemas.openxmlformats.org/presentationml/2006/main">
   <p:cSld>
     <p:spTree>
@@ -15085,7 +15398,235 @@
 </p:sld>
 </file>
 
-<file path=ppt/slides/slide38.xml><?xml version="1.0" encoding="utf-8"?>
+<file path=ppt/slides/slide4.xml><?xml version="1.0" encoding="utf-8"?>
+<p:sld xmlns:a="http://schemas.openxmlformats.org/drawingml/2006/main" xmlns:r="http://schemas.openxmlformats.org/officeDocument/2006/relationships" xmlns:p="http://schemas.openxmlformats.org/presentationml/2006/main">
+  <p:cSld>
+    <p:spTree>
+      <p:nvGrpSpPr>
+        <p:cNvPr id="1" name=""/>
+        <p:cNvGrpSpPr/>
+        <p:nvPr/>
+      </p:nvGrpSpPr>
+      <p:grpSpPr>
+        <a:xfrm>
+          <a:off x="0" y="0"/>
+          <a:ext cx="0" cy="0"/>
+          <a:chOff x="0" y="0"/>
+          <a:chExt cx="0" cy="0"/>
+        </a:xfrm>
+      </p:grpSpPr>
+      <p:pic>
+        <p:nvPicPr>
+          <p:cNvPr id="116" name="Google Shape;54;p13" descr="Google Shape;54;p13"/>
+          <p:cNvPicPr>
+            <a:picLocks noChangeAspect="1"/>
+          </p:cNvPicPr>
+          <p:nvPr/>
+        </p:nvPicPr>
+        <p:blipFill>
+          <a:blip r:embed="rId2"/>
+          <a:stretch>
+            <a:fillRect/>
+          </a:stretch>
+        </p:blipFill>
+        <p:spPr>
+          <a:xfrm>
+            <a:off x="0" y="0"/>
+            <a:ext cx="12191997" cy="6858000"/>
+          </a:xfrm>
+          <a:prstGeom prst="rect">
+            <a:avLst/>
+          </a:prstGeom>
+          <a:ln w="12700">
+            <a:miter lim="400000"/>
+          </a:ln>
+        </p:spPr>
+      </p:pic>
+      <p:sp>
+        <p:nvSpPr>
+          <p:cNvPr id="117" name="Title 1"/>
+          <p:cNvSpPr txBox="1">
+            <a:spLocks noGrp="1"/>
+          </p:cNvSpPr>
+          <p:nvPr>
+            <p:ph type="title"/>
+          </p:nvPr>
+        </p:nvSpPr>
+        <p:spPr>
+          <a:prstGeom prst="rect">
+            <a:avLst/>
+          </a:prstGeom>
+        </p:spPr>
+        <p:txBody>
+          <a:bodyPr/>
+          <a:lstStyle/>
+          <a:p>
+            <a:r>
+              <a:t>Recap</a:t>
+            </a:r>
+          </a:p>
+        </p:txBody>
+      </p:sp>
+      <p:sp>
+        <p:nvSpPr>
+          <p:cNvPr id="118" name="Content Placeholder 2"/>
+          <p:cNvSpPr txBox="1">
+            <a:spLocks noGrp="1"/>
+          </p:cNvSpPr>
+          <p:nvPr>
+            <p:ph type="body" idx="1"/>
+          </p:nvPr>
+        </p:nvSpPr>
+        <p:spPr>
+          <a:prstGeom prst="rect">
+            <a:avLst/>
+          </a:prstGeom>
+        </p:spPr>
+        <p:txBody>
+          <a:bodyPr/>
+          <a:lstStyle/>
+          <a:p>
+            <a:pPr marL="0" indent="0">
+              <a:lnSpc>
+                <a:spcPct val="72000"/>
+              </a:lnSpc>
+              <a:buSzTx/>
+              <a:buNone/>
+              <a:defRPr sz="2500"/>
+            </a:pPr>
+            <a:r>
+              <a:t>var m1 = 10;</a:t>
+            </a:r>
+          </a:p>
+          <a:p>
+            <a:pPr marL="0" indent="0">
+              <a:lnSpc>
+                <a:spcPct val="72000"/>
+              </a:lnSpc>
+              <a:buSzTx/>
+              <a:buNone/>
+              <a:defRPr sz="2500"/>
+            </a:pPr>
+            <a:r>
+              <a:t>var m2 = 10;</a:t>
+            </a:r>
+          </a:p>
+          <a:p>
+            <a:pPr marL="0" indent="0">
+              <a:lnSpc>
+                <a:spcPct val="72000"/>
+              </a:lnSpc>
+              <a:buSzTx/>
+              <a:buNone/>
+              <a:defRPr sz="2500"/>
+            </a:pPr>
+            <a:r>
+              <a:t>If(m1==m1)</a:t>
+            </a:r>
+          </a:p>
+          <a:p>
+            <a:pPr marL="0" indent="0">
+              <a:lnSpc>
+                <a:spcPct val="72000"/>
+              </a:lnSpc>
+              <a:buSzTx/>
+              <a:buNone/>
+              <a:defRPr sz="2500"/>
+            </a:pPr>
+            <a:r>
+              <a:t>{</a:t>
+            </a:r>
+          </a:p>
+          <a:p>
+            <a:pPr marL="0" indent="0">
+              <a:lnSpc>
+                <a:spcPct val="72000"/>
+              </a:lnSpc>
+              <a:buSzTx/>
+              <a:buNone/>
+              <a:defRPr sz="2500"/>
+            </a:pPr>
+            <a:r>
+              <a:t>console.log(“Equal”);</a:t>
+            </a:r>
+          </a:p>
+          <a:p>
+            <a:pPr marL="0" indent="0">
+              <a:lnSpc>
+                <a:spcPct val="72000"/>
+              </a:lnSpc>
+              <a:buSzTx/>
+              <a:buNone/>
+              <a:defRPr sz="2500"/>
+            </a:pPr>
+            <a:r>
+              <a:t>};</a:t>
+            </a:r>
+          </a:p>
+          <a:p>
+            <a:pPr marL="0" indent="0">
+              <a:lnSpc>
+                <a:spcPct val="72000"/>
+              </a:lnSpc>
+              <a:buSzTx/>
+              <a:buNone/>
+              <a:defRPr sz="2500"/>
+            </a:pPr>
+            <a:r>
+              <a:t>else</a:t>
+            </a:r>
+          </a:p>
+          <a:p>
+            <a:pPr marL="0" indent="0">
+              <a:lnSpc>
+                <a:spcPct val="72000"/>
+              </a:lnSpc>
+              <a:buSzTx/>
+              <a:buNone/>
+              <a:defRPr sz="2500"/>
+            </a:pPr>
+            <a:r>
+              <a:t>{</a:t>
+            </a:r>
+          </a:p>
+          <a:p>
+            <a:pPr marL="0" indent="0">
+              <a:lnSpc>
+                <a:spcPct val="72000"/>
+              </a:lnSpc>
+              <a:buSzTx/>
+              <a:buNone/>
+              <a:defRPr sz="2500"/>
+            </a:pPr>
+            <a:r>
+              <a:t>console.log(“Not Equal”);</a:t>
+            </a:r>
+          </a:p>
+          <a:p>
+            <a:pPr marL="0" indent="0">
+              <a:lnSpc>
+                <a:spcPct val="72000"/>
+              </a:lnSpc>
+              <a:buSzTx/>
+              <a:buNone/>
+              <a:defRPr sz="2500"/>
+            </a:pPr>
+            <a:r>
+              <a:t>};</a:t>
+            </a:r>
+          </a:p>
+        </p:txBody>
+      </p:sp>
+    </p:spTree>
+  </p:cSld>
+  <p:clrMapOvr>
+    <a:masterClrMapping/>
+  </p:clrMapOvr>
+  <p:transition spd="med"/>
+</p:sld>
+</file>
+
+<file path=ppt/slides/slide40.xml><?xml version="1.0" encoding="utf-8"?>
 <p:sld xmlns:a="http://schemas.openxmlformats.org/drawingml/2006/main" xmlns:r="http://schemas.openxmlformats.org/officeDocument/2006/relationships" xmlns:p="http://schemas.openxmlformats.org/presentationml/2006/main">
   <p:cSld>
     <p:spTree>
@@ -15546,7 +16087,7 @@
 </p:sld>
 </file>
 
-<file path=ppt/slides/slide39.xml><?xml version="1.0" encoding="utf-8"?>
+<file path=ppt/slides/slide41.xml><?xml version="1.0" encoding="utf-8"?>
 <p:sld xmlns:a="http://schemas.openxmlformats.org/drawingml/2006/main" xmlns:r="http://schemas.openxmlformats.org/officeDocument/2006/relationships" xmlns:p="http://schemas.openxmlformats.org/presentationml/2006/main">
   <p:cSld>
     <p:spTree>
@@ -15941,235 +16482,7 @@
 </p:sld>
 </file>
 
-<file path=ppt/slides/slide4.xml><?xml version="1.0" encoding="utf-8"?>
-<p:sld xmlns:a="http://schemas.openxmlformats.org/drawingml/2006/main" xmlns:r="http://schemas.openxmlformats.org/officeDocument/2006/relationships" xmlns:p="http://schemas.openxmlformats.org/presentationml/2006/main">
-  <p:cSld>
-    <p:spTree>
-      <p:nvGrpSpPr>
-        <p:cNvPr id="1" name=""/>
-        <p:cNvGrpSpPr/>
-        <p:nvPr/>
-      </p:nvGrpSpPr>
-      <p:grpSpPr>
-        <a:xfrm>
-          <a:off x="0" y="0"/>
-          <a:ext cx="0" cy="0"/>
-          <a:chOff x="0" y="0"/>
-          <a:chExt cx="0" cy="0"/>
-        </a:xfrm>
-      </p:grpSpPr>
-      <p:pic>
-        <p:nvPicPr>
-          <p:cNvPr id="116" name="Google Shape;54;p13" descr="Google Shape;54;p13"/>
-          <p:cNvPicPr>
-            <a:picLocks noChangeAspect="1"/>
-          </p:cNvPicPr>
-          <p:nvPr/>
-        </p:nvPicPr>
-        <p:blipFill>
-          <a:blip r:embed="rId2"/>
-          <a:stretch>
-            <a:fillRect/>
-          </a:stretch>
-        </p:blipFill>
-        <p:spPr>
-          <a:xfrm>
-            <a:off x="0" y="0"/>
-            <a:ext cx="12191997" cy="6858000"/>
-          </a:xfrm>
-          <a:prstGeom prst="rect">
-            <a:avLst/>
-          </a:prstGeom>
-          <a:ln w="12700">
-            <a:miter lim="400000"/>
-          </a:ln>
-        </p:spPr>
-      </p:pic>
-      <p:sp>
-        <p:nvSpPr>
-          <p:cNvPr id="117" name="Title 1"/>
-          <p:cNvSpPr txBox="1">
-            <a:spLocks noGrp="1"/>
-          </p:cNvSpPr>
-          <p:nvPr>
-            <p:ph type="title"/>
-          </p:nvPr>
-        </p:nvSpPr>
-        <p:spPr>
-          <a:prstGeom prst="rect">
-            <a:avLst/>
-          </a:prstGeom>
-        </p:spPr>
-        <p:txBody>
-          <a:bodyPr/>
-          <a:lstStyle/>
-          <a:p>
-            <a:r>
-              <a:t>Recap</a:t>
-            </a:r>
-          </a:p>
-        </p:txBody>
-      </p:sp>
-      <p:sp>
-        <p:nvSpPr>
-          <p:cNvPr id="118" name="Content Placeholder 2"/>
-          <p:cNvSpPr txBox="1">
-            <a:spLocks noGrp="1"/>
-          </p:cNvSpPr>
-          <p:nvPr>
-            <p:ph type="body" idx="1"/>
-          </p:nvPr>
-        </p:nvSpPr>
-        <p:spPr>
-          <a:prstGeom prst="rect">
-            <a:avLst/>
-          </a:prstGeom>
-        </p:spPr>
-        <p:txBody>
-          <a:bodyPr/>
-          <a:lstStyle/>
-          <a:p>
-            <a:pPr marL="0" indent="0">
-              <a:lnSpc>
-                <a:spcPct val="72000"/>
-              </a:lnSpc>
-              <a:buSzTx/>
-              <a:buNone/>
-              <a:defRPr sz="2500"/>
-            </a:pPr>
-            <a:r>
-              <a:t>var m1 = 10;</a:t>
-            </a:r>
-          </a:p>
-          <a:p>
-            <a:pPr marL="0" indent="0">
-              <a:lnSpc>
-                <a:spcPct val="72000"/>
-              </a:lnSpc>
-              <a:buSzTx/>
-              <a:buNone/>
-              <a:defRPr sz="2500"/>
-            </a:pPr>
-            <a:r>
-              <a:t>var m2 = 10;</a:t>
-            </a:r>
-          </a:p>
-          <a:p>
-            <a:pPr marL="0" indent="0">
-              <a:lnSpc>
-                <a:spcPct val="72000"/>
-              </a:lnSpc>
-              <a:buSzTx/>
-              <a:buNone/>
-              <a:defRPr sz="2500"/>
-            </a:pPr>
-            <a:r>
-              <a:t>If(m1==m1)</a:t>
-            </a:r>
-          </a:p>
-          <a:p>
-            <a:pPr marL="0" indent="0">
-              <a:lnSpc>
-                <a:spcPct val="72000"/>
-              </a:lnSpc>
-              <a:buSzTx/>
-              <a:buNone/>
-              <a:defRPr sz="2500"/>
-            </a:pPr>
-            <a:r>
-              <a:t>{</a:t>
-            </a:r>
-          </a:p>
-          <a:p>
-            <a:pPr marL="0" indent="0">
-              <a:lnSpc>
-                <a:spcPct val="72000"/>
-              </a:lnSpc>
-              <a:buSzTx/>
-              <a:buNone/>
-              <a:defRPr sz="2500"/>
-            </a:pPr>
-            <a:r>
-              <a:t>console.log(“Equal”);</a:t>
-            </a:r>
-          </a:p>
-          <a:p>
-            <a:pPr marL="0" indent="0">
-              <a:lnSpc>
-                <a:spcPct val="72000"/>
-              </a:lnSpc>
-              <a:buSzTx/>
-              <a:buNone/>
-              <a:defRPr sz="2500"/>
-            </a:pPr>
-            <a:r>
-              <a:t>};</a:t>
-            </a:r>
-          </a:p>
-          <a:p>
-            <a:pPr marL="0" indent="0">
-              <a:lnSpc>
-                <a:spcPct val="72000"/>
-              </a:lnSpc>
-              <a:buSzTx/>
-              <a:buNone/>
-              <a:defRPr sz="2500"/>
-            </a:pPr>
-            <a:r>
-              <a:t>else</a:t>
-            </a:r>
-          </a:p>
-          <a:p>
-            <a:pPr marL="0" indent="0">
-              <a:lnSpc>
-                <a:spcPct val="72000"/>
-              </a:lnSpc>
-              <a:buSzTx/>
-              <a:buNone/>
-              <a:defRPr sz="2500"/>
-            </a:pPr>
-            <a:r>
-              <a:t>{</a:t>
-            </a:r>
-          </a:p>
-          <a:p>
-            <a:pPr marL="0" indent="0">
-              <a:lnSpc>
-                <a:spcPct val="72000"/>
-              </a:lnSpc>
-              <a:buSzTx/>
-              <a:buNone/>
-              <a:defRPr sz="2500"/>
-            </a:pPr>
-            <a:r>
-              <a:t>console.log(“Not Equal”);</a:t>
-            </a:r>
-          </a:p>
-          <a:p>
-            <a:pPr marL="0" indent="0">
-              <a:lnSpc>
-                <a:spcPct val="72000"/>
-              </a:lnSpc>
-              <a:buSzTx/>
-              <a:buNone/>
-              <a:defRPr sz="2500"/>
-            </a:pPr>
-            <a:r>
-              <a:t>};</a:t>
-            </a:r>
-          </a:p>
-        </p:txBody>
-      </p:sp>
-    </p:spTree>
-  </p:cSld>
-  <p:clrMapOvr>
-    <a:masterClrMapping/>
-  </p:clrMapOvr>
-  <p:transition spd="med"/>
-</p:sld>
-</file>
-
-<file path=ppt/slides/slide40.xml><?xml version="1.0" encoding="utf-8"?>
+<file path=ppt/slides/slide42.xml><?xml version="1.0" encoding="utf-8"?>
 <p:sld xmlns:a="http://schemas.openxmlformats.org/drawingml/2006/main" xmlns:r="http://schemas.openxmlformats.org/officeDocument/2006/relationships" xmlns:p="http://schemas.openxmlformats.org/presentationml/2006/main">
   <p:cSld>
     <p:spTree>
@@ -16512,7 +16825,7 @@
 </p:sld>
 </file>
 
-<file path=ppt/slides/slide41.xml><?xml version="1.0" encoding="utf-8"?>
+<file path=ppt/slides/slide43.xml><?xml version="1.0" encoding="utf-8"?>
 <p:sld xmlns:a="http://schemas.openxmlformats.org/drawingml/2006/main" xmlns:r="http://schemas.openxmlformats.org/officeDocument/2006/relationships" xmlns:p="http://schemas.openxmlformats.org/presentationml/2006/main">
   <p:cSld>
     <p:spTree>
@@ -16756,7 +17069,7 @@
 </p:sld>
 </file>
 
-<file path=ppt/slides/slide42.xml><?xml version="1.0" encoding="utf-8"?>
+<file path=ppt/slides/slide44.xml><?xml version="1.0" encoding="utf-8"?>
 <p:sld xmlns:a="http://schemas.openxmlformats.org/drawingml/2006/main" xmlns:r="http://schemas.openxmlformats.org/officeDocument/2006/relationships" xmlns:p="http://schemas.openxmlformats.org/presentationml/2006/main">
   <p:cSld>
     <p:spTree>
@@ -16913,7 +17226,7 @@
 </p:sld>
 </file>
 
-<file path=ppt/slides/slide43.xml><?xml version="1.0" encoding="utf-8"?>
+<file path=ppt/slides/slide45.xml><?xml version="1.0" encoding="utf-8"?>
 <p:sld xmlns:a="http://schemas.openxmlformats.org/drawingml/2006/main" xmlns:r="http://schemas.openxmlformats.org/officeDocument/2006/relationships" xmlns:p="http://schemas.openxmlformats.org/presentationml/2006/main">
   <p:cSld>
     <p:spTree>
@@ -17280,7 +17593,7 @@
 </p:sld>
 </file>
 
-<file path=ppt/slides/slide44.xml><?xml version="1.0" encoding="utf-8"?>
+<file path=ppt/slides/slide46.xml><?xml version="1.0" encoding="utf-8"?>
 <p:sld xmlns:a="http://schemas.openxmlformats.org/drawingml/2006/main" xmlns:r="http://schemas.openxmlformats.org/officeDocument/2006/relationships" xmlns:p="http://schemas.openxmlformats.org/presentationml/2006/main">
   <p:cSld>
     <p:spTree>
@@ -17563,7 +17876,7 @@
 </p:sld>
 </file>
 
-<file path=ppt/slides/slide45.xml><?xml version="1.0" encoding="utf-8"?>
+<file path=ppt/slides/slide47.xml><?xml version="1.0" encoding="utf-8"?>
 <p:sld xmlns:a="http://schemas.openxmlformats.org/drawingml/2006/main" xmlns:r="http://schemas.openxmlformats.org/officeDocument/2006/relationships" xmlns:p="http://schemas.openxmlformats.org/presentationml/2006/main">
   <p:cSld>
     <p:spTree>
@@ -17754,7 +18067,7 @@
 </p:sld>
 </file>
 
-<file path=ppt/slides/slide46.xml><?xml version="1.0" encoding="utf-8"?>
+<file path=ppt/slides/slide48.xml><?xml version="1.0" encoding="utf-8"?>
 <p:sld xmlns:a="http://schemas.openxmlformats.org/drawingml/2006/main" xmlns:r="http://schemas.openxmlformats.org/officeDocument/2006/relationships" xmlns:p="http://schemas.openxmlformats.org/presentationml/2006/main">
   <p:cSld>
     <p:spTree>
@@ -17904,7 +18217,7 @@
 </p:sld>
 </file>
 
-<file path=ppt/slides/slide47.xml><?xml version="1.0" encoding="utf-8"?>
+<file path=ppt/slides/slide49.xml><?xml version="1.0" encoding="utf-8"?>
 <p:sld xmlns:a="http://schemas.openxmlformats.org/drawingml/2006/main" xmlns:r="http://schemas.openxmlformats.org/officeDocument/2006/relationships" xmlns:p="http://schemas.openxmlformats.org/presentationml/2006/main">
   <p:cSld>
     <p:spTree>
@@ -18099,367 +18412,6 @@
             </a:pPr>
             <a:r>
               <a:t>aa();</a:t>
-            </a:r>
-          </a:p>
-        </p:txBody>
-      </p:sp>
-    </p:spTree>
-  </p:cSld>
-  <p:clrMapOvr>
-    <a:masterClrMapping/>
-  </p:clrMapOvr>
-  <p:transition spd="med"/>
-</p:sld>
-</file>
-
-<file path=ppt/slides/slide48.xml><?xml version="1.0" encoding="utf-8"?>
-<p:sld xmlns:a="http://schemas.openxmlformats.org/drawingml/2006/main" xmlns:r="http://schemas.openxmlformats.org/officeDocument/2006/relationships" xmlns:p="http://schemas.openxmlformats.org/presentationml/2006/main">
-  <p:cSld>
-    <p:spTree>
-      <p:nvGrpSpPr>
-        <p:cNvPr id="1" name=""/>
-        <p:cNvGrpSpPr/>
-        <p:nvPr/>
-      </p:nvGrpSpPr>
-      <p:grpSpPr>
-        <a:xfrm>
-          <a:off x="0" y="0"/>
-          <a:ext cx="0" cy="0"/>
-          <a:chOff x="0" y="0"/>
-          <a:chExt cx="0" cy="0"/>
-        </a:xfrm>
-      </p:grpSpPr>
-      <p:pic>
-        <p:nvPicPr>
-          <p:cNvPr id="355" name="Google Shape;54;p13" descr="Google Shape;54;p13"/>
-          <p:cNvPicPr>
-            <a:picLocks noChangeAspect="1"/>
-          </p:cNvPicPr>
-          <p:nvPr/>
-        </p:nvPicPr>
-        <p:blipFill>
-          <a:blip r:embed="rId2"/>
-          <a:stretch>
-            <a:fillRect/>
-          </a:stretch>
-        </p:blipFill>
-        <p:spPr>
-          <a:xfrm>
-            <a:off x="0" y="0"/>
-            <a:ext cx="12191997" cy="6858000"/>
-          </a:xfrm>
-          <a:prstGeom prst="rect">
-            <a:avLst/>
-          </a:prstGeom>
-          <a:ln w="12700">
-            <a:miter lim="400000"/>
-          </a:ln>
-        </p:spPr>
-      </p:pic>
-      <p:sp>
-        <p:nvSpPr>
-          <p:cNvPr id="356" name="Title 1"/>
-          <p:cNvSpPr txBox="1">
-            <a:spLocks noGrp="1"/>
-          </p:cNvSpPr>
-          <p:nvPr>
-            <p:ph type="title"/>
-          </p:nvPr>
-        </p:nvSpPr>
-        <p:spPr>
-          <a:prstGeom prst="rect">
-            <a:avLst/>
-          </a:prstGeom>
-        </p:spPr>
-        <p:txBody>
-          <a:bodyPr/>
-          <a:lstStyle/>
-          <a:p>
-            <a:r>
-              <a:t>Mandatory Tasks - Zen tasks </a:t>
-            </a:r>
-          </a:p>
-        </p:txBody>
-      </p:sp>
-      <p:sp>
-        <p:nvSpPr>
-          <p:cNvPr id="357" name="Content Placeholder 2"/>
-          <p:cNvSpPr txBox="1">
-            <a:spLocks noGrp="1"/>
-          </p:cNvSpPr>
-          <p:nvPr>
-            <p:ph type="body" idx="1"/>
-          </p:nvPr>
-        </p:nvSpPr>
-        <p:spPr>
-          <a:prstGeom prst="rect">
-            <a:avLst/>
-          </a:prstGeom>
-        </p:spPr>
-        <p:txBody>
-          <a:bodyPr/>
-          <a:lstStyle/>
-          <a:p>
-            <a:r>
-              <a:t>Upload to git </a:t>
-            </a:r>
-          </a:p>
-          <a:p>
-            <a:r>
-              <a:t>Warmup tasks</a:t>
-            </a:r>
-          </a:p>
-          <a:p>
-            <a:pPr marL="685800" lvl="1" indent="-228600">
-              <a:spcBef>
-                <a:spcPts val="500"/>
-              </a:spcBef>
-              <a:defRPr sz="2400"/>
-            </a:pPr>
-            <a:r>
-              <a:rPr u="sng">
-                <a:solidFill>
-                  <a:srgbClr val="0563C1"/>
-                </a:solidFill>
-                <a:uFill>
-                  <a:solidFill>
-                    <a:srgbClr val="0563C1"/>
-                  </a:solidFill>
-                </a:uFill>
-                <a:hlinkClick r:id="rId3"/>
-              </a:rPr>
-              <a:t>https://medium.com/@reach2arunprakash/guvi-zen-class-javascript-warm-up-programming-problems-15973c74b87f</a:t>
-            </a:r>
-          </a:p>
-        </p:txBody>
-      </p:sp>
-    </p:spTree>
-  </p:cSld>
-  <p:clrMapOvr>
-    <a:masterClrMapping/>
-  </p:clrMapOvr>
-  <p:transition spd="med"/>
-</p:sld>
-</file>
-
-<file path=ppt/slides/slide49.xml><?xml version="1.0" encoding="utf-8"?>
-<p:sld xmlns:a="http://schemas.openxmlformats.org/drawingml/2006/main" xmlns:r="http://schemas.openxmlformats.org/officeDocument/2006/relationships" xmlns:p="http://schemas.openxmlformats.org/presentationml/2006/main">
-  <p:cSld>
-    <p:spTree>
-      <p:nvGrpSpPr>
-        <p:cNvPr id="1" name=""/>
-        <p:cNvGrpSpPr/>
-        <p:nvPr/>
-      </p:nvGrpSpPr>
-      <p:grpSpPr>
-        <a:xfrm>
-          <a:off x="0" y="0"/>
-          <a:ext cx="0" cy="0"/>
-          <a:chOff x="0" y="0"/>
-          <a:chExt cx="0" cy="0"/>
-        </a:xfrm>
-      </p:grpSpPr>
-      <p:pic>
-        <p:nvPicPr>
-          <p:cNvPr id="359" name="Google Shape;54;p13" descr="Google Shape;54;p13"/>
-          <p:cNvPicPr>
-            <a:picLocks noChangeAspect="1"/>
-          </p:cNvPicPr>
-          <p:nvPr/>
-        </p:nvPicPr>
-        <p:blipFill>
-          <a:blip r:embed="rId2"/>
-          <a:stretch>
-            <a:fillRect/>
-          </a:stretch>
-        </p:blipFill>
-        <p:spPr>
-          <a:xfrm>
-            <a:off x="0" y="0"/>
-            <a:ext cx="12191997" cy="6858000"/>
-          </a:xfrm>
-          <a:prstGeom prst="rect">
-            <a:avLst/>
-          </a:prstGeom>
-          <a:ln w="12700">
-            <a:miter lim="400000"/>
-          </a:ln>
-        </p:spPr>
-      </p:pic>
-      <p:sp>
-        <p:nvSpPr>
-          <p:cNvPr id="360" name="Title 1"/>
-          <p:cNvSpPr txBox="1">
-            <a:spLocks noGrp="1"/>
-          </p:cNvSpPr>
-          <p:nvPr>
-            <p:ph type="title"/>
-          </p:nvPr>
-        </p:nvSpPr>
-        <p:spPr>
-          <a:prstGeom prst="rect">
-            <a:avLst/>
-          </a:prstGeom>
-        </p:spPr>
-        <p:txBody>
-          <a:bodyPr/>
-          <a:lstStyle/>
-          <a:p>
-            <a:r>
-              <a:t>Mandatory Tasks </a:t>
-            </a:r>
-          </a:p>
-        </p:txBody>
-      </p:sp>
-      <p:sp>
-        <p:nvSpPr>
-          <p:cNvPr id="361" name="Content Placeholder 2"/>
-          <p:cNvSpPr txBox="1">
-            <a:spLocks noGrp="1"/>
-          </p:cNvSpPr>
-          <p:nvPr>
-            <p:ph type="body" idx="1"/>
-          </p:nvPr>
-        </p:nvSpPr>
-        <p:spPr>
-          <a:prstGeom prst="rect">
-            <a:avLst/>
-          </a:prstGeom>
-        </p:spPr>
-        <p:txBody>
-          <a:bodyPr/>
-          <a:lstStyle/>
-          <a:p>
-            <a:pPr marL="221742" indent="-221742" defTabSz="886968">
-              <a:lnSpc>
-                <a:spcPct val="81000"/>
-              </a:lnSpc>
-              <a:spcBef>
-                <a:spcPts val="900"/>
-              </a:spcBef>
-              <a:defRPr sz="3492"/>
-            </a:pPr>
-            <a:r>
-              <a:t>Do the below programs in anonymous function &amp; IIFE</a:t>
-            </a:r>
-          </a:p>
-          <a:p>
-            <a:pPr marL="665226" lvl="1" indent="-221742" defTabSz="886968">
-              <a:lnSpc>
-                <a:spcPct val="81000"/>
-              </a:lnSpc>
-              <a:spcBef>
-                <a:spcPts val="400"/>
-              </a:spcBef>
-              <a:defRPr sz="3104"/>
-            </a:pPr>
-            <a:r>
-              <a:t>Print odd numbers in an array </a:t>
-            </a:r>
-            <a:endParaRPr sz="2328"/>
-          </a:p>
-          <a:p>
-            <a:pPr marL="665226" lvl="1" indent="-221742" defTabSz="886968">
-              <a:lnSpc>
-                <a:spcPct val="81000"/>
-              </a:lnSpc>
-              <a:spcBef>
-                <a:spcPts val="400"/>
-              </a:spcBef>
-              <a:defRPr sz="3104"/>
-            </a:pPr>
-            <a:r>
-              <a:t>Convert all the strings to title caps in a string array</a:t>
-            </a:r>
-            <a:endParaRPr sz="2328"/>
-          </a:p>
-          <a:p>
-            <a:pPr marL="665226" lvl="1" indent="-221742" defTabSz="886968">
-              <a:lnSpc>
-                <a:spcPct val="81000"/>
-              </a:lnSpc>
-              <a:spcBef>
-                <a:spcPts val="400"/>
-              </a:spcBef>
-              <a:defRPr sz="3104"/>
-            </a:pPr>
-            <a:r>
-              <a:t>Sum of all numbers in an array</a:t>
-            </a:r>
-            <a:endParaRPr sz="2328"/>
-          </a:p>
-          <a:p>
-            <a:pPr marL="665226" lvl="1" indent="-221742" defTabSz="886968">
-              <a:lnSpc>
-                <a:spcPct val="81000"/>
-              </a:lnSpc>
-              <a:spcBef>
-                <a:spcPts val="400"/>
-              </a:spcBef>
-              <a:defRPr sz="3104"/>
-            </a:pPr>
-            <a:r>
-              <a:t>Return all the prime numbers in an array</a:t>
-            </a:r>
-            <a:endParaRPr sz="2328"/>
-          </a:p>
-          <a:p>
-            <a:pPr marL="665226" lvl="1" indent="-221742" defTabSz="886968">
-              <a:lnSpc>
-                <a:spcPct val="81000"/>
-              </a:lnSpc>
-              <a:spcBef>
-                <a:spcPts val="400"/>
-              </a:spcBef>
-              <a:defRPr sz="3104"/>
-            </a:pPr>
-            <a:r>
-              <a:t>Return all the palindromes in an array</a:t>
-            </a:r>
-            <a:endParaRPr sz="2328"/>
-          </a:p>
-          <a:p>
-            <a:pPr marL="665226" lvl="1" indent="-221742" defTabSz="886968">
-              <a:lnSpc>
-                <a:spcPct val="81000"/>
-              </a:lnSpc>
-              <a:spcBef>
-                <a:spcPts val="400"/>
-              </a:spcBef>
-              <a:defRPr sz="3104"/>
-            </a:pPr>
-            <a:r>
-              <a:t>Return median of two sorted arrays of same size </a:t>
-            </a:r>
-            <a:endParaRPr sz="2328"/>
-          </a:p>
-          <a:p>
-            <a:pPr marL="665226" lvl="1" indent="-221742" defTabSz="886968">
-              <a:lnSpc>
-                <a:spcPct val="81000"/>
-              </a:lnSpc>
-              <a:spcBef>
-                <a:spcPts val="400"/>
-              </a:spcBef>
-              <a:defRPr sz="3104"/>
-            </a:pPr>
-            <a:r>
-              <a:t>Remove duplicates from an array</a:t>
-            </a:r>
-            <a:endParaRPr sz="2328"/>
-          </a:p>
-          <a:p>
-            <a:pPr marL="665226" lvl="1" indent="-221742" defTabSz="886968">
-              <a:lnSpc>
-                <a:spcPct val="81000"/>
-              </a:lnSpc>
-              <a:spcBef>
-                <a:spcPts val="400"/>
-              </a:spcBef>
-              <a:defRPr sz="3104"/>
-            </a:pPr>
-            <a:r>
-              <a:t>Rotate an array by k times and return the rotated array</a:t>
             </a:r>
           </a:p>
         </p:txBody>
@@ -20259,6 +20211,367 @@
           <a:chExt cx="0" cy="0"/>
         </a:xfrm>
       </p:grpSpPr>
+      <p:pic>
+        <p:nvPicPr>
+          <p:cNvPr id="355" name="Google Shape;54;p13" descr="Google Shape;54;p13"/>
+          <p:cNvPicPr>
+            <a:picLocks noChangeAspect="1"/>
+          </p:cNvPicPr>
+          <p:nvPr/>
+        </p:nvPicPr>
+        <p:blipFill>
+          <a:blip r:embed="rId2"/>
+          <a:stretch>
+            <a:fillRect/>
+          </a:stretch>
+        </p:blipFill>
+        <p:spPr>
+          <a:xfrm>
+            <a:off x="0" y="0"/>
+            <a:ext cx="12191997" cy="6858000"/>
+          </a:xfrm>
+          <a:prstGeom prst="rect">
+            <a:avLst/>
+          </a:prstGeom>
+          <a:ln w="12700">
+            <a:miter lim="400000"/>
+          </a:ln>
+        </p:spPr>
+      </p:pic>
+      <p:sp>
+        <p:nvSpPr>
+          <p:cNvPr id="356" name="Title 1"/>
+          <p:cNvSpPr txBox="1">
+            <a:spLocks noGrp="1"/>
+          </p:cNvSpPr>
+          <p:nvPr>
+            <p:ph type="title"/>
+          </p:nvPr>
+        </p:nvSpPr>
+        <p:spPr>
+          <a:prstGeom prst="rect">
+            <a:avLst/>
+          </a:prstGeom>
+        </p:spPr>
+        <p:txBody>
+          <a:bodyPr/>
+          <a:lstStyle/>
+          <a:p>
+            <a:r>
+              <a:t>Mandatory Tasks - Zen tasks </a:t>
+            </a:r>
+          </a:p>
+        </p:txBody>
+      </p:sp>
+      <p:sp>
+        <p:nvSpPr>
+          <p:cNvPr id="357" name="Content Placeholder 2"/>
+          <p:cNvSpPr txBox="1">
+            <a:spLocks noGrp="1"/>
+          </p:cNvSpPr>
+          <p:nvPr>
+            <p:ph type="body" idx="1"/>
+          </p:nvPr>
+        </p:nvSpPr>
+        <p:spPr>
+          <a:prstGeom prst="rect">
+            <a:avLst/>
+          </a:prstGeom>
+        </p:spPr>
+        <p:txBody>
+          <a:bodyPr/>
+          <a:lstStyle/>
+          <a:p>
+            <a:r>
+              <a:t>Upload to git </a:t>
+            </a:r>
+          </a:p>
+          <a:p>
+            <a:r>
+              <a:t>Warmup tasks</a:t>
+            </a:r>
+          </a:p>
+          <a:p>
+            <a:pPr marL="685800" lvl="1" indent="-228600">
+              <a:spcBef>
+                <a:spcPts val="500"/>
+              </a:spcBef>
+              <a:defRPr sz="2400"/>
+            </a:pPr>
+            <a:r>
+              <a:rPr u="sng">
+                <a:solidFill>
+                  <a:srgbClr val="0563C1"/>
+                </a:solidFill>
+                <a:uFill>
+                  <a:solidFill>
+                    <a:srgbClr val="0563C1"/>
+                  </a:solidFill>
+                </a:uFill>
+                <a:hlinkClick r:id="rId3"/>
+              </a:rPr>
+              <a:t>https://medium.com/@reach2arunprakash/guvi-zen-class-javascript-warm-up-programming-problems-15973c74b87f</a:t>
+            </a:r>
+          </a:p>
+        </p:txBody>
+      </p:sp>
+    </p:spTree>
+  </p:cSld>
+  <p:clrMapOvr>
+    <a:masterClrMapping/>
+  </p:clrMapOvr>
+  <p:transition spd="med"/>
+</p:sld>
+</file>
+
+<file path=ppt/slides/slide51.xml><?xml version="1.0" encoding="utf-8"?>
+<p:sld xmlns:a="http://schemas.openxmlformats.org/drawingml/2006/main" xmlns:r="http://schemas.openxmlformats.org/officeDocument/2006/relationships" xmlns:p="http://schemas.openxmlformats.org/presentationml/2006/main">
+  <p:cSld>
+    <p:spTree>
+      <p:nvGrpSpPr>
+        <p:cNvPr id="1" name=""/>
+        <p:cNvGrpSpPr/>
+        <p:nvPr/>
+      </p:nvGrpSpPr>
+      <p:grpSpPr>
+        <a:xfrm>
+          <a:off x="0" y="0"/>
+          <a:ext cx="0" cy="0"/>
+          <a:chOff x="0" y="0"/>
+          <a:chExt cx="0" cy="0"/>
+        </a:xfrm>
+      </p:grpSpPr>
+      <p:pic>
+        <p:nvPicPr>
+          <p:cNvPr id="359" name="Google Shape;54;p13" descr="Google Shape;54;p13"/>
+          <p:cNvPicPr>
+            <a:picLocks noChangeAspect="1"/>
+          </p:cNvPicPr>
+          <p:nvPr/>
+        </p:nvPicPr>
+        <p:blipFill>
+          <a:blip r:embed="rId2"/>
+          <a:stretch>
+            <a:fillRect/>
+          </a:stretch>
+        </p:blipFill>
+        <p:spPr>
+          <a:xfrm>
+            <a:off x="0" y="0"/>
+            <a:ext cx="12191997" cy="6858000"/>
+          </a:xfrm>
+          <a:prstGeom prst="rect">
+            <a:avLst/>
+          </a:prstGeom>
+          <a:ln w="12700">
+            <a:miter lim="400000"/>
+          </a:ln>
+        </p:spPr>
+      </p:pic>
+      <p:sp>
+        <p:nvSpPr>
+          <p:cNvPr id="360" name="Title 1"/>
+          <p:cNvSpPr txBox="1">
+            <a:spLocks noGrp="1"/>
+          </p:cNvSpPr>
+          <p:nvPr>
+            <p:ph type="title"/>
+          </p:nvPr>
+        </p:nvSpPr>
+        <p:spPr>
+          <a:prstGeom prst="rect">
+            <a:avLst/>
+          </a:prstGeom>
+        </p:spPr>
+        <p:txBody>
+          <a:bodyPr/>
+          <a:lstStyle/>
+          <a:p>
+            <a:r>
+              <a:t>Mandatory Tasks </a:t>
+            </a:r>
+          </a:p>
+        </p:txBody>
+      </p:sp>
+      <p:sp>
+        <p:nvSpPr>
+          <p:cNvPr id="361" name="Content Placeholder 2"/>
+          <p:cNvSpPr txBox="1">
+            <a:spLocks noGrp="1"/>
+          </p:cNvSpPr>
+          <p:nvPr>
+            <p:ph type="body" idx="1"/>
+          </p:nvPr>
+        </p:nvSpPr>
+        <p:spPr>
+          <a:prstGeom prst="rect">
+            <a:avLst/>
+          </a:prstGeom>
+        </p:spPr>
+        <p:txBody>
+          <a:bodyPr/>
+          <a:lstStyle/>
+          <a:p>
+            <a:pPr marL="221742" indent="-221742" defTabSz="886968">
+              <a:lnSpc>
+                <a:spcPct val="81000"/>
+              </a:lnSpc>
+              <a:spcBef>
+                <a:spcPts val="900"/>
+              </a:spcBef>
+              <a:defRPr sz="3492"/>
+            </a:pPr>
+            <a:r>
+              <a:t>Do the below programs in anonymous function &amp; IIFE</a:t>
+            </a:r>
+          </a:p>
+          <a:p>
+            <a:pPr marL="665226" lvl="1" indent="-221742" defTabSz="886968">
+              <a:lnSpc>
+                <a:spcPct val="81000"/>
+              </a:lnSpc>
+              <a:spcBef>
+                <a:spcPts val="400"/>
+              </a:spcBef>
+              <a:defRPr sz="3104"/>
+            </a:pPr>
+            <a:r>
+              <a:t>Print odd numbers in an array </a:t>
+            </a:r>
+            <a:endParaRPr sz="2328"/>
+          </a:p>
+          <a:p>
+            <a:pPr marL="665226" lvl="1" indent="-221742" defTabSz="886968">
+              <a:lnSpc>
+                <a:spcPct val="81000"/>
+              </a:lnSpc>
+              <a:spcBef>
+                <a:spcPts val="400"/>
+              </a:spcBef>
+              <a:defRPr sz="3104"/>
+            </a:pPr>
+            <a:r>
+              <a:t>Convert all the strings to title caps in a string array</a:t>
+            </a:r>
+            <a:endParaRPr sz="2328"/>
+          </a:p>
+          <a:p>
+            <a:pPr marL="665226" lvl="1" indent="-221742" defTabSz="886968">
+              <a:lnSpc>
+                <a:spcPct val="81000"/>
+              </a:lnSpc>
+              <a:spcBef>
+                <a:spcPts val="400"/>
+              </a:spcBef>
+              <a:defRPr sz="3104"/>
+            </a:pPr>
+            <a:r>
+              <a:t>Sum of all numbers in an array</a:t>
+            </a:r>
+            <a:endParaRPr sz="2328"/>
+          </a:p>
+          <a:p>
+            <a:pPr marL="665226" lvl="1" indent="-221742" defTabSz="886968">
+              <a:lnSpc>
+                <a:spcPct val="81000"/>
+              </a:lnSpc>
+              <a:spcBef>
+                <a:spcPts val="400"/>
+              </a:spcBef>
+              <a:defRPr sz="3104"/>
+            </a:pPr>
+            <a:r>
+              <a:t>Return all the prime numbers in an array</a:t>
+            </a:r>
+            <a:endParaRPr sz="2328"/>
+          </a:p>
+          <a:p>
+            <a:pPr marL="665226" lvl="1" indent="-221742" defTabSz="886968">
+              <a:lnSpc>
+                <a:spcPct val="81000"/>
+              </a:lnSpc>
+              <a:spcBef>
+                <a:spcPts val="400"/>
+              </a:spcBef>
+              <a:defRPr sz="3104"/>
+            </a:pPr>
+            <a:r>
+              <a:t>Return all the palindromes in an array</a:t>
+            </a:r>
+            <a:endParaRPr sz="2328"/>
+          </a:p>
+          <a:p>
+            <a:pPr marL="665226" lvl="1" indent="-221742" defTabSz="886968">
+              <a:lnSpc>
+                <a:spcPct val="81000"/>
+              </a:lnSpc>
+              <a:spcBef>
+                <a:spcPts val="400"/>
+              </a:spcBef>
+              <a:defRPr sz="3104"/>
+            </a:pPr>
+            <a:r>
+              <a:t>Return median of two sorted arrays of same size </a:t>
+            </a:r>
+            <a:endParaRPr sz="2328"/>
+          </a:p>
+          <a:p>
+            <a:pPr marL="665226" lvl="1" indent="-221742" defTabSz="886968">
+              <a:lnSpc>
+                <a:spcPct val="81000"/>
+              </a:lnSpc>
+              <a:spcBef>
+                <a:spcPts val="400"/>
+              </a:spcBef>
+              <a:defRPr sz="3104"/>
+            </a:pPr>
+            <a:r>
+              <a:t>Remove duplicates from an array</a:t>
+            </a:r>
+            <a:endParaRPr sz="2328"/>
+          </a:p>
+          <a:p>
+            <a:pPr marL="665226" lvl="1" indent="-221742" defTabSz="886968">
+              <a:lnSpc>
+                <a:spcPct val="81000"/>
+              </a:lnSpc>
+              <a:spcBef>
+                <a:spcPts val="400"/>
+              </a:spcBef>
+              <a:defRPr sz="3104"/>
+            </a:pPr>
+            <a:r>
+              <a:t>Rotate an array by k times and return the rotated array</a:t>
+            </a:r>
+          </a:p>
+        </p:txBody>
+      </p:sp>
+    </p:spTree>
+  </p:cSld>
+  <p:clrMapOvr>
+    <a:masterClrMapping/>
+  </p:clrMapOvr>
+  <p:transition spd="med"/>
+</p:sld>
+</file>
+
+<file path=ppt/slides/slide52.xml><?xml version="1.0" encoding="utf-8"?>
+<p:sld xmlns:a="http://schemas.openxmlformats.org/drawingml/2006/main" xmlns:r="http://schemas.openxmlformats.org/officeDocument/2006/relationships" xmlns:p="http://schemas.openxmlformats.org/presentationml/2006/main">
+  <p:cSld>
+    <p:spTree>
+      <p:nvGrpSpPr>
+        <p:cNvPr id="1" name=""/>
+        <p:cNvGrpSpPr/>
+        <p:nvPr/>
+      </p:nvGrpSpPr>
+      <p:grpSpPr>
+        <a:xfrm>
+          <a:off x="0" y="0"/>
+          <a:ext cx="0" cy="0"/>
+          <a:chOff x="0" y="0"/>
+          <a:chExt cx="0" cy="0"/>
+        </a:xfrm>
+      </p:grpSpPr>
       <p:sp>
         <p:nvSpPr>
           <p:cNvPr id="363" name="Body"/>
@@ -20580,7 +20893,7 @@
 </p:sld>
 </file>
 
-<file path=ppt/slides/slide51.xml><?xml version="1.0" encoding="utf-8"?>
+<file path=ppt/slides/slide53.xml><?xml version="1.0" encoding="utf-8"?>
 <p:sld xmlns:a="http://schemas.openxmlformats.org/drawingml/2006/main" xmlns:r="http://schemas.openxmlformats.org/officeDocument/2006/relationships" xmlns:p="http://schemas.openxmlformats.org/presentationml/2006/main">
   <p:cSld>
     <p:spTree>
@@ -21144,7 +21457,7 @@
 </p:sld>
 </file>
 
-<file path=ppt/slides/slide52.xml><?xml version="1.0" encoding="utf-8"?>
+<file path=ppt/slides/slide54.xml><?xml version="1.0" encoding="utf-8"?>
 <p:sld xmlns:a="http://schemas.openxmlformats.org/drawingml/2006/main" xmlns:r="http://schemas.openxmlformats.org/officeDocument/2006/relationships" xmlns:p="http://schemas.openxmlformats.org/presentationml/2006/main">
   <p:cSld>
     <p:spTree>
@@ -21490,7 +21803,7 @@
 </p:sld>
 </file>
 
-<file path=ppt/slides/slide53.xml><?xml version="1.0" encoding="utf-8"?>
+<file path=ppt/slides/slide55.xml><?xml version="1.0" encoding="utf-8"?>
 <p:sld xmlns:a="http://schemas.openxmlformats.org/drawingml/2006/main" xmlns:r="http://schemas.openxmlformats.org/officeDocument/2006/relationships" xmlns:p="http://schemas.openxmlformats.org/presentationml/2006/main">
   <p:cSld>
     <p:spTree>
@@ -21675,7 +21988,7 @@
 </p:sld>
 </file>
 
-<file path=ppt/slides/slide54.xml><?xml version="1.0" encoding="utf-8"?>
+<file path=ppt/slides/slide56.xml><?xml version="1.0" encoding="utf-8"?>
 <p:sld xmlns:a="http://schemas.openxmlformats.org/drawingml/2006/main" xmlns:r="http://schemas.openxmlformats.org/officeDocument/2006/relationships" xmlns:p="http://schemas.openxmlformats.org/presentationml/2006/main">
   <p:cSld>
     <p:spTree>
@@ -22013,7 +22326,7 @@
 </p:sld>
 </file>
 
-<file path=ppt/slides/slide55.xml><?xml version="1.0" encoding="utf-8"?>
+<file path=ppt/slides/slide57.xml><?xml version="1.0" encoding="utf-8"?>
 <p:sld xmlns:a="http://schemas.openxmlformats.org/drawingml/2006/main" xmlns:r="http://schemas.openxmlformats.org/officeDocument/2006/relationships" xmlns:p="http://schemas.openxmlformats.org/presentationml/2006/main">
   <p:cSld>
     <p:spTree>
@@ -22365,6 +22678,7 @@
           </a:lstStyle>
           <a:p>
             <a:r>
+              <a:rPr dirty="0"/>
               <a:t>a</a:t>
             </a:r>
           </a:p>
@@ -22768,7 +23082,16 @@
               <a:defRPr sz="2800"/>
             </a:pPr>
             <a:r>
-              <a:t>var arr = ['a', 'b', 'c'];</a:t>
+              <a:rPr dirty="0"/>
+              <a:t>var </a:t>
+            </a:r>
+            <a:r>
+              <a:rPr dirty="0" err="1"/>
+              <a:t>arr</a:t>
+            </a:r>
+            <a:r>
+              <a:rPr dirty="0"/>
+              <a:t> = ['a', 'b', 'c'];</a:t>
             </a:r>
           </a:p>
           <a:p>
@@ -22776,20 +23099,30 @@
               <a:defRPr sz="2800"/>
             </a:pPr>
             <a:r>
-              <a:t>var arr2 = arr;</a:t>
+              <a:rPr dirty="0"/>
+              <a:t>var arr2 = </a:t>
+            </a:r>
+            <a:r>
+              <a:rPr dirty="0" err="1"/>
+              <a:t>arr</a:t>
+            </a:r>
+            <a:r>
+              <a:rPr dirty="0"/>
+              <a:t>;</a:t>
             </a:r>
           </a:p>
           <a:p>
             <a:pPr>
               <a:defRPr sz="2800"/>
             </a:pPr>
-            <a:endParaRPr/>
+            <a:endParaRPr dirty="0"/>
           </a:p>
           <a:p>
             <a:pPr>
               <a:defRPr sz="2800"/>
             </a:pPr>
             <a:r>
+              <a:rPr dirty="0"/>
               <a:t>arr2[2] = ‘r'</a:t>
             </a:r>
           </a:p>
@@ -22797,14 +23130,27 @@
             <a:pPr>
               <a:defRPr sz="2800"/>
             </a:pPr>
-            <a:endParaRPr/>
+            <a:endParaRPr dirty="0"/>
           </a:p>
           <a:p>
             <a:pPr>
               <a:defRPr sz="2800"/>
             </a:pPr>
             <a:r>
-              <a:t>console.log(arr);</a:t>
+              <a:rPr dirty="0" err="1"/>
+              <a:t>console.log</a:t>
+            </a:r>
+            <a:r>
+              <a:rPr dirty="0"/>
+              <a:t>(</a:t>
+            </a:r>
+            <a:r>
+              <a:rPr dirty="0" err="1"/>
+              <a:t>arr</a:t>
+            </a:r>
+            <a:r>
+              <a:rPr dirty="0"/>
+              <a:t>);</a:t>
             </a:r>
           </a:p>
           <a:p>
@@ -22812,14 +23158,19 @@
               <a:defRPr sz="2800"/>
             </a:pPr>
             <a:r>
-              <a:t>console.log(arr2);</a:t>
+              <a:rPr dirty="0" err="1"/>
+              <a:t>console.log</a:t>
+            </a:r>
+            <a:r>
+              <a:rPr dirty="0"/>
+              <a:t>(arr2);</a:t>
             </a:r>
           </a:p>
           <a:p>
             <a:pPr>
               <a:defRPr sz="2800"/>
             </a:pPr>
-            <a:endParaRPr/>
+            <a:endParaRPr dirty="0"/>
           </a:p>
         </p:txBody>
       </p:sp>
@@ -22874,7 +23225,7 @@
         <p:spPr>
           <a:xfrm>
             <a:off x="3566160" y="4731365"/>
-            <a:ext cx="7799070" cy="1176100"/>
+            <a:ext cx="7799070" cy="1200329"/>
           </a:xfrm>
           <a:prstGeom prst="rect">
             <a:avLst/>
@@ -22897,17 +23248,22 @@
             <a:pPr>
               <a:defRPr sz="3600"/>
             </a:pPr>
-            <a:endParaRPr/>
+            <a:endParaRPr dirty="0"/>
           </a:p>
           <a:p>
             <a:pPr>
               <a:defRPr sz="3600"/>
             </a:pPr>
             <a:r>
-              <a:t>arr </a:t>
-            </a:r>
-            <a:r>
-              <a:rPr>
+              <a:rPr dirty="0" err="1"/>
+              <a:t>arr</a:t>
+            </a:r>
+            <a:r>
+              <a:rPr dirty="0"/>
+              <a:t> </a:t>
+            </a:r>
+            <a:r>
+              <a:rPr dirty="0">
                 <a:latin typeface="Wingdings"/>
                 <a:ea typeface="Wingdings"/>
                 <a:cs typeface="Wingdings"/>
@@ -22916,7 +23272,16 @@
               <a:t> </a:t>
             </a:r>
             <a:r>
-              <a:t>Array(4) [ "a", "b", "c", "r" ]</a:t>
+              <a:rPr dirty="0"/>
+              <a:t>Array(</a:t>
+            </a:r>
+            <a:r>
+              <a:rPr lang="en-US" dirty="0"/>
+              <a:t>3</a:t>
+            </a:r>
+            <a:r>
+              <a:rPr dirty="0"/>
+              <a:t>) [ "a", "b", "r" ]</a:t>
             </a:r>
           </a:p>
         </p:txBody>
@@ -23249,9 +23614,65 @@
           <a:chExt cx="0" cy="0"/>
         </a:xfrm>
       </p:grpSpPr>
+      <p:sp>
+        <p:nvSpPr>
+          <p:cNvPr id="2" name="Title 1">
+            <a:extLst>
+              <a:ext uri="{FF2B5EF4-FFF2-40B4-BE49-F238E27FC236}">
+                <a16:creationId xmlns:a16="http://schemas.microsoft.com/office/drawing/2014/main" id="{8097339A-D17A-334B-AAF2-2AE8673C7C2C}"/>
+              </a:ext>
+            </a:extLst>
+          </p:cNvPr>
+          <p:cNvSpPr>
+            <a:spLocks noGrp="1"/>
+          </p:cNvSpPr>
+          <p:nvPr>
+            <p:ph type="title"/>
+          </p:nvPr>
+        </p:nvSpPr>
+        <p:spPr/>
+        <p:txBody>
+          <a:bodyPr/>
+          <a:lstStyle/>
+          <a:p>
+            <a:endParaRPr lang="en-US"/>
+          </a:p>
+        </p:txBody>
+      </p:sp>
+      <p:sp>
+        <p:nvSpPr>
+          <p:cNvPr id="3" name="Text Placeholder 2">
+            <a:extLst>
+              <a:ext uri="{FF2B5EF4-FFF2-40B4-BE49-F238E27FC236}">
+                <a16:creationId xmlns:a16="http://schemas.microsoft.com/office/drawing/2014/main" id="{17F36B00-BB00-834C-BB62-C73B37CF6718}"/>
+              </a:ext>
+            </a:extLst>
+          </p:cNvPr>
+          <p:cNvSpPr>
+            <a:spLocks noGrp="1"/>
+          </p:cNvSpPr>
+          <p:nvPr>
+            <p:ph type="body" idx="1"/>
+          </p:nvPr>
+        </p:nvSpPr>
+        <p:spPr/>
+        <p:txBody>
+          <a:bodyPr/>
+          <a:lstStyle/>
+          <a:p>
+            <a:endParaRPr lang="en-US"/>
+          </a:p>
+        </p:txBody>
+      </p:sp>
       <p:pic>
         <p:nvPicPr>
-          <p:cNvPr id="165" name="Google Shape;54;p13" descr="Google Shape;54;p13"/>
+          <p:cNvPr id="4" name="Google Shape;54;p13" descr="Google Shape;54;p13">
+            <a:extLst>
+              <a:ext uri="{FF2B5EF4-FFF2-40B4-BE49-F238E27FC236}">
+                <a16:creationId xmlns:a16="http://schemas.microsoft.com/office/drawing/2014/main" id="{C8D265DD-B301-7A4C-BAB8-F43BDCE28357}"/>
+              </a:ext>
+            </a:extLst>
+          </p:cNvPr>
           <p:cNvPicPr>
             <a:picLocks noChangeAspect="1"/>
           </p:cNvPicPr>
@@ -23278,30 +23699,46 @@
       </p:pic>
       <p:sp>
         <p:nvSpPr>
-          <p:cNvPr id="166" name="Title 1"/>
-          <p:cNvSpPr txBox="1">
-            <a:spLocks noGrp="1"/>
-          </p:cNvSpPr>
-          <p:nvPr>
-            <p:ph type="title"/>
-          </p:nvPr>
+          <p:cNvPr id="5" name="10">
+            <a:extLst>
+              <a:ext uri="{FF2B5EF4-FFF2-40B4-BE49-F238E27FC236}">
+                <a16:creationId xmlns:a16="http://schemas.microsoft.com/office/drawing/2014/main" id="{6713031A-5B5E-BB41-A960-1EC356FC1C56}"/>
+              </a:ext>
+            </a:extLst>
+          </p:cNvPr>
+          <p:cNvSpPr/>
+          <p:nvPr/>
         </p:nvSpPr>
         <p:spPr>
+          <a:xfrm>
+            <a:off x="8144646" y="2794652"/>
+            <a:ext cx="1184705" cy="424914"/>
+          </a:xfrm>
           <a:prstGeom prst="rect">
             <a:avLst/>
           </a:prstGeom>
+          <a:solidFill>
+            <a:srgbClr val="FFFFFF"/>
+          </a:solidFill>
+          <a:ln w="12700">
+            <a:solidFill>
+              <a:schemeClr val="accent1"/>
+            </a:solidFill>
+            <a:miter/>
+          </a:ln>
+          <a:extLst>
+            <a:ext uri="{C572A759-6A51-4108-AA02-DFA0A04FC94B}">
+              <ma14:wrappingTextBoxFlag xmlns="" xmlns:m="http://schemas.openxmlformats.org/officeDocument/2006/math" xmlns:a14="http://schemas.microsoft.com/office/drawing/2010/main" xmlns:ma14="http://schemas.microsoft.com/office/mac/drawingml/2011/main" val="1"/>
+            </a:ext>
+          </a:extLst>
         </p:spPr>
         <p:txBody>
-          <a:bodyPr/>
+          <a:bodyPr lIns="45719" rIns="45719" anchor="ctr"/>
           <a:lstStyle/>
           <a:p>
             <a:r>
-              <a:rPr dirty="0"/>
-              <a:t>Window object</a:t>
-            </a:r>
-            <a:r>
               <a:rPr lang="en-US" dirty="0"/>
-              <a:t> &amp; Document Object</a:t>
+              <a:t>a, b ,c</a:t>
             </a:r>
             <a:endParaRPr dirty="0"/>
           </a:p>
@@ -23309,78 +23746,363 @@
       </p:sp>
       <p:sp>
         <p:nvSpPr>
-          <p:cNvPr id="167" name="Content Placeholder 2"/>
-          <p:cNvSpPr txBox="1">
-            <a:spLocks noGrp="1"/>
-          </p:cNvSpPr>
-          <p:nvPr>
-            <p:ph type="body" idx="1"/>
-          </p:nvPr>
+          <p:cNvPr id="7" name="a">
+            <a:extLst>
+              <a:ext uri="{FF2B5EF4-FFF2-40B4-BE49-F238E27FC236}">
+                <a16:creationId xmlns:a16="http://schemas.microsoft.com/office/drawing/2014/main" id="{51FC26B0-83CA-5A4A-A04D-8C1399D2B0BD}"/>
+              </a:ext>
+            </a:extLst>
+          </p:cNvPr>
+          <p:cNvSpPr txBox="1"/>
+          <p:nvPr/>
         </p:nvSpPr>
         <p:spPr>
+          <a:xfrm>
+            <a:off x="5656033" y="2365703"/>
+            <a:ext cx="513921" cy="523220"/>
+          </a:xfrm>
           <a:prstGeom prst="rect">
             <a:avLst/>
           </a:prstGeom>
+          <a:ln w="12700">
+            <a:miter lim="400000"/>
+          </a:ln>
+          <a:extLst>
+            <a:ext uri="{C572A759-6A51-4108-AA02-DFA0A04FC94B}">
+              <ma14:wrappingTextBoxFlag xmlns="" xmlns:m="http://schemas.openxmlformats.org/officeDocument/2006/math" xmlns:a14="http://schemas.microsoft.com/office/drawing/2010/main" xmlns:ma14="http://schemas.microsoft.com/office/mac/drawingml/2011/main" val="1"/>
+            </a:ext>
+          </a:extLst>
         </p:spPr>
         <p:txBody>
-          <a:bodyPr/>
-          <a:lstStyle/>
-          <a:p>
-            <a:r>
-              <a:rPr dirty="0"/>
-              <a:t>The Window interface represents a window containing a DOM document</a:t>
-            </a:r>
-          </a:p>
-          <a:p>
-            <a:r>
-              <a:rPr dirty="0"/>
-              <a:t>A global variable, window, representing the window in which the script is running, is exposed to JavaScript code</a:t>
-            </a:r>
-            <a:endParaRPr lang="en-US" dirty="0"/>
-          </a:p>
-          <a:p>
-            <a:r>
-              <a:rPr lang="en-IN" dirty="0" err="1"/>
-              <a:t>window.document</a:t>
-            </a:r>
-            <a:endParaRPr dirty="0"/>
-          </a:p>
+          <a:bodyPr wrap="none" lIns="45719" rIns="45719">
+            <a:spAutoFit/>
+          </a:bodyPr>
+          <a:lstStyle>
+            <a:lvl1pPr>
+              <a:defRPr sz="2800"/>
+            </a:lvl1pPr>
+          </a:lstStyle>
           <a:p>
             <a:r>
               <a:rPr dirty="0" err="1"/>
-              <a:t>Window.localStorage</a:t>
-            </a:r>
-            <a:endParaRPr dirty="0"/>
-          </a:p>
-          <a:p>
-            <a:r>
-              <a:rPr dirty="0" err="1"/>
-              <a:t>Window.location</a:t>
-            </a:r>
-            <a:endParaRPr dirty="0"/>
-          </a:p>
-          <a:p>
-            <a:r>
-              <a:rPr dirty="0" err="1"/>
-              <a:t>Window.name</a:t>
-            </a:r>
-            <a:endParaRPr dirty="0"/>
-          </a:p>
-          <a:p>
-            <a:r>
-              <a:rPr dirty="0" err="1"/>
-              <a:t>Window.sessionStorage</a:t>
+              <a:t>a</a:t>
+            </a:r>
+            <a:r>
+              <a:rPr lang="en-US" dirty="0" err="1"/>
+              <a:t>rr</a:t>
             </a:r>
             <a:endParaRPr dirty="0"/>
           </a:p>
         </p:txBody>
       </p:sp>
+      <p:sp>
+        <p:nvSpPr>
+          <p:cNvPr id="8" name="b">
+            <a:extLst>
+              <a:ext uri="{FF2B5EF4-FFF2-40B4-BE49-F238E27FC236}">
+                <a16:creationId xmlns:a16="http://schemas.microsoft.com/office/drawing/2014/main" id="{F8B8D336-DE6B-5C49-8C10-8F6DF0DC65D1}"/>
+              </a:ext>
+            </a:extLst>
+          </p:cNvPr>
+          <p:cNvSpPr txBox="1"/>
+          <p:nvPr/>
+        </p:nvSpPr>
+        <p:spPr>
+          <a:xfrm>
+            <a:off x="5656033" y="3429000"/>
+            <a:ext cx="696664" cy="523220"/>
+          </a:xfrm>
+          <a:prstGeom prst="rect">
+            <a:avLst/>
+          </a:prstGeom>
+          <a:ln w="12700">
+            <a:miter lim="400000"/>
+          </a:ln>
+          <a:extLst>
+            <a:ext uri="{C572A759-6A51-4108-AA02-DFA0A04FC94B}">
+              <ma14:wrappingTextBoxFlag xmlns="" xmlns:m="http://schemas.openxmlformats.org/officeDocument/2006/math" xmlns:a14="http://schemas.microsoft.com/office/drawing/2010/main" xmlns:ma14="http://schemas.microsoft.com/office/mac/drawingml/2011/main" val="1"/>
+            </a:ext>
+          </a:extLst>
+        </p:spPr>
+        <p:txBody>
+          <a:bodyPr wrap="none" lIns="45719" rIns="45719">
+            <a:spAutoFit/>
+          </a:bodyPr>
+          <a:lstStyle>
+            <a:lvl1pPr>
+              <a:defRPr sz="2800"/>
+            </a:lvl1pPr>
+          </a:lstStyle>
+          <a:p>
+            <a:r>
+              <a:rPr lang="en-US" dirty="0"/>
+              <a:t>arr2</a:t>
+            </a:r>
+            <a:endParaRPr dirty="0"/>
+          </a:p>
+        </p:txBody>
+      </p:sp>
+      <p:cxnSp>
+        <p:nvCxnSpPr>
+          <p:cNvPr id="10" name="Straight Arrow Connector 9">
+            <a:extLst>
+              <a:ext uri="{FF2B5EF4-FFF2-40B4-BE49-F238E27FC236}">
+                <a16:creationId xmlns:a16="http://schemas.microsoft.com/office/drawing/2014/main" id="{32B92EE9-496C-B445-82D7-819D66EE95BD}"/>
+              </a:ext>
+            </a:extLst>
+          </p:cNvPr>
+          <p:cNvCxnSpPr/>
+          <p:nvPr/>
+        </p:nvCxnSpPr>
+        <p:spPr>
+          <a:xfrm>
+            <a:off x="6096000" y="2656703"/>
+            <a:ext cx="1799968" cy="420129"/>
+          </a:xfrm>
+          <a:prstGeom prst="straightConnector1">
+            <a:avLst/>
+          </a:prstGeom>
+          <a:noFill/>
+          <a:ln w="12700" cap="flat">
+            <a:solidFill>
+              <a:schemeClr val="accent1"/>
+            </a:solidFill>
+            <a:prstDash val="solid"/>
+            <a:miter lim="800000"/>
+            <a:tailEnd type="triangle"/>
+          </a:ln>
+          <a:effectLst/>
+          <a:sp3d/>
+        </p:spPr>
+        <p:style>
+          <a:lnRef idx="0">
+            <a:scrgbClr r="0" g="0" b="0"/>
+          </a:lnRef>
+          <a:fillRef idx="0">
+            <a:scrgbClr r="0" g="0" b="0"/>
+          </a:fillRef>
+          <a:effectRef idx="0">
+            <a:scrgbClr r="0" g="0" b="0"/>
+          </a:effectRef>
+          <a:fontRef idx="none"/>
+        </p:style>
+      </p:cxnSp>
+      <p:cxnSp>
+        <p:nvCxnSpPr>
+          <p:cNvPr id="11" name="Straight Arrow Connector 10">
+            <a:extLst>
+              <a:ext uri="{FF2B5EF4-FFF2-40B4-BE49-F238E27FC236}">
+                <a16:creationId xmlns:a16="http://schemas.microsoft.com/office/drawing/2014/main" id="{C02A6119-0F01-D141-90F1-73DCF4F4107E}"/>
+              </a:ext>
+            </a:extLst>
+          </p:cNvPr>
+          <p:cNvCxnSpPr>
+            <a:cxnSpLocks/>
+          </p:cNvCxnSpPr>
+          <p:nvPr/>
+        </p:nvCxnSpPr>
+        <p:spPr>
+          <a:xfrm flipV="1">
+            <a:off x="6512011" y="3219566"/>
+            <a:ext cx="1383957" cy="561604"/>
+          </a:xfrm>
+          <a:prstGeom prst="straightConnector1">
+            <a:avLst/>
+          </a:prstGeom>
+          <a:noFill/>
+          <a:ln w="12700" cap="flat">
+            <a:solidFill>
+              <a:schemeClr val="accent1"/>
+            </a:solidFill>
+            <a:prstDash val="solid"/>
+            <a:miter lim="800000"/>
+            <a:tailEnd type="triangle"/>
+          </a:ln>
+          <a:effectLst/>
+          <a:sp3d/>
+        </p:spPr>
+        <p:style>
+          <a:lnRef idx="0">
+            <a:scrgbClr r="0" g="0" b="0"/>
+          </a:lnRef>
+          <a:fillRef idx="0">
+            <a:scrgbClr r="0" g="0" b="0"/>
+          </a:fillRef>
+          <a:effectRef idx="0">
+            <a:scrgbClr r="0" g="0" b="0"/>
+          </a:effectRef>
+          <a:fontRef idx="none"/>
+        </p:style>
+      </p:cxnSp>
     </p:spTree>
+    <p:extLst>
+      <p:ext uri="{BB962C8B-B14F-4D97-AF65-F5344CB8AC3E}">
+        <p14:creationId xmlns:p14="http://schemas.microsoft.com/office/powerpoint/2010/main" val="4005118886"/>
+      </p:ext>
+    </p:extLst>
   </p:cSld>
   <p:clrMapOvr>
     <a:masterClrMapping/>
   </p:clrMapOvr>
   <p:transition spd="med"/>
+  <p:timing>
+    <p:tnLst>
+      <p:par>
+        <p:cTn id="1" dur="indefinite" restart="never" nodeType="tmRoot">
+          <p:childTnLst>
+            <p:seq concurrent="1" nextAc="seek">
+              <p:cTn id="2" dur="indefinite" nodeType="mainSeq">
+                <p:childTnLst>
+                  <p:par>
+                    <p:cTn id="3" fill="hold">
+                      <p:stCondLst>
+                        <p:cond delay="indefinite"/>
+                      </p:stCondLst>
+                      <p:childTnLst>
+                        <p:par>
+                          <p:cTn id="4" fill="hold">
+                            <p:stCondLst>
+                              <p:cond delay="0"/>
+                            </p:stCondLst>
+                            <p:childTnLst>
+                              <p:par>
+                                <p:cTn id="5" presetID="1" presetClass="entr" presetSubtype="0" fill="hold" grpId="0" nodeType="clickEffect">
+                                  <p:stCondLst>
+                                    <p:cond delay="0"/>
+                                  </p:stCondLst>
+                                  <p:iterate>
+                                    <p:tmAbs val="0"/>
+                                  </p:iterate>
+                                  <p:childTnLst>
+                                    <p:set>
+                                      <p:cBhvr>
+                                        <p:cTn id="6" fill="hold"/>
+                                        <p:tgtEl>
+                                          <p:spTgt spid="7"/>
+                                        </p:tgtEl>
+                                        <p:attrNameLst>
+                                          <p:attrName>style.visibility</p:attrName>
+                                        </p:attrNameLst>
+                                      </p:cBhvr>
+                                      <p:to>
+                                        <p:strVal val="visible"/>
+                                      </p:to>
+                                    </p:set>
+                                  </p:childTnLst>
+                                </p:cTn>
+                              </p:par>
+                            </p:childTnLst>
+                          </p:cTn>
+                        </p:par>
+                        <p:par>
+                          <p:cTn id="7" fill="hold">
+                            <p:stCondLst>
+                              <p:cond delay="0"/>
+                            </p:stCondLst>
+                            <p:childTnLst>
+                              <p:par>
+                                <p:cTn id="8" presetID="1" presetClass="entr" presetSubtype="0" fill="hold" grpId="0" nodeType="afterEffect">
+                                  <p:stCondLst>
+                                    <p:cond delay="0"/>
+                                  </p:stCondLst>
+                                  <p:iterate>
+                                    <p:tmAbs val="0"/>
+                                  </p:iterate>
+                                  <p:childTnLst>
+                                    <p:set>
+                                      <p:cBhvr>
+                                        <p:cTn id="9" fill="hold"/>
+                                        <p:tgtEl>
+                                          <p:spTgt spid="5"/>
+                                        </p:tgtEl>
+                                        <p:attrNameLst>
+                                          <p:attrName>style.visibility</p:attrName>
+                                        </p:attrNameLst>
+                                      </p:cBhvr>
+                                      <p:to>
+                                        <p:strVal val="visible"/>
+                                      </p:to>
+                                    </p:set>
+                                  </p:childTnLst>
+                                </p:cTn>
+                              </p:par>
+                            </p:childTnLst>
+                          </p:cTn>
+                        </p:par>
+                      </p:childTnLst>
+                    </p:cTn>
+                  </p:par>
+                  <p:par>
+                    <p:cTn id="10" fill="hold">
+                      <p:stCondLst>
+                        <p:cond delay="indefinite"/>
+                      </p:stCondLst>
+                      <p:childTnLst>
+                        <p:par>
+                          <p:cTn id="11" fill="hold">
+                            <p:stCondLst>
+                              <p:cond delay="0"/>
+                            </p:stCondLst>
+                            <p:childTnLst>
+                              <p:par>
+                                <p:cTn id="12" presetID="1" presetClass="entr" presetSubtype="0" fill="hold" grpId="0" nodeType="clickEffect">
+                                  <p:stCondLst>
+                                    <p:cond delay="0"/>
+                                  </p:stCondLst>
+                                  <p:iterate>
+                                    <p:tmAbs val="0"/>
+                                  </p:iterate>
+                                  <p:childTnLst>
+                                    <p:set>
+                                      <p:cBhvr>
+                                        <p:cTn id="13" fill="hold"/>
+                                        <p:tgtEl>
+                                          <p:spTgt spid="8"/>
+                                        </p:tgtEl>
+                                        <p:attrNameLst>
+                                          <p:attrName>style.visibility</p:attrName>
+                                        </p:attrNameLst>
+                                      </p:cBhvr>
+                                      <p:to>
+                                        <p:strVal val="visible"/>
+                                      </p:to>
+                                    </p:set>
+                                  </p:childTnLst>
+                                </p:cTn>
+                              </p:par>
+                            </p:childTnLst>
+                          </p:cTn>
+                        </p:par>
+                      </p:childTnLst>
+                    </p:cTn>
+                  </p:par>
+                </p:childTnLst>
+              </p:cTn>
+              <p:prevCondLst>
+                <p:cond evt="onPrev" delay="0">
+                  <p:tgtEl>
+                    <p:sldTgt/>
+                  </p:tgtEl>
+                </p:cond>
+              </p:prevCondLst>
+              <p:nextCondLst>
+                <p:cond evt="onNext" delay="0">
+                  <p:tgtEl>
+                    <p:sldTgt/>
+                  </p:tgtEl>
+                </p:cond>
+              </p:nextCondLst>
+            </p:seq>
+          </p:childTnLst>
+        </p:cTn>
+      </p:par>
+    </p:tnLst>
+    <p:bldLst>
+      <p:bldP spid="5" grpId="0" animBg="1" advAuto="0"/>
+      <p:bldP spid="7" grpId="0" animBg="1" advAuto="0"/>
+      <p:bldP spid="8" grpId="0" animBg="1" advAuto="0"/>
+    </p:bldLst>
+  </p:timing>
 </p:sld>
 </file>
 
@@ -23403,7 +24125,7 @@
       </p:grpSpPr>
       <p:pic>
         <p:nvPicPr>
-          <p:cNvPr id="169" name="Google Shape;54;p13" descr="Google Shape;54;p13"/>
+          <p:cNvPr id="165" name="Google Shape;54;p13" descr="Google Shape;54;p13"/>
           <p:cNvPicPr>
             <a:picLocks noChangeAspect="1"/>
           </p:cNvPicPr>
@@ -23430,7 +24152,7 @@
       </p:pic>
       <p:sp>
         <p:nvSpPr>
-          <p:cNvPr id="170" name="Title 1"/>
+          <p:cNvPr id="166" name="Title 1"/>
           <p:cNvSpPr txBox="1">
             <a:spLocks noGrp="1"/>
           </p:cNvSpPr>
@@ -23448,14 +24170,20 @@
           <a:lstStyle/>
           <a:p>
             <a:r>
-              <a:t>Blog -writeup</a:t>
-            </a:r>
+              <a:rPr dirty="0"/>
+              <a:t>Window object</a:t>
+            </a:r>
+            <a:r>
+              <a:rPr lang="en-US" dirty="0"/>
+              <a:t> &amp; Document Object</a:t>
+            </a:r>
+            <a:endParaRPr dirty="0"/>
           </a:p>
         </p:txBody>
       </p:sp>
       <p:sp>
         <p:nvSpPr>
-          <p:cNvPr id="171" name="Content Placeholder 2"/>
+          <p:cNvPr id="167" name="Content Placeholder 2"/>
           <p:cNvSpPr txBox="1">
             <a:spLocks noGrp="1"/>
           </p:cNvSpPr>
@@ -23472,136 +24200,52 @@
           <a:bodyPr/>
           <a:lstStyle/>
           <a:p>
-            <a:pPr>
-              <a:lnSpc>
-                <a:spcPct val="81000"/>
-              </a:lnSpc>
-            </a:pPr>
-            <a:r>
-              <a:t>Use typeof in all the datatypes and check the result</a:t>
-            </a:r>
-          </a:p>
-          <a:p>
-            <a:pPr marL="685800" lvl="1" indent="-228600">
-              <a:lnSpc>
-                <a:spcPct val="81000"/>
-              </a:lnSpc>
-              <a:spcBef>
-                <a:spcPts val="500"/>
-              </a:spcBef>
-              <a:defRPr sz="2400"/>
-            </a:pPr>
-            <a:r>
-              <a:t>typeof(1)</a:t>
-            </a:r>
-          </a:p>
-          <a:p>
-            <a:pPr marL="685800" lvl="1" indent="-228600">
-              <a:lnSpc>
-                <a:spcPct val="81000"/>
-              </a:lnSpc>
-              <a:spcBef>
-                <a:spcPts val="500"/>
-              </a:spcBef>
-              <a:defRPr sz="2400"/>
-            </a:pPr>
-            <a:r>
-              <a:t>typeof(1.1)</a:t>
-            </a:r>
-          </a:p>
-          <a:p>
-            <a:pPr marL="685800" lvl="1" indent="-228600">
-              <a:lnSpc>
-                <a:spcPct val="81000"/>
-              </a:lnSpc>
-              <a:spcBef>
-                <a:spcPts val="500"/>
-              </a:spcBef>
-              <a:defRPr sz="2400"/>
-            </a:pPr>
-            <a:r>
-              <a:t>typeof("1.1")</a:t>
-            </a:r>
-          </a:p>
-          <a:p>
-            <a:pPr marL="685800" lvl="1" indent="-228600">
-              <a:lnSpc>
-                <a:spcPct val="81000"/>
-              </a:lnSpc>
-              <a:spcBef>
-                <a:spcPts val="500"/>
-              </a:spcBef>
-              <a:defRPr sz="2400"/>
-            </a:pPr>
-            <a:r>
-              <a:t>typeof(true)</a:t>
-            </a:r>
-          </a:p>
-          <a:p>
-            <a:pPr marL="685800" lvl="1" indent="-228600">
-              <a:lnSpc>
-                <a:spcPct val="81000"/>
-              </a:lnSpc>
-              <a:spcBef>
-                <a:spcPts val="500"/>
-              </a:spcBef>
-              <a:defRPr sz="2400"/>
-            </a:pPr>
-            <a:r>
-              <a:t>typeof(null)</a:t>
-            </a:r>
-          </a:p>
-          <a:p>
-            <a:pPr marL="685800" lvl="1" indent="-228600">
-              <a:lnSpc>
-                <a:spcPct val="81000"/>
-              </a:lnSpc>
-              <a:spcBef>
-                <a:spcPts val="500"/>
-              </a:spcBef>
-              <a:defRPr sz="2400"/>
-            </a:pPr>
-            <a:r>
-              <a:t>typeof(undefined)</a:t>
-            </a:r>
-          </a:p>
-          <a:p>
-            <a:pPr marL="685800" lvl="1" indent="-228600">
-              <a:lnSpc>
-                <a:spcPct val="81000"/>
-              </a:lnSpc>
-              <a:spcBef>
-                <a:spcPts val="500"/>
-              </a:spcBef>
-              <a:defRPr sz="2400"/>
-            </a:pPr>
-            <a:r>
-              <a:t>typeof([])</a:t>
-            </a:r>
-          </a:p>
-          <a:p>
-            <a:pPr marL="685800" lvl="1" indent="-228600">
-              <a:lnSpc>
-                <a:spcPct val="81000"/>
-              </a:lnSpc>
-              <a:spcBef>
-                <a:spcPts val="500"/>
-              </a:spcBef>
-              <a:defRPr sz="2400"/>
-            </a:pPr>
-            <a:r>
-              <a:t>typeof({})</a:t>
-            </a:r>
-          </a:p>
-          <a:p>
-            <a:pPr>
-              <a:lnSpc>
-                <a:spcPct val="81000"/>
-              </a:lnSpc>
-            </a:pPr>
-            <a:r>
-              <a:t>Write a blog about objects and its internal representation in Javascript </a:t>
-            </a:r>
+            <a:r>
+              <a:rPr dirty="0"/>
+              <a:t>The Window interface represents a window containing a DOM document</a:t>
+            </a:r>
+          </a:p>
+          <a:p>
+            <a:r>
+              <a:rPr dirty="0"/>
+              <a:t>A global variable, window, representing the window in which the script is running, is exposed to JavaScript code</a:t>
+            </a:r>
+            <a:endParaRPr lang="en-US" dirty="0"/>
+          </a:p>
+          <a:p>
+            <a:r>
+              <a:rPr lang="en-IN" dirty="0" err="1"/>
+              <a:t>window.document</a:t>
+            </a:r>
+            <a:endParaRPr dirty="0"/>
+          </a:p>
+          <a:p>
+            <a:r>
+              <a:rPr dirty="0" err="1"/>
+              <a:t>Window.localStorage</a:t>
+            </a:r>
+            <a:endParaRPr dirty="0"/>
+          </a:p>
+          <a:p>
+            <a:r>
+              <a:rPr dirty="0" err="1"/>
+              <a:t>Window.location</a:t>
+            </a:r>
+            <a:endParaRPr dirty="0"/>
+          </a:p>
+          <a:p>
+            <a:r>
+              <a:rPr dirty="0" err="1"/>
+              <a:t>Window.name</a:t>
+            </a:r>
+            <a:endParaRPr dirty="0"/>
+          </a:p>
+          <a:p>
+            <a:r>
+              <a:rPr dirty="0" err="1"/>
+              <a:t>Window.sessionStorage</a:t>
+            </a:r>
+            <a:endParaRPr dirty="0"/>
           </a:p>
         </p:txBody>
       </p:sp>

--- a/ppt/001 - DataTypes.pptx
+++ b/ppt/001 - DataTypes.pptx
@@ -5,7 +5,7 @@
     <p:sldMasterId id="2147483648" r:id="rId1"/>
   </p:sldMasterIdLst>
   <p:notesMasterIdLst>
-    <p:notesMasterId r:id="rId59"/>
+    <p:notesMasterId r:id="rId61"/>
   </p:notesMasterIdLst>
   <p:sldIdLst>
     <p:sldId id="256" r:id="rId2"/>
@@ -30,41 +30,43 @@
     <p:sldId id="274" r:id="rId21"/>
     <p:sldId id="275" r:id="rId22"/>
     <p:sldId id="276" r:id="rId23"/>
-    <p:sldId id="308" r:id="rId24"/>
-    <p:sldId id="309" r:id="rId25"/>
-    <p:sldId id="311" r:id="rId26"/>
-    <p:sldId id="310" r:id="rId27"/>
-    <p:sldId id="277" r:id="rId28"/>
-    <p:sldId id="278" r:id="rId29"/>
-    <p:sldId id="279" r:id="rId30"/>
-    <p:sldId id="307" r:id="rId31"/>
-    <p:sldId id="306" r:id="rId32"/>
-    <p:sldId id="280" r:id="rId33"/>
-    <p:sldId id="281" r:id="rId34"/>
-    <p:sldId id="282" r:id="rId35"/>
-    <p:sldId id="283" r:id="rId36"/>
-    <p:sldId id="284" r:id="rId37"/>
-    <p:sldId id="285" r:id="rId38"/>
-    <p:sldId id="286" r:id="rId39"/>
-    <p:sldId id="287" r:id="rId40"/>
-    <p:sldId id="288" r:id="rId41"/>
-    <p:sldId id="289" r:id="rId42"/>
-    <p:sldId id="290" r:id="rId43"/>
-    <p:sldId id="291" r:id="rId44"/>
-    <p:sldId id="292" r:id="rId45"/>
-    <p:sldId id="293" r:id="rId46"/>
-    <p:sldId id="294" r:id="rId47"/>
-    <p:sldId id="295" r:id="rId48"/>
-    <p:sldId id="296" r:id="rId49"/>
-    <p:sldId id="297" r:id="rId50"/>
-    <p:sldId id="298" r:id="rId51"/>
-    <p:sldId id="299" r:id="rId52"/>
-    <p:sldId id="300" r:id="rId53"/>
-    <p:sldId id="301" r:id="rId54"/>
-    <p:sldId id="302" r:id="rId55"/>
-    <p:sldId id="303" r:id="rId56"/>
-    <p:sldId id="304" r:id="rId57"/>
-    <p:sldId id="305" r:id="rId58"/>
+    <p:sldId id="398" r:id="rId24"/>
+    <p:sldId id="399" r:id="rId25"/>
+    <p:sldId id="308" r:id="rId26"/>
+    <p:sldId id="309" r:id="rId27"/>
+    <p:sldId id="311" r:id="rId28"/>
+    <p:sldId id="310" r:id="rId29"/>
+    <p:sldId id="277" r:id="rId30"/>
+    <p:sldId id="278" r:id="rId31"/>
+    <p:sldId id="279" r:id="rId32"/>
+    <p:sldId id="307" r:id="rId33"/>
+    <p:sldId id="306" r:id="rId34"/>
+    <p:sldId id="280" r:id="rId35"/>
+    <p:sldId id="281" r:id="rId36"/>
+    <p:sldId id="282" r:id="rId37"/>
+    <p:sldId id="283" r:id="rId38"/>
+    <p:sldId id="284" r:id="rId39"/>
+    <p:sldId id="285" r:id="rId40"/>
+    <p:sldId id="286" r:id="rId41"/>
+    <p:sldId id="287" r:id="rId42"/>
+    <p:sldId id="288" r:id="rId43"/>
+    <p:sldId id="289" r:id="rId44"/>
+    <p:sldId id="290" r:id="rId45"/>
+    <p:sldId id="291" r:id="rId46"/>
+    <p:sldId id="292" r:id="rId47"/>
+    <p:sldId id="293" r:id="rId48"/>
+    <p:sldId id="294" r:id="rId49"/>
+    <p:sldId id="295" r:id="rId50"/>
+    <p:sldId id="296" r:id="rId51"/>
+    <p:sldId id="297" r:id="rId52"/>
+    <p:sldId id="298" r:id="rId53"/>
+    <p:sldId id="299" r:id="rId54"/>
+    <p:sldId id="300" r:id="rId55"/>
+    <p:sldId id="301" r:id="rId56"/>
+    <p:sldId id="302" r:id="rId57"/>
+    <p:sldId id="303" r:id="rId58"/>
+    <p:sldId id="304" r:id="rId59"/>
+    <p:sldId id="305" r:id="rId60"/>
   </p:sldIdLst>
   <p:sldSz cx="12192000" cy="6858000"/>
   <p:notesSz cx="6858000" cy="9144000"/>
@@ -374,6 +376,3235 @@
 </p:presentation>
 </file>
 
+<file path=ppt/diagrams/colors1.xml><?xml version="1.0" encoding="utf-8"?>
+<dgm:colorsDef xmlns:dgm="http://schemas.openxmlformats.org/drawingml/2006/diagram" xmlns:a="http://schemas.openxmlformats.org/drawingml/2006/main" uniqueId="urn:microsoft.com/office/officeart/2005/8/colors/accent1_2">
+  <dgm:title val=""/>
+  <dgm:desc val=""/>
+  <dgm:catLst>
+    <dgm:cat type="accent1" pri="11200"/>
+  </dgm:catLst>
+  <dgm:styleLbl name="node0">
+    <dgm:fillClrLst meth="repeat">
+      <a:schemeClr val="accent1"/>
+    </dgm:fillClrLst>
+    <dgm:linClrLst meth="repeat">
+      <a:schemeClr val="lt1"/>
+    </dgm:linClrLst>
+    <dgm:effectClrLst/>
+    <dgm:txLinClrLst/>
+    <dgm:txFillClrLst/>
+    <dgm:txEffectClrLst/>
+  </dgm:styleLbl>
+  <dgm:styleLbl name="alignNode1">
+    <dgm:fillClrLst meth="repeat">
+      <a:schemeClr val="accent1"/>
+    </dgm:fillClrLst>
+    <dgm:linClrLst meth="repeat">
+      <a:schemeClr val="accent1"/>
+    </dgm:linClrLst>
+    <dgm:effectClrLst/>
+    <dgm:txLinClrLst/>
+    <dgm:txFillClrLst/>
+    <dgm:txEffectClrLst/>
+  </dgm:styleLbl>
+  <dgm:styleLbl name="node1">
+    <dgm:fillClrLst meth="repeat">
+      <a:schemeClr val="accent1"/>
+    </dgm:fillClrLst>
+    <dgm:linClrLst meth="repeat">
+      <a:schemeClr val="lt1"/>
+    </dgm:linClrLst>
+    <dgm:effectClrLst/>
+    <dgm:txLinClrLst/>
+    <dgm:txFillClrLst/>
+    <dgm:txEffectClrLst/>
+  </dgm:styleLbl>
+  <dgm:styleLbl name="lnNode1">
+    <dgm:fillClrLst meth="repeat">
+      <a:schemeClr val="accent1"/>
+    </dgm:fillClrLst>
+    <dgm:linClrLst meth="repeat">
+      <a:schemeClr val="lt1"/>
+    </dgm:linClrLst>
+    <dgm:effectClrLst/>
+    <dgm:txLinClrLst/>
+    <dgm:txFillClrLst/>
+    <dgm:txEffectClrLst/>
+  </dgm:styleLbl>
+  <dgm:styleLbl name="vennNode1">
+    <dgm:fillClrLst meth="repeat">
+      <a:schemeClr val="accent1">
+        <a:alpha val="50000"/>
+      </a:schemeClr>
+    </dgm:fillClrLst>
+    <dgm:linClrLst meth="repeat">
+      <a:schemeClr val="lt1"/>
+    </dgm:linClrLst>
+    <dgm:effectClrLst/>
+    <dgm:txLinClrLst/>
+    <dgm:txFillClrLst/>
+    <dgm:txEffectClrLst/>
+  </dgm:styleLbl>
+  <dgm:styleLbl name="node2">
+    <dgm:fillClrLst meth="repeat">
+      <a:schemeClr val="accent1"/>
+    </dgm:fillClrLst>
+    <dgm:linClrLst meth="repeat">
+      <a:schemeClr val="lt1"/>
+    </dgm:linClrLst>
+    <dgm:effectClrLst/>
+    <dgm:txLinClrLst/>
+    <dgm:txFillClrLst/>
+    <dgm:txEffectClrLst/>
+  </dgm:styleLbl>
+  <dgm:styleLbl name="node3">
+    <dgm:fillClrLst meth="repeat">
+      <a:schemeClr val="accent1"/>
+    </dgm:fillClrLst>
+    <dgm:linClrLst meth="repeat">
+      <a:schemeClr val="lt1"/>
+    </dgm:linClrLst>
+    <dgm:effectClrLst/>
+    <dgm:txLinClrLst/>
+    <dgm:txFillClrLst/>
+    <dgm:txEffectClrLst/>
+  </dgm:styleLbl>
+  <dgm:styleLbl name="node4">
+    <dgm:fillClrLst meth="repeat">
+      <a:schemeClr val="accent1"/>
+    </dgm:fillClrLst>
+    <dgm:linClrLst meth="repeat">
+      <a:schemeClr val="lt1"/>
+    </dgm:linClrLst>
+    <dgm:effectClrLst/>
+    <dgm:txLinClrLst/>
+    <dgm:txFillClrLst/>
+    <dgm:txEffectClrLst/>
+  </dgm:styleLbl>
+  <dgm:styleLbl name="fgImgPlace1">
+    <dgm:fillClrLst meth="repeat">
+      <a:schemeClr val="accent1">
+        <a:tint val="50000"/>
+      </a:schemeClr>
+    </dgm:fillClrLst>
+    <dgm:linClrLst meth="repeat">
+      <a:schemeClr val="lt1"/>
+    </dgm:linClrLst>
+    <dgm:effectClrLst/>
+    <dgm:txLinClrLst/>
+    <dgm:txFillClrLst meth="repeat">
+      <a:schemeClr val="lt1"/>
+    </dgm:txFillClrLst>
+    <dgm:txEffectClrLst/>
+  </dgm:styleLbl>
+  <dgm:styleLbl name="alignImgPlace1">
+    <dgm:fillClrLst meth="repeat">
+      <a:schemeClr val="accent1">
+        <a:tint val="50000"/>
+      </a:schemeClr>
+    </dgm:fillClrLst>
+    <dgm:linClrLst meth="repeat">
+      <a:schemeClr val="lt1"/>
+    </dgm:linClrLst>
+    <dgm:effectClrLst/>
+    <dgm:txLinClrLst/>
+    <dgm:txFillClrLst meth="repeat">
+      <a:schemeClr val="lt1"/>
+    </dgm:txFillClrLst>
+    <dgm:txEffectClrLst/>
+  </dgm:styleLbl>
+  <dgm:styleLbl name="bgImgPlace1">
+    <dgm:fillClrLst meth="repeat">
+      <a:schemeClr val="accent1">
+        <a:tint val="50000"/>
+      </a:schemeClr>
+    </dgm:fillClrLst>
+    <dgm:linClrLst meth="repeat">
+      <a:schemeClr val="lt1"/>
+    </dgm:linClrLst>
+    <dgm:effectClrLst/>
+    <dgm:txLinClrLst/>
+    <dgm:txFillClrLst meth="repeat">
+      <a:schemeClr val="lt1"/>
+    </dgm:txFillClrLst>
+    <dgm:txEffectClrLst/>
+  </dgm:styleLbl>
+  <dgm:styleLbl name="sibTrans2D1">
+    <dgm:fillClrLst meth="repeat">
+      <a:schemeClr val="accent1">
+        <a:tint val="60000"/>
+      </a:schemeClr>
+    </dgm:fillClrLst>
+    <dgm:linClrLst meth="repeat">
+      <a:schemeClr val="accent1">
+        <a:tint val="60000"/>
+      </a:schemeClr>
+    </dgm:linClrLst>
+    <dgm:effectClrLst/>
+    <dgm:txLinClrLst/>
+    <dgm:txFillClrLst/>
+    <dgm:txEffectClrLst/>
+  </dgm:styleLbl>
+  <dgm:styleLbl name="fgSibTrans2D1">
+    <dgm:fillClrLst meth="repeat">
+      <a:schemeClr val="accent1">
+        <a:tint val="60000"/>
+      </a:schemeClr>
+    </dgm:fillClrLst>
+    <dgm:linClrLst meth="repeat">
+      <a:schemeClr val="accent1">
+        <a:tint val="60000"/>
+      </a:schemeClr>
+    </dgm:linClrLst>
+    <dgm:effectClrLst/>
+    <dgm:txLinClrLst/>
+    <dgm:txFillClrLst/>
+    <dgm:txEffectClrLst/>
+  </dgm:styleLbl>
+  <dgm:styleLbl name="bgSibTrans2D1">
+    <dgm:fillClrLst meth="repeat">
+      <a:schemeClr val="accent1">
+        <a:tint val="60000"/>
+      </a:schemeClr>
+    </dgm:fillClrLst>
+    <dgm:linClrLst meth="repeat">
+      <a:schemeClr val="accent1">
+        <a:tint val="60000"/>
+      </a:schemeClr>
+    </dgm:linClrLst>
+    <dgm:effectClrLst/>
+    <dgm:txLinClrLst/>
+    <dgm:txFillClrLst/>
+    <dgm:txEffectClrLst/>
+  </dgm:styleLbl>
+  <dgm:styleLbl name="sibTrans1D1">
+    <dgm:fillClrLst meth="repeat">
+      <a:schemeClr val="accent1"/>
+    </dgm:fillClrLst>
+    <dgm:linClrLst meth="repeat">
+      <a:schemeClr val="accent1"/>
+    </dgm:linClrLst>
+    <dgm:effectClrLst/>
+    <dgm:txLinClrLst/>
+    <dgm:txFillClrLst meth="repeat">
+      <a:schemeClr val="tx1"/>
+    </dgm:txFillClrLst>
+    <dgm:txEffectClrLst/>
+  </dgm:styleLbl>
+  <dgm:styleLbl name="callout">
+    <dgm:fillClrLst meth="repeat">
+      <a:schemeClr val="accent1"/>
+    </dgm:fillClrLst>
+    <dgm:linClrLst meth="repeat">
+      <a:schemeClr val="accent1">
+        <a:tint val="50000"/>
+      </a:schemeClr>
+    </dgm:linClrLst>
+    <dgm:effectClrLst/>
+    <dgm:txLinClrLst/>
+    <dgm:txFillClrLst meth="repeat">
+      <a:schemeClr val="tx1"/>
+    </dgm:txFillClrLst>
+    <dgm:txEffectClrLst/>
+  </dgm:styleLbl>
+  <dgm:styleLbl name="asst0">
+    <dgm:fillClrLst meth="repeat">
+      <a:schemeClr val="accent1"/>
+    </dgm:fillClrLst>
+    <dgm:linClrLst meth="repeat">
+      <a:schemeClr val="lt1"/>
+    </dgm:linClrLst>
+    <dgm:effectClrLst/>
+    <dgm:txLinClrLst/>
+    <dgm:txFillClrLst/>
+    <dgm:txEffectClrLst/>
+  </dgm:styleLbl>
+  <dgm:styleLbl name="asst1">
+    <dgm:fillClrLst meth="repeat">
+      <a:schemeClr val="accent1"/>
+    </dgm:fillClrLst>
+    <dgm:linClrLst meth="repeat">
+      <a:schemeClr val="lt1"/>
+    </dgm:linClrLst>
+    <dgm:effectClrLst/>
+    <dgm:txLinClrLst/>
+    <dgm:txFillClrLst/>
+    <dgm:txEffectClrLst/>
+  </dgm:styleLbl>
+  <dgm:styleLbl name="asst2">
+    <dgm:fillClrLst meth="repeat">
+      <a:schemeClr val="accent1"/>
+    </dgm:fillClrLst>
+    <dgm:linClrLst meth="repeat">
+      <a:schemeClr val="lt1"/>
+    </dgm:linClrLst>
+    <dgm:effectClrLst/>
+    <dgm:txLinClrLst/>
+    <dgm:txFillClrLst/>
+    <dgm:txEffectClrLst/>
+  </dgm:styleLbl>
+  <dgm:styleLbl name="asst3">
+    <dgm:fillClrLst meth="repeat">
+      <a:schemeClr val="accent1"/>
+    </dgm:fillClrLst>
+    <dgm:linClrLst meth="repeat">
+      <a:schemeClr val="lt1"/>
+    </dgm:linClrLst>
+    <dgm:effectClrLst/>
+    <dgm:txLinClrLst/>
+    <dgm:txFillClrLst/>
+    <dgm:txEffectClrLst/>
+  </dgm:styleLbl>
+  <dgm:styleLbl name="asst4">
+    <dgm:fillClrLst meth="repeat">
+      <a:schemeClr val="accent1"/>
+    </dgm:fillClrLst>
+    <dgm:linClrLst meth="repeat">
+      <a:schemeClr val="lt1"/>
+    </dgm:linClrLst>
+    <dgm:effectClrLst/>
+    <dgm:txLinClrLst/>
+    <dgm:txFillClrLst/>
+    <dgm:txEffectClrLst/>
+  </dgm:styleLbl>
+  <dgm:styleLbl name="parChTrans2D1">
+    <dgm:fillClrLst meth="repeat">
+      <a:schemeClr val="accent1">
+        <a:tint val="60000"/>
+      </a:schemeClr>
+    </dgm:fillClrLst>
+    <dgm:linClrLst meth="repeat">
+      <a:schemeClr val="accent1">
+        <a:tint val="60000"/>
+      </a:schemeClr>
+    </dgm:linClrLst>
+    <dgm:effectClrLst/>
+    <dgm:txLinClrLst/>
+    <dgm:txFillClrLst meth="repeat">
+      <a:schemeClr val="lt1"/>
+    </dgm:txFillClrLst>
+    <dgm:txEffectClrLst/>
+  </dgm:styleLbl>
+  <dgm:styleLbl name="parChTrans2D2">
+    <dgm:fillClrLst meth="repeat">
+      <a:schemeClr val="accent1"/>
+    </dgm:fillClrLst>
+    <dgm:linClrLst meth="repeat">
+      <a:schemeClr val="accent1"/>
+    </dgm:linClrLst>
+    <dgm:effectClrLst/>
+    <dgm:txLinClrLst/>
+    <dgm:txFillClrLst meth="repeat">
+      <a:schemeClr val="lt1"/>
+    </dgm:txFillClrLst>
+    <dgm:txEffectClrLst/>
+  </dgm:styleLbl>
+  <dgm:styleLbl name="parChTrans2D3">
+    <dgm:fillClrLst meth="repeat">
+      <a:schemeClr val="accent1"/>
+    </dgm:fillClrLst>
+    <dgm:linClrLst meth="repeat">
+      <a:schemeClr val="accent1"/>
+    </dgm:linClrLst>
+    <dgm:effectClrLst/>
+    <dgm:txLinClrLst/>
+    <dgm:txFillClrLst meth="repeat">
+      <a:schemeClr val="lt1"/>
+    </dgm:txFillClrLst>
+    <dgm:txEffectClrLst/>
+  </dgm:styleLbl>
+  <dgm:styleLbl name="parChTrans2D4">
+    <dgm:fillClrLst meth="repeat">
+      <a:schemeClr val="accent1"/>
+    </dgm:fillClrLst>
+    <dgm:linClrLst meth="repeat">
+      <a:schemeClr val="accent1"/>
+    </dgm:linClrLst>
+    <dgm:effectClrLst/>
+    <dgm:txLinClrLst/>
+    <dgm:txFillClrLst meth="repeat">
+      <a:schemeClr val="lt1"/>
+    </dgm:txFillClrLst>
+    <dgm:txEffectClrLst/>
+  </dgm:styleLbl>
+  <dgm:styleLbl name="parChTrans1D1">
+    <dgm:fillClrLst meth="repeat">
+      <a:schemeClr val="accent1"/>
+    </dgm:fillClrLst>
+    <dgm:linClrLst meth="repeat">
+      <a:schemeClr val="accent1">
+        <a:shade val="60000"/>
+      </a:schemeClr>
+    </dgm:linClrLst>
+    <dgm:effectClrLst/>
+    <dgm:txLinClrLst/>
+    <dgm:txFillClrLst meth="repeat">
+      <a:schemeClr val="tx1"/>
+    </dgm:txFillClrLst>
+    <dgm:txEffectClrLst/>
+  </dgm:styleLbl>
+  <dgm:styleLbl name="parChTrans1D2">
+    <dgm:fillClrLst meth="repeat">
+      <a:schemeClr val="accent1"/>
+    </dgm:fillClrLst>
+    <dgm:linClrLst meth="repeat">
+      <a:schemeClr val="accent1">
+        <a:shade val="60000"/>
+      </a:schemeClr>
+    </dgm:linClrLst>
+    <dgm:effectClrLst/>
+    <dgm:txLinClrLst/>
+    <dgm:txFillClrLst meth="repeat">
+      <a:schemeClr val="tx1"/>
+    </dgm:txFillClrLst>
+    <dgm:txEffectClrLst/>
+  </dgm:styleLbl>
+  <dgm:styleLbl name="parChTrans1D3">
+    <dgm:fillClrLst meth="repeat">
+      <a:schemeClr val="accent1"/>
+    </dgm:fillClrLst>
+    <dgm:linClrLst meth="repeat">
+      <a:schemeClr val="accent1">
+        <a:shade val="80000"/>
+      </a:schemeClr>
+    </dgm:linClrLst>
+    <dgm:effectClrLst/>
+    <dgm:txLinClrLst/>
+    <dgm:txFillClrLst meth="repeat">
+      <a:schemeClr val="tx1"/>
+    </dgm:txFillClrLst>
+    <dgm:txEffectClrLst/>
+  </dgm:styleLbl>
+  <dgm:styleLbl name="parChTrans1D4">
+    <dgm:fillClrLst meth="repeat">
+      <a:schemeClr val="accent1"/>
+    </dgm:fillClrLst>
+    <dgm:linClrLst meth="repeat">
+      <a:schemeClr val="accent1">
+        <a:shade val="80000"/>
+      </a:schemeClr>
+    </dgm:linClrLst>
+    <dgm:effectClrLst/>
+    <dgm:txLinClrLst/>
+    <dgm:txFillClrLst meth="repeat">
+      <a:schemeClr val="tx1"/>
+    </dgm:txFillClrLst>
+    <dgm:txEffectClrLst/>
+  </dgm:styleLbl>
+  <dgm:styleLbl name="fgAcc1">
+    <dgm:fillClrLst meth="repeat">
+      <a:schemeClr val="lt1">
+        <a:alpha val="90000"/>
+      </a:schemeClr>
+    </dgm:fillClrLst>
+    <dgm:linClrLst meth="repeat">
+      <a:schemeClr val="accent1"/>
+    </dgm:linClrLst>
+    <dgm:effectClrLst/>
+    <dgm:txLinClrLst/>
+    <dgm:txFillClrLst meth="repeat">
+      <a:schemeClr val="dk1"/>
+    </dgm:txFillClrLst>
+    <dgm:txEffectClrLst/>
+  </dgm:styleLbl>
+  <dgm:styleLbl name="conFgAcc1">
+    <dgm:fillClrLst meth="repeat">
+      <a:schemeClr val="lt1">
+        <a:alpha val="90000"/>
+      </a:schemeClr>
+    </dgm:fillClrLst>
+    <dgm:linClrLst meth="repeat">
+      <a:schemeClr val="accent1"/>
+    </dgm:linClrLst>
+    <dgm:effectClrLst/>
+    <dgm:txLinClrLst/>
+    <dgm:txFillClrLst meth="repeat">
+      <a:schemeClr val="dk1"/>
+    </dgm:txFillClrLst>
+    <dgm:txEffectClrLst/>
+  </dgm:styleLbl>
+  <dgm:styleLbl name="alignAcc1">
+    <dgm:fillClrLst meth="repeat">
+      <a:schemeClr val="lt1">
+        <a:alpha val="90000"/>
+      </a:schemeClr>
+    </dgm:fillClrLst>
+    <dgm:linClrLst meth="repeat">
+      <a:schemeClr val="accent1"/>
+    </dgm:linClrLst>
+    <dgm:effectClrLst/>
+    <dgm:txLinClrLst/>
+    <dgm:txFillClrLst meth="repeat">
+      <a:schemeClr val="dk1"/>
+    </dgm:txFillClrLst>
+    <dgm:txEffectClrLst/>
+  </dgm:styleLbl>
+  <dgm:styleLbl name="trAlignAcc1">
+    <dgm:fillClrLst meth="repeat">
+      <a:schemeClr val="lt1">
+        <a:alpha val="40000"/>
+      </a:schemeClr>
+    </dgm:fillClrLst>
+    <dgm:linClrLst meth="repeat">
+      <a:schemeClr val="accent1"/>
+    </dgm:linClrLst>
+    <dgm:effectClrLst/>
+    <dgm:txLinClrLst/>
+    <dgm:txFillClrLst meth="repeat">
+      <a:schemeClr val="dk1"/>
+    </dgm:txFillClrLst>
+    <dgm:txEffectClrLst/>
+  </dgm:styleLbl>
+  <dgm:styleLbl name="bgAcc1">
+    <dgm:fillClrLst meth="repeat">
+      <a:schemeClr val="lt1">
+        <a:alpha val="90000"/>
+      </a:schemeClr>
+    </dgm:fillClrLst>
+    <dgm:linClrLst meth="repeat">
+      <a:schemeClr val="accent1"/>
+    </dgm:linClrLst>
+    <dgm:effectClrLst/>
+    <dgm:txLinClrLst/>
+    <dgm:txFillClrLst meth="repeat">
+      <a:schemeClr val="dk1"/>
+    </dgm:txFillClrLst>
+    <dgm:txEffectClrLst/>
+  </dgm:styleLbl>
+  <dgm:styleLbl name="solidFgAcc1">
+    <dgm:fillClrLst meth="repeat">
+      <a:schemeClr val="lt1"/>
+    </dgm:fillClrLst>
+    <dgm:linClrLst meth="repeat">
+      <a:schemeClr val="accent1"/>
+    </dgm:linClrLst>
+    <dgm:effectClrLst/>
+    <dgm:txLinClrLst/>
+    <dgm:txFillClrLst meth="repeat">
+      <a:schemeClr val="dk1"/>
+    </dgm:txFillClrLst>
+    <dgm:txEffectClrLst/>
+  </dgm:styleLbl>
+  <dgm:styleLbl name="solidAlignAcc1">
+    <dgm:fillClrLst meth="repeat">
+      <a:schemeClr val="lt1"/>
+    </dgm:fillClrLst>
+    <dgm:linClrLst meth="repeat">
+      <a:schemeClr val="accent1"/>
+    </dgm:linClrLst>
+    <dgm:effectClrLst/>
+    <dgm:txLinClrLst/>
+    <dgm:txFillClrLst meth="repeat">
+      <a:schemeClr val="dk1"/>
+    </dgm:txFillClrLst>
+    <dgm:txEffectClrLst/>
+  </dgm:styleLbl>
+  <dgm:styleLbl name="solidBgAcc1">
+    <dgm:fillClrLst meth="repeat">
+      <a:schemeClr val="lt1"/>
+    </dgm:fillClrLst>
+    <dgm:linClrLst meth="repeat">
+      <a:schemeClr val="accent1"/>
+    </dgm:linClrLst>
+    <dgm:effectClrLst/>
+    <dgm:txLinClrLst/>
+    <dgm:txFillClrLst meth="repeat">
+      <a:schemeClr val="dk1"/>
+    </dgm:txFillClrLst>
+    <dgm:txEffectClrLst/>
+  </dgm:styleLbl>
+  <dgm:styleLbl name="fgAccFollowNode1">
+    <dgm:fillClrLst meth="repeat">
+      <a:schemeClr val="accent1">
+        <a:alpha val="90000"/>
+        <a:tint val="40000"/>
+      </a:schemeClr>
+    </dgm:fillClrLst>
+    <dgm:linClrLst meth="repeat">
+      <a:schemeClr val="accent1">
+        <a:alpha val="90000"/>
+        <a:tint val="40000"/>
+      </a:schemeClr>
+    </dgm:linClrLst>
+    <dgm:effectClrLst/>
+    <dgm:txLinClrLst/>
+    <dgm:txFillClrLst meth="repeat">
+      <a:schemeClr val="dk1"/>
+    </dgm:txFillClrLst>
+    <dgm:txEffectClrLst/>
+  </dgm:styleLbl>
+  <dgm:styleLbl name="alignAccFollowNode1">
+    <dgm:fillClrLst meth="repeat">
+      <a:schemeClr val="accent1">
+        <a:alpha val="90000"/>
+        <a:tint val="40000"/>
+      </a:schemeClr>
+    </dgm:fillClrLst>
+    <dgm:linClrLst meth="repeat">
+      <a:schemeClr val="accent1">
+        <a:alpha val="90000"/>
+        <a:tint val="40000"/>
+      </a:schemeClr>
+    </dgm:linClrLst>
+    <dgm:effectClrLst/>
+    <dgm:txLinClrLst/>
+    <dgm:txFillClrLst meth="repeat">
+      <a:schemeClr val="dk1"/>
+    </dgm:txFillClrLst>
+    <dgm:txEffectClrLst/>
+  </dgm:styleLbl>
+  <dgm:styleLbl name="bgAccFollowNode1">
+    <dgm:fillClrLst meth="repeat">
+      <a:schemeClr val="accent1">
+        <a:alpha val="90000"/>
+        <a:tint val="40000"/>
+      </a:schemeClr>
+    </dgm:fillClrLst>
+    <dgm:linClrLst meth="repeat">
+      <a:schemeClr val="accent1">
+        <a:alpha val="90000"/>
+        <a:tint val="40000"/>
+      </a:schemeClr>
+    </dgm:linClrLst>
+    <dgm:effectClrLst/>
+    <dgm:txLinClrLst/>
+    <dgm:txFillClrLst meth="repeat">
+      <a:schemeClr val="dk1"/>
+    </dgm:txFillClrLst>
+    <dgm:txEffectClrLst/>
+  </dgm:styleLbl>
+  <dgm:styleLbl name="fgAcc0">
+    <dgm:fillClrLst meth="repeat">
+      <a:schemeClr val="lt1">
+        <a:alpha val="90000"/>
+      </a:schemeClr>
+    </dgm:fillClrLst>
+    <dgm:linClrLst meth="repeat">
+      <a:schemeClr val="accent1"/>
+    </dgm:linClrLst>
+    <dgm:effectClrLst/>
+    <dgm:txLinClrLst/>
+    <dgm:txFillClrLst meth="repeat">
+      <a:schemeClr val="dk1"/>
+    </dgm:txFillClrLst>
+    <dgm:txEffectClrLst/>
+  </dgm:styleLbl>
+  <dgm:styleLbl name="fgAcc2">
+    <dgm:fillClrLst meth="repeat">
+      <a:schemeClr val="lt1">
+        <a:alpha val="90000"/>
+      </a:schemeClr>
+    </dgm:fillClrLst>
+    <dgm:linClrLst meth="repeat">
+      <a:schemeClr val="accent1"/>
+    </dgm:linClrLst>
+    <dgm:effectClrLst/>
+    <dgm:txLinClrLst/>
+    <dgm:txFillClrLst meth="repeat">
+      <a:schemeClr val="dk1"/>
+    </dgm:txFillClrLst>
+    <dgm:txEffectClrLst/>
+  </dgm:styleLbl>
+  <dgm:styleLbl name="fgAcc3">
+    <dgm:fillClrLst meth="repeat">
+      <a:schemeClr val="lt1">
+        <a:alpha val="90000"/>
+      </a:schemeClr>
+    </dgm:fillClrLst>
+    <dgm:linClrLst meth="repeat">
+      <a:schemeClr val="accent1"/>
+    </dgm:linClrLst>
+    <dgm:effectClrLst/>
+    <dgm:txLinClrLst/>
+    <dgm:txFillClrLst meth="repeat">
+      <a:schemeClr val="dk1"/>
+    </dgm:txFillClrLst>
+    <dgm:txEffectClrLst/>
+  </dgm:styleLbl>
+  <dgm:styleLbl name="fgAcc4">
+    <dgm:fillClrLst meth="repeat">
+      <a:schemeClr val="lt1">
+        <a:alpha val="90000"/>
+      </a:schemeClr>
+    </dgm:fillClrLst>
+    <dgm:linClrLst meth="repeat">
+      <a:schemeClr val="accent1"/>
+    </dgm:linClrLst>
+    <dgm:effectClrLst/>
+    <dgm:txLinClrLst/>
+    <dgm:txFillClrLst meth="repeat">
+      <a:schemeClr val="dk1"/>
+    </dgm:txFillClrLst>
+    <dgm:txEffectClrLst/>
+  </dgm:styleLbl>
+  <dgm:styleLbl name="bgShp">
+    <dgm:fillClrLst meth="repeat">
+      <a:schemeClr val="accent1">
+        <a:tint val="40000"/>
+      </a:schemeClr>
+    </dgm:fillClrLst>
+    <dgm:linClrLst meth="repeat">
+      <a:schemeClr val="accent1"/>
+    </dgm:linClrLst>
+    <dgm:effectClrLst/>
+    <dgm:txLinClrLst/>
+    <dgm:txFillClrLst meth="repeat">
+      <a:schemeClr val="dk1"/>
+    </dgm:txFillClrLst>
+    <dgm:txEffectClrLst/>
+  </dgm:styleLbl>
+  <dgm:styleLbl name="dkBgShp">
+    <dgm:fillClrLst meth="repeat">
+      <a:schemeClr val="accent1">
+        <a:shade val="80000"/>
+      </a:schemeClr>
+    </dgm:fillClrLst>
+    <dgm:linClrLst meth="repeat">
+      <a:schemeClr val="accent1"/>
+    </dgm:linClrLst>
+    <dgm:effectClrLst/>
+    <dgm:txLinClrLst/>
+    <dgm:txFillClrLst meth="repeat">
+      <a:schemeClr val="lt1"/>
+    </dgm:txFillClrLst>
+    <dgm:txEffectClrLst/>
+  </dgm:styleLbl>
+  <dgm:styleLbl name="trBgShp">
+    <dgm:fillClrLst meth="repeat">
+      <a:schemeClr val="accent1">
+        <a:tint val="50000"/>
+        <a:alpha val="40000"/>
+      </a:schemeClr>
+    </dgm:fillClrLst>
+    <dgm:linClrLst meth="repeat">
+      <a:schemeClr val="accent1"/>
+    </dgm:linClrLst>
+    <dgm:effectClrLst/>
+    <dgm:txLinClrLst/>
+    <dgm:txFillClrLst meth="repeat">
+      <a:schemeClr val="lt1"/>
+    </dgm:txFillClrLst>
+    <dgm:txEffectClrLst/>
+  </dgm:styleLbl>
+  <dgm:styleLbl name="fgShp">
+    <dgm:fillClrLst meth="repeat">
+      <a:schemeClr val="accent1">
+        <a:tint val="60000"/>
+      </a:schemeClr>
+    </dgm:fillClrLst>
+    <dgm:linClrLst meth="repeat">
+      <a:schemeClr val="lt1"/>
+    </dgm:linClrLst>
+    <dgm:effectClrLst/>
+    <dgm:txLinClrLst/>
+    <dgm:txFillClrLst meth="repeat">
+      <a:schemeClr val="dk1"/>
+    </dgm:txFillClrLst>
+    <dgm:txEffectClrLst/>
+  </dgm:styleLbl>
+  <dgm:styleLbl name="revTx">
+    <dgm:fillClrLst meth="repeat">
+      <a:schemeClr val="lt1">
+        <a:alpha val="0"/>
+      </a:schemeClr>
+    </dgm:fillClrLst>
+    <dgm:linClrLst meth="repeat">
+      <a:schemeClr val="dk1">
+        <a:alpha val="0"/>
+      </a:schemeClr>
+    </dgm:linClrLst>
+    <dgm:effectClrLst/>
+    <dgm:txLinClrLst/>
+    <dgm:txFillClrLst meth="repeat">
+      <a:schemeClr val="tx1"/>
+    </dgm:txFillClrLst>
+    <dgm:txEffectClrLst/>
+  </dgm:styleLbl>
+</dgm:colorsDef>
+</file>
+
+<file path=ppt/diagrams/data1.xml><?xml version="1.0" encoding="utf-8"?>
+<dgm:dataModel xmlns:dgm="http://schemas.openxmlformats.org/drawingml/2006/diagram" xmlns:a="http://schemas.openxmlformats.org/drawingml/2006/main">
+  <dgm:ptLst>
+    <dgm:pt modelId="{B0B9E063-B052-814A-AF28-88DC5DF01B4A}" type="doc">
+      <dgm:prSet loTypeId="urn:microsoft.com/office/officeart/2005/8/layout/StepDownProcess" loCatId="" qsTypeId="urn:microsoft.com/office/officeart/2005/8/quickstyle/simple1" qsCatId="simple" csTypeId="urn:microsoft.com/office/officeart/2005/8/colors/accent1_2" csCatId="accent1" phldr="1"/>
+      <dgm:spPr/>
+      <dgm:t>
+        <a:bodyPr/>
+        <a:lstStyle/>
+        <a:p>
+          <a:endParaRPr lang="en-GB"/>
+        </a:p>
+      </dgm:t>
+    </dgm:pt>
+    <dgm:pt modelId="{9F5A1FC8-6FA2-1546-B0B9-EF2B0540F9EF}">
+      <dgm:prSet phldrT="[Text]"/>
+      <dgm:spPr>
+        <a:solidFill>
+          <a:srgbClr val="7336F3"/>
+        </a:solidFill>
+        <a:ln>
+          <a:noFill/>
+        </a:ln>
+      </dgm:spPr>
+      <dgm:t>
+        <a:bodyPr/>
+        <a:lstStyle/>
+        <a:p>
+          <a:r>
+            <a:rPr lang="en-GB" dirty="0">
+              <a:solidFill>
+                <a:schemeClr val="tx2">
+                  <a:lumMod val="20000"/>
+                  <a:lumOff val="80000"/>
+                </a:schemeClr>
+              </a:solidFill>
+            </a:rPr>
+            <a:t>Code error</a:t>
+          </a:r>
+        </a:p>
+      </dgm:t>
+    </dgm:pt>
+    <dgm:pt modelId="{1E138DBC-7F34-8E45-8184-8EBB6AD583D4}" type="parTrans" cxnId="{D12BAB80-7E5A-504E-95B4-08C48129980A}">
+      <dgm:prSet/>
+      <dgm:spPr/>
+      <dgm:t>
+        <a:bodyPr/>
+        <a:lstStyle/>
+        <a:p>
+          <a:endParaRPr lang="en-GB"/>
+        </a:p>
+      </dgm:t>
+    </dgm:pt>
+    <dgm:pt modelId="{710BA2F6-BAAA-9646-898C-E80CA9633A88}" type="sibTrans" cxnId="{D12BAB80-7E5A-504E-95B4-08C48129980A}">
+      <dgm:prSet/>
+      <dgm:spPr/>
+      <dgm:t>
+        <a:bodyPr/>
+        <a:lstStyle/>
+        <a:p>
+          <a:endParaRPr lang="en-GB"/>
+        </a:p>
+      </dgm:t>
+    </dgm:pt>
+    <dgm:pt modelId="{5259F429-1E25-1747-BEFD-9E80BCFC4515}">
+      <dgm:prSet phldrT="[Text]"/>
+      <dgm:spPr/>
+      <dgm:t>
+        <a:bodyPr/>
+        <a:lstStyle/>
+        <a:p>
+          <a:r>
+            <a:rPr lang="en-GB" dirty="0"/>
+            <a:t>Bug in code</a:t>
+          </a:r>
+        </a:p>
+      </dgm:t>
+    </dgm:pt>
+    <dgm:pt modelId="{1F4736B3-3128-6E45-AD71-DC2235473502}" type="parTrans" cxnId="{1DA1B997-EE32-9746-9848-E4D9C9065FA1}">
+      <dgm:prSet/>
+      <dgm:spPr/>
+      <dgm:t>
+        <a:bodyPr/>
+        <a:lstStyle/>
+        <a:p>
+          <a:endParaRPr lang="en-GB"/>
+        </a:p>
+      </dgm:t>
+    </dgm:pt>
+    <dgm:pt modelId="{23F5FF8E-644F-8F46-8470-2110B0676203}" type="sibTrans" cxnId="{1DA1B997-EE32-9746-9848-E4D9C9065FA1}">
+      <dgm:prSet/>
+      <dgm:spPr/>
+      <dgm:t>
+        <a:bodyPr/>
+        <a:lstStyle/>
+        <a:p>
+          <a:endParaRPr lang="en-GB"/>
+        </a:p>
+      </dgm:t>
+    </dgm:pt>
+    <dgm:pt modelId="{BEF627D5-408D-8F40-85C6-D01A1170FB10}">
+      <dgm:prSet phldrT="[Text]"/>
+      <dgm:spPr>
+        <a:solidFill>
+          <a:srgbClr val="7336F3"/>
+        </a:solidFill>
+        <a:ln>
+          <a:noFill/>
+        </a:ln>
+      </dgm:spPr>
+      <dgm:t>
+        <a:bodyPr/>
+        <a:lstStyle/>
+        <a:p>
+          <a:r>
+            <a:rPr lang="en-GB" dirty="0">
+              <a:solidFill>
+                <a:schemeClr val="tx2">
+                  <a:lumMod val="20000"/>
+                  <a:lumOff val="80000"/>
+                </a:schemeClr>
+              </a:solidFill>
+            </a:rPr>
+            <a:t>Try-Catch</a:t>
+          </a:r>
+        </a:p>
+      </dgm:t>
+    </dgm:pt>
+    <dgm:pt modelId="{A060685C-6809-9E43-8360-C900E5300BCA}" type="parTrans" cxnId="{9B0D1278-D4B0-7B41-8C61-BFDFCE9FD8BA}">
+      <dgm:prSet/>
+      <dgm:spPr/>
+      <dgm:t>
+        <a:bodyPr/>
+        <a:lstStyle/>
+        <a:p>
+          <a:endParaRPr lang="en-GB"/>
+        </a:p>
+      </dgm:t>
+    </dgm:pt>
+    <dgm:pt modelId="{9A124366-0F8D-F147-B70A-B352503E3555}" type="sibTrans" cxnId="{9B0D1278-D4B0-7B41-8C61-BFDFCE9FD8BA}">
+      <dgm:prSet/>
+      <dgm:spPr/>
+      <dgm:t>
+        <a:bodyPr/>
+        <a:lstStyle/>
+        <a:p>
+          <a:endParaRPr lang="en-GB"/>
+        </a:p>
+      </dgm:t>
+    </dgm:pt>
+    <dgm:pt modelId="{759B9DD4-A613-A047-8D0B-E717C519231A}">
+      <dgm:prSet phldrT="[Text]"/>
+      <dgm:spPr/>
+      <dgm:t>
+        <a:bodyPr/>
+        <a:lstStyle/>
+        <a:p>
+          <a:r>
+            <a:rPr lang="en-GB" dirty="0"/>
+            <a:t>Catch and throw</a:t>
+          </a:r>
+        </a:p>
+      </dgm:t>
+    </dgm:pt>
+    <dgm:pt modelId="{01F0CBC6-A08F-B442-B3C1-7AEE0264AFCE}" type="parTrans" cxnId="{B5BA59E9-46AF-5E40-B917-EE7A92948390}">
+      <dgm:prSet/>
+      <dgm:spPr/>
+      <dgm:t>
+        <a:bodyPr/>
+        <a:lstStyle/>
+        <a:p>
+          <a:endParaRPr lang="en-GB"/>
+        </a:p>
+      </dgm:t>
+    </dgm:pt>
+    <dgm:pt modelId="{FE2FACA2-9336-5C4D-87DA-E1B32BCD1C71}" type="sibTrans" cxnId="{B5BA59E9-46AF-5E40-B917-EE7A92948390}">
+      <dgm:prSet/>
+      <dgm:spPr/>
+      <dgm:t>
+        <a:bodyPr/>
+        <a:lstStyle/>
+        <a:p>
+          <a:endParaRPr lang="en-GB"/>
+        </a:p>
+      </dgm:t>
+    </dgm:pt>
+    <dgm:pt modelId="{75AD168F-F61E-7A44-9D0D-0AEF6B557F05}">
+      <dgm:prSet phldrT="[Text]"/>
+      <dgm:spPr>
+        <a:solidFill>
+          <a:srgbClr val="7336F3"/>
+        </a:solidFill>
+        <a:ln>
+          <a:noFill/>
+        </a:ln>
+      </dgm:spPr>
+      <dgm:t>
+        <a:bodyPr/>
+        <a:lstStyle/>
+        <a:p>
+          <a:r>
+            <a:rPr lang="en-GB" dirty="0" err="1">
+              <a:solidFill>
+                <a:schemeClr val="tx2">
+                  <a:lumMod val="20000"/>
+                  <a:lumOff val="80000"/>
+                </a:schemeClr>
+              </a:solidFill>
+            </a:rPr>
+            <a:t>Window.onerror</a:t>
+          </a:r>
+          <a:endParaRPr lang="en-GB" dirty="0">
+            <a:solidFill>
+              <a:schemeClr val="tx2">
+                <a:lumMod val="20000"/>
+                <a:lumOff val="80000"/>
+              </a:schemeClr>
+            </a:solidFill>
+          </a:endParaRPr>
+        </a:p>
+      </dgm:t>
+    </dgm:pt>
+    <dgm:pt modelId="{4D8A48D4-0415-E049-9C3E-A0EDD8FF0A25}" type="parTrans" cxnId="{E039B00B-4BC3-BE48-BBDD-C2009BAFEA3D}">
+      <dgm:prSet/>
+      <dgm:spPr/>
+      <dgm:t>
+        <a:bodyPr/>
+        <a:lstStyle/>
+        <a:p>
+          <a:endParaRPr lang="en-GB"/>
+        </a:p>
+      </dgm:t>
+    </dgm:pt>
+    <dgm:pt modelId="{7DC64CFA-F33B-2C4E-8ED6-5848C046AFCB}" type="sibTrans" cxnId="{E039B00B-4BC3-BE48-BBDD-C2009BAFEA3D}">
+      <dgm:prSet/>
+      <dgm:spPr/>
+      <dgm:t>
+        <a:bodyPr/>
+        <a:lstStyle/>
+        <a:p>
+          <a:endParaRPr lang="en-GB"/>
+        </a:p>
+      </dgm:t>
+    </dgm:pt>
+    <dgm:pt modelId="{62DA5A82-CB24-4E43-8ED9-28F632338AE1}">
+      <dgm:prSet phldrT="[Text]"/>
+      <dgm:spPr/>
+      <dgm:t>
+        <a:bodyPr/>
+        <a:lstStyle/>
+        <a:p>
+          <a:r>
+            <a:rPr lang="en-GB" dirty="0"/>
+            <a:t>If not handled</a:t>
+          </a:r>
+        </a:p>
+      </dgm:t>
+    </dgm:pt>
+    <dgm:pt modelId="{0EF001CD-CF5F-494A-A009-57EA37A2C5B1}" type="parTrans" cxnId="{C80770F2-254F-2547-B8E3-D559F1B85CF5}">
+      <dgm:prSet/>
+      <dgm:spPr/>
+      <dgm:t>
+        <a:bodyPr/>
+        <a:lstStyle/>
+        <a:p>
+          <a:endParaRPr lang="en-GB"/>
+        </a:p>
+      </dgm:t>
+    </dgm:pt>
+    <dgm:pt modelId="{526F9B08-B811-BC4B-82C4-BE9D34D5D695}" type="sibTrans" cxnId="{C80770F2-254F-2547-B8E3-D559F1B85CF5}">
+      <dgm:prSet/>
+      <dgm:spPr/>
+      <dgm:t>
+        <a:bodyPr/>
+        <a:lstStyle/>
+        <a:p>
+          <a:endParaRPr lang="en-GB"/>
+        </a:p>
+      </dgm:t>
+    </dgm:pt>
+    <dgm:pt modelId="{ECC3FB7B-695D-E948-B96D-A8039CEF8268}">
+      <dgm:prSet/>
+      <dgm:spPr>
+        <a:solidFill>
+          <a:srgbClr val="7336F3"/>
+        </a:solidFill>
+        <a:ln>
+          <a:noFill/>
+        </a:ln>
+      </dgm:spPr>
+      <dgm:t>
+        <a:bodyPr/>
+        <a:lstStyle/>
+        <a:p>
+          <a:r>
+            <a:rPr lang="en-GB" dirty="0">
+              <a:solidFill>
+                <a:schemeClr val="tx2">
+                  <a:lumMod val="20000"/>
+                  <a:lumOff val="80000"/>
+                </a:schemeClr>
+              </a:solidFill>
+            </a:rPr>
+            <a:t>Browser error</a:t>
+          </a:r>
+        </a:p>
+      </dgm:t>
+    </dgm:pt>
+    <dgm:pt modelId="{E22262FB-215C-3E49-9EAD-F54A0C802095}" type="parTrans" cxnId="{B034D6C3-50B6-AD46-AE2B-5D19120AAD30}">
+      <dgm:prSet/>
+      <dgm:spPr/>
+      <dgm:t>
+        <a:bodyPr/>
+        <a:lstStyle/>
+        <a:p>
+          <a:endParaRPr lang="en-GB"/>
+        </a:p>
+      </dgm:t>
+    </dgm:pt>
+    <dgm:pt modelId="{8052BBE0-CC87-D340-8EF5-B3880355AE07}" type="sibTrans" cxnId="{B034D6C3-50B6-AD46-AE2B-5D19120AAD30}">
+      <dgm:prSet/>
+      <dgm:spPr/>
+      <dgm:t>
+        <a:bodyPr/>
+        <a:lstStyle/>
+        <a:p>
+          <a:endParaRPr lang="en-GB"/>
+        </a:p>
+      </dgm:t>
+    </dgm:pt>
+    <dgm:pt modelId="{8CE6A3FE-9B45-B747-B74E-5ACECA695CF7}" type="pres">
+      <dgm:prSet presAssocID="{B0B9E063-B052-814A-AF28-88DC5DF01B4A}" presName="rootnode" presStyleCnt="0">
+        <dgm:presLayoutVars>
+          <dgm:chMax/>
+          <dgm:chPref/>
+          <dgm:dir/>
+          <dgm:animLvl val="lvl"/>
+        </dgm:presLayoutVars>
+      </dgm:prSet>
+      <dgm:spPr/>
+    </dgm:pt>
+    <dgm:pt modelId="{0BC76D0D-9DB9-2649-AF91-4016FC767372}" type="pres">
+      <dgm:prSet presAssocID="{9F5A1FC8-6FA2-1546-B0B9-EF2B0540F9EF}" presName="composite" presStyleCnt="0"/>
+      <dgm:spPr/>
+    </dgm:pt>
+    <dgm:pt modelId="{23E00158-ED4D-4545-ADE0-DD62C846180A}" type="pres">
+      <dgm:prSet presAssocID="{9F5A1FC8-6FA2-1546-B0B9-EF2B0540F9EF}" presName="bentUpArrow1" presStyleLbl="alignImgPlace1" presStyleIdx="0" presStyleCnt="3"/>
+      <dgm:spPr>
+        <a:solidFill>
+          <a:srgbClr val="942AF1"/>
+        </a:solidFill>
+        <a:ln>
+          <a:noFill/>
+        </a:ln>
+      </dgm:spPr>
+    </dgm:pt>
+    <dgm:pt modelId="{59830FC1-4243-EA49-AA3C-794C2D30BE97}" type="pres">
+      <dgm:prSet presAssocID="{9F5A1FC8-6FA2-1546-B0B9-EF2B0540F9EF}" presName="ParentText" presStyleLbl="node1" presStyleIdx="0" presStyleCnt="4" custLinFactNeighborX="-14820" custLinFactNeighborY="22591">
+        <dgm:presLayoutVars>
+          <dgm:chMax val="1"/>
+          <dgm:chPref val="1"/>
+          <dgm:bulletEnabled val="1"/>
+        </dgm:presLayoutVars>
+      </dgm:prSet>
+      <dgm:spPr/>
+    </dgm:pt>
+    <dgm:pt modelId="{4EE0B3DB-0624-EA4A-8B49-7BD5F635DC07}" type="pres">
+      <dgm:prSet presAssocID="{9F5A1FC8-6FA2-1546-B0B9-EF2B0540F9EF}" presName="ChildText" presStyleLbl="revTx" presStyleIdx="0" presStyleCnt="3">
+        <dgm:presLayoutVars>
+          <dgm:chMax val="0"/>
+          <dgm:chPref val="0"/>
+          <dgm:bulletEnabled val="1"/>
+        </dgm:presLayoutVars>
+      </dgm:prSet>
+      <dgm:spPr/>
+    </dgm:pt>
+    <dgm:pt modelId="{CD5E822D-D53C-174D-919E-526C2F446B3F}" type="pres">
+      <dgm:prSet presAssocID="{710BA2F6-BAAA-9646-898C-E80CA9633A88}" presName="sibTrans" presStyleCnt="0"/>
+      <dgm:spPr/>
+    </dgm:pt>
+    <dgm:pt modelId="{569E5218-6BD3-2949-A4B8-13F55EAEDF2F}" type="pres">
+      <dgm:prSet presAssocID="{BEF627D5-408D-8F40-85C6-D01A1170FB10}" presName="composite" presStyleCnt="0"/>
+      <dgm:spPr/>
+    </dgm:pt>
+    <dgm:pt modelId="{87371DD8-3306-BF44-9B8E-40A6D44F949B}" type="pres">
+      <dgm:prSet presAssocID="{BEF627D5-408D-8F40-85C6-D01A1170FB10}" presName="bentUpArrow1" presStyleLbl="alignImgPlace1" presStyleIdx="1" presStyleCnt="3"/>
+      <dgm:spPr>
+        <a:solidFill>
+          <a:srgbClr val="942AF1"/>
+        </a:solidFill>
+        <a:ln>
+          <a:noFill/>
+        </a:ln>
+      </dgm:spPr>
+    </dgm:pt>
+    <dgm:pt modelId="{64B9C33E-1C07-EB48-9964-E44D86E9C6CB}" type="pres">
+      <dgm:prSet presAssocID="{BEF627D5-408D-8F40-85C6-D01A1170FB10}" presName="ParentText" presStyleLbl="node1" presStyleIdx="1" presStyleCnt="4">
+        <dgm:presLayoutVars>
+          <dgm:chMax val="1"/>
+          <dgm:chPref val="1"/>
+          <dgm:bulletEnabled val="1"/>
+        </dgm:presLayoutVars>
+      </dgm:prSet>
+      <dgm:spPr/>
+    </dgm:pt>
+    <dgm:pt modelId="{E6B3C056-F96C-8E43-BCBF-2CF897DF9420}" type="pres">
+      <dgm:prSet presAssocID="{BEF627D5-408D-8F40-85C6-D01A1170FB10}" presName="ChildText" presStyleLbl="revTx" presStyleIdx="1" presStyleCnt="3">
+        <dgm:presLayoutVars>
+          <dgm:chMax val="0"/>
+          <dgm:chPref val="0"/>
+          <dgm:bulletEnabled val="1"/>
+        </dgm:presLayoutVars>
+      </dgm:prSet>
+      <dgm:spPr/>
+    </dgm:pt>
+    <dgm:pt modelId="{04CFE6DF-C722-7B42-9EA8-425FDD7116CC}" type="pres">
+      <dgm:prSet presAssocID="{9A124366-0F8D-F147-B70A-B352503E3555}" presName="sibTrans" presStyleCnt="0"/>
+      <dgm:spPr/>
+    </dgm:pt>
+    <dgm:pt modelId="{462A6161-72F0-184C-AA9B-1CA1CFDBD1DD}" type="pres">
+      <dgm:prSet presAssocID="{75AD168F-F61E-7A44-9D0D-0AEF6B557F05}" presName="composite" presStyleCnt="0"/>
+      <dgm:spPr/>
+    </dgm:pt>
+    <dgm:pt modelId="{1397A985-CB04-5A41-A408-ADACDB0E1190}" type="pres">
+      <dgm:prSet presAssocID="{75AD168F-F61E-7A44-9D0D-0AEF6B557F05}" presName="bentUpArrow1" presStyleLbl="alignImgPlace1" presStyleIdx="2" presStyleCnt="3"/>
+      <dgm:spPr>
+        <a:solidFill>
+          <a:srgbClr val="942AF1"/>
+        </a:solidFill>
+        <a:ln>
+          <a:noFill/>
+        </a:ln>
+      </dgm:spPr>
+    </dgm:pt>
+    <dgm:pt modelId="{3382B79F-2C01-CC4F-9D92-A45BE0E46975}" type="pres">
+      <dgm:prSet presAssocID="{75AD168F-F61E-7A44-9D0D-0AEF6B557F05}" presName="ParentText" presStyleLbl="node1" presStyleIdx="2" presStyleCnt="4">
+        <dgm:presLayoutVars>
+          <dgm:chMax val="1"/>
+          <dgm:chPref val="1"/>
+          <dgm:bulletEnabled val="1"/>
+        </dgm:presLayoutVars>
+      </dgm:prSet>
+      <dgm:spPr/>
+    </dgm:pt>
+    <dgm:pt modelId="{6D0CC874-B401-DA48-8C25-2BCB9931B513}" type="pres">
+      <dgm:prSet presAssocID="{75AD168F-F61E-7A44-9D0D-0AEF6B557F05}" presName="ChildText" presStyleLbl="revTx" presStyleIdx="2" presStyleCnt="3">
+        <dgm:presLayoutVars>
+          <dgm:chMax val="0"/>
+          <dgm:chPref val="0"/>
+          <dgm:bulletEnabled val="1"/>
+        </dgm:presLayoutVars>
+      </dgm:prSet>
+      <dgm:spPr/>
+    </dgm:pt>
+    <dgm:pt modelId="{4E09F3FB-452E-4A4A-B4A1-D2EECF381454}" type="pres">
+      <dgm:prSet presAssocID="{7DC64CFA-F33B-2C4E-8ED6-5848C046AFCB}" presName="sibTrans" presStyleCnt="0"/>
+      <dgm:spPr/>
+    </dgm:pt>
+    <dgm:pt modelId="{B8F25F3B-04AF-2849-A179-40A5673671A3}" type="pres">
+      <dgm:prSet presAssocID="{ECC3FB7B-695D-E948-B96D-A8039CEF8268}" presName="composite" presStyleCnt="0"/>
+      <dgm:spPr/>
+    </dgm:pt>
+    <dgm:pt modelId="{0E9AADEF-96A8-3544-98C2-F9CC92F5C652}" type="pres">
+      <dgm:prSet presAssocID="{ECC3FB7B-695D-E948-B96D-A8039CEF8268}" presName="ParentText" presStyleLbl="node1" presStyleIdx="3" presStyleCnt="4">
+        <dgm:presLayoutVars>
+          <dgm:chMax val="1"/>
+          <dgm:chPref val="1"/>
+          <dgm:bulletEnabled val="1"/>
+        </dgm:presLayoutVars>
+      </dgm:prSet>
+      <dgm:spPr/>
+    </dgm:pt>
+  </dgm:ptLst>
+  <dgm:cxnLst>
+    <dgm:cxn modelId="{7107FA09-F3A5-7E41-8C5D-9E4A7AFA2152}" type="presOf" srcId="{62DA5A82-CB24-4E43-8ED9-28F632338AE1}" destId="{6D0CC874-B401-DA48-8C25-2BCB9931B513}" srcOrd="0" destOrd="0" presId="urn:microsoft.com/office/officeart/2005/8/layout/StepDownProcess"/>
+    <dgm:cxn modelId="{E039B00B-4BC3-BE48-BBDD-C2009BAFEA3D}" srcId="{B0B9E063-B052-814A-AF28-88DC5DF01B4A}" destId="{75AD168F-F61E-7A44-9D0D-0AEF6B557F05}" srcOrd="2" destOrd="0" parTransId="{4D8A48D4-0415-E049-9C3E-A0EDD8FF0A25}" sibTransId="{7DC64CFA-F33B-2C4E-8ED6-5848C046AFCB}"/>
+    <dgm:cxn modelId="{DF154265-1A36-EC49-A47C-3EAB99258B4B}" type="presOf" srcId="{9F5A1FC8-6FA2-1546-B0B9-EF2B0540F9EF}" destId="{59830FC1-4243-EA49-AA3C-794C2D30BE97}" srcOrd="0" destOrd="0" presId="urn:microsoft.com/office/officeart/2005/8/layout/StepDownProcess"/>
+    <dgm:cxn modelId="{3445DA68-0CDE-9444-844B-6FEA8E510917}" type="presOf" srcId="{75AD168F-F61E-7A44-9D0D-0AEF6B557F05}" destId="{3382B79F-2C01-CC4F-9D92-A45BE0E46975}" srcOrd="0" destOrd="0" presId="urn:microsoft.com/office/officeart/2005/8/layout/StepDownProcess"/>
+    <dgm:cxn modelId="{F87EDC6F-D2FC-1940-A8A3-D589DA9A9F9A}" type="presOf" srcId="{ECC3FB7B-695D-E948-B96D-A8039CEF8268}" destId="{0E9AADEF-96A8-3544-98C2-F9CC92F5C652}" srcOrd="0" destOrd="0" presId="urn:microsoft.com/office/officeart/2005/8/layout/StepDownProcess"/>
+    <dgm:cxn modelId="{9B0D1278-D4B0-7B41-8C61-BFDFCE9FD8BA}" srcId="{B0B9E063-B052-814A-AF28-88DC5DF01B4A}" destId="{BEF627D5-408D-8F40-85C6-D01A1170FB10}" srcOrd="1" destOrd="0" parTransId="{A060685C-6809-9E43-8360-C900E5300BCA}" sibTransId="{9A124366-0F8D-F147-B70A-B352503E3555}"/>
+    <dgm:cxn modelId="{D12BAB80-7E5A-504E-95B4-08C48129980A}" srcId="{B0B9E063-B052-814A-AF28-88DC5DF01B4A}" destId="{9F5A1FC8-6FA2-1546-B0B9-EF2B0540F9EF}" srcOrd="0" destOrd="0" parTransId="{1E138DBC-7F34-8E45-8184-8EBB6AD583D4}" sibTransId="{710BA2F6-BAAA-9646-898C-E80CA9633A88}"/>
+    <dgm:cxn modelId="{1DA1B997-EE32-9746-9848-E4D9C9065FA1}" srcId="{9F5A1FC8-6FA2-1546-B0B9-EF2B0540F9EF}" destId="{5259F429-1E25-1747-BEFD-9E80BCFC4515}" srcOrd="0" destOrd="0" parTransId="{1F4736B3-3128-6E45-AD71-DC2235473502}" sibTransId="{23F5FF8E-644F-8F46-8470-2110B0676203}"/>
+    <dgm:cxn modelId="{4DD0FCB1-494C-8648-806D-63E9D3CA2712}" type="presOf" srcId="{759B9DD4-A613-A047-8D0B-E717C519231A}" destId="{E6B3C056-F96C-8E43-BCBF-2CF897DF9420}" srcOrd="0" destOrd="0" presId="urn:microsoft.com/office/officeart/2005/8/layout/StepDownProcess"/>
+    <dgm:cxn modelId="{D8AE6CB7-DA60-4040-B513-13AD96A96831}" type="presOf" srcId="{5259F429-1E25-1747-BEFD-9E80BCFC4515}" destId="{4EE0B3DB-0624-EA4A-8B49-7BD5F635DC07}" srcOrd="0" destOrd="0" presId="urn:microsoft.com/office/officeart/2005/8/layout/StepDownProcess"/>
+    <dgm:cxn modelId="{B034D6C3-50B6-AD46-AE2B-5D19120AAD30}" srcId="{B0B9E063-B052-814A-AF28-88DC5DF01B4A}" destId="{ECC3FB7B-695D-E948-B96D-A8039CEF8268}" srcOrd="3" destOrd="0" parTransId="{E22262FB-215C-3E49-9EAD-F54A0C802095}" sibTransId="{8052BBE0-CC87-D340-8EF5-B3880355AE07}"/>
+    <dgm:cxn modelId="{B5BA59E9-46AF-5E40-B917-EE7A92948390}" srcId="{BEF627D5-408D-8F40-85C6-D01A1170FB10}" destId="{759B9DD4-A613-A047-8D0B-E717C519231A}" srcOrd="0" destOrd="0" parTransId="{01F0CBC6-A08F-B442-B3C1-7AEE0264AFCE}" sibTransId="{FE2FACA2-9336-5C4D-87DA-E1B32BCD1C71}"/>
+    <dgm:cxn modelId="{C80770F2-254F-2547-B8E3-D559F1B85CF5}" srcId="{75AD168F-F61E-7A44-9D0D-0AEF6B557F05}" destId="{62DA5A82-CB24-4E43-8ED9-28F632338AE1}" srcOrd="0" destOrd="0" parTransId="{0EF001CD-CF5F-494A-A009-57EA37A2C5B1}" sibTransId="{526F9B08-B811-BC4B-82C4-BE9D34D5D695}"/>
+    <dgm:cxn modelId="{EB82E7FC-7436-DA45-B9F5-1CD5EFACB5C2}" type="presOf" srcId="{BEF627D5-408D-8F40-85C6-D01A1170FB10}" destId="{64B9C33E-1C07-EB48-9964-E44D86E9C6CB}" srcOrd="0" destOrd="0" presId="urn:microsoft.com/office/officeart/2005/8/layout/StepDownProcess"/>
+    <dgm:cxn modelId="{BD6E6FFD-5D1F-8946-BE0C-3536BB19C8D9}" type="presOf" srcId="{B0B9E063-B052-814A-AF28-88DC5DF01B4A}" destId="{8CE6A3FE-9B45-B747-B74E-5ACECA695CF7}" srcOrd="0" destOrd="0" presId="urn:microsoft.com/office/officeart/2005/8/layout/StepDownProcess"/>
+    <dgm:cxn modelId="{138B434F-2C92-094F-8F1D-FDFB6045054D}" type="presParOf" srcId="{8CE6A3FE-9B45-B747-B74E-5ACECA695CF7}" destId="{0BC76D0D-9DB9-2649-AF91-4016FC767372}" srcOrd="0" destOrd="0" presId="urn:microsoft.com/office/officeart/2005/8/layout/StepDownProcess"/>
+    <dgm:cxn modelId="{557D4C5A-5266-7D47-8780-BB9334C7415D}" type="presParOf" srcId="{0BC76D0D-9DB9-2649-AF91-4016FC767372}" destId="{23E00158-ED4D-4545-ADE0-DD62C846180A}" srcOrd="0" destOrd="0" presId="urn:microsoft.com/office/officeart/2005/8/layout/StepDownProcess"/>
+    <dgm:cxn modelId="{B07C26CD-C266-E84A-A29E-008D28FEB6F1}" type="presParOf" srcId="{0BC76D0D-9DB9-2649-AF91-4016FC767372}" destId="{59830FC1-4243-EA49-AA3C-794C2D30BE97}" srcOrd="1" destOrd="0" presId="urn:microsoft.com/office/officeart/2005/8/layout/StepDownProcess"/>
+    <dgm:cxn modelId="{D597C11F-6DDA-B34B-BACA-011253009F42}" type="presParOf" srcId="{0BC76D0D-9DB9-2649-AF91-4016FC767372}" destId="{4EE0B3DB-0624-EA4A-8B49-7BD5F635DC07}" srcOrd="2" destOrd="0" presId="urn:microsoft.com/office/officeart/2005/8/layout/StepDownProcess"/>
+    <dgm:cxn modelId="{9C5A8989-3361-D94E-B789-9450810CEBEB}" type="presParOf" srcId="{8CE6A3FE-9B45-B747-B74E-5ACECA695CF7}" destId="{CD5E822D-D53C-174D-919E-526C2F446B3F}" srcOrd="1" destOrd="0" presId="urn:microsoft.com/office/officeart/2005/8/layout/StepDownProcess"/>
+    <dgm:cxn modelId="{7ED9AECD-2E9F-6744-B643-1DB6008FBDAD}" type="presParOf" srcId="{8CE6A3FE-9B45-B747-B74E-5ACECA695CF7}" destId="{569E5218-6BD3-2949-A4B8-13F55EAEDF2F}" srcOrd="2" destOrd="0" presId="urn:microsoft.com/office/officeart/2005/8/layout/StepDownProcess"/>
+    <dgm:cxn modelId="{23C43403-C92A-5949-BABC-61202E54D914}" type="presParOf" srcId="{569E5218-6BD3-2949-A4B8-13F55EAEDF2F}" destId="{87371DD8-3306-BF44-9B8E-40A6D44F949B}" srcOrd="0" destOrd="0" presId="urn:microsoft.com/office/officeart/2005/8/layout/StepDownProcess"/>
+    <dgm:cxn modelId="{7A8DE288-AA46-CF47-826C-D1261B29DAFF}" type="presParOf" srcId="{569E5218-6BD3-2949-A4B8-13F55EAEDF2F}" destId="{64B9C33E-1C07-EB48-9964-E44D86E9C6CB}" srcOrd="1" destOrd="0" presId="urn:microsoft.com/office/officeart/2005/8/layout/StepDownProcess"/>
+    <dgm:cxn modelId="{3C8024E4-4AEF-A543-805F-066363E8D4FF}" type="presParOf" srcId="{569E5218-6BD3-2949-A4B8-13F55EAEDF2F}" destId="{E6B3C056-F96C-8E43-BCBF-2CF897DF9420}" srcOrd="2" destOrd="0" presId="urn:microsoft.com/office/officeart/2005/8/layout/StepDownProcess"/>
+    <dgm:cxn modelId="{F878A5CB-6F8E-DB44-9AFE-C5BBA085EB78}" type="presParOf" srcId="{8CE6A3FE-9B45-B747-B74E-5ACECA695CF7}" destId="{04CFE6DF-C722-7B42-9EA8-425FDD7116CC}" srcOrd="3" destOrd="0" presId="urn:microsoft.com/office/officeart/2005/8/layout/StepDownProcess"/>
+    <dgm:cxn modelId="{CF6E52F0-26F2-F044-B2CF-8F065972A31B}" type="presParOf" srcId="{8CE6A3FE-9B45-B747-B74E-5ACECA695CF7}" destId="{462A6161-72F0-184C-AA9B-1CA1CFDBD1DD}" srcOrd="4" destOrd="0" presId="urn:microsoft.com/office/officeart/2005/8/layout/StepDownProcess"/>
+    <dgm:cxn modelId="{96159E4F-7CF9-974B-AEAD-CF52D1FA5408}" type="presParOf" srcId="{462A6161-72F0-184C-AA9B-1CA1CFDBD1DD}" destId="{1397A985-CB04-5A41-A408-ADACDB0E1190}" srcOrd="0" destOrd="0" presId="urn:microsoft.com/office/officeart/2005/8/layout/StepDownProcess"/>
+    <dgm:cxn modelId="{A9A03D24-3945-2C4E-92AD-EC5B6487BAB4}" type="presParOf" srcId="{462A6161-72F0-184C-AA9B-1CA1CFDBD1DD}" destId="{3382B79F-2C01-CC4F-9D92-A45BE0E46975}" srcOrd="1" destOrd="0" presId="urn:microsoft.com/office/officeart/2005/8/layout/StepDownProcess"/>
+    <dgm:cxn modelId="{9B38B9D6-7FFB-094D-98DC-5A5723CC3FC4}" type="presParOf" srcId="{462A6161-72F0-184C-AA9B-1CA1CFDBD1DD}" destId="{6D0CC874-B401-DA48-8C25-2BCB9931B513}" srcOrd="2" destOrd="0" presId="urn:microsoft.com/office/officeart/2005/8/layout/StepDownProcess"/>
+    <dgm:cxn modelId="{0D37DF9D-30B1-0D4A-B74E-119E7DDB5C78}" type="presParOf" srcId="{8CE6A3FE-9B45-B747-B74E-5ACECA695CF7}" destId="{4E09F3FB-452E-4A4A-B4A1-D2EECF381454}" srcOrd="5" destOrd="0" presId="urn:microsoft.com/office/officeart/2005/8/layout/StepDownProcess"/>
+    <dgm:cxn modelId="{8F8372C1-20BE-8F48-A754-DC734E73C214}" type="presParOf" srcId="{8CE6A3FE-9B45-B747-B74E-5ACECA695CF7}" destId="{B8F25F3B-04AF-2849-A179-40A5673671A3}" srcOrd="6" destOrd="0" presId="urn:microsoft.com/office/officeart/2005/8/layout/StepDownProcess"/>
+    <dgm:cxn modelId="{22A274F0-8BA6-424E-BF98-9DCB0F58AB25}" type="presParOf" srcId="{B8F25F3B-04AF-2849-A179-40A5673671A3}" destId="{0E9AADEF-96A8-3544-98C2-F9CC92F5C652}" srcOrd="0" destOrd="0" presId="urn:microsoft.com/office/officeart/2005/8/layout/StepDownProcess"/>
+  </dgm:cxnLst>
+  <dgm:bg/>
+  <dgm:whole/>
+  <dgm:extLst>
+    <a:ext uri="http://schemas.microsoft.com/office/drawing/2008/diagram">
+      <dsp:dataModelExt xmlns:dsp="http://schemas.microsoft.com/office/drawing/2008/diagram" relId="rId7" minVer="http://schemas.openxmlformats.org/drawingml/2006/diagram"/>
+    </a:ext>
+  </dgm:extLst>
+</dgm:dataModel>
+</file>
+
+<file path=ppt/diagrams/drawing1.xml><?xml version="1.0" encoding="utf-8"?>
+<dsp:drawing xmlns:dgm="http://schemas.openxmlformats.org/drawingml/2006/diagram" xmlns:dsp="http://schemas.microsoft.com/office/drawing/2008/diagram" xmlns:a="http://schemas.openxmlformats.org/drawingml/2006/main">
+  <dsp:spTree>
+    <dsp:nvGrpSpPr>
+      <dsp:cNvPr id="0" name=""/>
+      <dsp:cNvGrpSpPr/>
+    </dsp:nvGrpSpPr>
+    <dsp:grpSpPr/>
+    <dsp:sp modelId="{23E00158-ED4D-4545-ADE0-DD62C846180A}">
+      <dsp:nvSpPr>
+        <dsp:cNvPr id="0" name=""/>
+        <dsp:cNvSpPr/>
+      </dsp:nvSpPr>
+      <dsp:spPr>
+        <a:xfrm rot="5400000">
+          <a:off x="1286481" y="1184365"/>
+          <a:ext cx="1040130" cy="1184151"/>
+        </a:xfrm>
+        <a:prstGeom prst="bentUpArrow">
+          <a:avLst>
+            <a:gd name="adj1" fmla="val 32840"/>
+            <a:gd name="adj2" fmla="val 25000"/>
+            <a:gd name="adj3" fmla="val 35780"/>
+          </a:avLst>
+        </a:prstGeom>
+        <a:solidFill>
+          <a:srgbClr val="942AF1"/>
+        </a:solidFill>
+        <a:ln w="25400" cap="flat" cmpd="sng" algn="ctr">
+          <a:noFill/>
+          <a:prstDash val="solid"/>
+        </a:ln>
+        <a:effectLst/>
+      </dsp:spPr>
+      <dsp:style>
+        <a:lnRef idx="2">
+          <a:scrgbClr r="0" g="0" b="0"/>
+        </a:lnRef>
+        <a:fillRef idx="1">
+          <a:scrgbClr r="0" g="0" b="0"/>
+        </a:fillRef>
+        <a:effectRef idx="0">
+          <a:scrgbClr r="0" g="0" b="0"/>
+        </a:effectRef>
+        <a:fontRef idx="minor"/>
+      </dsp:style>
+    </dsp:sp>
+    <dsp:sp modelId="{59830FC1-4243-EA49-AA3C-794C2D30BE97}">
+      <dsp:nvSpPr>
+        <dsp:cNvPr id="0" name=""/>
+        <dsp:cNvSpPr/>
+      </dsp:nvSpPr>
+      <dsp:spPr>
+        <a:xfrm>
+          <a:off x="751417" y="308239"/>
+          <a:ext cx="1750966" cy="1225619"/>
+        </a:xfrm>
+        <a:prstGeom prst="roundRect">
+          <a:avLst>
+            <a:gd name="adj" fmla="val 16670"/>
+          </a:avLst>
+        </a:prstGeom>
+        <a:solidFill>
+          <a:srgbClr val="7336F3"/>
+        </a:solidFill>
+        <a:ln w="25400" cap="flat" cmpd="sng" algn="ctr">
+          <a:noFill/>
+          <a:prstDash val="solid"/>
+        </a:ln>
+        <a:effectLst/>
+      </dsp:spPr>
+      <dsp:style>
+        <a:lnRef idx="2">
+          <a:scrgbClr r="0" g="0" b="0"/>
+        </a:lnRef>
+        <a:fillRef idx="1">
+          <a:scrgbClr r="0" g="0" b="0"/>
+        </a:fillRef>
+        <a:effectRef idx="0">
+          <a:scrgbClr r="0" g="0" b="0"/>
+        </a:effectRef>
+        <a:fontRef idx="minor">
+          <a:schemeClr val="lt1"/>
+        </a:fontRef>
+      </dsp:style>
+      <dsp:txBody>
+        <a:bodyPr spcFirstLastPara="0" vert="horz" wrap="square" lIns="60960" tIns="60960" rIns="60960" bIns="60960" numCol="1" spcCol="1270" anchor="ctr" anchorCtr="0">
+          <a:noAutofit/>
+        </a:bodyPr>
+        <a:lstStyle/>
+        <a:p>
+          <a:pPr marL="0" lvl="0" indent="0" algn="ctr" defTabSz="711200">
+            <a:lnSpc>
+              <a:spcPct val="90000"/>
+            </a:lnSpc>
+            <a:spcBef>
+              <a:spcPct val="0"/>
+            </a:spcBef>
+            <a:spcAft>
+              <a:spcPct val="35000"/>
+            </a:spcAft>
+            <a:buNone/>
+          </a:pPr>
+          <a:r>
+            <a:rPr lang="en-GB" sz="1600" kern="1200" dirty="0">
+              <a:solidFill>
+                <a:schemeClr val="tx2">
+                  <a:lumMod val="20000"/>
+                  <a:lumOff val="80000"/>
+                </a:schemeClr>
+              </a:solidFill>
+            </a:rPr>
+            <a:t>Code error</a:t>
+          </a:r>
+        </a:p>
+      </dsp:txBody>
+      <dsp:txXfrm>
+        <a:off x="811258" y="368080"/>
+        <a:ext cx="1631284" cy="1105937"/>
+      </dsp:txXfrm>
+    </dsp:sp>
+    <dsp:sp modelId="{4EE0B3DB-0624-EA4A-8B49-7BD5F635DC07}">
+      <dsp:nvSpPr>
+        <dsp:cNvPr id="0" name=""/>
+        <dsp:cNvSpPr/>
+      </dsp:nvSpPr>
+      <dsp:spPr>
+        <a:xfrm>
+          <a:off x="2761877" y="148250"/>
+          <a:ext cx="1273486" cy="990600"/>
+        </a:xfrm>
+        <a:prstGeom prst="rect">
+          <a:avLst/>
+        </a:prstGeom>
+        <a:noFill/>
+        <a:ln>
+          <a:noFill/>
+        </a:ln>
+        <a:effectLst/>
+      </dsp:spPr>
+      <dsp:style>
+        <a:lnRef idx="0">
+          <a:scrgbClr r="0" g="0" b="0"/>
+        </a:lnRef>
+        <a:fillRef idx="0">
+          <a:scrgbClr r="0" g="0" b="0"/>
+        </a:fillRef>
+        <a:effectRef idx="0">
+          <a:scrgbClr r="0" g="0" b="0"/>
+        </a:effectRef>
+        <a:fontRef idx="minor"/>
+      </dsp:style>
+      <dsp:txBody>
+        <a:bodyPr spcFirstLastPara="0" vert="horz" wrap="square" lIns="60960" tIns="60960" rIns="60960" bIns="60960" numCol="1" spcCol="1270" anchor="ctr" anchorCtr="0">
+          <a:noAutofit/>
+        </a:bodyPr>
+        <a:lstStyle/>
+        <a:p>
+          <a:pPr marL="114300" lvl="1" indent="-114300" algn="l" defTabSz="533400">
+            <a:lnSpc>
+              <a:spcPct val="90000"/>
+            </a:lnSpc>
+            <a:spcBef>
+              <a:spcPct val="0"/>
+            </a:spcBef>
+            <a:spcAft>
+              <a:spcPct val="15000"/>
+            </a:spcAft>
+            <a:buChar char="•"/>
+          </a:pPr>
+          <a:r>
+            <a:rPr lang="en-GB" sz="1200" kern="1200" dirty="0"/>
+            <a:t>Bug in code</a:t>
+          </a:r>
+        </a:p>
+      </dsp:txBody>
+      <dsp:txXfrm>
+        <a:off x="2761877" y="148250"/>
+        <a:ext cx="1273486" cy="990600"/>
+      </dsp:txXfrm>
+    </dsp:sp>
+    <dsp:sp modelId="{87371DD8-3306-BF44-9B8E-40A6D44F949B}">
+      <dsp:nvSpPr>
+        <dsp:cNvPr id="0" name=""/>
+        <dsp:cNvSpPr/>
+      </dsp:nvSpPr>
+      <dsp:spPr>
+        <a:xfrm rot="5400000">
+          <a:off x="2738219" y="2561140"/>
+          <a:ext cx="1040130" cy="1184151"/>
+        </a:xfrm>
+        <a:prstGeom prst="bentUpArrow">
+          <a:avLst>
+            <a:gd name="adj1" fmla="val 32840"/>
+            <a:gd name="adj2" fmla="val 25000"/>
+            <a:gd name="adj3" fmla="val 35780"/>
+          </a:avLst>
+        </a:prstGeom>
+        <a:solidFill>
+          <a:srgbClr val="942AF1"/>
+        </a:solidFill>
+        <a:ln w="25400" cap="flat" cmpd="sng" algn="ctr">
+          <a:noFill/>
+          <a:prstDash val="solid"/>
+        </a:ln>
+        <a:effectLst/>
+      </dsp:spPr>
+      <dsp:style>
+        <a:lnRef idx="2">
+          <a:scrgbClr r="0" g="0" b="0"/>
+        </a:lnRef>
+        <a:fillRef idx="1">
+          <a:scrgbClr r="0" g="0" b="0"/>
+        </a:fillRef>
+        <a:effectRef idx="0">
+          <a:scrgbClr r="0" g="0" b="0"/>
+        </a:effectRef>
+        <a:fontRef idx="minor"/>
+      </dsp:style>
+    </dsp:sp>
+    <dsp:sp modelId="{64B9C33E-1C07-EB48-9964-E44D86E9C6CB}">
+      <dsp:nvSpPr>
+        <dsp:cNvPr id="0" name=""/>
+        <dsp:cNvSpPr/>
+      </dsp:nvSpPr>
+      <dsp:spPr>
+        <a:xfrm>
+          <a:off x="2462647" y="1408135"/>
+          <a:ext cx="1750966" cy="1225619"/>
+        </a:xfrm>
+        <a:prstGeom prst="roundRect">
+          <a:avLst>
+            <a:gd name="adj" fmla="val 16670"/>
+          </a:avLst>
+        </a:prstGeom>
+        <a:solidFill>
+          <a:srgbClr val="7336F3"/>
+        </a:solidFill>
+        <a:ln w="25400" cap="flat" cmpd="sng" algn="ctr">
+          <a:noFill/>
+          <a:prstDash val="solid"/>
+        </a:ln>
+        <a:effectLst/>
+      </dsp:spPr>
+      <dsp:style>
+        <a:lnRef idx="2">
+          <a:scrgbClr r="0" g="0" b="0"/>
+        </a:lnRef>
+        <a:fillRef idx="1">
+          <a:scrgbClr r="0" g="0" b="0"/>
+        </a:fillRef>
+        <a:effectRef idx="0">
+          <a:scrgbClr r="0" g="0" b="0"/>
+        </a:effectRef>
+        <a:fontRef idx="minor">
+          <a:schemeClr val="lt1"/>
+        </a:fontRef>
+      </dsp:style>
+      <dsp:txBody>
+        <a:bodyPr spcFirstLastPara="0" vert="horz" wrap="square" lIns="60960" tIns="60960" rIns="60960" bIns="60960" numCol="1" spcCol="1270" anchor="ctr" anchorCtr="0">
+          <a:noAutofit/>
+        </a:bodyPr>
+        <a:lstStyle/>
+        <a:p>
+          <a:pPr marL="0" lvl="0" indent="0" algn="ctr" defTabSz="711200">
+            <a:lnSpc>
+              <a:spcPct val="90000"/>
+            </a:lnSpc>
+            <a:spcBef>
+              <a:spcPct val="0"/>
+            </a:spcBef>
+            <a:spcAft>
+              <a:spcPct val="35000"/>
+            </a:spcAft>
+            <a:buNone/>
+          </a:pPr>
+          <a:r>
+            <a:rPr lang="en-GB" sz="1600" kern="1200" dirty="0">
+              <a:solidFill>
+                <a:schemeClr val="tx2">
+                  <a:lumMod val="20000"/>
+                  <a:lumOff val="80000"/>
+                </a:schemeClr>
+              </a:solidFill>
+            </a:rPr>
+            <a:t>Try-Catch</a:t>
+          </a:r>
+        </a:p>
+      </dsp:txBody>
+      <dsp:txXfrm>
+        <a:off x="2522488" y="1467976"/>
+        <a:ext cx="1631284" cy="1105937"/>
+      </dsp:txXfrm>
+    </dsp:sp>
+    <dsp:sp modelId="{E6B3C056-F96C-8E43-BCBF-2CF897DF9420}">
+      <dsp:nvSpPr>
+        <dsp:cNvPr id="0" name=""/>
+        <dsp:cNvSpPr/>
+      </dsp:nvSpPr>
+      <dsp:spPr>
+        <a:xfrm>
+          <a:off x="4213614" y="1525026"/>
+          <a:ext cx="1273486" cy="990600"/>
+        </a:xfrm>
+        <a:prstGeom prst="rect">
+          <a:avLst/>
+        </a:prstGeom>
+        <a:noFill/>
+        <a:ln>
+          <a:noFill/>
+        </a:ln>
+        <a:effectLst/>
+      </dsp:spPr>
+      <dsp:style>
+        <a:lnRef idx="0">
+          <a:scrgbClr r="0" g="0" b="0"/>
+        </a:lnRef>
+        <a:fillRef idx="0">
+          <a:scrgbClr r="0" g="0" b="0"/>
+        </a:fillRef>
+        <a:effectRef idx="0">
+          <a:scrgbClr r="0" g="0" b="0"/>
+        </a:effectRef>
+        <a:fontRef idx="minor"/>
+      </dsp:style>
+      <dsp:txBody>
+        <a:bodyPr spcFirstLastPara="0" vert="horz" wrap="square" lIns="60960" tIns="60960" rIns="60960" bIns="60960" numCol="1" spcCol="1270" anchor="ctr" anchorCtr="0">
+          <a:noAutofit/>
+        </a:bodyPr>
+        <a:lstStyle/>
+        <a:p>
+          <a:pPr marL="114300" lvl="1" indent="-114300" algn="l" defTabSz="533400">
+            <a:lnSpc>
+              <a:spcPct val="90000"/>
+            </a:lnSpc>
+            <a:spcBef>
+              <a:spcPct val="0"/>
+            </a:spcBef>
+            <a:spcAft>
+              <a:spcPct val="15000"/>
+            </a:spcAft>
+            <a:buChar char="•"/>
+          </a:pPr>
+          <a:r>
+            <a:rPr lang="en-GB" sz="1200" kern="1200" dirty="0"/>
+            <a:t>Catch and throw</a:t>
+          </a:r>
+        </a:p>
+      </dsp:txBody>
+      <dsp:txXfrm>
+        <a:off x="4213614" y="1525026"/>
+        <a:ext cx="1273486" cy="990600"/>
+      </dsp:txXfrm>
+    </dsp:sp>
+    <dsp:sp modelId="{1397A985-CB04-5A41-A408-ADACDB0E1190}">
+      <dsp:nvSpPr>
+        <dsp:cNvPr id="0" name=""/>
+        <dsp:cNvSpPr/>
+      </dsp:nvSpPr>
+      <dsp:spPr>
+        <a:xfrm rot="5400000">
+          <a:off x="4189956" y="3937916"/>
+          <a:ext cx="1040130" cy="1184151"/>
+        </a:xfrm>
+        <a:prstGeom prst="bentUpArrow">
+          <a:avLst>
+            <a:gd name="adj1" fmla="val 32840"/>
+            <a:gd name="adj2" fmla="val 25000"/>
+            <a:gd name="adj3" fmla="val 35780"/>
+          </a:avLst>
+        </a:prstGeom>
+        <a:solidFill>
+          <a:srgbClr val="942AF1"/>
+        </a:solidFill>
+        <a:ln w="25400" cap="flat" cmpd="sng" algn="ctr">
+          <a:noFill/>
+          <a:prstDash val="solid"/>
+        </a:ln>
+        <a:effectLst/>
+      </dsp:spPr>
+      <dsp:style>
+        <a:lnRef idx="2">
+          <a:scrgbClr r="0" g="0" b="0"/>
+        </a:lnRef>
+        <a:fillRef idx="1">
+          <a:scrgbClr r="0" g="0" b="0"/>
+        </a:fillRef>
+        <a:effectRef idx="0">
+          <a:scrgbClr r="0" g="0" b="0"/>
+        </a:effectRef>
+        <a:fontRef idx="minor"/>
+      </dsp:style>
+    </dsp:sp>
+    <dsp:sp modelId="{3382B79F-2C01-CC4F-9D92-A45BE0E46975}">
+      <dsp:nvSpPr>
+        <dsp:cNvPr id="0" name=""/>
+        <dsp:cNvSpPr/>
+      </dsp:nvSpPr>
+      <dsp:spPr>
+        <a:xfrm>
+          <a:off x="3914385" y="2784911"/>
+          <a:ext cx="1750966" cy="1225619"/>
+        </a:xfrm>
+        <a:prstGeom prst="roundRect">
+          <a:avLst>
+            <a:gd name="adj" fmla="val 16670"/>
+          </a:avLst>
+        </a:prstGeom>
+        <a:solidFill>
+          <a:srgbClr val="7336F3"/>
+        </a:solidFill>
+        <a:ln w="25400" cap="flat" cmpd="sng" algn="ctr">
+          <a:noFill/>
+          <a:prstDash val="solid"/>
+        </a:ln>
+        <a:effectLst/>
+      </dsp:spPr>
+      <dsp:style>
+        <a:lnRef idx="2">
+          <a:scrgbClr r="0" g="0" b="0"/>
+        </a:lnRef>
+        <a:fillRef idx="1">
+          <a:scrgbClr r="0" g="0" b="0"/>
+        </a:fillRef>
+        <a:effectRef idx="0">
+          <a:scrgbClr r="0" g="0" b="0"/>
+        </a:effectRef>
+        <a:fontRef idx="minor">
+          <a:schemeClr val="lt1"/>
+        </a:fontRef>
+      </dsp:style>
+      <dsp:txBody>
+        <a:bodyPr spcFirstLastPara="0" vert="horz" wrap="square" lIns="60960" tIns="60960" rIns="60960" bIns="60960" numCol="1" spcCol="1270" anchor="ctr" anchorCtr="0">
+          <a:noAutofit/>
+        </a:bodyPr>
+        <a:lstStyle/>
+        <a:p>
+          <a:pPr marL="0" lvl="0" indent="0" algn="ctr" defTabSz="711200">
+            <a:lnSpc>
+              <a:spcPct val="90000"/>
+            </a:lnSpc>
+            <a:spcBef>
+              <a:spcPct val="0"/>
+            </a:spcBef>
+            <a:spcAft>
+              <a:spcPct val="35000"/>
+            </a:spcAft>
+            <a:buNone/>
+          </a:pPr>
+          <a:r>
+            <a:rPr lang="en-GB" sz="1600" kern="1200" dirty="0" err="1">
+              <a:solidFill>
+                <a:schemeClr val="tx2">
+                  <a:lumMod val="20000"/>
+                  <a:lumOff val="80000"/>
+                </a:schemeClr>
+              </a:solidFill>
+            </a:rPr>
+            <a:t>Window.onerror</a:t>
+          </a:r>
+          <a:endParaRPr lang="en-GB" sz="1600" kern="1200" dirty="0">
+            <a:solidFill>
+              <a:schemeClr val="tx2">
+                <a:lumMod val="20000"/>
+                <a:lumOff val="80000"/>
+              </a:schemeClr>
+            </a:solidFill>
+          </a:endParaRPr>
+        </a:p>
+      </dsp:txBody>
+      <dsp:txXfrm>
+        <a:off x="3974226" y="2844752"/>
+        <a:ext cx="1631284" cy="1105937"/>
+      </dsp:txXfrm>
+    </dsp:sp>
+    <dsp:sp modelId="{6D0CC874-B401-DA48-8C25-2BCB9931B513}">
+      <dsp:nvSpPr>
+        <dsp:cNvPr id="0" name=""/>
+        <dsp:cNvSpPr/>
+      </dsp:nvSpPr>
+      <dsp:spPr>
+        <a:xfrm>
+          <a:off x="5665352" y="2901802"/>
+          <a:ext cx="1273486" cy="990600"/>
+        </a:xfrm>
+        <a:prstGeom prst="rect">
+          <a:avLst/>
+        </a:prstGeom>
+        <a:noFill/>
+        <a:ln>
+          <a:noFill/>
+        </a:ln>
+        <a:effectLst/>
+      </dsp:spPr>
+      <dsp:style>
+        <a:lnRef idx="0">
+          <a:scrgbClr r="0" g="0" b="0"/>
+        </a:lnRef>
+        <a:fillRef idx="0">
+          <a:scrgbClr r="0" g="0" b="0"/>
+        </a:fillRef>
+        <a:effectRef idx="0">
+          <a:scrgbClr r="0" g="0" b="0"/>
+        </a:effectRef>
+        <a:fontRef idx="minor"/>
+      </dsp:style>
+      <dsp:txBody>
+        <a:bodyPr spcFirstLastPara="0" vert="horz" wrap="square" lIns="60960" tIns="60960" rIns="60960" bIns="60960" numCol="1" spcCol="1270" anchor="ctr" anchorCtr="0">
+          <a:noAutofit/>
+        </a:bodyPr>
+        <a:lstStyle/>
+        <a:p>
+          <a:pPr marL="114300" lvl="1" indent="-114300" algn="l" defTabSz="533400">
+            <a:lnSpc>
+              <a:spcPct val="90000"/>
+            </a:lnSpc>
+            <a:spcBef>
+              <a:spcPct val="0"/>
+            </a:spcBef>
+            <a:spcAft>
+              <a:spcPct val="15000"/>
+            </a:spcAft>
+            <a:buChar char="•"/>
+          </a:pPr>
+          <a:r>
+            <a:rPr lang="en-GB" sz="1200" kern="1200" dirty="0"/>
+            <a:t>If not handled</a:t>
+          </a:r>
+        </a:p>
+      </dsp:txBody>
+      <dsp:txXfrm>
+        <a:off x="5665352" y="2901802"/>
+        <a:ext cx="1273486" cy="990600"/>
+      </dsp:txXfrm>
+    </dsp:sp>
+    <dsp:sp modelId="{0E9AADEF-96A8-3544-98C2-F9CC92F5C652}">
+      <dsp:nvSpPr>
+        <dsp:cNvPr id="0" name=""/>
+        <dsp:cNvSpPr/>
+      </dsp:nvSpPr>
+      <dsp:spPr>
+        <a:xfrm>
+          <a:off x="5366122" y="4161686"/>
+          <a:ext cx="1750966" cy="1225619"/>
+        </a:xfrm>
+        <a:prstGeom prst="roundRect">
+          <a:avLst>
+            <a:gd name="adj" fmla="val 16670"/>
+          </a:avLst>
+        </a:prstGeom>
+        <a:solidFill>
+          <a:srgbClr val="7336F3"/>
+        </a:solidFill>
+        <a:ln w="25400" cap="flat" cmpd="sng" algn="ctr">
+          <a:noFill/>
+          <a:prstDash val="solid"/>
+        </a:ln>
+        <a:effectLst/>
+      </dsp:spPr>
+      <dsp:style>
+        <a:lnRef idx="2">
+          <a:scrgbClr r="0" g="0" b="0"/>
+        </a:lnRef>
+        <a:fillRef idx="1">
+          <a:scrgbClr r="0" g="0" b="0"/>
+        </a:fillRef>
+        <a:effectRef idx="0">
+          <a:scrgbClr r="0" g="0" b="0"/>
+        </a:effectRef>
+        <a:fontRef idx="minor">
+          <a:schemeClr val="lt1"/>
+        </a:fontRef>
+      </dsp:style>
+      <dsp:txBody>
+        <a:bodyPr spcFirstLastPara="0" vert="horz" wrap="square" lIns="60960" tIns="60960" rIns="60960" bIns="60960" numCol="1" spcCol="1270" anchor="ctr" anchorCtr="0">
+          <a:noAutofit/>
+        </a:bodyPr>
+        <a:lstStyle/>
+        <a:p>
+          <a:pPr marL="0" lvl="0" indent="0" algn="ctr" defTabSz="711200">
+            <a:lnSpc>
+              <a:spcPct val="90000"/>
+            </a:lnSpc>
+            <a:spcBef>
+              <a:spcPct val="0"/>
+            </a:spcBef>
+            <a:spcAft>
+              <a:spcPct val="35000"/>
+            </a:spcAft>
+            <a:buNone/>
+          </a:pPr>
+          <a:r>
+            <a:rPr lang="en-GB" sz="1600" kern="1200" dirty="0">
+              <a:solidFill>
+                <a:schemeClr val="tx2">
+                  <a:lumMod val="20000"/>
+                  <a:lumOff val="80000"/>
+                </a:schemeClr>
+              </a:solidFill>
+            </a:rPr>
+            <a:t>Browser error</a:t>
+          </a:r>
+        </a:p>
+      </dsp:txBody>
+      <dsp:txXfrm>
+        <a:off x="5425963" y="4221527"/>
+        <a:ext cx="1631284" cy="1105937"/>
+      </dsp:txXfrm>
+    </dsp:sp>
+  </dsp:spTree>
+</dsp:drawing>
+</file>
+
+<file path=ppt/diagrams/layout1.xml><?xml version="1.0" encoding="utf-8"?>
+<dgm:layoutDef xmlns:dgm="http://schemas.openxmlformats.org/drawingml/2006/diagram" xmlns:a="http://schemas.openxmlformats.org/drawingml/2006/main" uniqueId="urn:microsoft.com/office/officeart/2005/8/layout/StepDownProcess">
+  <dgm:title val=""/>
+  <dgm:desc val=""/>
+  <dgm:catLst>
+    <dgm:cat type="process" pri="1600"/>
+  </dgm:catLst>
+  <dgm:sampData>
+    <dgm:dataModel>
+      <dgm:ptLst>
+        <dgm:pt modelId="0" type="doc"/>
+        <dgm:pt modelId="10">
+          <dgm:prSet phldr="1"/>
+        </dgm:pt>
+        <dgm:pt modelId="11">
+          <dgm:prSet phldr="1"/>
+        </dgm:pt>
+        <dgm:pt modelId="20">
+          <dgm:prSet phldr="1"/>
+        </dgm:pt>
+        <dgm:pt modelId="21">
+          <dgm:prSet phldr="1"/>
+        </dgm:pt>
+        <dgm:pt modelId="30">
+          <dgm:prSet phldr="1"/>
+        </dgm:pt>
+        <dgm:pt modelId="31">
+          <dgm:prSet phldr="1"/>
+        </dgm:pt>
+      </dgm:ptLst>
+      <dgm:cxnLst>
+        <dgm:cxn modelId="60" srcId="0" destId="10" srcOrd="0" destOrd="0"/>
+        <dgm:cxn modelId="12" srcId="10" destId="11" srcOrd="0" destOrd="0"/>
+        <dgm:cxn modelId="70" srcId="0" destId="20" srcOrd="1" destOrd="0"/>
+        <dgm:cxn modelId="22" srcId="20" destId="21" srcOrd="0" destOrd="0"/>
+        <dgm:cxn modelId="80" srcId="0" destId="30" srcOrd="2" destOrd="0"/>
+        <dgm:cxn modelId="32" srcId="30" destId="31" srcOrd="0" destOrd="0"/>
+      </dgm:cxnLst>
+      <dgm:bg/>
+      <dgm:whole/>
+    </dgm:dataModel>
+  </dgm:sampData>
+  <dgm:styleData>
+    <dgm:dataModel>
+      <dgm:ptLst>
+        <dgm:pt modelId="0" type="doc"/>
+        <dgm:pt modelId="10">
+          <dgm:prSet phldr="1"/>
+        </dgm:pt>
+        <dgm:pt modelId="20">
+          <dgm:prSet phldr="1"/>
+        </dgm:pt>
+      </dgm:ptLst>
+      <dgm:cxnLst>
+        <dgm:cxn modelId="60" srcId="0" destId="10" srcOrd="0" destOrd="0"/>
+        <dgm:cxn modelId="70" srcId="0" destId="20" srcOrd="1" destOrd="0"/>
+      </dgm:cxnLst>
+      <dgm:bg/>
+      <dgm:whole/>
+    </dgm:dataModel>
+  </dgm:styleData>
+  <dgm:clrData>
+    <dgm:dataModel>
+      <dgm:ptLst>
+        <dgm:pt modelId="0" type="doc"/>
+        <dgm:pt modelId="10">
+          <dgm:prSet phldr="1"/>
+        </dgm:pt>
+        <dgm:pt modelId="20">
+          <dgm:prSet phldr="1"/>
+        </dgm:pt>
+        <dgm:pt modelId="30">
+          <dgm:prSet phldr="1"/>
+        </dgm:pt>
+        <dgm:pt modelId="40">
+          <dgm:prSet phldr="1"/>
+        </dgm:pt>
+      </dgm:ptLst>
+      <dgm:cxnLst>
+        <dgm:cxn modelId="60" srcId="0" destId="10" srcOrd="0" destOrd="0"/>
+        <dgm:cxn modelId="70" srcId="0" destId="20" srcOrd="1" destOrd="0"/>
+        <dgm:cxn modelId="80" srcId="0" destId="30" srcOrd="2" destOrd="0"/>
+        <dgm:cxn modelId="90" srcId="0" destId="40" srcOrd="3" destOrd="0"/>
+      </dgm:cxnLst>
+      <dgm:bg/>
+      <dgm:whole/>
+    </dgm:dataModel>
+  </dgm:clrData>
+  <dgm:layoutNode name="rootnode">
+    <dgm:varLst>
+      <dgm:chMax/>
+      <dgm:chPref/>
+      <dgm:dir/>
+      <dgm:animLvl val="lvl"/>
+    </dgm:varLst>
+    <dgm:choose name="Name0">
+      <dgm:if name="Name1" func="var" arg="dir" op="equ" val="norm">
+        <dgm:alg type="snake">
+          <dgm:param type="grDir" val="tL"/>
+          <dgm:param type="flowDir" val="row"/>
+          <dgm:param type="off" val="off"/>
+          <dgm:param type="bkpt" val="fixed"/>
+          <dgm:param type="bkPtFixedVal" val="1"/>
+        </dgm:alg>
+      </dgm:if>
+      <dgm:else name="Name2">
+        <dgm:alg type="snake">
+          <dgm:param type="grDir" val="tR"/>
+          <dgm:param type="flowDir" val="row"/>
+          <dgm:param type="off" val="off"/>
+          <dgm:param type="bkpt" val="fixed"/>
+          <dgm:param type="bkPtFixedVal" val="1"/>
+        </dgm:alg>
+      </dgm:else>
+    </dgm:choose>
+    <dgm:shape xmlns:r="http://schemas.openxmlformats.org/officeDocument/2006/relationships" r:blip="">
+      <dgm:adjLst/>
+    </dgm:shape>
+    <dgm:choose name="Name3">
+      <dgm:if name="Name4" func="var" arg="dir" op="equ" val="norm">
+        <dgm:constrLst>
+          <dgm:constr type="alignOff" forName="rootnode" val="0.48"/>
+          <dgm:constr type="primFontSz" for="des" forName="ParentText" val="65"/>
+          <dgm:constr type="primFontSz" for="des" forName="ChildText" refType="primFontSz" refFor="des" refForName="ParentText" op="lte"/>
+          <dgm:constr type="w" for="ch" forName="composite" refType="w"/>
+          <dgm:constr type="h" for="ch" forName="composite" refType="h"/>
+          <dgm:constr type="sp" refType="h" refFor="ch" refForName="composite" op="equ" fact="-0.38"/>
+        </dgm:constrLst>
+      </dgm:if>
+      <dgm:else name="Name5">
+        <dgm:constrLst>
+          <dgm:constr type="alignOff" forName="rootnode" val="0.48"/>
+          <dgm:constr type="primFontSz" for="des" forName="ParentText" val="65"/>
+          <dgm:constr type="primFontSz" for="des" forName="ChildText" refType="primFontSz" refFor="des" refForName="ParentText" op="lte"/>
+          <dgm:constr type="w" for="ch" forName="composite" refType="w"/>
+          <dgm:constr type="h" for="ch" forName="composite" refType="h"/>
+          <dgm:constr type="sp" refType="h" refFor="ch" refForName="composite" op="equ" fact="-0.38"/>
+        </dgm:constrLst>
+      </dgm:else>
+    </dgm:choose>
+    <dgm:forEach name="nodesForEach" axis="ch" ptType="node">
+      <dgm:layoutNode name="composite">
+        <dgm:alg type="composite">
+          <dgm:param type="ar" val="1.2439"/>
+        </dgm:alg>
+        <dgm:shape xmlns:r="http://schemas.openxmlformats.org/officeDocument/2006/relationships" r:blip="">
+          <dgm:adjLst/>
+        </dgm:shape>
+        <dgm:choose name="Name6">
+          <dgm:if name="Name7" func="var" arg="dir" op="equ" val="norm">
+            <dgm:constrLst>
+              <dgm:constr type="l" for="ch" forName="bentUpArrow1" refType="w" fact="0.07"/>
+              <dgm:constr type="t" for="ch" forName="bentUpArrow1" refType="h" fact="0.524"/>
+              <dgm:constr type="w" for="ch" forName="bentUpArrow1" refType="w" fact="0.3844"/>
+              <dgm:constr type="h" for="ch" forName="bentUpArrow1" refType="h" fact="0.42"/>
+              <dgm:constr type="l" for="ch" forName="ParentText" refType="w" fact="0"/>
+              <dgm:constr type="t" for="ch" forName="ParentText" refType="h" fact="0"/>
+              <dgm:constr type="w" for="ch" forName="ParentText" refType="w" fact="0.5684"/>
+              <dgm:constr type="h" for="ch" forName="ParentText" refType="h" fact="0.4949"/>
+              <dgm:constr type="l" for="ch" forName="ChildText" refType="w" refFor="ch" refForName="ParentText"/>
+              <dgm:constr type="t" for="ch" forName="ChildText" refType="h" fact="0.05"/>
+              <dgm:constr type="w" for="ch" forName="ChildText" refType="w" fact="0.4134"/>
+              <dgm:constr type="h" for="ch" forName="ChildText" refType="h" fact="0.4"/>
+              <dgm:constr type="l" for="ch" forName="FinalChildText" refType="w" refFor="ch" refForName="ParentText"/>
+              <dgm:constr type="t" for="ch" forName="FinalChildText" refType="h" fact="0.05"/>
+              <dgm:constr type="w" for="ch" forName="FinalChildText" refType="w" fact="0.4134"/>
+              <dgm:constr type="h" for="ch" forName="FinalChildText" refType="h" fact="0.4"/>
+            </dgm:constrLst>
+          </dgm:if>
+          <dgm:else name="Name8">
+            <dgm:constrLst>
+              <dgm:constr type="r" for="ch" forName="bentUpArrow1" refType="w" fact="0.97"/>
+              <dgm:constr type="t" for="ch" forName="bentUpArrow1" refType="h" fact="0.524"/>
+              <dgm:constr type="w" for="ch" forName="bentUpArrow1" refType="w" fact="0.3844"/>
+              <dgm:constr type="h" for="ch" forName="bentUpArrow1" refType="h" fact="0.42"/>
+              <dgm:constr type="l" for="ch" forName="ParentText" refType="w" fact="0.4316"/>
+              <dgm:constr type="t" for="ch" forName="ParentText" refType="h" fact="0"/>
+              <dgm:constr type="w" for="ch" forName="ParentText" refType="w" fact="0.5684"/>
+              <dgm:constr type="h" for="ch" forName="ParentText" refType="h" fact="0.4949"/>
+              <dgm:constr type="l" for="ch" forName="ChildText" refType="w" fact="0"/>
+              <dgm:constr type="t" for="ch" forName="ChildText" refType="h" fact="0.05"/>
+              <dgm:constr type="w" for="ch" forName="ChildText" refType="w" fact="0.4134"/>
+              <dgm:constr type="h" for="ch" forName="ChildText" refType="h" fact="0.4"/>
+              <dgm:constr type="l" for="ch" forName="FinalChildText" refType="w" fact="0"/>
+              <dgm:constr type="t" for="ch" forName="FinalChildText" refType="h" fact="0.05"/>
+              <dgm:constr type="w" for="ch" forName="FinalChildText" refType="w" fact="0.4134"/>
+              <dgm:constr type="h" for="ch" forName="FinalChildText" refType="h" fact="0.4"/>
+            </dgm:constrLst>
+          </dgm:else>
+        </dgm:choose>
+        <dgm:choose name="Name9">
+          <dgm:if name="Name10" axis="followSib" ptType="node" func="cnt" op="gte" val="1">
+            <dgm:layoutNode name="bentUpArrow1" styleLbl="alignImgPlace1">
+              <dgm:alg type="sp"/>
+              <dgm:choose name="Name11">
+                <dgm:if name="Name12" func="var" arg="dir" op="equ" val="norm">
+                  <dgm:shape xmlns:r="http://schemas.openxmlformats.org/officeDocument/2006/relationships" rot="90" type="bentUpArrow" r:blip="">
+                    <dgm:adjLst>
+                      <dgm:adj idx="1" val="0.3284"/>
+                      <dgm:adj idx="2" val="0.25"/>
+                      <dgm:adj idx="3" val="0.3578"/>
+                    </dgm:adjLst>
+                  </dgm:shape>
+                </dgm:if>
+                <dgm:else name="Name13">
+                  <dgm:shape xmlns:r="http://schemas.openxmlformats.org/officeDocument/2006/relationships" rot="180" type="bentArrow" r:blip="">
+                    <dgm:adjLst>
+                      <dgm:adj idx="1" val="0.3284"/>
+                      <dgm:adj idx="2" val="0.25"/>
+                      <dgm:adj idx="3" val="0.3578"/>
+                      <dgm:adj idx="4" val="0"/>
+                    </dgm:adjLst>
+                  </dgm:shape>
+                </dgm:else>
+              </dgm:choose>
+              <dgm:presOf/>
+            </dgm:layoutNode>
+          </dgm:if>
+          <dgm:else name="Name14"/>
+        </dgm:choose>
+        <dgm:layoutNode name="ParentText" styleLbl="node1">
+          <dgm:varLst>
+            <dgm:chMax val="1"/>
+            <dgm:chPref val="1"/>
+            <dgm:bulletEnabled val="1"/>
+          </dgm:varLst>
+          <dgm:alg type="tx"/>
+          <dgm:shape xmlns:r="http://schemas.openxmlformats.org/officeDocument/2006/relationships" type="roundRect" r:blip="">
+            <dgm:adjLst>
+              <dgm:adj idx="1" val="0.1667"/>
+            </dgm:adjLst>
+          </dgm:shape>
+          <dgm:presOf axis="self" ptType="node"/>
+          <dgm:constrLst>
+            <dgm:constr type="lMarg" refType="primFontSz" fact="0.3"/>
+            <dgm:constr type="rMarg" refType="primFontSz" fact="0.3"/>
+            <dgm:constr type="tMarg" refType="primFontSz" fact="0.3"/>
+            <dgm:constr type="bMarg" refType="primFontSz" fact="0.3"/>
+          </dgm:constrLst>
+          <dgm:ruleLst>
+            <dgm:rule type="primFontSz" val="5" fact="NaN" max="NaN"/>
+          </dgm:ruleLst>
+        </dgm:layoutNode>
+        <dgm:choose name="Name15">
+          <dgm:if name="Name16" axis="followSib" ptType="node" func="cnt" op="equ" val="0">
+            <dgm:choose name="Name17">
+              <dgm:if name="Name18" axis="ch" ptType="node" func="cnt" op="gte" val="1">
+                <dgm:layoutNode name="FinalChildText" styleLbl="revTx">
+                  <dgm:varLst>
+                    <dgm:chMax val="0"/>
+                    <dgm:chPref val="0"/>
+                    <dgm:bulletEnabled val="1"/>
+                  </dgm:varLst>
+                  <dgm:alg type="tx">
+                    <dgm:param type="stBulletLvl" val="1"/>
+                    <dgm:param type="txAnchorVertCh" val="mid"/>
+                    <dgm:param type="parTxLTRAlign" val="l"/>
+                  </dgm:alg>
+                  <dgm:shape xmlns:r="http://schemas.openxmlformats.org/officeDocument/2006/relationships" type="rect" r:blip="">
+                    <dgm:adjLst/>
+                  </dgm:shape>
+                  <dgm:presOf axis="des" ptType="node"/>
+                  <dgm:constrLst>
+                    <dgm:constr type="lMarg" refType="primFontSz" fact="0.3"/>
+                    <dgm:constr type="rMarg" refType="primFontSz" fact="0.3"/>
+                    <dgm:constr type="tMarg" refType="primFontSz" fact="0.3"/>
+                    <dgm:constr type="bMarg" refType="primFontSz" fact="0.3"/>
+                  </dgm:constrLst>
+                  <dgm:ruleLst>
+                    <dgm:rule type="primFontSz" val="5" fact="NaN" max="NaN"/>
+                  </dgm:ruleLst>
+                </dgm:layoutNode>
+              </dgm:if>
+              <dgm:else name="Name19"/>
+            </dgm:choose>
+          </dgm:if>
+          <dgm:else name="Name20">
+            <dgm:layoutNode name="ChildText" styleLbl="revTx">
+              <dgm:varLst>
+                <dgm:chMax val="0"/>
+                <dgm:chPref val="0"/>
+                <dgm:bulletEnabled val="1"/>
+              </dgm:varLst>
+              <dgm:alg type="tx">
+                <dgm:param type="stBulletLvl" val="1"/>
+                <dgm:param type="txAnchorVertCh" val="mid"/>
+                <dgm:param type="parTxLTRAlign" val="l"/>
+              </dgm:alg>
+              <dgm:shape xmlns:r="http://schemas.openxmlformats.org/officeDocument/2006/relationships" type="rect" r:blip="">
+                <dgm:adjLst/>
+              </dgm:shape>
+              <dgm:presOf axis="des" ptType="node"/>
+              <dgm:constrLst>
+                <dgm:constr type="lMarg" refType="primFontSz" fact="0.3"/>
+                <dgm:constr type="rMarg" refType="primFontSz" fact="0.3"/>
+                <dgm:constr type="tMarg" refType="primFontSz" fact="0.3"/>
+                <dgm:constr type="bMarg" refType="primFontSz" fact="0.3"/>
+              </dgm:constrLst>
+              <dgm:ruleLst>
+                <dgm:rule type="primFontSz" val="5" fact="NaN" max="NaN"/>
+              </dgm:ruleLst>
+            </dgm:layoutNode>
+          </dgm:else>
+        </dgm:choose>
+      </dgm:layoutNode>
+      <dgm:forEach name="sibTransForEach" axis="followSib" ptType="sibTrans" cnt="1">
+        <dgm:layoutNode name="sibTrans">
+          <dgm:alg type="sp"/>
+          <dgm:shape xmlns:r="http://schemas.openxmlformats.org/officeDocument/2006/relationships" r:blip="">
+            <dgm:adjLst/>
+          </dgm:shape>
+        </dgm:layoutNode>
+      </dgm:forEach>
+    </dgm:forEach>
+  </dgm:layoutNode>
+</dgm:layoutDef>
+</file>
+
+<file path=ppt/diagrams/quickStyle1.xml><?xml version="1.0" encoding="utf-8"?>
+<dgm:styleDef xmlns:dgm="http://schemas.openxmlformats.org/drawingml/2006/diagram" xmlns:a="http://schemas.openxmlformats.org/drawingml/2006/main" uniqueId="urn:microsoft.com/office/officeart/2005/8/quickstyle/simple1">
+  <dgm:title val=""/>
+  <dgm:desc val=""/>
+  <dgm:catLst>
+    <dgm:cat type="simple" pri="10100"/>
+  </dgm:catLst>
+  <dgm:scene3d>
+    <a:camera prst="orthographicFront"/>
+    <a:lightRig rig="threePt" dir="t"/>
+  </dgm:scene3d>
+  <dgm:styleLbl name="node0">
+    <dgm:scene3d>
+      <a:camera prst="orthographicFront"/>
+      <a:lightRig rig="threePt" dir="t"/>
+    </dgm:scene3d>
+    <dgm:sp3d/>
+    <dgm:txPr/>
+    <dgm:style>
+      <a:lnRef idx="2">
+        <a:scrgbClr r="0" g="0" b="0"/>
+      </a:lnRef>
+      <a:fillRef idx="1">
+        <a:scrgbClr r="0" g="0" b="0"/>
+      </a:fillRef>
+      <a:effectRef idx="0">
+        <a:scrgbClr r="0" g="0" b="0"/>
+      </a:effectRef>
+      <a:fontRef idx="minor">
+        <a:schemeClr val="lt1"/>
+      </a:fontRef>
+    </dgm:style>
+  </dgm:styleLbl>
+  <dgm:styleLbl name="lnNode1">
+    <dgm:scene3d>
+      <a:camera prst="orthographicFront"/>
+      <a:lightRig rig="threePt" dir="t"/>
+    </dgm:scene3d>
+    <dgm:sp3d/>
+    <dgm:txPr/>
+    <dgm:style>
+      <a:lnRef idx="2">
+        <a:scrgbClr r="0" g="0" b="0"/>
+      </a:lnRef>
+      <a:fillRef idx="1">
+        <a:scrgbClr r="0" g="0" b="0"/>
+      </a:fillRef>
+      <a:effectRef idx="0">
+        <a:scrgbClr r="0" g="0" b="0"/>
+      </a:effectRef>
+      <a:fontRef idx="minor">
+        <a:schemeClr val="lt1"/>
+      </a:fontRef>
+    </dgm:style>
+  </dgm:styleLbl>
+  <dgm:styleLbl name="vennNode1">
+    <dgm:scene3d>
+      <a:camera prst="orthographicFront"/>
+      <a:lightRig rig="threePt" dir="t"/>
+    </dgm:scene3d>
+    <dgm:sp3d/>
+    <dgm:txPr/>
+    <dgm:style>
+      <a:lnRef idx="2">
+        <a:scrgbClr r="0" g="0" b="0"/>
+      </a:lnRef>
+      <a:fillRef idx="1">
+        <a:scrgbClr r="0" g="0" b="0"/>
+      </a:fillRef>
+      <a:effectRef idx="0">
+        <a:scrgbClr r="0" g="0" b="0"/>
+      </a:effectRef>
+      <a:fontRef idx="minor">
+        <a:schemeClr val="tx1"/>
+      </a:fontRef>
+    </dgm:style>
+  </dgm:styleLbl>
+  <dgm:styleLbl name="alignNode1">
+    <dgm:scene3d>
+      <a:camera prst="orthographicFront"/>
+      <a:lightRig rig="threePt" dir="t"/>
+    </dgm:scene3d>
+    <dgm:sp3d/>
+    <dgm:txPr/>
+    <dgm:style>
+      <a:lnRef idx="2">
+        <a:scrgbClr r="0" g="0" b="0"/>
+      </a:lnRef>
+      <a:fillRef idx="1">
+        <a:scrgbClr r="0" g="0" b="0"/>
+      </a:fillRef>
+      <a:effectRef idx="0">
+        <a:scrgbClr r="0" g="0" b="0"/>
+      </a:effectRef>
+      <a:fontRef idx="minor">
+        <a:schemeClr val="lt1"/>
+      </a:fontRef>
+    </dgm:style>
+  </dgm:styleLbl>
+  <dgm:styleLbl name="node1">
+    <dgm:scene3d>
+      <a:camera prst="orthographicFront"/>
+      <a:lightRig rig="threePt" dir="t"/>
+    </dgm:scene3d>
+    <dgm:sp3d/>
+    <dgm:txPr/>
+    <dgm:style>
+      <a:lnRef idx="2">
+        <a:scrgbClr r="0" g="0" b="0"/>
+      </a:lnRef>
+      <a:fillRef idx="1">
+        <a:scrgbClr r="0" g="0" b="0"/>
+      </a:fillRef>
+      <a:effectRef idx="0">
+        <a:scrgbClr r="0" g="0" b="0"/>
+      </a:effectRef>
+      <a:fontRef idx="minor">
+        <a:schemeClr val="lt1"/>
+      </a:fontRef>
+    </dgm:style>
+  </dgm:styleLbl>
+  <dgm:styleLbl name="node2">
+    <dgm:scene3d>
+      <a:camera prst="orthographicFront"/>
+      <a:lightRig rig="threePt" dir="t"/>
+    </dgm:scene3d>
+    <dgm:sp3d/>
+    <dgm:txPr/>
+    <dgm:style>
+      <a:lnRef idx="2">
+        <a:scrgbClr r="0" g="0" b="0"/>
+      </a:lnRef>
+      <a:fillRef idx="1">
+        <a:scrgbClr r="0" g="0" b="0"/>
+      </a:fillRef>
+      <a:effectRef idx="0">
+        <a:scrgbClr r="0" g="0" b="0"/>
+      </a:effectRef>
+      <a:fontRef idx="minor">
+        <a:schemeClr val="lt1"/>
+      </a:fontRef>
+    </dgm:style>
+  </dgm:styleLbl>
+  <dgm:styleLbl name="node3">
+    <dgm:scene3d>
+      <a:camera prst="orthographicFront"/>
+      <a:lightRig rig="threePt" dir="t"/>
+    </dgm:scene3d>
+    <dgm:sp3d/>
+    <dgm:txPr/>
+    <dgm:style>
+      <a:lnRef idx="2">
+        <a:scrgbClr r="0" g="0" b="0"/>
+      </a:lnRef>
+      <a:fillRef idx="1">
+        <a:scrgbClr r="0" g="0" b="0"/>
+      </a:fillRef>
+      <a:effectRef idx="0">
+        <a:scrgbClr r="0" g="0" b="0"/>
+      </a:effectRef>
+      <a:fontRef idx="minor">
+        <a:schemeClr val="lt1"/>
+      </a:fontRef>
+    </dgm:style>
+  </dgm:styleLbl>
+  <dgm:styleLbl name="node4">
+    <dgm:scene3d>
+      <a:camera prst="orthographicFront"/>
+      <a:lightRig rig="threePt" dir="t"/>
+    </dgm:scene3d>
+    <dgm:sp3d/>
+    <dgm:txPr/>
+    <dgm:style>
+      <a:lnRef idx="2">
+        <a:scrgbClr r="0" g="0" b="0"/>
+      </a:lnRef>
+      <a:fillRef idx="1">
+        <a:scrgbClr r="0" g="0" b="0"/>
+      </a:fillRef>
+      <a:effectRef idx="0">
+        <a:scrgbClr r="0" g="0" b="0"/>
+      </a:effectRef>
+      <a:fontRef idx="minor">
+        <a:schemeClr val="lt1"/>
+      </a:fontRef>
+    </dgm:style>
+  </dgm:styleLbl>
+  <dgm:styleLbl name="fgImgPlace1">
+    <dgm:scene3d>
+      <a:camera prst="orthographicFront"/>
+      <a:lightRig rig="threePt" dir="t"/>
+    </dgm:scene3d>
+    <dgm:sp3d/>
+    <dgm:txPr/>
+    <dgm:style>
+      <a:lnRef idx="2">
+        <a:scrgbClr r="0" g="0" b="0"/>
+      </a:lnRef>
+      <a:fillRef idx="1">
+        <a:scrgbClr r="0" g="0" b="0"/>
+      </a:fillRef>
+      <a:effectRef idx="0">
+        <a:scrgbClr r="0" g="0" b="0"/>
+      </a:effectRef>
+      <a:fontRef idx="minor"/>
+    </dgm:style>
+  </dgm:styleLbl>
+  <dgm:styleLbl name="alignImgPlace1">
+    <dgm:scene3d>
+      <a:camera prst="orthographicFront"/>
+      <a:lightRig rig="threePt" dir="t"/>
+    </dgm:scene3d>
+    <dgm:sp3d/>
+    <dgm:txPr/>
+    <dgm:style>
+      <a:lnRef idx="2">
+        <a:scrgbClr r="0" g="0" b="0"/>
+      </a:lnRef>
+      <a:fillRef idx="1">
+        <a:scrgbClr r="0" g="0" b="0"/>
+      </a:fillRef>
+      <a:effectRef idx="0">
+        <a:scrgbClr r="0" g="0" b="0"/>
+      </a:effectRef>
+      <a:fontRef idx="minor"/>
+    </dgm:style>
+  </dgm:styleLbl>
+  <dgm:styleLbl name="bgImgPlace1">
+    <dgm:scene3d>
+      <a:camera prst="orthographicFront"/>
+      <a:lightRig rig="threePt" dir="t"/>
+    </dgm:scene3d>
+    <dgm:sp3d/>
+    <dgm:txPr/>
+    <dgm:style>
+      <a:lnRef idx="2">
+        <a:scrgbClr r="0" g="0" b="0"/>
+      </a:lnRef>
+      <a:fillRef idx="1">
+        <a:scrgbClr r="0" g="0" b="0"/>
+      </a:fillRef>
+      <a:effectRef idx="0">
+        <a:scrgbClr r="0" g="0" b="0"/>
+      </a:effectRef>
+      <a:fontRef idx="minor"/>
+    </dgm:style>
+  </dgm:styleLbl>
+  <dgm:styleLbl name="sibTrans2D1">
+    <dgm:scene3d>
+      <a:camera prst="orthographicFront"/>
+      <a:lightRig rig="threePt" dir="t"/>
+    </dgm:scene3d>
+    <dgm:sp3d/>
+    <dgm:txPr/>
+    <dgm:style>
+      <a:lnRef idx="0">
+        <a:scrgbClr r="0" g="0" b="0"/>
+      </a:lnRef>
+      <a:fillRef idx="1">
+        <a:scrgbClr r="0" g="0" b="0"/>
+      </a:fillRef>
+      <a:effectRef idx="0">
+        <a:scrgbClr r="0" g="0" b="0"/>
+      </a:effectRef>
+      <a:fontRef idx="minor">
+        <a:schemeClr val="lt1"/>
+      </a:fontRef>
+    </dgm:style>
+  </dgm:styleLbl>
+  <dgm:styleLbl name="fgSibTrans2D1">
+    <dgm:scene3d>
+      <a:camera prst="orthographicFront"/>
+      <a:lightRig rig="threePt" dir="t"/>
+    </dgm:scene3d>
+    <dgm:sp3d/>
+    <dgm:txPr/>
+    <dgm:style>
+      <a:lnRef idx="0">
+        <a:scrgbClr r="0" g="0" b="0"/>
+      </a:lnRef>
+      <a:fillRef idx="1">
+        <a:scrgbClr r="0" g="0" b="0"/>
+      </a:fillRef>
+      <a:effectRef idx="0">
+        <a:scrgbClr r="0" g="0" b="0"/>
+      </a:effectRef>
+      <a:fontRef idx="minor">
+        <a:schemeClr val="lt1"/>
+      </a:fontRef>
+    </dgm:style>
+  </dgm:styleLbl>
+  <dgm:styleLbl name="bgSibTrans2D1">
+    <dgm:scene3d>
+      <a:camera prst="orthographicFront"/>
+      <a:lightRig rig="threePt" dir="t"/>
+    </dgm:scene3d>
+    <dgm:sp3d/>
+    <dgm:txPr/>
+    <dgm:style>
+      <a:lnRef idx="0">
+        <a:scrgbClr r="0" g="0" b="0"/>
+      </a:lnRef>
+      <a:fillRef idx="1">
+        <a:scrgbClr r="0" g="0" b="0"/>
+      </a:fillRef>
+      <a:effectRef idx="0">
+        <a:scrgbClr r="0" g="0" b="0"/>
+      </a:effectRef>
+      <a:fontRef idx="minor">
+        <a:schemeClr val="lt1"/>
+      </a:fontRef>
+    </dgm:style>
+  </dgm:styleLbl>
+  <dgm:styleLbl name="sibTrans1D1">
+    <dgm:scene3d>
+      <a:camera prst="orthographicFront"/>
+      <a:lightRig rig="threePt" dir="t"/>
+    </dgm:scene3d>
+    <dgm:sp3d/>
+    <dgm:txPr/>
+    <dgm:style>
+      <a:lnRef idx="1">
+        <a:scrgbClr r="0" g="0" b="0"/>
+      </a:lnRef>
+      <a:fillRef idx="0">
+        <a:scrgbClr r="0" g="0" b="0"/>
+      </a:fillRef>
+      <a:effectRef idx="0">
+        <a:scrgbClr r="0" g="0" b="0"/>
+      </a:effectRef>
+      <a:fontRef idx="minor"/>
+    </dgm:style>
+  </dgm:styleLbl>
+  <dgm:styleLbl name="callout">
+    <dgm:scene3d>
+      <a:camera prst="orthographicFront"/>
+      <a:lightRig rig="threePt" dir="t"/>
+    </dgm:scene3d>
+    <dgm:sp3d/>
+    <dgm:txPr/>
+    <dgm:style>
+      <a:lnRef idx="2">
+        <a:scrgbClr r="0" g="0" b="0"/>
+      </a:lnRef>
+      <a:fillRef idx="1">
+        <a:scrgbClr r="0" g="0" b="0"/>
+      </a:fillRef>
+      <a:effectRef idx="0">
+        <a:scrgbClr r="0" g="0" b="0"/>
+      </a:effectRef>
+      <a:fontRef idx="minor"/>
+    </dgm:style>
+  </dgm:styleLbl>
+  <dgm:styleLbl name="asst0">
+    <dgm:scene3d>
+      <a:camera prst="orthographicFront"/>
+      <a:lightRig rig="threePt" dir="t"/>
+    </dgm:scene3d>
+    <dgm:sp3d/>
+    <dgm:txPr/>
+    <dgm:style>
+      <a:lnRef idx="2">
+        <a:scrgbClr r="0" g="0" b="0"/>
+      </a:lnRef>
+      <a:fillRef idx="1">
+        <a:scrgbClr r="0" g="0" b="0"/>
+      </a:fillRef>
+      <a:effectRef idx="0">
+        <a:scrgbClr r="0" g="0" b="0"/>
+      </a:effectRef>
+      <a:fontRef idx="minor">
+        <a:schemeClr val="lt1"/>
+      </a:fontRef>
+    </dgm:style>
+  </dgm:styleLbl>
+  <dgm:styleLbl name="asst1">
+    <dgm:scene3d>
+      <a:camera prst="orthographicFront"/>
+      <a:lightRig rig="threePt" dir="t"/>
+    </dgm:scene3d>
+    <dgm:sp3d/>
+    <dgm:txPr/>
+    <dgm:style>
+      <a:lnRef idx="2">
+        <a:scrgbClr r="0" g="0" b="0"/>
+      </a:lnRef>
+      <a:fillRef idx="1">
+        <a:scrgbClr r="0" g="0" b="0"/>
+      </a:fillRef>
+      <a:effectRef idx="0">
+        <a:scrgbClr r="0" g="0" b="0"/>
+      </a:effectRef>
+      <a:fontRef idx="minor">
+        <a:schemeClr val="lt1"/>
+      </a:fontRef>
+    </dgm:style>
+  </dgm:styleLbl>
+  <dgm:styleLbl name="asst2">
+    <dgm:scene3d>
+      <a:camera prst="orthographicFront"/>
+      <a:lightRig rig="threePt" dir="t"/>
+    </dgm:scene3d>
+    <dgm:sp3d/>
+    <dgm:txPr/>
+    <dgm:style>
+      <a:lnRef idx="2">
+        <a:scrgbClr r="0" g="0" b="0"/>
+      </a:lnRef>
+      <a:fillRef idx="1">
+        <a:scrgbClr r="0" g="0" b="0"/>
+      </a:fillRef>
+      <a:effectRef idx="0">
+        <a:scrgbClr r="0" g="0" b="0"/>
+      </a:effectRef>
+      <a:fontRef idx="minor">
+        <a:schemeClr val="lt1"/>
+      </a:fontRef>
+    </dgm:style>
+  </dgm:styleLbl>
+  <dgm:styleLbl name="asst3">
+    <dgm:scene3d>
+      <a:camera prst="orthographicFront"/>
+      <a:lightRig rig="threePt" dir="t"/>
+    </dgm:scene3d>
+    <dgm:sp3d/>
+    <dgm:txPr/>
+    <dgm:style>
+      <a:lnRef idx="2">
+        <a:scrgbClr r="0" g="0" b="0"/>
+      </a:lnRef>
+      <a:fillRef idx="1">
+        <a:scrgbClr r="0" g="0" b="0"/>
+      </a:fillRef>
+      <a:effectRef idx="0">
+        <a:scrgbClr r="0" g="0" b="0"/>
+      </a:effectRef>
+      <a:fontRef idx="minor">
+        <a:schemeClr val="lt1"/>
+      </a:fontRef>
+    </dgm:style>
+  </dgm:styleLbl>
+  <dgm:styleLbl name="asst4">
+    <dgm:scene3d>
+      <a:camera prst="orthographicFront"/>
+      <a:lightRig rig="threePt" dir="t"/>
+    </dgm:scene3d>
+    <dgm:sp3d/>
+    <dgm:txPr/>
+    <dgm:style>
+      <a:lnRef idx="2">
+        <a:scrgbClr r="0" g="0" b="0"/>
+      </a:lnRef>
+      <a:fillRef idx="1">
+        <a:scrgbClr r="0" g="0" b="0"/>
+      </a:fillRef>
+      <a:effectRef idx="0">
+        <a:scrgbClr r="0" g="0" b="0"/>
+      </a:effectRef>
+      <a:fontRef idx="minor">
+        <a:schemeClr val="lt1"/>
+      </a:fontRef>
+    </dgm:style>
+  </dgm:styleLbl>
+  <dgm:styleLbl name="parChTrans2D1">
+    <dgm:scene3d>
+      <a:camera prst="orthographicFront"/>
+      <a:lightRig rig="threePt" dir="t"/>
+    </dgm:scene3d>
+    <dgm:sp3d/>
+    <dgm:txPr/>
+    <dgm:style>
+      <a:lnRef idx="2">
+        <a:scrgbClr r="0" g="0" b="0"/>
+      </a:lnRef>
+      <a:fillRef idx="1">
+        <a:scrgbClr r="0" g="0" b="0"/>
+      </a:fillRef>
+      <a:effectRef idx="0">
+        <a:scrgbClr r="0" g="0" b="0"/>
+      </a:effectRef>
+      <a:fontRef idx="minor">
+        <a:schemeClr val="lt1"/>
+      </a:fontRef>
+    </dgm:style>
+  </dgm:styleLbl>
+  <dgm:styleLbl name="parChTrans2D2">
+    <dgm:scene3d>
+      <a:camera prst="orthographicFront"/>
+      <a:lightRig rig="threePt" dir="t"/>
+    </dgm:scene3d>
+    <dgm:sp3d/>
+    <dgm:txPr/>
+    <dgm:style>
+      <a:lnRef idx="2">
+        <a:scrgbClr r="0" g="0" b="0"/>
+      </a:lnRef>
+      <a:fillRef idx="1">
+        <a:scrgbClr r="0" g="0" b="0"/>
+      </a:fillRef>
+      <a:effectRef idx="0">
+        <a:scrgbClr r="0" g="0" b="0"/>
+      </a:effectRef>
+      <a:fontRef idx="minor">
+        <a:schemeClr val="lt1"/>
+      </a:fontRef>
+    </dgm:style>
+  </dgm:styleLbl>
+  <dgm:styleLbl name="parChTrans2D3">
+    <dgm:scene3d>
+      <a:camera prst="orthographicFront"/>
+      <a:lightRig rig="threePt" dir="t"/>
+    </dgm:scene3d>
+    <dgm:sp3d/>
+    <dgm:txPr/>
+    <dgm:style>
+      <a:lnRef idx="2">
+        <a:scrgbClr r="0" g="0" b="0"/>
+      </a:lnRef>
+      <a:fillRef idx="1">
+        <a:scrgbClr r="0" g="0" b="0"/>
+      </a:fillRef>
+      <a:effectRef idx="0">
+        <a:scrgbClr r="0" g="0" b="0"/>
+      </a:effectRef>
+      <a:fontRef idx="minor">
+        <a:schemeClr val="lt1"/>
+      </a:fontRef>
+    </dgm:style>
+  </dgm:styleLbl>
+  <dgm:styleLbl name="parChTrans2D4">
+    <dgm:scene3d>
+      <a:camera prst="orthographicFront"/>
+      <a:lightRig rig="threePt" dir="t"/>
+    </dgm:scene3d>
+    <dgm:sp3d/>
+    <dgm:txPr/>
+    <dgm:style>
+      <a:lnRef idx="2">
+        <a:scrgbClr r="0" g="0" b="0"/>
+      </a:lnRef>
+      <a:fillRef idx="1">
+        <a:scrgbClr r="0" g="0" b="0"/>
+      </a:fillRef>
+      <a:effectRef idx="0">
+        <a:scrgbClr r="0" g="0" b="0"/>
+      </a:effectRef>
+      <a:fontRef idx="minor">
+        <a:schemeClr val="lt1"/>
+      </a:fontRef>
+    </dgm:style>
+  </dgm:styleLbl>
+  <dgm:styleLbl name="parChTrans1D1">
+    <dgm:scene3d>
+      <a:camera prst="orthographicFront"/>
+      <a:lightRig rig="threePt" dir="t"/>
+    </dgm:scene3d>
+    <dgm:sp3d/>
+    <dgm:txPr/>
+    <dgm:style>
+      <a:lnRef idx="2">
+        <a:scrgbClr r="0" g="0" b="0"/>
+      </a:lnRef>
+      <a:fillRef idx="0">
+        <a:scrgbClr r="0" g="0" b="0"/>
+      </a:fillRef>
+      <a:effectRef idx="0">
+        <a:scrgbClr r="0" g="0" b="0"/>
+      </a:effectRef>
+      <a:fontRef idx="minor"/>
+    </dgm:style>
+  </dgm:styleLbl>
+  <dgm:styleLbl name="parChTrans1D2">
+    <dgm:scene3d>
+      <a:camera prst="orthographicFront"/>
+      <a:lightRig rig="threePt" dir="t"/>
+    </dgm:scene3d>
+    <dgm:sp3d/>
+    <dgm:txPr/>
+    <dgm:style>
+      <a:lnRef idx="2">
+        <a:scrgbClr r="0" g="0" b="0"/>
+      </a:lnRef>
+      <a:fillRef idx="0">
+        <a:scrgbClr r="0" g="0" b="0"/>
+      </a:fillRef>
+      <a:effectRef idx="0">
+        <a:scrgbClr r="0" g="0" b="0"/>
+      </a:effectRef>
+      <a:fontRef idx="minor"/>
+    </dgm:style>
+  </dgm:styleLbl>
+  <dgm:styleLbl name="parChTrans1D3">
+    <dgm:scene3d>
+      <a:camera prst="orthographicFront"/>
+      <a:lightRig rig="threePt" dir="t"/>
+    </dgm:scene3d>
+    <dgm:sp3d/>
+    <dgm:txPr/>
+    <dgm:style>
+      <a:lnRef idx="2">
+        <a:scrgbClr r="0" g="0" b="0"/>
+      </a:lnRef>
+      <a:fillRef idx="0">
+        <a:scrgbClr r="0" g="0" b="0"/>
+      </a:fillRef>
+      <a:effectRef idx="0">
+        <a:scrgbClr r="0" g="0" b="0"/>
+      </a:effectRef>
+      <a:fontRef idx="minor"/>
+    </dgm:style>
+  </dgm:styleLbl>
+  <dgm:styleLbl name="parChTrans1D4">
+    <dgm:scene3d>
+      <a:camera prst="orthographicFront"/>
+      <a:lightRig rig="threePt" dir="t"/>
+    </dgm:scene3d>
+    <dgm:sp3d/>
+    <dgm:txPr/>
+    <dgm:style>
+      <a:lnRef idx="2">
+        <a:scrgbClr r="0" g="0" b="0"/>
+      </a:lnRef>
+      <a:fillRef idx="0">
+        <a:scrgbClr r="0" g="0" b="0"/>
+      </a:fillRef>
+      <a:effectRef idx="0">
+        <a:scrgbClr r="0" g="0" b="0"/>
+      </a:effectRef>
+      <a:fontRef idx="minor"/>
+    </dgm:style>
+  </dgm:styleLbl>
+  <dgm:styleLbl name="fgAcc1">
+    <dgm:scene3d>
+      <a:camera prst="orthographicFront"/>
+      <a:lightRig rig="threePt" dir="t"/>
+    </dgm:scene3d>
+    <dgm:sp3d/>
+    <dgm:txPr/>
+    <dgm:style>
+      <a:lnRef idx="2">
+        <a:scrgbClr r="0" g="0" b="0"/>
+      </a:lnRef>
+      <a:fillRef idx="1">
+        <a:scrgbClr r="0" g="0" b="0"/>
+      </a:fillRef>
+      <a:effectRef idx="0">
+        <a:scrgbClr r="0" g="0" b="0"/>
+      </a:effectRef>
+      <a:fontRef idx="minor"/>
+    </dgm:style>
+  </dgm:styleLbl>
+  <dgm:styleLbl name="conFgAcc1">
+    <dgm:scene3d>
+      <a:camera prst="orthographicFront"/>
+      <a:lightRig rig="threePt" dir="t"/>
+    </dgm:scene3d>
+    <dgm:sp3d/>
+    <dgm:txPr/>
+    <dgm:style>
+      <a:lnRef idx="2">
+        <a:scrgbClr r="0" g="0" b="0"/>
+      </a:lnRef>
+      <a:fillRef idx="1">
+        <a:scrgbClr r="0" g="0" b="0"/>
+      </a:fillRef>
+      <a:effectRef idx="0">
+        <a:scrgbClr r="0" g="0" b="0"/>
+      </a:effectRef>
+      <a:fontRef idx="minor"/>
+    </dgm:style>
+  </dgm:styleLbl>
+  <dgm:styleLbl name="alignAcc1">
+    <dgm:scene3d>
+      <a:camera prst="orthographicFront"/>
+      <a:lightRig rig="threePt" dir="t"/>
+    </dgm:scene3d>
+    <dgm:sp3d/>
+    <dgm:txPr/>
+    <dgm:style>
+      <a:lnRef idx="2">
+        <a:scrgbClr r="0" g="0" b="0"/>
+      </a:lnRef>
+      <a:fillRef idx="1">
+        <a:scrgbClr r="0" g="0" b="0"/>
+      </a:fillRef>
+      <a:effectRef idx="0">
+        <a:scrgbClr r="0" g="0" b="0"/>
+      </a:effectRef>
+      <a:fontRef idx="minor"/>
+    </dgm:style>
+  </dgm:styleLbl>
+  <dgm:styleLbl name="trAlignAcc1">
+    <dgm:scene3d>
+      <a:camera prst="orthographicFront"/>
+      <a:lightRig rig="threePt" dir="t"/>
+    </dgm:scene3d>
+    <dgm:sp3d/>
+    <dgm:txPr/>
+    <dgm:style>
+      <a:lnRef idx="1">
+        <a:scrgbClr r="0" g="0" b="0"/>
+      </a:lnRef>
+      <a:fillRef idx="1">
+        <a:scrgbClr r="0" g="0" b="0"/>
+      </a:fillRef>
+      <a:effectRef idx="0">
+        <a:scrgbClr r="0" g="0" b="0"/>
+      </a:effectRef>
+      <a:fontRef idx="minor"/>
+    </dgm:style>
+  </dgm:styleLbl>
+  <dgm:styleLbl name="bgAcc1">
+    <dgm:scene3d>
+      <a:camera prst="orthographicFront"/>
+      <a:lightRig rig="threePt" dir="t"/>
+    </dgm:scene3d>
+    <dgm:sp3d/>
+    <dgm:txPr/>
+    <dgm:style>
+      <a:lnRef idx="2">
+        <a:scrgbClr r="0" g="0" b="0"/>
+      </a:lnRef>
+      <a:fillRef idx="1">
+        <a:scrgbClr r="0" g="0" b="0"/>
+      </a:fillRef>
+      <a:effectRef idx="0">
+        <a:scrgbClr r="0" g="0" b="0"/>
+      </a:effectRef>
+      <a:fontRef idx="minor"/>
+    </dgm:style>
+  </dgm:styleLbl>
+  <dgm:styleLbl name="solidFgAcc1">
+    <dgm:scene3d>
+      <a:camera prst="orthographicFront"/>
+      <a:lightRig rig="threePt" dir="t"/>
+    </dgm:scene3d>
+    <dgm:sp3d/>
+    <dgm:txPr/>
+    <dgm:style>
+      <a:lnRef idx="2">
+        <a:scrgbClr r="0" g="0" b="0"/>
+      </a:lnRef>
+      <a:fillRef idx="1">
+        <a:scrgbClr r="0" g="0" b="0"/>
+      </a:fillRef>
+      <a:effectRef idx="0">
+        <a:scrgbClr r="0" g="0" b="0"/>
+      </a:effectRef>
+      <a:fontRef idx="minor"/>
+    </dgm:style>
+  </dgm:styleLbl>
+  <dgm:styleLbl name="solidAlignAcc1">
+    <dgm:scene3d>
+      <a:camera prst="orthographicFront"/>
+      <a:lightRig rig="threePt" dir="t"/>
+    </dgm:scene3d>
+    <dgm:sp3d/>
+    <dgm:txPr/>
+    <dgm:style>
+      <a:lnRef idx="2">
+        <a:scrgbClr r="0" g="0" b="0"/>
+      </a:lnRef>
+      <a:fillRef idx="1">
+        <a:scrgbClr r="0" g="0" b="0"/>
+      </a:fillRef>
+      <a:effectRef idx="0">
+        <a:scrgbClr r="0" g="0" b="0"/>
+      </a:effectRef>
+      <a:fontRef idx="minor"/>
+    </dgm:style>
+  </dgm:styleLbl>
+  <dgm:styleLbl name="solidBgAcc1">
+    <dgm:scene3d>
+      <a:camera prst="orthographicFront"/>
+      <a:lightRig rig="threePt" dir="t"/>
+    </dgm:scene3d>
+    <dgm:sp3d/>
+    <dgm:txPr/>
+    <dgm:style>
+      <a:lnRef idx="2">
+        <a:scrgbClr r="0" g="0" b="0"/>
+      </a:lnRef>
+      <a:fillRef idx="1">
+        <a:scrgbClr r="0" g="0" b="0"/>
+      </a:fillRef>
+      <a:effectRef idx="0">
+        <a:scrgbClr r="0" g="0" b="0"/>
+      </a:effectRef>
+      <a:fontRef idx="minor"/>
+    </dgm:style>
+  </dgm:styleLbl>
+  <dgm:styleLbl name="fgAccFollowNode1">
+    <dgm:scene3d>
+      <a:camera prst="orthographicFront"/>
+      <a:lightRig rig="threePt" dir="t"/>
+    </dgm:scene3d>
+    <dgm:sp3d/>
+    <dgm:txPr/>
+    <dgm:style>
+      <a:lnRef idx="2">
+        <a:scrgbClr r="0" g="0" b="0"/>
+      </a:lnRef>
+      <a:fillRef idx="1">
+        <a:scrgbClr r="0" g="0" b="0"/>
+      </a:fillRef>
+      <a:effectRef idx="0">
+        <a:scrgbClr r="0" g="0" b="0"/>
+      </a:effectRef>
+      <a:fontRef idx="minor"/>
+    </dgm:style>
+  </dgm:styleLbl>
+  <dgm:styleLbl name="alignAccFollowNode1">
+    <dgm:scene3d>
+      <a:camera prst="orthographicFront"/>
+      <a:lightRig rig="threePt" dir="t"/>
+    </dgm:scene3d>
+    <dgm:sp3d/>
+    <dgm:txPr/>
+    <dgm:style>
+      <a:lnRef idx="2">
+        <a:scrgbClr r="0" g="0" b="0"/>
+      </a:lnRef>
+      <a:fillRef idx="1">
+        <a:scrgbClr r="0" g="0" b="0"/>
+      </a:fillRef>
+      <a:effectRef idx="0">
+        <a:scrgbClr r="0" g="0" b="0"/>
+      </a:effectRef>
+      <a:fontRef idx="minor"/>
+    </dgm:style>
+  </dgm:styleLbl>
+  <dgm:styleLbl name="bgAccFollowNode1">
+    <dgm:scene3d>
+      <a:camera prst="orthographicFront"/>
+      <a:lightRig rig="threePt" dir="t"/>
+    </dgm:scene3d>
+    <dgm:sp3d/>
+    <dgm:txPr/>
+    <dgm:style>
+      <a:lnRef idx="2">
+        <a:scrgbClr r="0" g="0" b="0"/>
+      </a:lnRef>
+      <a:fillRef idx="1">
+        <a:scrgbClr r="0" g="0" b="0"/>
+      </a:fillRef>
+      <a:effectRef idx="0">
+        <a:scrgbClr r="0" g="0" b="0"/>
+      </a:effectRef>
+      <a:fontRef idx="minor"/>
+    </dgm:style>
+  </dgm:styleLbl>
+  <dgm:styleLbl name="fgAcc0">
+    <dgm:scene3d>
+      <a:camera prst="orthographicFront"/>
+      <a:lightRig rig="threePt" dir="t"/>
+    </dgm:scene3d>
+    <dgm:sp3d/>
+    <dgm:txPr/>
+    <dgm:style>
+      <a:lnRef idx="2">
+        <a:scrgbClr r="0" g="0" b="0"/>
+      </a:lnRef>
+      <a:fillRef idx="1">
+        <a:scrgbClr r="0" g="0" b="0"/>
+      </a:fillRef>
+      <a:effectRef idx="0">
+        <a:scrgbClr r="0" g="0" b="0"/>
+      </a:effectRef>
+      <a:fontRef idx="minor"/>
+    </dgm:style>
+  </dgm:styleLbl>
+  <dgm:styleLbl name="fgAcc2">
+    <dgm:scene3d>
+      <a:camera prst="orthographicFront"/>
+      <a:lightRig rig="threePt" dir="t"/>
+    </dgm:scene3d>
+    <dgm:sp3d/>
+    <dgm:txPr/>
+    <dgm:style>
+      <a:lnRef idx="2">
+        <a:scrgbClr r="0" g="0" b="0"/>
+      </a:lnRef>
+      <a:fillRef idx="1">
+        <a:scrgbClr r="0" g="0" b="0"/>
+      </a:fillRef>
+      <a:effectRef idx="0">
+        <a:scrgbClr r="0" g="0" b="0"/>
+      </a:effectRef>
+      <a:fontRef idx="minor"/>
+    </dgm:style>
+  </dgm:styleLbl>
+  <dgm:styleLbl name="fgAcc3">
+    <dgm:scene3d>
+      <a:camera prst="orthographicFront"/>
+      <a:lightRig rig="threePt" dir="t"/>
+    </dgm:scene3d>
+    <dgm:sp3d/>
+    <dgm:txPr/>
+    <dgm:style>
+      <a:lnRef idx="2">
+        <a:scrgbClr r="0" g="0" b="0"/>
+      </a:lnRef>
+      <a:fillRef idx="1">
+        <a:scrgbClr r="0" g="0" b="0"/>
+      </a:fillRef>
+      <a:effectRef idx="0">
+        <a:scrgbClr r="0" g="0" b="0"/>
+      </a:effectRef>
+      <a:fontRef idx="minor"/>
+    </dgm:style>
+  </dgm:styleLbl>
+  <dgm:styleLbl name="fgAcc4">
+    <dgm:scene3d>
+      <a:camera prst="orthographicFront"/>
+      <a:lightRig rig="threePt" dir="t"/>
+    </dgm:scene3d>
+    <dgm:sp3d/>
+    <dgm:txPr/>
+    <dgm:style>
+      <a:lnRef idx="2">
+        <a:scrgbClr r="0" g="0" b="0"/>
+      </a:lnRef>
+      <a:fillRef idx="1">
+        <a:scrgbClr r="0" g="0" b="0"/>
+      </a:fillRef>
+      <a:effectRef idx="0">
+        <a:scrgbClr r="0" g="0" b="0"/>
+      </a:effectRef>
+      <a:fontRef idx="minor"/>
+    </dgm:style>
+  </dgm:styleLbl>
+  <dgm:styleLbl name="bgShp">
+    <dgm:scene3d>
+      <a:camera prst="orthographicFront"/>
+      <a:lightRig rig="threePt" dir="t"/>
+    </dgm:scene3d>
+    <dgm:sp3d/>
+    <dgm:txPr/>
+    <dgm:style>
+      <a:lnRef idx="0">
+        <a:scrgbClr r="0" g="0" b="0"/>
+      </a:lnRef>
+      <a:fillRef idx="1">
+        <a:scrgbClr r="0" g="0" b="0"/>
+      </a:fillRef>
+      <a:effectRef idx="0">
+        <a:scrgbClr r="0" g="0" b="0"/>
+      </a:effectRef>
+      <a:fontRef idx="minor"/>
+    </dgm:style>
+  </dgm:styleLbl>
+  <dgm:styleLbl name="dkBgShp">
+    <dgm:scene3d>
+      <a:camera prst="orthographicFront"/>
+      <a:lightRig rig="threePt" dir="t"/>
+    </dgm:scene3d>
+    <dgm:sp3d/>
+    <dgm:txPr/>
+    <dgm:style>
+      <a:lnRef idx="0">
+        <a:scrgbClr r="0" g="0" b="0"/>
+      </a:lnRef>
+      <a:fillRef idx="1">
+        <a:scrgbClr r="0" g="0" b="0"/>
+      </a:fillRef>
+      <a:effectRef idx="0">
+        <a:scrgbClr r="0" g="0" b="0"/>
+      </a:effectRef>
+      <a:fontRef idx="minor"/>
+    </dgm:style>
+  </dgm:styleLbl>
+  <dgm:styleLbl name="trBgShp">
+    <dgm:scene3d>
+      <a:camera prst="orthographicFront"/>
+      <a:lightRig rig="threePt" dir="t"/>
+    </dgm:scene3d>
+    <dgm:sp3d/>
+    <dgm:txPr/>
+    <dgm:style>
+      <a:lnRef idx="0">
+        <a:scrgbClr r="0" g="0" b="0"/>
+      </a:lnRef>
+      <a:fillRef idx="1">
+        <a:scrgbClr r="0" g="0" b="0"/>
+      </a:fillRef>
+      <a:effectRef idx="0">
+        <a:scrgbClr r="0" g="0" b="0"/>
+      </a:effectRef>
+      <a:fontRef idx="minor"/>
+    </dgm:style>
+  </dgm:styleLbl>
+  <dgm:styleLbl name="fgShp">
+    <dgm:scene3d>
+      <a:camera prst="orthographicFront"/>
+      <a:lightRig rig="threePt" dir="t"/>
+    </dgm:scene3d>
+    <dgm:sp3d/>
+    <dgm:txPr/>
+    <dgm:style>
+      <a:lnRef idx="2">
+        <a:scrgbClr r="0" g="0" b="0"/>
+      </a:lnRef>
+      <a:fillRef idx="1">
+        <a:scrgbClr r="0" g="0" b="0"/>
+      </a:fillRef>
+      <a:effectRef idx="0">
+        <a:scrgbClr r="0" g="0" b="0"/>
+      </a:effectRef>
+      <a:fontRef idx="minor"/>
+    </dgm:style>
+  </dgm:styleLbl>
+  <dgm:styleLbl name="revTx">
+    <dgm:scene3d>
+      <a:camera prst="orthographicFront"/>
+      <a:lightRig rig="threePt" dir="t"/>
+    </dgm:scene3d>
+    <dgm:sp3d/>
+    <dgm:txPr/>
+    <dgm:style>
+      <a:lnRef idx="0">
+        <a:scrgbClr r="0" g="0" b="0"/>
+      </a:lnRef>
+      <a:fillRef idx="0">
+        <a:scrgbClr r="0" g="0" b="0"/>
+      </a:fillRef>
+      <a:effectRef idx="0">
+        <a:scrgbClr r="0" g="0" b="0"/>
+      </a:effectRef>
+      <a:fontRef idx="minor"/>
+    </dgm:style>
+  </dgm:styleLbl>
+</dgm:styleDef>
+</file>
+
 <file path=ppt/notesMasters/notesMaster1.xml><?xml version="1.0" encoding="utf-8"?>
 <p:notesMaster xmlns:a="http://schemas.openxmlformats.org/drawingml/2006/main" xmlns:r="http://schemas.openxmlformats.org/officeDocument/2006/relationships" xmlns:p="http://schemas.openxmlformats.org/presentationml/2006/main">
   <p:cSld>
@@ -549,6 +3780,109 @@
       </p:grpSpPr>
       <p:sp>
         <p:nvSpPr>
+          <p:cNvPr id="177154" name="Rectangle 2">
+            <a:extLst>
+              <a:ext uri="{FF2B5EF4-FFF2-40B4-BE49-F238E27FC236}">
+                <a16:creationId xmlns:a16="http://schemas.microsoft.com/office/drawing/2014/main" id="{1004C402-041A-C643-8185-6C910494B48B}"/>
+              </a:ext>
+            </a:extLst>
+          </p:cNvPr>
+          <p:cNvSpPr>
+            <a:spLocks noRot="1" noChangeArrowheads="1" noTextEdit="1"/>
+          </p:cNvSpPr>
+          <p:nvPr>
+            <p:ph type="sldImg"/>
+          </p:nvPr>
+        </p:nvSpPr>
+        <p:spPr>
+          <a:xfrm>
+            <a:off x="381000" y="685800"/>
+            <a:ext cx="6096000" cy="3429000"/>
+          </a:xfrm>
+          <a:ln/>
+        </p:spPr>
+      </p:sp>
+      <p:sp>
+        <p:nvSpPr>
+          <p:cNvPr id="177155" name="Rectangle 3">
+            <a:extLst>
+              <a:ext uri="{FF2B5EF4-FFF2-40B4-BE49-F238E27FC236}">
+                <a16:creationId xmlns:a16="http://schemas.microsoft.com/office/drawing/2014/main" id="{C314F2E0-AE82-994C-B2AC-1945F47915CD}"/>
+              </a:ext>
+            </a:extLst>
+          </p:cNvPr>
+          <p:cNvSpPr>
+            <a:spLocks noChangeArrowheads="1"/>
+          </p:cNvSpPr>
+          <p:nvPr>
+            <p:ph type="body" idx="1"/>
+          </p:nvPr>
+        </p:nvSpPr>
+        <p:spPr>
+          <a:noFill/>
+          <a:ln/>
+          <a:extLst>
+            <a:ext uri="{909E8E84-426E-40DD-AFC4-6F175D3DCCD1}">
+              <a14:hiddenFill xmlns:a14="http://schemas.microsoft.com/office/drawing/2010/main">
+                <a:solidFill>
+                  <a:srgbClr val="FFFFFF"/>
+                </a:solidFill>
+              </a14:hiddenFill>
+            </a:ext>
+            <a:ext uri="{91240B29-F687-4F45-9708-019B960494DF}">
+              <a14:hiddenLine xmlns:a14="http://schemas.microsoft.com/office/drawing/2010/main" w="9525">
+                <a:solidFill>
+                  <a:srgbClr val="000000"/>
+                </a:solidFill>
+                <a:miter lim="800000"/>
+                <a:headEnd/>
+                <a:tailEnd/>
+              </a14:hiddenLine>
+            </a:ext>
+          </a:extLst>
+        </p:spPr>
+        <p:txBody>
+          <a:bodyPr/>
+          <a:lstStyle/>
+          <a:p>
+            <a:endParaRPr lang="en-US" altLang="en-US">
+              <a:latin typeface="Arial" panose="020B0604020202020204" pitchFamily="34" charset="0"/>
+            </a:endParaRPr>
+          </a:p>
+        </p:txBody>
+      </p:sp>
+    </p:spTree>
+    <p:extLst>
+      <p:ext uri="{BB962C8B-B14F-4D97-AF65-F5344CB8AC3E}">
+        <p14:creationId xmlns:p14="http://schemas.microsoft.com/office/powerpoint/2010/main" val="1493874468"/>
+      </p:ext>
+    </p:extLst>
+  </p:cSld>
+  <p:clrMapOvr>
+    <a:masterClrMapping/>
+  </p:clrMapOvr>
+</p:notes>
+</file>
+
+<file path=ppt/notesSlides/notesSlide2.xml><?xml version="1.0" encoding="utf-8"?>
+<p:notes xmlns:a="http://schemas.openxmlformats.org/drawingml/2006/main" xmlns:r="http://schemas.openxmlformats.org/officeDocument/2006/relationships" xmlns:p="http://schemas.openxmlformats.org/presentationml/2006/main">
+  <p:cSld>
+    <p:spTree>
+      <p:nvGrpSpPr>
+        <p:cNvPr id="1" name=""/>
+        <p:cNvGrpSpPr/>
+        <p:nvPr/>
+      </p:nvGrpSpPr>
+      <p:grpSpPr>
+        <a:xfrm>
+          <a:off x="0" y="0"/>
+          <a:ext cx="0" cy="0"/>
+          <a:chOff x="0" y="0"/>
+          <a:chExt cx="0" cy="0"/>
+        </a:xfrm>
+      </p:grpSpPr>
+      <p:sp>
+        <p:nvSpPr>
           <p:cNvPr id="2" name="Slide Image Placeholder 1"/>
           <p:cNvSpPr>
             <a:spLocks noGrp="1" noRot="1" noChangeAspect="1"/>
@@ -1977,6 +5311,39 @@
           <a:chExt cx="0" cy="0"/>
         </a:xfrm>
       </p:grpSpPr>
+      <p:pic>
+        <p:nvPicPr>
+          <p:cNvPr id="5" name="Google Shape;54;p13" descr="Google Shape;54;p13">
+            <a:extLst>
+              <a:ext uri="{FF2B5EF4-FFF2-40B4-BE49-F238E27FC236}">
+                <a16:creationId xmlns:a16="http://schemas.microsoft.com/office/drawing/2014/main" id="{16A9CA4E-AB08-0A4C-A7AA-208031E4E34E}"/>
+              </a:ext>
+            </a:extLst>
+          </p:cNvPr>
+          <p:cNvPicPr>
+            <a:picLocks noChangeAspect="1"/>
+          </p:cNvPicPr>
+          <p:nvPr userDrawn="1"/>
+        </p:nvPicPr>
+        <p:blipFill>
+          <a:blip r:embed="rId11"/>
+          <a:stretch>
+            <a:fillRect/>
+          </a:stretch>
+        </p:blipFill>
+        <p:spPr>
+          <a:xfrm>
+            <a:off x="0" y="0"/>
+            <a:ext cx="12191997" cy="6858000"/>
+          </a:xfrm>
+          <a:prstGeom prst="rect">
+            <a:avLst/>
+          </a:prstGeom>
+          <a:ln w="12700">
+            <a:miter lim="400000"/>
+          </a:ln>
+        </p:spPr>
+      </p:pic>
       <p:sp>
         <p:nvSpPr>
           <p:cNvPr id="2" name="Title Text"/>
@@ -3289,7 +6656,16 @@
               </a:lnSpc>
             </a:pPr>
             <a:r>
-              <a:t>Use typeof in all the datatypes and check the result</a:t>
+              <a:rPr dirty="0"/>
+              <a:t>Use </a:t>
+            </a:r>
+            <a:r>
+              <a:rPr dirty="0" err="1"/>
+              <a:t>typeof</a:t>
+            </a:r>
+            <a:r>
+              <a:rPr dirty="0"/>
+              <a:t> in all the datatypes and check the result</a:t>
             </a:r>
           </a:p>
           <a:p>
@@ -3303,7 +6679,12 @@
               <a:defRPr sz="2400"/>
             </a:pPr>
             <a:r>
-              <a:t>typeof(1)</a:t>
+              <a:rPr dirty="0" err="1"/>
+              <a:t>typeof</a:t>
+            </a:r>
+            <a:r>
+              <a:rPr dirty="0"/>
+              <a:t>(1)</a:t>
             </a:r>
           </a:p>
           <a:p>
@@ -3317,7 +6698,12 @@
               <a:defRPr sz="2400"/>
             </a:pPr>
             <a:r>
-              <a:t>typeof(1.1)</a:t>
+              <a:rPr dirty="0" err="1"/>
+              <a:t>typeof</a:t>
+            </a:r>
+            <a:r>
+              <a:rPr dirty="0"/>
+              <a:t>(1.1)</a:t>
             </a:r>
           </a:p>
           <a:p>
@@ -3331,7 +6717,12 @@
               <a:defRPr sz="2400"/>
             </a:pPr>
             <a:r>
-              <a:t>typeof("1.1")</a:t>
+              <a:rPr dirty="0" err="1"/>
+              <a:t>typeof</a:t>
+            </a:r>
+            <a:r>
+              <a:rPr dirty="0"/>
+              <a:t>("1.1")</a:t>
             </a:r>
           </a:p>
           <a:p>
@@ -3345,7 +6736,12 @@
               <a:defRPr sz="2400"/>
             </a:pPr>
             <a:r>
-              <a:t>typeof(true)</a:t>
+              <a:rPr dirty="0" err="1"/>
+              <a:t>typeof</a:t>
+            </a:r>
+            <a:r>
+              <a:rPr dirty="0"/>
+              <a:t>(true)</a:t>
             </a:r>
           </a:p>
           <a:p>
@@ -3359,7 +6755,12 @@
               <a:defRPr sz="2400"/>
             </a:pPr>
             <a:r>
-              <a:t>typeof(null)</a:t>
+              <a:rPr dirty="0" err="1"/>
+              <a:t>typeof</a:t>
+            </a:r>
+            <a:r>
+              <a:rPr dirty="0"/>
+              <a:t>(null)</a:t>
             </a:r>
           </a:p>
           <a:p>
@@ -3373,7 +6774,12 @@
               <a:defRPr sz="2400"/>
             </a:pPr>
             <a:r>
-              <a:t>typeof(undefined)</a:t>
+              <a:rPr dirty="0" err="1"/>
+              <a:t>typeof</a:t>
+            </a:r>
+            <a:r>
+              <a:rPr dirty="0"/>
+              <a:t>(undefined)</a:t>
             </a:r>
           </a:p>
           <a:p>
@@ -3387,7 +6793,12 @@
               <a:defRPr sz="2400"/>
             </a:pPr>
             <a:r>
-              <a:t>typeof([])</a:t>
+              <a:rPr dirty="0" err="1"/>
+              <a:t>typeof</a:t>
+            </a:r>
+            <a:r>
+              <a:rPr dirty="0"/>
+              <a:t>([])</a:t>
             </a:r>
           </a:p>
           <a:p>
@@ -3401,7 +6812,12 @@
               <a:defRPr sz="2400"/>
             </a:pPr>
             <a:r>
-              <a:t>typeof({})</a:t>
+              <a:rPr dirty="0" err="1"/>
+              <a:t>typeof</a:t>
+            </a:r>
+            <a:r>
+              <a:rPr dirty="0"/>
+              <a:t>({})</a:t>
             </a:r>
           </a:p>
           <a:p>
@@ -3411,7 +6827,16 @@
               </a:lnSpc>
             </a:pPr>
             <a:r>
-              <a:t>Write a blog about objects and its internal representation in Javascript </a:t>
+              <a:rPr dirty="0"/>
+              <a:t>Write a blog about objects and its internal representation in </a:t>
+            </a:r>
+            <a:r>
+              <a:rPr dirty="0" err="1"/>
+              <a:t>Javascript</a:t>
+            </a:r>
+            <a:r>
+              <a:rPr dirty="0"/>
+              <a:t> </a:t>
             </a:r>
           </a:p>
         </p:txBody>
@@ -6277,7 +9702,12 @@
           </a:lstStyle>
           <a:p>
             <a:r>
-              <a:t>Object.keys(a).length</a:t>
+              <a:rPr lang="en-IN" dirty="0" err="1"/>
+              <a:t>Object.keys</a:t>
+            </a:r>
+            <a:r>
+              <a:rPr lang="en-IN" dirty="0"/>
+              <a:t>(a).length</a:t>
             </a:r>
           </a:p>
         </p:txBody>
@@ -7430,9 +10860,18 @@
               <a:defRPr sz="3700"/>
             </a:pPr>
             <a:r>
-              <a:t>// Create a request variable and assign a new XMLHttpRequest object to it.</a:t>
-            </a:r>
-            <a:endParaRPr sz="2500"/>
+              <a:rPr dirty="0"/>
+              <a:t>// Create a request variable and assign a new </a:t>
+            </a:r>
+            <a:r>
+              <a:rPr dirty="0" err="1"/>
+              <a:t>XMLHttpRequest</a:t>
+            </a:r>
+            <a:r>
+              <a:rPr dirty="0"/>
+              <a:t> object to it.</a:t>
+            </a:r>
+            <a:endParaRPr sz="2500" dirty="0"/>
           </a:p>
           <a:p>
             <a:pPr marL="0" indent="0">
@@ -7441,9 +10880,18 @@
               <a:defRPr sz="3700"/>
             </a:pPr>
             <a:r>
-              <a:t>var request = new XMLHttpRequest()</a:t>
-            </a:r>
-            <a:endParaRPr sz="2500"/>
+              <a:rPr dirty="0"/>
+              <a:t>var request = new </a:t>
+            </a:r>
+            <a:r>
+              <a:rPr dirty="0" err="1"/>
+              <a:t>XMLHttpRequest</a:t>
+            </a:r>
+            <a:r>
+              <a:rPr dirty="0"/>
+              <a:t>()</a:t>
+            </a:r>
+            <a:endParaRPr sz="2500" dirty="0"/>
           </a:p>
           <a:p>
             <a:pPr marL="0" indent="0">
@@ -7451,7 +10899,7 @@
               <a:buNone/>
               <a:defRPr sz="4000"/>
             </a:pPr>
-            <a:endParaRPr sz="2500"/>
+            <a:endParaRPr sz="2500" dirty="0"/>
           </a:p>
           <a:p>
             <a:pPr marL="0" indent="0">
@@ -7460,9 +10908,10 @@
               <a:defRPr sz="3700"/>
             </a:pPr>
             <a:r>
+              <a:rPr dirty="0"/>
               <a:t>// Open a new connection, using the GET request on the URL endpoint</a:t>
             </a:r>
-            <a:endParaRPr sz="2500"/>
+            <a:endParaRPr sz="2500" dirty="0"/>
           </a:p>
           <a:p>
             <a:pPr marL="0" indent="0">
@@ -7471,10 +10920,15 @@
               <a:defRPr sz="3700"/>
             </a:pPr>
             <a:r>
-              <a:t>request.open('GET', '</a:t>
-            </a:r>
-            <a:r>
-              <a:rPr u="sng">
+              <a:rPr dirty="0" err="1"/>
+              <a:t>request.open</a:t>
+            </a:r>
+            <a:r>
+              <a:rPr dirty="0"/>
+              <a:t>('GET', '</a:t>
+            </a:r>
+            <a:r>
+              <a:rPr u="sng" dirty="0">
                 <a:solidFill>
                   <a:srgbClr val="0563C1"/>
                 </a:solidFill>
@@ -7488,6 +10942,7 @@
               <a:t>https://restcountries.eu/rest/v2/all</a:t>
             </a:r>
             <a:r>
+              <a:rPr dirty="0"/>
               <a:t>', true)</a:t>
             </a:r>
           </a:p>
@@ -7714,6 +11169,1061 @@
           <a:chExt cx="0" cy="0"/>
         </a:xfrm>
       </p:grpSpPr>
+      <p:sp>
+        <p:nvSpPr>
+          <p:cNvPr id="78850" name="Title 1">
+            <a:extLst>
+              <a:ext uri="{FF2B5EF4-FFF2-40B4-BE49-F238E27FC236}">
+                <a16:creationId xmlns:a16="http://schemas.microsoft.com/office/drawing/2014/main" id="{95DB1C28-85D6-0640-BAF5-0659CF628192}"/>
+              </a:ext>
+            </a:extLst>
+          </p:cNvPr>
+          <p:cNvSpPr>
+            <a:spLocks noGrp="1"/>
+          </p:cNvSpPr>
+          <p:nvPr>
+            <p:ph type="title"/>
+          </p:nvPr>
+        </p:nvSpPr>
+        <p:spPr/>
+        <p:txBody>
+          <a:bodyPr/>
+          <a:lstStyle/>
+          <a:p>
+            <a:r>
+              <a:rPr lang="en-US" altLang="en-US" i="1">
+                <a:solidFill>
+                  <a:srgbClr val="FF9933"/>
+                </a:solidFill>
+              </a:rPr>
+              <a:t>C</a:t>
+            </a:r>
+            <a:r>
+              <a:rPr lang="en-US" altLang="en-US"/>
+              <a:t>ross-</a:t>
+            </a:r>
+            <a:r>
+              <a:rPr lang="en-US" altLang="en-US" i="1">
+                <a:solidFill>
+                  <a:srgbClr val="FF9933"/>
+                </a:solidFill>
+              </a:rPr>
+              <a:t>O</a:t>
+            </a:r>
+            <a:r>
+              <a:rPr lang="en-US" altLang="en-US"/>
+              <a:t>rigin </a:t>
+            </a:r>
+            <a:r>
+              <a:rPr lang="en-US" altLang="en-US" i="1">
+                <a:solidFill>
+                  <a:srgbClr val="FF9933"/>
+                </a:solidFill>
+              </a:rPr>
+              <a:t>R</a:t>
+            </a:r>
+            <a:r>
+              <a:rPr lang="en-US" altLang="en-US"/>
+              <a:t>esource </a:t>
+            </a:r>
+            <a:r>
+              <a:rPr lang="en-US" altLang="en-US" i="1">
+                <a:solidFill>
+                  <a:srgbClr val="FF9933"/>
+                </a:solidFill>
+              </a:rPr>
+              <a:t>S</a:t>
+            </a:r>
+            <a:r>
+              <a:rPr lang="en-US" altLang="en-US"/>
+              <a:t>haring</a:t>
+            </a:r>
+          </a:p>
+        </p:txBody>
+      </p:sp>
+      <p:sp>
+        <p:nvSpPr>
+          <p:cNvPr id="6" name="Content Placeholder 2">
+            <a:extLst>
+              <a:ext uri="{FF2B5EF4-FFF2-40B4-BE49-F238E27FC236}">
+                <a16:creationId xmlns:a16="http://schemas.microsoft.com/office/drawing/2014/main" id="{BA03BE68-1C7D-8F4A-AB0A-FC9841D9F655}"/>
+              </a:ext>
+            </a:extLst>
+          </p:cNvPr>
+          <p:cNvSpPr>
+            <a:spLocks noGrp="1"/>
+          </p:cNvSpPr>
+          <p:nvPr>
+            <p:ph idx="1"/>
+          </p:nvPr>
+        </p:nvSpPr>
+        <p:spPr>
+          <a:xfrm>
+            <a:off x="1981200" y="1981200"/>
+            <a:ext cx="8915400" cy="685800"/>
+          </a:xfrm>
+        </p:spPr>
+        <p:txBody>
+          <a:bodyPr/>
+          <a:lstStyle/>
+          <a:p>
+            <a:pPr>
+              <a:defRPr/>
+            </a:pPr>
+            <a:r>
+              <a:rPr lang="en-US" dirty="0"/>
+              <a:t>Not all servers support CORS:</a:t>
+            </a:r>
+          </a:p>
+          <a:p>
+            <a:pPr marL="0" indent="0">
+              <a:buNone/>
+              <a:defRPr/>
+            </a:pPr>
+            <a:endParaRPr lang="en-US" dirty="0"/>
+          </a:p>
+        </p:txBody>
+      </p:sp>
+      <p:grpSp>
+        <p:nvGrpSpPr>
+          <p:cNvPr id="78852" name="Group 2">
+            <a:extLst>
+              <a:ext uri="{FF2B5EF4-FFF2-40B4-BE49-F238E27FC236}">
+                <a16:creationId xmlns:a16="http://schemas.microsoft.com/office/drawing/2014/main" id="{63D5E323-5B8E-5A4B-A95E-F2CF383D4074}"/>
+              </a:ext>
+            </a:extLst>
+          </p:cNvPr>
+          <p:cNvGrpSpPr>
+            <a:grpSpLocks/>
+          </p:cNvGrpSpPr>
+          <p:nvPr/>
+        </p:nvGrpSpPr>
+        <p:grpSpPr bwMode="auto">
+          <a:xfrm>
+            <a:off x="3306764" y="3200400"/>
+            <a:ext cx="5578475" cy="1881188"/>
+            <a:chOff x="856373" y="3745468"/>
+            <a:chExt cx="5577154" cy="1881664"/>
+          </a:xfrm>
+        </p:grpSpPr>
+        <p:sp>
+          <p:nvSpPr>
+            <p:cNvPr id="78853" name="TextBox 3">
+              <a:extLst>
+                <a:ext uri="{FF2B5EF4-FFF2-40B4-BE49-F238E27FC236}">
+                  <a16:creationId xmlns:a16="http://schemas.microsoft.com/office/drawing/2014/main" id="{A232C799-92AB-6249-9C1D-320DACE83560}"/>
+                </a:ext>
+              </a:extLst>
+            </p:cNvPr>
+            <p:cNvSpPr txBox="1">
+              <a:spLocks noChangeArrowheads="1"/>
+            </p:cNvSpPr>
+            <p:nvPr/>
+          </p:nvSpPr>
+          <p:spPr bwMode="auto">
+            <a:xfrm>
+              <a:off x="1600200" y="5257800"/>
+              <a:ext cx="1031051" cy="369332"/>
+            </a:xfrm>
+            <a:prstGeom prst="rect">
+              <a:avLst/>
+            </a:prstGeom>
+            <a:solidFill>
+              <a:srgbClr val="92D050"/>
+            </a:solidFill>
+            <a:ln w="9525">
+              <a:solidFill>
+                <a:schemeClr val="tx1"/>
+              </a:solidFill>
+              <a:miter lim="800000"/>
+              <a:headEnd/>
+              <a:tailEnd/>
+            </a:ln>
+          </p:spPr>
+          <p:txBody>
+            <a:bodyPr wrap="none">
+              <a:spAutoFit/>
+            </a:bodyPr>
+            <a:lstStyle>
+              <a:lvl1pPr>
+                <a:defRPr>
+                  <a:solidFill>
+                    <a:schemeClr val="tx1"/>
+                  </a:solidFill>
+                  <a:latin typeface="Arial" panose="020B0604020202020204" pitchFamily="34" charset="0"/>
+                </a:defRPr>
+              </a:lvl1pPr>
+              <a:lvl2pPr marL="742950" indent="-285750">
+                <a:defRPr>
+                  <a:solidFill>
+                    <a:schemeClr val="tx1"/>
+                  </a:solidFill>
+                  <a:latin typeface="Arial" panose="020B0604020202020204" pitchFamily="34" charset="0"/>
+                </a:defRPr>
+              </a:lvl2pPr>
+              <a:lvl3pPr marL="1143000" indent="-228600">
+                <a:defRPr>
+                  <a:solidFill>
+                    <a:schemeClr val="tx1"/>
+                  </a:solidFill>
+                  <a:latin typeface="Arial" panose="020B0604020202020204" pitchFamily="34" charset="0"/>
+                </a:defRPr>
+              </a:lvl3pPr>
+              <a:lvl4pPr marL="1600200" indent="-228600">
+                <a:defRPr>
+                  <a:solidFill>
+                    <a:schemeClr val="tx1"/>
+                  </a:solidFill>
+                  <a:latin typeface="Arial" panose="020B0604020202020204" pitchFamily="34" charset="0"/>
+                </a:defRPr>
+              </a:lvl4pPr>
+              <a:lvl5pPr marL="2057400" indent="-228600">
+                <a:defRPr>
+                  <a:solidFill>
+                    <a:schemeClr val="tx1"/>
+                  </a:solidFill>
+                  <a:latin typeface="Arial" panose="020B0604020202020204" pitchFamily="34" charset="0"/>
+                </a:defRPr>
+              </a:lvl5pPr>
+              <a:lvl6pPr marL="2514600" indent="-228600" eaLnBrk="0" fontAlgn="base" hangingPunct="0">
+                <a:spcBef>
+                  <a:spcPct val="0"/>
+                </a:spcBef>
+                <a:spcAft>
+                  <a:spcPct val="0"/>
+                </a:spcAft>
+                <a:defRPr>
+                  <a:solidFill>
+                    <a:schemeClr val="tx1"/>
+                  </a:solidFill>
+                  <a:latin typeface="Arial" panose="020B0604020202020204" pitchFamily="34" charset="0"/>
+                </a:defRPr>
+              </a:lvl6pPr>
+              <a:lvl7pPr marL="2971800" indent="-228600" eaLnBrk="0" fontAlgn="base" hangingPunct="0">
+                <a:spcBef>
+                  <a:spcPct val="0"/>
+                </a:spcBef>
+                <a:spcAft>
+                  <a:spcPct val="0"/>
+                </a:spcAft>
+                <a:defRPr>
+                  <a:solidFill>
+                    <a:schemeClr val="tx1"/>
+                  </a:solidFill>
+                  <a:latin typeface="Arial" panose="020B0604020202020204" pitchFamily="34" charset="0"/>
+                </a:defRPr>
+              </a:lvl7pPr>
+              <a:lvl8pPr marL="3429000" indent="-228600" eaLnBrk="0" fontAlgn="base" hangingPunct="0">
+                <a:spcBef>
+                  <a:spcPct val="0"/>
+                </a:spcBef>
+                <a:spcAft>
+                  <a:spcPct val="0"/>
+                </a:spcAft>
+                <a:defRPr>
+                  <a:solidFill>
+                    <a:schemeClr val="tx1"/>
+                  </a:solidFill>
+                  <a:latin typeface="Arial" panose="020B0604020202020204" pitchFamily="34" charset="0"/>
+                </a:defRPr>
+              </a:lvl8pPr>
+              <a:lvl9pPr marL="3886200" indent="-228600" eaLnBrk="0" fontAlgn="base" hangingPunct="0">
+                <a:spcBef>
+                  <a:spcPct val="0"/>
+                </a:spcBef>
+                <a:spcAft>
+                  <a:spcPct val="0"/>
+                </a:spcAft>
+                <a:defRPr>
+                  <a:solidFill>
+                    <a:schemeClr val="tx1"/>
+                  </a:solidFill>
+                  <a:latin typeface="Arial" panose="020B0604020202020204" pitchFamily="34" charset="0"/>
+                </a:defRPr>
+              </a:lvl9pPr>
+            </a:lstStyle>
+            <a:p>
+              <a:r>
+                <a:rPr lang="en-US" altLang="en-US"/>
+                <a:t>Browser</a:t>
+              </a:r>
+            </a:p>
+          </p:txBody>
+        </p:sp>
+        <p:sp>
+          <p:nvSpPr>
+            <p:cNvPr id="78854" name="TextBox 3">
+              <a:extLst>
+                <a:ext uri="{FF2B5EF4-FFF2-40B4-BE49-F238E27FC236}">
+                  <a16:creationId xmlns:a16="http://schemas.microsoft.com/office/drawing/2014/main" id="{72DFE6CA-5AA4-894B-A7C7-871DBCE1C10F}"/>
+                </a:ext>
+              </a:extLst>
+            </p:cNvPr>
+            <p:cNvSpPr txBox="1">
+              <a:spLocks noChangeArrowheads="1"/>
+            </p:cNvSpPr>
+            <p:nvPr/>
+          </p:nvSpPr>
+          <p:spPr bwMode="auto">
+            <a:xfrm>
+              <a:off x="856373" y="3745468"/>
+              <a:ext cx="2518703" cy="369332"/>
+            </a:xfrm>
+            <a:prstGeom prst="rect">
+              <a:avLst/>
+            </a:prstGeom>
+            <a:solidFill>
+              <a:srgbClr val="FFFF99"/>
+            </a:solidFill>
+            <a:ln w="9525">
+              <a:solidFill>
+                <a:schemeClr val="tx1"/>
+              </a:solidFill>
+              <a:miter lim="800000"/>
+              <a:headEnd/>
+              <a:tailEnd/>
+            </a:ln>
+          </p:spPr>
+          <p:txBody>
+            <a:bodyPr wrap="none">
+              <a:spAutoFit/>
+            </a:bodyPr>
+            <a:lstStyle>
+              <a:lvl1pPr>
+                <a:defRPr>
+                  <a:solidFill>
+                    <a:schemeClr val="tx1"/>
+                  </a:solidFill>
+                  <a:latin typeface="Arial" panose="020B0604020202020204" pitchFamily="34" charset="0"/>
+                </a:defRPr>
+              </a:lvl1pPr>
+              <a:lvl2pPr marL="742950" indent="-285750">
+                <a:defRPr>
+                  <a:solidFill>
+                    <a:schemeClr val="tx1"/>
+                  </a:solidFill>
+                  <a:latin typeface="Arial" panose="020B0604020202020204" pitchFamily="34" charset="0"/>
+                </a:defRPr>
+              </a:lvl2pPr>
+              <a:lvl3pPr marL="1143000" indent="-228600">
+                <a:defRPr>
+                  <a:solidFill>
+                    <a:schemeClr val="tx1"/>
+                  </a:solidFill>
+                  <a:latin typeface="Arial" panose="020B0604020202020204" pitchFamily="34" charset="0"/>
+                </a:defRPr>
+              </a:lvl3pPr>
+              <a:lvl4pPr marL="1600200" indent="-228600">
+                <a:defRPr>
+                  <a:solidFill>
+                    <a:schemeClr val="tx1"/>
+                  </a:solidFill>
+                  <a:latin typeface="Arial" panose="020B0604020202020204" pitchFamily="34" charset="0"/>
+                </a:defRPr>
+              </a:lvl4pPr>
+              <a:lvl5pPr marL="2057400" indent="-228600">
+                <a:defRPr>
+                  <a:solidFill>
+                    <a:schemeClr val="tx1"/>
+                  </a:solidFill>
+                  <a:latin typeface="Arial" panose="020B0604020202020204" pitchFamily="34" charset="0"/>
+                </a:defRPr>
+              </a:lvl5pPr>
+              <a:lvl6pPr marL="2514600" indent="-228600" eaLnBrk="0" fontAlgn="base" hangingPunct="0">
+                <a:spcBef>
+                  <a:spcPct val="0"/>
+                </a:spcBef>
+                <a:spcAft>
+                  <a:spcPct val="0"/>
+                </a:spcAft>
+                <a:defRPr>
+                  <a:solidFill>
+                    <a:schemeClr val="tx1"/>
+                  </a:solidFill>
+                  <a:latin typeface="Arial" panose="020B0604020202020204" pitchFamily="34" charset="0"/>
+                </a:defRPr>
+              </a:lvl6pPr>
+              <a:lvl7pPr marL="2971800" indent="-228600" eaLnBrk="0" fontAlgn="base" hangingPunct="0">
+                <a:spcBef>
+                  <a:spcPct val="0"/>
+                </a:spcBef>
+                <a:spcAft>
+                  <a:spcPct val="0"/>
+                </a:spcAft>
+                <a:defRPr>
+                  <a:solidFill>
+                    <a:schemeClr val="tx1"/>
+                  </a:solidFill>
+                  <a:latin typeface="Arial" panose="020B0604020202020204" pitchFamily="34" charset="0"/>
+                </a:defRPr>
+              </a:lvl7pPr>
+              <a:lvl8pPr marL="3429000" indent="-228600" eaLnBrk="0" fontAlgn="base" hangingPunct="0">
+                <a:spcBef>
+                  <a:spcPct val="0"/>
+                </a:spcBef>
+                <a:spcAft>
+                  <a:spcPct val="0"/>
+                </a:spcAft>
+                <a:defRPr>
+                  <a:solidFill>
+                    <a:schemeClr val="tx1"/>
+                  </a:solidFill>
+                  <a:latin typeface="Arial" panose="020B0604020202020204" pitchFamily="34" charset="0"/>
+                </a:defRPr>
+              </a:lvl8pPr>
+              <a:lvl9pPr marL="3886200" indent="-228600" eaLnBrk="0" fontAlgn="base" hangingPunct="0">
+                <a:spcBef>
+                  <a:spcPct val="0"/>
+                </a:spcBef>
+                <a:spcAft>
+                  <a:spcPct val="0"/>
+                </a:spcAft>
+                <a:defRPr>
+                  <a:solidFill>
+                    <a:schemeClr val="tx1"/>
+                  </a:solidFill>
+                  <a:latin typeface="Arial" panose="020B0604020202020204" pitchFamily="34" charset="0"/>
+                </a:defRPr>
+              </a:lvl9pPr>
+            </a:lstStyle>
+            <a:p>
+              <a:r>
+                <a:rPr lang="en-US" altLang="en-US"/>
+                <a:t>www.your-domain.com</a:t>
+              </a:r>
+            </a:p>
+          </p:txBody>
+        </p:sp>
+        <p:sp>
+          <p:nvSpPr>
+            <p:cNvPr id="78855" name="TextBox 3">
+              <a:extLst>
+                <a:ext uri="{FF2B5EF4-FFF2-40B4-BE49-F238E27FC236}">
+                  <a16:creationId xmlns:a16="http://schemas.microsoft.com/office/drawing/2014/main" id="{8671BAB6-7EE6-E049-84AA-7BAA7348FA4C}"/>
+                </a:ext>
+              </a:extLst>
+            </p:cNvPr>
+            <p:cNvSpPr txBox="1">
+              <a:spLocks noChangeArrowheads="1"/>
+            </p:cNvSpPr>
+            <p:nvPr/>
+          </p:nvSpPr>
+          <p:spPr bwMode="auto">
+            <a:xfrm>
+              <a:off x="3581400" y="3745468"/>
+              <a:ext cx="2852127" cy="369332"/>
+            </a:xfrm>
+            <a:prstGeom prst="rect">
+              <a:avLst/>
+            </a:prstGeom>
+            <a:solidFill>
+              <a:srgbClr val="00B0F0"/>
+            </a:solidFill>
+            <a:ln w="9525">
+              <a:solidFill>
+                <a:schemeClr val="tx1"/>
+              </a:solidFill>
+              <a:miter lim="800000"/>
+              <a:headEnd/>
+              <a:tailEnd/>
+            </a:ln>
+          </p:spPr>
+          <p:txBody>
+            <a:bodyPr wrap="none">
+              <a:spAutoFit/>
+            </a:bodyPr>
+            <a:lstStyle>
+              <a:lvl1pPr>
+                <a:defRPr>
+                  <a:solidFill>
+                    <a:schemeClr val="tx1"/>
+                  </a:solidFill>
+                  <a:latin typeface="Arial" panose="020B0604020202020204" pitchFamily="34" charset="0"/>
+                </a:defRPr>
+              </a:lvl1pPr>
+              <a:lvl2pPr marL="742950" indent="-285750">
+                <a:defRPr>
+                  <a:solidFill>
+                    <a:schemeClr val="tx1"/>
+                  </a:solidFill>
+                  <a:latin typeface="Arial" panose="020B0604020202020204" pitchFamily="34" charset="0"/>
+                </a:defRPr>
+              </a:lvl2pPr>
+              <a:lvl3pPr marL="1143000" indent="-228600">
+                <a:defRPr>
+                  <a:solidFill>
+                    <a:schemeClr val="tx1"/>
+                  </a:solidFill>
+                  <a:latin typeface="Arial" panose="020B0604020202020204" pitchFamily="34" charset="0"/>
+                </a:defRPr>
+              </a:lvl3pPr>
+              <a:lvl4pPr marL="1600200" indent="-228600">
+                <a:defRPr>
+                  <a:solidFill>
+                    <a:schemeClr val="tx1"/>
+                  </a:solidFill>
+                  <a:latin typeface="Arial" panose="020B0604020202020204" pitchFamily="34" charset="0"/>
+                </a:defRPr>
+              </a:lvl4pPr>
+              <a:lvl5pPr marL="2057400" indent="-228600">
+                <a:defRPr>
+                  <a:solidFill>
+                    <a:schemeClr val="tx1"/>
+                  </a:solidFill>
+                  <a:latin typeface="Arial" panose="020B0604020202020204" pitchFamily="34" charset="0"/>
+                </a:defRPr>
+              </a:lvl5pPr>
+              <a:lvl6pPr marL="2514600" indent="-228600" eaLnBrk="0" fontAlgn="base" hangingPunct="0">
+                <a:spcBef>
+                  <a:spcPct val="0"/>
+                </a:spcBef>
+                <a:spcAft>
+                  <a:spcPct val="0"/>
+                </a:spcAft>
+                <a:defRPr>
+                  <a:solidFill>
+                    <a:schemeClr val="tx1"/>
+                  </a:solidFill>
+                  <a:latin typeface="Arial" panose="020B0604020202020204" pitchFamily="34" charset="0"/>
+                </a:defRPr>
+              </a:lvl6pPr>
+              <a:lvl7pPr marL="2971800" indent="-228600" eaLnBrk="0" fontAlgn="base" hangingPunct="0">
+                <a:spcBef>
+                  <a:spcPct val="0"/>
+                </a:spcBef>
+                <a:spcAft>
+                  <a:spcPct val="0"/>
+                </a:spcAft>
+                <a:defRPr>
+                  <a:solidFill>
+                    <a:schemeClr val="tx1"/>
+                  </a:solidFill>
+                  <a:latin typeface="Arial" panose="020B0604020202020204" pitchFamily="34" charset="0"/>
+                </a:defRPr>
+              </a:lvl7pPr>
+              <a:lvl8pPr marL="3429000" indent="-228600" eaLnBrk="0" fontAlgn="base" hangingPunct="0">
+                <a:spcBef>
+                  <a:spcPct val="0"/>
+                </a:spcBef>
+                <a:spcAft>
+                  <a:spcPct val="0"/>
+                </a:spcAft>
+                <a:defRPr>
+                  <a:solidFill>
+                    <a:schemeClr val="tx1"/>
+                  </a:solidFill>
+                  <a:latin typeface="Arial" panose="020B0604020202020204" pitchFamily="34" charset="0"/>
+                </a:defRPr>
+              </a:lvl8pPr>
+              <a:lvl9pPr marL="3886200" indent="-228600" eaLnBrk="0" fontAlgn="base" hangingPunct="0">
+                <a:spcBef>
+                  <a:spcPct val="0"/>
+                </a:spcBef>
+                <a:spcAft>
+                  <a:spcPct val="0"/>
+                </a:spcAft>
+                <a:defRPr>
+                  <a:solidFill>
+                    <a:schemeClr val="tx1"/>
+                  </a:solidFill>
+                  <a:latin typeface="Arial" panose="020B0604020202020204" pitchFamily="34" charset="0"/>
+                </a:defRPr>
+              </a:lvl9pPr>
+            </a:lstStyle>
+            <a:p>
+              <a:r>
+                <a:rPr lang="en-US" altLang="en-US"/>
+                <a:t>www.another-domain.com</a:t>
+              </a:r>
+            </a:p>
+          </p:txBody>
+        </p:sp>
+        <p:cxnSp>
+          <p:nvCxnSpPr>
+            <p:cNvPr id="78856" name="Straight Arrow Connector 10">
+              <a:extLst>
+                <a:ext uri="{FF2B5EF4-FFF2-40B4-BE49-F238E27FC236}">
+                  <a16:creationId xmlns:a16="http://schemas.microsoft.com/office/drawing/2014/main" id="{39A525F6-F4D2-A346-B879-64689E872AB0}"/>
+                </a:ext>
+              </a:extLst>
+            </p:cNvPr>
+            <p:cNvCxnSpPr>
+              <a:cxnSpLocks noChangeShapeType="1"/>
+              <a:stCxn id="78854" idx="2"/>
+              <a:endCxn id="78853" idx="0"/>
+            </p:cNvCxnSpPr>
+            <p:nvPr/>
+          </p:nvCxnSpPr>
+          <p:spPr bwMode="auto">
+            <a:xfrm>
+              <a:off x="2115725" y="4114800"/>
+              <a:ext cx="1" cy="1143000"/>
+            </a:xfrm>
+            <a:prstGeom prst="straightConnector1">
+              <a:avLst/>
+            </a:prstGeom>
+            <a:noFill/>
+            <a:ln w="9525" algn="ctr">
+              <a:solidFill>
+                <a:schemeClr val="tx1"/>
+              </a:solidFill>
+              <a:round/>
+              <a:headEnd type="arrow" w="med" len="med"/>
+              <a:tailEnd type="arrow" w="med" len="med"/>
+            </a:ln>
+          </p:spPr>
+        </p:cxnSp>
+        <p:cxnSp>
+          <p:nvCxnSpPr>
+            <p:cNvPr id="78857" name="Straight Arrow Connector 12">
+              <a:extLst>
+                <a:ext uri="{FF2B5EF4-FFF2-40B4-BE49-F238E27FC236}">
+                  <a16:creationId xmlns:a16="http://schemas.microsoft.com/office/drawing/2014/main" id="{0E510498-DBDE-AD40-8B6F-43E77F312755}"/>
+                </a:ext>
+              </a:extLst>
+            </p:cNvPr>
+            <p:cNvCxnSpPr>
+              <a:cxnSpLocks noChangeShapeType="1"/>
+              <a:stCxn id="78853" idx="0"/>
+              <a:endCxn id="78855" idx="2"/>
+            </p:cNvCxnSpPr>
+            <p:nvPr/>
+          </p:nvCxnSpPr>
+          <p:spPr bwMode="auto">
+            <a:xfrm flipV="1">
+              <a:off x="2115726" y="4114800"/>
+              <a:ext cx="2891738" cy="1143000"/>
+            </a:xfrm>
+            <a:prstGeom prst="straightConnector1">
+              <a:avLst/>
+            </a:prstGeom>
+            <a:noFill/>
+            <a:ln w="9525" algn="ctr">
+              <a:solidFill>
+                <a:schemeClr val="tx1"/>
+              </a:solidFill>
+              <a:round/>
+              <a:headEnd type="arrow" w="med" len="med"/>
+              <a:tailEnd type="arrow" w="med" len="med"/>
+            </a:ln>
+          </p:spPr>
+        </p:cxnSp>
+        <p:sp>
+          <p:nvSpPr>
+            <p:cNvPr id="16" name="TextBox 15">
+              <a:extLst>
+                <a:ext uri="{FF2B5EF4-FFF2-40B4-BE49-F238E27FC236}">
+                  <a16:creationId xmlns:a16="http://schemas.microsoft.com/office/drawing/2014/main" id="{692ECFF4-1ABF-4A45-9F98-37CA96DB96BB}"/>
+                </a:ext>
+              </a:extLst>
+            </p:cNvPr>
+            <p:cNvSpPr txBox="1"/>
+            <p:nvPr/>
+          </p:nvSpPr>
+          <p:spPr>
+            <a:xfrm>
+              <a:off x="913509" y="4393332"/>
+              <a:ext cx="1144316" cy="585936"/>
+            </a:xfrm>
+            <a:prstGeom prst="rect">
+              <a:avLst/>
+            </a:prstGeom>
+            <a:noFill/>
+          </p:spPr>
+          <p:txBody>
+            <a:bodyPr wrap="none">
+              <a:spAutoFit/>
+            </a:bodyPr>
+            <a:lstStyle/>
+            <a:p>
+              <a:pPr algn="ctr">
+                <a:defRPr/>
+              </a:pPr>
+              <a:r>
+                <a:rPr lang="en-US" sz="1600" dirty="0">
+                  <a:solidFill>
+                    <a:schemeClr val="bg1">
+                      <a:lumMod val="50000"/>
+                    </a:schemeClr>
+                  </a:solidFill>
+                  <a:latin typeface="Arial" charset="0"/>
+                </a:rPr>
+                <a:t>html/</a:t>
+              </a:r>
+              <a:r>
+                <a:rPr lang="en-US" sz="1600" dirty="0" err="1">
+                  <a:solidFill>
+                    <a:schemeClr val="bg1">
+                      <a:lumMod val="50000"/>
+                    </a:schemeClr>
+                  </a:solidFill>
+                  <a:latin typeface="Arial" charset="0"/>
+                </a:rPr>
+                <a:t>js</a:t>
+              </a:r>
+              <a:r>
+                <a:rPr lang="en-US" sz="1600" dirty="0">
+                  <a:solidFill>
+                    <a:schemeClr val="bg1">
+                      <a:lumMod val="50000"/>
+                    </a:schemeClr>
+                  </a:solidFill>
+                  <a:latin typeface="Arial" charset="0"/>
+                </a:rPr>
+                <a:t>/</a:t>
+              </a:r>
+              <a:r>
+                <a:rPr lang="en-US" sz="1600" dirty="0" err="1">
+                  <a:solidFill>
+                    <a:schemeClr val="bg1">
+                      <a:lumMod val="50000"/>
+                    </a:schemeClr>
+                  </a:solidFill>
+                  <a:latin typeface="Arial" charset="0"/>
+                </a:rPr>
+                <a:t>css</a:t>
+              </a:r>
+              <a:endParaRPr lang="en-US" sz="1600" dirty="0">
+                <a:solidFill>
+                  <a:schemeClr val="bg1">
+                    <a:lumMod val="50000"/>
+                  </a:schemeClr>
+                </a:solidFill>
+                <a:latin typeface="Arial" charset="0"/>
+              </a:endParaRPr>
+            </a:p>
+            <a:p>
+              <a:pPr algn="ctr">
+                <a:defRPr/>
+              </a:pPr>
+              <a:r>
+                <a:rPr lang="en-US" sz="1600" dirty="0">
+                  <a:solidFill>
+                    <a:schemeClr val="bg1">
+                      <a:lumMod val="50000"/>
+                    </a:schemeClr>
+                  </a:solidFill>
+                  <a:latin typeface="Arial" charset="0"/>
+                </a:rPr>
+                <a:t>files</a:t>
+              </a:r>
+            </a:p>
+          </p:txBody>
+        </p:sp>
+        <p:sp>
+          <p:nvSpPr>
+            <p:cNvPr id="17" name="TextBox 16">
+              <a:extLst>
+                <a:ext uri="{FF2B5EF4-FFF2-40B4-BE49-F238E27FC236}">
+                  <a16:creationId xmlns:a16="http://schemas.microsoft.com/office/drawing/2014/main" id="{22E481B1-A255-574E-8A99-CF051AE568E8}"/>
+                </a:ext>
+              </a:extLst>
+            </p:cNvPr>
+            <p:cNvSpPr txBox="1"/>
+            <p:nvPr/>
+          </p:nvSpPr>
+          <p:spPr>
+            <a:xfrm>
+              <a:off x="3098979" y="4968152"/>
+              <a:ext cx="1715682" cy="585936"/>
+            </a:xfrm>
+            <a:prstGeom prst="rect">
+              <a:avLst/>
+            </a:prstGeom>
+            <a:noFill/>
+          </p:spPr>
+          <p:txBody>
+            <a:bodyPr wrap="none">
+              <a:spAutoFit/>
+            </a:bodyPr>
+            <a:lstStyle/>
+            <a:p>
+              <a:pPr algn="ctr">
+                <a:defRPr/>
+              </a:pPr>
+              <a:r>
+                <a:rPr lang="en-US" sz="1600" dirty="0">
+                  <a:solidFill>
+                    <a:schemeClr val="bg1">
+                      <a:lumMod val="50000"/>
+                    </a:schemeClr>
+                  </a:solidFill>
+                  <a:latin typeface="Arial" charset="0"/>
+                </a:rPr>
+                <a:t>Images files</a:t>
+              </a:r>
+            </a:p>
+            <a:p>
+              <a:pPr algn="ctr">
+                <a:defRPr/>
+              </a:pPr>
+              <a:r>
+                <a:rPr lang="en-US" sz="1600" dirty="0">
+                  <a:solidFill>
+                    <a:schemeClr val="bg1">
+                      <a:lumMod val="50000"/>
+                    </a:schemeClr>
+                  </a:solidFill>
+                  <a:latin typeface="Arial" charset="0"/>
+                </a:rPr>
+                <a:t>used for textures</a:t>
+              </a:r>
+            </a:p>
+          </p:txBody>
+        </p:sp>
+        <p:sp>
+          <p:nvSpPr>
+            <p:cNvPr id="18" name="Multiply 17">
+              <a:extLst>
+                <a:ext uri="{FF2B5EF4-FFF2-40B4-BE49-F238E27FC236}">
+                  <a16:creationId xmlns:a16="http://schemas.microsoft.com/office/drawing/2014/main" id="{7E7AA182-F020-9147-BAAF-ECD45E69C0B9}"/>
+                </a:ext>
+              </a:extLst>
+            </p:cNvPr>
+            <p:cNvSpPr/>
+            <p:nvPr/>
+          </p:nvSpPr>
+          <p:spPr bwMode="auto">
+            <a:xfrm>
+              <a:off x="3276737" y="4229779"/>
+              <a:ext cx="914183" cy="913043"/>
+            </a:xfrm>
+            <a:prstGeom prst="mathMultiply">
+              <a:avLst/>
+            </a:prstGeom>
+            <a:solidFill>
+              <a:srgbClr val="FF0000"/>
+            </a:solidFill>
+            <a:ln w="9525" cap="flat" cmpd="sng" algn="ctr">
+              <a:solidFill>
+                <a:schemeClr val="tx1"/>
+              </a:solidFill>
+              <a:prstDash val="solid"/>
+              <a:round/>
+              <a:headEnd type="none" w="med" len="med"/>
+              <a:tailEnd type="none" w="med" len="med"/>
+            </a:ln>
+            <a:effectLst/>
+          </p:spPr>
+          <p:txBody>
+            <a:bodyPr/>
+            <a:lstStyle/>
+            <a:p>
+              <a:pPr>
+                <a:defRPr/>
+              </a:pPr>
+              <a:endParaRPr lang="en-US">
+                <a:latin typeface="Arial" charset="0"/>
+              </a:endParaRPr>
+            </a:p>
+          </p:txBody>
+        </p:sp>
+      </p:grpSp>
+    </p:spTree>
+    <p:extLst>
+      <p:ext uri="{BB962C8B-B14F-4D97-AF65-F5344CB8AC3E}">
+        <p14:creationId xmlns:p14="http://schemas.microsoft.com/office/powerpoint/2010/main" val="1794978720"/>
+      </p:ext>
+    </p:extLst>
+  </p:cSld>
+  <p:clrMapOvr>
+    <a:masterClrMapping/>
+  </p:clrMapOvr>
+  <p:transition spd="med"/>
+</p:sld>
+</file>
+
+<file path=ppt/slides/slide24.xml><?xml version="1.0" encoding="utf-8"?>
+<p:sld xmlns:a="http://schemas.openxmlformats.org/drawingml/2006/main" xmlns:r="http://schemas.openxmlformats.org/officeDocument/2006/relationships" xmlns:p="http://schemas.openxmlformats.org/presentationml/2006/main">
+  <p:cSld>
+    <p:spTree>
+      <p:nvGrpSpPr>
+        <p:cNvPr id="1" name=""/>
+        <p:cNvGrpSpPr/>
+        <p:nvPr/>
+      </p:nvGrpSpPr>
+      <p:grpSpPr>
+        <a:xfrm>
+          <a:off x="0" y="0"/>
+          <a:ext cx="0" cy="0"/>
+          <a:chOff x="0" y="0"/>
+          <a:chExt cx="0" cy="0"/>
+        </a:xfrm>
+      </p:grpSpPr>
+      <p:sp>
+        <p:nvSpPr>
+          <p:cNvPr id="2" name="Title 1">
+            <a:extLst>
+              <a:ext uri="{FF2B5EF4-FFF2-40B4-BE49-F238E27FC236}">
+                <a16:creationId xmlns:a16="http://schemas.microsoft.com/office/drawing/2014/main" id="{20A81CB9-0E76-664D-A0BB-55EEDDDAAB58}"/>
+              </a:ext>
+            </a:extLst>
+          </p:cNvPr>
+          <p:cNvSpPr>
+            <a:spLocks noGrp="1"/>
+          </p:cNvSpPr>
+          <p:nvPr>
+            <p:ph type="title"/>
+          </p:nvPr>
+        </p:nvSpPr>
+        <p:spPr/>
+        <p:txBody>
+          <a:bodyPr/>
+          <a:lstStyle/>
+          <a:p>
+            <a:r>
+              <a:rPr lang="en-US" dirty="0"/>
+              <a:t>Tasks - </a:t>
+            </a:r>
+            <a:r>
+              <a:rPr lang="en-IN" dirty="0" err="1"/>
+              <a:t>XMLHttpRequest</a:t>
+            </a:r>
+            <a:endParaRPr lang="en-US" dirty="0"/>
+          </a:p>
+        </p:txBody>
+      </p:sp>
+      <p:sp>
+        <p:nvSpPr>
+          <p:cNvPr id="3" name="Text Placeholder 2">
+            <a:extLst>
+              <a:ext uri="{FF2B5EF4-FFF2-40B4-BE49-F238E27FC236}">
+                <a16:creationId xmlns:a16="http://schemas.microsoft.com/office/drawing/2014/main" id="{09428948-1DF8-F94E-81AB-8FD9CEF78227}"/>
+              </a:ext>
+            </a:extLst>
+          </p:cNvPr>
+          <p:cNvSpPr>
+            <a:spLocks noGrp="1"/>
+          </p:cNvSpPr>
+          <p:nvPr>
+            <p:ph type="body" idx="1"/>
+          </p:nvPr>
+        </p:nvSpPr>
+        <p:spPr/>
+        <p:txBody>
+          <a:bodyPr>
+            <a:normAutofit fontScale="92500" lnSpcReduction="10000"/>
+          </a:bodyPr>
+          <a:lstStyle/>
+          <a:p>
+            <a:r>
+              <a:rPr lang="en-IN" dirty="0"/>
+              <a:t>Open API</a:t>
+            </a:r>
+          </a:p>
+          <a:p>
+            <a:pPr lvl="1"/>
+            <a:r>
+              <a:rPr lang="en-IN" dirty="0">
+                <a:hlinkClick r:id="rId2"/>
+              </a:rPr>
+              <a:t>https://dog.ceo/api/breeds/list/all</a:t>
+            </a:r>
+            <a:endParaRPr lang="en-IN" dirty="0"/>
+          </a:p>
+          <a:p>
+            <a:r>
+              <a:rPr lang="en-US" dirty="0"/>
+              <a:t>CORS</a:t>
+            </a:r>
+          </a:p>
+          <a:p>
+            <a:pPr lvl="1"/>
+            <a:r>
+              <a:rPr lang="en-US" dirty="0">
+                <a:hlinkClick r:id="rId3"/>
+              </a:rPr>
+              <a:t>https://api.domainsdb.info/v1/domains/search?domain=facebook&amp;zone=com</a:t>
+            </a:r>
+            <a:endParaRPr lang="en-IN" dirty="0"/>
+          </a:p>
+          <a:p>
+            <a:r>
+              <a:rPr lang="en-IN" dirty="0"/>
+              <a:t>Auth </a:t>
+            </a:r>
+          </a:p>
+          <a:p>
+            <a:pPr lvl="1"/>
+            <a:r>
+              <a:rPr lang="en-IN" dirty="0"/>
+              <a:t>API key</a:t>
+            </a:r>
+          </a:p>
+          <a:p>
+            <a:pPr lvl="2"/>
+            <a:r>
+              <a:rPr lang="en-IN" dirty="0">
+                <a:hlinkClick r:id="rId4"/>
+              </a:rPr>
+              <a:t>https://openweathermap.org/guide</a:t>
+            </a:r>
+            <a:endParaRPr lang="en-US" dirty="0"/>
+          </a:p>
+          <a:p>
+            <a:pPr lvl="1"/>
+            <a:r>
+              <a:rPr lang="en-US" dirty="0"/>
+              <a:t>OAuth</a:t>
+            </a:r>
+          </a:p>
+          <a:p>
+            <a:pPr lvl="2"/>
+            <a:r>
+              <a:rPr lang="en-US" dirty="0"/>
+              <a:t>Hold it for later </a:t>
+            </a:r>
+            <a:r>
+              <a:rPr lang="en-US" dirty="0">
+                <a:sym typeface="Wingdings" pitchFamily="2" charset="2"/>
+              </a:rPr>
+              <a:t></a:t>
+            </a:r>
+            <a:endParaRPr lang="en-US" dirty="0"/>
+          </a:p>
+          <a:p>
+            <a:pPr lvl="1"/>
+            <a:endParaRPr lang="en-US" dirty="0"/>
+          </a:p>
+          <a:p>
+            <a:endParaRPr lang="en-US" dirty="0"/>
+          </a:p>
+          <a:p>
+            <a:endParaRPr lang="en-US" dirty="0"/>
+          </a:p>
+        </p:txBody>
+      </p:sp>
+    </p:spTree>
+    <p:extLst>
+      <p:ext uri="{BB962C8B-B14F-4D97-AF65-F5344CB8AC3E}">
+        <p14:creationId xmlns:p14="http://schemas.microsoft.com/office/powerpoint/2010/main" val="517715202"/>
+      </p:ext>
+    </p:extLst>
+  </p:cSld>
+  <p:clrMapOvr>
+    <a:masterClrMapping/>
+  </p:clrMapOvr>
+  <p:transition spd="med"/>
+</p:sld>
+</file>
+
+<file path=ppt/slides/slide25.xml><?xml version="1.0" encoding="utf-8"?>
+<p:sld xmlns:a="http://schemas.openxmlformats.org/drawingml/2006/main" xmlns:r="http://schemas.openxmlformats.org/officeDocument/2006/relationships" xmlns:p="http://schemas.openxmlformats.org/presentationml/2006/main">
+  <p:cSld>
+    <p:spTree>
+      <p:nvGrpSpPr>
+        <p:cNvPr id="1" name=""/>
+        <p:cNvGrpSpPr/>
+        <p:nvPr/>
+      </p:nvGrpSpPr>
+      <p:grpSpPr>
+        <a:xfrm>
+          <a:off x="0" y="0"/>
+          <a:ext cx="0" cy="0"/>
+          <a:chOff x="0" y="0"/>
+          <a:chExt cx="0" cy="0"/>
+        </a:xfrm>
+      </p:grpSpPr>
       <p:pic>
         <p:nvPicPr>
           <p:cNvPr id="4" name="Google Shape;54;p13" descr="Google Shape;54;p13">
@@ -7899,7 +12409,7 @@
 </p:sld>
 </file>
 
-<file path=ppt/slides/slide24.xml><?xml version="1.0" encoding="utf-8"?>
+<file path=ppt/slides/slide26.xml><?xml version="1.0" encoding="utf-8"?>
 <p:sld xmlns:a="http://schemas.openxmlformats.org/drawingml/2006/main" xmlns:r="http://schemas.openxmlformats.org/officeDocument/2006/relationships" xmlns:p="http://schemas.openxmlformats.org/presentationml/2006/main">
   <p:cSld>
     <p:spTree>
@@ -8353,7 +12863,7 @@
 </p:sld>
 </file>
 
-<file path=ppt/slides/slide25.xml><?xml version="1.0" encoding="utf-8"?>
+<file path=ppt/slides/slide27.xml><?xml version="1.0" encoding="utf-8"?>
 <p:sld xmlns:a="http://schemas.openxmlformats.org/drawingml/2006/main" xmlns:r="http://schemas.openxmlformats.org/officeDocument/2006/relationships" xmlns:p="http://schemas.openxmlformats.org/presentationml/2006/main">
   <p:cSld>
     <p:spTree>
@@ -8370,56 +12880,67 @@
           <a:chExt cx="0" cy="0"/>
         </a:xfrm>
       </p:grpSpPr>
-      <p:sp>
-        <p:nvSpPr>
-          <p:cNvPr id="2" name="Title 1">
+      <p:pic>
+        <p:nvPicPr>
+          <p:cNvPr id="5" name="Google Shape;54;p13" descr="Google Shape;54;p13">
             <a:extLst>
               <a:ext uri="{FF2B5EF4-FFF2-40B4-BE49-F238E27FC236}">
-                <a16:creationId xmlns:a16="http://schemas.microsoft.com/office/drawing/2014/main" id="{8CF8F62A-085C-0242-A5C6-6DD5DB554E31}"/>
+                <a16:creationId xmlns:a16="http://schemas.microsoft.com/office/drawing/2014/main" id="{960BC46B-7BA1-3740-BE83-043ED70BDE67}"/>
               </a:ext>
             </a:extLst>
           </p:cNvPr>
-          <p:cNvSpPr>
-            <a:spLocks noGrp="1"/>
-          </p:cNvSpPr>
-          <p:nvPr>
-            <p:ph type="title"/>
-          </p:nvPr>
-        </p:nvSpPr>
-        <p:spPr/>
-        <p:txBody>
-          <a:bodyPr/>
-          <a:lstStyle/>
-          <a:p>
-            <a:endParaRPr lang="en-US"/>
-          </a:p>
-        </p:txBody>
-      </p:sp>
-      <p:sp>
-        <p:nvSpPr>
-          <p:cNvPr id="3" name="Text Placeholder 2">
+          <p:cNvPicPr>
+            <a:picLocks noChangeAspect="1"/>
+          </p:cNvPicPr>
+          <p:nvPr/>
+        </p:nvPicPr>
+        <p:blipFill>
+          <a:blip r:embed="rId2"/>
+          <a:stretch>
+            <a:fillRect/>
+          </a:stretch>
+        </p:blipFill>
+        <p:spPr>
+          <a:xfrm>
+            <a:off x="0" y="0"/>
+            <a:ext cx="12191997" cy="6858000"/>
+          </a:xfrm>
+          <a:prstGeom prst="rect">
+            <a:avLst/>
+          </a:prstGeom>
+          <a:ln w="12700">
+            <a:miter lim="400000"/>
+          </a:ln>
+        </p:spPr>
+      </p:pic>
+      <p:graphicFrame>
+        <p:nvGraphicFramePr>
+          <p:cNvPr id="4" name="Diagram 3">
             <a:extLst>
               <a:ext uri="{FF2B5EF4-FFF2-40B4-BE49-F238E27FC236}">
-                <a16:creationId xmlns:a16="http://schemas.microsoft.com/office/drawing/2014/main" id="{5F195287-4F64-7440-A781-ECE94CCCD55B}"/>
+                <a16:creationId xmlns:a16="http://schemas.microsoft.com/office/drawing/2014/main" id="{68482EFB-27DD-EB4E-9974-AB531D6FDE18}"/>
               </a:ext>
             </a:extLst>
           </p:cNvPr>
-          <p:cNvSpPr>
-            <a:spLocks noGrp="1"/>
-          </p:cNvSpPr>
+          <p:cNvGraphicFramePr/>
           <p:nvPr>
-            <p:ph type="body" idx="1"/>
+            <p:extLst>
+              <p:ext uri="{D42A27DB-BD31-4B8C-83A1-F6EECF244321}">
+                <p14:modId xmlns:p14="http://schemas.microsoft.com/office/powerpoint/2010/main" val="3461002772"/>
+              </p:ext>
+            </p:extLst>
           </p:nvPr>
-        </p:nvSpPr>
-        <p:spPr/>
-        <p:txBody>
-          <a:bodyPr/>
-          <a:lstStyle/>
-          <a:p>
-            <a:endParaRPr lang="en-US"/>
-          </a:p>
-        </p:txBody>
-      </p:sp>
+        </p:nvGraphicFramePr>
+        <p:xfrm>
+          <a:off x="2032000" y="719666"/>
+          <a:ext cx="8128000" cy="5418667"/>
+        </p:xfrm>
+        <a:graphic>
+          <a:graphicData uri="http://schemas.openxmlformats.org/drawingml/2006/diagram">
+            <dgm:relIds xmlns:dgm="http://schemas.openxmlformats.org/drawingml/2006/diagram" xmlns:r="http://schemas.openxmlformats.org/officeDocument/2006/relationships" r:dm="rId3" r:lo="rId4" r:qs="rId5" r:cs="rId6"/>
+          </a:graphicData>
+        </a:graphic>
+      </p:graphicFrame>
     </p:spTree>
     <p:extLst>
       <p:ext uri="{BB962C8B-B14F-4D97-AF65-F5344CB8AC3E}">
@@ -8434,7 +12955,7 @@
 </p:sld>
 </file>
 
-<file path=ppt/slides/slide26.xml><?xml version="1.0" encoding="utf-8"?>
+<file path=ppt/slides/slide28.xml><?xml version="1.0" encoding="utf-8"?>
 <p:sld xmlns:a="http://schemas.openxmlformats.org/drawingml/2006/main" xmlns:r="http://schemas.openxmlformats.org/officeDocument/2006/relationships" xmlns:p="http://schemas.openxmlformats.org/presentationml/2006/main">
   <p:cSld>
     <p:spTree>
@@ -8808,7 +13329,7 @@
 </p:sld>
 </file>
 
-<file path=ppt/slides/slide27.xml><?xml version="1.0" encoding="utf-8"?>
+<file path=ppt/slides/slide29.xml><?xml version="1.0" encoding="utf-8"?>
 <p:sld xmlns:a="http://schemas.openxmlformats.org/drawingml/2006/main" xmlns:r="http://schemas.openxmlformats.org/officeDocument/2006/relationships" xmlns:p="http://schemas.openxmlformats.org/presentationml/2006/main">
   <p:cSld>
     <p:spTree>
@@ -9121,7 +13642,7 @@
             </a:pPr>
             <a:r>
               <a:rPr lang="en-US" dirty="0"/>
-              <a:t>Find the fix - </a:t>
+              <a:t>Find the fix – for the error slide</a:t>
             </a:r>
           </a:p>
           <a:p>
@@ -9159,7 +13680,702 @@
 </p:sld>
 </file>
 
-<file path=ppt/slides/slide28.xml><?xml version="1.0" encoding="utf-8"?>
+<file path=ppt/slides/slide3.xml><?xml version="1.0" encoding="utf-8"?>
+<p:sld xmlns:a="http://schemas.openxmlformats.org/drawingml/2006/main" xmlns:r="http://schemas.openxmlformats.org/officeDocument/2006/relationships" xmlns:p="http://schemas.openxmlformats.org/presentationml/2006/main">
+  <p:cSld>
+    <p:spTree>
+      <p:nvGrpSpPr>
+        <p:cNvPr id="1" name=""/>
+        <p:cNvGrpSpPr/>
+        <p:nvPr/>
+      </p:nvGrpSpPr>
+      <p:grpSpPr>
+        <a:xfrm>
+          <a:off x="0" y="0"/>
+          <a:ext cx="0" cy="0"/>
+          <a:chOff x="0" y="0"/>
+          <a:chExt cx="0" cy="0"/>
+        </a:xfrm>
+      </p:grpSpPr>
+      <p:pic>
+        <p:nvPicPr>
+          <p:cNvPr id="110" name="Google Shape;54;p13" descr="Google Shape;54;p13"/>
+          <p:cNvPicPr>
+            <a:picLocks noChangeAspect="1"/>
+          </p:cNvPicPr>
+          <p:nvPr/>
+        </p:nvPicPr>
+        <p:blipFill>
+          <a:blip r:embed="rId2"/>
+          <a:stretch>
+            <a:fillRect/>
+          </a:stretch>
+        </p:blipFill>
+        <p:spPr>
+          <a:xfrm>
+            <a:off x="0" y="0"/>
+            <a:ext cx="12191997" cy="6858000"/>
+          </a:xfrm>
+          <a:prstGeom prst="rect">
+            <a:avLst/>
+          </a:prstGeom>
+          <a:ln w="12700">
+            <a:miter lim="400000"/>
+          </a:ln>
+        </p:spPr>
+      </p:pic>
+      <p:sp>
+        <p:nvSpPr>
+          <p:cNvPr id="111" name="Title 1"/>
+          <p:cNvSpPr txBox="1">
+            <a:spLocks noGrp="1"/>
+          </p:cNvSpPr>
+          <p:nvPr>
+            <p:ph type="title"/>
+          </p:nvPr>
+        </p:nvSpPr>
+        <p:spPr>
+          <a:prstGeom prst="rect">
+            <a:avLst/>
+          </a:prstGeom>
+        </p:spPr>
+        <p:txBody>
+          <a:bodyPr/>
+          <a:lstStyle/>
+          <a:p>
+            <a:r>
+              <a:t>Recap</a:t>
+            </a:r>
+          </a:p>
+        </p:txBody>
+      </p:sp>
+      <p:sp>
+        <p:nvSpPr>
+          <p:cNvPr id="112" name="Content Placeholder 2"/>
+          <p:cNvSpPr txBox="1">
+            <a:spLocks noGrp="1"/>
+          </p:cNvSpPr>
+          <p:nvPr>
+            <p:ph type="body" sz="quarter" idx="1"/>
+          </p:nvPr>
+        </p:nvSpPr>
+        <p:spPr>
+          <a:xfrm>
+            <a:off x="838200" y="1825625"/>
+            <a:ext cx="2966546" cy="4351338"/>
+          </a:xfrm>
+          <a:prstGeom prst="rect">
+            <a:avLst/>
+          </a:prstGeom>
+        </p:spPr>
+        <p:txBody>
+          <a:bodyPr/>
+          <a:lstStyle/>
+          <a:p>
+            <a:pPr marL="0" indent="0">
+              <a:lnSpc>
+                <a:spcPct val="72000"/>
+              </a:lnSpc>
+              <a:buSzTx/>
+              <a:buNone/>
+              <a:defRPr sz="1700"/>
+            </a:pPr>
+            <a:r>
+              <a:t>function f()</a:t>
+            </a:r>
+          </a:p>
+          <a:p>
+            <a:pPr marL="0" indent="0">
+              <a:lnSpc>
+                <a:spcPct val="72000"/>
+              </a:lnSpc>
+              <a:buSzTx/>
+              <a:buNone/>
+              <a:defRPr sz="1700"/>
+            </a:pPr>
+            <a:r>
+              <a:t>{</a:t>
+            </a:r>
+          </a:p>
+          <a:p>
+            <a:pPr marL="0" indent="0">
+              <a:lnSpc>
+                <a:spcPct val="72000"/>
+              </a:lnSpc>
+              <a:buSzTx/>
+              <a:buNone/>
+              <a:defRPr sz="1700"/>
+            </a:pPr>
+            <a:r>
+              <a:t>var m1 = 10;</a:t>
+            </a:r>
+          </a:p>
+          <a:p>
+            <a:pPr marL="0" indent="0">
+              <a:lnSpc>
+                <a:spcPct val="72000"/>
+              </a:lnSpc>
+              <a:buSzTx/>
+              <a:buNone/>
+              <a:defRPr sz="1700"/>
+            </a:pPr>
+            <a:r>
+              <a:t>var m2 = 10;</a:t>
+            </a:r>
+          </a:p>
+          <a:p>
+            <a:pPr marL="0" indent="0">
+              <a:lnSpc>
+                <a:spcPct val="72000"/>
+              </a:lnSpc>
+              <a:buSzTx/>
+              <a:buNone/>
+              <a:defRPr sz="1700"/>
+            </a:pPr>
+            <a:r>
+              <a:t>if(m1==m1)</a:t>
+            </a:r>
+          </a:p>
+          <a:p>
+            <a:pPr marL="0" indent="0">
+              <a:lnSpc>
+                <a:spcPct val="72000"/>
+              </a:lnSpc>
+              <a:buSzTx/>
+              <a:buNone/>
+              <a:defRPr sz="1700"/>
+            </a:pPr>
+            <a:r>
+              <a:t>{</a:t>
+            </a:r>
+          </a:p>
+          <a:p>
+            <a:pPr marL="0" indent="0">
+              <a:lnSpc>
+                <a:spcPct val="72000"/>
+              </a:lnSpc>
+              <a:buSzTx/>
+              <a:buNone/>
+              <a:defRPr sz="1700"/>
+            </a:pPr>
+            <a:r>
+              <a:t>console.log("Equal");</a:t>
+            </a:r>
+          </a:p>
+          <a:p>
+            <a:pPr marL="0" indent="0">
+              <a:lnSpc>
+                <a:spcPct val="72000"/>
+              </a:lnSpc>
+              <a:buSzTx/>
+              <a:buNone/>
+              <a:defRPr sz="1700"/>
+            </a:pPr>
+            <a:r>
+              <a:t>}</a:t>
+            </a:r>
+          </a:p>
+          <a:p>
+            <a:pPr marL="0" indent="0">
+              <a:lnSpc>
+                <a:spcPct val="72000"/>
+              </a:lnSpc>
+              <a:buSzTx/>
+              <a:buNone/>
+              <a:defRPr sz="1700"/>
+            </a:pPr>
+            <a:r>
+              <a:t>else</a:t>
+            </a:r>
+          </a:p>
+          <a:p>
+            <a:pPr marL="0" indent="0">
+              <a:lnSpc>
+                <a:spcPct val="72000"/>
+              </a:lnSpc>
+              <a:buSzTx/>
+              <a:buNone/>
+              <a:defRPr sz="1700"/>
+            </a:pPr>
+            <a:r>
+              <a:t>{</a:t>
+            </a:r>
+          </a:p>
+          <a:p>
+            <a:pPr marL="0" indent="0">
+              <a:lnSpc>
+                <a:spcPct val="72000"/>
+              </a:lnSpc>
+              <a:buSzTx/>
+              <a:buNone/>
+              <a:defRPr sz="1700"/>
+            </a:pPr>
+            <a:r>
+              <a:t>console.log("Not Equal");</a:t>
+            </a:r>
+          </a:p>
+          <a:p>
+            <a:pPr marL="0" indent="0">
+              <a:lnSpc>
+                <a:spcPct val="72000"/>
+              </a:lnSpc>
+              <a:buSzTx/>
+              <a:buNone/>
+              <a:defRPr sz="1700"/>
+            </a:pPr>
+            <a:r>
+              <a:t>}</a:t>
+            </a:r>
+          </a:p>
+          <a:p>
+            <a:pPr marL="0" indent="0">
+              <a:lnSpc>
+                <a:spcPct val="72000"/>
+              </a:lnSpc>
+              <a:buSzTx/>
+              <a:buNone/>
+              <a:defRPr sz="1700"/>
+            </a:pPr>
+            <a:r>
+              <a:t>}</a:t>
+            </a:r>
+          </a:p>
+        </p:txBody>
+      </p:sp>
+      <p:sp>
+        <p:nvSpPr>
+          <p:cNvPr id="113" name="Content Placeholder 2"/>
+          <p:cNvSpPr txBox="1"/>
+          <p:nvPr/>
+        </p:nvSpPr>
+        <p:spPr>
+          <a:xfrm>
+            <a:off x="4431160" y="1578631"/>
+            <a:ext cx="2875107" cy="4351338"/>
+          </a:xfrm>
+          <a:prstGeom prst="rect">
+            <a:avLst/>
+          </a:prstGeom>
+          <a:ln w="12700">
+            <a:miter lim="400000"/>
+          </a:ln>
+          <a:extLst>
+            <a:ext uri="{C572A759-6A51-4108-AA02-DFA0A04FC94B}">
+              <ma14:wrappingTextBoxFlag xmlns="" xmlns:m="http://schemas.openxmlformats.org/officeDocument/2006/math" xmlns:a14="http://schemas.microsoft.com/office/drawing/2010/main" xmlns:ma14="http://schemas.microsoft.com/office/mac/drawingml/2011/main" val="1"/>
+            </a:ext>
+          </a:extLst>
+        </p:spPr>
+        <p:txBody>
+          <a:bodyPr lIns="45719" rIns="45719">
+            <a:normAutofit/>
+          </a:bodyPr>
+          <a:lstStyle/>
+          <a:p>
+            <a:pPr>
+              <a:lnSpc>
+                <a:spcPct val="72000"/>
+              </a:lnSpc>
+              <a:spcBef>
+                <a:spcPts val="1000"/>
+              </a:spcBef>
+              <a:defRPr sz="1700"/>
+            </a:pPr>
+            <a:r>
+              <a:t>function f()</a:t>
+            </a:r>
+          </a:p>
+          <a:p>
+            <a:pPr>
+              <a:lnSpc>
+                <a:spcPct val="72000"/>
+              </a:lnSpc>
+              <a:spcBef>
+                <a:spcPts val="1000"/>
+              </a:spcBef>
+              <a:defRPr sz="1700"/>
+            </a:pPr>
+            <a:r>
+              <a:t>{</a:t>
+            </a:r>
+          </a:p>
+          <a:p>
+            <a:pPr>
+              <a:lnSpc>
+                <a:spcPct val="72000"/>
+              </a:lnSpc>
+              <a:spcBef>
+                <a:spcPts val="1000"/>
+              </a:spcBef>
+              <a:defRPr sz="1700"/>
+            </a:pPr>
+            <a:r>
+              <a:t>var m1 = 10;</a:t>
+            </a:r>
+          </a:p>
+          <a:p>
+            <a:pPr>
+              <a:lnSpc>
+                <a:spcPct val="72000"/>
+              </a:lnSpc>
+              <a:spcBef>
+                <a:spcPts val="1000"/>
+              </a:spcBef>
+              <a:defRPr sz="1700"/>
+            </a:pPr>
+            <a:r>
+              <a:t>var m2 = "10";</a:t>
+            </a:r>
+          </a:p>
+          <a:p>
+            <a:pPr>
+              <a:lnSpc>
+                <a:spcPct val="72000"/>
+              </a:lnSpc>
+              <a:spcBef>
+                <a:spcPts val="1000"/>
+              </a:spcBef>
+              <a:defRPr sz="1700"/>
+            </a:pPr>
+            <a:r>
+              <a:t>if(m1==m2)</a:t>
+            </a:r>
+          </a:p>
+          <a:p>
+            <a:pPr>
+              <a:lnSpc>
+                <a:spcPct val="72000"/>
+              </a:lnSpc>
+              <a:spcBef>
+                <a:spcPts val="1000"/>
+              </a:spcBef>
+              <a:defRPr sz="1700"/>
+            </a:pPr>
+            <a:r>
+              <a:t>{</a:t>
+            </a:r>
+          </a:p>
+          <a:p>
+            <a:pPr>
+              <a:lnSpc>
+                <a:spcPct val="72000"/>
+              </a:lnSpc>
+              <a:spcBef>
+                <a:spcPts val="1000"/>
+              </a:spcBef>
+              <a:defRPr sz="1700"/>
+            </a:pPr>
+            <a:r>
+              <a:t>console.log("Equal");</a:t>
+            </a:r>
+          </a:p>
+          <a:p>
+            <a:pPr>
+              <a:lnSpc>
+                <a:spcPct val="72000"/>
+              </a:lnSpc>
+              <a:spcBef>
+                <a:spcPts val="1000"/>
+              </a:spcBef>
+              <a:defRPr sz="1700"/>
+            </a:pPr>
+            <a:r>
+              <a:t>}</a:t>
+            </a:r>
+          </a:p>
+          <a:p>
+            <a:pPr>
+              <a:lnSpc>
+                <a:spcPct val="72000"/>
+              </a:lnSpc>
+              <a:spcBef>
+                <a:spcPts val="1000"/>
+              </a:spcBef>
+              <a:defRPr sz="1700"/>
+            </a:pPr>
+            <a:r>
+              <a:t>else</a:t>
+            </a:r>
+          </a:p>
+          <a:p>
+            <a:pPr>
+              <a:lnSpc>
+                <a:spcPct val="72000"/>
+              </a:lnSpc>
+              <a:spcBef>
+                <a:spcPts val="1000"/>
+              </a:spcBef>
+              <a:defRPr sz="1700"/>
+            </a:pPr>
+            <a:r>
+              <a:t>{</a:t>
+            </a:r>
+          </a:p>
+          <a:p>
+            <a:pPr>
+              <a:lnSpc>
+                <a:spcPct val="72000"/>
+              </a:lnSpc>
+              <a:spcBef>
+                <a:spcPts val="1000"/>
+              </a:spcBef>
+              <a:defRPr sz="1700"/>
+            </a:pPr>
+            <a:r>
+              <a:t>console.log("Not Equal");</a:t>
+            </a:r>
+          </a:p>
+          <a:p>
+            <a:pPr>
+              <a:lnSpc>
+                <a:spcPct val="72000"/>
+              </a:lnSpc>
+              <a:spcBef>
+                <a:spcPts val="1000"/>
+              </a:spcBef>
+              <a:defRPr sz="1700"/>
+            </a:pPr>
+            <a:r>
+              <a:t>}</a:t>
+            </a:r>
+          </a:p>
+          <a:p>
+            <a:pPr>
+              <a:lnSpc>
+                <a:spcPct val="72000"/>
+              </a:lnSpc>
+              <a:spcBef>
+                <a:spcPts val="1000"/>
+              </a:spcBef>
+              <a:defRPr sz="1700"/>
+            </a:pPr>
+            <a:r>
+              <a:t>}</a:t>
+            </a:r>
+          </a:p>
+        </p:txBody>
+      </p:sp>
+      <p:sp>
+        <p:nvSpPr>
+          <p:cNvPr id="114" name="Content Placeholder 2"/>
+          <p:cNvSpPr txBox="1"/>
+          <p:nvPr/>
+        </p:nvSpPr>
+        <p:spPr>
+          <a:xfrm>
+            <a:off x="7915339" y="1394700"/>
+            <a:ext cx="2875106" cy="4351339"/>
+          </a:xfrm>
+          <a:prstGeom prst="rect">
+            <a:avLst/>
+          </a:prstGeom>
+          <a:ln w="12700">
+            <a:miter lim="400000"/>
+          </a:ln>
+          <a:extLst>
+            <a:ext uri="{C572A759-6A51-4108-AA02-DFA0A04FC94B}">
+              <ma14:wrappingTextBoxFlag xmlns="" xmlns:m="http://schemas.openxmlformats.org/officeDocument/2006/math" xmlns:a14="http://schemas.microsoft.com/office/drawing/2010/main" xmlns:ma14="http://schemas.microsoft.com/office/mac/drawingml/2011/main" val="1"/>
+            </a:ext>
+          </a:extLst>
+        </p:spPr>
+        <p:txBody>
+          <a:bodyPr lIns="45719" rIns="45719">
+            <a:normAutofit/>
+          </a:bodyPr>
+          <a:lstStyle/>
+          <a:p>
+            <a:pPr>
+              <a:lnSpc>
+                <a:spcPct val="72000"/>
+              </a:lnSpc>
+              <a:spcBef>
+                <a:spcPts val="1000"/>
+              </a:spcBef>
+              <a:defRPr sz="1700"/>
+            </a:pPr>
+            <a:r>
+              <a:t>function f()</a:t>
+            </a:r>
+          </a:p>
+          <a:p>
+            <a:pPr>
+              <a:lnSpc>
+                <a:spcPct val="72000"/>
+              </a:lnSpc>
+              <a:spcBef>
+                <a:spcPts val="1000"/>
+              </a:spcBef>
+              <a:defRPr sz="1700"/>
+            </a:pPr>
+            <a:r>
+              <a:t>{</a:t>
+            </a:r>
+          </a:p>
+          <a:p>
+            <a:pPr>
+              <a:lnSpc>
+                <a:spcPct val="72000"/>
+              </a:lnSpc>
+              <a:spcBef>
+                <a:spcPts val="1000"/>
+              </a:spcBef>
+              <a:defRPr sz="1700"/>
+            </a:pPr>
+            <a:r>
+              <a:t>var m1 = 10;</a:t>
+            </a:r>
+          </a:p>
+          <a:p>
+            <a:pPr>
+              <a:lnSpc>
+                <a:spcPct val="72000"/>
+              </a:lnSpc>
+              <a:spcBef>
+                <a:spcPts val="1000"/>
+              </a:spcBef>
+              <a:defRPr sz="1700"/>
+            </a:pPr>
+            <a:r>
+              <a:t>var m2 = "10";</a:t>
+            </a:r>
+          </a:p>
+          <a:p>
+            <a:pPr>
+              <a:lnSpc>
+                <a:spcPct val="72000"/>
+              </a:lnSpc>
+              <a:spcBef>
+                <a:spcPts val="1000"/>
+              </a:spcBef>
+              <a:defRPr sz="1700"/>
+            </a:pPr>
+            <a:r>
+              <a:t>if(m1===m2)</a:t>
+            </a:r>
+          </a:p>
+          <a:p>
+            <a:pPr>
+              <a:lnSpc>
+                <a:spcPct val="72000"/>
+              </a:lnSpc>
+              <a:spcBef>
+                <a:spcPts val="1000"/>
+              </a:spcBef>
+              <a:defRPr sz="1700"/>
+            </a:pPr>
+            <a:r>
+              <a:t>{</a:t>
+            </a:r>
+          </a:p>
+          <a:p>
+            <a:pPr>
+              <a:lnSpc>
+                <a:spcPct val="72000"/>
+              </a:lnSpc>
+              <a:spcBef>
+                <a:spcPts val="1000"/>
+              </a:spcBef>
+              <a:defRPr sz="1700"/>
+            </a:pPr>
+            <a:r>
+              <a:t>console.log("Equal");</a:t>
+            </a:r>
+          </a:p>
+          <a:p>
+            <a:pPr>
+              <a:lnSpc>
+                <a:spcPct val="72000"/>
+              </a:lnSpc>
+              <a:spcBef>
+                <a:spcPts val="1000"/>
+              </a:spcBef>
+              <a:defRPr sz="1700"/>
+            </a:pPr>
+            <a:r>
+              <a:t>}</a:t>
+            </a:r>
+          </a:p>
+          <a:p>
+            <a:pPr>
+              <a:lnSpc>
+                <a:spcPct val="72000"/>
+              </a:lnSpc>
+              <a:spcBef>
+                <a:spcPts val="1000"/>
+              </a:spcBef>
+              <a:defRPr sz="1700"/>
+            </a:pPr>
+            <a:r>
+              <a:t>else</a:t>
+            </a:r>
+          </a:p>
+          <a:p>
+            <a:pPr>
+              <a:lnSpc>
+                <a:spcPct val="72000"/>
+              </a:lnSpc>
+              <a:spcBef>
+                <a:spcPts val="1000"/>
+              </a:spcBef>
+              <a:defRPr sz="1700"/>
+            </a:pPr>
+            <a:r>
+              <a:t>{</a:t>
+            </a:r>
+          </a:p>
+          <a:p>
+            <a:pPr>
+              <a:lnSpc>
+                <a:spcPct val="72000"/>
+              </a:lnSpc>
+              <a:spcBef>
+                <a:spcPts val="1000"/>
+              </a:spcBef>
+              <a:defRPr sz="1700"/>
+            </a:pPr>
+            <a:r>
+              <a:t>console.log("Not Equal");</a:t>
+            </a:r>
+          </a:p>
+          <a:p>
+            <a:pPr>
+              <a:lnSpc>
+                <a:spcPct val="72000"/>
+              </a:lnSpc>
+              <a:spcBef>
+                <a:spcPts val="1000"/>
+              </a:spcBef>
+              <a:defRPr sz="1700"/>
+            </a:pPr>
+            <a:r>
+              <a:t>}</a:t>
+            </a:r>
+          </a:p>
+          <a:p>
+            <a:pPr>
+              <a:lnSpc>
+                <a:spcPct val="72000"/>
+              </a:lnSpc>
+              <a:spcBef>
+                <a:spcPts val="1000"/>
+              </a:spcBef>
+              <a:defRPr sz="1700"/>
+            </a:pPr>
+            <a:r>
+              <a:t>}</a:t>
+            </a:r>
+          </a:p>
+        </p:txBody>
+      </p:sp>
+    </p:spTree>
+  </p:cSld>
+  <p:clrMapOvr>
+    <a:masterClrMapping/>
+  </p:clrMapOvr>
+  <p:transition spd="med"/>
+</p:sld>
+</file>
+
+<file path=ppt/slides/slide30.xml><?xml version="1.0" encoding="utf-8"?>
 <p:sld xmlns:a="http://schemas.openxmlformats.org/drawingml/2006/main" xmlns:r="http://schemas.openxmlformats.org/officeDocument/2006/relationships" xmlns:p="http://schemas.openxmlformats.org/presentationml/2006/main">
   <p:cSld>
     <p:spTree>
@@ -9497,7 +14713,7 @@
 </p:sld>
 </file>
 
-<file path=ppt/slides/slide29.xml><?xml version="1.0" encoding="utf-8"?>
+<file path=ppt/slides/slide31.xml><?xml version="1.0" encoding="utf-8"?>
 <p:sld xmlns:a="http://schemas.openxmlformats.org/drawingml/2006/main" xmlns:r="http://schemas.openxmlformats.org/officeDocument/2006/relationships" xmlns:p="http://schemas.openxmlformats.org/presentationml/2006/main">
   <p:cSld>
     <p:spTree>
@@ -9875,702 +15091,7 @@
 </p:sld>
 </file>
 
-<file path=ppt/slides/slide3.xml><?xml version="1.0" encoding="utf-8"?>
-<p:sld xmlns:a="http://schemas.openxmlformats.org/drawingml/2006/main" xmlns:r="http://schemas.openxmlformats.org/officeDocument/2006/relationships" xmlns:p="http://schemas.openxmlformats.org/presentationml/2006/main">
-  <p:cSld>
-    <p:spTree>
-      <p:nvGrpSpPr>
-        <p:cNvPr id="1" name=""/>
-        <p:cNvGrpSpPr/>
-        <p:nvPr/>
-      </p:nvGrpSpPr>
-      <p:grpSpPr>
-        <a:xfrm>
-          <a:off x="0" y="0"/>
-          <a:ext cx="0" cy="0"/>
-          <a:chOff x="0" y="0"/>
-          <a:chExt cx="0" cy="0"/>
-        </a:xfrm>
-      </p:grpSpPr>
-      <p:pic>
-        <p:nvPicPr>
-          <p:cNvPr id="110" name="Google Shape;54;p13" descr="Google Shape;54;p13"/>
-          <p:cNvPicPr>
-            <a:picLocks noChangeAspect="1"/>
-          </p:cNvPicPr>
-          <p:nvPr/>
-        </p:nvPicPr>
-        <p:blipFill>
-          <a:blip r:embed="rId2"/>
-          <a:stretch>
-            <a:fillRect/>
-          </a:stretch>
-        </p:blipFill>
-        <p:spPr>
-          <a:xfrm>
-            <a:off x="0" y="0"/>
-            <a:ext cx="12191997" cy="6858000"/>
-          </a:xfrm>
-          <a:prstGeom prst="rect">
-            <a:avLst/>
-          </a:prstGeom>
-          <a:ln w="12700">
-            <a:miter lim="400000"/>
-          </a:ln>
-        </p:spPr>
-      </p:pic>
-      <p:sp>
-        <p:nvSpPr>
-          <p:cNvPr id="111" name="Title 1"/>
-          <p:cNvSpPr txBox="1">
-            <a:spLocks noGrp="1"/>
-          </p:cNvSpPr>
-          <p:nvPr>
-            <p:ph type="title"/>
-          </p:nvPr>
-        </p:nvSpPr>
-        <p:spPr>
-          <a:prstGeom prst="rect">
-            <a:avLst/>
-          </a:prstGeom>
-        </p:spPr>
-        <p:txBody>
-          <a:bodyPr/>
-          <a:lstStyle/>
-          <a:p>
-            <a:r>
-              <a:t>Recap</a:t>
-            </a:r>
-          </a:p>
-        </p:txBody>
-      </p:sp>
-      <p:sp>
-        <p:nvSpPr>
-          <p:cNvPr id="112" name="Content Placeholder 2"/>
-          <p:cNvSpPr txBox="1">
-            <a:spLocks noGrp="1"/>
-          </p:cNvSpPr>
-          <p:nvPr>
-            <p:ph type="body" sz="quarter" idx="1"/>
-          </p:nvPr>
-        </p:nvSpPr>
-        <p:spPr>
-          <a:xfrm>
-            <a:off x="838200" y="1825625"/>
-            <a:ext cx="2966546" cy="4351338"/>
-          </a:xfrm>
-          <a:prstGeom prst="rect">
-            <a:avLst/>
-          </a:prstGeom>
-        </p:spPr>
-        <p:txBody>
-          <a:bodyPr/>
-          <a:lstStyle/>
-          <a:p>
-            <a:pPr marL="0" indent="0">
-              <a:lnSpc>
-                <a:spcPct val="72000"/>
-              </a:lnSpc>
-              <a:buSzTx/>
-              <a:buNone/>
-              <a:defRPr sz="1700"/>
-            </a:pPr>
-            <a:r>
-              <a:t>function f()</a:t>
-            </a:r>
-          </a:p>
-          <a:p>
-            <a:pPr marL="0" indent="0">
-              <a:lnSpc>
-                <a:spcPct val="72000"/>
-              </a:lnSpc>
-              <a:buSzTx/>
-              <a:buNone/>
-              <a:defRPr sz="1700"/>
-            </a:pPr>
-            <a:r>
-              <a:t>{</a:t>
-            </a:r>
-          </a:p>
-          <a:p>
-            <a:pPr marL="0" indent="0">
-              <a:lnSpc>
-                <a:spcPct val="72000"/>
-              </a:lnSpc>
-              <a:buSzTx/>
-              <a:buNone/>
-              <a:defRPr sz="1700"/>
-            </a:pPr>
-            <a:r>
-              <a:t>var m1 = 10;</a:t>
-            </a:r>
-          </a:p>
-          <a:p>
-            <a:pPr marL="0" indent="0">
-              <a:lnSpc>
-                <a:spcPct val="72000"/>
-              </a:lnSpc>
-              <a:buSzTx/>
-              <a:buNone/>
-              <a:defRPr sz="1700"/>
-            </a:pPr>
-            <a:r>
-              <a:t>var m2 = 10;</a:t>
-            </a:r>
-          </a:p>
-          <a:p>
-            <a:pPr marL="0" indent="0">
-              <a:lnSpc>
-                <a:spcPct val="72000"/>
-              </a:lnSpc>
-              <a:buSzTx/>
-              <a:buNone/>
-              <a:defRPr sz="1700"/>
-            </a:pPr>
-            <a:r>
-              <a:t>if(m1==m1)</a:t>
-            </a:r>
-          </a:p>
-          <a:p>
-            <a:pPr marL="0" indent="0">
-              <a:lnSpc>
-                <a:spcPct val="72000"/>
-              </a:lnSpc>
-              <a:buSzTx/>
-              <a:buNone/>
-              <a:defRPr sz="1700"/>
-            </a:pPr>
-            <a:r>
-              <a:t>{</a:t>
-            </a:r>
-          </a:p>
-          <a:p>
-            <a:pPr marL="0" indent="0">
-              <a:lnSpc>
-                <a:spcPct val="72000"/>
-              </a:lnSpc>
-              <a:buSzTx/>
-              <a:buNone/>
-              <a:defRPr sz="1700"/>
-            </a:pPr>
-            <a:r>
-              <a:t>console.log("Equal");</a:t>
-            </a:r>
-          </a:p>
-          <a:p>
-            <a:pPr marL="0" indent="0">
-              <a:lnSpc>
-                <a:spcPct val="72000"/>
-              </a:lnSpc>
-              <a:buSzTx/>
-              <a:buNone/>
-              <a:defRPr sz="1700"/>
-            </a:pPr>
-            <a:r>
-              <a:t>}</a:t>
-            </a:r>
-          </a:p>
-          <a:p>
-            <a:pPr marL="0" indent="0">
-              <a:lnSpc>
-                <a:spcPct val="72000"/>
-              </a:lnSpc>
-              <a:buSzTx/>
-              <a:buNone/>
-              <a:defRPr sz="1700"/>
-            </a:pPr>
-            <a:r>
-              <a:t>else</a:t>
-            </a:r>
-          </a:p>
-          <a:p>
-            <a:pPr marL="0" indent="0">
-              <a:lnSpc>
-                <a:spcPct val="72000"/>
-              </a:lnSpc>
-              <a:buSzTx/>
-              <a:buNone/>
-              <a:defRPr sz="1700"/>
-            </a:pPr>
-            <a:r>
-              <a:t>{</a:t>
-            </a:r>
-          </a:p>
-          <a:p>
-            <a:pPr marL="0" indent="0">
-              <a:lnSpc>
-                <a:spcPct val="72000"/>
-              </a:lnSpc>
-              <a:buSzTx/>
-              <a:buNone/>
-              <a:defRPr sz="1700"/>
-            </a:pPr>
-            <a:r>
-              <a:t>console.log("Not Equal");</a:t>
-            </a:r>
-          </a:p>
-          <a:p>
-            <a:pPr marL="0" indent="0">
-              <a:lnSpc>
-                <a:spcPct val="72000"/>
-              </a:lnSpc>
-              <a:buSzTx/>
-              <a:buNone/>
-              <a:defRPr sz="1700"/>
-            </a:pPr>
-            <a:r>
-              <a:t>}</a:t>
-            </a:r>
-          </a:p>
-          <a:p>
-            <a:pPr marL="0" indent="0">
-              <a:lnSpc>
-                <a:spcPct val="72000"/>
-              </a:lnSpc>
-              <a:buSzTx/>
-              <a:buNone/>
-              <a:defRPr sz="1700"/>
-            </a:pPr>
-            <a:r>
-              <a:t>}</a:t>
-            </a:r>
-          </a:p>
-        </p:txBody>
-      </p:sp>
-      <p:sp>
-        <p:nvSpPr>
-          <p:cNvPr id="113" name="Content Placeholder 2"/>
-          <p:cNvSpPr txBox="1"/>
-          <p:nvPr/>
-        </p:nvSpPr>
-        <p:spPr>
-          <a:xfrm>
-            <a:off x="4431160" y="1578631"/>
-            <a:ext cx="2875107" cy="4351338"/>
-          </a:xfrm>
-          <a:prstGeom prst="rect">
-            <a:avLst/>
-          </a:prstGeom>
-          <a:ln w="12700">
-            <a:miter lim="400000"/>
-          </a:ln>
-          <a:extLst>
-            <a:ext uri="{C572A759-6A51-4108-AA02-DFA0A04FC94B}">
-              <ma14:wrappingTextBoxFlag xmlns="" xmlns:m="http://schemas.openxmlformats.org/officeDocument/2006/math" xmlns:a14="http://schemas.microsoft.com/office/drawing/2010/main" xmlns:ma14="http://schemas.microsoft.com/office/mac/drawingml/2011/main" val="1"/>
-            </a:ext>
-          </a:extLst>
-        </p:spPr>
-        <p:txBody>
-          <a:bodyPr lIns="45719" rIns="45719">
-            <a:normAutofit/>
-          </a:bodyPr>
-          <a:lstStyle/>
-          <a:p>
-            <a:pPr>
-              <a:lnSpc>
-                <a:spcPct val="72000"/>
-              </a:lnSpc>
-              <a:spcBef>
-                <a:spcPts val="1000"/>
-              </a:spcBef>
-              <a:defRPr sz="1700"/>
-            </a:pPr>
-            <a:r>
-              <a:t>function f()</a:t>
-            </a:r>
-          </a:p>
-          <a:p>
-            <a:pPr>
-              <a:lnSpc>
-                <a:spcPct val="72000"/>
-              </a:lnSpc>
-              <a:spcBef>
-                <a:spcPts val="1000"/>
-              </a:spcBef>
-              <a:defRPr sz="1700"/>
-            </a:pPr>
-            <a:r>
-              <a:t>{</a:t>
-            </a:r>
-          </a:p>
-          <a:p>
-            <a:pPr>
-              <a:lnSpc>
-                <a:spcPct val="72000"/>
-              </a:lnSpc>
-              <a:spcBef>
-                <a:spcPts val="1000"/>
-              </a:spcBef>
-              <a:defRPr sz="1700"/>
-            </a:pPr>
-            <a:r>
-              <a:t>var m1 = 10;</a:t>
-            </a:r>
-          </a:p>
-          <a:p>
-            <a:pPr>
-              <a:lnSpc>
-                <a:spcPct val="72000"/>
-              </a:lnSpc>
-              <a:spcBef>
-                <a:spcPts val="1000"/>
-              </a:spcBef>
-              <a:defRPr sz="1700"/>
-            </a:pPr>
-            <a:r>
-              <a:t>var m2 = "10";</a:t>
-            </a:r>
-          </a:p>
-          <a:p>
-            <a:pPr>
-              <a:lnSpc>
-                <a:spcPct val="72000"/>
-              </a:lnSpc>
-              <a:spcBef>
-                <a:spcPts val="1000"/>
-              </a:spcBef>
-              <a:defRPr sz="1700"/>
-            </a:pPr>
-            <a:r>
-              <a:t>if(m1==m2)</a:t>
-            </a:r>
-          </a:p>
-          <a:p>
-            <a:pPr>
-              <a:lnSpc>
-                <a:spcPct val="72000"/>
-              </a:lnSpc>
-              <a:spcBef>
-                <a:spcPts val="1000"/>
-              </a:spcBef>
-              <a:defRPr sz="1700"/>
-            </a:pPr>
-            <a:r>
-              <a:t>{</a:t>
-            </a:r>
-          </a:p>
-          <a:p>
-            <a:pPr>
-              <a:lnSpc>
-                <a:spcPct val="72000"/>
-              </a:lnSpc>
-              <a:spcBef>
-                <a:spcPts val="1000"/>
-              </a:spcBef>
-              <a:defRPr sz="1700"/>
-            </a:pPr>
-            <a:r>
-              <a:t>console.log("Equal");</a:t>
-            </a:r>
-          </a:p>
-          <a:p>
-            <a:pPr>
-              <a:lnSpc>
-                <a:spcPct val="72000"/>
-              </a:lnSpc>
-              <a:spcBef>
-                <a:spcPts val="1000"/>
-              </a:spcBef>
-              <a:defRPr sz="1700"/>
-            </a:pPr>
-            <a:r>
-              <a:t>}</a:t>
-            </a:r>
-          </a:p>
-          <a:p>
-            <a:pPr>
-              <a:lnSpc>
-                <a:spcPct val="72000"/>
-              </a:lnSpc>
-              <a:spcBef>
-                <a:spcPts val="1000"/>
-              </a:spcBef>
-              <a:defRPr sz="1700"/>
-            </a:pPr>
-            <a:r>
-              <a:t>else</a:t>
-            </a:r>
-          </a:p>
-          <a:p>
-            <a:pPr>
-              <a:lnSpc>
-                <a:spcPct val="72000"/>
-              </a:lnSpc>
-              <a:spcBef>
-                <a:spcPts val="1000"/>
-              </a:spcBef>
-              <a:defRPr sz="1700"/>
-            </a:pPr>
-            <a:r>
-              <a:t>{</a:t>
-            </a:r>
-          </a:p>
-          <a:p>
-            <a:pPr>
-              <a:lnSpc>
-                <a:spcPct val="72000"/>
-              </a:lnSpc>
-              <a:spcBef>
-                <a:spcPts val="1000"/>
-              </a:spcBef>
-              <a:defRPr sz="1700"/>
-            </a:pPr>
-            <a:r>
-              <a:t>console.log("Not Equal");</a:t>
-            </a:r>
-          </a:p>
-          <a:p>
-            <a:pPr>
-              <a:lnSpc>
-                <a:spcPct val="72000"/>
-              </a:lnSpc>
-              <a:spcBef>
-                <a:spcPts val="1000"/>
-              </a:spcBef>
-              <a:defRPr sz="1700"/>
-            </a:pPr>
-            <a:r>
-              <a:t>}</a:t>
-            </a:r>
-          </a:p>
-          <a:p>
-            <a:pPr>
-              <a:lnSpc>
-                <a:spcPct val="72000"/>
-              </a:lnSpc>
-              <a:spcBef>
-                <a:spcPts val="1000"/>
-              </a:spcBef>
-              <a:defRPr sz="1700"/>
-            </a:pPr>
-            <a:r>
-              <a:t>}</a:t>
-            </a:r>
-          </a:p>
-        </p:txBody>
-      </p:sp>
-      <p:sp>
-        <p:nvSpPr>
-          <p:cNvPr id="114" name="Content Placeholder 2"/>
-          <p:cNvSpPr txBox="1"/>
-          <p:nvPr/>
-        </p:nvSpPr>
-        <p:spPr>
-          <a:xfrm>
-            <a:off x="7915339" y="1394700"/>
-            <a:ext cx="2875106" cy="4351339"/>
-          </a:xfrm>
-          <a:prstGeom prst="rect">
-            <a:avLst/>
-          </a:prstGeom>
-          <a:ln w="12700">
-            <a:miter lim="400000"/>
-          </a:ln>
-          <a:extLst>
-            <a:ext uri="{C572A759-6A51-4108-AA02-DFA0A04FC94B}">
-              <ma14:wrappingTextBoxFlag xmlns="" xmlns:m="http://schemas.openxmlformats.org/officeDocument/2006/math" xmlns:a14="http://schemas.microsoft.com/office/drawing/2010/main" xmlns:ma14="http://schemas.microsoft.com/office/mac/drawingml/2011/main" val="1"/>
-            </a:ext>
-          </a:extLst>
-        </p:spPr>
-        <p:txBody>
-          <a:bodyPr lIns="45719" rIns="45719">
-            <a:normAutofit/>
-          </a:bodyPr>
-          <a:lstStyle/>
-          <a:p>
-            <a:pPr>
-              <a:lnSpc>
-                <a:spcPct val="72000"/>
-              </a:lnSpc>
-              <a:spcBef>
-                <a:spcPts val="1000"/>
-              </a:spcBef>
-              <a:defRPr sz="1700"/>
-            </a:pPr>
-            <a:r>
-              <a:t>function f()</a:t>
-            </a:r>
-          </a:p>
-          <a:p>
-            <a:pPr>
-              <a:lnSpc>
-                <a:spcPct val="72000"/>
-              </a:lnSpc>
-              <a:spcBef>
-                <a:spcPts val="1000"/>
-              </a:spcBef>
-              <a:defRPr sz="1700"/>
-            </a:pPr>
-            <a:r>
-              <a:t>{</a:t>
-            </a:r>
-          </a:p>
-          <a:p>
-            <a:pPr>
-              <a:lnSpc>
-                <a:spcPct val="72000"/>
-              </a:lnSpc>
-              <a:spcBef>
-                <a:spcPts val="1000"/>
-              </a:spcBef>
-              <a:defRPr sz="1700"/>
-            </a:pPr>
-            <a:r>
-              <a:t>var m1 = 10;</a:t>
-            </a:r>
-          </a:p>
-          <a:p>
-            <a:pPr>
-              <a:lnSpc>
-                <a:spcPct val="72000"/>
-              </a:lnSpc>
-              <a:spcBef>
-                <a:spcPts val="1000"/>
-              </a:spcBef>
-              <a:defRPr sz="1700"/>
-            </a:pPr>
-            <a:r>
-              <a:t>var m2 = "10";</a:t>
-            </a:r>
-          </a:p>
-          <a:p>
-            <a:pPr>
-              <a:lnSpc>
-                <a:spcPct val="72000"/>
-              </a:lnSpc>
-              <a:spcBef>
-                <a:spcPts val="1000"/>
-              </a:spcBef>
-              <a:defRPr sz="1700"/>
-            </a:pPr>
-            <a:r>
-              <a:t>if(m1===m2)</a:t>
-            </a:r>
-          </a:p>
-          <a:p>
-            <a:pPr>
-              <a:lnSpc>
-                <a:spcPct val="72000"/>
-              </a:lnSpc>
-              <a:spcBef>
-                <a:spcPts val="1000"/>
-              </a:spcBef>
-              <a:defRPr sz="1700"/>
-            </a:pPr>
-            <a:r>
-              <a:t>{</a:t>
-            </a:r>
-          </a:p>
-          <a:p>
-            <a:pPr>
-              <a:lnSpc>
-                <a:spcPct val="72000"/>
-              </a:lnSpc>
-              <a:spcBef>
-                <a:spcPts val="1000"/>
-              </a:spcBef>
-              <a:defRPr sz="1700"/>
-            </a:pPr>
-            <a:r>
-              <a:t>console.log("Equal");</a:t>
-            </a:r>
-          </a:p>
-          <a:p>
-            <a:pPr>
-              <a:lnSpc>
-                <a:spcPct val="72000"/>
-              </a:lnSpc>
-              <a:spcBef>
-                <a:spcPts val="1000"/>
-              </a:spcBef>
-              <a:defRPr sz="1700"/>
-            </a:pPr>
-            <a:r>
-              <a:t>}</a:t>
-            </a:r>
-          </a:p>
-          <a:p>
-            <a:pPr>
-              <a:lnSpc>
-                <a:spcPct val="72000"/>
-              </a:lnSpc>
-              <a:spcBef>
-                <a:spcPts val="1000"/>
-              </a:spcBef>
-              <a:defRPr sz="1700"/>
-            </a:pPr>
-            <a:r>
-              <a:t>else</a:t>
-            </a:r>
-          </a:p>
-          <a:p>
-            <a:pPr>
-              <a:lnSpc>
-                <a:spcPct val="72000"/>
-              </a:lnSpc>
-              <a:spcBef>
-                <a:spcPts val="1000"/>
-              </a:spcBef>
-              <a:defRPr sz="1700"/>
-            </a:pPr>
-            <a:r>
-              <a:t>{</a:t>
-            </a:r>
-          </a:p>
-          <a:p>
-            <a:pPr>
-              <a:lnSpc>
-                <a:spcPct val="72000"/>
-              </a:lnSpc>
-              <a:spcBef>
-                <a:spcPts val="1000"/>
-              </a:spcBef>
-              <a:defRPr sz="1700"/>
-            </a:pPr>
-            <a:r>
-              <a:t>console.log("Not Equal");</a:t>
-            </a:r>
-          </a:p>
-          <a:p>
-            <a:pPr>
-              <a:lnSpc>
-                <a:spcPct val="72000"/>
-              </a:lnSpc>
-              <a:spcBef>
-                <a:spcPts val="1000"/>
-              </a:spcBef>
-              <a:defRPr sz="1700"/>
-            </a:pPr>
-            <a:r>
-              <a:t>}</a:t>
-            </a:r>
-          </a:p>
-          <a:p>
-            <a:pPr>
-              <a:lnSpc>
-                <a:spcPct val="72000"/>
-              </a:lnSpc>
-              <a:spcBef>
-                <a:spcPts val="1000"/>
-              </a:spcBef>
-              <a:defRPr sz="1700"/>
-            </a:pPr>
-            <a:r>
-              <a:t>}</a:t>
-            </a:r>
-          </a:p>
-        </p:txBody>
-      </p:sp>
-    </p:spTree>
-  </p:cSld>
-  <p:clrMapOvr>
-    <a:masterClrMapping/>
-  </p:clrMapOvr>
-  <p:transition spd="med"/>
-</p:sld>
-</file>
-
-<file path=ppt/slides/slide30.xml><?xml version="1.0" encoding="utf-8"?>
+<file path=ppt/slides/slide32.xml><?xml version="1.0" encoding="utf-8"?>
 <p:sld xmlns:a="http://schemas.openxmlformats.org/drawingml/2006/main" xmlns:r="http://schemas.openxmlformats.org/officeDocument/2006/relationships" xmlns:p="http://schemas.openxmlformats.org/presentationml/2006/main">
   <p:cSld>
     <p:spTree>
@@ -11018,7 +15539,7 @@
 </p:sld>
 </file>
 
-<file path=ppt/slides/slide31.xml><?xml version="1.0" encoding="utf-8"?>
+<file path=ppt/slides/slide33.xml><?xml version="1.0" encoding="utf-8"?>
 <p:sld xmlns:a="http://schemas.openxmlformats.org/drawingml/2006/main" xmlns:r="http://schemas.openxmlformats.org/officeDocument/2006/relationships" xmlns:p="http://schemas.openxmlformats.org/presentationml/2006/main">
   <p:cSld>
     <p:spTree>
@@ -11801,7 +16322,7 @@
 </p:sld>
 </file>
 
-<file path=ppt/slides/slide32.xml><?xml version="1.0" encoding="utf-8"?>
+<file path=ppt/slides/slide34.xml><?xml version="1.0" encoding="utf-8"?>
 <p:sld xmlns:a="http://schemas.openxmlformats.org/drawingml/2006/main" xmlns:r="http://schemas.openxmlformats.org/officeDocument/2006/relationships" xmlns:p="http://schemas.openxmlformats.org/presentationml/2006/main">
   <p:cSld>
     <p:spTree>
@@ -12397,7 +16918,7 @@
 </p:sld>
 </file>
 
-<file path=ppt/slides/slide33.xml><?xml version="1.0" encoding="utf-8"?>
+<file path=ppt/slides/slide35.xml><?xml version="1.0" encoding="utf-8"?>
 <p:sld xmlns:a="http://schemas.openxmlformats.org/drawingml/2006/main" xmlns:r="http://schemas.openxmlformats.org/officeDocument/2006/relationships" xmlns:p="http://schemas.openxmlformats.org/presentationml/2006/main">
   <p:cSld>
     <p:spTree>
@@ -12973,7 +17494,7 @@
 </p:sld>
 </file>
 
-<file path=ppt/slides/slide34.xml><?xml version="1.0" encoding="utf-8"?>
+<file path=ppt/slides/slide36.xml><?xml version="1.0" encoding="utf-8"?>
 <p:sld xmlns:a="http://schemas.openxmlformats.org/drawingml/2006/main" xmlns:r="http://schemas.openxmlformats.org/officeDocument/2006/relationships" xmlns:p="http://schemas.openxmlformats.org/presentationml/2006/main">
   <p:cSld>
     <p:spTree>
@@ -13486,7 +18007,7 @@
 </p:sld>
 </file>
 
-<file path=ppt/slides/slide35.xml><?xml version="1.0" encoding="utf-8"?>
+<file path=ppt/slides/slide37.xml><?xml version="1.0" encoding="utf-8"?>
 <p:sld xmlns:a="http://schemas.openxmlformats.org/drawingml/2006/main" xmlns:r="http://schemas.openxmlformats.org/officeDocument/2006/relationships" xmlns:p="http://schemas.openxmlformats.org/presentationml/2006/main">
   <p:cSld>
     <p:spTree>
@@ -13979,7 +18500,7 @@
 </p:sld>
 </file>
 
-<file path=ppt/slides/slide36.xml><?xml version="1.0" encoding="utf-8"?>
+<file path=ppt/slides/slide38.xml><?xml version="1.0" encoding="utf-8"?>
 <p:sld xmlns:a="http://schemas.openxmlformats.org/drawingml/2006/main" xmlns:r="http://schemas.openxmlformats.org/officeDocument/2006/relationships" xmlns:p="http://schemas.openxmlformats.org/presentationml/2006/main">
   <p:cSld>
     <p:spTree>
@@ -14317,7 +18838,7 @@
 </p:sld>
 </file>
 
-<file path=ppt/slides/slide37.xml><?xml version="1.0" encoding="utf-8"?>
+<file path=ppt/slides/slide39.xml><?xml version="1.0" encoding="utf-8"?>
 <p:sld xmlns:a="http://schemas.openxmlformats.org/drawingml/2006/main" xmlns:r="http://schemas.openxmlformats.org/officeDocument/2006/relationships" xmlns:p="http://schemas.openxmlformats.org/presentationml/2006/main">
   <p:cSld>
     <p:spTree>
@@ -14930,7 +19451,235 @@
 </p:sld>
 </file>
 
-<file path=ppt/slides/slide38.xml><?xml version="1.0" encoding="utf-8"?>
+<file path=ppt/slides/slide4.xml><?xml version="1.0" encoding="utf-8"?>
+<p:sld xmlns:a="http://schemas.openxmlformats.org/drawingml/2006/main" xmlns:r="http://schemas.openxmlformats.org/officeDocument/2006/relationships" xmlns:p="http://schemas.openxmlformats.org/presentationml/2006/main">
+  <p:cSld>
+    <p:spTree>
+      <p:nvGrpSpPr>
+        <p:cNvPr id="1" name=""/>
+        <p:cNvGrpSpPr/>
+        <p:nvPr/>
+      </p:nvGrpSpPr>
+      <p:grpSpPr>
+        <a:xfrm>
+          <a:off x="0" y="0"/>
+          <a:ext cx="0" cy="0"/>
+          <a:chOff x="0" y="0"/>
+          <a:chExt cx="0" cy="0"/>
+        </a:xfrm>
+      </p:grpSpPr>
+      <p:pic>
+        <p:nvPicPr>
+          <p:cNvPr id="116" name="Google Shape;54;p13" descr="Google Shape;54;p13"/>
+          <p:cNvPicPr>
+            <a:picLocks noChangeAspect="1"/>
+          </p:cNvPicPr>
+          <p:nvPr/>
+        </p:nvPicPr>
+        <p:blipFill>
+          <a:blip r:embed="rId2"/>
+          <a:stretch>
+            <a:fillRect/>
+          </a:stretch>
+        </p:blipFill>
+        <p:spPr>
+          <a:xfrm>
+            <a:off x="0" y="0"/>
+            <a:ext cx="12191997" cy="6858000"/>
+          </a:xfrm>
+          <a:prstGeom prst="rect">
+            <a:avLst/>
+          </a:prstGeom>
+          <a:ln w="12700">
+            <a:miter lim="400000"/>
+          </a:ln>
+        </p:spPr>
+      </p:pic>
+      <p:sp>
+        <p:nvSpPr>
+          <p:cNvPr id="117" name="Title 1"/>
+          <p:cNvSpPr txBox="1">
+            <a:spLocks noGrp="1"/>
+          </p:cNvSpPr>
+          <p:nvPr>
+            <p:ph type="title"/>
+          </p:nvPr>
+        </p:nvSpPr>
+        <p:spPr>
+          <a:prstGeom prst="rect">
+            <a:avLst/>
+          </a:prstGeom>
+        </p:spPr>
+        <p:txBody>
+          <a:bodyPr/>
+          <a:lstStyle/>
+          <a:p>
+            <a:r>
+              <a:t>Recap</a:t>
+            </a:r>
+          </a:p>
+        </p:txBody>
+      </p:sp>
+      <p:sp>
+        <p:nvSpPr>
+          <p:cNvPr id="118" name="Content Placeholder 2"/>
+          <p:cNvSpPr txBox="1">
+            <a:spLocks noGrp="1"/>
+          </p:cNvSpPr>
+          <p:nvPr>
+            <p:ph type="body" idx="1"/>
+          </p:nvPr>
+        </p:nvSpPr>
+        <p:spPr>
+          <a:prstGeom prst="rect">
+            <a:avLst/>
+          </a:prstGeom>
+        </p:spPr>
+        <p:txBody>
+          <a:bodyPr/>
+          <a:lstStyle/>
+          <a:p>
+            <a:pPr marL="0" indent="0">
+              <a:lnSpc>
+                <a:spcPct val="72000"/>
+              </a:lnSpc>
+              <a:buSzTx/>
+              <a:buNone/>
+              <a:defRPr sz="2500"/>
+            </a:pPr>
+            <a:r>
+              <a:t>var m1 = 10;</a:t>
+            </a:r>
+          </a:p>
+          <a:p>
+            <a:pPr marL="0" indent="0">
+              <a:lnSpc>
+                <a:spcPct val="72000"/>
+              </a:lnSpc>
+              <a:buSzTx/>
+              <a:buNone/>
+              <a:defRPr sz="2500"/>
+            </a:pPr>
+            <a:r>
+              <a:t>var m2 = 10;</a:t>
+            </a:r>
+          </a:p>
+          <a:p>
+            <a:pPr marL="0" indent="0">
+              <a:lnSpc>
+                <a:spcPct val="72000"/>
+              </a:lnSpc>
+              <a:buSzTx/>
+              <a:buNone/>
+              <a:defRPr sz="2500"/>
+            </a:pPr>
+            <a:r>
+              <a:t>If(m1==m1)</a:t>
+            </a:r>
+          </a:p>
+          <a:p>
+            <a:pPr marL="0" indent="0">
+              <a:lnSpc>
+                <a:spcPct val="72000"/>
+              </a:lnSpc>
+              <a:buSzTx/>
+              <a:buNone/>
+              <a:defRPr sz="2500"/>
+            </a:pPr>
+            <a:r>
+              <a:t>{</a:t>
+            </a:r>
+          </a:p>
+          <a:p>
+            <a:pPr marL="0" indent="0">
+              <a:lnSpc>
+                <a:spcPct val="72000"/>
+              </a:lnSpc>
+              <a:buSzTx/>
+              <a:buNone/>
+              <a:defRPr sz="2500"/>
+            </a:pPr>
+            <a:r>
+              <a:t>console.log(“Equal”);</a:t>
+            </a:r>
+          </a:p>
+          <a:p>
+            <a:pPr marL="0" indent="0">
+              <a:lnSpc>
+                <a:spcPct val="72000"/>
+              </a:lnSpc>
+              <a:buSzTx/>
+              <a:buNone/>
+              <a:defRPr sz="2500"/>
+            </a:pPr>
+            <a:r>
+              <a:t>};</a:t>
+            </a:r>
+          </a:p>
+          <a:p>
+            <a:pPr marL="0" indent="0">
+              <a:lnSpc>
+                <a:spcPct val="72000"/>
+              </a:lnSpc>
+              <a:buSzTx/>
+              <a:buNone/>
+              <a:defRPr sz="2500"/>
+            </a:pPr>
+            <a:r>
+              <a:t>else</a:t>
+            </a:r>
+          </a:p>
+          <a:p>
+            <a:pPr marL="0" indent="0">
+              <a:lnSpc>
+                <a:spcPct val="72000"/>
+              </a:lnSpc>
+              <a:buSzTx/>
+              <a:buNone/>
+              <a:defRPr sz="2500"/>
+            </a:pPr>
+            <a:r>
+              <a:t>{</a:t>
+            </a:r>
+          </a:p>
+          <a:p>
+            <a:pPr marL="0" indent="0">
+              <a:lnSpc>
+                <a:spcPct val="72000"/>
+              </a:lnSpc>
+              <a:buSzTx/>
+              <a:buNone/>
+              <a:defRPr sz="2500"/>
+            </a:pPr>
+            <a:r>
+              <a:t>console.log(“Not Equal”);</a:t>
+            </a:r>
+          </a:p>
+          <a:p>
+            <a:pPr marL="0" indent="0">
+              <a:lnSpc>
+                <a:spcPct val="72000"/>
+              </a:lnSpc>
+              <a:buSzTx/>
+              <a:buNone/>
+              <a:defRPr sz="2500"/>
+            </a:pPr>
+            <a:r>
+              <a:t>};</a:t>
+            </a:r>
+          </a:p>
+        </p:txBody>
+      </p:sp>
+    </p:spTree>
+  </p:cSld>
+  <p:clrMapOvr>
+    <a:masterClrMapping/>
+  </p:clrMapOvr>
+  <p:transition spd="med"/>
+</p:sld>
+</file>
+
+<file path=ppt/slides/slide40.xml><?xml version="1.0" encoding="utf-8"?>
 <p:sld xmlns:a="http://schemas.openxmlformats.org/drawingml/2006/main" xmlns:r="http://schemas.openxmlformats.org/officeDocument/2006/relationships" xmlns:p="http://schemas.openxmlformats.org/presentationml/2006/main">
   <p:cSld>
     <p:spTree>
@@ -15060,7 +19809,7 @@
 </p:sld>
 </file>
 
-<file path=ppt/slides/slide39.xml><?xml version="1.0" encoding="utf-8"?>
+<file path=ppt/slides/slide41.xml><?xml version="1.0" encoding="utf-8"?>
 <p:sld xmlns:a="http://schemas.openxmlformats.org/drawingml/2006/main" xmlns:r="http://schemas.openxmlformats.org/officeDocument/2006/relationships" xmlns:p="http://schemas.openxmlformats.org/presentationml/2006/main">
   <p:cSld>
     <p:spTree>
@@ -15398,235 +20147,7 @@
 </p:sld>
 </file>
 
-<file path=ppt/slides/slide4.xml><?xml version="1.0" encoding="utf-8"?>
-<p:sld xmlns:a="http://schemas.openxmlformats.org/drawingml/2006/main" xmlns:r="http://schemas.openxmlformats.org/officeDocument/2006/relationships" xmlns:p="http://schemas.openxmlformats.org/presentationml/2006/main">
-  <p:cSld>
-    <p:spTree>
-      <p:nvGrpSpPr>
-        <p:cNvPr id="1" name=""/>
-        <p:cNvGrpSpPr/>
-        <p:nvPr/>
-      </p:nvGrpSpPr>
-      <p:grpSpPr>
-        <a:xfrm>
-          <a:off x="0" y="0"/>
-          <a:ext cx="0" cy="0"/>
-          <a:chOff x="0" y="0"/>
-          <a:chExt cx="0" cy="0"/>
-        </a:xfrm>
-      </p:grpSpPr>
-      <p:pic>
-        <p:nvPicPr>
-          <p:cNvPr id="116" name="Google Shape;54;p13" descr="Google Shape;54;p13"/>
-          <p:cNvPicPr>
-            <a:picLocks noChangeAspect="1"/>
-          </p:cNvPicPr>
-          <p:nvPr/>
-        </p:nvPicPr>
-        <p:blipFill>
-          <a:blip r:embed="rId2"/>
-          <a:stretch>
-            <a:fillRect/>
-          </a:stretch>
-        </p:blipFill>
-        <p:spPr>
-          <a:xfrm>
-            <a:off x="0" y="0"/>
-            <a:ext cx="12191997" cy="6858000"/>
-          </a:xfrm>
-          <a:prstGeom prst="rect">
-            <a:avLst/>
-          </a:prstGeom>
-          <a:ln w="12700">
-            <a:miter lim="400000"/>
-          </a:ln>
-        </p:spPr>
-      </p:pic>
-      <p:sp>
-        <p:nvSpPr>
-          <p:cNvPr id="117" name="Title 1"/>
-          <p:cNvSpPr txBox="1">
-            <a:spLocks noGrp="1"/>
-          </p:cNvSpPr>
-          <p:nvPr>
-            <p:ph type="title"/>
-          </p:nvPr>
-        </p:nvSpPr>
-        <p:spPr>
-          <a:prstGeom prst="rect">
-            <a:avLst/>
-          </a:prstGeom>
-        </p:spPr>
-        <p:txBody>
-          <a:bodyPr/>
-          <a:lstStyle/>
-          <a:p>
-            <a:r>
-              <a:t>Recap</a:t>
-            </a:r>
-          </a:p>
-        </p:txBody>
-      </p:sp>
-      <p:sp>
-        <p:nvSpPr>
-          <p:cNvPr id="118" name="Content Placeholder 2"/>
-          <p:cNvSpPr txBox="1">
-            <a:spLocks noGrp="1"/>
-          </p:cNvSpPr>
-          <p:nvPr>
-            <p:ph type="body" idx="1"/>
-          </p:nvPr>
-        </p:nvSpPr>
-        <p:spPr>
-          <a:prstGeom prst="rect">
-            <a:avLst/>
-          </a:prstGeom>
-        </p:spPr>
-        <p:txBody>
-          <a:bodyPr/>
-          <a:lstStyle/>
-          <a:p>
-            <a:pPr marL="0" indent="0">
-              <a:lnSpc>
-                <a:spcPct val="72000"/>
-              </a:lnSpc>
-              <a:buSzTx/>
-              <a:buNone/>
-              <a:defRPr sz="2500"/>
-            </a:pPr>
-            <a:r>
-              <a:t>var m1 = 10;</a:t>
-            </a:r>
-          </a:p>
-          <a:p>
-            <a:pPr marL="0" indent="0">
-              <a:lnSpc>
-                <a:spcPct val="72000"/>
-              </a:lnSpc>
-              <a:buSzTx/>
-              <a:buNone/>
-              <a:defRPr sz="2500"/>
-            </a:pPr>
-            <a:r>
-              <a:t>var m2 = 10;</a:t>
-            </a:r>
-          </a:p>
-          <a:p>
-            <a:pPr marL="0" indent="0">
-              <a:lnSpc>
-                <a:spcPct val="72000"/>
-              </a:lnSpc>
-              <a:buSzTx/>
-              <a:buNone/>
-              <a:defRPr sz="2500"/>
-            </a:pPr>
-            <a:r>
-              <a:t>If(m1==m1)</a:t>
-            </a:r>
-          </a:p>
-          <a:p>
-            <a:pPr marL="0" indent="0">
-              <a:lnSpc>
-                <a:spcPct val="72000"/>
-              </a:lnSpc>
-              <a:buSzTx/>
-              <a:buNone/>
-              <a:defRPr sz="2500"/>
-            </a:pPr>
-            <a:r>
-              <a:t>{</a:t>
-            </a:r>
-          </a:p>
-          <a:p>
-            <a:pPr marL="0" indent="0">
-              <a:lnSpc>
-                <a:spcPct val="72000"/>
-              </a:lnSpc>
-              <a:buSzTx/>
-              <a:buNone/>
-              <a:defRPr sz="2500"/>
-            </a:pPr>
-            <a:r>
-              <a:t>console.log(“Equal”);</a:t>
-            </a:r>
-          </a:p>
-          <a:p>
-            <a:pPr marL="0" indent="0">
-              <a:lnSpc>
-                <a:spcPct val="72000"/>
-              </a:lnSpc>
-              <a:buSzTx/>
-              <a:buNone/>
-              <a:defRPr sz="2500"/>
-            </a:pPr>
-            <a:r>
-              <a:t>};</a:t>
-            </a:r>
-          </a:p>
-          <a:p>
-            <a:pPr marL="0" indent="0">
-              <a:lnSpc>
-                <a:spcPct val="72000"/>
-              </a:lnSpc>
-              <a:buSzTx/>
-              <a:buNone/>
-              <a:defRPr sz="2500"/>
-            </a:pPr>
-            <a:r>
-              <a:t>else</a:t>
-            </a:r>
-          </a:p>
-          <a:p>
-            <a:pPr marL="0" indent="0">
-              <a:lnSpc>
-                <a:spcPct val="72000"/>
-              </a:lnSpc>
-              <a:buSzTx/>
-              <a:buNone/>
-              <a:defRPr sz="2500"/>
-            </a:pPr>
-            <a:r>
-              <a:t>{</a:t>
-            </a:r>
-          </a:p>
-          <a:p>
-            <a:pPr marL="0" indent="0">
-              <a:lnSpc>
-                <a:spcPct val="72000"/>
-              </a:lnSpc>
-              <a:buSzTx/>
-              <a:buNone/>
-              <a:defRPr sz="2500"/>
-            </a:pPr>
-            <a:r>
-              <a:t>console.log(“Not Equal”);</a:t>
-            </a:r>
-          </a:p>
-          <a:p>
-            <a:pPr marL="0" indent="0">
-              <a:lnSpc>
-                <a:spcPct val="72000"/>
-              </a:lnSpc>
-              <a:buSzTx/>
-              <a:buNone/>
-              <a:defRPr sz="2500"/>
-            </a:pPr>
-            <a:r>
-              <a:t>};</a:t>
-            </a:r>
-          </a:p>
-        </p:txBody>
-      </p:sp>
-    </p:spTree>
-  </p:cSld>
-  <p:clrMapOvr>
-    <a:masterClrMapping/>
-  </p:clrMapOvr>
-  <p:transition spd="med"/>
-</p:sld>
-</file>
-
-<file path=ppt/slides/slide40.xml><?xml version="1.0" encoding="utf-8"?>
+<file path=ppt/slides/slide42.xml><?xml version="1.0" encoding="utf-8"?>
 <p:sld xmlns:a="http://schemas.openxmlformats.org/drawingml/2006/main" xmlns:r="http://schemas.openxmlformats.org/officeDocument/2006/relationships" xmlns:p="http://schemas.openxmlformats.org/presentationml/2006/main">
   <p:cSld>
     <p:spTree>
@@ -16087,7 +20608,7 @@
 </p:sld>
 </file>
 
-<file path=ppt/slides/slide41.xml><?xml version="1.0" encoding="utf-8"?>
+<file path=ppt/slides/slide43.xml><?xml version="1.0" encoding="utf-8"?>
 <p:sld xmlns:a="http://schemas.openxmlformats.org/drawingml/2006/main" xmlns:r="http://schemas.openxmlformats.org/officeDocument/2006/relationships" xmlns:p="http://schemas.openxmlformats.org/presentationml/2006/main">
   <p:cSld>
     <p:spTree>
@@ -16482,7 +21003,7 @@
 </p:sld>
 </file>
 
-<file path=ppt/slides/slide42.xml><?xml version="1.0" encoding="utf-8"?>
+<file path=ppt/slides/slide44.xml><?xml version="1.0" encoding="utf-8"?>
 <p:sld xmlns:a="http://schemas.openxmlformats.org/drawingml/2006/main" xmlns:r="http://schemas.openxmlformats.org/officeDocument/2006/relationships" xmlns:p="http://schemas.openxmlformats.org/presentationml/2006/main">
   <p:cSld>
     <p:spTree>
@@ -16825,7 +21346,7 @@
 </p:sld>
 </file>
 
-<file path=ppt/slides/slide43.xml><?xml version="1.0" encoding="utf-8"?>
+<file path=ppt/slides/slide45.xml><?xml version="1.0" encoding="utf-8"?>
 <p:sld xmlns:a="http://schemas.openxmlformats.org/drawingml/2006/main" xmlns:r="http://schemas.openxmlformats.org/officeDocument/2006/relationships" xmlns:p="http://schemas.openxmlformats.org/presentationml/2006/main">
   <p:cSld>
     <p:spTree>
@@ -17069,7 +21590,7 @@
 </p:sld>
 </file>
 
-<file path=ppt/slides/slide44.xml><?xml version="1.0" encoding="utf-8"?>
+<file path=ppt/slides/slide46.xml><?xml version="1.0" encoding="utf-8"?>
 <p:sld xmlns:a="http://schemas.openxmlformats.org/drawingml/2006/main" xmlns:r="http://schemas.openxmlformats.org/officeDocument/2006/relationships" xmlns:p="http://schemas.openxmlformats.org/presentationml/2006/main">
   <p:cSld>
     <p:spTree>
@@ -17226,7 +21747,7 @@
 </p:sld>
 </file>
 
-<file path=ppt/slides/slide45.xml><?xml version="1.0" encoding="utf-8"?>
+<file path=ppt/slides/slide47.xml><?xml version="1.0" encoding="utf-8"?>
 <p:sld xmlns:a="http://schemas.openxmlformats.org/drawingml/2006/main" xmlns:r="http://schemas.openxmlformats.org/officeDocument/2006/relationships" xmlns:p="http://schemas.openxmlformats.org/presentationml/2006/main">
   <p:cSld>
     <p:spTree>
@@ -17593,7 +22114,7 @@
 </p:sld>
 </file>
 
-<file path=ppt/slides/slide46.xml><?xml version="1.0" encoding="utf-8"?>
+<file path=ppt/slides/slide48.xml><?xml version="1.0" encoding="utf-8"?>
 <p:sld xmlns:a="http://schemas.openxmlformats.org/drawingml/2006/main" xmlns:r="http://schemas.openxmlformats.org/officeDocument/2006/relationships" xmlns:p="http://schemas.openxmlformats.org/presentationml/2006/main">
   <p:cSld>
     <p:spTree>
@@ -17876,7 +22397,7 @@
 </p:sld>
 </file>
 
-<file path=ppt/slides/slide47.xml><?xml version="1.0" encoding="utf-8"?>
+<file path=ppt/slides/slide49.xml><?xml version="1.0" encoding="utf-8"?>
 <p:sld xmlns:a="http://schemas.openxmlformats.org/drawingml/2006/main" xmlns:r="http://schemas.openxmlformats.org/officeDocument/2006/relationships" xmlns:p="http://schemas.openxmlformats.org/presentationml/2006/main">
   <p:cSld>
     <p:spTree>
@@ -18054,364 +22575,6 @@
           <a:p>
             <a:r>
               <a:t>newf(square);</a:t>
-            </a:r>
-          </a:p>
-        </p:txBody>
-      </p:sp>
-    </p:spTree>
-  </p:cSld>
-  <p:clrMapOvr>
-    <a:masterClrMapping/>
-  </p:clrMapOvr>
-  <p:transition spd="med"/>
-</p:sld>
-</file>
-
-<file path=ppt/slides/slide48.xml><?xml version="1.0" encoding="utf-8"?>
-<p:sld xmlns:a="http://schemas.openxmlformats.org/drawingml/2006/main" xmlns:r="http://schemas.openxmlformats.org/officeDocument/2006/relationships" xmlns:p="http://schemas.openxmlformats.org/presentationml/2006/main">
-  <p:cSld>
-    <p:spTree>
-      <p:nvGrpSpPr>
-        <p:cNvPr id="1" name=""/>
-        <p:cNvGrpSpPr/>
-        <p:nvPr/>
-      </p:nvGrpSpPr>
-      <p:grpSpPr>
-        <a:xfrm>
-          <a:off x="0" y="0"/>
-          <a:ext cx="0" cy="0"/>
-          <a:chOff x="0" y="0"/>
-          <a:chExt cx="0" cy="0"/>
-        </a:xfrm>
-      </p:grpSpPr>
-      <p:pic>
-        <p:nvPicPr>
-          <p:cNvPr id="346" name="Google Shape;54;p13" descr="Google Shape;54;p13"/>
-          <p:cNvPicPr>
-            <a:picLocks noChangeAspect="1"/>
-          </p:cNvPicPr>
-          <p:nvPr/>
-        </p:nvPicPr>
-        <p:blipFill>
-          <a:blip r:embed="rId2"/>
-          <a:stretch>
-            <a:fillRect/>
-          </a:stretch>
-        </p:blipFill>
-        <p:spPr>
-          <a:xfrm>
-            <a:off x="0" y="0"/>
-            <a:ext cx="12191997" cy="6858000"/>
-          </a:xfrm>
-          <a:prstGeom prst="rect">
-            <a:avLst/>
-          </a:prstGeom>
-          <a:ln w="12700">
-            <a:miter lim="400000"/>
-          </a:ln>
-        </p:spPr>
-      </p:pic>
-      <p:sp>
-        <p:nvSpPr>
-          <p:cNvPr id="347" name="Title 1"/>
-          <p:cNvSpPr txBox="1">
-            <a:spLocks noGrp="1"/>
-          </p:cNvSpPr>
-          <p:nvPr>
-            <p:ph type="title"/>
-          </p:nvPr>
-        </p:nvSpPr>
-        <p:spPr>
-          <a:prstGeom prst="rect">
-            <a:avLst/>
-          </a:prstGeom>
-        </p:spPr>
-        <p:txBody>
-          <a:bodyPr/>
-          <a:lstStyle/>
-          <a:p>
-            <a:r>
-              <a:t>Task for callback</a:t>
-            </a:r>
-          </a:p>
-        </p:txBody>
-      </p:sp>
-      <p:sp>
-        <p:nvSpPr>
-          <p:cNvPr id="348" name="Rectangle 4"/>
-          <p:cNvSpPr txBox="1"/>
-          <p:nvPr/>
-        </p:nvSpPr>
-        <p:spPr>
-          <a:xfrm>
-            <a:off x="883920" y="1987033"/>
-            <a:ext cx="6528356" cy="2478248"/>
-          </a:xfrm>
-          <a:prstGeom prst="rect">
-            <a:avLst/>
-          </a:prstGeom>
-          <a:ln w="12700">
-            <a:miter lim="400000"/>
-          </a:ln>
-          <a:extLst>
-            <a:ext uri="{C572A759-6A51-4108-AA02-DFA0A04FC94B}">
-              <ma14:wrappingTextBoxFlag xmlns="" xmlns:m="http://schemas.openxmlformats.org/officeDocument/2006/math" xmlns:a14="http://schemas.microsoft.com/office/drawing/2010/main" xmlns:ma14="http://schemas.microsoft.com/office/mac/drawingml/2011/main" val="1"/>
-            </a:ext>
-          </a:extLst>
-        </p:spPr>
-        <p:txBody>
-          <a:bodyPr wrap="none" lIns="45719" rIns="45719">
-            <a:spAutoFit/>
-          </a:bodyPr>
-          <a:lstStyle/>
-          <a:p>
-            <a:pPr>
-              <a:defRPr sz="3200"/>
-            </a:pPr>
-            <a:r>
-              <a:t>Write a function which takes 2 params </a:t>
-            </a:r>
-          </a:p>
-          <a:p>
-            <a:pPr marL="427789" indent="-427789">
-              <a:buSzPct val="100000"/>
-              <a:buAutoNum type="arabicPeriod"/>
-              <a:defRPr sz="3200"/>
-            </a:pPr>
-            <a:r>
-              <a:t>Operation</a:t>
-            </a:r>
-          </a:p>
-          <a:p>
-            <a:pPr marL="427789" indent="-427789">
-              <a:buSzPct val="100000"/>
-              <a:buAutoNum type="arabicPeriod"/>
-              <a:defRPr sz="3200"/>
-            </a:pPr>
-            <a:r>
-              <a:t>Function </a:t>
-            </a:r>
-          </a:p>
-          <a:p>
-            <a:pPr>
-              <a:defRPr sz="3200"/>
-            </a:pPr>
-            <a:endParaRPr/>
-          </a:p>
-          <a:p>
-            <a:pPr>
-              <a:defRPr sz="3200"/>
-            </a:pPr>
-            <a:r>
-              <a:t> Based on the params do the operation</a:t>
-            </a:r>
-          </a:p>
-        </p:txBody>
-      </p:sp>
-    </p:spTree>
-  </p:cSld>
-  <p:clrMapOvr>
-    <a:masterClrMapping/>
-  </p:clrMapOvr>
-  <p:transition spd="med"/>
-</p:sld>
-</file>
-
-<file path=ppt/slides/slide49.xml><?xml version="1.0" encoding="utf-8"?>
-<p:sld xmlns:a="http://schemas.openxmlformats.org/drawingml/2006/main" xmlns:r="http://schemas.openxmlformats.org/officeDocument/2006/relationships" xmlns:p="http://schemas.openxmlformats.org/presentationml/2006/main">
-  <p:cSld>
-    <p:spTree>
-      <p:nvGrpSpPr>
-        <p:cNvPr id="1" name=""/>
-        <p:cNvGrpSpPr/>
-        <p:nvPr/>
-      </p:nvGrpSpPr>
-      <p:grpSpPr>
-        <a:xfrm>
-          <a:off x="0" y="0"/>
-          <a:ext cx="0" cy="0"/>
-          <a:chOff x="0" y="0"/>
-          <a:chExt cx="0" cy="0"/>
-        </a:xfrm>
-      </p:grpSpPr>
-      <p:pic>
-        <p:nvPicPr>
-          <p:cNvPr id="350" name="Google Shape;54;p13" descr="Google Shape;54;p13"/>
-          <p:cNvPicPr>
-            <a:picLocks noChangeAspect="1"/>
-          </p:cNvPicPr>
-          <p:nvPr/>
-        </p:nvPicPr>
-        <p:blipFill>
-          <a:blip r:embed="rId2"/>
-          <a:stretch>
-            <a:fillRect/>
-          </a:stretch>
-        </p:blipFill>
-        <p:spPr>
-          <a:xfrm>
-            <a:off x="0" y="0"/>
-            <a:ext cx="12191997" cy="6858000"/>
-          </a:xfrm>
-          <a:prstGeom prst="rect">
-            <a:avLst/>
-          </a:prstGeom>
-          <a:ln w="12700">
-            <a:miter lim="400000"/>
-          </a:ln>
-        </p:spPr>
-      </p:pic>
-      <p:sp>
-        <p:nvSpPr>
-          <p:cNvPr id="351" name="Title 1"/>
-          <p:cNvSpPr txBox="1">
-            <a:spLocks noGrp="1"/>
-          </p:cNvSpPr>
-          <p:nvPr>
-            <p:ph type="title"/>
-          </p:nvPr>
-        </p:nvSpPr>
-        <p:spPr>
-          <a:prstGeom prst="rect">
-            <a:avLst/>
-          </a:prstGeom>
-        </p:spPr>
-        <p:txBody>
-          <a:bodyPr/>
-          <a:lstStyle/>
-          <a:p>
-            <a:r>
-              <a:t>Return a function from another function</a:t>
-            </a:r>
-          </a:p>
-        </p:txBody>
-      </p:sp>
-      <p:sp>
-        <p:nvSpPr>
-          <p:cNvPr id="352" name="Rectangle 4"/>
-          <p:cNvSpPr txBox="1"/>
-          <p:nvPr/>
-        </p:nvSpPr>
-        <p:spPr>
-          <a:xfrm>
-            <a:off x="866427" y="1383556"/>
-            <a:ext cx="4988284" cy="3964147"/>
-          </a:xfrm>
-          <a:prstGeom prst="rect">
-            <a:avLst/>
-          </a:prstGeom>
-          <a:ln w="12700">
-            <a:miter lim="400000"/>
-          </a:ln>
-          <a:extLst>
-            <a:ext uri="{C572A759-6A51-4108-AA02-DFA0A04FC94B}">
-              <ma14:wrappingTextBoxFlag xmlns="" xmlns:m="http://schemas.openxmlformats.org/officeDocument/2006/math" xmlns:a14="http://schemas.microsoft.com/office/drawing/2010/main" xmlns:ma14="http://schemas.microsoft.com/office/mac/drawingml/2011/main" val="1"/>
-            </a:ext>
-          </a:extLst>
-        </p:spPr>
-        <p:txBody>
-          <a:bodyPr wrap="none" lIns="45719" rIns="45719">
-            <a:spAutoFit/>
-          </a:bodyPr>
-          <a:lstStyle/>
-          <a:p>
-            <a:pPr>
-              <a:defRPr sz="3200"/>
-            </a:pPr>
-            <a:r>
-              <a:t>function newf(){</a:t>
-            </a:r>
-          </a:p>
-          <a:p>
-            <a:pPr>
-              <a:defRPr sz="3200"/>
-            </a:pPr>
-            <a:r>
-              <a:t>   var inner_var = function(){</a:t>
-            </a:r>
-          </a:p>
-          <a:p>
-            <a:pPr>
-              <a:defRPr sz="3200"/>
-            </a:pPr>
-            <a:r>
-              <a:t>      console.log(“i am inside”);</a:t>
-            </a:r>
-          </a:p>
-          <a:p>
-            <a:pPr>
-              <a:defRPr sz="3200"/>
-            </a:pPr>
-            <a:r>
-              <a:t>   }</a:t>
-            </a:r>
-          </a:p>
-          <a:p>
-            <a:pPr>
-              <a:defRPr sz="3200"/>
-            </a:pPr>
-            <a:r>
-              <a:t>  return inner_var;</a:t>
-            </a:r>
-          </a:p>
-          <a:p>
-            <a:pPr>
-              <a:defRPr sz="3200"/>
-            </a:pPr>
-            <a:r>
-              <a:t>}</a:t>
-            </a:r>
-          </a:p>
-          <a:p>
-            <a:pPr>
-              <a:defRPr sz="3200"/>
-            </a:pPr>
-            <a:endParaRPr/>
-          </a:p>
-        </p:txBody>
-      </p:sp>
-      <p:sp>
-        <p:nvSpPr>
-          <p:cNvPr id="353" name="Rectangle 5"/>
-          <p:cNvSpPr txBox="1"/>
-          <p:nvPr/>
-        </p:nvSpPr>
-        <p:spPr>
-          <a:xfrm>
-            <a:off x="2950376" y="4755024"/>
-            <a:ext cx="2663191" cy="992348"/>
-          </a:xfrm>
-          <a:prstGeom prst="rect">
-            <a:avLst/>
-          </a:prstGeom>
-          <a:ln w="12700">
-            <a:miter lim="400000"/>
-          </a:ln>
-          <a:extLst>
-            <a:ext uri="{C572A759-6A51-4108-AA02-DFA0A04FC94B}">
-              <ma14:wrappingTextBoxFlag xmlns="" xmlns:m="http://schemas.openxmlformats.org/officeDocument/2006/math" xmlns:a14="http://schemas.microsoft.com/office/drawing/2010/main" xmlns:ma14="http://schemas.microsoft.com/office/mac/drawingml/2011/main" val="1"/>
-            </a:ext>
-          </a:extLst>
-        </p:spPr>
-        <p:txBody>
-          <a:bodyPr wrap="none" lIns="45719" rIns="45719">
-            <a:spAutoFit/>
-          </a:bodyPr>
-          <a:lstStyle/>
-          <a:p>
-            <a:pPr>
-              <a:defRPr sz="3200"/>
-            </a:pPr>
-            <a:r>
-              <a:t>Let aa = newf();</a:t>
-            </a:r>
-          </a:p>
-          <a:p>
-            <a:pPr>
-              <a:defRPr sz="3200"/>
-            </a:pPr>
-            <a:r>
-              <a:t>aa();</a:t>
             </a:r>
           </a:p>
         </p:txBody>
@@ -20213,6 +24376,364 @@
       </p:grpSpPr>
       <p:pic>
         <p:nvPicPr>
+          <p:cNvPr id="346" name="Google Shape;54;p13" descr="Google Shape;54;p13"/>
+          <p:cNvPicPr>
+            <a:picLocks noChangeAspect="1"/>
+          </p:cNvPicPr>
+          <p:nvPr/>
+        </p:nvPicPr>
+        <p:blipFill>
+          <a:blip r:embed="rId2"/>
+          <a:stretch>
+            <a:fillRect/>
+          </a:stretch>
+        </p:blipFill>
+        <p:spPr>
+          <a:xfrm>
+            <a:off x="0" y="0"/>
+            <a:ext cx="12191997" cy="6858000"/>
+          </a:xfrm>
+          <a:prstGeom prst="rect">
+            <a:avLst/>
+          </a:prstGeom>
+          <a:ln w="12700">
+            <a:miter lim="400000"/>
+          </a:ln>
+        </p:spPr>
+      </p:pic>
+      <p:sp>
+        <p:nvSpPr>
+          <p:cNvPr id="347" name="Title 1"/>
+          <p:cNvSpPr txBox="1">
+            <a:spLocks noGrp="1"/>
+          </p:cNvSpPr>
+          <p:nvPr>
+            <p:ph type="title"/>
+          </p:nvPr>
+        </p:nvSpPr>
+        <p:spPr>
+          <a:prstGeom prst="rect">
+            <a:avLst/>
+          </a:prstGeom>
+        </p:spPr>
+        <p:txBody>
+          <a:bodyPr/>
+          <a:lstStyle/>
+          <a:p>
+            <a:r>
+              <a:t>Task for callback</a:t>
+            </a:r>
+          </a:p>
+        </p:txBody>
+      </p:sp>
+      <p:sp>
+        <p:nvSpPr>
+          <p:cNvPr id="348" name="Rectangle 4"/>
+          <p:cNvSpPr txBox="1"/>
+          <p:nvPr/>
+        </p:nvSpPr>
+        <p:spPr>
+          <a:xfrm>
+            <a:off x="883920" y="1987033"/>
+            <a:ext cx="6528356" cy="2478248"/>
+          </a:xfrm>
+          <a:prstGeom prst="rect">
+            <a:avLst/>
+          </a:prstGeom>
+          <a:ln w="12700">
+            <a:miter lim="400000"/>
+          </a:ln>
+          <a:extLst>
+            <a:ext uri="{C572A759-6A51-4108-AA02-DFA0A04FC94B}">
+              <ma14:wrappingTextBoxFlag xmlns="" xmlns:m="http://schemas.openxmlformats.org/officeDocument/2006/math" xmlns:a14="http://schemas.microsoft.com/office/drawing/2010/main" xmlns:ma14="http://schemas.microsoft.com/office/mac/drawingml/2011/main" val="1"/>
+            </a:ext>
+          </a:extLst>
+        </p:spPr>
+        <p:txBody>
+          <a:bodyPr wrap="none" lIns="45719" rIns="45719">
+            <a:spAutoFit/>
+          </a:bodyPr>
+          <a:lstStyle/>
+          <a:p>
+            <a:pPr>
+              <a:defRPr sz="3200"/>
+            </a:pPr>
+            <a:r>
+              <a:t>Write a function which takes 2 params </a:t>
+            </a:r>
+          </a:p>
+          <a:p>
+            <a:pPr marL="427789" indent="-427789">
+              <a:buSzPct val="100000"/>
+              <a:buAutoNum type="arabicPeriod"/>
+              <a:defRPr sz="3200"/>
+            </a:pPr>
+            <a:r>
+              <a:t>Operation</a:t>
+            </a:r>
+          </a:p>
+          <a:p>
+            <a:pPr marL="427789" indent="-427789">
+              <a:buSzPct val="100000"/>
+              <a:buAutoNum type="arabicPeriod"/>
+              <a:defRPr sz="3200"/>
+            </a:pPr>
+            <a:r>
+              <a:t>Function </a:t>
+            </a:r>
+          </a:p>
+          <a:p>
+            <a:pPr>
+              <a:defRPr sz="3200"/>
+            </a:pPr>
+            <a:endParaRPr/>
+          </a:p>
+          <a:p>
+            <a:pPr>
+              <a:defRPr sz="3200"/>
+            </a:pPr>
+            <a:r>
+              <a:t> Based on the params do the operation</a:t>
+            </a:r>
+          </a:p>
+        </p:txBody>
+      </p:sp>
+    </p:spTree>
+  </p:cSld>
+  <p:clrMapOvr>
+    <a:masterClrMapping/>
+  </p:clrMapOvr>
+  <p:transition spd="med"/>
+</p:sld>
+</file>
+
+<file path=ppt/slides/slide51.xml><?xml version="1.0" encoding="utf-8"?>
+<p:sld xmlns:a="http://schemas.openxmlformats.org/drawingml/2006/main" xmlns:r="http://schemas.openxmlformats.org/officeDocument/2006/relationships" xmlns:p="http://schemas.openxmlformats.org/presentationml/2006/main">
+  <p:cSld>
+    <p:spTree>
+      <p:nvGrpSpPr>
+        <p:cNvPr id="1" name=""/>
+        <p:cNvGrpSpPr/>
+        <p:nvPr/>
+      </p:nvGrpSpPr>
+      <p:grpSpPr>
+        <a:xfrm>
+          <a:off x="0" y="0"/>
+          <a:ext cx="0" cy="0"/>
+          <a:chOff x="0" y="0"/>
+          <a:chExt cx="0" cy="0"/>
+        </a:xfrm>
+      </p:grpSpPr>
+      <p:pic>
+        <p:nvPicPr>
+          <p:cNvPr id="350" name="Google Shape;54;p13" descr="Google Shape;54;p13"/>
+          <p:cNvPicPr>
+            <a:picLocks noChangeAspect="1"/>
+          </p:cNvPicPr>
+          <p:nvPr/>
+        </p:nvPicPr>
+        <p:blipFill>
+          <a:blip r:embed="rId2"/>
+          <a:stretch>
+            <a:fillRect/>
+          </a:stretch>
+        </p:blipFill>
+        <p:spPr>
+          <a:xfrm>
+            <a:off x="0" y="0"/>
+            <a:ext cx="12191997" cy="6858000"/>
+          </a:xfrm>
+          <a:prstGeom prst="rect">
+            <a:avLst/>
+          </a:prstGeom>
+          <a:ln w="12700">
+            <a:miter lim="400000"/>
+          </a:ln>
+        </p:spPr>
+      </p:pic>
+      <p:sp>
+        <p:nvSpPr>
+          <p:cNvPr id="351" name="Title 1"/>
+          <p:cNvSpPr txBox="1">
+            <a:spLocks noGrp="1"/>
+          </p:cNvSpPr>
+          <p:nvPr>
+            <p:ph type="title"/>
+          </p:nvPr>
+        </p:nvSpPr>
+        <p:spPr>
+          <a:prstGeom prst="rect">
+            <a:avLst/>
+          </a:prstGeom>
+        </p:spPr>
+        <p:txBody>
+          <a:bodyPr/>
+          <a:lstStyle/>
+          <a:p>
+            <a:r>
+              <a:t>Return a function from another function</a:t>
+            </a:r>
+          </a:p>
+        </p:txBody>
+      </p:sp>
+      <p:sp>
+        <p:nvSpPr>
+          <p:cNvPr id="352" name="Rectangle 4"/>
+          <p:cNvSpPr txBox="1"/>
+          <p:nvPr/>
+        </p:nvSpPr>
+        <p:spPr>
+          <a:xfrm>
+            <a:off x="866427" y="1383556"/>
+            <a:ext cx="4988284" cy="3964147"/>
+          </a:xfrm>
+          <a:prstGeom prst="rect">
+            <a:avLst/>
+          </a:prstGeom>
+          <a:ln w="12700">
+            <a:miter lim="400000"/>
+          </a:ln>
+          <a:extLst>
+            <a:ext uri="{C572A759-6A51-4108-AA02-DFA0A04FC94B}">
+              <ma14:wrappingTextBoxFlag xmlns="" xmlns:m="http://schemas.openxmlformats.org/officeDocument/2006/math" xmlns:a14="http://schemas.microsoft.com/office/drawing/2010/main" xmlns:ma14="http://schemas.microsoft.com/office/mac/drawingml/2011/main" val="1"/>
+            </a:ext>
+          </a:extLst>
+        </p:spPr>
+        <p:txBody>
+          <a:bodyPr wrap="none" lIns="45719" rIns="45719">
+            <a:spAutoFit/>
+          </a:bodyPr>
+          <a:lstStyle/>
+          <a:p>
+            <a:pPr>
+              <a:defRPr sz="3200"/>
+            </a:pPr>
+            <a:r>
+              <a:t>function newf(){</a:t>
+            </a:r>
+          </a:p>
+          <a:p>
+            <a:pPr>
+              <a:defRPr sz="3200"/>
+            </a:pPr>
+            <a:r>
+              <a:t>   var inner_var = function(){</a:t>
+            </a:r>
+          </a:p>
+          <a:p>
+            <a:pPr>
+              <a:defRPr sz="3200"/>
+            </a:pPr>
+            <a:r>
+              <a:t>      console.log(“i am inside”);</a:t>
+            </a:r>
+          </a:p>
+          <a:p>
+            <a:pPr>
+              <a:defRPr sz="3200"/>
+            </a:pPr>
+            <a:r>
+              <a:t>   }</a:t>
+            </a:r>
+          </a:p>
+          <a:p>
+            <a:pPr>
+              <a:defRPr sz="3200"/>
+            </a:pPr>
+            <a:r>
+              <a:t>  return inner_var;</a:t>
+            </a:r>
+          </a:p>
+          <a:p>
+            <a:pPr>
+              <a:defRPr sz="3200"/>
+            </a:pPr>
+            <a:r>
+              <a:t>}</a:t>
+            </a:r>
+          </a:p>
+          <a:p>
+            <a:pPr>
+              <a:defRPr sz="3200"/>
+            </a:pPr>
+            <a:endParaRPr/>
+          </a:p>
+        </p:txBody>
+      </p:sp>
+      <p:sp>
+        <p:nvSpPr>
+          <p:cNvPr id="353" name="Rectangle 5"/>
+          <p:cNvSpPr txBox="1"/>
+          <p:nvPr/>
+        </p:nvSpPr>
+        <p:spPr>
+          <a:xfrm>
+            <a:off x="2950376" y="4755024"/>
+            <a:ext cx="2663191" cy="992348"/>
+          </a:xfrm>
+          <a:prstGeom prst="rect">
+            <a:avLst/>
+          </a:prstGeom>
+          <a:ln w="12700">
+            <a:miter lim="400000"/>
+          </a:ln>
+          <a:extLst>
+            <a:ext uri="{C572A759-6A51-4108-AA02-DFA0A04FC94B}">
+              <ma14:wrappingTextBoxFlag xmlns="" xmlns:m="http://schemas.openxmlformats.org/officeDocument/2006/math" xmlns:a14="http://schemas.microsoft.com/office/drawing/2010/main" xmlns:ma14="http://schemas.microsoft.com/office/mac/drawingml/2011/main" val="1"/>
+            </a:ext>
+          </a:extLst>
+        </p:spPr>
+        <p:txBody>
+          <a:bodyPr wrap="none" lIns="45719" rIns="45719">
+            <a:spAutoFit/>
+          </a:bodyPr>
+          <a:lstStyle/>
+          <a:p>
+            <a:pPr>
+              <a:defRPr sz="3200"/>
+            </a:pPr>
+            <a:r>
+              <a:t>Let aa = newf();</a:t>
+            </a:r>
+          </a:p>
+          <a:p>
+            <a:pPr>
+              <a:defRPr sz="3200"/>
+            </a:pPr>
+            <a:r>
+              <a:t>aa();</a:t>
+            </a:r>
+          </a:p>
+        </p:txBody>
+      </p:sp>
+    </p:spTree>
+  </p:cSld>
+  <p:clrMapOvr>
+    <a:masterClrMapping/>
+  </p:clrMapOvr>
+  <p:transition spd="med"/>
+</p:sld>
+</file>
+
+<file path=ppt/slides/slide52.xml><?xml version="1.0" encoding="utf-8"?>
+<p:sld xmlns:a="http://schemas.openxmlformats.org/drawingml/2006/main" xmlns:r="http://schemas.openxmlformats.org/officeDocument/2006/relationships" xmlns:p="http://schemas.openxmlformats.org/presentationml/2006/main">
+  <p:cSld>
+    <p:spTree>
+      <p:nvGrpSpPr>
+        <p:cNvPr id="1" name=""/>
+        <p:cNvGrpSpPr/>
+        <p:nvPr/>
+      </p:nvGrpSpPr>
+      <p:grpSpPr>
+        <a:xfrm>
+          <a:off x="0" y="0"/>
+          <a:ext cx="0" cy="0"/>
+          <a:chOff x="0" y="0"/>
+          <a:chExt cx="0" cy="0"/>
+        </a:xfrm>
+      </p:grpSpPr>
+      <p:pic>
+        <p:nvPicPr>
           <p:cNvPr id="355" name="Google Shape;54;p13" descr="Google Shape;54;p13"/>
           <p:cNvPicPr>
             <a:picLocks noChangeAspect="1"/>
@@ -20324,7 +24845,7 @@
 </p:sld>
 </file>
 
-<file path=ppt/slides/slide51.xml><?xml version="1.0" encoding="utf-8"?>
+<file path=ppt/slides/slide53.xml><?xml version="1.0" encoding="utf-8"?>
 <p:sld xmlns:a="http://schemas.openxmlformats.org/drawingml/2006/main" xmlns:r="http://schemas.openxmlformats.org/officeDocument/2006/relationships" xmlns:p="http://schemas.openxmlformats.org/presentationml/2006/main">
   <p:cSld>
     <p:spTree>
@@ -20555,7 +25076,7 @@
 </p:sld>
 </file>
 
-<file path=ppt/slides/slide52.xml><?xml version="1.0" encoding="utf-8"?>
+<file path=ppt/slides/slide54.xml><?xml version="1.0" encoding="utf-8"?>
 <p:sld xmlns:a="http://schemas.openxmlformats.org/drawingml/2006/main" xmlns:r="http://schemas.openxmlformats.org/officeDocument/2006/relationships" xmlns:p="http://schemas.openxmlformats.org/presentationml/2006/main">
   <p:cSld>
     <p:spTree>
@@ -20893,7 +25414,7 @@
 </p:sld>
 </file>
 
-<file path=ppt/slides/slide53.xml><?xml version="1.0" encoding="utf-8"?>
+<file path=ppt/slides/slide55.xml><?xml version="1.0" encoding="utf-8"?>
 <p:sld xmlns:a="http://schemas.openxmlformats.org/drawingml/2006/main" xmlns:r="http://schemas.openxmlformats.org/officeDocument/2006/relationships" xmlns:p="http://schemas.openxmlformats.org/presentationml/2006/main">
   <p:cSld>
     <p:spTree>
@@ -21457,7 +25978,7 @@
 </p:sld>
 </file>
 
-<file path=ppt/slides/slide54.xml><?xml version="1.0" encoding="utf-8"?>
+<file path=ppt/slides/slide56.xml><?xml version="1.0" encoding="utf-8"?>
 <p:sld xmlns:a="http://schemas.openxmlformats.org/drawingml/2006/main" xmlns:r="http://schemas.openxmlformats.org/officeDocument/2006/relationships" xmlns:p="http://schemas.openxmlformats.org/presentationml/2006/main">
   <p:cSld>
     <p:spTree>
@@ -21803,7 +26324,7 @@
 </p:sld>
 </file>
 
-<file path=ppt/slides/slide55.xml><?xml version="1.0" encoding="utf-8"?>
+<file path=ppt/slides/slide57.xml><?xml version="1.0" encoding="utf-8"?>
 <p:sld xmlns:a="http://schemas.openxmlformats.org/drawingml/2006/main" xmlns:r="http://schemas.openxmlformats.org/officeDocument/2006/relationships" xmlns:p="http://schemas.openxmlformats.org/presentationml/2006/main">
   <p:cSld>
     <p:spTree>
@@ -21988,7 +26509,7 @@
 </p:sld>
 </file>
 
-<file path=ppt/slides/slide56.xml><?xml version="1.0" encoding="utf-8"?>
+<file path=ppt/slides/slide58.xml><?xml version="1.0" encoding="utf-8"?>
 <p:sld xmlns:a="http://schemas.openxmlformats.org/drawingml/2006/main" xmlns:r="http://schemas.openxmlformats.org/officeDocument/2006/relationships" xmlns:p="http://schemas.openxmlformats.org/presentationml/2006/main">
   <p:cSld>
     <p:spTree>
@@ -22326,7 +26847,7 @@
 </p:sld>
 </file>
 
-<file path=ppt/slides/slide57.xml><?xml version="1.0" encoding="utf-8"?>
+<file path=ppt/slides/slide59.xml><?xml version="1.0" encoding="utf-8"?>
 <p:sld xmlns:a="http://schemas.openxmlformats.org/drawingml/2006/main" xmlns:r="http://schemas.openxmlformats.org/officeDocument/2006/relationships" xmlns:p="http://schemas.openxmlformats.org/presentationml/2006/main">
   <p:cSld>
     <p:spTree>

--- a/ppt/001 - DataTypes.pptx
+++ b/ppt/001 - DataTypes.pptx
@@ -13409,13 +13409,17 @@
           </p:nvPr>
         </p:nvSpPr>
         <p:spPr>
+          <a:xfrm>
+            <a:off x="838200" y="1387011"/>
+            <a:ext cx="10515600" cy="4789952"/>
+          </a:xfrm>
           <a:prstGeom prst="rect">
             <a:avLst/>
           </a:prstGeom>
         </p:spPr>
         <p:txBody>
           <a:bodyPr>
-            <a:normAutofit fontScale="92500" lnSpcReduction="20000"/>
+            <a:normAutofit/>
           </a:bodyPr>
           <a:lstStyle/>
           <a:p>
@@ -13485,96 +13489,6 @@
             </a:r>
           </a:p>
           <a:p>
-            <a:pPr>
-              <a:lnSpc>
-                <a:spcPct val="81000"/>
-              </a:lnSpc>
-              <a:defRPr sz="2500"/>
-            </a:pPr>
-            <a:r>
-              <a:rPr dirty="0" err="1"/>
-              <a:t>Whatss</a:t>
-            </a:r>
-            <a:r>
-              <a:rPr dirty="0"/>
-              <a:t> the output and explain why ?</a:t>
-            </a:r>
-          </a:p>
-          <a:p>
-            <a:pPr marL="0" lvl="1" indent="457200">
-              <a:lnSpc>
-                <a:spcPct val="81000"/>
-              </a:lnSpc>
-              <a:spcBef>
-                <a:spcPts val="500"/>
-              </a:spcBef>
-              <a:buSzTx/>
-              <a:buNone/>
-              <a:defRPr sz="2200"/>
-            </a:pPr>
-            <a:r>
-              <a:rPr dirty="0"/>
-              <a:t>a = [0,1,2,,4,5];</a:t>
-            </a:r>
-          </a:p>
-          <a:p>
-            <a:pPr marL="0" lvl="1" indent="457200">
-              <a:lnSpc>
-                <a:spcPct val="81000"/>
-              </a:lnSpc>
-              <a:spcBef>
-                <a:spcPts val="500"/>
-              </a:spcBef>
-              <a:buSzTx/>
-              <a:buNone/>
-              <a:defRPr sz="2200"/>
-            </a:pPr>
-            <a:r>
-              <a:rPr dirty="0" err="1"/>
-              <a:t>console.log</a:t>
-            </a:r>
-            <a:r>
-              <a:rPr dirty="0"/>
-              <a:t>(a[3]);</a:t>
-            </a:r>
-          </a:p>
-          <a:p>
-            <a:pPr>
-              <a:lnSpc>
-                <a:spcPct val="81000"/>
-              </a:lnSpc>
-              <a:defRPr sz="2500"/>
-            </a:pPr>
-            <a:r>
-              <a:rPr dirty="0"/>
-              <a:t>Try the </a:t>
-            </a:r>
-            <a:r>
-              <a:rPr dirty="0" err="1"/>
-              <a:t>restcounties</a:t>
-            </a:r>
-            <a:r>
-              <a:rPr dirty="0"/>
-              <a:t> example </a:t>
-            </a:r>
-          </a:p>
-          <a:p>
-            <a:pPr marL="685800" lvl="1" indent="-228600">
-              <a:lnSpc>
-                <a:spcPct val="81000"/>
-              </a:lnSpc>
-              <a:spcBef>
-                <a:spcPts val="500"/>
-              </a:spcBef>
-              <a:defRPr sz="2200"/>
-            </a:pPr>
-            <a:r>
-              <a:rPr dirty="0"/>
-              <a:t>Extract and print the flag for every country in console</a:t>
-            </a:r>
-            <a:endParaRPr lang="en-US" dirty="0"/>
-          </a:p>
-          <a:p>
             <a:pPr marL="190500">
               <a:lnSpc>
                 <a:spcPct val="81000"/>
@@ -13644,6 +13558,62 @@
               <a:rPr lang="en-US" dirty="0"/>
               <a:t>Find the fix – for the error slide</a:t>
             </a:r>
+          </a:p>
+          <a:p>
+            <a:pPr marL="190500">
+              <a:lnSpc>
+                <a:spcPct val="81000"/>
+              </a:lnSpc>
+              <a:spcBef>
+                <a:spcPts val="500"/>
+              </a:spcBef>
+              <a:defRPr sz="2200"/>
+            </a:pPr>
+            <a:r>
+              <a:rPr lang="en-US" dirty="0"/>
+              <a:t>Read - fetch vs </a:t>
+            </a:r>
+            <a:r>
+              <a:rPr lang="en-US" dirty="0" err="1"/>
+              <a:t>xmlhttprequest</a:t>
+            </a:r>
+            <a:endParaRPr lang="en-US" dirty="0"/>
+          </a:p>
+          <a:p>
+            <a:pPr marL="685800" lvl="1">
+              <a:lnSpc>
+                <a:spcPct val="81000"/>
+              </a:lnSpc>
+              <a:spcBef>
+                <a:spcPts val="500"/>
+              </a:spcBef>
+              <a:defRPr sz="2200"/>
+            </a:pPr>
+            <a:r>
+              <a:rPr lang="en-IN" dirty="0">
+                <a:hlinkClick r:id="rId5"/>
+              </a:rPr>
+              <a:t>https://developer.mozilla.org/en-US/docs/Web/API/Fetch_API</a:t>
+            </a:r>
+            <a:endParaRPr lang="en-IN" dirty="0"/>
+          </a:p>
+          <a:p>
+            <a:pPr marL="685800" lvl="1">
+              <a:lnSpc>
+                <a:spcPct val="81000"/>
+              </a:lnSpc>
+              <a:spcBef>
+                <a:spcPts val="500"/>
+              </a:spcBef>
+              <a:defRPr sz="2200"/>
+            </a:pPr>
+            <a:r>
+              <a:rPr lang="en-IN" dirty="0">
+                <a:hlinkClick r:id="rId6"/>
+              </a:rPr>
+              <a:t>https://developers.google.com/web/updates/2015/03/introduction-to-fetch</a:t>
+            </a:r>
+            <a:endParaRPr lang="en-US" dirty="0"/>
           </a:p>
           <a:p>
             <a:pPr marL="685800" lvl="1">

--- a/ppt/001 - DataTypes.pptx
+++ b/ppt/001 - DataTypes.pptx
@@ -5,7 +5,7 @@
     <p:sldMasterId id="2147483648" r:id="rId1"/>
   </p:sldMasterIdLst>
   <p:notesMasterIdLst>
-    <p:notesMasterId r:id="rId61"/>
+    <p:notesMasterId r:id="rId62"/>
   </p:notesMasterIdLst>
   <p:sldIdLst>
     <p:sldId id="256" r:id="rId2"/>
@@ -32,41 +32,42 @@
     <p:sldId id="276" r:id="rId23"/>
     <p:sldId id="398" r:id="rId24"/>
     <p:sldId id="399" r:id="rId25"/>
-    <p:sldId id="308" r:id="rId26"/>
-    <p:sldId id="309" r:id="rId27"/>
-    <p:sldId id="311" r:id="rId28"/>
-    <p:sldId id="310" r:id="rId29"/>
-    <p:sldId id="277" r:id="rId30"/>
-    <p:sldId id="278" r:id="rId31"/>
-    <p:sldId id="279" r:id="rId32"/>
-    <p:sldId id="307" r:id="rId33"/>
-    <p:sldId id="306" r:id="rId34"/>
-    <p:sldId id="280" r:id="rId35"/>
-    <p:sldId id="281" r:id="rId36"/>
-    <p:sldId id="282" r:id="rId37"/>
-    <p:sldId id="283" r:id="rId38"/>
-    <p:sldId id="284" r:id="rId39"/>
-    <p:sldId id="285" r:id="rId40"/>
-    <p:sldId id="286" r:id="rId41"/>
-    <p:sldId id="287" r:id="rId42"/>
-    <p:sldId id="288" r:id="rId43"/>
-    <p:sldId id="289" r:id="rId44"/>
-    <p:sldId id="290" r:id="rId45"/>
-    <p:sldId id="291" r:id="rId46"/>
-    <p:sldId id="292" r:id="rId47"/>
-    <p:sldId id="293" r:id="rId48"/>
-    <p:sldId id="294" r:id="rId49"/>
-    <p:sldId id="295" r:id="rId50"/>
-    <p:sldId id="296" r:id="rId51"/>
-    <p:sldId id="297" r:id="rId52"/>
-    <p:sldId id="298" r:id="rId53"/>
-    <p:sldId id="299" r:id="rId54"/>
-    <p:sldId id="300" r:id="rId55"/>
-    <p:sldId id="301" r:id="rId56"/>
-    <p:sldId id="302" r:id="rId57"/>
-    <p:sldId id="303" r:id="rId58"/>
-    <p:sldId id="304" r:id="rId59"/>
-    <p:sldId id="305" r:id="rId60"/>
+    <p:sldId id="400" r:id="rId26"/>
+    <p:sldId id="308" r:id="rId27"/>
+    <p:sldId id="309" r:id="rId28"/>
+    <p:sldId id="311" r:id="rId29"/>
+    <p:sldId id="310" r:id="rId30"/>
+    <p:sldId id="277" r:id="rId31"/>
+    <p:sldId id="278" r:id="rId32"/>
+    <p:sldId id="279" r:id="rId33"/>
+    <p:sldId id="307" r:id="rId34"/>
+    <p:sldId id="306" r:id="rId35"/>
+    <p:sldId id="280" r:id="rId36"/>
+    <p:sldId id="281" r:id="rId37"/>
+    <p:sldId id="282" r:id="rId38"/>
+    <p:sldId id="283" r:id="rId39"/>
+    <p:sldId id="284" r:id="rId40"/>
+    <p:sldId id="285" r:id="rId41"/>
+    <p:sldId id="286" r:id="rId42"/>
+    <p:sldId id="287" r:id="rId43"/>
+    <p:sldId id="288" r:id="rId44"/>
+    <p:sldId id="289" r:id="rId45"/>
+    <p:sldId id="290" r:id="rId46"/>
+    <p:sldId id="291" r:id="rId47"/>
+    <p:sldId id="292" r:id="rId48"/>
+    <p:sldId id="293" r:id="rId49"/>
+    <p:sldId id="294" r:id="rId50"/>
+    <p:sldId id="295" r:id="rId51"/>
+    <p:sldId id="296" r:id="rId52"/>
+    <p:sldId id="297" r:id="rId53"/>
+    <p:sldId id="298" r:id="rId54"/>
+    <p:sldId id="299" r:id="rId55"/>
+    <p:sldId id="300" r:id="rId56"/>
+    <p:sldId id="301" r:id="rId57"/>
+    <p:sldId id="302" r:id="rId58"/>
+    <p:sldId id="303" r:id="rId59"/>
+    <p:sldId id="304" r:id="rId60"/>
+    <p:sldId id="305" r:id="rId61"/>
   </p:sldIdLst>
   <p:sldSz cx="12192000" cy="6858000"/>
   <p:notesSz cx="6858000" cy="9144000"/>
@@ -12224,6 +12225,131 @@
           <a:chExt cx="0" cy="0"/>
         </a:xfrm>
       </p:grpSpPr>
+      <p:sp>
+        <p:nvSpPr>
+          <p:cNvPr id="2" name="Title 1">
+            <a:extLst>
+              <a:ext uri="{FF2B5EF4-FFF2-40B4-BE49-F238E27FC236}">
+                <a16:creationId xmlns:a16="http://schemas.microsoft.com/office/drawing/2014/main" id="{CCCB0280-767B-E346-BBF9-B1593369F17E}"/>
+              </a:ext>
+            </a:extLst>
+          </p:cNvPr>
+          <p:cNvSpPr>
+            <a:spLocks noGrp="1"/>
+          </p:cNvSpPr>
+          <p:nvPr>
+            <p:ph type="title"/>
+          </p:nvPr>
+        </p:nvSpPr>
+        <p:spPr/>
+        <p:txBody>
+          <a:bodyPr/>
+          <a:lstStyle/>
+          <a:p>
+            <a:r>
+              <a:rPr lang="en-US" dirty="0"/>
+              <a:t>fetch vs </a:t>
+            </a:r>
+            <a:r>
+              <a:rPr lang="en-US" dirty="0" err="1"/>
+              <a:t>xmlhttprequest</a:t>
+            </a:r>
+            <a:endParaRPr lang="en-US" dirty="0"/>
+          </a:p>
+        </p:txBody>
+      </p:sp>
+      <p:sp>
+        <p:nvSpPr>
+          <p:cNvPr id="3" name="Text Placeholder 2">
+            <a:extLst>
+              <a:ext uri="{FF2B5EF4-FFF2-40B4-BE49-F238E27FC236}">
+                <a16:creationId xmlns:a16="http://schemas.microsoft.com/office/drawing/2014/main" id="{35D47F18-9152-C04F-B6B4-BB8355A620CB}"/>
+              </a:ext>
+            </a:extLst>
+          </p:cNvPr>
+          <p:cNvSpPr>
+            <a:spLocks noGrp="1"/>
+          </p:cNvSpPr>
+          <p:nvPr>
+            <p:ph type="body" idx="1"/>
+          </p:nvPr>
+        </p:nvSpPr>
+        <p:spPr/>
+        <p:txBody>
+          <a:bodyPr/>
+          <a:lstStyle/>
+          <a:p>
+            <a:pPr marL="685800" lvl="1">
+              <a:lnSpc>
+                <a:spcPct val="81000"/>
+              </a:lnSpc>
+              <a:spcBef>
+                <a:spcPts val="500"/>
+              </a:spcBef>
+              <a:defRPr sz="2200"/>
+            </a:pPr>
+            <a:r>
+              <a:rPr lang="en-IN" dirty="0">
+                <a:hlinkClick r:id="rId2"/>
+              </a:rPr>
+              <a:t>https://developer.mozilla.org/en-US/docs/Web/API/Fetch_API</a:t>
+            </a:r>
+            <a:endParaRPr lang="en-IN" dirty="0"/>
+          </a:p>
+          <a:p>
+            <a:pPr marL="685800" lvl="1">
+              <a:lnSpc>
+                <a:spcPct val="81000"/>
+              </a:lnSpc>
+              <a:spcBef>
+                <a:spcPts val="500"/>
+              </a:spcBef>
+              <a:defRPr sz="2200"/>
+            </a:pPr>
+            <a:r>
+              <a:rPr lang="en-IN" dirty="0">
+                <a:hlinkClick r:id="rId3"/>
+              </a:rPr>
+              <a:t>https://developers.google.com/web/updates/2015/03/introduction-to-fetch</a:t>
+            </a:r>
+            <a:endParaRPr lang="en-US" dirty="0"/>
+          </a:p>
+          <a:p>
+            <a:endParaRPr lang="en-US" dirty="0"/>
+          </a:p>
+        </p:txBody>
+      </p:sp>
+    </p:spTree>
+    <p:extLst>
+      <p:ext uri="{BB962C8B-B14F-4D97-AF65-F5344CB8AC3E}">
+        <p14:creationId xmlns:p14="http://schemas.microsoft.com/office/powerpoint/2010/main" val="2475485361"/>
+      </p:ext>
+    </p:extLst>
+  </p:cSld>
+  <p:clrMapOvr>
+    <a:masterClrMapping/>
+  </p:clrMapOvr>
+  <p:transition spd="med"/>
+</p:sld>
+</file>
+
+<file path=ppt/slides/slide26.xml><?xml version="1.0" encoding="utf-8"?>
+<p:sld xmlns:a="http://schemas.openxmlformats.org/drawingml/2006/main" xmlns:r="http://schemas.openxmlformats.org/officeDocument/2006/relationships" xmlns:p="http://schemas.openxmlformats.org/presentationml/2006/main">
+  <p:cSld>
+    <p:spTree>
+      <p:nvGrpSpPr>
+        <p:cNvPr id="1" name=""/>
+        <p:cNvGrpSpPr/>
+        <p:nvPr/>
+      </p:nvGrpSpPr>
+      <p:grpSpPr>
+        <a:xfrm>
+          <a:off x="0" y="0"/>
+          <a:ext cx="0" cy="0"/>
+          <a:chOff x="0" y="0"/>
+          <a:chExt cx="0" cy="0"/>
+        </a:xfrm>
+      </p:grpSpPr>
       <p:pic>
         <p:nvPicPr>
           <p:cNvPr id="4" name="Google Shape;54;p13" descr="Google Shape;54;p13">
@@ -12409,7 +12535,7 @@
 </p:sld>
 </file>
 
-<file path=ppt/slides/slide26.xml><?xml version="1.0" encoding="utf-8"?>
+<file path=ppt/slides/slide27.xml><?xml version="1.0" encoding="utf-8"?>
 <p:sld xmlns:a="http://schemas.openxmlformats.org/drawingml/2006/main" xmlns:r="http://schemas.openxmlformats.org/officeDocument/2006/relationships" xmlns:p="http://schemas.openxmlformats.org/presentationml/2006/main">
   <p:cSld>
     <p:spTree>
@@ -12863,7 +12989,7 @@
 </p:sld>
 </file>
 
-<file path=ppt/slides/slide27.xml><?xml version="1.0" encoding="utf-8"?>
+<file path=ppt/slides/slide28.xml><?xml version="1.0" encoding="utf-8"?>
 <p:sld xmlns:a="http://schemas.openxmlformats.org/drawingml/2006/main" xmlns:r="http://schemas.openxmlformats.org/officeDocument/2006/relationships" xmlns:p="http://schemas.openxmlformats.org/presentationml/2006/main">
   <p:cSld>
     <p:spTree>
@@ -12955,7 +13081,7 @@
 </p:sld>
 </file>
 
-<file path=ppt/slides/slide28.xml><?xml version="1.0" encoding="utf-8"?>
+<file path=ppt/slides/slide29.xml><?xml version="1.0" encoding="utf-8"?>
 <p:sld xmlns:a="http://schemas.openxmlformats.org/drawingml/2006/main" xmlns:r="http://schemas.openxmlformats.org/officeDocument/2006/relationships" xmlns:p="http://schemas.openxmlformats.org/presentationml/2006/main">
   <p:cSld>
     <p:spTree>
@@ -13329,327 +13455,6 @@
 </p:sld>
 </file>
 
-<file path=ppt/slides/slide29.xml><?xml version="1.0" encoding="utf-8"?>
-<p:sld xmlns:a="http://schemas.openxmlformats.org/drawingml/2006/main" xmlns:r="http://schemas.openxmlformats.org/officeDocument/2006/relationships" xmlns:p="http://schemas.openxmlformats.org/presentationml/2006/main">
-  <p:cSld>
-    <p:spTree>
-      <p:nvGrpSpPr>
-        <p:cNvPr id="1" name=""/>
-        <p:cNvGrpSpPr/>
-        <p:nvPr/>
-      </p:nvGrpSpPr>
-      <p:grpSpPr>
-        <a:xfrm>
-          <a:off x="0" y="0"/>
-          <a:ext cx="0" cy="0"/>
-          <a:chOff x="0" y="0"/>
-          <a:chExt cx="0" cy="0"/>
-        </a:xfrm>
-      </p:grpSpPr>
-      <p:pic>
-        <p:nvPicPr>
-          <p:cNvPr id="234" name="Google Shape;54;p13" descr="Google Shape;54;p13"/>
-          <p:cNvPicPr>
-            <a:picLocks noChangeAspect="1"/>
-          </p:cNvPicPr>
-          <p:nvPr/>
-        </p:nvPicPr>
-        <p:blipFill>
-          <a:blip r:embed="rId2"/>
-          <a:stretch>
-            <a:fillRect/>
-          </a:stretch>
-        </p:blipFill>
-        <p:spPr>
-          <a:xfrm>
-            <a:off x="0" y="0"/>
-            <a:ext cx="12191997" cy="6858000"/>
-          </a:xfrm>
-          <a:prstGeom prst="rect">
-            <a:avLst/>
-          </a:prstGeom>
-          <a:ln w="12700">
-            <a:miter lim="400000"/>
-          </a:ln>
-        </p:spPr>
-      </p:pic>
-      <p:sp>
-        <p:nvSpPr>
-          <p:cNvPr id="235" name="Title 1"/>
-          <p:cNvSpPr txBox="1">
-            <a:spLocks noGrp="1"/>
-          </p:cNvSpPr>
-          <p:nvPr>
-            <p:ph type="title"/>
-          </p:nvPr>
-        </p:nvSpPr>
-        <p:spPr>
-          <a:prstGeom prst="rect">
-            <a:avLst/>
-          </a:prstGeom>
-        </p:spPr>
-        <p:txBody>
-          <a:bodyPr/>
-          <a:lstStyle/>
-          <a:p>
-            <a:r>
-              <a:t>Tasks</a:t>
-            </a:r>
-          </a:p>
-        </p:txBody>
-      </p:sp>
-      <p:sp>
-        <p:nvSpPr>
-          <p:cNvPr id="236" name="Content Placeholder 2"/>
-          <p:cNvSpPr txBox="1">
-            <a:spLocks noGrp="1"/>
-          </p:cNvSpPr>
-          <p:nvPr>
-            <p:ph type="body" idx="1"/>
-          </p:nvPr>
-        </p:nvSpPr>
-        <p:spPr>
-          <a:xfrm>
-            <a:off x="838200" y="1387011"/>
-            <a:ext cx="10515600" cy="4789952"/>
-          </a:xfrm>
-          <a:prstGeom prst="rect">
-            <a:avLst/>
-          </a:prstGeom>
-        </p:spPr>
-        <p:txBody>
-          <a:bodyPr>
-            <a:normAutofit/>
-          </a:bodyPr>
-          <a:lstStyle/>
-          <a:p>
-            <a:pPr>
-              <a:lnSpc>
-                <a:spcPct val="81000"/>
-              </a:lnSpc>
-              <a:defRPr sz="2500"/>
-            </a:pPr>
-            <a:endParaRPr dirty="0"/>
-          </a:p>
-          <a:p>
-            <a:pPr>
-              <a:lnSpc>
-                <a:spcPct val="81000"/>
-              </a:lnSpc>
-              <a:defRPr sz="2500"/>
-            </a:pPr>
-            <a:r>
-              <a:rPr dirty="0"/>
-              <a:t>What is the difference between window, screen, and document in </a:t>
-            </a:r>
-            <a:r>
-              <a:rPr dirty="0" err="1"/>
-              <a:t>Javascript</a:t>
-            </a:r>
-            <a:r>
-              <a:rPr dirty="0"/>
-              <a:t>?</a:t>
-            </a:r>
-          </a:p>
-          <a:p>
-            <a:pPr>
-              <a:lnSpc>
-                <a:spcPct val="81000"/>
-              </a:lnSpc>
-              <a:defRPr sz="2500"/>
-            </a:pPr>
-            <a:r>
-              <a:rPr dirty="0"/>
-              <a:t>JSON task </a:t>
-            </a:r>
-          </a:p>
-          <a:p>
-            <a:pPr marL="685800" lvl="1" indent="-228600">
-              <a:lnSpc>
-                <a:spcPct val="81000"/>
-              </a:lnSpc>
-              <a:spcBef>
-                <a:spcPts val="500"/>
-              </a:spcBef>
-              <a:defRPr sz="2200"/>
-            </a:pPr>
-            <a:r>
-              <a:rPr u="sng" dirty="0">
-                <a:solidFill>
-                  <a:srgbClr val="0563C1"/>
-                </a:solidFill>
-                <a:uFill>
-                  <a:solidFill>
-                    <a:srgbClr val="0563C1"/>
-                  </a:solidFill>
-                </a:uFill>
-                <a:hlinkClick r:id="rId3"/>
-              </a:rPr>
-              <a:t>https://medium.com/@reach2arunprakash/guvi-zen-code-sprint-javascript-practice-problems-in-json-objects-and-list-49ac3356a8a5</a:t>
-            </a:r>
-          </a:p>
-          <a:p>
-            <a:pPr marL="190500">
-              <a:lnSpc>
-                <a:spcPct val="81000"/>
-              </a:lnSpc>
-              <a:spcBef>
-                <a:spcPts val="500"/>
-              </a:spcBef>
-              <a:defRPr sz="2200"/>
-            </a:pPr>
-            <a:r>
-              <a:rPr lang="en-IN" dirty="0"/>
-              <a:t>Add error handling to the </a:t>
-            </a:r>
-            <a:r>
-              <a:rPr lang="en-IN" dirty="0" err="1"/>
-              <a:t>xmlhttprequest</a:t>
-            </a:r>
-            <a:r>
-              <a:rPr lang="en-IN" dirty="0"/>
-              <a:t> code</a:t>
-            </a:r>
-          </a:p>
-          <a:p>
-            <a:pPr marL="190500">
-              <a:lnSpc>
-                <a:spcPct val="81000"/>
-              </a:lnSpc>
-              <a:spcBef>
-                <a:spcPts val="500"/>
-              </a:spcBef>
-              <a:defRPr sz="2200"/>
-            </a:pPr>
-            <a:r>
-              <a:rPr lang="en-IN" dirty="0"/>
-              <a:t>Convert the ppt into a writeup </a:t>
-            </a:r>
-          </a:p>
-          <a:p>
-            <a:pPr marL="685800" lvl="1">
-              <a:lnSpc>
-                <a:spcPct val="81000"/>
-              </a:lnSpc>
-              <a:spcBef>
-                <a:spcPts val="500"/>
-              </a:spcBef>
-              <a:defRPr sz="2200"/>
-            </a:pPr>
-            <a:r>
-              <a:rPr lang="en-US" dirty="0">
-                <a:hlinkClick r:id="rId4"/>
-              </a:rPr>
-              <a:t>https://www.slideshare.net/nzakas/enterprise-javascript-error-handling-presentation/25-C_ommunication_E_rrors_Invalid</a:t>
-            </a:r>
-            <a:endParaRPr lang="en-US" dirty="0"/>
-          </a:p>
-          <a:p>
-            <a:pPr marL="190500">
-              <a:lnSpc>
-                <a:spcPct val="81000"/>
-              </a:lnSpc>
-              <a:spcBef>
-                <a:spcPts val="500"/>
-              </a:spcBef>
-              <a:defRPr sz="2200"/>
-            </a:pPr>
-            <a:r>
-              <a:rPr lang="en-US" dirty="0"/>
-              <a:t>Find the fix – for the error slide</a:t>
-            </a:r>
-          </a:p>
-          <a:p>
-            <a:pPr marL="190500">
-              <a:lnSpc>
-                <a:spcPct val="81000"/>
-              </a:lnSpc>
-              <a:spcBef>
-                <a:spcPts val="500"/>
-              </a:spcBef>
-              <a:defRPr sz="2200"/>
-            </a:pPr>
-            <a:r>
-              <a:rPr lang="en-US" dirty="0"/>
-              <a:t>Read - fetch vs </a:t>
-            </a:r>
-            <a:r>
-              <a:rPr lang="en-US" dirty="0" err="1"/>
-              <a:t>xmlhttprequest</a:t>
-            </a:r>
-            <a:endParaRPr lang="en-US" dirty="0"/>
-          </a:p>
-          <a:p>
-            <a:pPr marL="685800" lvl="1">
-              <a:lnSpc>
-                <a:spcPct val="81000"/>
-              </a:lnSpc>
-              <a:spcBef>
-                <a:spcPts val="500"/>
-              </a:spcBef>
-              <a:defRPr sz="2200"/>
-            </a:pPr>
-            <a:r>
-              <a:rPr lang="en-IN" dirty="0">
-                <a:hlinkClick r:id="rId5"/>
-              </a:rPr>
-              <a:t>https://developer.mozilla.org/en-US/docs/Web/API/Fetch_API</a:t>
-            </a:r>
-            <a:endParaRPr lang="en-IN" dirty="0"/>
-          </a:p>
-          <a:p>
-            <a:pPr marL="685800" lvl="1">
-              <a:lnSpc>
-                <a:spcPct val="81000"/>
-              </a:lnSpc>
-              <a:spcBef>
-                <a:spcPts val="500"/>
-              </a:spcBef>
-              <a:defRPr sz="2200"/>
-            </a:pPr>
-            <a:r>
-              <a:rPr lang="en-IN" dirty="0">
-                <a:hlinkClick r:id="rId6"/>
-              </a:rPr>
-              <a:t>https://developers.google.com/web/updates/2015/03/introduction-to-fetch</a:t>
-            </a:r>
-            <a:endParaRPr lang="en-US" dirty="0"/>
-          </a:p>
-          <a:p>
-            <a:pPr marL="685800" lvl="1">
-              <a:lnSpc>
-                <a:spcPct val="81000"/>
-              </a:lnSpc>
-              <a:spcBef>
-                <a:spcPts val="500"/>
-              </a:spcBef>
-              <a:defRPr sz="2200"/>
-            </a:pPr>
-            <a:endParaRPr lang="en-IN" dirty="0"/>
-          </a:p>
-          <a:p>
-            <a:pPr marL="685800" lvl="1">
-              <a:lnSpc>
-                <a:spcPct val="81000"/>
-              </a:lnSpc>
-              <a:spcBef>
-                <a:spcPts val="500"/>
-              </a:spcBef>
-              <a:defRPr sz="2200"/>
-            </a:pPr>
-            <a:endParaRPr dirty="0"/>
-          </a:p>
-        </p:txBody>
-      </p:sp>
-    </p:spTree>
-  </p:cSld>
-  <p:clrMapOvr>
-    <a:masterClrMapping/>
-  </p:clrMapOvr>
-  <p:transition spd="med"/>
-</p:sld>
-</file>
-
 <file path=ppt/slides/slide3.xml><?xml version="1.0" encoding="utf-8"?>
 <p:sld xmlns:a="http://schemas.openxmlformats.org/drawingml/2006/main" xmlns:r="http://schemas.openxmlformats.org/officeDocument/2006/relationships" xmlns:p="http://schemas.openxmlformats.org/presentationml/2006/main">
   <p:cSld>
@@ -14346,6 +14151,271 @@
 </file>
 
 <file path=ppt/slides/slide30.xml><?xml version="1.0" encoding="utf-8"?>
+<p:sld xmlns:a="http://schemas.openxmlformats.org/drawingml/2006/main" xmlns:r="http://schemas.openxmlformats.org/officeDocument/2006/relationships" xmlns:p="http://schemas.openxmlformats.org/presentationml/2006/main">
+  <p:cSld>
+    <p:spTree>
+      <p:nvGrpSpPr>
+        <p:cNvPr id="1" name=""/>
+        <p:cNvGrpSpPr/>
+        <p:nvPr/>
+      </p:nvGrpSpPr>
+      <p:grpSpPr>
+        <a:xfrm>
+          <a:off x="0" y="0"/>
+          <a:ext cx="0" cy="0"/>
+          <a:chOff x="0" y="0"/>
+          <a:chExt cx="0" cy="0"/>
+        </a:xfrm>
+      </p:grpSpPr>
+      <p:pic>
+        <p:nvPicPr>
+          <p:cNvPr id="234" name="Google Shape;54;p13" descr="Google Shape;54;p13"/>
+          <p:cNvPicPr>
+            <a:picLocks noChangeAspect="1"/>
+          </p:cNvPicPr>
+          <p:nvPr/>
+        </p:nvPicPr>
+        <p:blipFill>
+          <a:blip r:embed="rId2"/>
+          <a:stretch>
+            <a:fillRect/>
+          </a:stretch>
+        </p:blipFill>
+        <p:spPr>
+          <a:xfrm>
+            <a:off x="0" y="0"/>
+            <a:ext cx="12191997" cy="6858000"/>
+          </a:xfrm>
+          <a:prstGeom prst="rect">
+            <a:avLst/>
+          </a:prstGeom>
+          <a:ln w="12700">
+            <a:miter lim="400000"/>
+          </a:ln>
+        </p:spPr>
+      </p:pic>
+      <p:sp>
+        <p:nvSpPr>
+          <p:cNvPr id="235" name="Title 1"/>
+          <p:cNvSpPr txBox="1">
+            <a:spLocks noGrp="1"/>
+          </p:cNvSpPr>
+          <p:nvPr>
+            <p:ph type="title"/>
+          </p:nvPr>
+        </p:nvSpPr>
+        <p:spPr>
+          <a:prstGeom prst="rect">
+            <a:avLst/>
+          </a:prstGeom>
+        </p:spPr>
+        <p:txBody>
+          <a:bodyPr/>
+          <a:lstStyle/>
+          <a:p>
+            <a:r>
+              <a:t>Tasks</a:t>
+            </a:r>
+          </a:p>
+        </p:txBody>
+      </p:sp>
+      <p:sp>
+        <p:nvSpPr>
+          <p:cNvPr id="236" name="Content Placeholder 2"/>
+          <p:cNvSpPr txBox="1">
+            <a:spLocks noGrp="1"/>
+          </p:cNvSpPr>
+          <p:nvPr>
+            <p:ph type="body" idx="1"/>
+          </p:nvPr>
+        </p:nvSpPr>
+        <p:spPr>
+          <a:xfrm>
+            <a:off x="838200" y="1387011"/>
+            <a:ext cx="10515600" cy="4789952"/>
+          </a:xfrm>
+          <a:prstGeom prst="rect">
+            <a:avLst/>
+          </a:prstGeom>
+        </p:spPr>
+        <p:txBody>
+          <a:bodyPr>
+            <a:normAutofit/>
+          </a:bodyPr>
+          <a:lstStyle/>
+          <a:p>
+            <a:pPr>
+              <a:lnSpc>
+                <a:spcPct val="81000"/>
+              </a:lnSpc>
+              <a:defRPr sz="2500"/>
+            </a:pPr>
+            <a:endParaRPr dirty="0"/>
+          </a:p>
+          <a:p>
+            <a:pPr>
+              <a:lnSpc>
+                <a:spcPct val="81000"/>
+              </a:lnSpc>
+              <a:defRPr sz="2500"/>
+            </a:pPr>
+            <a:r>
+              <a:rPr dirty="0"/>
+              <a:t>What is the difference between window, screen, and document in </a:t>
+            </a:r>
+            <a:r>
+              <a:rPr dirty="0" err="1"/>
+              <a:t>Javascript</a:t>
+            </a:r>
+            <a:r>
+              <a:rPr dirty="0"/>
+              <a:t>?</a:t>
+            </a:r>
+          </a:p>
+          <a:p>
+            <a:pPr>
+              <a:lnSpc>
+                <a:spcPct val="81000"/>
+              </a:lnSpc>
+              <a:defRPr sz="2500"/>
+            </a:pPr>
+            <a:r>
+              <a:rPr dirty="0"/>
+              <a:t>JSON task </a:t>
+            </a:r>
+          </a:p>
+          <a:p>
+            <a:pPr marL="685800" lvl="1" indent="-228600">
+              <a:lnSpc>
+                <a:spcPct val="81000"/>
+              </a:lnSpc>
+              <a:spcBef>
+                <a:spcPts val="500"/>
+              </a:spcBef>
+              <a:defRPr sz="2200"/>
+            </a:pPr>
+            <a:r>
+              <a:rPr u="sng" dirty="0">
+                <a:solidFill>
+                  <a:srgbClr val="0563C1"/>
+                </a:solidFill>
+                <a:uFill>
+                  <a:solidFill>
+                    <a:srgbClr val="0563C1"/>
+                  </a:solidFill>
+                </a:uFill>
+                <a:hlinkClick r:id="rId3"/>
+              </a:rPr>
+              <a:t>https://medium.com/@reach2arunprakash/guvi-zen-code-sprint-javascript-practice-problems-in-json-objects-and-list-49ac3356a8a5</a:t>
+            </a:r>
+          </a:p>
+          <a:p>
+            <a:pPr marL="190500">
+              <a:lnSpc>
+                <a:spcPct val="81000"/>
+              </a:lnSpc>
+              <a:spcBef>
+                <a:spcPts val="500"/>
+              </a:spcBef>
+              <a:defRPr sz="2200"/>
+            </a:pPr>
+            <a:r>
+              <a:rPr lang="en-IN" dirty="0"/>
+              <a:t>Add error handling to the </a:t>
+            </a:r>
+            <a:r>
+              <a:rPr lang="en-IN" dirty="0" err="1"/>
+              <a:t>xmlhttprequest</a:t>
+            </a:r>
+            <a:r>
+              <a:rPr lang="en-IN" dirty="0"/>
+              <a:t> code</a:t>
+            </a:r>
+          </a:p>
+          <a:p>
+            <a:pPr marL="190500">
+              <a:lnSpc>
+                <a:spcPct val="81000"/>
+              </a:lnSpc>
+              <a:spcBef>
+                <a:spcPts val="500"/>
+              </a:spcBef>
+              <a:defRPr sz="2200"/>
+            </a:pPr>
+            <a:r>
+              <a:rPr lang="en-IN" dirty="0"/>
+              <a:t>Convert the ppt into a writeup </a:t>
+            </a:r>
+          </a:p>
+          <a:p>
+            <a:pPr marL="685800" lvl="1">
+              <a:lnSpc>
+                <a:spcPct val="81000"/>
+              </a:lnSpc>
+              <a:spcBef>
+                <a:spcPts val="500"/>
+              </a:spcBef>
+              <a:defRPr sz="2200"/>
+            </a:pPr>
+            <a:r>
+              <a:rPr lang="en-US" dirty="0">
+                <a:hlinkClick r:id="rId4"/>
+              </a:rPr>
+              <a:t>https://www.slideshare.net/nzakas/enterprise-javascript-error-handling-presentation/25-C_ommunication_E_rrors_Invalid</a:t>
+            </a:r>
+            <a:endParaRPr lang="en-US" dirty="0"/>
+          </a:p>
+          <a:p>
+            <a:pPr marL="190500">
+              <a:lnSpc>
+                <a:spcPct val="81000"/>
+              </a:lnSpc>
+              <a:spcBef>
+                <a:spcPts val="500"/>
+              </a:spcBef>
+              <a:defRPr sz="2200"/>
+            </a:pPr>
+            <a:r>
+              <a:rPr lang="en-US" dirty="0"/>
+              <a:t>Find the fix – for the error slide</a:t>
+            </a:r>
+          </a:p>
+          <a:p>
+            <a:pPr marL="685800" lvl="1">
+              <a:lnSpc>
+                <a:spcPct val="81000"/>
+              </a:lnSpc>
+              <a:spcBef>
+                <a:spcPts val="500"/>
+              </a:spcBef>
+              <a:defRPr sz="2200"/>
+            </a:pPr>
+            <a:endParaRPr lang="en-IN" dirty="0"/>
+          </a:p>
+          <a:p>
+            <a:pPr marL="685800" lvl="1">
+              <a:lnSpc>
+                <a:spcPct val="81000"/>
+              </a:lnSpc>
+              <a:spcBef>
+                <a:spcPts val="500"/>
+              </a:spcBef>
+              <a:defRPr sz="2200"/>
+            </a:pPr>
+            <a:endParaRPr dirty="0"/>
+          </a:p>
+        </p:txBody>
+      </p:sp>
+    </p:spTree>
+  </p:cSld>
+  <p:clrMapOvr>
+    <a:masterClrMapping/>
+  </p:clrMapOvr>
+  <p:transition spd="med"/>
+</p:sld>
+</file>
+
+<file path=ppt/slides/slide31.xml><?xml version="1.0" encoding="utf-8"?>
 <p:sld xmlns:a="http://schemas.openxmlformats.org/drawingml/2006/main" xmlns:r="http://schemas.openxmlformats.org/officeDocument/2006/relationships" xmlns:p="http://schemas.openxmlformats.org/presentationml/2006/main">
   <p:cSld>
     <p:spTree>
@@ -14683,7 +14753,7 @@
 </p:sld>
 </file>
 
-<file path=ppt/slides/slide31.xml><?xml version="1.0" encoding="utf-8"?>
+<file path=ppt/slides/slide32.xml><?xml version="1.0" encoding="utf-8"?>
 <p:sld xmlns:a="http://schemas.openxmlformats.org/drawingml/2006/main" xmlns:r="http://schemas.openxmlformats.org/officeDocument/2006/relationships" xmlns:p="http://schemas.openxmlformats.org/presentationml/2006/main">
   <p:cSld>
     <p:spTree>
@@ -15061,7 +15131,7 @@
 </p:sld>
 </file>
 
-<file path=ppt/slides/slide32.xml><?xml version="1.0" encoding="utf-8"?>
+<file path=ppt/slides/slide33.xml><?xml version="1.0" encoding="utf-8"?>
 <p:sld xmlns:a="http://schemas.openxmlformats.org/drawingml/2006/main" xmlns:r="http://schemas.openxmlformats.org/officeDocument/2006/relationships" xmlns:p="http://schemas.openxmlformats.org/presentationml/2006/main">
   <p:cSld>
     <p:spTree>
@@ -15509,7 +15579,7 @@
 </p:sld>
 </file>
 
-<file path=ppt/slides/slide33.xml><?xml version="1.0" encoding="utf-8"?>
+<file path=ppt/slides/slide34.xml><?xml version="1.0" encoding="utf-8"?>
 <p:sld xmlns:a="http://schemas.openxmlformats.org/drawingml/2006/main" xmlns:r="http://schemas.openxmlformats.org/officeDocument/2006/relationships" xmlns:p="http://schemas.openxmlformats.org/presentationml/2006/main">
   <p:cSld>
     <p:spTree>
@@ -16292,7 +16362,7 @@
 </p:sld>
 </file>
 
-<file path=ppt/slides/slide34.xml><?xml version="1.0" encoding="utf-8"?>
+<file path=ppt/slides/slide35.xml><?xml version="1.0" encoding="utf-8"?>
 <p:sld xmlns:a="http://schemas.openxmlformats.org/drawingml/2006/main" xmlns:r="http://schemas.openxmlformats.org/officeDocument/2006/relationships" xmlns:p="http://schemas.openxmlformats.org/presentationml/2006/main">
   <p:cSld>
     <p:spTree>
@@ -16888,7 +16958,7 @@
 </p:sld>
 </file>
 
-<file path=ppt/slides/slide35.xml><?xml version="1.0" encoding="utf-8"?>
+<file path=ppt/slides/slide36.xml><?xml version="1.0" encoding="utf-8"?>
 <p:sld xmlns:a="http://schemas.openxmlformats.org/drawingml/2006/main" xmlns:r="http://schemas.openxmlformats.org/officeDocument/2006/relationships" xmlns:p="http://schemas.openxmlformats.org/presentationml/2006/main">
   <p:cSld>
     <p:spTree>
@@ -17464,7 +17534,7 @@
 </p:sld>
 </file>
 
-<file path=ppt/slides/slide36.xml><?xml version="1.0" encoding="utf-8"?>
+<file path=ppt/slides/slide37.xml><?xml version="1.0" encoding="utf-8"?>
 <p:sld xmlns:a="http://schemas.openxmlformats.org/drawingml/2006/main" xmlns:r="http://schemas.openxmlformats.org/officeDocument/2006/relationships" xmlns:p="http://schemas.openxmlformats.org/presentationml/2006/main">
   <p:cSld>
     <p:spTree>
@@ -17977,7 +18047,7 @@
 </p:sld>
 </file>
 
-<file path=ppt/slides/slide37.xml><?xml version="1.0" encoding="utf-8"?>
+<file path=ppt/slides/slide38.xml><?xml version="1.0" encoding="utf-8"?>
 <p:sld xmlns:a="http://schemas.openxmlformats.org/drawingml/2006/main" xmlns:r="http://schemas.openxmlformats.org/officeDocument/2006/relationships" xmlns:p="http://schemas.openxmlformats.org/presentationml/2006/main">
   <p:cSld>
     <p:spTree>
@@ -18470,7 +18540,7 @@
 </p:sld>
 </file>
 
-<file path=ppt/slides/slide38.xml><?xml version="1.0" encoding="utf-8"?>
+<file path=ppt/slides/slide39.xml><?xml version="1.0" encoding="utf-8"?>
 <p:sld xmlns:a="http://schemas.openxmlformats.org/drawingml/2006/main" xmlns:r="http://schemas.openxmlformats.org/officeDocument/2006/relationships" xmlns:p="http://schemas.openxmlformats.org/presentationml/2006/main">
   <p:cSld>
     <p:spTree>
@@ -18808,7 +18878,235 @@
 </p:sld>
 </file>
 
-<file path=ppt/slides/slide39.xml><?xml version="1.0" encoding="utf-8"?>
+<file path=ppt/slides/slide4.xml><?xml version="1.0" encoding="utf-8"?>
+<p:sld xmlns:a="http://schemas.openxmlformats.org/drawingml/2006/main" xmlns:r="http://schemas.openxmlformats.org/officeDocument/2006/relationships" xmlns:p="http://schemas.openxmlformats.org/presentationml/2006/main">
+  <p:cSld>
+    <p:spTree>
+      <p:nvGrpSpPr>
+        <p:cNvPr id="1" name=""/>
+        <p:cNvGrpSpPr/>
+        <p:nvPr/>
+      </p:nvGrpSpPr>
+      <p:grpSpPr>
+        <a:xfrm>
+          <a:off x="0" y="0"/>
+          <a:ext cx="0" cy="0"/>
+          <a:chOff x="0" y="0"/>
+          <a:chExt cx="0" cy="0"/>
+        </a:xfrm>
+      </p:grpSpPr>
+      <p:pic>
+        <p:nvPicPr>
+          <p:cNvPr id="116" name="Google Shape;54;p13" descr="Google Shape;54;p13"/>
+          <p:cNvPicPr>
+            <a:picLocks noChangeAspect="1"/>
+          </p:cNvPicPr>
+          <p:nvPr/>
+        </p:nvPicPr>
+        <p:blipFill>
+          <a:blip r:embed="rId2"/>
+          <a:stretch>
+            <a:fillRect/>
+          </a:stretch>
+        </p:blipFill>
+        <p:spPr>
+          <a:xfrm>
+            <a:off x="0" y="0"/>
+            <a:ext cx="12191997" cy="6858000"/>
+          </a:xfrm>
+          <a:prstGeom prst="rect">
+            <a:avLst/>
+          </a:prstGeom>
+          <a:ln w="12700">
+            <a:miter lim="400000"/>
+          </a:ln>
+        </p:spPr>
+      </p:pic>
+      <p:sp>
+        <p:nvSpPr>
+          <p:cNvPr id="117" name="Title 1"/>
+          <p:cNvSpPr txBox="1">
+            <a:spLocks noGrp="1"/>
+          </p:cNvSpPr>
+          <p:nvPr>
+            <p:ph type="title"/>
+          </p:nvPr>
+        </p:nvSpPr>
+        <p:spPr>
+          <a:prstGeom prst="rect">
+            <a:avLst/>
+          </a:prstGeom>
+        </p:spPr>
+        <p:txBody>
+          <a:bodyPr/>
+          <a:lstStyle/>
+          <a:p>
+            <a:r>
+              <a:t>Recap</a:t>
+            </a:r>
+          </a:p>
+        </p:txBody>
+      </p:sp>
+      <p:sp>
+        <p:nvSpPr>
+          <p:cNvPr id="118" name="Content Placeholder 2"/>
+          <p:cNvSpPr txBox="1">
+            <a:spLocks noGrp="1"/>
+          </p:cNvSpPr>
+          <p:nvPr>
+            <p:ph type="body" idx="1"/>
+          </p:nvPr>
+        </p:nvSpPr>
+        <p:spPr>
+          <a:prstGeom prst="rect">
+            <a:avLst/>
+          </a:prstGeom>
+        </p:spPr>
+        <p:txBody>
+          <a:bodyPr/>
+          <a:lstStyle/>
+          <a:p>
+            <a:pPr marL="0" indent="0">
+              <a:lnSpc>
+                <a:spcPct val="72000"/>
+              </a:lnSpc>
+              <a:buSzTx/>
+              <a:buNone/>
+              <a:defRPr sz="2500"/>
+            </a:pPr>
+            <a:r>
+              <a:t>var m1 = 10;</a:t>
+            </a:r>
+          </a:p>
+          <a:p>
+            <a:pPr marL="0" indent="0">
+              <a:lnSpc>
+                <a:spcPct val="72000"/>
+              </a:lnSpc>
+              <a:buSzTx/>
+              <a:buNone/>
+              <a:defRPr sz="2500"/>
+            </a:pPr>
+            <a:r>
+              <a:t>var m2 = 10;</a:t>
+            </a:r>
+          </a:p>
+          <a:p>
+            <a:pPr marL="0" indent="0">
+              <a:lnSpc>
+                <a:spcPct val="72000"/>
+              </a:lnSpc>
+              <a:buSzTx/>
+              <a:buNone/>
+              <a:defRPr sz="2500"/>
+            </a:pPr>
+            <a:r>
+              <a:t>If(m1==m1)</a:t>
+            </a:r>
+          </a:p>
+          <a:p>
+            <a:pPr marL="0" indent="0">
+              <a:lnSpc>
+                <a:spcPct val="72000"/>
+              </a:lnSpc>
+              <a:buSzTx/>
+              <a:buNone/>
+              <a:defRPr sz="2500"/>
+            </a:pPr>
+            <a:r>
+              <a:t>{</a:t>
+            </a:r>
+          </a:p>
+          <a:p>
+            <a:pPr marL="0" indent="0">
+              <a:lnSpc>
+                <a:spcPct val="72000"/>
+              </a:lnSpc>
+              <a:buSzTx/>
+              <a:buNone/>
+              <a:defRPr sz="2500"/>
+            </a:pPr>
+            <a:r>
+              <a:t>console.log(“Equal”);</a:t>
+            </a:r>
+          </a:p>
+          <a:p>
+            <a:pPr marL="0" indent="0">
+              <a:lnSpc>
+                <a:spcPct val="72000"/>
+              </a:lnSpc>
+              <a:buSzTx/>
+              <a:buNone/>
+              <a:defRPr sz="2500"/>
+            </a:pPr>
+            <a:r>
+              <a:t>};</a:t>
+            </a:r>
+          </a:p>
+          <a:p>
+            <a:pPr marL="0" indent="0">
+              <a:lnSpc>
+                <a:spcPct val="72000"/>
+              </a:lnSpc>
+              <a:buSzTx/>
+              <a:buNone/>
+              <a:defRPr sz="2500"/>
+            </a:pPr>
+            <a:r>
+              <a:t>else</a:t>
+            </a:r>
+          </a:p>
+          <a:p>
+            <a:pPr marL="0" indent="0">
+              <a:lnSpc>
+                <a:spcPct val="72000"/>
+              </a:lnSpc>
+              <a:buSzTx/>
+              <a:buNone/>
+              <a:defRPr sz="2500"/>
+            </a:pPr>
+            <a:r>
+              <a:t>{</a:t>
+            </a:r>
+          </a:p>
+          <a:p>
+            <a:pPr marL="0" indent="0">
+              <a:lnSpc>
+                <a:spcPct val="72000"/>
+              </a:lnSpc>
+              <a:buSzTx/>
+              <a:buNone/>
+              <a:defRPr sz="2500"/>
+            </a:pPr>
+            <a:r>
+              <a:t>console.log(“Not Equal”);</a:t>
+            </a:r>
+          </a:p>
+          <a:p>
+            <a:pPr marL="0" indent="0">
+              <a:lnSpc>
+                <a:spcPct val="72000"/>
+              </a:lnSpc>
+              <a:buSzTx/>
+              <a:buNone/>
+              <a:defRPr sz="2500"/>
+            </a:pPr>
+            <a:r>
+              <a:t>};</a:t>
+            </a:r>
+          </a:p>
+        </p:txBody>
+      </p:sp>
+    </p:spTree>
+  </p:cSld>
+  <p:clrMapOvr>
+    <a:masterClrMapping/>
+  </p:clrMapOvr>
+  <p:transition spd="med"/>
+</p:sld>
+</file>
+
+<file path=ppt/slides/slide40.xml><?xml version="1.0" encoding="utf-8"?>
 <p:sld xmlns:a="http://schemas.openxmlformats.org/drawingml/2006/main" xmlns:r="http://schemas.openxmlformats.org/officeDocument/2006/relationships" xmlns:p="http://schemas.openxmlformats.org/presentationml/2006/main">
   <p:cSld>
     <p:spTree>
@@ -19421,235 +19719,7 @@
 </p:sld>
 </file>
 
-<file path=ppt/slides/slide4.xml><?xml version="1.0" encoding="utf-8"?>
-<p:sld xmlns:a="http://schemas.openxmlformats.org/drawingml/2006/main" xmlns:r="http://schemas.openxmlformats.org/officeDocument/2006/relationships" xmlns:p="http://schemas.openxmlformats.org/presentationml/2006/main">
-  <p:cSld>
-    <p:spTree>
-      <p:nvGrpSpPr>
-        <p:cNvPr id="1" name=""/>
-        <p:cNvGrpSpPr/>
-        <p:nvPr/>
-      </p:nvGrpSpPr>
-      <p:grpSpPr>
-        <a:xfrm>
-          <a:off x="0" y="0"/>
-          <a:ext cx="0" cy="0"/>
-          <a:chOff x="0" y="0"/>
-          <a:chExt cx="0" cy="0"/>
-        </a:xfrm>
-      </p:grpSpPr>
-      <p:pic>
-        <p:nvPicPr>
-          <p:cNvPr id="116" name="Google Shape;54;p13" descr="Google Shape;54;p13"/>
-          <p:cNvPicPr>
-            <a:picLocks noChangeAspect="1"/>
-          </p:cNvPicPr>
-          <p:nvPr/>
-        </p:nvPicPr>
-        <p:blipFill>
-          <a:blip r:embed="rId2"/>
-          <a:stretch>
-            <a:fillRect/>
-          </a:stretch>
-        </p:blipFill>
-        <p:spPr>
-          <a:xfrm>
-            <a:off x="0" y="0"/>
-            <a:ext cx="12191997" cy="6858000"/>
-          </a:xfrm>
-          <a:prstGeom prst="rect">
-            <a:avLst/>
-          </a:prstGeom>
-          <a:ln w="12700">
-            <a:miter lim="400000"/>
-          </a:ln>
-        </p:spPr>
-      </p:pic>
-      <p:sp>
-        <p:nvSpPr>
-          <p:cNvPr id="117" name="Title 1"/>
-          <p:cNvSpPr txBox="1">
-            <a:spLocks noGrp="1"/>
-          </p:cNvSpPr>
-          <p:nvPr>
-            <p:ph type="title"/>
-          </p:nvPr>
-        </p:nvSpPr>
-        <p:spPr>
-          <a:prstGeom prst="rect">
-            <a:avLst/>
-          </a:prstGeom>
-        </p:spPr>
-        <p:txBody>
-          <a:bodyPr/>
-          <a:lstStyle/>
-          <a:p>
-            <a:r>
-              <a:t>Recap</a:t>
-            </a:r>
-          </a:p>
-        </p:txBody>
-      </p:sp>
-      <p:sp>
-        <p:nvSpPr>
-          <p:cNvPr id="118" name="Content Placeholder 2"/>
-          <p:cNvSpPr txBox="1">
-            <a:spLocks noGrp="1"/>
-          </p:cNvSpPr>
-          <p:nvPr>
-            <p:ph type="body" idx="1"/>
-          </p:nvPr>
-        </p:nvSpPr>
-        <p:spPr>
-          <a:prstGeom prst="rect">
-            <a:avLst/>
-          </a:prstGeom>
-        </p:spPr>
-        <p:txBody>
-          <a:bodyPr/>
-          <a:lstStyle/>
-          <a:p>
-            <a:pPr marL="0" indent="0">
-              <a:lnSpc>
-                <a:spcPct val="72000"/>
-              </a:lnSpc>
-              <a:buSzTx/>
-              <a:buNone/>
-              <a:defRPr sz="2500"/>
-            </a:pPr>
-            <a:r>
-              <a:t>var m1 = 10;</a:t>
-            </a:r>
-          </a:p>
-          <a:p>
-            <a:pPr marL="0" indent="0">
-              <a:lnSpc>
-                <a:spcPct val="72000"/>
-              </a:lnSpc>
-              <a:buSzTx/>
-              <a:buNone/>
-              <a:defRPr sz="2500"/>
-            </a:pPr>
-            <a:r>
-              <a:t>var m2 = 10;</a:t>
-            </a:r>
-          </a:p>
-          <a:p>
-            <a:pPr marL="0" indent="0">
-              <a:lnSpc>
-                <a:spcPct val="72000"/>
-              </a:lnSpc>
-              <a:buSzTx/>
-              <a:buNone/>
-              <a:defRPr sz="2500"/>
-            </a:pPr>
-            <a:r>
-              <a:t>If(m1==m1)</a:t>
-            </a:r>
-          </a:p>
-          <a:p>
-            <a:pPr marL="0" indent="0">
-              <a:lnSpc>
-                <a:spcPct val="72000"/>
-              </a:lnSpc>
-              <a:buSzTx/>
-              <a:buNone/>
-              <a:defRPr sz="2500"/>
-            </a:pPr>
-            <a:r>
-              <a:t>{</a:t>
-            </a:r>
-          </a:p>
-          <a:p>
-            <a:pPr marL="0" indent="0">
-              <a:lnSpc>
-                <a:spcPct val="72000"/>
-              </a:lnSpc>
-              <a:buSzTx/>
-              <a:buNone/>
-              <a:defRPr sz="2500"/>
-            </a:pPr>
-            <a:r>
-              <a:t>console.log(“Equal”);</a:t>
-            </a:r>
-          </a:p>
-          <a:p>
-            <a:pPr marL="0" indent="0">
-              <a:lnSpc>
-                <a:spcPct val="72000"/>
-              </a:lnSpc>
-              <a:buSzTx/>
-              <a:buNone/>
-              <a:defRPr sz="2500"/>
-            </a:pPr>
-            <a:r>
-              <a:t>};</a:t>
-            </a:r>
-          </a:p>
-          <a:p>
-            <a:pPr marL="0" indent="0">
-              <a:lnSpc>
-                <a:spcPct val="72000"/>
-              </a:lnSpc>
-              <a:buSzTx/>
-              <a:buNone/>
-              <a:defRPr sz="2500"/>
-            </a:pPr>
-            <a:r>
-              <a:t>else</a:t>
-            </a:r>
-          </a:p>
-          <a:p>
-            <a:pPr marL="0" indent="0">
-              <a:lnSpc>
-                <a:spcPct val="72000"/>
-              </a:lnSpc>
-              <a:buSzTx/>
-              <a:buNone/>
-              <a:defRPr sz="2500"/>
-            </a:pPr>
-            <a:r>
-              <a:t>{</a:t>
-            </a:r>
-          </a:p>
-          <a:p>
-            <a:pPr marL="0" indent="0">
-              <a:lnSpc>
-                <a:spcPct val="72000"/>
-              </a:lnSpc>
-              <a:buSzTx/>
-              <a:buNone/>
-              <a:defRPr sz="2500"/>
-            </a:pPr>
-            <a:r>
-              <a:t>console.log(“Not Equal”);</a:t>
-            </a:r>
-          </a:p>
-          <a:p>
-            <a:pPr marL="0" indent="0">
-              <a:lnSpc>
-                <a:spcPct val="72000"/>
-              </a:lnSpc>
-              <a:buSzTx/>
-              <a:buNone/>
-              <a:defRPr sz="2500"/>
-            </a:pPr>
-            <a:r>
-              <a:t>};</a:t>
-            </a:r>
-          </a:p>
-        </p:txBody>
-      </p:sp>
-    </p:spTree>
-  </p:cSld>
-  <p:clrMapOvr>
-    <a:masterClrMapping/>
-  </p:clrMapOvr>
-  <p:transition spd="med"/>
-</p:sld>
-</file>
-
-<file path=ppt/slides/slide40.xml><?xml version="1.0" encoding="utf-8"?>
+<file path=ppt/slides/slide41.xml><?xml version="1.0" encoding="utf-8"?>
 <p:sld xmlns:a="http://schemas.openxmlformats.org/drawingml/2006/main" xmlns:r="http://schemas.openxmlformats.org/officeDocument/2006/relationships" xmlns:p="http://schemas.openxmlformats.org/presentationml/2006/main">
   <p:cSld>
     <p:spTree>
@@ -19779,7 +19849,7 @@
 </p:sld>
 </file>
 
-<file path=ppt/slides/slide41.xml><?xml version="1.0" encoding="utf-8"?>
+<file path=ppt/slides/slide42.xml><?xml version="1.0" encoding="utf-8"?>
 <p:sld xmlns:a="http://schemas.openxmlformats.org/drawingml/2006/main" xmlns:r="http://schemas.openxmlformats.org/officeDocument/2006/relationships" xmlns:p="http://schemas.openxmlformats.org/presentationml/2006/main">
   <p:cSld>
     <p:spTree>
@@ -20117,7 +20187,7 @@
 </p:sld>
 </file>
 
-<file path=ppt/slides/slide42.xml><?xml version="1.0" encoding="utf-8"?>
+<file path=ppt/slides/slide43.xml><?xml version="1.0" encoding="utf-8"?>
 <p:sld xmlns:a="http://schemas.openxmlformats.org/drawingml/2006/main" xmlns:r="http://schemas.openxmlformats.org/officeDocument/2006/relationships" xmlns:p="http://schemas.openxmlformats.org/presentationml/2006/main">
   <p:cSld>
     <p:spTree>
@@ -20578,7 +20648,7 @@
 </p:sld>
 </file>
 
-<file path=ppt/slides/slide43.xml><?xml version="1.0" encoding="utf-8"?>
+<file path=ppt/slides/slide44.xml><?xml version="1.0" encoding="utf-8"?>
 <p:sld xmlns:a="http://schemas.openxmlformats.org/drawingml/2006/main" xmlns:r="http://schemas.openxmlformats.org/officeDocument/2006/relationships" xmlns:p="http://schemas.openxmlformats.org/presentationml/2006/main">
   <p:cSld>
     <p:spTree>
@@ -20973,7 +21043,7 @@
 </p:sld>
 </file>
 
-<file path=ppt/slides/slide44.xml><?xml version="1.0" encoding="utf-8"?>
+<file path=ppt/slides/slide45.xml><?xml version="1.0" encoding="utf-8"?>
 <p:sld xmlns:a="http://schemas.openxmlformats.org/drawingml/2006/main" xmlns:r="http://schemas.openxmlformats.org/officeDocument/2006/relationships" xmlns:p="http://schemas.openxmlformats.org/presentationml/2006/main">
   <p:cSld>
     <p:spTree>
@@ -21316,7 +21386,7 @@
 </p:sld>
 </file>
 
-<file path=ppt/slides/slide45.xml><?xml version="1.0" encoding="utf-8"?>
+<file path=ppt/slides/slide46.xml><?xml version="1.0" encoding="utf-8"?>
 <p:sld xmlns:a="http://schemas.openxmlformats.org/drawingml/2006/main" xmlns:r="http://schemas.openxmlformats.org/officeDocument/2006/relationships" xmlns:p="http://schemas.openxmlformats.org/presentationml/2006/main">
   <p:cSld>
     <p:spTree>
@@ -21560,7 +21630,7 @@
 </p:sld>
 </file>
 
-<file path=ppt/slides/slide46.xml><?xml version="1.0" encoding="utf-8"?>
+<file path=ppt/slides/slide47.xml><?xml version="1.0" encoding="utf-8"?>
 <p:sld xmlns:a="http://schemas.openxmlformats.org/drawingml/2006/main" xmlns:r="http://schemas.openxmlformats.org/officeDocument/2006/relationships" xmlns:p="http://schemas.openxmlformats.org/presentationml/2006/main">
   <p:cSld>
     <p:spTree>
@@ -21717,7 +21787,7 @@
 </p:sld>
 </file>
 
-<file path=ppt/slides/slide47.xml><?xml version="1.0" encoding="utf-8"?>
+<file path=ppt/slides/slide48.xml><?xml version="1.0" encoding="utf-8"?>
 <p:sld xmlns:a="http://schemas.openxmlformats.org/drawingml/2006/main" xmlns:r="http://schemas.openxmlformats.org/officeDocument/2006/relationships" xmlns:p="http://schemas.openxmlformats.org/presentationml/2006/main">
   <p:cSld>
     <p:spTree>
@@ -22084,7 +22154,7 @@
 </p:sld>
 </file>
 
-<file path=ppt/slides/slide48.xml><?xml version="1.0" encoding="utf-8"?>
+<file path=ppt/slides/slide49.xml><?xml version="1.0" encoding="utf-8"?>
 <p:sld xmlns:a="http://schemas.openxmlformats.org/drawingml/2006/main" xmlns:r="http://schemas.openxmlformats.org/officeDocument/2006/relationships" xmlns:p="http://schemas.openxmlformats.org/presentationml/2006/main">
   <p:cSld>
     <p:spTree>
@@ -22364,197 +22434,6 @@
       <p:bldP spid="339" grpId="2" animBg="1" advAuto="0"/>
     </p:bldLst>
   </p:timing>
-</p:sld>
-</file>
-
-<file path=ppt/slides/slide49.xml><?xml version="1.0" encoding="utf-8"?>
-<p:sld xmlns:a="http://schemas.openxmlformats.org/drawingml/2006/main" xmlns:r="http://schemas.openxmlformats.org/officeDocument/2006/relationships" xmlns:p="http://schemas.openxmlformats.org/presentationml/2006/main">
-  <p:cSld>
-    <p:spTree>
-      <p:nvGrpSpPr>
-        <p:cNvPr id="1" name=""/>
-        <p:cNvGrpSpPr/>
-        <p:nvPr/>
-      </p:nvGrpSpPr>
-      <p:grpSpPr>
-        <a:xfrm>
-          <a:off x="0" y="0"/>
-          <a:ext cx="0" cy="0"/>
-          <a:chOff x="0" y="0"/>
-          <a:chExt cx="0" cy="0"/>
-        </a:xfrm>
-      </p:grpSpPr>
-      <p:pic>
-        <p:nvPicPr>
-          <p:cNvPr id="341" name="Google Shape;54;p13" descr="Google Shape;54;p13"/>
-          <p:cNvPicPr>
-            <a:picLocks noChangeAspect="1"/>
-          </p:cNvPicPr>
-          <p:nvPr/>
-        </p:nvPicPr>
-        <p:blipFill>
-          <a:blip r:embed="rId2"/>
-          <a:stretch>
-            <a:fillRect/>
-          </a:stretch>
-        </p:blipFill>
-        <p:spPr>
-          <a:xfrm>
-            <a:off x="0" y="0"/>
-            <a:ext cx="12191997" cy="6858000"/>
-          </a:xfrm>
-          <a:prstGeom prst="rect">
-            <a:avLst/>
-          </a:prstGeom>
-          <a:ln w="12700">
-            <a:miter lim="400000"/>
-          </a:ln>
-        </p:spPr>
-      </p:pic>
-      <p:sp>
-        <p:nvSpPr>
-          <p:cNvPr id="342" name="Title 1"/>
-          <p:cNvSpPr txBox="1">
-            <a:spLocks noGrp="1"/>
-          </p:cNvSpPr>
-          <p:nvPr>
-            <p:ph type="title"/>
-          </p:nvPr>
-        </p:nvSpPr>
-        <p:spPr>
-          <a:prstGeom prst="rect">
-            <a:avLst/>
-          </a:prstGeom>
-        </p:spPr>
-        <p:txBody>
-          <a:bodyPr/>
-          <a:lstStyle/>
-          <a:p>
-            <a:r>
-              <a:t>Passing function to another function</a:t>
-            </a:r>
-          </a:p>
-        </p:txBody>
-      </p:sp>
-      <p:sp>
-        <p:nvSpPr>
-          <p:cNvPr id="343" name="Rectangle 4"/>
-          <p:cNvSpPr txBox="1"/>
-          <p:nvPr/>
-        </p:nvSpPr>
-        <p:spPr>
-          <a:xfrm>
-            <a:off x="883920" y="1987033"/>
-            <a:ext cx="9819641" cy="3468848"/>
-          </a:xfrm>
-          <a:prstGeom prst="rect">
-            <a:avLst/>
-          </a:prstGeom>
-          <a:ln w="12700">
-            <a:miter lim="400000"/>
-          </a:ln>
-          <a:extLst>
-            <a:ext uri="{C572A759-6A51-4108-AA02-DFA0A04FC94B}">
-              <ma14:wrappingTextBoxFlag xmlns="" xmlns:m="http://schemas.openxmlformats.org/officeDocument/2006/math" xmlns:a14="http://schemas.microsoft.com/office/drawing/2010/main" xmlns:ma14="http://schemas.microsoft.com/office/mac/drawingml/2011/main" val="1"/>
-            </a:ext>
-          </a:extLst>
-        </p:spPr>
-        <p:txBody>
-          <a:bodyPr wrap="none" lIns="45719" rIns="45719">
-            <a:spAutoFit/>
-          </a:bodyPr>
-          <a:lstStyle/>
-          <a:p>
-            <a:pPr>
-              <a:defRPr sz="3200"/>
-            </a:pPr>
-            <a:r>
-              <a:t>var square = function(number) { return number * number }</a:t>
-            </a:r>
-          </a:p>
-          <a:p>
-            <a:pPr>
-              <a:defRPr sz="3200"/>
-            </a:pPr>
-            <a:endParaRPr/>
-          </a:p>
-          <a:p>
-            <a:pPr>
-              <a:defRPr sz="3200"/>
-            </a:pPr>
-            <a:r>
-              <a:t>function newf(a){</a:t>
-            </a:r>
-          </a:p>
-          <a:p>
-            <a:pPr>
-              <a:defRPr sz="3200"/>
-            </a:pPr>
-            <a:r>
-              <a:t> a();</a:t>
-            </a:r>
-          </a:p>
-          <a:p>
-            <a:pPr>
-              <a:defRPr sz="3200"/>
-            </a:pPr>
-            <a:r>
-              <a:t>}</a:t>
-            </a:r>
-          </a:p>
-          <a:p>
-            <a:pPr>
-              <a:defRPr sz="3200"/>
-            </a:pPr>
-            <a:endParaRPr/>
-          </a:p>
-        </p:txBody>
-      </p:sp>
-      <p:sp>
-        <p:nvSpPr>
-          <p:cNvPr id="344" name="Rectangle 5"/>
-          <p:cNvSpPr txBox="1"/>
-          <p:nvPr/>
-        </p:nvSpPr>
-        <p:spPr>
-          <a:xfrm>
-            <a:off x="883919" y="4798755"/>
-            <a:ext cx="2408001" cy="497047"/>
-          </a:xfrm>
-          <a:prstGeom prst="rect">
-            <a:avLst/>
-          </a:prstGeom>
-          <a:ln w="12700">
-            <a:miter lim="400000"/>
-          </a:ln>
-          <a:extLst>
-            <a:ext uri="{C572A759-6A51-4108-AA02-DFA0A04FC94B}">
-              <ma14:wrappingTextBoxFlag xmlns="" xmlns:m="http://schemas.openxmlformats.org/officeDocument/2006/math" xmlns:a14="http://schemas.microsoft.com/office/drawing/2010/main" xmlns:ma14="http://schemas.microsoft.com/office/mac/drawingml/2011/main" val="1"/>
-            </a:ext>
-          </a:extLst>
-        </p:spPr>
-        <p:txBody>
-          <a:bodyPr wrap="none" lIns="45719" rIns="45719">
-            <a:spAutoFit/>
-          </a:bodyPr>
-          <a:lstStyle>
-            <a:lvl1pPr>
-              <a:defRPr sz="3200"/>
-            </a:lvl1pPr>
-          </a:lstStyle>
-          <a:p>
-            <a:r>
-              <a:t>newf(square);</a:t>
-            </a:r>
-          </a:p>
-        </p:txBody>
-      </p:sp>
-    </p:spTree>
-  </p:cSld>
-  <p:clrMapOvr>
-    <a:masterClrMapping/>
-  </p:clrMapOvr>
-  <p:transition spd="med"/>
 </p:sld>
 </file>
 
@@ -24346,6 +24225,197 @@
       </p:grpSpPr>
       <p:pic>
         <p:nvPicPr>
+          <p:cNvPr id="341" name="Google Shape;54;p13" descr="Google Shape;54;p13"/>
+          <p:cNvPicPr>
+            <a:picLocks noChangeAspect="1"/>
+          </p:cNvPicPr>
+          <p:nvPr/>
+        </p:nvPicPr>
+        <p:blipFill>
+          <a:blip r:embed="rId2"/>
+          <a:stretch>
+            <a:fillRect/>
+          </a:stretch>
+        </p:blipFill>
+        <p:spPr>
+          <a:xfrm>
+            <a:off x="0" y="0"/>
+            <a:ext cx="12191997" cy="6858000"/>
+          </a:xfrm>
+          <a:prstGeom prst="rect">
+            <a:avLst/>
+          </a:prstGeom>
+          <a:ln w="12700">
+            <a:miter lim="400000"/>
+          </a:ln>
+        </p:spPr>
+      </p:pic>
+      <p:sp>
+        <p:nvSpPr>
+          <p:cNvPr id="342" name="Title 1"/>
+          <p:cNvSpPr txBox="1">
+            <a:spLocks noGrp="1"/>
+          </p:cNvSpPr>
+          <p:nvPr>
+            <p:ph type="title"/>
+          </p:nvPr>
+        </p:nvSpPr>
+        <p:spPr>
+          <a:prstGeom prst="rect">
+            <a:avLst/>
+          </a:prstGeom>
+        </p:spPr>
+        <p:txBody>
+          <a:bodyPr/>
+          <a:lstStyle/>
+          <a:p>
+            <a:r>
+              <a:t>Passing function to another function</a:t>
+            </a:r>
+          </a:p>
+        </p:txBody>
+      </p:sp>
+      <p:sp>
+        <p:nvSpPr>
+          <p:cNvPr id="343" name="Rectangle 4"/>
+          <p:cNvSpPr txBox="1"/>
+          <p:nvPr/>
+        </p:nvSpPr>
+        <p:spPr>
+          <a:xfrm>
+            <a:off x="883920" y="1987033"/>
+            <a:ext cx="9819641" cy="3468848"/>
+          </a:xfrm>
+          <a:prstGeom prst="rect">
+            <a:avLst/>
+          </a:prstGeom>
+          <a:ln w="12700">
+            <a:miter lim="400000"/>
+          </a:ln>
+          <a:extLst>
+            <a:ext uri="{C572A759-6A51-4108-AA02-DFA0A04FC94B}">
+              <ma14:wrappingTextBoxFlag xmlns="" xmlns:m="http://schemas.openxmlformats.org/officeDocument/2006/math" xmlns:a14="http://schemas.microsoft.com/office/drawing/2010/main" xmlns:ma14="http://schemas.microsoft.com/office/mac/drawingml/2011/main" val="1"/>
+            </a:ext>
+          </a:extLst>
+        </p:spPr>
+        <p:txBody>
+          <a:bodyPr wrap="none" lIns="45719" rIns="45719">
+            <a:spAutoFit/>
+          </a:bodyPr>
+          <a:lstStyle/>
+          <a:p>
+            <a:pPr>
+              <a:defRPr sz="3200"/>
+            </a:pPr>
+            <a:r>
+              <a:t>var square = function(number) { return number * number }</a:t>
+            </a:r>
+          </a:p>
+          <a:p>
+            <a:pPr>
+              <a:defRPr sz="3200"/>
+            </a:pPr>
+            <a:endParaRPr/>
+          </a:p>
+          <a:p>
+            <a:pPr>
+              <a:defRPr sz="3200"/>
+            </a:pPr>
+            <a:r>
+              <a:t>function newf(a){</a:t>
+            </a:r>
+          </a:p>
+          <a:p>
+            <a:pPr>
+              <a:defRPr sz="3200"/>
+            </a:pPr>
+            <a:r>
+              <a:t> a();</a:t>
+            </a:r>
+          </a:p>
+          <a:p>
+            <a:pPr>
+              <a:defRPr sz="3200"/>
+            </a:pPr>
+            <a:r>
+              <a:t>}</a:t>
+            </a:r>
+          </a:p>
+          <a:p>
+            <a:pPr>
+              <a:defRPr sz="3200"/>
+            </a:pPr>
+            <a:endParaRPr/>
+          </a:p>
+        </p:txBody>
+      </p:sp>
+      <p:sp>
+        <p:nvSpPr>
+          <p:cNvPr id="344" name="Rectangle 5"/>
+          <p:cNvSpPr txBox="1"/>
+          <p:nvPr/>
+        </p:nvSpPr>
+        <p:spPr>
+          <a:xfrm>
+            <a:off x="883919" y="4798755"/>
+            <a:ext cx="2408001" cy="497047"/>
+          </a:xfrm>
+          <a:prstGeom prst="rect">
+            <a:avLst/>
+          </a:prstGeom>
+          <a:ln w="12700">
+            <a:miter lim="400000"/>
+          </a:ln>
+          <a:extLst>
+            <a:ext uri="{C572A759-6A51-4108-AA02-DFA0A04FC94B}">
+              <ma14:wrappingTextBoxFlag xmlns="" xmlns:m="http://schemas.openxmlformats.org/officeDocument/2006/math" xmlns:a14="http://schemas.microsoft.com/office/drawing/2010/main" xmlns:ma14="http://schemas.microsoft.com/office/mac/drawingml/2011/main" val="1"/>
+            </a:ext>
+          </a:extLst>
+        </p:spPr>
+        <p:txBody>
+          <a:bodyPr wrap="none" lIns="45719" rIns="45719">
+            <a:spAutoFit/>
+          </a:bodyPr>
+          <a:lstStyle>
+            <a:lvl1pPr>
+              <a:defRPr sz="3200"/>
+            </a:lvl1pPr>
+          </a:lstStyle>
+          <a:p>
+            <a:r>
+              <a:t>newf(square);</a:t>
+            </a:r>
+          </a:p>
+        </p:txBody>
+      </p:sp>
+    </p:spTree>
+  </p:cSld>
+  <p:clrMapOvr>
+    <a:masterClrMapping/>
+  </p:clrMapOvr>
+  <p:transition spd="med"/>
+</p:sld>
+</file>
+
+<file path=ppt/slides/slide51.xml><?xml version="1.0" encoding="utf-8"?>
+<p:sld xmlns:a="http://schemas.openxmlformats.org/drawingml/2006/main" xmlns:r="http://schemas.openxmlformats.org/officeDocument/2006/relationships" xmlns:p="http://schemas.openxmlformats.org/presentationml/2006/main">
+  <p:cSld>
+    <p:spTree>
+      <p:nvGrpSpPr>
+        <p:cNvPr id="1" name=""/>
+        <p:cNvGrpSpPr/>
+        <p:nvPr/>
+      </p:nvGrpSpPr>
+      <p:grpSpPr>
+        <a:xfrm>
+          <a:off x="0" y="0"/>
+          <a:ext cx="0" cy="0"/>
+          <a:chOff x="0" y="0"/>
+          <a:chExt cx="0" cy="0"/>
+        </a:xfrm>
+      </p:grpSpPr>
+      <p:pic>
+        <p:nvPicPr>
           <p:cNvPr id="346" name="Google Shape;54;p13" descr="Google Shape;54;p13"/>
           <p:cNvPicPr>
             <a:picLocks noChangeAspect="1"/>
@@ -24477,7 +24547,7 @@
 </p:sld>
 </file>
 
-<file path=ppt/slides/slide51.xml><?xml version="1.0" encoding="utf-8"?>
+<file path=ppt/slides/slide52.xml><?xml version="1.0" encoding="utf-8"?>
 <p:sld xmlns:a="http://schemas.openxmlformats.org/drawingml/2006/main" xmlns:r="http://schemas.openxmlformats.org/officeDocument/2006/relationships" xmlns:p="http://schemas.openxmlformats.org/presentationml/2006/main">
   <p:cSld>
     <p:spTree>
@@ -24685,7 +24755,7 @@
 </p:sld>
 </file>
 
-<file path=ppt/slides/slide52.xml><?xml version="1.0" encoding="utf-8"?>
+<file path=ppt/slides/slide53.xml><?xml version="1.0" encoding="utf-8"?>
 <p:sld xmlns:a="http://schemas.openxmlformats.org/drawingml/2006/main" xmlns:r="http://schemas.openxmlformats.org/officeDocument/2006/relationships" xmlns:p="http://schemas.openxmlformats.org/presentationml/2006/main">
   <p:cSld>
     <p:spTree>
@@ -24815,7 +24885,7 @@
 </p:sld>
 </file>
 
-<file path=ppt/slides/slide53.xml><?xml version="1.0" encoding="utf-8"?>
+<file path=ppt/slides/slide54.xml><?xml version="1.0" encoding="utf-8"?>
 <p:sld xmlns:a="http://schemas.openxmlformats.org/drawingml/2006/main" xmlns:r="http://schemas.openxmlformats.org/officeDocument/2006/relationships" xmlns:p="http://schemas.openxmlformats.org/presentationml/2006/main">
   <p:cSld>
     <p:spTree>
@@ -25046,7 +25116,7 @@
 </p:sld>
 </file>
 
-<file path=ppt/slides/slide54.xml><?xml version="1.0" encoding="utf-8"?>
+<file path=ppt/slides/slide55.xml><?xml version="1.0" encoding="utf-8"?>
 <p:sld xmlns:a="http://schemas.openxmlformats.org/drawingml/2006/main" xmlns:r="http://schemas.openxmlformats.org/officeDocument/2006/relationships" xmlns:p="http://schemas.openxmlformats.org/presentationml/2006/main">
   <p:cSld>
     <p:spTree>
@@ -25384,7 +25454,7 @@
 </p:sld>
 </file>
 
-<file path=ppt/slides/slide55.xml><?xml version="1.0" encoding="utf-8"?>
+<file path=ppt/slides/slide56.xml><?xml version="1.0" encoding="utf-8"?>
 <p:sld xmlns:a="http://schemas.openxmlformats.org/drawingml/2006/main" xmlns:r="http://schemas.openxmlformats.org/officeDocument/2006/relationships" xmlns:p="http://schemas.openxmlformats.org/presentationml/2006/main">
   <p:cSld>
     <p:spTree>
@@ -25948,7 +26018,7 @@
 </p:sld>
 </file>
 
-<file path=ppt/slides/slide56.xml><?xml version="1.0" encoding="utf-8"?>
+<file path=ppt/slides/slide57.xml><?xml version="1.0" encoding="utf-8"?>
 <p:sld xmlns:a="http://schemas.openxmlformats.org/drawingml/2006/main" xmlns:r="http://schemas.openxmlformats.org/officeDocument/2006/relationships" xmlns:p="http://schemas.openxmlformats.org/presentationml/2006/main">
   <p:cSld>
     <p:spTree>
@@ -26294,7 +26364,7 @@
 </p:sld>
 </file>
 
-<file path=ppt/slides/slide57.xml><?xml version="1.0" encoding="utf-8"?>
+<file path=ppt/slides/slide58.xml><?xml version="1.0" encoding="utf-8"?>
 <p:sld xmlns:a="http://schemas.openxmlformats.org/drawingml/2006/main" xmlns:r="http://schemas.openxmlformats.org/officeDocument/2006/relationships" xmlns:p="http://schemas.openxmlformats.org/presentationml/2006/main">
   <p:cSld>
     <p:spTree>
@@ -26479,7 +26549,7 @@
 </p:sld>
 </file>
 
-<file path=ppt/slides/slide58.xml><?xml version="1.0" encoding="utf-8"?>
+<file path=ppt/slides/slide59.xml><?xml version="1.0" encoding="utf-8"?>
 <p:sld xmlns:a="http://schemas.openxmlformats.org/drawingml/2006/main" xmlns:r="http://schemas.openxmlformats.org/officeDocument/2006/relationships" xmlns:p="http://schemas.openxmlformats.org/presentationml/2006/main">
   <p:cSld>
     <p:spTree>
@@ -26808,86 +26878,6 @@
           </a:p>
         </p:txBody>
       </p:sp>
-    </p:spTree>
-  </p:cSld>
-  <p:clrMapOvr>
-    <a:masterClrMapping/>
-  </p:clrMapOvr>
-  <p:transition spd="med"/>
-</p:sld>
-</file>
-
-<file path=ppt/slides/slide59.xml><?xml version="1.0" encoding="utf-8"?>
-<p:sld xmlns:a="http://schemas.openxmlformats.org/drawingml/2006/main" xmlns:r="http://schemas.openxmlformats.org/officeDocument/2006/relationships" xmlns:p="http://schemas.openxmlformats.org/presentationml/2006/main">
-  <p:cSld>
-    <p:spTree>
-      <p:nvGrpSpPr>
-        <p:cNvPr id="1" name=""/>
-        <p:cNvGrpSpPr/>
-        <p:nvPr/>
-      </p:nvGrpSpPr>
-      <p:grpSpPr>
-        <a:xfrm>
-          <a:off x="0" y="0"/>
-          <a:ext cx="0" cy="0"/>
-          <a:chOff x="0" y="0"/>
-          <a:chExt cx="0" cy="0"/>
-        </a:xfrm>
-      </p:grpSpPr>
-      <p:pic>
-        <p:nvPicPr>
-          <p:cNvPr id="395" name="Google Shape;54;p13" descr="Google Shape;54;p13"/>
-          <p:cNvPicPr>
-            <a:picLocks noChangeAspect="1"/>
-          </p:cNvPicPr>
-          <p:nvPr/>
-        </p:nvPicPr>
-        <p:blipFill>
-          <a:blip r:embed="rId2"/>
-          <a:stretch>
-            <a:fillRect/>
-          </a:stretch>
-        </p:blipFill>
-        <p:spPr>
-          <a:xfrm>
-            <a:off x="0" y="0"/>
-            <a:ext cx="12191997" cy="6858000"/>
-          </a:xfrm>
-          <a:prstGeom prst="rect">
-            <a:avLst/>
-          </a:prstGeom>
-          <a:ln w="12700">
-            <a:miter lim="400000"/>
-          </a:ln>
-        </p:spPr>
-      </p:pic>
-      <p:pic>
-        <p:nvPicPr>
-          <p:cNvPr id="396" name="Content Placeholder 4" descr="Content Placeholder 4"/>
-          <p:cNvPicPr>
-            <a:picLocks noChangeAspect="1"/>
-          </p:cNvPicPr>
-          <p:nvPr/>
-        </p:nvPicPr>
-        <p:blipFill>
-          <a:blip r:embed="rId3"/>
-          <a:stretch>
-            <a:fillRect/>
-          </a:stretch>
-        </p:blipFill>
-        <p:spPr>
-          <a:xfrm>
-            <a:off x="1146622" y="23734"/>
-            <a:ext cx="10160256" cy="5990204"/>
-          </a:xfrm>
-          <a:prstGeom prst="rect">
-            <a:avLst/>
-          </a:prstGeom>
-          <a:ln w="12700">
-            <a:miter lim="400000"/>
-          </a:ln>
-        </p:spPr>
-      </p:pic>
     </p:spTree>
   </p:cSld>
   <p:clrMapOvr>
@@ -27468,6 +27458,86 @@
       <p:bldP spid="156" grpId="5" animBg="1" advAuto="0"/>
     </p:bldLst>
   </p:timing>
+</p:sld>
+</file>
+
+<file path=ppt/slides/slide60.xml><?xml version="1.0" encoding="utf-8"?>
+<p:sld xmlns:a="http://schemas.openxmlformats.org/drawingml/2006/main" xmlns:r="http://schemas.openxmlformats.org/officeDocument/2006/relationships" xmlns:p="http://schemas.openxmlformats.org/presentationml/2006/main">
+  <p:cSld>
+    <p:spTree>
+      <p:nvGrpSpPr>
+        <p:cNvPr id="1" name=""/>
+        <p:cNvGrpSpPr/>
+        <p:nvPr/>
+      </p:nvGrpSpPr>
+      <p:grpSpPr>
+        <a:xfrm>
+          <a:off x="0" y="0"/>
+          <a:ext cx="0" cy="0"/>
+          <a:chOff x="0" y="0"/>
+          <a:chExt cx="0" cy="0"/>
+        </a:xfrm>
+      </p:grpSpPr>
+      <p:pic>
+        <p:nvPicPr>
+          <p:cNvPr id="395" name="Google Shape;54;p13" descr="Google Shape;54;p13"/>
+          <p:cNvPicPr>
+            <a:picLocks noChangeAspect="1"/>
+          </p:cNvPicPr>
+          <p:nvPr/>
+        </p:nvPicPr>
+        <p:blipFill>
+          <a:blip r:embed="rId2"/>
+          <a:stretch>
+            <a:fillRect/>
+          </a:stretch>
+        </p:blipFill>
+        <p:spPr>
+          <a:xfrm>
+            <a:off x="0" y="0"/>
+            <a:ext cx="12191997" cy="6858000"/>
+          </a:xfrm>
+          <a:prstGeom prst="rect">
+            <a:avLst/>
+          </a:prstGeom>
+          <a:ln w="12700">
+            <a:miter lim="400000"/>
+          </a:ln>
+        </p:spPr>
+      </p:pic>
+      <p:pic>
+        <p:nvPicPr>
+          <p:cNvPr id="396" name="Content Placeholder 4" descr="Content Placeholder 4"/>
+          <p:cNvPicPr>
+            <a:picLocks noChangeAspect="1"/>
+          </p:cNvPicPr>
+          <p:nvPr/>
+        </p:nvPicPr>
+        <p:blipFill>
+          <a:blip r:embed="rId3"/>
+          <a:stretch>
+            <a:fillRect/>
+          </a:stretch>
+        </p:blipFill>
+        <p:spPr>
+          <a:xfrm>
+            <a:off x="1146622" y="23734"/>
+            <a:ext cx="10160256" cy="5990204"/>
+          </a:xfrm>
+          <a:prstGeom prst="rect">
+            <a:avLst/>
+          </a:prstGeom>
+          <a:ln w="12700">
+            <a:miter lim="400000"/>
+          </a:ln>
+        </p:spPr>
+      </p:pic>
+    </p:spTree>
+  </p:cSld>
+  <p:clrMapOvr>
+    <a:masterClrMapping/>
+  </p:clrMapOvr>
+  <p:transition spd="med"/>
 </p:sld>
 </file>
 

--- a/ppt/001 - DataTypes.pptx
+++ b/ppt/001 - DataTypes.pptx
@@ -3789,7 +3789,7 @@
             </a:extLst>
           </p:cNvPr>
           <p:cNvSpPr>
-            <a:spLocks noRot="1" noChangeArrowheads="1" noTextEdit="1"/>
+            <a:spLocks noGrp="1" noRot="1" noChangeAspect="1" noChangeArrowheads="1" noTextEdit="1"/>
           </p:cNvSpPr>
           <p:nvPr>
             <p:ph type="sldImg"/>
@@ -3813,7 +3813,7 @@
             </a:extLst>
           </p:cNvPr>
           <p:cNvSpPr>
-            <a:spLocks noChangeArrowheads="1"/>
+            <a:spLocks noGrp="1" noChangeArrowheads="1"/>
           </p:cNvSpPr>
           <p:nvPr>
             <p:ph type="body" idx="1"/>
@@ -5368,7 +5368,7 @@
           </a:ln>
           <a:extLst>
             <a:ext uri="{C572A759-6A51-4108-AA02-DFA0A04FC94B}">
-              <ma14:wrappingTextBoxFlag xmlns="" xmlns:m="http://schemas.openxmlformats.org/officeDocument/2006/math" xmlns:a14="http://schemas.microsoft.com/office/drawing/2010/main" xmlns:ma14="http://schemas.microsoft.com/office/mac/drawingml/2011/main" val="1"/>
+              <ma14:wrappingTextBoxFlag xmlns:ma14="http://schemas.microsoft.com/office/mac/drawingml/2011/main" xmlns:a14="http://schemas.microsoft.com/office/drawing/2010/main" xmlns:m="http://schemas.openxmlformats.org/officeDocument/2006/math" xmlns="" val="1"/>
             </a:ext>
           </a:extLst>
         </p:spPr>
@@ -5407,7 +5407,7 @@
           </a:ln>
           <a:extLst>
             <a:ext uri="{C572A759-6A51-4108-AA02-DFA0A04FC94B}">
-              <ma14:wrappingTextBoxFlag xmlns="" xmlns:m="http://schemas.openxmlformats.org/officeDocument/2006/math" xmlns:a14="http://schemas.microsoft.com/office/drawing/2010/main" xmlns:ma14="http://schemas.microsoft.com/office/mac/drawingml/2011/main" val="1"/>
+              <ma14:wrappingTextBoxFlag xmlns:ma14="http://schemas.microsoft.com/office/mac/drawingml/2011/main" xmlns:a14="http://schemas.microsoft.com/office/drawing/2010/main" xmlns:m="http://schemas.openxmlformats.org/officeDocument/2006/math" xmlns="" val="1"/>
             </a:ext>
           </a:extLst>
         </p:spPr>
@@ -6370,7 +6370,7 @@
             <a:effectLst/>
             <a:extLst>
               <a:ext uri="{C572A759-6A51-4108-AA02-DFA0A04FC94B}">
-                <ma14:wrappingTextBoxFlag xmlns="" xmlns:m="http://schemas.openxmlformats.org/officeDocument/2006/math" xmlns:a14="http://schemas.microsoft.com/office/drawing/2010/main" xmlns:ma14="http://schemas.microsoft.com/office/mac/drawingml/2011/main" val="1"/>
+                <ma14:wrappingTextBoxFlag xmlns:ma14="http://schemas.microsoft.com/office/mac/drawingml/2011/main" xmlns:a14="http://schemas.microsoft.com/office/drawing/2010/main" xmlns:m="http://schemas.openxmlformats.org/officeDocument/2006/math" xmlns="" val="1"/>
               </a:ext>
             </a:extLst>
           </p:spPr>
@@ -6456,7 +6456,7 @@
           </a:ln>
           <a:extLst>
             <a:ext uri="{C572A759-6A51-4108-AA02-DFA0A04FC94B}">
-              <ma14:wrappingTextBoxFlag xmlns="" xmlns:m="http://schemas.openxmlformats.org/officeDocument/2006/math" xmlns:a14="http://schemas.microsoft.com/office/drawing/2010/main" xmlns:ma14="http://schemas.microsoft.com/office/mac/drawingml/2011/main" val="1"/>
+              <ma14:wrappingTextBoxFlag xmlns:ma14="http://schemas.microsoft.com/office/mac/drawingml/2011/main" xmlns:a14="http://schemas.microsoft.com/office/drawing/2010/main" xmlns:m="http://schemas.openxmlformats.org/officeDocument/2006/math" xmlns="" val="1"/>
             </a:ext>
           </a:extLst>
         </p:spPr>
@@ -6529,7 +6529,7 @@
           </a:ln>
           <a:extLst>
             <a:ext uri="{C572A759-6A51-4108-AA02-DFA0A04FC94B}">
-              <ma14:wrappingTextBoxFlag xmlns="" xmlns:m="http://schemas.openxmlformats.org/officeDocument/2006/math" xmlns:a14="http://schemas.microsoft.com/office/drawing/2010/main" xmlns:ma14="http://schemas.microsoft.com/office/mac/drawingml/2011/main" val="1"/>
+              <ma14:wrappingTextBoxFlag xmlns:ma14="http://schemas.microsoft.com/office/mac/drawingml/2011/main" xmlns:a14="http://schemas.microsoft.com/office/drawing/2010/main" xmlns:m="http://schemas.openxmlformats.org/officeDocument/2006/math" xmlns="" val="1"/>
             </a:ext>
           </a:extLst>
         </p:spPr>
@@ -6997,7 +6997,7 @@
             <a:effectLst/>
             <a:extLst>
               <a:ext uri="{C572A759-6A51-4108-AA02-DFA0A04FC94B}">
-                <ma14:wrappingTextBoxFlag xmlns="" xmlns:m="http://schemas.openxmlformats.org/officeDocument/2006/math" xmlns:a14="http://schemas.microsoft.com/office/drawing/2010/main" xmlns:ma14="http://schemas.microsoft.com/office/mac/drawingml/2011/main" val="1"/>
+                <ma14:wrappingTextBoxFlag xmlns:ma14="http://schemas.microsoft.com/office/mac/drawingml/2011/main" xmlns:a14="http://schemas.microsoft.com/office/drawing/2010/main" xmlns:m="http://schemas.openxmlformats.org/officeDocument/2006/math" xmlns="" val="1"/>
               </a:ext>
             </a:extLst>
           </p:spPr>
@@ -7076,7 +7076,7 @@
           </a:ln>
           <a:extLst>
             <a:ext uri="{C572A759-6A51-4108-AA02-DFA0A04FC94B}">
-              <ma14:wrappingTextBoxFlag xmlns="" xmlns:m="http://schemas.openxmlformats.org/officeDocument/2006/math" xmlns:a14="http://schemas.microsoft.com/office/drawing/2010/main" xmlns:ma14="http://schemas.microsoft.com/office/mac/drawingml/2011/main" val="1"/>
+              <ma14:wrappingTextBoxFlag xmlns:ma14="http://schemas.microsoft.com/office/mac/drawingml/2011/main" xmlns:a14="http://schemas.microsoft.com/office/drawing/2010/main" xmlns:m="http://schemas.openxmlformats.org/officeDocument/2006/math" xmlns="" val="1"/>
             </a:ext>
           </a:extLst>
         </p:spPr>
@@ -7149,7 +7149,7 @@
           </a:ln>
           <a:extLst>
             <a:ext uri="{C572A759-6A51-4108-AA02-DFA0A04FC94B}">
-              <ma14:wrappingTextBoxFlag xmlns="" xmlns:m="http://schemas.openxmlformats.org/officeDocument/2006/math" xmlns:a14="http://schemas.microsoft.com/office/drawing/2010/main" xmlns:ma14="http://schemas.microsoft.com/office/mac/drawingml/2011/main" val="1"/>
+              <ma14:wrappingTextBoxFlag xmlns:ma14="http://schemas.microsoft.com/office/mac/drawingml/2011/main" xmlns:a14="http://schemas.microsoft.com/office/drawing/2010/main" xmlns:m="http://schemas.openxmlformats.org/officeDocument/2006/math" xmlns="" val="1"/>
             </a:ext>
           </a:extLst>
         </p:spPr>
@@ -9128,7 +9128,7 @@
           </a:ln>
           <a:extLst>
             <a:ext uri="{C572A759-6A51-4108-AA02-DFA0A04FC94B}">
-              <ma14:wrappingTextBoxFlag xmlns="" xmlns:m="http://schemas.openxmlformats.org/officeDocument/2006/math" xmlns:a14="http://schemas.microsoft.com/office/drawing/2010/main" xmlns:ma14="http://schemas.microsoft.com/office/mac/drawingml/2011/main" val="1"/>
+              <ma14:wrappingTextBoxFlag xmlns:ma14="http://schemas.microsoft.com/office/mac/drawingml/2011/main" xmlns:a14="http://schemas.microsoft.com/office/drawing/2010/main" xmlns:m="http://schemas.openxmlformats.org/officeDocument/2006/math" xmlns="" val="1"/>
             </a:ext>
           </a:extLst>
         </p:spPr>
@@ -9167,7 +9167,7 @@
           </a:ln>
           <a:extLst>
             <a:ext uri="{C572A759-6A51-4108-AA02-DFA0A04FC94B}">
-              <ma14:wrappingTextBoxFlag xmlns="" xmlns:m="http://schemas.openxmlformats.org/officeDocument/2006/math" xmlns:a14="http://schemas.microsoft.com/office/drawing/2010/main" xmlns:ma14="http://schemas.microsoft.com/office/mac/drawingml/2011/main" val="1"/>
+              <ma14:wrappingTextBoxFlag xmlns:ma14="http://schemas.microsoft.com/office/mac/drawingml/2011/main" xmlns:a14="http://schemas.microsoft.com/office/drawing/2010/main" xmlns:m="http://schemas.openxmlformats.org/officeDocument/2006/math" xmlns="" val="1"/>
             </a:ext>
           </a:extLst>
         </p:spPr>
@@ -9209,7 +9209,7 @@
           </a:ln>
           <a:extLst>
             <a:ext uri="{C572A759-6A51-4108-AA02-DFA0A04FC94B}">
-              <ma14:wrappingTextBoxFlag xmlns="" xmlns:m="http://schemas.openxmlformats.org/officeDocument/2006/math" xmlns:a14="http://schemas.microsoft.com/office/drawing/2010/main" xmlns:ma14="http://schemas.microsoft.com/office/mac/drawingml/2011/main" val="1"/>
+              <ma14:wrappingTextBoxFlag xmlns:ma14="http://schemas.microsoft.com/office/mac/drawingml/2011/main" xmlns:a14="http://schemas.microsoft.com/office/drawing/2010/main" xmlns:m="http://schemas.openxmlformats.org/officeDocument/2006/math" xmlns="" val="1"/>
             </a:ext>
           </a:extLst>
         </p:spPr>
@@ -9534,7 +9534,7 @@
           </a:ln>
           <a:extLst>
             <a:ext uri="{C572A759-6A51-4108-AA02-DFA0A04FC94B}">
-              <ma14:wrappingTextBoxFlag xmlns="" xmlns:m="http://schemas.openxmlformats.org/officeDocument/2006/math" xmlns:a14="http://schemas.microsoft.com/office/drawing/2010/main" xmlns:ma14="http://schemas.microsoft.com/office/mac/drawingml/2011/main" val="1"/>
+              <ma14:wrappingTextBoxFlag xmlns:ma14="http://schemas.microsoft.com/office/mac/drawingml/2011/main" xmlns:a14="http://schemas.microsoft.com/office/drawing/2010/main" xmlns:m="http://schemas.openxmlformats.org/officeDocument/2006/math" xmlns="" val="1"/>
             </a:ext>
           </a:extLst>
         </p:spPr>
@@ -9577,7 +9577,7 @@
           </a:ln>
           <a:extLst>
             <a:ext uri="{C572A759-6A51-4108-AA02-DFA0A04FC94B}">
-              <ma14:wrappingTextBoxFlag xmlns="" xmlns:m="http://schemas.openxmlformats.org/officeDocument/2006/math" xmlns:a14="http://schemas.microsoft.com/office/drawing/2010/main" xmlns:ma14="http://schemas.microsoft.com/office/mac/drawingml/2011/main" val="1"/>
+              <ma14:wrappingTextBoxFlag xmlns:ma14="http://schemas.microsoft.com/office/mac/drawingml/2011/main" xmlns:a14="http://schemas.microsoft.com/office/drawing/2010/main" xmlns:m="http://schemas.openxmlformats.org/officeDocument/2006/math" xmlns="" val="1"/>
             </a:ext>
           </a:extLst>
         </p:spPr>
@@ -9619,7 +9619,7 @@
           </a:ln>
           <a:extLst>
             <a:ext uri="{C572A759-6A51-4108-AA02-DFA0A04FC94B}">
-              <ma14:wrappingTextBoxFlag xmlns="" xmlns:m="http://schemas.openxmlformats.org/officeDocument/2006/math" xmlns:a14="http://schemas.microsoft.com/office/drawing/2010/main" xmlns:ma14="http://schemas.microsoft.com/office/mac/drawingml/2011/main" val="1"/>
+              <ma14:wrappingTextBoxFlag xmlns:ma14="http://schemas.microsoft.com/office/mac/drawingml/2011/main" xmlns:a14="http://schemas.microsoft.com/office/drawing/2010/main" xmlns:m="http://schemas.openxmlformats.org/officeDocument/2006/math" xmlns="" val="1"/>
             </a:ext>
           </a:extLst>
         </p:spPr>
@@ -9688,7 +9688,7 @@
           </a:ln>
           <a:extLst>
             <a:ext uri="{C572A759-6A51-4108-AA02-DFA0A04FC94B}">
-              <ma14:wrappingTextBoxFlag xmlns="" xmlns:m="http://schemas.openxmlformats.org/officeDocument/2006/math" xmlns:a14="http://schemas.microsoft.com/office/drawing/2010/main" xmlns:ma14="http://schemas.microsoft.com/office/mac/drawingml/2011/main" val="1"/>
+              <ma14:wrappingTextBoxFlag xmlns:ma14="http://schemas.microsoft.com/office/mac/drawingml/2011/main" xmlns:a14="http://schemas.microsoft.com/office/drawing/2010/main" xmlns:m="http://schemas.openxmlformats.org/officeDocument/2006/math" xmlns="" val="1"/>
             </a:ext>
           </a:extLst>
         </p:spPr>
@@ -10110,7 +10110,7 @@
           </a:ln>
           <a:extLst>
             <a:ext uri="{C572A759-6A51-4108-AA02-DFA0A04FC94B}">
-              <ma14:wrappingTextBoxFlag xmlns="" xmlns:m="http://schemas.openxmlformats.org/officeDocument/2006/math" xmlns:a14="http://schemas.microsoft.com/office/drawing/2010/main" xmlns:ma14="http://schemas.microsoft.com/office/mac/drawingml/2011/main" val="1"/>
+              <ma14:wrappingTextBoxFlag xmlns:ma14="http://schemas.microsoft.com/office/mac/drawingml/2011/main" xmlns:a14="http://schemas.microsoft.com/office/drawing/2010/main" xmlns:m="http://schemas.openxmlformats.org/officeDocument/2006/math" xmlns="" val="1"/>
             </a:ext>
           </a:extLst>
         </p:spPr>
@@ -10224,7 +10224,7 @@
           </a:ln>
           <a:extLst>
             <a:ext uri="{C572A759-6A51-4108-AA02-DFA0A04FC94B}">
-              <ma14:wrappingTextBoxFlag xmlns="" xmlns:m="http://schemas.openxmlformats.org/officeDocument/2006/math" xmlns:a14="http://schemas.microsoft.com/office/drawing/2010/main" xmlns:ma14="http://schemas.microsoft.com/office/mac/drawingml/2011/main" val="1"/>
+              <ma14:wrappingTextBoxFlag xmlns:ma14="http://schemas.microsoft.com/office/mac/drawingml/2011/main" xmlns:a14="http://schemas.microsoft.com/office/drawing/2010/main" xmlns:m="http://schemas.openxmlformats.org/officeDocument/2006/math" xmlns="" val="1"/>
             </a:ext>
           </a:extLst>
         </p:spPr>
@@ -10396,7 +10396,7 @@
           </a:ln>
           <a:extLst>
             <a:ext uri="{C572A759-6A51-4108-AA02-DFA0A04FC94B}">
-              <ma14:wrappingTextBoxFlag xmlns="" xmlns:m="http://schemas.openxmlformats.org/officeDocument/2006/math" xmlns:a14="http://schemas.microsoft.com/office/drawing/2010/main" xmlns:ma14="http://schemas.microsoft.com/office/mac/drawingml/2011/main" val="1"/>
+              <ma14:wrappingTextBoxFlag xmlns:ma14="http://schemas.microsoft.com/office/mac/drawingml/2011/main" xmlns:a14="http://schemas.microsoft.com/office/drawing/2010/main" xmlns:m="http://schemas.openxmlformats.org/officeDocument/2006/math" xmlns="" val="1"/>
             </a:ext>
           </a:extLst>
         </p:spPr>
@@ -10435,7 +10435,7 @@
           </a:ln>
           <a:extLst>
             <a:ext uri="{C572A759-6A51-4108-AA02-DFA0A04FC94B}">
-              <ma14:wrappingTextBoxFlag xmlns="" xmlns:m="http://schemas.openxmlformats.org/officeDocument/2006/math" xmlns:a14="http://schemas.microsoft.com/office/drawing/2010/main" xmlns:ma14="http://schemas.microsoft.com/office/mac/drawingml/2011/main" val="1"/>
+              <ma14:wrappingTextBoxFlag xmlns:ma14="http://schemas.microsoft.com/office/mac/drawingml/2011/main" xmlns:a14="http://schemas.microsoft.com/office/drawing/2010/main" xmlns:m="http://schemas.openxmlformats.org/officeDocument/2006/math" xmlns="" val="1"/>
             </a:ext>
           </a:extLst>
         </p:spPr>
@@ -10474,7 +10474,7 @@
           </a:ln>
           <a:extLst>
             <a:ext uri="{C572A759-6A51-4108-AA02-DFA0A04FC94B}">
-              <ma14:wrappingTextBoxFlag xmlns="" xmlns:m="http://schemas.openxmlformats.org/officeDocument/2006/math" xmlns:a14="http://schemas.microsoft.com/office/drawing/2010/main" xmlns:ma14="http://schemas.microsoft.com/office/mac/drawingml/2011/main" val="1"/>
+              <ma14:wrappingTextBoxFlag xmlns:ma14="http://schemas.microsoft.com/office/mac/drawingml/2011/main" xmlns:a14="http://schemas.microsoft.com/office/drawing/2010/main" xmlns:m="http://schemas.openxmlformats.org/officeDocument/2006/math" xmlns="" val="1"/>
             </a:ext>
           </a:extLst>
         </p:spPr>
@@ -11071,7 +11071,7 @@
           </a:ln>
           <a:extLst>
             <a:ext uri="{C572A759-6A51-4108-AA02-DFA0A04FC94B}">
-              <ma14:wrappingTextBoxFlag xmlns="" xmlns:m="http://schemas.openxmlformats.org/officeDocument/2006/math" xmlns:a14="http://schemas.microsoft.com/office/drawing/2010/main" xmlns:ma14="http://schemas.microsoft.com/office/mac/drawingml/2011/main" val="1"/>
+              <ma14:wrappingTextBoxFlag xmlns:ma14="http://schemas.microsoft.com/office/mac/drawingml/2011/main" xmlns:a14="http://schemas.microsoft.com/office/drawing/2010/main" xmlns:m="http://schemas.openxmlformats.org/officeDocument/2006/math" xmlns="" val="1"/>
             </a:ext>
           </a:extLst>
         </p:spPr>
@@ -12103,7 +12103,7 @@
         <p:spPr/>
         <p:txBody>
           <a:bodyPr>
-            <a:normAutofit fontScale="92500" lnSpcReduction="10000"/>
+            <a:normAutofit fontScale="85000" lnSpcReduction="20000"/>
           </a:bodyPr>
           <a:lstStyle/>
           <a:p>
@@ -12158,6 +12158,14 @@
                 <a:hlinkClick r:id="rId4"/>
               </a:rPr>
               <a:t>https://openweathermap.org/guide</a:t>
+            </a:r>
+            <a:endParaRPr lang="en-IN" dirty="0"/>
+          </a:p>
+          <a:p>
+            <a:pPr lvl="2"/>
+            <a:r>
+              <a:rPr lang="en-IN" dirty="0"/>
+              <a:t>Call current weather data - By city name By city ID </a:t>
             </a:r>
             <a:endParaRPr lang="en-US" dirty="0"/>
           </a:p>
@@ -12721,7 +12729,7 @@
           </a:ln>
           <a:extLst>
             <a:ext uri="{C572A759-6A51-4108-AA02-DFA0A04FC94B}">
-              <ma14:wrappingTextBoxFlag xmlns="" xmlns:m="http://schemas.openxmlformats.org/officeDocument/2006/math" xmlns:a14="http://schemas.microsoft.com/office/drawing/2010/main" xmlns:ma14="http://schemas.microsoft.com/office/mac/drawingml/2011/main" val="1"/>
+              <ma14:wrappingTextBoxFlag xmlns:ma14="http://schemas.microsoft.com/office/mac/drawingml/2011/main" xmlns:a14="http://schemas.microsoft.com/office/drawing/2010/main" xmlns:m="http://schemas.openxmlformats.org/officeDocument/2006/math" xmlns="" val="1"/>
             </a:ext>
           </a:extLst>
         </p:spPr>
@@ -13158,7 +13166,7 @@
           </a:ln>
           <a:extLst>
             <a:ext uri="{C572A759-6A51-4108-AA02-DFA0A04FC94B}">
-              <ma14:wrappingTextBoxFlag xmlns="" xmlns:m="http://schemas.openxmlformats.org/officeDocument/2006/math" xmlns:a14="http://schemas.microsoft.com/office/drawing/2010/main" xmlns:ma14="http://schemas.microsoft.com/office/mac/drawingml/2011/main" val="1"/>
+              <ma14:wrappingTextBoxFlag xmlns:ma14="http://schemas.microsoft.com/office/mac/drawingml/2011/main" xmlns:a14="http://schemas.microsoft.com/office/drawing/2010/main" xmlns:m="http://schemas.openxmlformats.org/officeDocument/2006/math" xmlns="" val="1"/>
             </a:ext>
           </a:extLst>
         </p:spPr>
@@ -13736,7 +13744,7 @@
           </a:ln>
           <a:extLst>
             <a:ext uri="{C572A759-6A51-4108-AA02-DFA0A04FC94B}">
-              <ma14:wrappingTextBoxFlag xmlns="" xmlns:m="http://schemas.openxmlformats.org/officeDocument/2006/math" xmlns:a14="http://schemas.microsoft.com/office/drawing/2010/main" xmlns:ma14="http://schemas.microsoft.com/office/mac/drawingml/2011/main" val="1"/>
+              <ma14:wrappingTextBoxFlag xmlns:ma14="http://schemas.microsoft.com/office/mac/drawingml/2011/main" xmlns:a14="http://schemas.microsoft.com/office/drawing/2010/main" xmlns:m="http://schemas.openxmlformats.org/officeDocument/2006/math" xmlns="" val="1"/>
             </a:ext>
           </a:extLst>
         </p:spPr>
@@ -13948,7 +13956,7 @@
           </a:ln>
           <a:extLst>
             <a:ext uri="{C572A759-6A51-4108-AA02-DFA0A04FC94B}">
-              <ma14:wrappingTextBoxFlag xmlns="" xmlns:m="http://schemas.openxmlformats.org/officeDocument/2006/math" xmlns:a14="http://schemas.microsoft.com/office/drawing/2010/main" xmlns:ma14="http://schemas.microsoft.com/office/mac/drawingml/2011/main" val="1"/>
+              <ma14:wrappingTextBoxFlag xmlns:ma14="http://schemas.microsoft.com/office/mac/drawingml/2011/main" xmlns:a14="http://schemas.microsoft.com/office/drawing/2010/main" xmlns:m="http://schemas.openxmlformats.org/officeDocument/2006/math" xmlns="" val="1"/>
             </a:ext>
           </a:extLst>
         </p:spPr>
@@ -14567,7 +14575,7 @@
             <a:effectLst/>
             <a:extLst>
               <a:ext uri="{C572A759-6A51-4108-AA02-DFA0A04FC94B}">
-                <ma14:wrappingTextBoxFlag xmlns="" xmlns:m="http://schemas.openxmlformats.org/officeDocument/2006/math" xmlns:a14="http://schemas.microsoft.com/office/drawing/2010/main" xmlns:ma14="http://schemas.microsoft.com/office/mac/drawingml/2011/main" val="1"/>
+                <ma14:wrappingTextBoxFlag xmlns:ma14="http://schemas.microsoft.com/office/mac/drawingml/2011/main" xmlns:a14="http://schemas.microsoft.com/office/drawing/2010/main" xmlns:m="http://schemas.openxmlformats.org/officeDocument/2006/math" xmlns="" val="1"/>
               </a:ext>
             </a:extLst>
           </p:spPr>
@@ -14646,7 +14654,7 @@
           </a:ln>
           <a:extLst>
             <a:ext uri="{C572A759-6A51-4108-AA02-DFA0A04FC94B}">
-              <ma14:wrappingTextBoxFlag xmlns="" xmlns:m="http://schemas.openxmlformats.org/officeDocument/2006/math" xmlns:a14="http://schemas.microsoft.com/office/drawing/2010/main" xmlns:ma14="http://schemas.microsoft.com/office/mac/drawingml/2011/main" val="1"/>
+              <ma14:wrappingTextBoxFlag xmlns:ma14="http://schemas.microsoft.com/office/mac/drawingml/2011/main" xmlns:a14="http://schemas.microsoft.com/office/drawing/2010/main" xmlns:m="http://schemas.openxmlformats.org/officeDocument/2006/math" xmlns="" val="1"/>
             </a:ext>
           </a:extLst>
         </p:spPr>
@@ -14719,7 +14727,7 @@
           </a:ln>
           <a:extLst>
             <a:ext uri="{C572A759-6A51-4108-AA02-DFA0A04FC94B}">
-              <ma14:wrappingTextBoxFlag xmlns="" xmlns:m="http://schemas.openxmlformats.org/officeDocument/2006/math" xmlns:a14="http://schemas.microsoft.com/office/drawing/2010/main" xmlns:ma14="http://schemas.microsoft.com/office/mac/drawingml/2011/main" val="1"/>
+              <ma14:wrappingTextBoxFlag xmlns:ma14="http://schemas.microsoft.com/office/mac/drawingml/2011/main" xmlns:a14="http://schemas.microsoft.com/office/drawing/2010/main" xmlns:m="http://schemas.openxmlformats.org/officeDocument/2006/math" xmlns="" val="1"/>
             </a:ext>
           </a:extLst>
         </p:spPr>
@@ -14816,7 +14824,7 @@
           </a:ln>
           <a:extLst>
             <a:ext uri="{C572A759-6A51-4108-AA02-DFA0A04FC94B}">
-              <ma14:wrappingTextBoxFlag xmlns="" xmlns:m="http://schemas.openxmlformats.org/officeDocument/2006/math" xmlns:a14="http://schemas.microsoft.com/office/drawing/2010/main" xmlns:ma14="http://schemas.microsoft.com/office/mac/drawingml/2011/main" val="1"/>
+              <ma14:wrappingTextBoxFlag xmlns:ma14="http://schemas.microsoft.com/office/mac/drawingml/2011/main" xmlns:a14="http://schemas.microsoft.com/office/drawing/2010/main" xmlns:m="http://schemas.openxmlformats.org/officeDocument/2006/math" xmlns="" val="1"/>
             </a:ext>
           </a:extLst>
         </p:spPr>
@@ -15012,7 +15020,7 @@
           </a:ln>
           <a:extLst>
             <a:ext uri="{C572A759-6A51-4108-AA02-DFA0A04FC94B}">
-              <ma14:wrappingTextBoxFlag xmlns="" xmlns:m="http://schemas.openxmlformats.org/officeDocument/2006/math" xmlns:a14="http://schemas.microsoft.com/office/drawing/2010/main" xmlns:ma14="http://schemas.microsoft.com/office/mac/drawingml/2011/main" val="1"/>
+              <ma14:wrappingTextBoxFlag xmlns:ma14="http://schemas.microsoft.com/office/mac/drawingml/2011/main" xmlns:a14="http://schemas.microsoft.com/office/drawing/2010/main" xmlns:m="http://schemas.openxmlformats.org/officeDocument/2006/math" xmlns="" val="1"/>
             </a:ext>
           </a:extLst>
         </p:spPr>
@@ -15194,7 +15202,7 @@
           </a:ln>
           <a:extLst>
             <a:ext uri="{C572A759-6A51-4108-AA02-DFA0A04FC94B}">
-              <ma14:wrappingTextBoxFlag xmlns="" xmlns:m="http://schemas.openxmlformats.org/officeDocument/2006/math" xmlns:a14="http://schemas.microsoft.com/office/drawing/2010/main" xmlns:ma14="http://schemas.microsoft.com/office/mac/drawingml/2011/main" val="1"/>
+              <ma14:wrappingTextBoxFlag xmlns:ma14="http://schemas.microsoft.com/office/mac/drawingml/2011/main" xmlns:a14="http://schemas.microsoft.com/office/drawing/2010/main" xmlns:m="http://schemas.openxmlformats.org/officeDocument/2006/math" xmlns="" val="1"/>
             </a:ext>
           </a:extLst>
         </p:spPr>
@@ -15298,7 +15306,7 @@
           </a:ln>
           <a:extLst>
             <a:ext uri="{C572A759-6A51-4108-AA02-DFA0A04FC94B}">
-              <ma14:wrappingTextBoxFlag xmlns="" xmlns:m="http://schemas.openxmlformats.org/officeDocument/2006/math" xmlns:a14="http://schemas.microsoft.com/office/drawing/2010/main" xmlns:ma14="http://schemas.microsoft.com/office/mac/drawingml/2011/main" val="1"/>
+              <ma14:wrappingTextBoxFlag xmlns:ma14="http://schemas.microsoft.com/office/mac/drawingml/2011/main" xmlns:a14="http://schemas.microsoft.com/office/drawing/2010/main" xmlns:m="http://schemas.openxmlformats.org/officeDocument/2006/math" xmlns="" val="1"/>
             </a:ext>
           </a:extLst>
         </p:spPr>
@@ -15773,7 +15781,7 @@
           </a:ln>
           <a:extLst>
             <a:ext uri="{C572A759-6A51-4108-AA02-DFA0A04FC94B}">
-              <ma14:wrappingTextBoxFlag xmlns="" xmlns:m="http://schemas.openxmlformats.org/officeDocument/2006/math" xmlns:a14="http://schemas.microsoft.com/office/drawing/2010/main" xmlns:ma14="http://schemas.microsoft.com/office/mac/drawingml/2011/main" val="1"/>
+              <ma14:wrappingTextBoxFlag xmlns:ma14="http://schemas.microsoft.com/office/mac/drawingml/2011/main" xmlns:a14="http://schemas.microsoft.com/office/drawing/2010/main" xmlns:m="http://schemas.openxmlformats.org/officeDocument/2006/math" xmlns="" val="1"/>
             </a:ext>
           </a:extLst>
         </p:spPr>
@@ -15827,7 +15835,7 @@
           </a:ln>
           <a:extLst>
             <a:ext uri="{C572A759-6A51-4108-AA02-DFA0A04FC94B}">
-              <ma14:wrappingTextBoxFlag xmlns="" xmlns:m="http://schemas.openxmlformats.org/officeDocument/2006/math" xmlns:a14="http://schemas.microsoft.com/office/drawing/2010/main" xmlns:ma14="http://schemas.microsoft.com/office/mac/drawingml/2011/main" val="1"/>
+              <ma14:wrappingTextBoxFlag xmlns:ma14="http://schemas.microsoft.com/office/mac/drawingml/2011/main" xmlns:a14="http://schemas.microsoft.com/office/drawing/2010/main" xmlns:m="http://schemas.openxmlformats.org/officeDocument/2006/math" xmlns="" val="1"/>
             </a:ext>
           </a:extLst>
         </p:spPr>
@@ -15941,7 +15949,7 @@
           </a:ln>
           <a:extLst>
             <a:ext uri="{C572A759-6A51-4108-AA02-DFA0A04FC94B}">
-              <ma14:wrappingTextBoxFlag xmlns="" xmlns:m="http://schemas.openxmlformats.org/officeDocument/2006/math" xmlns:a14="http://schemas.microsoft.com/office/drawing/2010/main" xmlns:ma14="http://schemas.microsoft.com/office/mac/drawingml/2011/main" val="1"/>
+              <ma14:wrappingTextBoxFlag xmlns:ma14="http://schemas.microsoft.com/office/mac/drawingml/2011/main" xmlns:a14="http://schemas.microsoft.com/office/drawing/2010/main" xmlns:m="http://schemas.openxmlformats.org/officeDocument/2006/math" xmlns="" val="1"/>
             </a:ext>
           </a:extLst>
         </p:spPr>
@@ -16425,7 +16433,7 @@
           </a:ln>
           <a:extLst>
             <a:ext uri="{C572A759-6A51-4108-AA02-DFA0A04FC94B}">
-              <ma14:wrappingTextBoxFlag xmlns="" xmlns:m="http://schemas.openxmlformats.org/officeDocument/2006/math" xmlns:a14="http://schemas.microsoft.com/office/drawing/2010/main" xmlns:ma14="http://schemas.microsoft.com/office/mac/drawingml/2011/main" val="1"/>
+              <ma14:wrappingTextBoxFlag xmlns:ma14="http://schemas.microsoft.com/office/mac/drawingml/2011/main" xmlns:a14="http://schemas.microsoft.com/office/drawing/2010/main" xmlns:m="http://schemas.openxmlformats.org/officeDocument/2006/math" xmlns="" val="1"/>
             </a:ext>
           </a:extLst>
         </p:spPr>
@@ -16503,7 +16511,7 @@
           </a:ln>
           <a:extLst>
             <a:ext uri="{C572A759-6A51-4108-AA02-DFA0A04FC94B}">
-              <ma14:wrappingTextBoxFlag xmlns="" xmlns:m="http://schemas.openxmlformats.org/officeDocument/2006/math" xmlns:a14="http://schemas.microsoft.com/office/drawing/2010/main" xmlns:ma14="http://schemas.microsoft.com/office/mac/drawingml/2011/main" val="1"/>
+              <ma14:wrappingTextBoxFlag xmlns:ma14="http://schemas.microsoft.com/office/mac/drawingml/2011/main" xmlns:a14="http://schemas.microsoft.com/office/drawing/2010/main" xmlns:m="http://schemas.openxmlformats.org/officeDocument/2006/math" xmlns="" val="1"/>
             </a:ext>
           </a:extLst>
         </p:spPr>
@@ -16571,7 +16579,7 @@
           </a:ln>
           <a:extLst>
             <a:ext uri="{C572A759-6A51-4108-AA02-DFA0A04FC94B}">
-              <ma14:wrappingTextBoxFlag xmlns="" xmlns:m="http://schemas.openxmlformats.org/officeDocument/2006/math" xmlns:a14="http://schemas.microsoft.com/office/drawing/2010/main" xmlns:ma14="http://schemas.microsoft.com/office/mac/drawingml/2011/main" val="1"/>
+              <ma14:wrappingTextBoxFlag xmlns:ma14="http://schemas.microsoft.com/office/mac/drawingml/2011/main" xmlns:a14="http://schemas.microsoft.com/office/drawing/2010/main" xmlns:m="http://schemas.openxmlformats.org/officeDocument/2006/math" xmlns="" val="1"/>
             </a:ext>
           </a:extLst>
         </p:spPr>
@@ -16618,7 +16626,7 @@
           </a:ln>
           <a:extLst>
             <a:ext uri="{C572A759-6A51-4108-AA02-DFA0A04FC94B}">
-              <ma14:wrappingTextBoxFlag xmlns="" xmlns:m="http://schemas.openxmlformats.org/officeDocument/2006/math" xmlns:a14="http://schemas.microsoft.com/office/drawing/2010/main" xmlns:ma14="http://schemas.microsoft.com/office/mac/drawingml/2011/main" val="1"/>
+              <ma14:wrappingTextBoxFlag xmlns:ma14="http://schemas.microsoft.com/office/mac/drawingml/2011/main" xmlns:a14="http://schemas.microsoft.com/office/drawing/2010/main" xmlns:m="http://schemas.openxmlformats.org/officeDocument/2006/math" xmlns="" val="1"/>
             </a:ext>
           </a:extLst>
         </p:spPr>
@@ -17021,7 +17029,7 @@
           </a:ln>
           <a:extLst>
             <a:ext uri="{C572A759-6A51-4108-AA02-DFA0A04FC94B}">
-              <ma14:wrappingTextBoxFlag xmlns="" xmlns:m="http://schemas.openxmlformats.org/officeDocument/2006/math" xmlns:a14="http://schemas.microsoft.com/office/drawing/2010/main" xmlns:ma14="http://schemas.microsoft.com/office/mac/drawingml/2011/main" val="1"/>
+              <ma14:wrappingTextBoxFlag xmlns:ma14="http://schemas.microsoft.com/office/mac/drawingml/2011/main" xmlns:a14="http://schemas.microsoft.com/office/drawing/2010/main" xmlns:m="http://schemas.openxmlformats.org/officeDocument/2006/math" xmlns="" val="1"/>
             </a:ext>
           </a:extLst>
         </p:spPr>
@@ -17099,7 +17107,7 @@
           </a:ln>
           <a:extLst>
             <a:ext uri="{C572A759-6A51-4108-AA02-DFA0A04FC94B}">
-              <ma14:wrappingTextBoxFlag xmlns="" xmlns:m="http://schemas.openxmlformats.org/officeDocument/2006/math" xmlns:a14="http://schemas.microsoft.com/office/drawing/2010/main" xmlns:ma14="http://schemas.microsoft.com/office/mac/drawingml/2011/main" val="1"/>
+              <ma14:wrappingTextBoxFlag xmlns:ma14="http://schemas.microsoft.com/office/mac/drawingml/2011/main" xmlns:a14="http://schemas.microsoft.com/office/drawing/2010/main" xmlns:m="http://schemas.openxmlformats.org/officeDocument/2006/math" xmlns="" val="1"/>
             </a:ext>
           </a:extLst>
         </p:spPr>
@@ -17172,7 +17180,7 @@
           </a:ln>
           <a:extLst>
             <a:ext uri="{C572A759-6A51-4108-AA02-DFA0A04FC94B}">
-              <ma14:wrappingTextBoxFlag xmlns="" xmlns:m="http://schemas.openxmlformats.org/officeDocument/2006/math" xmlns:a14="http://schemas.microsoft.com/office/drawing/2010/main" xmlns:ma14="http://schemas.microsoft.com/office/mac/drawingml/2011/main" val="1"/>
+              <ma14:wrappingTextBoxFlag xmlns:ma14="http://schemas.microsoft.com/office/mac/drawingml/2011/main" xmlns:a14="http://schemas.microsoft.com/office/drawing/2010/main" xmlns:m="http://schemas.openxmlformats.org/officeDocument/2006/math" xmlns="" val="1"/>
             </a:ext>
           </a:extLst>
         </p:spPr>
@@ -17241,7 +17249,7 @@
           </a:ln>
           <a:extLst>
             <a:ext uri="{C572A759-6A51-4108-AA02-DFA0A04FC94B}">
-              <ma14:wrappingTextBoxFlag xmlns="" xmlns:m="http://schemas.openxmlformats.org/officeDocument/2006/math" xmlns:a14="http://schemas.microsoft.com/office/drawing/2010/main" xmlns:ma14="http://schemas.microsoft.com/office/mac/drawingml/2011/main" val="1"/>
+              <ma14:wrappingTextBoxFlag xmlns:ma14="http://schemas.microsoft.com/office/mac/drawingml/2011/main" xmlns:a14="http://schemas.microsoft.com/office/drawing/2010/main" xmlns:m="http://schemas.openxmlformats.org/officeDocument/2006/math" xmlns="" val="1"/>
             </a:ext>
           </a:extLst>
         </p:spPr>
@@ -17285,7 +17293,7 @@
           </a:ln>
           <a:extLst>
             <a:ext uri="{C572A759-6A51-4108-AA02-DFA0A04FC94B}">
-              <ma14:wrappingTextBoxFlag xmlns="" xmlns:m="http://schemas.openxmlformats.org/officeDocument/2006/math" xmlns:a14="http://schemas.microsoft.com/office/drawing/2010/main" xmlns:ma14="http://schemas.microsoft.com/office/mac/drawingml/2011/main" val="1"/>
+              <ma14:wrappingTextBoxFlag xmlns:ma14="http://schemas.microsoft.com/office/mac/drawingml/2011/main" xmlns:a14="http://schemas.microsoft.com/office/drawing/2010/main" xmlns:m="http://schemas.openxmlformats.org/officeDocument/2006/math" xmlns="" val="1"/>
             </a:ext>
           </a:extLst>
         </p:spPr>
@@ -17661,7 +17669,7 @@
           </a:ln>
           <a:extLst>
             <a:ext uri="{C572A759-6A51-4108-AA02-DFA0A04FC94B}">
-              <ma14:wrappingTextBoxFlag xmlns="" xmlns:m="http://schemas.openxmlformats.org/officeDocument/2006/math" xmlns:a14="http://schemas.microsoft.com/office/drawing/2010/main" xmlns:ma14="http://schemas.microsoft.com/office/mac/drawingml/2011/main" val="1"/>
+              <ma14:wrappingTextBoxFlag xmlns:ma14="http://schemas.microsoft.com/office/mac/drawingml/2011/main" xmlns:a14="http://schemas.microsoft.com/office/drawing/2010/main" xmlns:m="http://schemas.openxmlformats.org/officeDocument/2006/math" xmlns="" val="1"/>
             </a:ext>
           </a:extLst>
         </p:spPr>
@@ -17723,7 +17731,7 @@
           </a:ln>
           <a:extLst>
             <a:ext uri="{C572A759-6A51-4108-AA02-DFA0A04FC94B}">
-              <ma14:wrappingTextBoxFlag xmlns="" xmlns:m="http://schemas.openxmlformats.org/officeDocument/2006/math" xmlns:a14="http://schemas.microsoft.com/office/drawing/2010/main" xmlns:ma14="http://schemas.microsoft.com/office/mac/drawingml/2011/main" val="1"/>
+              <ma14:wrappingTextBoxFlag xmlns:ma14="http://schemas.microsoft.com/office/mac/drawingml/2011/main" xmlns:a14="http://schemas.microsoft.com/office/drawing/2010/main" xmlns:m="http://schemas.openxmlformats.org/officeDocument/2006/math" xmlns="" val="1"/>
             </a:ext>
           </a:extLst>
         </p:spPr>
@@ -18207,7 +18215,7 @@
           </a:ln>
           <a:extLst>
             <a:ext uri="{C572A759-6A51-4108-AA02-DFA0A04FC94B}">
-              <ma14:wrappingTextBoxFlag xmlns="" xmlns:m="http://schemas.openxmlformats.org/officeDocument/2006/math" xmlns:a14="http://schemas.microsoft.com/office/drawing/2010/main" xmlns:ma14="http://schemas.microsoft.com/office/mac/drawingml/2011/main" val="1"/>
+              <ma14:wrappingTextBoxFlag xmlns:ma14="http://schemas.microsoft.com/office/mac/drawingml/2011/main" xmlns:a14="http://schemas.microsoft.com/office/drawing/2010/main" xmlns:m="http://schemas.openxmlformats.org/officeDocument/2006/math" xmlns="" val="1"/>
             </a:ext>
           </a:extLst>
         </p:spPr>
@@ -18273,7 +18281,7 @@
           </a:ln>
           <a:extLst>
             <a:ext uri="{C572A759-6A51-4108-AA02-DFA0A04FC94B}">
-              <ma14:wrappingTextBoxFlag xmlns="" xmlns:m="http://schemas.openxmlformats.org/officeDocument/2006/math" xmlns:a14="http://schemas.microsoft.com/office/drawing/2010/main" xmlns:ma14="http://schemas.microsoft.com/office/mac/drawingml/2011/main" val="1"/>
+              <ma14:wrappingTextBoxFlag xmlns:ma14="http://schemas.microsoft.com/office/mac/drawingml/2011/main" xmlns:a14="http://schemas.microsoft.com/office/drawing/2010/main" xmlns:m="http://schemas.openxmlformats.org/officeDocument/2006/math" xmlns="" val="1"/>
             </a:ext>
           </a:extLst>
         </p:spPr>
@@ -18692,7 +18700,7 @@
             <a:effectLst/>
             <a:extLst>
               <a:ext uri="{C572A759-6A51-4108-AA02-DFA0A04FC94B}">
-                <ma14:wrappingTextBoxFlag xmlns="" xmlns:m="http://schemas.openxmlformats.org/officeDocument/2006/math" xmlns:a14="http://schemas.microsoft.com/office/drawing/2010/main" xmlns:ma14="http://schemas.microsoft.com/office/mac/drawingml/2011/main" val="1"/>
+                <ma14:wrappingTextBoxFlag xmlns:ma14="http://schemas.microsoft.com/office/mac/drawingml/2011/main" xmlns:a14="http://schemas.microsoft.com/office/drawing/2010/main" xmlns:m="http://schemas.openxmlformats.org/officeDocument/2006/math" xmlns="" val="1"/>
               </a:ext>
             </a:extLst>
           </p:spPr>
@@ -18771,7 +18779,7 @@
           </a:ln>
           <a:extLst>
             <a:ext uri="{C572A759-6A51-4108-AA02-DFA0A04FC94B}">
-              <ma14:wrappingTextBoxFlag xmlns="" xmlns:m="http://schemas.openxmlformats.org/officeDocument/2006/math" xmlns:a14="http://schemas.microsoft.com/office/drawing/2010/main" xmlns:ma14="http://schemas.microsoft.com/office/mac/drawingml/2011/main" val="1"/>
+              <ma14:wrappingTextBoxFlag xmlns:ma14="http://schemas.microsoft.com/office/mac/drawingml/2011/main" xmlns:a14="http://schemas.microsoft.com/office/drawing/2010/main" xmlns:m="http://schemas.openxmlformats.org/officeDocument/2006/math" xmlns="" val="1"/>
             </a:ext>
           </a:extLst>
         </p:spPr>
@@ -18844,7 +18852,7 @@
           </a:ln>
           <a:extLst>
             <a:ext uri="{C572A759-6A51-4108-AA02-DFA0A04FC94B}">
-              <ma14:wrappingTextBoxFlag xmlns="" xmlns:m="http://schemas.openxmlformats.org/officeDocument/2006/math" xmlns:a14="http://schemas.microsoft.com/office/drawing/2010/main" xmlns:ma14="http://schemas.microsoft.com/office/mac/drawingml/2011/main" val="1"/>
+              <ma14:wrappingTextBoxFlag xmlns:ma14="http://schemas.microsoft.com/office/mac/drawingml/2011/main" xmlns:a14="http://schemas.microsoft.com/office/drawing/2010/main" xmlns:m="http://schemas.openxmlformats.org/officeDocument/2006/math" xmlns="" val="1"/>
             </a:ext>
           </a:extLst>
         </p:spPr>
@@ -20001,7 +20009,7 @@
             <a:effectLst/>
             <a:extLst>
               <a:ext uri="{C572A759-6A51-4108-AA02-DFA0A04FC94B}">
-                <ma14:wrappingTextBoxFlag xmlns="" xmlns:m="http://schemas.openxmlformats.org/officeDocument/2006/math" xmlns:a14="http://schemas.microsoft.com/office/drawing/2010/main" xmlns:ma14="http://schemas.microsoft.com/office/mac/drawingml/2011/main" val="1"/>
+                <ma14:wrappingTextBoxFlag xmlns:ma14="http://schemas.microsoft.com/office/mac/drawingml/2011/main" xmlns:a14="http://schemas.microsoft.com/office/drawing/2010/main" xmlns:m="http://schemas.openxmlformats.org/officeDocument/2006/math" xmlns="" val="1"/>
               </a:ext>
             </a:extLst>
           </p:spPr>
@@ -20080,7 +20088,7 @@
           </a:ln>
           <a:extLst>
             <a:ext uri="{C572A759-6A51-4108-AA02-DFA0A04FC94B}">
-              <ma14:wrappingTextBoxFlag xmlns="" xmlns:m="http://schemas.openxmlformats.org/officeDocument/2006/math" xmlns:a14="http://schemas.microsoft.com/office/drawing/2010/main" xmlns:ma14="http://schemas.microsoft.com/office/mac/drawingml/2011/main" val="1"/>
+              <ma14:wrappingTextBoxFlag xmlns:ma14="http://schemas.microsoft.com/office/mac/drawingml/2011/main" xmlns:a14="http://schemas.microsoft.com/office/drawing/2010/main" xmlns:m="http://schemas.openxmlformats.org/officeDocument/2006/math" xmlns="" val="1"/>
             </a:ext>
           </a:extLst>
         </p:spPr>
@@ -20153,7 +20161,7 @@
           </a:ln>
           <a:extLst>
             <a:ext uri="{C572A759-6A51-4108-AA02-DFA0A04FC94B}">
-              <ma14:wrappingTextBoxFlag xmlns="" xmlns:m="http://schemas.openxmlformats.org/officeDocument/2006/math" xmlns:a14="http://schemas.microsoft.com/office/drawing/2010/main" xmlns:ma14="http://schemas.microsoft.com/office/mac/drawingml/2011/main" val="1"/>
+              <ma14:wrappingTextBoxFlag xmlns:ma14="http://schemas.microsoft.com/office/mac/drawingml/2011/main" xmlns:a14="http://schemas.microsoft.com/office/drawing/2010/main" xmlns:m="http://schemas.openxmlformats.org/officeDocument/2006/math" xmlns="" val="1"/>
             </a:ext>
           </a:extLst>
         </p:spPr>
@@ -20250,7 +20258,7 @@
           </a:ln>
           <a:extLst>
             <a:ext uri="{C572A759-6A51-4108-AA02-DFA0A04FC94B}">
-              <ma14:wrappingTextBoxFlag xmlns="" xmlns:m="http://schemas.openxmlformats.org/officeDocument/2006/math" xmlns:a14="http://schemas.microsoft.com/office/drawing/2010/main" xmlns:ma14="http://schemas.microsoft.com/office/mac/drawingml/2011/main" val="1"/>
+              <ma14:wrappingTextBoxFlag xmlns:ma14="http://schemas.microsoft.com/office/mac/drawingml/2011/main" xmlns:a14="http://schemas.microsoft.com/office/drawing/2010/main" xmlns:m="http://schemas.openxmlformats.org/officeDocument/2006/math" xmlns="" val="1"/>
             </a:ext>
           </a:extLst>
         </p:spPr>
@@ -20360,7 +20368,7 @@
           </a:ln>
           <a:extLst>
             <a:ext uri="{C572A759-6A51-4108-AA02-DFA0A04FC94B}">
-              <ma14:wrappingTextBoxFlag xmlns="" xmlns:m="http://schemas.openxmlformats.org/officeDocument/2006/math" xmlns:a14="http://schemas.microsoft.com/office/drawing/2010/main" xmlns:ma14="http://schemas.microsoft.com/office/mac/drawingml/2011/main" val="1"/>
+              <ma14:wrappingTextBoxFlag xmlns:ma14="http://schemas.microsoft.com/office/mac/drawingml/2011/main" xmlns:a14="http://schemas.microsoft.com/office/drawing/2010/main" xmlns:m="http://schemas.openxmlformats.org/officeDocument/2006/math" xmlns="" val="1"/>
             </a:ext>
           </a:extLst>
         </p:spPr>
@@ -20426,7 +20434,7 @@
           </a:ln>
           <a:extLst>
             <a:ext uri="{C572A759-6A51-4108-AA02-DFA0A04FC94B}">
-              <ma14:wrappingTextBoxFlag xmlns="" xmlns:m="http://schemas.openxmlformats.org/officeDocument/2006/math" xmlns:a14="http://schemas.microsoft.com/office/drawing/2010/main" xmlns:ma14="http://schemas.microsoft.com/office/mac/drawingml/2011/main" val="1"/>
+              <ma14:wrappingTextBoxFlag xmlns:ma14="http://schemas.microsoft.com/office/mac/drawingml/2011/main" xmlns:a14="http://schemas.microsoft.com/office/drawing/2010/main" xmlns:m="http://schemas.openxmlformats.org/officeDocument/2006/math" xmlns="" val="1"/>
             </a:ext>
           </a:extLst>
         </p:spPr>
@@ -20991,7 +20999,7 @@
           </a:ln>
           <a:extLst>
             <a:ext uri="{C572A759-6A51-4108-AA02-DFA0A04FC94B}">
-              <ma14:wrappingTextBoxFlag xmlns="" xmlns:m="http://schemas.openxmlformats.org/officeDocument/2006/math" xmlns:a14="http://schemas.microsoft.com/office/drawing/2010/main" xmlns:ma14="http://schemas.microsoft.com/office/mac/drawingml/2011/main" val="1"/>
+              <ma14:wrappingTextBoxFlag xmlns:ma14="http://schemas.microsoft.com/office/mac/drawingml/2011/main" xmlns:a14="http://schemas.microsoft.com/office/drawing/2010/main" xmlns:m="http://schemas.openxmlformats.org/officeDocument/2006/math" xmlns="" val="1"/>
             </a:ext>
           </a:extLst>
         </p:spPr>
@@ -21136,7 +21144,7 @@
           </a:ln>
           <a:extLst>
             <a:ext uri="{C572A759-6A51-4108-AA02-DFA0A04FC94B}">
-              <ma14:wrappingTextBoxFlag xmlns="" xmlns:m="http://schemas.openxmlformats.org/officeDocument/2006/math" xmlns:a14="http://schemas.microsoft.com/office/drawing/2010/main" xmlns:ma14="http://schemas.microsoft.com/office/mac/drawingml/2011/main" val="1"/>
+              <ma14:wrappingTextBoxFlag xmlns:ma14="http://schemas.microsoft.com/office/mac/drawingml/2011/main" xmlns:a14="http://schemas.microsoft.com/office/drawing/2010/main" xmlns:m="http://schemas.openxmlformats.org/officeDocument/2006/math" xmlns="" val="1"/>
             </a:ext>
           </a:extLst>
         </p:spPr>
@@ -21185,7 +21193,7 @@
           </a:ln>
           <a:extLst>
             <a:ext uri="{C572A759-6A51-4108-AA02-DFA0A04FC94B}">
-              <ma14:wrappingTextBoxFlag xmlns="" xmlns:m="http://schemas.openxmlformats.org/officeDocument/2006/math" xmlns:a14="http://schemas.microsoft.com/office/drawing/2010/main" xmlns:ma14="http://schemas.microsoft.com/office/mac/drawingml/2011/main" val="1"/>
+              <ma14:wrappingTextBoxFlag xmlns:ma14="http://schemas.microsoft.com/office/mac/drawingml/2011/main" xmlns:a14="http://schemas.microsoft.com/office/drawing/2010/main" xmlns:m="http://schemas.openxmlformats.org/officeDocument/2006/math" xmlns="" val="1"/>
             </a:ext>
           </a:extLst>
         </p:spPr>
@@ -21479,7 +21487,7 @@
           </a:ln>
           <a:extLst>
             <a:ext uri="{C572A759-6A51-4108-AA02-DFA0A04FC94B}">
-              <ma14:wrappingTextBoxFlag xmlns="" xmlns:m="http://schemas.openxmlformats.org/officeDocument/2006/math" xmlns:a14="http://schemas.microsoft.com/office/drawing/2010/main" xmlns:ma14="http://schemas.microsoft.com/office/mac/drawingml/2011/main" val="1"/>
+              <ma14:wrappingTextBoxFlag xmlns:ma14="http://schemas.microsoft.com/office/mac/drawingml/2011/main" xmlns:a14="http://schemas.microsoft.com/office/drawing/2010/main" xmlns:m="http://schemas.openxmlformats.org/officeDocument/2006/math" xmlns="" val="1"/>
             </a:ext>
           </a:extLst>
         </p:spPr>
@@ -21875,7 +21883,7 @@
           </a:ln>
           <a:extLst>
             <a:ext uri="{C572A759-6A51-4108-AA02-DFA0A04FC94B}">
-              <ma14:wrappingTextBoxFlag xmlns="" xmlns:m="http://schemas.openxmlformats.org/officeDocument/2006/math" xmlns:a14="http://schemas.microsoft.com/office/drawing/2010/main" xmlns:ma14="http://schemas.microsoft.com/office/mac/drawingml/2011/main" val="1"/>
+              <ma14:wrappingTextBoxFlag xmlns:ma14="http://schemas.microsoft.com/office/mac/drawingml/2011/main" xmlns:a14="http://schemas.microsoft.com/office/drawing/2010/main" xmlns:m="http://schemas.openxmlformats.org/officeDocument/2006/math" xmlns="" val="1"/>
             </a:ext>
           </a:extLst>
         </p:spPr>
@@ -21914,7 +21922,7 @@
           </a:ln>
           <a:extLst>
             <a:ext uri="{C572A759-6A51-4108-AA02-DFA0A04FC94B}">
-              <ma14:wrappingTextBoxFlag xmlns="" xmlns:m="http://schemas.openxmlformats.org/officeDocument/2006/math" xmlns:a14="http://schemas.microsoft.com/office/drawing/2010/main" xmlns:ma14="http://schemas.microsoft.com/office/mac/drawingml/2011/main" val="1"/>
+              <ma14:wrappingTextBoxFlag xmlns:ma14="http://schemas.microsoft.com/office/mac/drawingml/2011/main" xmlns:a14="http://schemas.microsoft.com/office/drawing/2010/main" xmlns:m="http://schemas.openxmlformats.org/officeDocument/2006/math" xmlns="" val="1"/>
             </a:ext>
           </a:extLst>
         </p:spPr>
@@ -21953,7 +21961,7 @@
           </a:ln>
           <a:extLst>
             <a:ext uri="{C572A759-6A51-4108-AA02-DFA0A04FC94B}">
-              <ma14:wrappingTextBoxFlag xmlns="" xmlns:m="http://schemas.openxmlformats.org/officeDocument/2006/math" xmlns:a14="http://schemas.microsoft.com/office/drawing/2010/main" xmlns:ma14="http://schemas.microsoft.com/office/mac/drawingml/2011/main" val="1"/>
+              <ma14:wrappingTextBoxFlag xmlns:ma14="http://schemas.microsoft.com/office/mac/drawingml/2011/main" xmlns:a14="http://schemas.microsoft.com/office/drawing/2010/main" xmlns:m="http://schemas.openxmlformats.org/officeDocument/2006/math" xmlns="" val="1"/>
             </a:ext>
           </a:extLst>
         </p:spPr>
@@ -22242,7 +22250,7 @@
           </a:ln>
           <a:extLst>
             <a:ext uri="{C572A759-6A51-4108-AA02-DFA0A04FC94B}">
-              <ma14:wrappingTextBoxFlag xmlns="" xmlns:m="http://schemas.openxmlformats.org/officeDocument/2006/math" xmlns:a14="http://schemas.microsoft.com/office/drawing/2010/main" xmlns:ma14="http://schemas.microsoft.com/office/mac/drawingml/2011/main" val="1"/>
+              <ma14:wrappingTextBoxFlag xmlns:ma14="http://schemas.microsoft.com/office/mac/drawingml/2011/main" xmlns:a14="http://schemas.microsoft.com/office/drawing/2010/main" xmlns:m="http://schemas.openxmlformats.org/officeDocument/2006/math" xmlns="" val="1"/>
             </a:ext>
           </a:extLst>
         </p:spPr>
@@ -22281,7 +22289,7 @@
           </a:ln>
           <a:extLst>
             <a:ext uri="{C572A759-6A51-4108-AA02-DFA0A04FC94B}">
-              <ma14:wrappingTextBoxFlag xmlns="" xmlns:m="http://schemas.openxmlformats.org/officeDocument/2006/math" xmlns:a14="http://schemas.microsoft.com/office/drawing/2010/main" xmlns:ma14="http://schemas.microsoft.com/office/mac/drawingml/2011/main" val="1"/>
+              <ma14:wrappingTextBoxFlag xmlns:ma14="http://schemas.microsoft.com/office/mac/drawingml/2011/main" xmlns:a14="http://schemas.microsoft.com/office/drawing/2010/main" xmlns:m="http://schemas.openxmlformats.org/officeDocument/2006/math" xmlns="" val="1"/>
             </a:ext>
           </a:extLst>
         </p:spPr>
@@ -22589,7 +22597,7 @@
             <a:effectLst/>
             <a:extLst>
               <a:ext uri="{C572A759-6A51-4108-AA02-DFA0A04FC94B}">
-                <ma14:wrappingTextBoxFlag xmlns="" xmlns:m="http://schemas.openxmlformats.org/officeDocument/2006/math" xmlns:a14="http://schemas.microsoft.com/office/drawing/2010/main" xmlns:ma14="http://schemas.microsoft.com/office/mac/drawingml/2011/main" val="1"/>
+                <ma14:wrappingTextBoxFlag xmlns:ma14="http://schemas.microsoft.com/office/mac/drawingml/2011/main" xmlns:a14="http://schemas.microsoft.com/office/drawing/2010/main" xmlns:m="http://schemas.openxmlformats.org/officeDocument/2006/math" xmlns="" val="1"/>
               </a:ext>
             </a:extLst>
           </p:spPr>
@@ -22701,7 +22709,7 @@
             <a:effectLst/>
             <a:extLst>
               <a:ext uri="{C572A759-6A51-4108-AA02-DFA0A04FC94B}">
-                <ma14:wrappingTextBoxFlag xmlns="" xmlns:m="http://schemas.openxmlformats.org/officeDocument/2006/math" xmlns:a14="http://schemas.microsoft.com/office/drawing/2010/main" xmlns:ma14="http://schemas.microsoft.com/office/mac/drawingml/2011/main" val="1"/>
+                <ma14:wrappingTextBoxFlag xmlns:ma14="http://schemas.microsoft.com/office/mac/drawingml/2011/main" xmlns:a14="http://schemas.microsoft.com/office/drawing/2010/main" xmlns:m="http://schemas.openxmlformats.org/officeDocument/2006/math" xmlns="" val="1"/>
               </a:ext>
             </a:extLst>
           </p:spPr>
@@ -22813,7 +22821,7 @@
             <a:effectLst/>
             <a:extLst>
               <a:ext uri="{C572A759-6A51-4108-AA02-DFA0A04FC94B}">
-                <ma14:wrappingTextBoxFlag xmlns="" xmlns:m="http://schemas.openxmlformats.org/officeDocument/2006/math" xmlns:a14="http://schemas.microsoft.com/office/drawing/2010/main" xmlns:ma14="http://schemas.microsoft.com/office/mac/drawingml/2011/main" val="1"/>
+                <ma14:wrappingTextBoxFlag xmlns:ma14="http://schemas.microsoft.com/office/mac/drawingml/2011/main" xmlns:a14="http://schemas.microsoft.com/office/drawing/2010/main" xmlns:m="http://schemas.openxmlformats.org/officeDocument/2006/math" xmlns="" val="1"/>
               </a:ext>
             </a:extLst>
           </p:spPr>
@@ -22925,7 +22933,7 @@
             <a:effectLst/>
             <a:extLst>
               <a:ext uri="{C572A759-6A51-4108-AA02-DFA0A04FC94B}">
-                <ma14:wrappingTextBoxFlag xmlns="" xmlns:m="http://schemas.openxmlformats.org/officeDocument/2006/math" xmlns:a14="http://schemas.microsoft.com/office/drawing/2010/main" xmlns:ma14="http://schemas.microsoft.com/office/mac/drawingml/2011/main" val="1"/>
+                <ma14:wrappingTextBoxFlag xmlns:ma14="http://schemas.microsoft.com/office/mac/drawingml/2011/main" xmlns:a14="http://schemas.microsoft.com/office/drawing/2010/main" xmlns:m="http://schemas.openxmlformats.org/officeDocument/2006/math" xmlns="" val="1"/>
               </a:ext>
             </a:extLst>
           </p:spPr>
@@ -23020,7 +23028,7 @@
             <a:effectLst/>
             <a:extLst>
               <a:ext uri="{C572A759-6A51-4108-AA02-DFA0A04FC94B}">
-                <ma14:wrappingTextBoxFlag xmlns="" xmlns:m="http://schemas.openxmlformats.org/officeDocument/2006/math" xmlns:a14="http://schemas.microsoft.com/office/drawing/2010/main" xmlns:ma14="http://schemas.microsoft.com/office/mac/drawingml/2011/main" val="1"/>
+                <ma14:wrappingTextBoxFlag xmlns:ma14="http://schemas.microsoft.com/office/mac/drawingml/2011/main" xmlns:a14="http://schemas.microsoft.com/office/drawing/2010/main" xmlns:m="http://schemas.openxmlformats.org/officeDocument/2006/math" xmlns="" val="1"/>
               </a:ext>
             </a:extLst>
           </p:spPr>
@@ -23061,7 +23069,7 @@
           </a:ln>
           <a:extLst>
             <a:ext uri="{C572A759-6A51-4108-AA02-DFA0A04FC94B}">
-              <ma14:wrappingTextBoxFlag xmlns="" xmlns:m="http://schemas.openxmlformats.org/officeDocument/2006/math" xmlns:a14="http://schemas.microsoft.com/office/drawing/2010/main" xmlns:ma14="http://schemas.microsoft.com/office/mac/drawingml/2011/main" val="1"/>
+              <ma14:wrappingTextBoxFlag xmlns:ma14="http://schemas.microsoft.com/office/mac/drawingml/2011/main" xmlns:a14="http://schemas.microsoft.com/office/drawing/2010/main" xmlns:m="http://schemas.openxmlformats.org/officeDocument/2006/math" xmlns="" val="1"/>
             </a:ext>
           </a:extLst>
         </p:spPr>
@@ -23099,7 +23107,7 @@
           </a:ln>
           <a:extLst>
             <a:ext uri="{C572A759-6A51-4108-AA02-DFA0A04FC94B}">
-              <ma14:wrappingTextBoxFlag xmlns="" xmlns:m="http://schemas.openxmlformats.org/officeDocument/2006/math" xmlns:a14="http://schemas.microsoft.com/office/drawing/2010/main" xmlns:ma14="http://schemas.microsoft.com/office/mac/drawingml/2011/main" val="1"/>
+              <ma14:wrappingTextBoxFlag xmlns:ma14="http://schemas.microsoft.com/office/mac/drawingml/2011/main" xmlns:a14="http://schemas.microsoft.com/office/drawing/2010/main" xmlns:m="http://schemas.openxmlformats.org/officeDocument/2006/math" xmlns="" val="1"/>
             </a:ext>
           </a:extLst>
         </p:spPr>
@@ -23137,7 +23145,7 @@
           </a:ln>
           <a:extLst>
             <a:ext uri="{C572A759-6A51-4108-AA02-DFA0A04FC94B}">
-              <ma14:wrappingTextBoxFlag xmlns="" xmlns:m="http://schemas.openxmlformats.org/officeDocument/2006/math" xmlns:a14="http://schemas.microsoft.com/office/drawing/2010/main" xmlns:ma14="http://schemas.microsoft.com/office/mac/drawingml/2011/main" val="1"/>
+              <ma14:wrappingTextBoxFlag xmlns:ma14="http://schemas.microsoft.com/office/mac/drawingml/2011/main" xmlns:a14="http://schemas.microsoft.com/office/drawing/2010/main" xmlns:m="http://schemas.openxmlformats.org/officeDocument/2006/math" xmlns="" val="1"/>
             </a:ext>
           </a:extLst>
         </p:spPr>
@@ -23175,7 +23183,7 @@
           </a:ln>
           <a:extLst>
             <a:ext uri="{C572A759-6A51-4108-AA02-DFA0A04FC94B}">
-              <ma14:wrappingTextBoxFlag xmlns="" xmlns:m="http://schemas.openxmlformats.org/officeDocument/2006/math" xmlns:a14="http://schemas.microsoft.com/office/drawing/2010/main" xmlns:ma14="http://schemas.microsoft.com/office/mac/drawingml/2011/main" val="1"/>
+              <ma14:wrappingTextBoxFlag xmlns:ma14="http://schemas.microsoft.com/office/mac/drawingml/2011/main" xmlns:a14="http://schemas.microsoft.com/office/drawing/2010/main" xmlns:m="http://schemas.openxmlformats.org/officeDocument/2006/math" xmlns="" val="1"/>
             </a:ext>
           </a:extLst>
         </p:spPr>
@@ -23213,7 +23221,7 @@
           </a:ln>
           <a:extLst>
             <a:ext uri="{C572A759-6A51-4108-AA02-DFA0A04FC94B}">
-              <ma14:wrappingTextBoxFlag xmlns="" xmlns:m="http://schemas.openxmlformats.org/officeDocument/2006/math" xmlns:a14="http://schemas.microsoft.com/office/drawing/2010/main" xmlns:ma14="http://schemas.microsoft.com/office/mac/drawingml/2011/main" val="1"/>
+              <ma14:wrappingTextBoxFlag xmlns:ma14="http://schemas.microsoft.com/office/mac/drawingml/2011/main" xmlns:a14="http://schemas.microsoft.com/office/drawing/2010/main" xmlns:m="http://schemas.openxmlformats.org/officeDocument/2006/math" xmlns="" val="1"/>
             </a:ext>
           </a:extLst>
         </p:spPr>
@@ -23251,7 +23259,7 @@
           </a:ln>
           <a:extLst>
             <a:ext uri="{C572A759-6A51-4108-AA02-DFA0A04FC94B}">
-              <ma14:wrappingTextBoxFlag xmlns="" xmlns:m="http://schemas.openxmlformats.org/officeDocument/2006/math" xmlns:a14="http://schemas.microsoft.com/office/drawing/2010/main" xmlns:ma14="http://schemas.microsoft.com/office/mac/drawingml/2011/main" val="1"/>
+              <ma14:wrappingTextBoxFlag xmlns:ma14="http://schemas.microsoft.com/office/mac/drawingml/2011/main" xmlns:a14="http://schemas.microsoft.com/office/drawing/2010/main" xmlns:m="http://schemas.openxmlformats.org/officeDocument/2006/math" xmlns="" val="1"/>
             </a:ext>
           </a:extLst>
         </p:spPr>
@@ -23289,7 +23297,7 @@
           </a:ln>
           <a:extLst>
             <a:ext uri="{C572A759-6A51-4108-AA02-DFA0A04FC94B}">
-              <ma14:wrappingTextBoxFlag xmlns="" xmlns:m="http://schemas.openxmlformats.org/officeDocument/2006/math" xmlns:a14="http://schemas.microsoft.com/office/drawing/2010/main" xmlns:ma14="http://schemas.microsoft.com/office/mac/drawingml/2011/main" val="1"/>
+              <ma14:wrappingTextBoxFlag xmlns:ma14="http://schemas.microsoft.com/office/mac/drawingml/2011/main" xmlns:a14="http://schemas.microsoft.com/office/drawing/2010/main" xmlns:m="http://schemas.openxmlformats.org/officeDocument/2006/math" xmlns="" val="1"/>
             </a:ext>
           </a:extLst>
         </p:spPr>
@@ -23327,7 +23335,7 @@
           </a:ln>
           <a:extLst>
             <a:ext uri="{C572A759-6A51-4108-AA02-DFA0A04FC94B}">
-              <ma14:wrappingTextBoxFlag xmlns="" xmlns:m="http://schemas.openxmlformats.org/officeDocument/2006/math" xmlns:a14="http://schemas.microsoft.com/office/drawing/2010/main" xmlns:ma14="http://schemas.microsoft.com/office/mac/drawingml/2011/main" val="1"/>
+              <ma14:wrappingTextBoxFlag xmlns:ma14="http://schemas.microsoft.com/office/mac/drawingml/2011/main" xmlns:a14="http://schemas.microsoft.com/office/drawing/2010/main" xmlns:m="http://schemas.openxmlformats.org/officeDocument/2006/math" xmlns="" val="1"/>
             </a:ext>
           </a:extLst>
         </p:spPr>
@@ -23362,7 +23370,7 @@
           </a:ln>
           <a:extLst>
             <a:ext uri="{C572A759-6A51-4108-AA02-DFA0A04FC94B}">
-              <ma14:wrappingTextBoxFlag xmlns="" xmlns:m="http://schemas.openxmlformats.org/officeDocument/2006/math" xmlns:a14="http://schemas.microsoft.com/office/drawing/2010/main" xmlns:ma14="http://schemas.microsoft.com/office/mac/drawingml/2011/main" val="1"/>
+              <ma14:wrappingTextBoxFlag xmlns:ma14="http://schemas.microsoft.com/office/mac/drawingml/2011/main" xmlns:a14="http://schemas.microsoft.com/office/drawing/2010/main" xmlns:m="http://schemas.openxmlformats.org/officeDocument/2006/math" xmlns="" val="1"/>
             </a:ext>
           </a:extLst>
         </p:spPr>
@@ -23410,7 +23418,7 @@
           </a:ln>
           <a:extLst>
             <a:ext uri="{C572A759-6A51-4108-AA02-DFA0A04FC94B}">
-              <ma14:wrappingTextBoxFlag xmlns="" xmlns:m="http://schemas.openxmlformats.org/officeDocument/2006/math" xmlns:a14="http://schemas.microsoft.com/office/drawing/2010/main" xmlns:ma14="http://schemas.microsoft.com/office/mac/drawingml/2011/main" val="1"/>
+              <ma14:wrappingTextBoxFlag xmlns:ma14="http://schemas.microsoft.com/office/mac/drawingml/2011/main" xmlns:a14="http://schemas.microsoft.com/office/drawing/2010/main" xmlns:m="http://schemas.openxmlformats.org/officeDocument/2006/math" xmlns="" val="1"/>
             </a:ext>
           </a:extLst>
         </p:spPr>
@@ -23455,7 +23463,7 @@
           </a:ln>
           <a:extLst>
             <a:ext uri="{C572A759-6A51-4108-AA02-DFA0A04FC94B}">
-              <ma14:wrappingTextBoxFlag xmlns="" xmlns:m="http://schemas.openxmlformats.org/officeDocument/2006/math" xmlns:a14="http://schemas.microsoft.com/office/drawing/2010/main" xmlns:ma14="http://schemas.microsoft.com/office/mac/drawingml/2011/main" val="1"/>
+              <ma14:wrappingTextBoxFlag xmlns:ma14="http://schemas.microsoft.com/office/mac/drawingml/2011/main" xmlns:a14="http://schemas.microsoft.com/office/drawing/2010/main" xmlns:m="http://schemas.openxmlformats.org/officeDocument/2006/math" xmlns="" val="1"/>
             </a:ext>
           </a:extLst>
         </p:spPr>
@@ -23500,7 +23508,7 @@
           </a:ln>
           <a:extLst>
             <a:ext uri="{C572A759-6A51-4108-AA02-DFA0A04FC94B}">
-              <ma14:wrappingTextBoxFlag xmlns="" xmlns:m="http://schemas.openxmlformats.org/officeDocument/2006/math" xmlns:a14="http://schemas.microsoft.com/office/drawing/2010/main" xmlns:ma14="http://schemas.microsoft.com/office/mac/drawingml/2011/main" val="1"/>
+              <ma14:wrappingTextBoxFlag xmlns:ma14="http://schemas.microsoft.com/office/mac/drawingml/2011/main" xmlns:a14="http://schemas.microsoft.com/office/drawing/2010/main" xmlns:m="http://schemas.openxmlformats.org/officeDocument/2006/math" xmlns="" val="1"/>
             </a:ext>
           </a:extLst>
         </p:spPr>
@@ -24294,7 +24302,7 @@
           </a:ln>
           <a:extLst>
             <a:ext uri="{C572A759-6A51-4108-AA02-DFA0A04FC94B}">
-              <ma14:wrappingTextBoxFlag xmlns="" xmlns:m="http://schemas.openxmlformats.org/officeDocument/2006/math" xmlns:a14="http://schemas.microsoft.com/office/drawing/2010/main" xmlns:ma14="http://schemas.microsoft.com/office/mac/drawingml/2011/main" val="1"/>
+              <ma14:wrappingTextBoxFlag xmlns:ma14="http://schemas.microsoft.com/office/mac/drawingml/2011/main" xmlns:a14="http://schemas.microsoft.com/office/drawing/2010/main" xmlns:m="http://schemas.openxmlformats.org/officeDocument/2006/math" xmlns="" val="1"/>
             </a:ext>
           </a:extLst>
         </p:spPr>
@@ -24368,7 +24376,7 @@
           </a:ln>
           <a:extLst>
             <a:ext uri="{C572A759-6A51-4108-AA02-DFA0A04FC94B}">
-              <ma14:wrappingTextBoxFlag xmlns="" xmlns:m="http://schemas.openxmlformats.org/officeDocument/2006/math" xmlns:a14="http://schemas.microsoft.com/office/drawing/2010/main" xmlns:ma14="http://schemas.microsoft.com/office/mac/drawingml/2011/main" val="1"/>
+              <ma14:wrappingTextBoxFlag xmlns:ma14="http://schemas.microsoft.com/office/mac/drawingml/2011/main" xmlns:a14="http://schemas.microsoft.com/office/drawing/2010/main" xmlns:m="http://schemas.openxmlformats.org/officeDocument/2006/math" xmlns="" val="1"/>
             </a:ext>
           </a:extLst>
         </p:spPr>
@@ -24485,7 +24493,7 @@
           </a:ln>
           <a:extLst>
             <a:ext uri="{C572A759-6A51-4108-AA02-DFA0A04FC94B}">
-              <ma14:wrappingTextBoxFlag xmlns="" xmlns:m="http://schemas.openxmlformats.org/officeDocument/2006/math" xmlns:a14="http://schemas.microsoft.com/office/drawing/2010/main" xmlns:ma14="http://schemas.microsoft.com/office/mac/drawingml/2011/main" val="1"/>
+              <ma14:wrappingTextBoxFlag xmlns:ma14="http://schemas.microsoft.com/office/mac/drawingml/2011/main" xmlns:a14="http://schemas.microsoft.com/office/drawing/2010/main" xmlns:m="http://schemas.openxmlformats.org/officeDocument/2006/math" xmlns="" val="1"/>
             </a:ext>
           </a:extLst>
         </p:spPr>
@@ -24635,7 +24643,7 @@
           </a:ln>
           <a:extLst>
             <a:ext uri="{C572A759-6A51-4108-AA02-DFA0A04FC94B}">
-              <ma14:wrappingTextBoxFlag xmlns="" xmlns:m="http://schemas.openxmlformats.org/officeDocument/2006/math" xmlns:a14="http://schemas.microsoft.com/office/drawing/2010/main" xmlns:ma14="http://schemas.microsoft.com/office/mac/drawingml/2011/main" val="1"/>
+              <ma14:wrappingTextBoxFlag xmlns:ma14="http://schemas.microsoft.com/office/mac/drawingml/2011/main" xmlns:a14="http://schemas.microsoft.com/office/drawing/2010/main" xmlns:m="http://schemas.openxmlformats.org/officeDocument/2006/math" xmlns="" val="1"/>
             </a:ext>
           </a:extLst>
         </p:spPr>
@@ -24719,7 +24727,7 @@
           </a:ln>
           <a:extLst>
             <a:ext uri="{C572A759-6A51-4108-AA02-DFA0A04FC94B}">
-              <ma14:wrappingTextBoxFlag xmlns="" xmlns:m="http://schemas.openxmlformats.org/officeDocument/2006/math" xmlns:a14="http://schemas.microsoft.com/office/drawing/2010/main" xmlns:ma14="http://schemas.microsoft.com/office/mac/drawingml/2011/main" val="1"/>
+              <ma14:wrappingTextBoxFlag xmlns:ma14="http://schemas.microsoft.com/office/mac/drawingml/2011/main" xmlns:a14="http://schemas.microsoft.com/office/drawing/2010/main" xmlns:m="http://schemas.openxmlformats.org/officeDocument/2006/math" xmlns="" val="1"/>
             </a:ext>
           </a:extLst>
         </p:spPr>
@@ -25268,7 +25276,7 @@
             <a:effectLst/>
             <a:extLst>
               <a:ext uri="{C572A759-6A51-4108-AA02-DFA0A04FC94B}">
-                <ma14:wrappingTextBoxFlag xmlns="" xmlns:m="http://schemas.openxmlformats.org/officeDocument/2006/math" xmlns:a14="http://schemas.microsoft.com/office/drawing/2010/main" xmlns:ma14="http://schemas.microsoft.com/office/mac/drawingml/2011/main" val="1"/>
+                <ma14:wrappingTextBoxFlag xmlns:ma14="http://schemas.microsoft.com/office/mac/drawingml/2011/main" xmlns:a14="http://schemas.microsoft.com/office/drawing/2010/main" xmlns:m="http://schemas.openxmlformats.org/officeDocument/2006/math" xmlns="" val="1"/>
               </a:ext>
             </a:extLst>
           </p:spPr>
@@ -25347,7 +25355,7 @@
           </a:ln>
           <a:extLst>
             <a:ext uri="{C572A759-6A51-4108-AA02-DFA0A04FC94B}">
-              <ma14:wrappingTextBoxFlag xmlns="" xmlns:m="http://schemas.openxmlformats.org/officeDocument/2006/math" xmlns:a14="http://schemas.microsoft.com/office/drawing/2010/main" xmlns:ma14="http://schemas.microsoft.com/office/mac/drawingml/2011/main" val="1"/>
+              <ma14:wrappingTextBoxFlag xmlns:ma14="http://schemas.microsoft.com/office/mac/drawingml/2011/main" xmlns:a14="http://schemas.microsoft.com/office/drawing/2010/main" xmlns:m="http://schemas.openxmlformats.org/officeDocument/2006/math" xmlns="" val="1"/>
             </a:ext>
           </a:extLst>
         </p:spPr>
@@ -25420,7 +25428,7 @@
           </a:ln>
           <a:extLst>
             <a:ext uri="{C572A759-6A51-4108-AA02-DFA0A04FC94B}">
-              <ma14:wrappingTextBoxFlag xmlns="" xmlns:m="http://schemas.openxmlformats.org/officeDocument/2006/math" xmlns:a14="http://schemas.microsoft.com/office/drawing/2010/main" xmlns:ma14="http://schemas.microsoft.com/office/mac/drawingml/2011/main" val="1"/>
+              <ma14:wrappingTextBoxFlag xmlns:ma14="http://schemas.microsoft.com/office/mac/drawingml/2011/main" xmlns:a14="http://schemas.microsoft.com/office/drawing/2010/main" xmlns:m="http://schemas.openxmlformats.org/officeDocument/2006/math" xmlns="" val="1"/>
             </a:ext>
           </a:extLst>
         </p:spPr>
@@ -26106,7 +26114,7 @@
           </a:ln>
           <a:extLst>
             <a:ext uri="{C572A759-6A51-4108-AA02-DFA0A04FC94B}">
-              <ma14:wrappingTextBoxFlag xmlns="" xmlns:m="http://schemas.openxmlformats.org/officeDocument/2006/math" xmlns:a14="http://schemas.microsoft.com/office/drawing/2010/main" xmlns:ma14="http://schemas.microsoft.com/office/mac/drawingml/2011/main" val="1"/>
+              <ma14:wrappingTextBoxFlag xmlns:ma14="http://schemas.microsoft.com/office/mac/drawingml/2011/main" xmlns:a14="http://schemas.microsoft.com/office/drawing/2010/main" xmlns:m="http://schemas.openxmlformats.org/officeDocument/2006/math" xmlns="" val="1"/>
             </a:ext>
           </a:extLst>
         </p:spPr>
@@ -26156,7 +26164,7 @@
           </a:ln>
           <a:extLst>
             <a:ext uri="{C572A759-6A51-4108-AA02-DFA0A04FC94B}">
-              <ma14:wrappingTextBoxFlag xmlns="" xmlns:m="http://schemas.openxmlformats.org/officeDocument/2006/math" xmlns:a14="http://schemas.microsoft.com/office/drawing/2010/main" xmlns:ma14="http://schemas.microsoft.com/office/mac/drawingml/2011/main" val="1"/>
+              <ma14:wrappingTextBoxFlag xmlns:ma14="http://schemas.microsoft.com/office/mac/drawingml/2011/main" xmlns:a14="http://schemas.microsoft.com/office/drawing/2010/main" xmlns:m="http://schemas.openxmlformats.org/officeDocument/2006/math" xmlns="" val="1"/>
             </a:ext>
           </a:extLst>
         </p:spPr>
@@ -26215,7 +26223,7 @@
           </a:ln>
           <a:extLst>
             <a:ext uri="{C572A759-6A51-4108-AA02-DFA0A04FC94B}">
-              <ma14:wrappingTextBoxFlag xmlns="" xmlns:m="http://schemas.openxmlformats.org/officeDocument/2006/math" xmlns:a14="http://schemas.microsoft.com/office/drawing/2010/main" xmlns:ma14="http://schemas.microsoft.com/office/mac/drawingml/2011/main" val="1"/>
+              <ma14:wrappingTextBoxFlag xmlns:ma14="http://schemas.microsoft.com/office/mac/drawingml/2011/main" xmlns:a14="http://schemas.microsoft.com/office/drawing/2010/main" xmlns:m="http://schemas.openxmlformats.org/officeDocument/2006/math" xmlns="" val="1"/>
             </a:ext>
           </a:extLst>
         </p:spPr>
@@ -26701,7 +26709,7 @@
             <a:effectLst/>
             <a:extLst>
               <a:ext uri="{C572A759-6A51-4108-AA02-DFA0A04FC94B}">
-                <ma14:wrappingTextBoxFlag xmlns="" xmlns:m="http://schemas.openxmlformats.org/officeDocument/2006/math" xmlns:a14="http://schemas.microsoft.com/office/drawing/2010/main" xmlns:ma14="http://schemas.microsoft.com/office/mac/drawingml/2011/main" val="1"/>
+                <ma14:wrappingTextBoxFlag xmlns:ma14="http://schemas.microsoft.com/office/mac/drawingml/2011/main" xmlns:a14="http://schemas.microsoft.com/office/drawing/2010/main" xmlns:m="http://schemas.openxmlformats.org/officeDocument/2006/math" xmlns="" val="1"/>
               </a:ext>
             </a:extLst>
           </p:spPr>
@@ -26780,7 +26788,7 @@
           </a:ln>
           <a:extLst>
             <a:ext uri="{C572A759-6A51-4108-AA02-DFA0A04FC94B}">
-              <ma14:wrappingTextBoxFlag xmlns="" xmlns:m="http://schemas.openxmlformats.org/officeDocument/2006/math" xmlns:a14="http://schemas.microsoft.com/office/drawing/2010/main" xmlns:ma14="http://schemas.microsoft.com/office/mac/drawingml/2011/main" val="1"/>
+              <ma14:wrappingTextBoxFlag xmlns:ma14="http://schemas.microsoft.com/office/mac/drawingml/2011/main" xmlns:a14="http://schemas.microsoft.com/office/drawing/2010/main" xmlns:m="http://schemas.openxmlformats.org/officeDocument/2006/math" xmlns="" val="1"/>
             </a:ext>
           </a:extLst>
         </p:spPr>
@@ -26853,7 +26861,7 @@
           </a:ln>
           <a:extLst>
             <a:ext uri="{C572A759-6A51-4108-AA02-DFA0A04FC94B}">
-              <ma14:wrappingTextBoxFlag xmlns="" xmlns:m="http://schemas.openxmlformats.org/officeDocument/2006/math" xmlns:a14="http://schemas.microsoft.com/office/drawing/2010/main" xmlns:ma14="http://schemas.microsoft.com/office/mac/drawingml/2011/main" val="1"/>
+              <ma14:wrappingTextBoxFlag xmlns:ma14="http://schemas.microsoft.com/office/mac/drawingml/2011/main" xmlns:a14="http://schemas.microsoft.com/office/drawing/2010/main" xmlns:m="http://schemas.openxmlformats.org/officeDocument/2006/math" xmlns="" val="1"/>
             </a:ext>
           </a:extLst>
         </p:spPr>
@@ -26976,7 +26984,7 @@
           </a:ln>
           <a:extLst>
             <a:ext uri="{C572A759-6A51-4108-AA02-DFA0A04FC94B}">
-              <ma14:wrappingTextBoxFlag xmlns="" xmlns:m="http://schemas.openxmlformats.org/officeDocument/2006/math" xmlns:a14="http://schemas.microsoft.com/office/drawing/2010/main" xmlns:ma14="http://schemas.microsoft.com/office/mac/drawingml/2011/main" val="1"/>
+              <ma14:wrappingTextBoxFlag xmlns:ma14="http://schemas.microsoft.com/office/mac/drawingml/2011/main" xmlns:a14="http://schemas.microsoft.com/office/drawing/2010/main" xmlns:m="http://schemas.openxmlformats.org/officeDocument/2006/math" xmlns="" val="1"/>
             </a:ext>
           </a:extLst>
         </p:spPr>
@@ -27072,7 +27080,7 @@
           </a:ln>
           <a:extLst>
             <a:ext uri="{C572A759-6A51-4108-AA02-DFA0A04FC94B}">
-              <ma14:wrappingTextBoxFlag xmlns="" xmlns:m="http://schemas.openxmlformats.org/officeDocument/2006/math" xmlns:a14="http://schemas.microsoft.com/office/drawing/2010/main" xmlns:ma14="http://schemas.microsoft.com/office/mac/drawingml/2011/main" val="1"/>
+              <ma14:wrappingTextBoxFlag xmlns:ma14="http://schemas.microsoft.com/office/mac/drawingml/2011/main" xmlns:a14="http://schemas.microsoft.com/office/drawing/2010/main" xmlns:m="http://schemas.openxmlformats.org/officeDocument/2006/math" xmlns="" val="1"/>
             </a:ext>
           </a:extLst>
         </p:spPr>
@@ -27111,7 +27119,7 @@
           </a:ln>
           <a:extLst>
             <a:ext uri="{C572A759-6A51-4108-AA02-DFA0A04FC94B}">
-              <ma14:wrappingTextBoxFlag xmlns="" xmlns:m="http://schemas.openxmlformats.org/officeDocument/2006/math" xmlns:a14="http://schemas.microsoft.com/office/drawing/2010/main" xmlns:ma14="http://schemas.microsoft.com/office/mac/drawingml/2011/main" val="1"/>
+              <ma14:wrappingTextBoxFlag xmlns:ma14="http://schemas.microsoft.com/office/mac/drawingml/2011/main" xmlns:a14="http://schemas.microsoft.com/office/drawing/2010/main" xmlns:m="http://schemas.openxmlformats.org/officeDocument/2006/math" xmlns="" val="1"/>
             </a:ext>
           </a:extLst>
         </p:spPr>
@@ -27144,7 +27152,7 @@
           </a:ln>
           <a:extLst>
             <a:ext uri="{C572A759-6A51-4108-AA02-DFA0A04FC94B}">
-              <ma14:wrappingTextBoxFlag xmlns="" xmlns:m="http://schemas.openxmlformats.org/officeDocument/2006/math" xmlns:a14="http://schemas.microsoft.com/office/drawing/2010/main" xmlns:ma14="http://schemas.microsoft.com/office/mac/drawingml/2011/main" val="1"/>
+              <ma14:wrappingTextBoxFlag xmlns:ma14="http://schemas.microsoft.com/office/mac/drawingml/2011/main" xmlns:a14="http://schemas.microsoft.com/office/drawing/2010/main" xmlns:m="http://schemas.openxmlformats.org/officeDocument/2006/math" xmlns="" val="1"/>
             </a:ext>
           </a:extLst>
         </p:spPr>
@@ -27184,7 +27192,7 @@
           </a:ln>
           <a:extLst>
             <a:ext uri="{C572A759-6A51-4108-AA02-DFA0A04FC94B}">
-              <ma14:wrappingTextBoxFlag xmlns="" xmlns:m="http://schemas.openxmlformats.org/officeDocument/2006/math" xmlns:a14="http://schemas.microsoft.com/office/drawing/2010/main" xmlns:ma14="http://schemas.microsoft.com/office/mac/drawingml/2011/main" val="1"/>
+              <ma14:wrappingTextBoxFlag xmlns:ma14="http://schemas.microsoft.com/office/mac/drawingml/2011/main" xmlns:a14="http://schemas.microsoft.com/office/drawing/2010/main" xmlns:m="http://schemas.openxmlformats.org/officeDocument/2006/math" xmlns="" val="1"/>
             </a:ext>
           </a:extLst>
         </p:spPr>
@@ -27629,7 +27637,7 @@
           </a:ln>
           <a:extLst>
             <a:ext uri="{C572A759-6A51-4108-AA02-DFA0A04FC94B}">
-              <ma14:wrappingTextBoxFlag xmlns="" xmlns:m="http://schemas.openxmlformats.org/officeDocument/2006/math" xmlns:a14="http://schemas.microsoft.com/office/drawing/2010/main" xmlns:ma14="http://schemas.microsoft.com/office/mac/drawingml/2011/main" val="1"/>
+              <ma14:wrappingTextBoxFlag xmlns:ma14="http://schemas.microsoft.com/office/mac/drawingml/2011/main" xmlns:a14="http://schemas.microsoft.com/office/drawing/2010/main" xmlns:m="http://schemas.openxmlformats.org/officeDocument/2006/math" xmlns="" val="1"/>
             </a:ext>
           </a:extLst>
         </p:spPr>
@@ -27757,7 +27765,7 @@
           </a:ln>
           <a:extLst>
             <a:ext uri="{C572A759-6A51-4108-AA02-DFA0A04FC94B}">
-              <ma14:wrappingTextBoxFlag xmlns="" xmlns:m="http://schemas.openxmlformats.org/officeDocument/2006/math" xmlns:a14="http://schemas.microsoft.com/office/drawing/2010/main" xmlns:ma14="http://schemas.microsoft.com/office/mac/drawingml/2011/main" val="1"/>
+              <ma14:wrappingTextBoxFlag xmlns:ma14="http://schemas.microsoft.com/office/mac/drawingml/2011/main" xmlns:a14="http://schemas.microsoft.com/office/drawing/2010/main" xmlns:m="http://schemas.openxmlformats.org/officeDocument/2006/math" xmlns="" val="1"/>
             </a:ext>
           </a:extLst>
         </p:spPr>
@@ -27796,7 +27804,7 @@
           </a:ln>
           <a:extLst>
             <a:ext uri="{C572A759-6A51-4108-AA02-DFA0A04FC94B}">
-              <ma14:wrappingTextBoxFlag xmlns="" xmlns:m="http://schemas.openxmlformats.org/officeDocument/2006/math" xmlns:a14="http://schemas.microsoft.com/office/drawing/2010/main" xmlns:ma14="http://schemas.microsoft.com/office/mac/drawingml/2011/main" val="1"/>
+              <ma14:wrappingTextBoxFlag xmlns:ma14="http://schemas.microsoft.com/office/mac/drawingml/2011/main" xmlns:a14="http://schemas.microsoft.com/office/drawing/2010/main" xmlns:m="http://schemas.openxmlformats.org/officeDocument/2006/math" xmlns="" val="1"/>
             </a:ext>
           </a:extLst>
         </p:spPr>
@@ -27866,7 +27874,7 @@
           </a:ln>
           <a:extLst>
             <a:ext uri="{C572A759-6A51-4108-AA02-DFA0A04FC94B}">
-              <ma14:wrappingTextBoxFlag xmlns="" xmlns:m="http://schemas.openxmlformats.org/officeDocument/2006/math" xmlns:a14="http://schemas.microsoft.com/office/drawing/2010/main" xmlns:ma14="http://schemas.microsoft.com/office/mac/drawingml/2011/main" val="1"/>
+              <ma14:wrappingTextBoxFlag xmlns:ma14="http://schemas.microsoft.com/office/mac/drawingml/2011/main" xmlns:a14="http://schemas.microsoft.com/office/drawing/2010/main" xmlns:m="http://schemas.openxmlformats.org/officeDocument/2006/math" xmlns="" val="1"/>
             </a:ext>
           </a:extLst>
         </p:spPr>
@@ -28289,7 +28297,7 @@
           </a:ln>
           <a:extLst>
             <a:ext uri="{C572A759-6A51-4108-AA02-DFA0A04FC94B}">
-              <ma14:wrappingTextBoxFlag xmlns="" xmlns:m="http://schemas.openxmlformats.org/officeDocument/2006/math" xmlns:a14="http://schemas.microsoft.com/office/drawing/2010/main" xmlns:ma14="http://schemas.microsoft.com/office/mac/drawingml/2011/main" val="1"/>
+              <ma14:wrappingTextBoxFlag xmlns:ma14="http://schemas.microsoft.com/office/mac/drawingml/2011/main" xmlns:a14="http://schemas.microsoft.com/office/drawing/2010/main" xmlns:m="http://schemas.openxmlformats.org/officeDocument/2006/math" xmlns="" val="1"/>
             </a:ext>
           </a:extLst>
         </p:spPr>
@@ -28330,7 +28338,7 @@
           </a:ln>
           <a:extLst>
             <a:ext uri="{C572A759-6A51-4108-AA02-DFA0A04FC94B}">
-              <ma14:wrappingTextBoxFlag xmlns="" xmlns:m="http://schemas.openxmlformats.org/officeDocument/2006/math" xmlns:a14="http://schemas.microsoft.com/office/drawing/2010/main" xmlns:ma14="http://schemas.microsoft.com/office/mac/drawingml/2011/main" val="1"/>
+              <ma14:wrappingTextBoxFlag xmlns:ma14="http://schemas.microsoft.com/office/mac/drawingml/2011/main" xmlns:a14="http://schemas.microsoft.com/office/drawing/2010/main" xmlns:m="http://schemas.openxmlformats.org/officeDocument/2006/math" xmlns="" val="1"/>
             </a:ext>
           </a:extLst>
         </p:spPr>
@@ -28381,7 +28389,7 @@
           </a:ln>
           <a:extLst>
             <a:ext uri="{C572A759-6A51-4108-AA02-DFA0A04FC94B}">
-              <ma14:wrappingTextBoxFlag xmlns="" xmlns:m="http://schemas.openxmlformats.org/officeDocument/2006/math" xmlns:a14="http://schemas.microsoft.com/office/drawing/2010/main" xmlns:ma14="http://schemas.microsoft.com/office/mac/drawingml/2011/main" val="1"/>
+              <ma14:wrappingTextBoxFlag xmlns:ma14="http://schemas.microsoft.com/office/mac/drawingml/2011/main" xmlns:a14="http://schemas.microsoft.com/office/drawing/2010/main" xmlns:m="http://schemas.openxmlformats.org/officeDocument/2006/math" xmlns="" val="1"/>
             </a:ext>
           </a:extLst>
         </p:spPr>

--- a/ppt/001 - DataTypes.pptx
+++ b/ppt/001 - DataTypes.pptx
@@ -41,8 +41,8 @@
     <p:sldId id="278" r:id="rId32"/>
     <p:sldId id="279" r:id="rId33"/>
     <p:sldId id="307" r:id="rId34"/>
-    <p:sldId id="306" r:id="rId35"/>
-    <p:sldId id="280" r:id="rId36"/>
+    <p:sldId id="280" r:id="rId35"/>
+    <p:sldId id="306" r:id="rId36"/>
     <p:sldId id="281" r:id="rId37"/>
     <p:sldId id="282" r:id="rId38"/>
     <p:sldId id="283" r:id="rId39"/>
@@ -15223,7 +15223,7 @@
             </a:r>
           </a:p>
           <a:p>
-            <a:pPr marL="342900" lvl="5" indent="-342900">
+            <a:pPr marL="342900" lvl="7" indent="-342900">
               <a:buFont typeface="Arial" panose="020B0604020202020204" pitchFamily="34" charset="0"/>
               <a:buChar char="•"/>
               <a:defRPr sz="4400"/>
@@ -15588,6 +15588,602 @@
 </file>
 
 <file path=ppt/slides/slide34.xml><?xml version="1.0" encoding="utf-8"?>
+<p:sld xmlns:a="http://schemas.openxmlformats.org/drawingml/2006/main" xmlns:r="http://schemas.openxmlformats.org/officeDocument/2006/relationships" xmlns:p="http://schemas.openxmlformats.org/presentationml/2006/main">
+  <p:cSld>
+    <p:spTree>
+      <p:nvGrpSpPr>
+        <p:cNvPr id="1" name=""/>
+        <p:cNvGrpSpPr/>
+        <p:nvPr/>
+      </p:nvGrpSpPr>
+      <p:grpSpPr>
+        <a:xfrm>
+          <a:off x="0" y="0"/>
+          <a:ext cx="0" cy="0"/>
+          <a:chOff x="0" y="0"/>
+          <a:chExt cx="0" cy="0"/>
+        </a:xfrm>
+      </p:grpSpPr>
+      <p:pic>
+        <p:nvPicPr>
+          <p:cNvPr id="254" name="Google Shape;54;p13" descr="Google Shape;54;p13"/>
+          <p:cNvPicPr>
+            <a:picLocks noChangeAspect="1"/>
+          </p:cNvPicPr>
+          <p:nvPr/>
+        </p:nvPicPr>
+        <p:blipFill>
+          <a:blip r:embed="rId2"/>
+          <a:stretch>
+            <a:fillRect/>
+          </a:stretch>
+        </p:blipFill>
+        <p:spPr>
+          <a:xfrm>
+            <a:off x="0" y="0"/>
+            <a:ext cx="12191997" cy="6858000"/>
+          </a:xfrm>
+          <a:prstGeom prst="rect">
+            <a:avLst/>
+          </a:prstGeom>
+          <a:ln w="12700">
+            <a:miter lim="400000"/>
+          </a:ln>
+        </p:spPr>
+      </p:pic>
+      <p:sp>
+        <p:nvSpPr>
+          <p:cNvPr id="255" name="Rectangle 3"/>
+          <p:cNvSpPr txBox="1"/>
+          <p:nvPr/>
+        </p:nvSpPr>
+        <p:spPr>
+          <a:xfrm>
+            <a:off x="767079" y="1116646"/>
+            <a:ext cx="6004561" cy="2973548"/>
+          </a:xfrm>
+          <a:prstGeom prst="rect">
+            <a:avLst/>
+          </a:prstGeom>
+          <a:ln w="12700">
+            <a:miter lim="400000"/>
+          </a:ln>
+          <a:extLst>
+            <a:ext uri="{C572A759-6A51-4108-AA02-DFA0A04FC94B}">
+              <ma14:wrappingTextBoxFlag xmlns:ma14="http://schemas.microsoft.com/office/mac/drawingml/2011/main" xmlns:a14="http://schemas.microsoft.com/office/drawing/2010/main" xmlns:m="http://schemas.openxmlformats.org/officeDocument/2006/math" xmlns="" val="1"/>
+            </a:ext>
+          </a:extLst>
+        </p:spPr>
+        <p:txBody>
+          <a:bodyPr lIns="45719" rIns="45719">
+            <a:spAutoFit/>
+          </a:bodyPr>
+          <a:lstStyle/>
+          <a:p>
+            <a:pPr>
+              <a:defRPr sz="3200"/>
+            </a:pPr>
+            <a:r>
+              <a:t>function hoist() {</a:t>
+            </a:r>
+          </a:p>
+          <a:p>
+            <a:pPr>
+              <a:defRPr sz="3200"/>
+            </a:pPr>
+            <a:r>
+              <a:t>  console.log(a,b);</a:t>
+            </a:r>
+          </a:p>
+          <a:p>
+            <a:pPr>
+              <a:defRPr sz="3200"/>
+            </a:pPr>
+            <a:r>
+              <a:t>  a = 20;</a:t>
+            </a:r>
+          </a:p>
+          <a:p>
+            <a:pPr>
+              <a:defRPr sz="3200"/>
+            </a:pPr>
+            <a:r>
+              <a:t>  var b = 100;</a:t>
+            </a:r>
+          </a:p>
+          <a:p>
+            <a:pPr>
+              <a:defRPr sz="3200"/>
+            </a:pPr>
+            <a:r>
+              <a:t>  console.log(a,b); </a:t>
+            </a:r>
+          </a:p>
+          <a:p>
+            <a:pPr>
+              <a:defRPr sz="3200"/>
+            </a:pPr>
+            <a:r>
+              <a:t>}</a:t>
+            </a:r>
+          </a:p>
+        </p:txBody>
+      </p:sp>
+      <p:sp>
+        <p:nvSpPr>
+          <p:cNvPr id="256" name="Rectangle 4"/>
+          <p:cNvSpPr txBox="1"/>
+          <p:nvPr/>
+        </p:nvSpPr>
+        <p:spPr>
+          <a:xfrm>
+            <a:off x="4276090" y="4344847"/>
+            <a:ext cx="6004560" cy="2171959"/>
+          </a:xfrm>
+          <a:prstGeom prst="rect">
+            <a:avLst/>
+          </a:prstGeom>
+          <a:ln w="12700">
+            <a:miter lim="400000"/>
+          </a:ln>
+          <a:extLst>
+            <a:ext uri="{C572A759-6A51-4108-AA02-DFA0A04FC94B}">
+              <ma14:wrappingTextBoxFlag xmlns:ma14="http://schemas.microsoft.com/office/mac/drawingml/2011/main" xmlns:a14="http://schemas.microsoft.com/office/drawing/2010/main" xmlns:m="http://schemas.openxmlformats.org/officeDocument/2006/math" xmlns="" val="1"/>
+            </a:ext>
+          </a:extLst>
+        </p:spPr>
+        <p:txBody>
+          <a:bodyPr lIns="45719" rIns="45719">
+            <a:spAutoFit/>
+          </a:bodyPr>
+          <a:lstStyle/>
+          <a:p>
+            <a:pPr>
+              <a:defRPr sz="2800"/>
+            </a:pPr>
+            <a:endParaRPr/>
+          </a:p>
+          <a:p>
+            <a:pPr>
+              <a:defRPr sz="2800"/>
+            </a:pPr>
+            <a:r>
+              <a:t>hoist();</a:t>
+            </a:r>
+          </a:p>
+          <a:p>
+            <a:pPr>
+              <a:defRPr sz="2800"/>
+            </a:pPr>
+            <a:r>
+              <a:t>console.log(a);</a:t>
+            </a:r>
+          </a:p>
+          <a:p>
+            <a:pPr>
+              <a:defRPr sz="2800"/>
+            </a:pPr>
+            <a:r>
+              <a:t>console.log(window.a);</a:t>
+            </a:r>
+          </a:p>
+          <a:p>
+            <a:pPr>
+              <a:defRPr sz="2800"/>
+            </a:pPr>
+            <a:r>
+              <a:t>console.log(b);</a:t>
+            </a:r>
+          </a:p>
+        </p:txBody>
+      </p:sp>
+      <p:sp>
+        <p:nvSpPr>
+          <p:cNvPr id="257" name="Title 1"/>
+          <p:cNvSpPr txBox="1"/>
+          <p:nvPr/>
+        </p:nvSpPr>
+        <p:spPr>
+          <a:xfrm>
+            <a:off x="1046861" y="-279231"/>
+            <a:ext cx="10424161" cy="1325564"/>
+          </a:xfrm>
+          <a:prstGeom prst="rect">
+            <a:avLst/>
+          </a:prstGeom>
+          <a:ln w="12700">
+            <a:miter lim="400000"/>
+          </a:ln>
+          <a:extLst>
+            <a:ext uri="{C572A759-6A51-4108-AA02-DFA0A04FC94B}">
+              <ma14:wrappingTextBoxFlag xmlns:ma14="http://schemas.microsoft.com/office/mac/drawingml/2011/main" xmlns:a14="http://schemas.microsoft.com/office/drawing/2010/main" xmlns:m="http://schemas.openxmlformats.org/officeDocument/2006/math" xmlns="" val="1"/>
+            </a:ext>
+          </a:extLst>
+        </p:spPr>
+        <p:txBody>
+          <a:bodyPr lIns="45719" rIns="45719" anchor="ctr">
+            <a:normAutofit/>
+          </a:bodyPr>
+          <a:lstStyle>
+            <a:lvl1pPr algn="ctr">
+              <a:lnSpc>
+                <a:spcPct val="90000"/>
+              </a:lnSpc>
+              <a:defRPr sz="4400">
+                <a:latin typeface="Calibri Light"/>
+                <a:ea typeface="Calibri Light"/>
+                <a:cs typeface="Calibri Light"/>
+                <a:sym typeface="Calibri Light"/>
+              </a:defRPr>
+            </a:lvl1pPr>
+          </a:lstStyle>
+          <a:p>
+            <a:r>
+              <a:t>Hoisting twisted</a:t>
+            </a:r>
+          </a:p>
+        </p:txBody>
+      </p:sp>
+      <p:sp>
+        <p:nvSpPr>
+          <p:cNvPr id="258" name="Rectangle 8"/>
+          <p:cNvSpPr txBox="1"/>
+          <p:nvPr/>
+        </p:nvSpPr>
+        <p:spPr>
+          <a:xfrm>
+            <a:off x="6863079" y="900617"/>
+            <a:ext cx="6004561" cy="3468848"/>
+          </a:xfrm>
+          <a:prstGeom prst="rect">
+            <a:avLst/>
+          </a:prstGeom>
+          <a:ln w="12700">
+            <a:miter lim="400000"/>
+          </a:ln>
+          <a:extLst>
+            <a:ext uri="{C572A759-6A51-4108-AA02-DFA0A04FC94B}">
+              <ma14:wrappingTextBoxFlag xmlns:ma14="http://schemas.microsoft.com/office/mac/drawingml/2011/main" xmlns:a14="http://schemas.microsoft.com/office/drawing/2010/main" xmlns:m="http://schemas.openxmlformats.org/officeDocument/2006/math" xmlns="" val="1"/>
+            </a:ext>
+          </a:extLst>
+        </p:spPr>
+        <p:txBody>
+          <a:bodyPr lIns="45719" rIns="45719">
+            <a:spAutoFit/>
+          </a:bodyPr>
+          <a:lstStyle/>
+          <a:p>
+            <a:pPr>
+              <a:defRPr sz="3200"/>
+            </a:pPr>
+            <a:r>
+              <a:t>function hoist() {</a:t>
+            </a:r>
+          </a:p>
+          <a:p>
+            <a:pPr>
+              <a:defRPr sz="3200"/>
+            </a:pPr>
+            <a:r>
+              <a:t>   var b = undefined;</a:t>
+            </a:r>
+          </a:p>
+          <a:p>
+            <a:pPr>
+              <a:defRPr sz="3200"/>
+            </a:pPr>
+            <a:r>
+              <a:t>  console.log(a,b);</a:t>
+            </a:r>
+          </a:p>
+          <a:p>
+            <a:pPr>
+              <a:defRPr sz="3200"/>
+            </a:pPr>
+            <a:r>
+              <a:t>  window.a = 20;</a:t>
+            </a:r>
+          </a:p>
+          <a:p>
+            <a:pPr>
+              <a:defRPr sz="3200"/>
+            </a:pPr>
+            <a:r>
+              <a:t>  b = 100;</a:t>
+            </a:r>
+          </a:p>
+          <a:p>
+            <a:pPr>
+              <a:defRPr sz="3200"/>
+            </a:pPr>
+            <a:r>
+              <a:t>  console.log(a,b); </a:t>
+            </a:r>
+          </a:p>
+          <a:p>
+            <a:pPr>
+              <a:defRPr sz="3200"/>
+            </a:pPr>
+            <a:r>
+              <a:t>}</a:t>
+            </a:r>
+          </a:p>
+        </p:txBody>
+      </p:sp>
+      <p:sp>
+        <p:nvSpPr>
+          <p:cNvPr id="259" name="Arrow: Right 9"/>
+          <p:cNvSpPr/>
+          <p:nvPr/>
+        </p:nvSpPr>
+        <p:spPr>
+          <a:xfrm>
+            <a:off x="4487560" y="2144832"/>
+            <a:ext cx="2190308" cy="488247"/>
+          </a:xfrm>
+          <a:prstGeom prst="rightArrow">
+            <a:avLst>
+              <a:gd name="adj1" fmla="val 50000"/>
+              <a:gd name="adj2" fmla="val 50000"/>
+            </a:avLst>
+          </a:prstGeom>
+          <a:gradFill>
+            <a:gsLst>
+              <a:gs pos="0">
+                <a:srgbClr val="C00000"/>
+              </a:gs>
+              <a:gs pos="26000">
+                <a:srgbClr val="C00000"/>
+              </a:gs>
+              <a:gs pos="100000">
+                <a:srgbClr val="C00000"/>
+              </a:gs>
+            </a:gsLst>
+            <a:path path="circle">
+              <a:fillToRect l="-19636" t="62278" r="119636" b="37721"/>
+            </a:path>
+          </a:gradFill>
+          <a:ln w="12700">
+            <a:miter lim="400000"/>
+          </a:ln>
+        </p:spPr>
+        <p:txBody>
+          <a:bodyPr lIns="45719" rIns="45719" anchor="ctr"/>
+          <a:lstStyle/>
+          <a:p>
+            <a:pPr algn="ctr">
+              <a:defRPr>
+                <a:solidFill>
+                  <a:srgbClr val="FFFFFF"/>
+                </a:solidFill>
+              </a:defRPr>
+            </a:pPr>
+            <a:endParaRPr/>
+          </a:p>
+        </p:txBody>
+      </p:sp>
+    </p:spTree>
+  </p:cSld>
+  <p:clrMapOvr>
+    <a:masterClrMapping/>
+  </p:clrMapOvr>
+  <p:transition spd="med"/>
+  <p:timing>
+    <p:tnLst>
+      <p:par>
+        <p:cTn id="1" dur="indefinite" restart="never" fill="hold" nodeType="tmRoot">
+          <p:childTnLst>
+            <p:seq concurrent="1" prevAc="none" nextAc="seek">
+              <p:cTn id="2" dur="indefinite" fill="hold" nodeType="mainSeq">
+                <p:childTnLst>
+                  <p:par>
+                    <p:cTn id="3" fill="hold">
+                      <p:stCondLst>
+                        <p:cond delay="indefinite"/>
+                      </p:stCondLst>
+                      <p:childTnLst>
+                        <p:par>
+                          <p:cTn id="4" fill="hold">
+                            <p:stCondLst>
+                              <p:cond delay="0"/>
+                            </p:stCondLst>
+                            <p:childTnLst>
+                              <p:par>
+                                <p:cTn id="5" presetID="1" presetClass="entr" presetSubtype="0" fill="hold" grpId="1" nodeType="clickEffect">
+                                  <p:stCondLst>
+                                    <p:cond delay="0"/>
+                                  </p:stCondLst>
+                                  <p:iterate>
+                                    <p:tmAbs val="0"/>
+                                  </p:iterate>
+                                  <p:childTnLst>
+                                    <p:set>
+                                      <p:cBhvr>
+                                        <p:cTn id="6" fill="hold"/>
+                                        <p:tgtEl>
+                                          <p:spTgt spid="255"/>
+                                        </p:tgtEl>
+                                        <p:attrNameLst>
+                                          <p:attrName>style.visibility</p:attrName>
+                                        </p:attrNameLst>
+                                      </p:cBhvr>
+                                      <p:to>
+                                        <p:strVal val="visible"/>
+                                      </p:to>
+                                    </p:set>
+                                  </p:childTnLst>
+                                </p:cTn>
+                              </p:par>
+                            </p:childTnLst>
+                          </p:cTn>
+                        </p:par>
+                      </p:childTnLst>
+                    </p:cTn>
+                  </p:par>
+                  <p:par>
+                    <p:cTn id="7" fill="hold">
+                      <p:stCondLst>
+                        <p:cond delay="indefinite"/>
+                      </p:stCondLst>
+                      <p:childTnLst>
+                        <p:par>
+                          <p:cTn id="8" fill="hold">
+                            <p:stCondLst>
+                              <p:cond delay="0"/>
+                            </p:stCondLst>
+                            <p:childTnLst>
+                              <p:par>
+                                <p:cTn id="9" presetID="1" presetClass="entr" presetSubtype="0" fill="hold" grpId="2" nodeType="clickEffect">
+                                  <p:stCondLst>
+                                    <p:cond delay="0"/>
+                                  </p:stCondLst>
+                                  <p:iterate>
+                                    <p:tmAbs val="0"/>
+                                  </p:iterate>
+                                  <p:childTnLst>
+                                    <p:set>
+                                      <p:cBhvr>
+                                        <p:cTn id="10" fill="hold"/>
+                                        <p:tgtEl>
+                                          <p:spTgt spid="259"/>
+                                        </p:tgtEl>
+                                        <p:attrNameLst>
+                                          <p:attrName>style.visibility</p:attrName>
+                                        </p:attrNameLst>
+                                      </p:cBhvr>
+                                      <p:to>
+                                        <p:strVal val="visible"/>
+                                      </p:to>
+                                    </p:set>
+                                  </p:childTnLst>
+                                </p:cTn>
+                              </p:par>
+                            </p:childTnLst>
+                          </p:cTn>
+                        </p:par>
+                      </p:childTnLst>
+                    </p:cTn>
+                  </p:par>
+                  <p:par>
+                    <p:cTn id="11" fill="hold">
+                      <p:stCondLst>
+                        <p:cond delay="indefinite"/>
+                      </p:stCondLst>
+                      <p:childTnLst>
+                        <p:par>
+                          <p:cTn id="12" fill="hold">
+                            <p:stCondLst>
+                              <p:cond delay="0"/>
+                            </p:stCondLst>
+                            <p:childTnLst>
+                              <p:par>
+                                <p:cTn id="13" presetID="1" presetClass="entr" presetSubtype="0" fill="hold" grpId="3" nodeType="clickEffect">
+                                  <p:stCondLst>
+                                    <p:cond delay="0"/>
+                                  </p:stCondLst>
+                                  <p:iterate>
+                                    <p:tmAbs val="0"/>
+                                  </p:iterate>
+                                  <p:childTnLst>
+                                    <p:set>
+                                      <p:cBhvr>
+                                        <p:cTn id="14" fill="hold"/>
+                                        <p:tgtEl>
+                                          <p:spTgt spid="258"/>
+                                        </p:tgtEl>
+                                        <p:attrNameLst>
+                                          <p:attrName>style.visibility</p:attrName>
+                                        </p:attrNameLst>
+                                      </p:cBhvr>
+                                      <p:to>
+                                        <p:strVal val="visible"/>
+                                      </p:to>
+                                    </p:set>
+                                  </p:childTnLst>
+                                </p:cTn>
+                              </p:par>
+                            </p:childTnLst>
+                          </p:cTn>
+                        </p:par>
+                      </p:childTnLst>
+                    </p:cTn>
+                  </p:par>
+                  <p:par>
+                    <p:cTn id="15" fill="hold">
+                      <p:stCondLst>
+                        <p:cond delay="indefinite"/>
+                      </p:stCondLst>
+                      <p:childTnLst>
+                        <p:par>
+                          <p:cTn id="16" fill="hold">
+                            <p:stCondLst>
+                              <p:cond delay="0"/>
+                            </p:stCondLst>
+                            <p:childTnLst>
+                              <p:par>
+                                <p:cTn id="17" presetID="1" presetClass="entr" presetSubtype="0" fill="hold" grpId="4" nodeType="clickEffect">
+                                  <p:stCondLst>
+                                    <p:cond delay="0"/>
+                                  </p:stCondLst>
+                                  <p:iterate>
+                                    <p:tmAbs val="0"/>
+                                  </p:iterate>
+                                  <p:childTnLst>
+                                    <p:set>
+                                      <p:cBhvr>
+                                        <p:cTn id="18" fill="hold"/>
+                                        <p:tgtEl>
+                                          <p:spTgt spid="256"/>
+                                        </p:tgtEl>
+                                        <p:attrNameLst>
+                                          <p:attrName>style.visibility</p:attrName>
+                                        </p:attrNameLst>
+                                      </p:cBhvr>
+                                      <p:to>
+                                        <p:strVal val="visible"/>
+                                      </p:to>
+                                    </p:set>
+                                  </p:childTnLst>
+                                </p:cTn>
+                              </p:par>
+                            </p:childTnLst>
+                          </p:cTn>
+                        </p:par>
+                      </p:childTnLst>
+                    </p:cTn>
+                  </p:par>
+                </p:childTnLst>
+              </p:cTn>
+              <p:prevCondLst>
+                <p:cond evt="onPrev" delay="0">
+                  <p:tgtEl>
+                    <p:sldTgt/>
+                  </p:tgtEl>
+                </p:cond>
+              </p:prevCondLst>
+              <p:nextCondLst>
+                <p:cond evt="onNext" delay="0">
+                  <p:tgtEl>
+                    <p:sldTgt/>
+                  </p:tgtEl>
+                </p:cond>
+              </p:nextCondLst>
+            </p:seq>
+          </p:childTnLst>
+        </p:cTn>
+      </p:par>
+    </p:tnLst>
+    <p:bldLst>
+      <p:bldP spid="255" grpId="1" animBg="1" advAuto="0"/>
+      <p:bldP spid="256" grpId="4" animBg="1" advAuto="0"/>
+      <p:bldP spid="258" grpId="3" animBg="1" advAuto="0"/>
+      <p:bldP spid="259" grpId="2" animBg="1" advAuto="0"/>
+    </p:bldLst>
+  </p:timing>
+</p:sld>
+</file>
+
+<file path=ppt/slides/slide35.xml><?xml version="1.0" encoding="utf-8"?>
 <p:sld xmlns:a="http://schemas.openxmlformats.org/drawingml/2006/main" xmlns:r="http://schemas.openxmlformats.org/officeDocument/2006/relationships" xmlns:p="http://schemas.openxmlformats.org/presentationml/2006/main">
   <p:cSld>
     <p:spTree>
@@ -16365,602 +16961,6 @@
       <p:bldP spid="249" grpId="0" animBg="1" advAuto="0"/>
       <p:bldP spid="250" grpId="0" animBg="1" advAuto="0"/>
       <p:bldP spid="251" grpId="0" animBg="1" advAuto="0"/>
-    </p:bldLst>
-  </p:timing>
-</p:sld>
-</file>
-
-<file path=ppt/slides/slide35.xml><?xml version="1.0" encoding="utf-8"?>
-<p:sld xmlns:a="http://schemas.openxmlformats.org/drawingml/2006/main" xmlns:r="http://schemas.openxmlformats.org/officeDocument/2006/relationships" xmlns:p="http://schemas.openxmlformats.org/presentationml/2006/main">
-  <p:cSld>
-    <p:spTree>
-      <p:nvGrpSpPr>
-        <p:cNvPr id="1" name=""/>
-        <p:cNvGrpSpPr/>
-        <p:nvPr/>
-      </p:nvGrpSpPr>
-      <p:grpSpPr>
-        <a:xfrm>
-          <a:off x="0" y="0"/>
-          <a:ext cx="0" cy="0"/>
-          <a:chOff x="0" y="0"/>
-          <a:chExt cx="0" cy="0"/>
-        </a:xfrm>
-      </p:grpSpPr>
-      <p:pic>
-        <p:nvPicPr>
-          <p:cNvPr id="254" name="Google Shape;54;p13" descr="Google Shape;54;p13"/>
-          <p:cNvPicPr>
-            <a:picLocks noChangeAspect="1"/>
-          </p:cNvPicPr>
-          <p:nvPr/>
-        </p:nvPicPr>
-        <p:blipFill>
-          <a:blip r:embed="rId2"/>
-          <a:stretch>
-            <a:fillRect/>
-          </a:stretch>
-        </p:blipFill>
-        <p:spPr>
-          <a:xfrm>
-            <a:off x="0" y="0"/>
-            <a:ext cx="12191997" cy="6858000"/>
-          </a:xfrm>
-          <a:prstGeom prst="rect">
-            <a:avLst/>
-          </a:prstGeom>
-          <a:ln w="12700">
-            <a:miter lim="400000"/>
-          </a:ln>
-        </p:spPr>
-      </p:pic>
-      <p:sp>
-        <p:nvSpPr>
-          <p:cNvPr id="255" name="Rectangle 3"/>
-          <p:cNvSpPr txBox="1"/>
-          <p:nvPr/>
-        </p:nvSpPr>
-        <p:spPr>
-          <a:xfrm>
-            <a:off x="767079" y="1116646"/>
-            <a:ext cx="6004561" cy="2973548"/>
-          </a:xfrm>
-          <a:prstGeom prst="rect">
-            <a:avLst/>
-          </a:prstGeom>
-          <a:ln w="12700">
-            <a:miter lim="400000"/>
-          </a:ln>
-          <a:extLst>
-            <a:ext uri="{C572A759-6A51-4108-AA02-DFA0A04FC94B}">
-              <ma14:wrappingTextBoxFlag xmlns:ma14="http://schemas.microsoft.com/office/mac/drawingml/2011/main" xmlns:a14="http://schemas.microsoft.com/office/drawing/2010/main" xmlns:m="http://schemas.openxmlformats.org/officeDocument/2006/math" xmlns="" val="1"/>
-            </a:ext>
-          </a:extLst>
-        </p:spPr>
-        <p:txBody>
-          <a:bodyPr lIns="45719" rIns="45719">
-            <a:spAutoFit/>
-          </a:bodyPr>
-          <a:lstStyle/>
-          <a:p>
-            <a:pPr>
-              <a:defRPr sz="3200"/>
-            </a:pPr>
-            <a:r>
-              <a:t>function hoist() {</a:t>
-            </a:r>
-          </a:p>
-          <a:p>
-            <a:pPr>
-              <a:defRPr sz="3200"/>
-            </a:pPr>
-            <a:r>
-              <a:t>  console.log(a,b);</a:t>
-            </a:r>
-          </a:p>
-          <a:p>
-            <a:pPr>
-              <a:defRPr sz="3200"/>
-            </a:pPr>
-            <a:r>
-              <a:t>  a = 20;</a:t>
-            </a:r>
-          </a:p>
-          <a:p>
-            <a:pPr>
-              <a:defRPr sz="3200"/>
-            </a:pPr>
-            <a:r>
-              <a:t>  var b = 100;</a:t>
-            </a:r>
-          </a:p>
-          <a:p>
-            <a:pPr>
-              <a:defRPr sz="3200"/>
-            </a:pPr>
-            <a:r>
-              <a:t>  console.log(a,b); </a:t>
-            </a:r>
-          </a:p>
-          <a:p>
-            <a:pPr>
-              <a:defRPr sz="3200"/>
-            </a:pPr>
-            <a:r>
-              <a:t>}</a:t>
-            </a:r>
-          </a:p>
-        </p:txBody>
-      </p:sp>
-      <p:sp>
-        <p:nvSpPr>
-          <p:cNvPr id="256" name="Rectangle 4"/>
-          <p:cNvSpPr txBox="1"/>
-          <p:nvPr/>
-        </p:nvSpPr>
-        <p:spPr>
-          <a:xfrm>
-            <a:off x="4276090" y="4344847"/>
-            <a:ext cx="6004560" cy="2171959"/>
-          </a:xfrm>
-          <a:prstGeom prst="rect">
-            <a:avLst/>
-          </a:prstGeom>
-          <a:ln w="12700">
-            <a:miter lim="400000"/>
-          </a:ln>
-          <a:extLst>
-            <a:ext uri="{C572A759-6A51-4108-AA02-DFA0A04FC94B}">
-              <ma14:wrappingTextBoxFlag xmlns:ma14="http://schemas.microsoft.com/office/mac/drawingml/2011/main" xmlns:a14="http://schemas.microsoft.com/office/drawing/2010/main" xmlns:m="http://schemas.openxmlformats.org/officeDocument/2006/math" xmlns="" val="1"/>
-            </a:ext>
-          </a:extLst>
-        </p:spPr>
-        <p:txBody>
-          <a:bodyPr lIns="45719" rIns="45719">
-            <a:spAutoFit/>
-          </a:bodyPr>
-          <a:lstStyle/>
-          <a:p>
-            <a:pPr>
-              <a:defRPr sz="2800"/>
-            </a:pPr>
-            <a:endParaRPr/>
-          </a:p>
-          <a:p>
-            <a:pPr>
-              <a:defRPr sz="2800"/>
-            </a:pPr>
-            <a:r>
-              <a:t>hoist();</a:t>
-            </a:r>
-          </a:p>
-          <a:p>
-            <a:pPr>
-              <a:defRPr sz="2800"/>
-            </a:pPr>
-            <a:r>
-              <a:t>console.log(a);</a:t>
-            </a:r>
-          </a:p>
-          <a:p>
-            <a:pPr>
-              <a:defRPr sz="2800"/>
-            </a:pPr>
-            <a:r>
-              <a:t>console.log(window.a);</a:t>
-            </a:r>
-          </a:p>
-          <a:p>
-            <a:pPr>
-              <a:defRPr sz="2800"/>
-            </a:pPr>
-            <a:r>
-              <a:t>console.log(b);</a:t>
-            </a:r>
-          </a:p>
-        </p:txBody>
-      </p:sp>
-      <p:sp>
-        <p:nvSpPr>
-          <p:cNvPr id="257" name="Title 1"/>
-          <p:cNvSpPr txBox="1"/>
-          <p:nvPr/>
-        </p:nvSpPr>
-        <p:spPr>
-          <a:xfrm>
-            <a:off x="1046861" y="-279231"/>
-            <a:ext cx="10424161" cy="1325564"/>
-          </a:xfrm>
-          <a:prstGeom prst="rect">
-            <a:avLst/>
-          </a:prstGeom>
-          <a:ln w="12700">
-            <a:miter lim="400000"/>
-          </a:ln>
-          <a:extLst>
-            <a:ext uri="{C572A759-6A51-4108-AA02-DFA0A04FC94B}">
-              <ma14:wrappingTextBoxFlag xmlns:ma14="http://schemas.microsoft.com/office/mac/drawingml/2011/main" xmlns:a14="http://schemas.microsoft.com/office/drawing/2010/main" xmlns:m="http://schemas.openxmlformats.org/officeDocument/2006/math" xmlns="" val="1"/>
-            </a:ext>
-          </a:extLst>
-        </p:spPr>
-        <p:txBody>
-          <a:bodyPr lIns="45719" rIns="45719" anchor="ctr">
-            <a:normAutofit/>
-          </a:bodyPr>
-          <a:lstStyle>
-            <a:lvl1pPr algn="ctr">
-              <a:lnSpc>
-                <a:spcPct val="90000"/>
-              </a:lnSpc>
-              <a:defRPr sz="4400">
-                <a:latin typeface="Calibri Light"/>
-                <a:ea typeface="Calibri Light"/>
-                <a:cs typeface="Calibri Light"/>
-                <a:sym typeface="Calibri Light"/>
-              </a:defRPr>
-            </a:lvl1pPr>
-          </a:lstStyle>
-          <a:p>
-            <a:r>
-              <a:t>Hoisting twisted</a:t>
-            </a:r>
-          </a:p>
-        </p:txBody>
-      </p:sp>
-      <p:sp>
-        <p:nvSpPr>
-          <p:cNvPr id="258" name="Rectangle 8"/>
-          <p:cNvSpPr txBox="1"/>
-          <p:nvPr/>
-        </p:nvSpPr>
-        <p:spPr>
-          <a:xfrm>
-            <a:off x="6863079" y="900617"/>
-            <a:ext cx="6004561" cy="3468848"/>
-          </a:xfrm>
-          <a:prstGeom prst="rect">
-            <a:avLst/>
-          </a:prstGeom>
-          <a:ln w="12700">
-            <a:miter lim="400000"/>
-          </a:ln>
-          <a:extLst>
-            <a:ext uri="{C572A759-6A51-4108-AA02-DFA0A04FC94B}">
-              <ma14:wrappingTextBoxFlag xmlns:ma14="http://schemas.microsoft.com/office/mac/drawingml/2011/main" xmlns:a14="http://schemas.microsoft.com/office/drawing/2010/main" xmlns:m="http://schemas.openxmlformats.org/officeDocument/2006/math" xmlns="" val="1"/>
-            </a:ext>
-          </a:extLst>
-        </p:spPr>
-        <p:txBody>
-          <a:bodyPr lIns="45719" rIns="45719">
-            <a:spAutoFit/>
-          </a:bodyPr>
-          <a:lstStyle/>
-          <a:p>
-            <a:pPr>
-              <a:defRPr sz="3200"/>
-            </a:pPr>
-            <a:r>
-              <a:t>function hoist() {</a:t>
-            </a:r>
-          </a:p>
-          <a:p>
-            <a:pPr>
-              <a:defRPr sz="3200"/>
-            </a:pPr>
-            <a:r>
-              <a:t>   var b = undefined;</a:t>
-            </a:r>
-          </a:p>
-          <a:p>
-            <a:pPr>
-              <a:defRPr sz="3200"/>
-            </a:pPr>
-            <a:r>
-              <a:t>  console.log(a,b);</a:t>
-            </a:r>
-          </a:p>
-          <a:p>
-            <a:pPr>
-              <a:defRPr sz="3200"/>
-            </a:pPr>
-            <a:r>
-              <a:t>  window.a = 20;</a:t>
-            </a:r>
-          </a:p>
-          <a:p>
-            <a:pPr>
-              <a:defRPr sz="3200"/>
-            </a:pPr>
-            <a:r>
-              <a:t>  b = 100;</a:t>
-            </a:r>
-          </a:p>
-          <a:p>
-            <a:pPr>
-              <a:defRPr sz="3200"/>
-            </a:pPr>
-            <a:r>
-              <a:t>  console.log(a,b); </a:t>
-            </a:r>
-          </a:p>
-          <a:p>
-            <a:pPr>
-              <a:defRPr sz="3200"/>
-            </a:pPr>
-            <a:r>
-              <a:t>}</a:t>
-            </a:r>
-          </a:p>
-        </p:txBody>
-      </p:sp>
-      <p:sp>
-        <p:nvSpPr>
-          <p:cNvPr id="259" name="Arrow: Right 9"/>
-          <p:cNvSpPr/>
-          <p:nvPr/>
-        </p:nvSpPr>
-        <p:spPr>
-          <a:xfrm>
-            <a:off x="4487560" y="2144832"/>
-            <a:ext cx="2190308" cy="488247"/>
-          </a:xfrm>
-          <a:prstGeom prst="rightArrow">
-            <a:avLst>
-              <a:gd name="adj1" fmla="val 50000"/>
-              <a:gd name="adj2" fmla="val 50000"/>
-            </a:avLst>
-          </a:prstGeom>
-          <a:gradFill>
-            <a:gsLst>
-              <a:gs pos="0">
-                <a:srgbClr val="C00000"/>
-              </a:gs>
-              <a:gs pos="26000">
-                <a:srgbClr val="C00000"/>
-              </a:gs>
-              <a:gs pos="100000">
-                <a:srgbClr val="C00000"/>
-              </a:gs>
-            </a:gsLst>
-            <a:path path="circle">
-              <a:fillToRect l="-19636" t="62278" r="119636" b="37721"/>
-            </a:path>
-          </a:gradFill>
-          <a:ln w="12700">
-            <a:miter lim="400000"/>
-          </a:ln>
-        </p:spPr>
-        <p:txBody>
-          <a:bodyPr lIns="45719" rIns="45719" anchor="ctr"/>
-          <a:lstStyle/>
-          <a:p>
-            <a:pPr algn="ctr">
-              <a:defRPr>
-                <a:solidFill>
-                  <a:srgbClr val="FFFFFF"/>
-                </a:solidFill>
-              </a:defRPr>
-            </a:pPr>
-            <a:endParaRPr/>
-          </a:p>
-        </p:txBody>
-      </p:sp>
-    </p:spTree>
-  </p:cSld>
-  <p:clrMapOvr>
-    <a:masterClrMapping/>
-  </p:clrMapOvr>
-  <p:transition spd="med"/>
-  <p:timing>
-    <p:tnLst>
-      <p:par>
-        <p:cTn id="1" dur="indefinite" restart="never" fill="hold" nodeType="tmRoot">
-          <p:childTnLst>
-            <p:seq concurrent="1" prevAc="none" nextAc="seek">
-              <p:cTn id="2" dur="indefinite" fill="hold" nodeType="mainSeq">
-                <p:childTnLst>
-                  <p:par>
-                    <p:cTn id="3" fill="hold">
-                      <p:stCondLst>
-                        <p:cond delay="indefinite"/>
-                      </p:stCondLst>
-                      <p:childTnLst>
-                        <p:par>
-                          <p:cTn id="4" fill="hold">
-                            <p:stCondLst>
-                              <p:cond delay="0"/>
-                            </p:stCondLst>
-                            <p:childTnLst>
-                              <p:par>
-                                <p:cTn id="5" presetID="1" presetClass="entr" presetSubtype="0" fill="hold" grpId="1" nodeType="clickEffect">
-                                  <p:stCondLst>
-                                    <p:cond delay="0"/>
-                                  </p:stCondLst>
-                                  <p:iterate>
-                                    <p:tmAbs val="0"/>
-                                  </p:iterate>
-                                  <p:childTnLst>
-                                    <p:set>
-                                      <p:cBhvr>
-                                        <p:cTn id="6" fill="hold"/>
-                                        <p:tgtEl>
-                                          <p:spTgt spid="255"/>
-                                        </p:tgtEl>
-                                        <p:attrNameLst>
-                                          <p:attrName>style.visibility</p:attrName>
-                                        </p:attrNameLst>
-                                      </p:cBhvr>
-                                      <p:to>
-                                        <p:strVal val="visible"/>
-                                      </p:to>
-                                    </p:set>
-                                  </p:childTnLst>
-                                </p:cTn>
-                              </p:par>
-                            </p:childTnLst>
-                          </p:cTn>
-                        </p:par>
-                      </p:childTnLst>
-                    </p:cTn>
-                  </p:par>
-                  <p:par>
-                    <p:cTn id="7" fill="hold">
-                      <p:stCondLst>
-                        <p:cond delay="indefinite"/>
-                      </p:stCondLst>
-                      <p:childTnLst>
-                        <p:par>
-                          <p:cTn id="8" fill="hold">
-                            <p:stCondLst>
-                              <p:cond delay="0"/>
-                            </p:stCondLst>
-                            <p:childTnLst>
-                              <p:par>
-                                <p:cTn id="9" presetID="1" presetClass="entr" presetSubtype="0" fill="hold" grpId="2" nodeType="clickEffect">
-                                  <p:stCondLst>
-                                    <p:cond delay="0"/>
-                                  </p:stCondLst>
-                                  <p:iterate>
-                                    <p:tmAbs val="0"/>
-                                  </p:iterate>
-                                  <p:childTnLst>
-                                    <p:set>
-                                      <p:cBhvr>
-                                        <p:cTn id="10" fill="hold"/>
-                                        <p:tgtEl>
-                                          <p:spTgt spid="259"/>
-                                        </p:tgtEl>
-                                        <p:attrNameLst>
-                                          <p:attrName>style.visibility</p:attrName>
-                                        </p:attrNameLst>
-                                      </p:cBhvr>
-                                      <p:to>
-                                        <p:strVal val="visible"/>
-                                      </p:to>
-                                    </p:set>
-                                  </p:childTnLst>
-                                </p:cTn>
-                              </p:par>
-                            </p:childTnLst>
-                          </p:cTn>
-                        </p:par>
-                      </p:childTnLst>
-                    </p:cTn>
-                  </p:par>
-                  <p:par>
-                    <p:cTn id="11" fill="hold">
-                      <p:stCondLst>
-                        <p:cond delay="indefinite"/>
-                      </p:stCondLst>
-                      <p:childTnLst>
-                        <p:par>
-                          <p:cTn id="12" fill="hold">
-                            <p:stCondLst>
-                              <p:cond delay="0"/>
-                            </p:stCondLst>
-                            <p:childTnLst>
-                              <p:par>
-                                <p:cTn id="13" presetID="1" presetClass="entr" presetSubtype="0" fill="hold" grpId="3" nodeType="clickEffect">
-                                  <p:stCondLst>
-                                    <p:cond delay="0"/>
-                                  </p:stCondLst>
-                                  <p:iterate>
-                                    <p:tmAbs val="0"/>
-                                  </p:iterate>
-                                  <p:childTnLst>
-                                    <p:set>
-                                      <p:cBhvr>
-                                        <p:cTn id="14" fill="hold"/>
-                                        <p:tgtEl>
-                                          <p:spTgt spid="258"/>
-                                        </p:tgtEl>
-                                        <p:attrNameLst>
-                                          <p:attrName>style.visibility</p:attrName>
-                                        </p:attrNameLst>
-                                      </p:cBhvr>
-                                      <p:to>
-                                        <p:strVal val="visible"/>
-                                      </p:to>
-                                    </p:set>
-                                  </p:childTnLst>
-                                </p:cTn>
-                              </p:par>
-                            </p:childTnLst>
-                          </p:cTn>
-                        </p:par>
-                      </p:childTnLst>
-                    </p:cTn>
-                  </p:par>
-                  <p:par>
-                    <p:cTn id="15" fill="hold">
-                      <p:stCondLst>
-                        <p:cond delay="indefinite"/>
-                      </p:stCondLst>
-                      <p:childTnLst>
-                        <p:par>
-                          <p:cTn id="16" fill="hold">
-                            <p:stCondLst>
-                              <p:cond delay="0"/>
-                            </p:stCondLst>
-                            <p:childTnLst>
-                              <p:par>
-                                <p:cTn id="17" presetID="1" presetClass="entr" presetSubtype="0" fill="hold" grpId="4" nodeType="clickEffect">
-                                  <p:stCondLst>
-                                    <p:cond delay="0"/>
-                                  </p:stCondLst>
-                                  <p:iterate>
-                                    <p:tmAbs val="0"/>
-                                  </p:iterate>
-                                  <p:childTnLst>
-                                    <p:set>
-                                      <p:cBhvr>
-                                        <p:cTn id="18" fill="hold"/>
-                                        <p:tgtEl>
-                                          <p:spTgt spid="256"/>
-                                        </p:tgtEl>
-                                        <p:attrNameLst>
-                                          <p:attrName>style.visibility</p:attrName>
-                                        </p:attrNameLst>
-                                      </p:cBhvr>
-                                      <p:to>
-                                        <p:strVal val="visible"/>
-                                      </p:to>
-                                    </p:set>
-                                  </p:childTnLst>
-                                </p:cTn>
-                              </p:par>
-                            </p:childTnLst>
-                          </p:cTn>
-                        </p:par>
-                      </p:childTnLst>
-                    </p:cTn>
-                  </p:par>
-                </p:childTnLst>
-              </p:cTn>
-              <p:prevCondLst>
-                <p:cond evt="onPrev" delay="0">
-                  <p:tgtEl>
-                    <p:sldTgt/>
-                  </p:tgtEl>
-                </p:cond>
-              </p:prevCondLst>
-              <p:nextCondLst>
-                <p:cond evt="onNext" delay="0">
-                  <p:tgtEl>
-                    <p:sldTgt/>
-                  </p:tgtEl>
-                </p:cond>
-              </p:nextCondLst>
-            </p:seq>
-          </p:childTnLst>
-        </p:cTn>
-      </p:par>
-    </p:tnLst>
-    <p:bldLst>
-      <p:bldP spid="255" grpId="1" animBg="1" advAuto="0"/>
-      <p:bldP spid="256" grpId="4" animBg="1" advAuto="0"/>
-      <p:bldP spid="258" grpId="3" animBg="1" advAuto="0"/>
-      <p:bldP spid="259" grpId="2" animBg="1" advAuto="0"/>
     </p:bldLst>
   </p:timing>
 </p:sld>
@@ -21986,6 +21986,43 @@
           </a:p>
         </p:txBody>
       </p:sp>
+      <p:sp>
+        <p:nvSpPr>
+          <p:cNvPr id="2" name="Rectangle 1">
+            <a:extLst>
+              <a:ext uri="{FF2B5EF4-FFF2-40B4-BE49-F238E27FC236}">
+                <a16:creationId xmlns:a16="http://schemas.microsoft.com/office/drawing/2014/main" id="{9D54BF55-C0D4-4241-84FD-58819D7458B3}"/>
+              </a:ext>
+            </a:extLst>
+          </p:cNvPr>
+          <p:cNvSpPr/>
+          <p:nvPr/>
+        </p:nvSpPr>
+        <p:spPr>
+          <a:xfrm>
+            <a:off x="1150706" y="4989494"/>
+            <a:ext cx="10387173" cy="923330"/>
+          </a:xfrm>
+          <a:prstGeom prst="rect">
+            <a:avLst/>
+          </a:prstGeom>
+        </p:spPr>
+        <p:txBody>
+          <a:bodyPr wrap="square">
+            <a:spAutoFit/>
+          </a:bodyPr>
+          <a:lstStyle/>
+          <a:p>
+            <a:r>
+              <a:rPr lang="en-IN" dirty="0">
+                <a:hlinkClick r:id="rId3"/>
+              </a:rPr>
+              <a:t>https://stackoverflow.com/questions/10273185/what-are-the-benefits-to-using-anonymous-functions-instead-of-named-functions-fo#:~:text=I%20use%20anonymous%20functions%20for,variables%20in%20the%20parent%20scopes.</a:t>
+            </a:r>
+            <a:endParaRPr lang="en-US" dirty="0"/>
+          </a:p>
+        </p:txBody>
+      </p:sp>
     </p:spTree>
   </p:cSld>
   <p:clrMapOvr>
@@ -22132,6 +22169,51 @@
                       </p:childTnLst>
                     </p:cTn>
                   </p:par>
+                  <p:par>
+                    <p:cTn id="15" fill="hold">
+                      <p:stCondLst>
+                        <p:cond delay="indefinite"/>
+                      </p:stCondLst>
+                      <p:childTnLst>
+                        <p:par>
+                          <p:cTn id="16" fill="hold">
+                            <p:stCondLst>
+                              <p:cond delay="0"/>
+                            </p:stCondLst>
+                            <p:childTnLst>
+                              <p:par>
+                                <p:cTn id="17" presetID="1" presetClass="entr" presetSubtype="0" fill="hold" grpId="0" nodeType="clickEffect">
+                                  <p:stCondLst>
+                                    <p:cond delay="0"/>
+                                  </p:stCondLst>
+                                  <p:childTnLst>
+                                    <p:set>
+                                      <p:cBhvr>
+                                        <p:cTn id="18" dur="1" fill="hold">
+                                          <p:stCondLst>
+                                            <p:cond delay="0"/>
+                                          </p:stCondLst>
+                                        </p:cTn>
+                                        <p:tgtEl>
+                                          <p:spTgt spid="2"/>
+                                        </p:tgtEl>
+                                        <p:attrNameLst>
+                                          <p:attrName>style.visibility</p:attrName>
+                                        </p:attrNameLst>
+                                      </p:cBhvr>
+                                      <p:to>
+                                        <p:strVal val="visible"/>
+                                      </p:to>
+                                    </p:set>
+                                  </p:childTnLst>
+                                </p:cTn>
+                              </p:par>
+                            </p:childTnLst>
+                          </p:cTn>
+                        </p:par>
+                      </p:childTnLst>
+                    </p:cTn>
+                  </p:par>
                 </p:childTnLst>
               </p:cTn>
               <p:prevCondLst>
@@ -22157,6 +22239,7 @@
       <p:bldP spid="332" grpId="1" animBg="1" advAuto="0"/>
       <p:bldP spid="333" grpId="2" animBg="1" advAuto="0"/>
       <p:bldP spid="334" grpId="3" animBg="1" advAuto="0"/>
+      <p:bldP spid="2" grpId="0"/>
     </p:bldLst>
   </p:timing>
 </p:sld>
@@ -22311,6 +22394,80 @@
             <a:r>
               <a:t>Only Once</a:t>
             </a:r>
+          </a:p>
+        </p:txBody>
+      </p:sp>
+      <p:sp>
+        <p:nvSpPr>
+          <p:cNvPr id="2" name="Rectangle 1">
+            <a:extLst>
+              <a:ext uri="{FF2B5EF4-FFF2-40B4-BE49-F238E27FC236}">
+                <a16:creationId xmlns:a16="http://schemas.microsoft.com/office/drawing/2014/main" id="{CBB679F1-FDD4-BE44-B62D-D8D6DB26F6C8}"/>
+              </a:ext>
+            </a:extLst>
+          </p:cNvPr>
+          <p:cNvSpPr/>
+          <p:nvPr/>
+        </p:nvSpPr>
+        <p:spPr>
+          <a:xfrm>
+            <a:off x="2369905" y="4803924"/>
+            <a:ext cx="8818651" cy="369332"/>
+          </a:xfrm>
+          <a:prstGeom prst="rect">
+            <a:avLst/>
+          </a:prstGeom>
+        </p:spPr>
+        <p:txBody>
+          <a:bodyPr wrap="square">
+            <a:spAutoFit/>
+          </a:bodyPr>
+          <a:lstStyle/>
+          <a:p>
+            <a:r>
+              <a:rPr lang="en-IN" dirty="0">
+                <a:hlinkClick r:id="rId3"/>
+              </a:rPr>
+              <a:t>http://benalman.com/news/2010/11/immediately-invoked-function-expression/</a:t>
+            </a:r>
+            <a:endParaRPr lang="en-US" dirty="0"/>
+          </a:p>
+        </p:txBody>
+      </p:sp>
+      <p:sp>
+        <p:nvSpPr>
+          <p:cNvPr id="3" name="Rectangle 2">
+            <a:extLst>
+              <a:ext uri="{FF2B5EF4-FFF2-40B4-BE49-F238E27FC236}">
+                <a16:creationId xmlns:a16="http://schemas.microsoft.com/office/drawing/2014/main" id="{0CBA5B70-2274-4146-835A-E5E20DEBB76A}"/>
+              </a:ext>
+            </a:extLst>
+          </p:cNvPr>
+          <p:cNvSpPr/>
+          <p:nvPr/>
+        </p:nvSpPr>
+        <p:spPr>
+          <a:xfrm>
+            <a:off x="5210027" y="4238552"/>
+            <a:ext cx="1830950" cy="369332"/>
+          </a:xfrm>
+          <a:prstGeom prst="rect">
+            <a:avLst/>
+          </a:prstGeom>
+        </p:spPr>
+        <p:txBody>
+          <a:bodyPr wrap="none">
+            <a:spAutoFit/>
+          </a:bodyPr>
+          <a:lstStyle/>
+          <a:p>
+            <a:r>
+              <a:rPr lang="en-IN" dirty="0">
+                <a:latin typeface="Helvetica Neue" panose="02000503000000020004" pitchFamily="2" charset="0"/>
+              </a:rPr>
+              <a:t>Module Pattern </a:t>
+            </a:r>
+            <a:endParaRPr lang="en-US" dirty="0"/>
           </a:p>
         </p:txBody>
       </p:sp>
@@ -22416,6 +22573,96 @@
                       </p:childTnLst>
                     </p:cTn>
                   </p:par>
+                  <p:par>
+                    <p:cTn id="11" fill="hold">
+                      <p:stCondLst>
+                        <p:cond delay="indefinite"/>
+                      </p:stCondLst>
+                      <p:childTnLst>
+                        <p:par>
+                          <p:cTn id="12" fill="hold">
+                            <p:stCondLst>
+                              <p:cond delay="0"/>
+                            </p:stCondLst>
+                            <p:childTnLst>
+                              <p:par>
+                                <p:cTn id="13" presetID="1" presetClass="entr" presetSubtype="0" fill="hold" grpId="0" nodeType="clickEffect">
+                                  <p:stCondLst>
+                                    <p:cond delay="0"/>
+                                  </p:stCondLst>
+                                  <p:childTnLst>
+                                    <p:set>
+                                      <p:cBhvr>
+                                        <p:cTn id="14" dur="1" fill="hold">
+                                          <p:stCondLst>
+                                            <p:cond delay="0"/>
+                                          </p:stCondLst>
+                                        </p:cTn>
+                                        <p:tgtEl>
+                                          <p:spTgt spid="2"/>
+                                        </p:tgtEl>
+                                        <p:attrNameLst>
+                                          <p:attrName>style.visibility</p:attrName>
+                                        </p:attrNameLst>
+                                      </p:cBhvr>
+                                      <p:to>
+                                        <p:strVal val="visible"/>
+                                      </p:to>
+                                    </p:set>
+                                  </p:childTnLst>
+                                </p:cTn>
+                              </p:par>
+                            </p:childTnLst>
+                          </p:cTn>
+                        </p:par>
+                      </p:childTnLst>
+                    </p:cTn>
+                  </p:par>
+                  <p:par>
+                    <p:cTn id="15" fill="hold">
+                      <p:stCondLst>
+                        <p:cond delay="indefinite"/>
+                      </p:stCondLst>
+                      <p:childTnLst>
+                        <p:par>
+                          <p:cTn id="16" fill="hold">
+                            <p:stCondLst>
+                              <p:cond delay="0"/>
+                            </p:stCondLst>
+                            <p:childTnLst>
+                              <p:par>
+                                <p:cTn id="17" presetID="1" presetClass="entr" presetSubtype="0" fill="hold" grpId="0" nodeType="clickEffect">
+                                  <p:stCondLst>
+                                    <p:cond delay="0"/>
+                                  </p:stCondLst>
+                                  <p:childTnLst>
+                                    <p:set>
+                                      <p:cBhvr>
+                                        <p:cTn id="18" dur="1" fill="hold">
+                                          <p:stCondLst>
+                                            <p:cond delay="0"/>
+                                          </p:stCondLst>
+                                        </p:cTn>
+                                        <p:tgtEl>
+                                          <p:spTgt spid="3"/>
+                                        </p:tgtEl>
+                                        <p:attrNameLst>
+                                          <p:attrName>style.visibility</p:attrName>
+                                        </p:attrNameLst>
+                                      </p:cBhvr>
+                                      <p:to>
+                                        <p:strVal val="visible"/>
+                                      </p:to>
+                                    </p:set>
+                                  </p:childTnLst>
+                                </p:cTn>
+                              </p:par>
+                            </p:childTnLst>
+                          </p:cTn>
+                        </p:par>
+                      </p:childTnLst>
+                    </p:cTn>
+                  </p:par>
                 </p:childTnLst>
               </p:cTn>
               <p:prevCondLst>
@@ -22440,6 +22687,8 @@
     <p:bldLst>
       <p:bldP spid="338" grpId="1" animBg="1" advAuto="0"/>
       <p:bldP spid="339" grpId="2" animBg="1" advAuto="0"/>
+      <p:bldP spid="2" grpId="0"/>
+      <p:bldP spid="3" grpId="0"/>
     </p:bldLst>
   </p:timing>
 </p:sld>

--- a/ppt/001 - DataTypes.pptx
+++ b/ppt/001 - DataTypes.pptx
@@ -5,7 +5,7 @@
     <p:sldMasterId id="2147483648" r:id="rId1"/>
   </p:sldMasterIdLst>
   <p:notesMasterIdLst>
-    <p:notesMasterId r:id="rId62"/>
+    <p:notesMasterId r:id="rId64"/>
   </p:notesMasterIdLst>
   <p:sldIdLst>
     <p:sldId id="256" r:id="rId2"/>
@@ -22,52 +22,54 @@
     <p:sldId id="266" r:id="rId13"/>
     <p:sldId id="267" r:id="rId14"/>
     <p:sldId id="268" r:id="rId15"/>
-    <p:sldId id="269" r:id="rId16"/>
-    <p:sldId id="270" r:id="rId17"/>
-    <p:sldId id="271" r:id="rId18"/>
-    <p:sldId id="272" r:id="rId19"/>
-    <p:sldId id="273" r:id="rId20"/>
-    <p:sldId id="274" r:id="rId21"/>
-    <p:sldId id="275" r:id="rId22"/>
-    <p:sldId id="276" r:id="rId23"/>
-    <p:sldId id="398" r:id="rId24"/>
-    <p:sldId id="399" r:id="rId25"/>
-    <p:sldId id="400" r:id="rId26"/>
-    <p:sldId id="308" r:id="rId27"/>
-    <p:sldId id="309" r:id="rId28"/>
-    <p:sldId id="311" r:id="rId29"/>
-    <p:sldId id="310" r:id="rId30"/>
-    <p:sldId id="277" r:id="rId31"/>
-    <p:sldId id="278" r:id="rId32"/>
-    <p:sldId id="279" r:id="rId33"/>
-    <p:sldId id="307" r:id="rId34"/>
-    <p:sldId id="280" r:id="rId35"/>
-    <p:sldId id="306" r:id="rId36"/>
-    <p:sldId id="281" r:id="rId37"/>
-    <p:sldId id="282" r:id="rId38"/>
-    <p:sldId id="283" r:id="rId39"/>
-    <p:sldId id="284" r:id="rId40"/>
-    <p:sldId id="285" r:id="rId41"/>
-    <p:sldId id="286" r:id="rId42"/>
-    <p:sldId id="287" r:id="rId43"/>
-    <p:sldId id="288" r:id="rId44"/>
-    <p:sldId id="289" r:id="rId45"/>
-    <p:sldId id="290" r:id="rId46"/>
-    <p:sldId id="291" r:id="rId47"/>
-    <p:sldId id="292" r:id="rId48"/>
-    <p:sldId id="293" r:id="rId49"/>
-    <p:sldId id="294" r:id="rId50"/>
-    <p:sldId id="295" r:id="rId51"/>
-    <p:sldId id="296" r:id="rId52"/>
-    <p:sldId id="297" r:id="rId53"/>
-    <p:sldId id="298" r:id="rId54"/>
-    <p:sldId id="299" r:id="rId55"/>
-    <p:sldId id="300" r:id="rId56"/>
-    <p:sldId id="301" r:id="rId57"/>
-    <p:sldId id="302" r:id="rId58"/>
-    <p:sldId id="303" r:id="rId59"/>
-    <p:sldId id="304" r:id="rId60"/>
-    <p:sldId id="305" r:id="rId61"/>
+    <p:sldId id="271" r:id="rId16"/>
+    <p:sldId id="272" r:id="rId17"/>
+    <p:sldId id="269" r:id="rId18"/>
+    <p:sldId id="270" r:id="rId19"/>
+    <p:sldId id="401" r:id="rId20"/>
+    <p:sldId id="402" r:id="rId21"/>
+    <p:sldId id="273" r:id="rId22"/>
+    <p:sldId id="274" r:id="rId23"/>
+    <p:sldId id="275" r:id="rId24"/>
+    <p:sldId id="276" r:id="rId25"/>
+    <p:sldId id="398" r:id="rId26"/>
+    <p:sldId id="399" r:id="rId27"/>
+    <p:sldId id="400" r:id="rId28"/>
+    <p:sldId id="308" r:id="rId29"/>
+    <p:sldId id="309" r:id="rId30"/>
+    <p:sldId id="311" r:id="rId31"/>
+    <p:sldId id="310" r:id="rId32"/>
+    <p:sldId id="277" r:id="rId33"/>
+    <p:sldId id="278" r:id="rId34"/>
+    <p:sldId id="279" r:id="rId35"/>
+    <p:sldId id="307" r:id="rId36"/>
+    <p:sldId id="280" r:id="rId37"/>
+    <p:sldId id="306" r:id="rId38"/>
+    <p:sldId id="281" r:id="rId39"/>
+    <p:sldId id="282" r:id="rId40"/>
+    <p:sldId id="283" r:id="rId41"/>
+    <p:sldId id="284" r:id="rId42"/>
+    <p:sldId id="285" r:id="rId43"/>
+    <p:sldId id="286" r:id="rId44"/>
+    <p:sldId id="287" r:id="rId45"/>
+    <p:sldId id="288" r:id="rId46"/>
+    <p:sldId id="289" r:id="rId47"/>
+    <p:sldId id="290" r:id="rId48"/>
+    <p:sldId id="291" r:id="rId49"/>
+    <p:sldId id="292" r:id="rId50"/>
+    <p:sldId id="293" r:id="rId51"/>
+    <p:sldId id="294" r:id="rId52"/>
+    <p:sldId id="295" r:id="rId53"/>
+    <p:sldId id="296" r:id="rId54"/>
+    <p:sldId id="297" r:id="rId55"/>
+    <p:sldId id="298" r:id="rId56"/>
+    <p:sldId id="299" r:id="rId57"/>
+    <p:sldId id="300" r:id="rId58"/>
+    <p:sldId id="301" r:id="rId59"/>
+    <p:sldId id="302" r:id="rId60"/>
+    <p:sldId id="303" r:id="rId61"/>
+    <p:sldId id="304" r:id="rId62"/>
+    <p:sldId id="305" r:id="rId63"/>
   </p:sldIdLst>
   <p:sldSz cx="12192000" cy="6858000"/>
   <p:notesSz cx="6858000" cy="9144000"/>
@@ -5368,7 +5370,7 @@
           </a:ln>
           <a:extLst>
             <a:ext uri="{C572A759-6A51-4108-AA02-DFA0A04FC94B}">
-              <ma14:wrappingTextBoxFlag xmlns:ma14="http://schemas.microsoft.com/office/mac/drawingml/2011/main" xmlns:a14="http://schemas.microsoft.com/office/drawing/2010/main" xmlns:m="http://schemas.openxmlformats.org/officeDocument/2006/math" xmlns="" val="1"/>
+              <ma14:wrappingTextBoxFlag xmlns="" xmlns:m="http://schemas.openxmlformats.org/officeDocument/2006/math" xmlns:a14="http://schemas.microsoft.com/office/drawing/2010/main" xmlns:ma14="http://schemas.microsoft.com/office/mac/drawingml/2011/main" val="1"/>
             </a:ext>
           </a:extLst>
         </p:spPr>
@@ -5407,7 +5409,7 @@
           </a:ln>
           <a:extLst>
             <a:ext uri="{C572A759-6A51-4108-AA02-DFA0A04FC94B}">
-              <ma14:wrappingTextBoxFlag xmlns:ma14="http://schemas.microsoft.com/office/mac/drawingml/2011/main" xmlns:a14="http://schemas.microsoft.com/office/drawing/2010/main" xmlns:m="http://schemas.openxmlformats.org/officeDocument/2006/math" xmlns="" val="1"/>
+              <ma14:wrappingTextBoxFlag xmlns="" xmlns:m="http://schemas.openxmlformats.org/officeDocument/2006/math" xmlns:a14="http://schemas.microsoft.com/office/drawing/2010/main" xmlns:ma14="http://schemas.microsoft.com/office/mac/drawingml/2011/main" val="1"/>
             </a:ext>
           </a:extLst>
         </p:spPr>
@@ -6370,7 +6372,7 @@
             <a:effectLst/>
             <a:extLst>
               <a:ext uri="{C572A759-6A51-4108-AA02-DFA0A04FC94B}">
-                <ma14:wrappingTextBoxFlag xmlns:ma14="http://schemas.microsoft.com/office/mac/drawingml/2011/main" xmlns:a14="http://schemas.microsoft.com/office/drawing/2010/main" xmlns:m="http://schemas.openxmlformats.org/officeDocument/2006/math" xmlns="" val="1"/>
+                <ma14:wrappingTextBoxFlag xmlns="" xmlns:m="http://schemas.openxmlformats.org/officeDocument/2006/math" xmlns:a14="http://schemas.microsoft.com/office/drawing/2010/main" xmlns:ma14="http://schemas.microsoft.com/office/mac/drawingml/2011/main" val="1"/>
               </a:ext>
             </a:extLst>
           </p:spPr>
@@ -6456,7 +6458,7 @@
           </a:ln>
           <a:extLst>
             <a:ext uri="{C572A759-6A51-4108-AA02-DFA0A04FC94B}">
-              <ma14:wrappingTextBoxFlag xmlns:ma14="http://schemas.microsoft.com/office/mac/drawingml/2011/main" xmlns:a14="http://schemas.microsoft.com/office/drawing/2010/main" xmlns:m="http://schemas.openxmlformats.org/officeDocument/2006/math" xmlns="" val="1"/>
+              <ma14:wrappingTextBoxFlag xmlns="" xmlns:m="http://schemas.openxmlformats.org/officeDocument/2006/math" xmlns:a14="http://schemas.microsoft.com/office/drawing/2010/main" xmlns:ma14="http://schemas.microsoft.com/office/mac/drawingml/2011/main" val="1"/>
             </a:ext>
           </a:extLst>
         </p:spPr>
@@ -6529,7 +6531,7 @@
           </a:ln>
           <a:extLst>
             <a:ext uri="{C572A759-6A51-4108-AA02-DFA0A04FC94B}">
-              <ma14:wrappingTextBoxFlag xmlns:ma14="http://schemas.microsoft.com/office/mac/drawingml/2011/main" xmlns:a14="http://schemas.microsoft.com/office/drawing/2010/main" xmlns:m="http://schemas.openxmlformats.org/officeDocument/2006/math" xmlns="" val="1"/>
+              <ma14:wrappingTextBoxFlag xmlns="" xmlns:m="http://schemas.openxmlformats.org/officeDocument/2006/math" xmlns:a14="http://schemas.microsoft.com/office/drawing/2010/main" xmlns:ma14="http://schemas.microsoft.com/office/mac/drawingml/2011/main" val="1"/>
             </a:ext>
           </a:extLst>
         </p:spPr>
@@ -6997,7 +6999,7 @@
             <a:effectLst/>
             <a:extLst>
               <a:ext uri="{C572A759-6A51-4108-AA02-DFA0A04FC94B}">
-                <ma14:wrappingTextBoxFlag xmlns:ma14="http://schemas.microsoft.com/office/mac/drawingml/2011/main" xmlns:a14="http://schemas.microsoft.com/office/drawing/2010/main" xmlns:m="http://schemas.openxmlformats.org/officeDocument/2006/math" xmlns="" val="1"/>
+                <ma14:wrappingTextBoxFlag xmlns="" xmlns:m="http://schemas.openxmlformats.org/officeDocument/2006/math" xmlns:a14="http://schemas.microsoft.com/office/drawing/2010/main" xmlns:ma14="http://schemas.microsoft.com/office/mac/drawingml/2011/main" val="1"/>
               </a:ext>
             </a:extLst>
           </p:spPr>
@@ -7076,7 +7078,7 @@
           </a:ln>
           <a:extLst>
             <a:ext uri="{C572A759-6A51-4108-AA02-DFA0A04FC94B}">
-              <ma14:wrappingTextBoxFlag xmlns:ma14="http://schemas.microsoft.com/office/mac/drawingml/2011/main" xmlns:a14="http://schemas.microsoft.com/office/drawing/2010/main" xmlns:m="http://schemas.openxmlformats.org/officeDocument/2006/math" xmlns="" val="1"/>
+              <ma14:wrappingTextBoxFlag xmlns="" xmlns:m="http://schemas.openxmlformats.org/officeDocument/2006/math" xmlns:a14="http://schemas.microsoft.com/office/drawing/2010/main" xmlns:ma14="http://schemas.microsoft.com/office/mac/drawingml/2011/main" val="1"/>
             </a:ext>
           </a:extLst>
         </p:spPr>
@@ -7149,7 +7151,7 @@
           </a:ln>
           <a:extLst>
             <a:ext uri="{C572A759-6A51-4108-AA02-DFA0A04FC94B}">
-              <ma14:wrappingTextBoxFlag xmlns:ma14="http://schemas.microsoft.com/office/mac/drawingml/2011/main" xmlns:a14="http://schemas.microsoft.com/office/drawing/2010/main" xmlns:m="http://schemas.openxmlformats.org/officeDocument/2006/math" xmlns="" val="1"/>
+              <ma14:wrappingTextBoxFlag xmlns="" xmlns:m="http://schemas.openxmlformats.org/officeDocument/2006/math" xmlns:a14="http://schemas.microsoft.com/office/drawing/2010/main" xmlns:ma14="http://schemas.microsoft.com/office/mac/drawingml/2011/main" val="1"/>
             </a:ext>
           </a:extLst>
         </p:spPr>
@@ -7949,7 +7951,7 @@
               <a:defRPr sz="6600"/>
             </a:pPr>
             <a:r>
-              <a:rPr dirty="0"/>
+              <a:rPr lang="en-IN" dirty="0"/>
               <a:t>a = {</a:t>
             </a:r>
           </a:p>
@@ -7960,7 +7962,7 @@
               <a:defRPr sz="6600"/>
             </a:pPr>
             <a:r>
-              <a:rPr dirty="0"/>
+              <a:rPr lang="en-IN" dirty="0"/>
               <a:t>  "foo" : "fighter",</a:t>
             </a:r>
           </a:p>
@@ -7971,7 +7973,7 @@
               <a:defRPr sz="6600"/>
             </a:pPr>
             <a:r>
-              <a:rPr dirty="0"/>
+              <a:rPr lang="en-IN" dirty="0"/>
               <a:t>  "bar" : [1,2,3]</a:t>
             </a:r>
           </a:p>
@@ -7982,7 +7984,7 @@
               <a:defRPr sz="6600"/>
             </a:pPr>
             <a:r>
-              <a:rPr dirty="0"/>
+              <a:rPr lang="en-IN" dirty="0"/>
               <a:t>}	</a:t>
             </a:r>
           </a:p>
@@ -8541,495 +8543,6 @@
       </p:grpSpPr>
       <p:pic>
         <p:nvPicPr>
-          <p:cNvPr id="193" name="Google Shape;54;p13" descr="Google Shape;54;p13"/>
-          <p:cNvPicPr>
-            <a:picLocks noChangeAspect="1"/>
-          </p:cNvPicPr>
-          <p:nvPr/>
-        </p:nvPicPr>
-        <p:blipFill>
-          <a:blip r:embed="rId2"/>
-          <a:stretch>
-            <a:fillRect/>
-          </a:stretch>
-        </p:blipFill>
-        <p:spPr>
-          <a:xfrm>
-            <a:off x="0" y="0"/>
-            <a:ext cx="12191997" cy="6858000"/>
-          </a:xfrm>
-          <a:prstGeom prst="rect">
-            <a:avLst/>
-          </a:prstGeom>
-          <a:ln w="12700">
-            <a:miter lim="400000"/>
-          </a:ln>
-        </p:spPr>
-      </p:pic>
-      <p:sp>
-        <p:nvSpPr>
-          <p:cNvPr id="194" name="Title 1"/>
-          <p:cNvSpPr txBox="1">
-            <a:spLocks noGrp="1"/>
-          </p:cNvSpPr>
-          <p:nvPr>
-            <p:ph type="title"/>
-          </p:nvPr>
-        </p:nvSpPr>
-        <p:spPr>
-          <a:prstGeom prst="rect">
-            <a:avLst/>
-          </a:prstGeom>
-        </p:spPr>
-        <p:txBody>
-          <a:bodyPr/>
-          <a:lstStyle/>
-          <a:p>
-            <a:r>
-              <a:t>Iterate thro the Object</a:t>
-            </a:r>
-          </a:p>
-        </p:txBody>
-      </p:sp>
-      <p:sp>
-        <p:nvSpPr>
-          <p:cNvPr id="195" name="Content Placeholder 2"/>
-          <p:cNvSpPr txBox="1">
-            <a:spLocks noGrp="1"/>
-          </p:cNvSpPr>
-          <p:nvPr>
-            <p:ph type="body" idx="1"/>
-          </p:nvPr>
-        </p:nvSpPr>
-        <p:spPr>
-          <a:prstGeom prst="rect">
-            <a:avLst/>
-          </a:prstGeom>
-        </p:spPr>
-        <p:txBody>
-          <a:bodyPr/>
-          <a:lstStyle/>
-          <a:p>
-            <a:pPr marL="0" indent="0">
-              <a:lnSpc>
-                <a:spcPct val="72000"/>
-              </a:lnSpc>
-              <a:buSzTx/>
-              <a:buNone/>
-              <a:defRPr sz="2900"/>
-            </a:pPr>
-            <a:r>
-              <a:t>var jsonData = {"person":"me","age":"5","name":"GUVI"};</a:t>
-            </a:r>
-            <a:endParaRPr sz="2500"/>
-          </a:p>
-          <a:p>
-            <a:pPr marL="0" indent="0">
-              <a:lnSpc>
-                <a:spcPct val="72000"/>
-              </a:lnSpc>
-              <a:buSzTx/>
-              <a:buNone/>
-              <a:defRPr sz="3200"/>
-            </a:pPr>
-            <a:endParaRPr sz="2500"/>
-          </a:p>
-          <a:p>
-            <a:pPr marL="0" indent="0">
-              <a:lnSpc>
-                <a:spcPct val="72000"/>
-              </a:lnSpc>
-              <a:buSzTx/>
-              <a:buNone/>
-              <a:defRPr sz="2900"/>
-            </a:pPr>
-            <a:r>
-              <a:t>for(var i in jsonData){</a:t>
-            </a:r>
-            <a:endParaRPr sz="2500"/>
-          </a:p>
-          <a:p>
-            <a:pPr marL="0" indent="0">
-              <a:lnSpc>
-                <a:spcPct val="72000"/>
-              </a:lnSpc>
-              <a:buSzTx/>
-              <a:buNone/>
-              <a:defRPr sz="2900"/>
-            </a:pPr>
-            <a:r>
-              <a:t>    var key = i;</a:t>
-            </a:r>
-            <a:endParaRPr sz="2500"/>
-          </a:p>
-          <a:p>
-            <a:pPr marL="0" indent="0">
-              <a:lnSpc>
-                <a:spcPct val="72000"/>
-              </a:lnSpc>
-              <a:buSzTx/>
-              <a:buNone/>
-              <a:defRPr sz="2900"/>
-            </a:pPr>
-            <a:r>
-              <a:t>    var val = jsonData[i];</a:t>
-            </a:r>
-            <a:endParaRPr sz="2500"/>
-          </a:p>
-          <a:p>
-            <a:pPr marL="0" indent="0">
-              <a:lnSpc>
-                <a:spcPct val="72000"/>
-              </a:lnSpc>
-              <a:buSzTx/>
-              <a:buNone/>
-              <a:defRPr sz="2900"/>
-            </a:pPr>
-            <a:r>
-              <a:t>	console.log(key);</a:t>
-            </a:r>
-            <a:endParaRPr sz="2500"/>
-          </a:p>
-          <a:p>
-            <a:pPr marL="0" indent="0">
-              <a:lnSpc>
-                <a:spcPct val="72000"/>
-              </a:lnSpc>
-              <a:buSzTx/>
-              <a:buNone/>
-              <a:defRPr sz="2900"/>
-            </a:pPr>
-            <a:r>
-              <a:t>	console.log(val);</a:t>
-            </a:r>
-            <a:endParaRPr sz="2500"/>
-          </a:p>
-          <a:p>
-            <a:pPr marL="0" indent="0">
-              <a:lnSpc>
-                <a:spcPct val="72000"/>
-              </a:lnSpc>
-              <a:buSzTx/>
-              <a:buNone/>
-              <a:defRPr sz="3200"/>
-            </a:pPr>
-            <a:endParaRPr sz="2500"/>
-          </a:p>
-          <a:p>
-            <a:pPr marL="0" indent="0">
-              <a:lnSpc>
-                <a:spcPct val="72000"/>
-              </a:lnSpc>
-              <a:buSzTx/>
-              <a:buNone/>
-              <a:defRPr sz="2900"/>
-            </a:pPr>
-            <a:r>
-              <a:t>}</a:t>
-            </a:r>
-          </a:p>
-        </p:txBody>
-      </p:sp>
-    </p:spTree>
-  </p:cSld>
-  <p:clrMapOvr>
-    <a:masterClrMapping/>
-  </p:clrMapOvr>
-  <p:transition spd="med"/>
-</p:sld>
-</file>
-
-<file path=ppt/slides/slide16.xml><?xml version="1.0" encoding="utf-8"?>
-<p:sld xmlns:a="http://schemas.openxmlformats.org/drawingml/2006/main" xmlns:r="http://schemas.openxmlformats.org/officeDocument/2006/relationships" xmlns:p="http://schemas.openxmlformats.org/presentationml/2006/main">
-  <p:cSld>
-    <p:spTree>
-      <p:nvGrpSpPr>
-        <p:cNvPr id="1" name=""/>
-        <p:cNvGrpSpPr/>
-        <p:nvPr/>
-      </p:nvGrpSpPr>
-      <p:grpSpPr>
-        <a:xfrm>
-          <a:off x="0" y="0"/>
-          <a:ext cx="0" cy="0"/>
-          <a:chOff x="0" y="0"/>
-          <a:chExt cx="0" cy="0"/>
-        </a:xfrm>
-      </p:grpSpPr>
-      <p:pic>
-        <p:nvPicPr>
-          <p:cNvPr id="197" name="Google Shape;54;p13" descr="Google Shape;54;p13"/>
-          <p:cNvPicPr>
-            <a:picLocks noChangeAspect="1"/>
-          </p:cNvPicPr>
-          <p:nvPr/>
-        </p:nvPicPr>
-        <p:blipFill>
-          <a:blip r:embed="rId2"/>
-          <a:stretch>
-            <a:fillRect/>
-          </a:stretch>
-        </p:blipFill>
-        <p:spPr>
-          <a:xfrm>
-            <a:off x="0" y="0"/>
-            <a:ext cx="12191997" cy="6858000"/>
-          </a:xfrm>
-          <a:prstGeom prst="rect">
-            <a:avLst/>
-          </a:prstGeom>
-          <a:ln w="12700">
-            <a:miter lim="400000"/>
-          </a:ln>
-        </p:spPr>
-      </p:pic>
-      <p:sp>
-        <p:nvSpPr>
-          <p:cNvPr id="198" name="Title 1"/>
-          <p:cNvSpPr txBox="1">
-            <a:spLocks noGrp="1"/>
-          </p:cNvSpPr>
-          <p:nvPr>
-            <p:ph type="title"/>
-          </p:nvPr>
-        </p:nvSpPr>
-        <p:spPr>
-          <a:prstGeom prst="rect">
-            <a:avLst/>
-          </a:prstGeom>
-        </p:spPr>
-        <p:txBody>
-          <a:bodyPr/>
-          <a:lstStyle/>
-          <a:p>
-            <a:r>
-              <a:t>Iterate thro the Object array</a:t>
-            </a:r>
-          </a:p>
-        </p:txBody>
-      </p:sp>
-      <p:sp>
-        <p:nvSpPr>
-          <p:cNvPr id="199" name="Content Placeholder 2"/>
-          <p:cNvSpPr txBox="1">
-            <a:spLocks noGrp="1"/>
-          </p:cNvSpPr>
-          <p:nvPr>
-            <p:ph type="body" idx="1"/>
-          </p:nvPr>
-        </p:nvSpPr>
-        <p:spPr>
-          <a:prstGeom prst="rect">
-            <a:avLst/>
-          </a:prstGeom>
-        </p:spPr>
-        <p:txBody>
-          <a:bodyPr/>
-          <a:lstStyle/>
-          <a:p>
-            <a:pPr marL="0" indent="0" defTabSz="886968">
-              <a:lnSpc>
-                <a:spcPct val="72000"/>
-              </a:lnSpc>
-              <a:spcBef>
-                <a:spcPts val="900"/>
-              </a:spcBef>
-              <a:buSzTx/>
-              <a:buNone/>
-              <a:defRPr sz="2231"/>
-            </a:pPr>
-            <a:r>
-              <a:t>var jsonData = [{"person":"me","age":"30"},{"person":"you","age":"25"}];</a:t>
-            </a:r>
-          </a:p>
-          <a:p>
-            <a:pPr marL="0" indent="0" defTabSz="886968">
-              <a:lnSpc>
-                <a:spcPct val="72000"/>
-              </a:lnSpc>
-              <a:spcBef>
-                <a:spcPts val="900"/>
-              </a:spcBef>
-              <a:buSzTx/>
-              <a:buNone/>
-              <a:defRPr sz="2231"/>
-            </a:pPr>
-            <a:endParaRPr/>
-          </a:p>
-          <a:p>
-            <a:pPr marL="0" indent="0" defTabSz="886968">
-              <a:lnSpc>
-                <a:spcPct val="72000"/>
-              </a:lnSpc>
-              <a:spcBef>
-                <a:spcPts val="900"/>
-              </a:spcBef>
-              <a:buSzTx/>
-              <a:buNone/>
-              <a:defRPr sz="2231"/>
-            </a:pPr>
-            <a:r>
-              <a:t>for(var i in jsonData){</a:t>
-            </a:r>
-          </a:p>
-          <a:p>
-            <a:pPr marL="0" indent="0" defTabSz="886968">
-              <a:lnSpc>
-                <a:spcPct val="72000"/>
-              </a:lnSpc>
-              <a:spcBef>
-                <a:spcPts val="900"/>
-              </a:spcBef>
-              <a:buSzTx/>
-              <a:buNone/>
-              <a:defRPr sz="2231"/>
-            </a:pPr>
-            <a:r>
-              <a:t>    var key = i;</a:t>
-            </a:r>
-          </a:p>
-          <a:p>
-            <a:pPr marL="0" indent="0" defTabSz="886968">
-              <a:lnSpc>
-                <a:spcPct val="72000"/>
-              </a:lnSpc>
-              <a:spcBef>
-                <a:spcPts val="900"/>
-              </a:spcBef>
-              <a:buSzTx/>
-              <a:buNone/>
-              <a:defRPr sz="2231"/>
-            </a:pPr>
-            <a:r>
-              <a:t>    var val = jsonData[i];</a:t>
-            </a:r>
-          </a:p>
-          <a:p>
-            <a:pPr marL="0" indent="0" defTabSz="886968">
-              <a:lnSpc>
-                <a:spcPct val="72000"/>
-              </a:lnSpc>
-              <a:spcBef>
-                <a:spcPts val="900"/>
-              </a:spcBef>
-              <a:buSzTx/>
-              <a:buNone/>
-              <a:defRPr sz="2231"/>
-            </a:pPr>
-            <a:r>
-              <a:t>    for(var j in val){</a:t>
-            </a:r>
-          </a:p>
-          <a:p>
-            <a:pPr marL="0" indent="0" defTabSz="886968">
-              <a:lnSpc>
-                <a:spcPct val="72000"/>
-              </a:lnSpc>
-              <a:spcBef>
-                <a:spcPts val="900"/>
-              </a:spcBef>
-              <a:buSzTx/>
-              <a:buNone/>
-              <a:defRPr sz="2231"/>
-            </a:pPr>
-            <a:r>
-              <a:t>        var sub_key = j;</a:t>
-            </a:r>
-          </a:p>
-          <a:p>
-            <a:pPr marL="0" indent="0" defTabSz="886968">
-              <a:lnSpc>
-                <a:spcPct val="72000"/>
-              </a:lnSpc>
-              <a:spcBef>
-                <a:spcPts val="900"/>
-              </a:spcBef>
-              <a:buSzTx/>
-              <a:buNone/>
-              <a:defRPr sz="2231"/>
-            </a:pPr>
-            <a:r>
-              <a:t>        var sub_val = val[j];</a:t>
-            </a:r>
-          </a:p>
-          <a:p>
-            <a:pPr marL="0" indent="0" defTabSz="886968">
-              <a:lnSpc>
-                <a:spcPct val="72000"/>
-              </a:lnSpc>
-              <a:spcBef>
-                <a:spcPts val="900"/>
-              </a:spcBef>
-              <a:buSzTx/>
-              <a:buNone/>
-              <a:defRPr sz="2231"/>
-            </a:pPr>
-            <a:r>
-              <a:t>        console.log(sub_key);</a:t>
-            </a:r>
-          </a:p>
-          <a:p>
-            <a:pPr marL="0" indent="0" defTabSz="886968">
-              <a:lnSpc>
-                <a:spcPct val="72000"/>
-              </a:lnSpc>
-              <a:spcBef>
-                <a:spcPts val="900"/>
-              </a:spcBef>
-              <a:buSzTx/>
-              <a:buNone/>
-              <a:defRPr sz="2231"/>
-            </a:pPr>
-            <a:r>
-              <a:t>    }</a:t>
-            </a:r>
-          </a:p>
-          <a:p>
-            <a:pPr marL="0" indent="0" defTabSz="886968">
-              <a:lnSpc>
-                <a:spcPct val="72000"/>
-              </a:lnSpc>
-              <a:spcBef>
-                <a:spcPts val="900"/>
-              </a:spcBef>
-              <a:buSzTx/>
-              <a:buNone/>
-              <a:defRPr sz="2231"/>
-            </a:pPr>
-            <a:r>
-              <a:t>}</a:t>
-            </a:r>
-          </a:p>
-        </p:txBody>
-      </p:sp>
-    </p:spTree>
-  </p:cSld>
-  <p:clrMapOvr>
-    <a:masterClrMapping/>
-  </p:clrMapOvr>
-  <p:transition spd="med"/>
-</p:sld>
-</file>
-
-<file path=ppt/slides/slide17.xml><?xml version="1.0" encoding="utf-8"?>
-<p:sld xmlns:a="http://schemas.openxmlformats.org/drawingml/2006/main" xmlns:r="http://schemas.openxmlformats.org/officeDocument/2006/relationships" xmlns:p="http://schemas.openxmlformats.org/presentationml/2006/main">
-  <p:cSld>
-    <p:spTree>
-      <p:nvGrpSpPr>
-        <p:cNvPr id="1" name=""/>
-        <p:cNvGrpSpPr/>
-        <p:nvPr/>
-      </p:nvGrpSpPr>
-      <p:grpSpPr>
-        <a:xfrm>
-          <a:off x="0" y="0"/>
-          <a:ext cx="0" cy="0"/>
-          <a:chOff x="0" y="0"/>
-          <a:chExt cx="0" cy="0"/>
-        </a:xfrm>
-      </p:grpSpPr>
-      <p:pic>
-        <p:nvPicPr>
           <p:cNvPr id="201" name="Google Shape;54;p13" descr="Google Shape;54;p13"/>
           <p:cNvPicPr>
             <a:picLocks noChangeAspect="1"/>
@@ -9128,7 +8641,7 @@
           </a:ln>
           <a:extLst>
             <a:ext uri="{C572A759-6A51-4108-AA02-DFA0A04FC94B}">
-              <ma14:wrappingTextBoxFlag xmlns:ma14="http://schemas.microsoft.com/office/mac/drawingml/2011/main" xmlns:a14="http://schemas.microsoft.com/office/drawing/2010/main" xmlns:m="http://schemas.openxmlformats.org/officeDocument/2006/math" xmlns="" val="1"/>
+              <ma14:wrappingTextBoxFlag xmlns="" xmlns:m="http://schemas.openxmlformats.org/officeDocument/2006/math" xmlns:a14="http://schemas.microsoft.com/office/drawing/2010/main" xmlns:ma14="http://schemas.microsoft.com/office/mac/drawingml/2011/main" val="1"/>
             </a:ext>
           </a:extLst>
         </p:spPr>
@@ -9167,7 +8680,7 @@
           </a:ln>
           <a:extLst>
             <a:ext uri="{C572A759-6A51-4108-AA02-DFA0A04FC94B}">
-              <ma14:wrappingTextBoxFlag xmlns:ma14="http://schemas.microsoft.com/office/mac/drawingml/2011/main" xmlns:a14="http://schemas.microsoft.com/office/drawing/2010/main" xmlns:m="http://schemas.openxmlformats.org/officeDocument/2006/math" xmlns="" val="1"/>
+              <ma14:wrappingTextBoxFlag xmlns="" xmlns:m="http://schemas.openxmlformats.org/officeDocument/2006/math" xmlns:a14="http://schemas.microsoft.com/office/drawing/2010/main" xmlns:ma14="http://schemas.microsoft.com/office/mac/drawingml/2011/main" val="1"/>
             </a:ext>
           </a:extLst>
         </p:spPr>
@@ -9209,7 +8722,7 @@
           </a:ln>
           <a:extLst>
             <a:ext uri="{C572A759-6A51-4108-AA02-DFA0A04FC94B}">
-              <ma14:wrappingTextBoxFlag xmlns:ma14="http://schemas.microsoft.com/office/mac/drawingml/2011/main" xmlns:a14="http://schemas.microsoft.com/office/drawing/2010/main" xmlns:m="http://schemas.openxmlformats.org/officeDocument/2006/math" xmlns="" val="1"/>
+              <ma14:wrappingTextBoxFlag xmlns="" xmlns:m="http://schemas.openxmlformats.org/officeDocument/2006/math" xmlns:a14="http://schemas.microsoft.com/office/drawing/2010/main" xmlns:ma14="http://schemas.microsoft.com/office/mac/drawingml/2011/main" val="1"/>
             </a:ext>
           </a:extLst>
         </p:spPr>
@@ -9468,7 +8981,7 @@
 </p:sld>
 </file>
 
-<file path=ppt/slides/slide18.xml><?xml version="1.0" encoding="utf-8"?>
+<file path=ppt/slides/slide16.xml><?xml version="1.0" encoding="utf-8"?>
 <p:sld xmlns:a="http://schemas.openxmlformats.org/drawingml/2006/main" xmlns:r="http://schemas.openxmlformats.org/officeDocument/2006/relationships" xmlns:p="http://schemas.openxmlformats.org/presentationml/2006/main">
   <p:cSld>
     <p:spTree>
@@ -9534,7 +9047,7 @@
           </a:ln>
           <a:extLst>
             <a:ext uri="{C572A759-6A51-4108-AA02-DFA0A04FC94B}">
-              <ma14:wrappingTextBoxFlag xmlns:ma14="http://schemas.microsoft.com/office/mac/drawingml/2011/main" xmlns:a14="http://schemas.microsoft.com/office/drawing/2010/main" xmlns:m="http://schemas.openxmlformats.org/officeDocument/2006/math" xmlns="" val="1"/>
+              <ma14:wrappingTextBoxFlag xmlns="" xmlns:m="http://schemas.openxmlformats.org/officeDocument/2006/math" xmlns:a14="http://schemas.microsoft.com/office/drawing/2010/main" xmlns:ma14="http://schemas.microsoft.com/office/mac/drawingml/2011/main" val="1"/>
             </a:ext>
           </a:extLst>
         </p:spPr>
@@ -9577,7 +9090,7 @@
           </a:ln>
           <a:extLst>
             <a:ext uri="{C572A759-6A51-4108-AA02-DFA0A04FC94B}">
-              <ma14:wrappingTextBoxFlag xmlns:ma14="http://schemas.microsoft.com/office/mac/drawingml/2011/main" xmlns:a14="http://schemas.microsoft.com/office/drawing/2010/main" xmlns:m="http://schemas.openxmlformats.org/officeDocument/2006/math" xmlns="" val="1"/>
+              <ma14:wrappingTextBoxFlag xmlns="" xmlns:m="http://schemas.openxmlformats.org/officeDocument/2006/math" xmlns:a14="http://schemas.microsoft.com/office/drawing/2010/main" xmlns:ma14="http://schemas.microsoft.com/office/mac/drawingml/2011/main" val="1"/>
             </a:ext>
           </a:extLst>
         </p:spPr>
@@ -9619,7 +9132,7 @@
           </a:ln>
           <a:extLst>
             <a:ext uri="{C572A759-6A51-4108-AA02-DFA0A04FC94B}">
-              <ma14:wrappingTextBoxFlag xmlns:ma14="http://schemas.microsoft.com/office/mac/drawingml/2011/main" xmlns:a14="http://schemas.microsoft.com/office/drawing/2010/main" xmlns:m="http://schemas.openxmlformats.org/officeDocument/2006/math" xmlns="" val="1"/>
+              <ma14:wrappingTextBoxFlag xmlns="" xmlns:m="http://schemas.openxmlformats.org/officeDocument/2006/math" xmlns:a14="http://schemas.microsoft.com/office/drawing/2010/main" xmlns:ma14="http://schemas.microsoft.com/office/mac/drawingml/2011/main" val="1"/>
             </a:ext>
           </a:extLst>
         </p:spPr>
@@ -9688,7 +9201,7 @@
           </a:ln>
           <a:extLst>
             <a:ext uri="{C572A759-6A51-4108-AA02-DFA0A04FC94B}">
-              <ma14:wrappingTextBoxFlag xmlns:ma14="http://schemas.microsoft.com/office/mac/drawingml/2011/main" xmlns:a14="http://schemas.microsoft.com/office/drawing/2010/main" xmlns:m="http://schemas.openxmlformats.org/officeDocument/2006/math" xmlns="" val="1"/>
+              <ma14:wrappingTextBoxFlag xmlns="" xmlns:m="http://schemas.openxmlformats.org/officeDocument/2006/math" xmlns:a14="http://schemas.microsoft.com/office/drawing/2010/main" xmlns:ma14="http://schemas.microsoft.com/office/mac/drawingml/2011/main" val="1"/>
             </a:ext>
           </a:extLst>
         </p:spPr>
@@ -9970,7 +9483,7 @@
 </p:sld>
 </file>
 
-<file path=ppt/slides/slide19.xml><?xml version="1.0" encoding="utf-8"?>
+<file path=ppt/slides/slide17.xml><?xml version="1.0" encoding="utf-8"?>
 <p:sld xmlns:a="http://schemas.openxmlformats.org/drawingml/2006/main" xmlns:r="http://schemas.openxmlformats.org/officeDocument/2006/relationships" xmlns:p="http://schemas.openxmlformats.org/presentationml/2006/main">
   <p:cSld>
     <p:spTree>
@@ -9989,7 +9502,7 @@
       </p:grpSpPr>
       <p:pic>
         <p:nvPicPr>
-          <p:cNvPr id="215" name="Google Shape;54;p13" descr="Google Shape;54;p13"/>
+          <p:cNvPr id="193" name="Google Shape;54;p13" descr="Google Shape;54;p13"/>
           <p:cNvPicPr>
             <a:picLocks noChangeAspect="1"/>
           </p:cNvPicPr>
@@ -10016,7 +9529,7 @@
       </p:pic>
       <p:sp>
         <p:nvSpPr>
-          <p:cNvPr id="216" name="Title 1"/>
+          <p:cNvPr id="194" name="Title 1"/>
           <p:cNvSpPr txBox="1">
             <a:spLocks noGrp="1"/>
           </p:cNvSpPr>
@@ -10034,14 +9547,14 @@
           <a:lstStyle/>
           <a:p>
             <a:r>
-              <a:t>What are APIs? &amp; JSON Objects</a:t>
+              <a:t>Iterate thro the Object</a:t>
             </a:r>
           </a:p>
         </p:txBody>
       </p:sp>
       <p:sp>
         <p:nvSpPr>
-          <p:cNvPr id="217" name="Content Placeholder 2"/>
+          <p:cNvPr id="195" name="Content Placeholder 2"/>
           <p:cNvSpPr txBox="1">
             <a:spLocks noGrp="1"/>
           </p:cNvSpPr>
@@ -10058,30 +9571,170 @@
           <a:bodyPr/>
           <a:lstStyle/>
           <a:p>
-            <a:r>
-              <a:t>Application Programming Interfaces (APIs) are constructs made available in programming languages to allow developers to interact with other systems / application to get data</a:t>
+            <a:pPr marL="0" indent="0">
+              <a:lnSpc>
+                <a:spcPct val="72000"/>
+              </a:lnSpc>
+              <a:buSzTx/>
+              <a:buNone/>
+              <a:defRPr sz="2900"/>
+            </a:pPr>
+            <a:r>
+              <a:t>var jsonData = {"person":"me","age":"5","name":"GUVI"};</a:t>
+            </a:r>
+            <a:endParaRPr sz="2500"/>
+          </a:p>
+          <a:p>
+            <a:pPr marL="0" indent="0">
+              <a:lnSpc>
+                <a:spcPct val="72000"/>
+              </a:lnSpc>
+              <a:buSzTx/>
+              <a:buNone/>
+              <a:defRPr sz="3200"/>
+            </a:pPr>
+            <a:endParaRPr sz="2500"/>
+          </a:p>
+          <a:p>
+            <a:pPr marL="0" indent="0">
+              <a:lnSpc>
+                <a:spcPct val="72000"/>
+              </a:lnSpc>
+              <a:buSzTx/>
+              <a:buNone/>
+              <a:defRPr sz="2900"/>
+            </a:pPr>
+            <a:r>
+              <a:t>for(var i in jsonData){</a:t>
+            </a:r>
+            <a:endParaRPr sz="2500"/>
+          </a:p>
+          <a:p>
+            <a:pPr marL="0" indent="0">
+              <a:lnSpc>
+                <a:spcPct val="72000"/>
+              </a:lnSpc>
+              <a:buSzTx/>
+              <a:buNone/>
+              <a:defRPr sz="2900"/>
+            </a:pPr>
+            <a:r>
+              <a:t>    var key = i;</a:t>
+            </a:r>
+            <a:endParaRPr sz="2500"/>
+          </a:p>
+          <a:p>
+            <a:pPr marL="0" indent="0">
+              <a:lnSpc>
+                <a:spcPct val="72000"/>
+              </a:lnSpc>
+              <a:buSzTx/>
+              <a:buNone/>
+              <a:defRPr sz="2900"/>
+            </a:pPr>
+            <a:r>
+              <a:t>    var val = jsonData[i];</a:t>
+            </a:r>
+            <a:endParaRPr sz="2500"/>
+          </a:p>
+          <a:p>
+            <a:pPr marL="0" indent="0">
+              <a:lnSpc>
+                <a:spcPct val="72000"/>
+              </a:lnSpc>
+              <a:buSzTx/>
+              <a:buNone/>
+              <a:defRPr sz="2900"/>
+            </a:pPr>
+            <a:r>
+              <a:t>	console.log(key);</a:t>
+            </a:r>
+            <a:endParaRPr sz="2500"/>
+          </a:p>
+          <a:p>
+            <a:pPr marL="0" indent="0">
+              <a:lnSpc>
+                <a:spcPct val="72000"/>
+              </a:lnSpc>
+              <a:buSzTx/>
+              <a:buNone/>
+              <a:defRPr sz="2900"/>
+            </a:pPr>
+            <a:r>
+              <a:t>	console.log(val);</a:t>
+            </a:r>
+            <a:endParaRPr sz="2500"/>
+          </a:p>
+          <a:p>
+            <a:pPr marL="0" indent="0">
+              <a:lnSpc>
+                <a:spcPct val="72000"/>
+              </a:lnSpc>
+              <a:buSzTx/>
+              <a:buNone/>
+              <a:defRPr sz="3200"/>
+            </a:pPr>
+            <a:endParaRPr sz="2500"/>
+          </a:p>
+          <a:p>
+            <a:pPr marL="0" indent="0">
+              <a:lnSpc>
+                <a:spcPct val="72000"/>
+              </a:lnSpc>
+              <a:buSzTx/>
+              <a:buNone/>
+              <a:defRPr sz="2900"/>
+            </a:pPr>
+            <a:r>
+              <a:t>}</a:t>
             </a:r>
           </a:p>
         </p:txBody>
       </p:sp>
+    </p:spTree>
+  </p:cSld>
+  <p:clrMapOvr>
+    <a:masterClrMapping/>
+  </p:clrMapOvr>
+  <p:transition spd="med"/>
+</p:sld>
+</file>
+
+<file path=ppt/slides/slide18.xml><?xml version="1.0" encoding="utf-8"?>
+<p:sld xmlns:a="http://schemas.openxmlformats.org/drawingml/2006/main" xmlns:r="http://schemas.openxmlformats.org/officeDocument/2006/relationships" xmlns:p="http://schemas.openxmlformats.org/presentationml/2006/main">
+  <p:cSld>
+    <p:spTree>
+      <p:nvGrpSpPr>
+        <p:cNvPr id="1" name=""/>
+        <p:cNvGrpSpPr/>
+        <p:nvPr/>
+      </p:nvGrpSpPr>
+      <p:grpSpPr>
+        <a:xfrm>
+          <a:off x="0" y="0"/>
+          <a:ext cx="0" cy="0"/>
+          <a:chOff x="0" y="0"/>
+          <a:chExt cx="0" cy="0"/>
+        </a:xfrm>
+      </p:grpSpPr>
       <p:pic>
         <p:nvPicPr>
-          <p:cNvPr id="218" name="Picture 4" descr="Picture 4"/>
+          <p:cNvPr id="197" name="Google Shape;54;p13" descr="Google Shape;54;p13"/>
           <p:cNvPicPr>
             <a:picLocks noChangeAspect="1"/>
           </p:cNvPicPr>
           <p:nvPr/>
         </p:nvPicPr>
         <p:blipFill>
-          <a:blip r:embed="rId3"/>
+          <a:blip r:embed="rId2"/>
           <a:stretch>
             <a:fillRect/>
           </a:stretch>
         </p:blipFill>
         <p:spPr>
           <a:xfrm>
-            <a:off x="9099987" y="3577457"/>
-            <a:ext cx="2713641" cy="1829770"/>
+            <a:off x="0" y="0"/>
+            <a:ext cx="12191997" cy="6858000"/>
           </a:xfrm>
           <a:prstGeom prst="rect">
             <a:avLst/>
@@ -10093,166 +9746,522 @@
       </p:pic>
       <p:sp>
         <p:nvSpPr>
-          <p:cNvPr id="219" name="Content Placeholder 2"/>
-          <p:cNvSpPr txBox="1"/>
-          <p:nvPr/>
+          <p:cNvPr id="198" name="Title 1"/>
+          <p:cNvSpPr txBox="1">
+            <a:spLocks noGrp="1"/>
+          </p:cNvSpPr>
+          <p:nvPr>
+            <p:ph type="title"/>
+          </p:nvPr>
         </p:nvSpPr>
         <p:spPr>
-          <a:xfrm>
-            <a:off x="883919" y="4067404"/>
-            <a:ext cx="10424161" cy="1753148"/>
-          </a:xfrm>
           <a:prstGeom prst="rect">
             <a:avLst/>
           </a:prstGeom>
-          <a:ln w="12700">
-            <a:miter lim="400000"/>
-          </a:ln>
-          <a:extLst>
-            <a:ext uri="{C572A759-6A51-4108-AA02-DFA0A04FC94B}">
-              <ma14:wrappingTextBoxFlag xmlns:ma14="http://schemas.microsoft.com/office/mac/drawingml/2011/main" xmlns:a14="http://schemas.microsoft.com/office/drawing/2010/main" xmlns:m="http://schemas.openxmlformats.org/officeDocument/2006/math" xmlns="" val="1"/>
-            </a:ext>
-          </a:extLst>
         </p:spPr>
         <p:txBody>
-          <a:bodyPr lIns="45719" rIns="45719">
-            <a:normAutofit/>
-          </a:bodyPr>
+          <a:bodyPr/>
           <a:lstStyle/>
           <a:p>
-            <a:pPr marL="201168" indent="-201168" defTabSz="804672">
-              <a:lnSpc>
-                <a:spcPct val="90000"/>
-              </a:lnSpc>
-              <a:spcBef>
-                <a:spcPts val="800"/>
-              </a:spcBef>
-              <a:buSzPct val="100000"/>
-              <a:buFont typeface="Arial"/>
-              <a:buChar char="•"/>
-              <a:defRPr sz="2464"/>
-            </a:pPr>
-            <a:r>
-              <a:rPr u="sng">
-                <a:solidFill>
-                  <a:srgbClr val="0563C1"/>
-                </a:solidFill>
-                <a:uFill>
-                  <a:solidFill>
-                    <a:srgbClr val="0563C1"/>
-                  </a:solidFill>
-                </a:uFill>
-                <a:hlinkClick r:id="rId4"/>
-              </a:rPr>
-              <a:t>https://restcountries.eu/</a:t>
-            </a:r>
-          </a:p>
-          <a:p>
-            <a:pPr marL="201168" indent="-201168" defTabSz="804672">
-              <a:lnSpc>
-                <a:spcPct val="90000"/>
-              </a:lnSpc>
-              <a:spcBef>
-                <a:spcPts val="800"/>
-              </a:spcBef>
-              <a:buSzPct val="100000"/>
-              <a:buFont typeface="Arial"/>
-              <a:buChar char="•"/>
-              <a:defRPr sz="2464"/>
-            </a:pPr>
-            <a:r>
-              <a:rPr u="sng">
-                <a:solidFill>
-                  <a:srgbClr val="0563C1"/>
-                </a:solidFill>
-                <a:uFill>
-                  <a:solidFill>
-                    <a:srgbClr val="0563C1"/>
-                  </a:solidFill>
-                </a:uFill>
-                <a:hlinkClick r:id="rId5"/>
-              </a:rPr>
-              <a:t>https://restcountries.eu/rest/v2/all</a:t>
-            </a:r>
-          </a:p>
-          <a:p>
-            <a:pPr marL="201168" indent="-201168" defTabSz="804672">
-              <a:lnSpc>
-                <a:spcPct val="90000"/>
-              </a:lnSpc>
-              <a:spcBef>
-                <a:spcPts val="800"/>
-              </a:spcBef>
-              <a:buSzPct val="100000"/>
-              <a:buFont typeface="Arial"/>
-              <a:buChar char="•"/>
-              <a:defRPr sz="2464"/>
-            </a:pPr>
-            <a:r>
-              <a:rPr u="sng">
-                <a:solidFill>
-                  <a:srgbClr val="0563C1"/>
-                </a:solidFill>
-                <a:uFill>
-                  <a:solidFill>
-                    <a:srgbClr val="0563C1"/>
-                  </a:solidFill>
-                </a:uFill>
-                <a:hlinkClick r:id="rId6"/>
-              </a:rPr>
-              <a:t>https://restcountries.eu/rest/v2/capital/tallinn</a:t>
+            <a:r>
+              <a:t>Iterate thro the Object array</a:t>
             </a:r>
           </a:p>
         </p:txBody>
       </p:sp>
       <p:sp>
         <p:nvSpPr>
-          <p:cNvPr id="220" name="Title 1"/>
-          <p:cNvSpPr txBox="1"/>
-          <p:nvPr/>
+          <p:cNvPr id="199" name="Content Placeholder 2"/>
+          <p:cNvSpPr txBox="1">
+            <a:spLocks noGrp="1"/>
+          </p:cNvSpPr>
+          <p:nvPr>
+            <p:ph type="body" idx="1"/>
+          </p:nvPr>
         </p:nvSpPr>
         <p:spPr>
-          <a:xfrm>
-            <a:off x="424091" y="3048212"/>
-            <a:ext cx="10424161" cy="1325563"/>
-          </a:xfrm>
           <a:prstGeom prst="rect">
             <a:avLst/>
           </a:prstGeom>
-          <a:ln w="12700">
-            <a:miter lim="400000"/>
-          </a:ln>
-          <a:extLst>
-            <a:ext uri="{C572A759-6A51-4108-AA02-DFA0A04FC94B}">
-              <ma14:wrappingTextBoxFlag xmlns:ma14="http://schemas.microsoft.com/office/mac/drawingml/2011/main" xmlns:a14="http://schemas.microsoft.com/office/drawing/2010/main" xmlns:m="http://schemas.openxmlformats.org/officeDocument/2006/math" xmlns="" val="1"/>
-            </a:ext>
-          </a:extLst>
         </p:spPr>
         <p:txBody>
-          <a:bodyPr lIns="45719" rIns="45719" anchor="ctr">
-            <a:normAutofit/>
-          </a:bodyPr>
-          <a:lstStyle>
-            <a:lvl1pPr>
+          <a:bodyPr/>
+          <a:lstStyle/>
+          <a:p>
+            <a:pPr marL="0" indent="0" defTabSz="886968">
               <a:lnSpc>
-                <a:spcPct val="90000"/>
+                <a:spcPct val="72000"/>
               </a:lnSpc>
-              <a:defRPr sz="4400">
-                <a:latin typeface="Calibri Light"/>
-                <a:ea typeface="Calibri Light"/>
-                <a:cs typeface="Calibri Light"/>
-                <a:sym typeface="Calibri Light"/>
-              </a:defRPr>
-            </a:lvl1pPr>
-          </a:lstStyle>
-          <a:p>
-            <a:r>
-              <a:t>Sample API</a:t>
+              <a:spcBef>
+                <a:spcPts val="900"/>
+              </a:spcBef>
+              <a:buSzTx/>
+              <a:buNone/>
+              <a:defRPr sz="2231"/>
+            </a:pPr>
+            <a:r>
+              <a:rPr dirty="0"/>
+              <a:t>var </a:t>
+            </a:r>
+            <a:r>
+              <a:rPr dirty="0" err="1"/>
+              <a:t>jsonData</a:t>
+            </a:r>
+            <a:r>
+              <a:rPr dirty="0"/>
+              <a:t> = [{"person":"me","age":"30"},{"person":"you","age":"25"}];</a:t>
+            </a:r>
+          </a:p>
+          <a:p>
+            <a:pPr marL="0" indent="0" defTabSz="886968">
+              <a:lnSpc>
+                <a:spcPct val="72000"/>
+              </a:lnSpc>
+              <a:spcBef>
+                <a:spcPts val="900"/>
+              </a:spcBef>
+              <a:buSzTx/>
+              <a:buNone/>
+              <a:defRPr sz="2231"/>
+            </a:pPr>
+            <a:endParaRPr dirty="0"/>
+          </a:p>
+          <a:p>
+            <a:pPr marL="0" indent="0" defTabSz="886968">
+              <a:lnSpc>
+                <a:spcPct val="72000"/>
+              </a:lnSpc>
+              <a:spcBef>
+                <a:spcPts val="900"/>
+              </a:spcBef>
+              <a:buSzTx/>
+              <a:buNone/>
+              <a:defRPr sz="2231"/>
+            </a:pPr>
+            <a:r>
+              <a:rPr dirty="0"/>
+              <a:t>for(var </a:t>
+            </a:r>
+            <a:r>
+              <a:rPr dirty="0" err="1"/>
+              <a:t>i</a:t>
+            </a:r>
+            <a:r>
+              <a:rPr dirty="0"/>
+              <a:t> in </a:t>
+            </a:r>
+            <a:r>
+              <a:rPr dirty="0" err="1"/>
+              <a:t>jsonData</a:t>
+            </a:r>
+            <a:r>
+              <a:rPr dirty="0"/>
+              <a:t>){</a:t>
+            </a:r>
+          </a:p>
+          <a:p>
+            <a:pPr marL="0" indent="0" defTabSz="886968">
+              <a:lnSpc>
+                <a:spcPct val="72000"/>
+              </a:lnSpc>
+              <a:spcBef>
+                <a:spcPts val="900"/>
+              </a:spcBef>
+              <a:buSzTx/>
+              <a:buNone/>
+              <a:defRPr sz="2231"/>
+            </a:pPr>
+            <a:r>
+              <a:rPr dirty="0"/>
+              <a:t>    var key = </a:t>
+            </a:r>
+            <a:r>
+              <a:rPr dirty="0" err="1"/>
+              <a:t>i</a:t>
+            </a:r>
+            <a:r>
+              <a:rPr dirty="0"/>
+              <a:t>;</a:t>
+            </a:r>
+          </a:p>
+          <a:p>
+            <a:pPr marL="0" indent="0" defTabSz="886968">
+              <a:lnSpc>
+                <a:spcPct val="72000"/>
+              </a:lnSpc>
+              <a:spcBef>
+                <a:spcPts val="900"/>
+              </a:spcBef>
+              <a:buSzTx/>
+              <a:buNone/>
+              <a:defRPr sz="2231"/>
+            </a:pPr>
+            <a:r>
+              <a:rPr dirty="0"/>
+              <a:t>    var </a:t>
+            </a:r>
+            <a:r>
+              <a:rPr dirty="0" err="1"/>
+              <a:t>val</a:t>
+            </a:r>
+            <a:r>
+              <a:rPr dirty="0"/>
+              <a:t> = </a:t>
+            </a:r>
+            <a:r>
+              <a:rPr dirty="0" err="1"/>
+              <a:t>jsonData</a:t>
+            </a:r>
+            <a:r>
+              <a:rPr dirty="0"/>
+              <a:t>[</a:t>
+            </a:r>
+            <a:r>
+              <a:rPr dirty="0" err="1"/>
+              <a:t>i</a:t>
+            </a:r>
+            <a:r>
+              <a:rPr dirty="0"/>
+              <a:t>];</a:t>
+            </a:r>
+          </a:p>
+          <a:p>
+            <a:pPr marL="0" indent="0" defTabSz="886968">
+              <a:lnSpc>
+                <a:spcPct val="72000"/>
+              </a:lnSpc>
+              <a:spcBef>
+                <a:spcPts val="900"/>
+              </a:spcBef>
+              <a:buSzTx/>
+              <a:buNone/>
+              <a:defRPr sz="2231"/>
+            </a:pPr>
+            <a:r>
+              <a:rPr dirty="0"/>
+              <a:t>    for(var j in </a:t>
+            </a:r>
+            <a:r>
+              <a:rPr dirty="0" err="1"/>
+              <a:t>val</a:t>
+            </a:r>
+            <a:r>
+              <a:rPr dirty="0"/>
+              <a:t>){</a:t>
+            </a:r>
+          </a:p>
+          <a:p>
+            <a:pPr marL="0" indent="0" defTabSz="886968">
+              <a:lnSpc>
+                <a:spcPct val="72000"/>
+              </a:lnSpc>
+              <a:spcBef>
+                <a:spcPts val="900"/>
+              </a:spcBef>
+              <a:buSzTx/>
+              <a:buNone/>
+              <a:defRPr sz="2231"/>
+            </a:pPr>
+            <a:r>
+              <a:rPr dirty="0"/>
+              <a:t>        var </a:t>
+            </a:r>
+            <a:r>
+              <a:rPr dirty="0" err="1"/>
+              <a:t>sub_key</a:t>
+            </a:r>
+            <a:r>
+              <a:rPr dirty="0"/>
+              <a:t> = j;</a:t>
+            </a:r>
+          </a:p>
+          <a:p>
+            <a:pPr marL="0" indent="0" defTabSz="886968">
+              <a:lnSpc>
+                <a:spcPct val="72000"/>
+              </a:lnSpc>
+              <a:spcBef>
+                <a:spcPts val="900"/>
+              </a:spcBef>
+              <a:buSzTx/>
+              <a:buNone/>
+              <a:defRPr sz="2231"/>
+            </a:pPr>
+            <a:r>
+              <a:rPr dirty="0"/>
+              <a:t>        var </a:t>
+            </a:r>
+            <a:r>
+              <a:rPr dirty="0" err="1"/>
+              <a:t>sub_val</a:t>
+            </a:r>
+            <a:r>
+              <a:rPr dirty="0"/>
+              <a:t> = </a:t>
+            </a:r>
+            <a:r>
+              <a:rPr dirty="0" err="1"/>
+              <a:t>val</a:t>
+            </a:r>
+            <a:r>
+              <a:rPr dirty="0"/>
+              <a:t>[j];</a:t>
+            </a:r>
+          </a:p>
+          <a:p>
+            <a:pPr marL="0" indent="0" defTabSz="886968">
+              <a:lnSpc>
+                <a:spcPct val="72000"/>
+              </a:lnSpc>
+              <a:spcBef>
+                <a:spcPts val="900"/>
+              </a:spcBef>
+              <a:buSzTx/>
+              <a:buNone/>
+              <a:defRPr sz="2231"/>
+            </a:pPr>
+            <a:r>
+              <a:rPr dirty="0"/>
+              <a:t>        </a:t>
+            </a:r>
+            <a:r>
+              <a:rPr dirty="0" err="1"/>
+              <a:t>console.log</a:t>
+            </a:r>
+            <a:r>
+              <a:rPr dirty="0"/>
+              <a:t>(</a:t>
+            </a:r>
+            <a:r>
+              <a:rPr dirty="0" err="1"/>
+              <a:t>sub_key</a:t>
+            </a:r>
+            <a:r>
+              <a:rPr dirty="0"/>
+              <a:t>);</a:t>
+            </a:r>
+          </a:p>
+          <a:p>
+            <a:pPr marL="0" indent="0" defTabSz="886968">
+              <a:lnSpc>
+                <a:spcPct val="72000"/>
+              </a:lnSpc>
+              <a:spcBef>
+                <a:spcPts val="900"/>
+              </a:spcBef>
+              <a:buSzTx/>
+              <a:buNone/>
+              <a:defRPr sz="2231"/>
+            </a:pPr>
+            <a:r>
+              <a:rPr dirty="0"/>
+              <a:t>    }</a:t>
+            </a:r>
+          </a:p>
+          <a:p>
+            <a:pPr marL="0" indent="0" defTabSz="886968">
+              <a:lnSpc>
+                <a:spcPct val="72000"/>
+              </a:lnSpc>
+              <a:spcBef>
+                <a:spcPts val="900"/>
+              </a:spcBef>
+              <a:buSzTx/>
+              <a:buNone/>
+              <a:defRPr sz="2231"/>
+            </a:pPr>
+            <a:r>
+              <a:rPr dirty="0"/>
+              <a:t>}</a:t>
             </a:r>
           </a:p>
         </p:txBody>
       </p:sp>
     </p:spTree>
+  </p:cSld>
+  <p:clrMapOvr>
+    <a:masterClrMapping/>
+  </p:clrMapOvr>
+  <p:transition spd="med"/>
+</p:sld>
+</file>
+
+<file path=ppt/slides/slide19.xml><?xml version="1.0" encoding="utf-8"?>
+<p:sld xmlns:a="http://schemas.openxmlformats.org/drawingml/2006/main" xmlns:r="http://schemas.openxmlformats.org/officeDocument/2006/relationships" xmlns:p="http://schemas.openxmlformats.org/presentationml/2006/main">
+  <p:cSld>
+    <p:spTree>
+      <p:nvGrpSpPr>
+        <p:cNvPr id="1" name=""/>
+        <p:cNvGrpSpPr/>
+        <p:nvPr/>
+      </p:nvGrpSpPr>
+      <p:grpSpPr>
+        <a:xfrm>
+          <a:off x="0" y="0"/>
+          <a:ext cx="0" cy="0"/>
+          <a:chOff x="0" y="0"/>
+          <a:chExt cx="0" cy="0"/>
+        </a:xfrm>
+      </p:grpSpPr>
+      <p:sp>
+        <p:nvSpPr>
+          <p:cNvPr id="2" name="Title 1">
+            <a:extLst>
+              <a:ext uri="{FF2B5EF4-FFF2-40B4-BE49-F238E27FC236}">
+                <a16:creationId xmlns:a16="http://schemas.microsoft.com/office/drawing/2014/main" id="{651CA35A-E18C-C34F-914F-7D01C2808210}"/>
+              </a:ext>
+            </a:extLst>
+          </p:cNvPr>
+          <p:cNvSpPr>
+            <a:spLocks noGrp="1"/>
+          </p:cNvSpPr>
+          <p:nvPr>
+            <p:ph type="title"/>
+          </p:nvPr>
+        </p:nvSpPr>
+        <p:spPr/>
+        <p:txBody>
+          <a:bodyPr/>
+          <a:lstStyle/>
+          <a:p>
+            <a:r>
+              <a:rPr lang="en-US" dirty="0"/>
+              <a:t>Iterators</a:t>
+            </a:r>
+          </a:p>
+        </p:txBody>
+      </p:sp>
+      <p:sp>
+        <p:nvSpPr>
+          <p:cNvPr id="3" name="Text Placeholder 2">
+            <a:extLst>
+              <a:ext uri="{FF2B5EF4-FFF2-40B4-BE49-F238E27FC236}">
+                <a16:creationId xmlns:a16="http://schemas.microsoft.com/office/drawing/2014/main" id="{A86A78B6-9426-F544-B6E1-CF86ACBB17F1}"/>
+              </a:ext>
+            </a:extLst>
+          </p:cNvPr>
+          <p:cNvSpPr>
+            <a:spLocks noGrp="1"/>
+          </p:cNvSpPr>
+          <p:nvPr>
+            <p:ph type="body" idx="1"/>
+          </p:nvPr>
+        </p:nvSpPr>
+        <p:spPr/>
+        <p:txBody>
+          <a:bodyPr/>
+          <a:lstStyle/>
+          <a:p>
+            <a:r>
+              <a:rPr lang="en-IN" dirty="0"/>
+              <a:t>for (let </a:t>
+            </a:r>
+            <a:r>
+              <a:rPr lang="en-IN" dirty="0" err="1"/>
+              <a:t>i</a:t>
+            </a:r>
+            <a:r>
+              <a:rPr lang="en-IN" dirty="0"/>
+              <a:t> = 0; </a:t>
+            </a:r>
+            <a:r>
+              <a:rPr lang="en-IN" dirty="0" err="1"/>
+              <a:t>i</a:t>
+            </a:r>
+            <a:r>
+              <a:rPr lang="en-IN" dirty="0"/>
+              <a:t> &lt; </a:t>
+            </a:r>
+            <a:r>
+              <a:rPr lang="en-IN" dirty="0" err="1"/>
+              <a:t>arr.length</a:t>
+            </a:r>
+            <a:r>
+              <a:rPr lang="en-IN" dirty="0"/>
+              <a:t>; ++</a:t>
+            </a:r>
+            <a:r>
+              <a:rPr lang="en-IN" dirty="0" err="1"/>
+              <a:t>i</a:t>
+            </a:r>
+            <a:r>
+              <a:rPr lang="en-IN" dirty="0"/>
+              <a:t>)</a:t>
+            </a:r>
+          </a:p>
+          <a:p>
+            <a:r>
+              <a:rPr lang="en-IN" dirty="0" err="1"/>
+              <a:t>arr.forEach</a:t>
+            </a:r>
+            <a:r>
+              <a:rPr lang="en-IN" dirty="0"/>
+              <a:t>((v, </a:t>
+            </a:r>
+            <a:r>
+              <a:rPr lang="en-IN" dirty="0" err="1"/>
+              <a:t>i</a:t>
+            </a:r>
+            <a:r>
+              <a:rPr lang="en-IN" dirty="0"/>
+              <a:t>) =&gt; { /* ... */ })</a:t>
+            </a:r>
+          </a:p>
+          <a:p>
+            <a:r>
+              <a:rPr lang="en-IN" dirty="0"/>
+              <a:t>for (let </a:t>
+            </a:r>
+            <a:r>
+              <a:rPr lang="en-IN" dirty="0" err="1"/>
+              <a:t>i</a:t>
+            </a:r>
+            <a:r>
+              <a:rPr lang="en-IN" dirty="0"/>
+              <a:t> in </a:t>
+            </a:r>
+            <a:r>
+              <a:rPr lang="en-IN" dirty="0" err="1"/>
+              <a:t>arr</a:t>
+            </a:r>
+            <a:r>
+              <a:rPr lang="en-IN" dirty="0"/>
+              <a:t>)</a:t>
+            </a:r>
+          </a:p>
+          <a:p>
+            <a:r>
+              <a:rPr lang="en-IN" dirty="0"/>
+              <a:t>for (</a:t>
+            </a:r>
+            <a:r>
+              <a:rPr lang="en-IN" dirty="0" err="1"/>
+              <a:t>const</a:t>
+            </a:r>
+            <a:r>
+              <a:rPr lang="en-IN" dirty="0"/>
+              <a:t> v of </a:t>
+            </a:r>
+            <a:r>
+              <a:rPr lang="en-IN" dirty="0" err="1"/>
+              <a:t>arr</a:t>
+            </a:r>
+            <a:r>
+              <a:rPr lang="en-IN" dirty="0"/>
+              <a:t>)</a:t>
+            </a:r>
+          </a:p>
+          <a:p>
+            <a:endParaRPr lang="en-US" dirty="0"/>
+          </a:p>
+        </p:txBody>
+      </p:sp>
+    </p:spTree>
+    <p:extLst>
+      <p:ext uri="{BB962C8B-B14F-4D97-AF65-F5344CB8AC3E}">
+        <p14:creationId xmlns:p14="http://schemas.microsoft.com/office/powerpoint/2010/main" val="1073715851"/>
+      </p:ext>
+    </p:extLst>
   </p:cSld>
   <p:clrMapOvr>
     <a:masterClrMapping/>
@@ -10396,7 +10405,7 @@
           </a:ln>
           <a:extLst>
             <a:ext uri="{C572A759-6A51-4108-AA02-DFA0A04FC94B}">
-              <ma14:wrappingTextBoxFlag xmlns:ma14="http://schemas.microsoft.com/office/mac/drawingml/2011/main" xmlns:a14="http://schemas.microsoft.com/office/drawing/2010/main" xmlns:m="http://schemas.openxmlformats.org/officeDocument/2006/math" xmlns="" val="1"/>
+              <ma14:wrappingTextBoxFlag xmlns="" xmlns:m="http://schemas.openxmlformats.org/officeDocument/2006/math" xmlns:a14="http://schemas.microsoft.com/office/drawing/2010/main" xmlns:ma14="http://schemas.microsoft.com/office/mac/drawingml/2011/main" val="1"/>
             </a:ext>
           </a:extLst>
         </p:spPr>
@@ -10435,7 +10444,7 @@
           </a:ln>
           <a:extLst>
             <a:ext uri="{C572A759-6A51-4108-AA02-DFA0A04FC94B}">
-              <ma14:wrappingTextBoxFlag xmlns:ma14="http://schemas.microsoft.com/office/mac/drawingml/2011/main" xmlns:a14="http://schemas.microsoft.com/office/drawing/2010/main" xmlns:m="http://schemas.openxmlformats.org/officeDocument/2006/math" xmlns="" val="1"/>
+              <ma14:wrappingTextBoxFlag xmlns="" xmlns:m="http://schemas.openxmlformats.org/officeDocument/2006/math" xmlns:a14="http://schemas.microsoft.com/office/drawing/2010/main" xmlns:ma14="http://schemas.microsoft.com/office/mac/drawingml/2011/main" val="1"/>
             </a:ext>
           </a:extLst>
         </p:spPr>
@@ -10474,7 +10483,7 @@
           </a:ln>
           <a:extLst>
             <a:ext uri="{C572A759-6A51-4108-AA02-DFA0A04FC94B}">
-              <ma14:wrappingTextBoxFlag xmlns:ma14="http://schemas.microsoft.com/office/mac/drawingml/2011/main" xmlns:a14="http://schemas.microsoft.com/office/drawing/2010/main" xmlns:m="http://schemas.openxmlformats.org/officeDocument/2006/math" xmlns="" val="1"/>
+              <ma14:wrappingTextBoxFlag xmlns="" xmlns:m="http://schemas.openxmlformats.org/officeDocument/2006/math" xmlns:a14="http://schemas.microsoft.com/office/drawing/2010/main" xmlns:ma14="http://schemas.microsoft.com/office/mac/drawingml/2011/main" val="1"/>
             </a:ext>
           </a:extLst>
         </p:spPr>
@@ -10504,6 +10513,488 @@
 </file>
 
 <file path=ppt/slides/slide20.xml><?xml version="1.0" encoding="utf-8"?>
+<p:sld xmlns:a="http://schemas.openxmlformats.org/drawingml/2006/main" xmlns:r="http://schemas.openxmlformats.org/officeDocument/2006/relationships" xmlns:p="http://schemas.openxmlformats.org/presentationml/2006/main">
+  <p:cSld>
+    <p:spTree>
+      <p:nvGrpSpPr>
+        <p:cNvPr id="1" name=""/>
+        <p:cNvGrpSpPr/>
+        <p:nvPr/>
+      </p:nvGrpSpPr>
+      <p:grpSpPr>
+        <a:xfrm>
+          <a:off x="0" y="0"/>
+          <a:ext cx="0" cy="0"/>
+          <a:chOff x="0" y="0"/>
+          <a:chExt cx="0" cy="0"/>
+        </a:xfrm>
+      </p:grpSpPr>
+      <p:sp>
+        <p:nvSpPr>
+          <p:cNvPr id="2" name="Title 1">
+            <a:extLst>
+              <a:ext uri="{FF2B5EF4-FFF2-40B4-BE49-F238E27FC236}">
+                <a16:creationId xmlns:a16="http://schemas.microsoft.com/office/drawing/2014/main" id="{651CA35A-E18C-C34F-914F-7D01C2808210}"/>
+              </a:ext>
+            </a:extLst>
+          </p:cNvPr>
+          <p:cNvSpPr>
+            <a:spLocks noGrp="1"/>
+          </p:cNvSpPr>
+          <p:nvPr>
+            <p:ph type="title"/>
+          </p:nvPr>
+        </p:nvSpPr>
+        <p:spPr/>
+        <p:txBody>
+          <a:bodyPr/>
+          <a:lstStyle/>
+          <a:p>
+            <a:r>
+              <a:rPr lang="en-US" dirty="0"/>
+              <a:t>Iterators</a:t>
+            </a:r>
+          </a:p>
+        </p:txBody>
+      </p:sp>
+      <p:sp>
+        <p:nvSpPr>
+          <p:cNvPr id="4" name="Rectangle 3">
+            <a:extLst>
+              <a:ext uri="{FF2B5EF4-FFF2-40B4-BE49-F238E27FC236}">
+                <a16:creationId xmlns:a16="http://schemas.microsoft.com/office/drawing/2014/main" id="{F4F07CF5-B479-2449-9989-1EA17CE2A45F}"/>
+              </a:ext>
+            </a:extLst>
+          </p:cNvPr>
+          <p:cNvSpPr/>
+          <p:nvPr/>
+        </p:nvSpPr>
+        <p:spPr>
+          <a:xfrm>
+            <a:off x="0" y="5992297"/>
+            <a:ext cx="11941996" cy="369332"/>
+          </a:xfrm>
+          <a:prstGeom prst="rect">
+            <a:avLst/>
+          </a:prstGeom>
+        </p:spPr>
+        <p:txBody>
+          <a:bodyPr wrap="square">
+            <a:spAutoFit/>
+          </a:bodyPr>
+          <a:lstStyle/>
+          <a:p>
+            <a:r>
+              <a:rPr lang="en-IN" dirty="0">
+                <a:hlinkClick r:id="rId2"/>
+              </a:rPr>
+              <a:t>https://stackoverflow.com/questions/49420891/why-should-foreach-be-preferred-over-regular-iterators</a:t>
+            </a:r>
+            <a:endParaRPr lang="en-US" dirty="0"/>
+          </a:p>
+        </p:txBody>
+      </p:sp>
+      <p:sp>
+        <p:nvSpPr>
+          <p:cNvPr id="5" name="Rectangle 4">
+            <a:extLst>
+              <a:ext uri="{FF2B5EF4-FFF2-40B4-BE49-F238E27FC236}">
+                <a16:creationId xmlns:a16="http://schemas.microsoft.com/office/drawing/2014/main" id="{63686E01-414C-DF4D-BF17-2534A7D18D05}"/>
+              </a:ext>
+            </a:extLst>
+          </p:cNvPr>
+          <p:cNvSpPr/>
+          <p:nvPr/>
+        </p:nvSpPr>
+        <p:spPr>
+          <a:xfrm>
+            <a:off x="2575471" y="1321356"/>
+            <a:ext cx="5479385" cy="369332"/>
+          </a:xfrm>
+          <a:prstGeom prst="rect">
+            <a:avLst/>
+          </a:prstGeom>
+        </p:spPr>
+        <p:txBody>
+          <a:bodyPr wrap="none">
+            <a:spAutoFit/>
+          </a:bodyPr>
+          <a:lstStyle/>
+          <a:p>
+            <a:r>
+              <a:rPr lang="en-IN" dirty="0"/>
+              <a:t>for &gt; </a:t>
+            </a:r>
+            <a:r>
+              <a:rPr lang="en-IN" dirty="0" err="1"/>
+              <a:t>forEach</a:t>
+            </a:r>
+            <a:r>
+              <a:rPr lang="en-IN" dirty="0"/>
+              <a:t> &gt; </a:t>
+            </a:r>
+            <a:r>
+              <a:rPr lang="en-IN" dirty="0" err="1"/>
+              <a:t>for..of</a:t>
+            </a:r>
+            <a:r>
+              <a:rPr lang="en-IN" dirty="0"/>
+              <a:t> &gt; </a:t>
+            </a:r>
+            <a:r>
+              <a:rPr lang="en-IN" dirty="0" err="1"/>
+              <a:t>for..in</a:t>
+            </a:r>
+            <a:r>
+              <a:rPr lang="en-IN" dirty="0">
+                <a:solidFill>
+                  <a:srgbClr val="242729"/>
+                </a:solidFill>
+                <a:latin typeface="Arial" panose="020B0604020202020204" pitchFamily="34" charset="0"/>
+              </a:rPr>
+              <a:t> in terms of performance</a:t>
+            </a:r>
+            <a:endParaRPr lang="en-US" dirty="0"/>
+          </a:p>
+        </p:txBody>
+      </p:sp>
+      <p:pic>
+        <p:nvPicPr>
+          <p:cNvPr id="6" name="Picture 5">
+            <a:extLst>
+              <a:ext uri="{FF2B5EF4-FFF2-40B4-BE49-F238E27FC236}">
+                <a16:creationId xmlns:a16="http://schemas.microsoft.com/office/drawing/2014/main" id="{3F4C40B3-6E36-2F4C-BE4E-E79445A2F956}"/>
+              </a:ext>
+            </a:extLst>
+          </p:cNvPr>
+          <p:cNvPicPr>
+            <a:picLocks noChangeAspect="1"/>
+          </p:cNvPicPr>
+          <p:nvPr/>
+        </p:nvPicPr>
+        <p:blipFill>
+          <a:blip r:embed="rId3"/>
+          <a:stretch>
+            <a:fillRect/>
+          </a:stretch>
+        </p:blipFill>
+        <p:spPr>
+          <a:xfrm>
+            <a:off x="642991" y="1719642"/>
+            <a:ext cx="10284431" cy="4272655"/>
+          </a:xfrm>
+          <a:prstGeom prst="rect">
+            <a:avLst/>
+          </a:prstGeom>
+        </p:spPr>
+      </p:pic>
+    </p:spTree>
+    <p:extLst>
+      <p:ext uri="{BB962C8B-B14F-4D97-AF65-F5344CB8AC3E}">
+        <p14:creationId xmlns:p14="http://schemas.microsoft.com/office/powerpoint/2010/main" val="3437830850"/>
+      </p:ext>
+    </p:extLst>
+  </p:cSld>
+  <p:clrMapOvr>
+    <a:masterClrMapping/>
+  </p:clrMapOvr>
+  <p:transition spd="med"/>
+</p:sld>
+</file>
+
+<file path=ppt/slides/slide21.xml><?xml version="1.0" encoding="utf-8"?>
+<p:sld xmlns:a="http://schemas.openxmlformats.org/drawingml/2006/main" xmlns:r="http://schemas.openxmlformats.org/officeDocument/2006/relationships" xmlns:p="http://schemas.openxmlformats.org/presentationml/2006/main">
+  <p:cSld>
+    <p:spTree>
+      <p:nvGrpSpPr>
+        <p:cNvPr id="1" name=""/>
+        <p:cNvGrpSpPr/>
+        <p:nvPr/>
+      </p:nvGrpSpPr>
+      <p:grpSpPr>
+        <a:xfrm>
+          <a:off x="0" y="0"/>
+          <a:ext cx="0" cy="0"/>
+          <a:chOff x="0" y="0"/>
+          <a:chExt cx="0" cy="0"/>
+        </a:xfrm>
+      </p:grpSpPr>
+      <p:pic>
+        <p:nvPicPr>
+          <p:cNvPr id="215" name="Google Shape;54;p13" descr="Google Shape;54;p13"/>
+          <p:cNvPicPr>
+            <a:picLocks noChangeAspect="1"/>
+          </p:cNvPicPr>
+          <p:nvPr/>
+        </p:nvPicPr>
+        <p:blipFill>
+          <a:blip r:embed="rId2"/>
+          <a:stretch>
+            <a:fillRect/>
+          </a:stretch>
+        </p:blipFill>
+        <p:spPr>
+          <a:xfrm>
+            <a:off x="0" y="0"/>
+            <a:ext cx="12191997" cy="6858000"/>
+          </a:xfrm>
+          <a:prstGeom prst="rect">
+            <a:avLst/>
+          </a:prstGeom>
+          <a:ln w="12700">
+            <a:miter lim="400000"/>
+          </a:ln>
+        </p:spPr>
+      </p:pic>
+      <p:sp>
+        <p:nvSpPr>
+          <p:cNvPr id="216" name="Title 1"/>
+          <p:cNvSpPr txBox="1">
+            <a:spLocks noGrp="1"/>
+          </p:cNvSpPr>
+          <p:nvPr>
+            <p:ph type="title"/>
+          </p:nvPr>
+        </p:nvSpPr>
+        <p:spPr>
+          <a:prstGeom prst="rect">
+            <a:avLst/>
+          </a:prstGeom>
+        </p:spPr>
+        <p:txBody>
+          <a:bodyPr/>
+          <a:lstStyle/>
+          <a:p>
+            <a:r>
+              <a:t>What are APIs? &amp; JSON Objects</a:t>
+            </a:r>
+          </a:p>
+        </p:txBody>
+      </p:sp>
+      <p:sp>
+        <p:nvSpPr>
+          <p:cNvPr id="217" name="Content Placeholder 2"/>
+          <p:cNvSpPr txBox="1">
+            <a:spLocks noGrp="1"/>
+          </p:cNvSpPr>
+          <p:nvPr>
+            <p:ph type="body" idx="1"/>
+          </p:nvPr>
+        </p:nvSpPr>
+        <p:spPr>
+          <a:prstGeom prst="rect">
+            <a:avLst/>
+          </a:prstGeom>
+        </p:spPr>
+        <p:txBody>
+          <a:bodyPr/>
+          <a:lstStyle/>
+          <a:p>
+            <a:r>
+              <a:rPr dirty="0"/>
+              <a:t>Application Programming Interfaces (APIs) are constructs made available in programming languages to allow developers to interact with other systems / application to get data</a:t>
+            </a:r>
+          </a:p>
+        </p:txBody>
+      </p:sp>
+      <p:pic>
+        <p:nvPicPr>
+          <p:cNvPr id="218" name="Picture 4" descr="Picture 4"/>
+          <p:cNvPicPr>
+            <a:picLocks noChangeAspect="1"/>
+          </p:cNvPicPr>
+          <p:nvPr/>
+        </p:nvPicPr>
+        <p:blipFill>
+          <a:blip r:embed="rId3"/>
+          <a:stretch>
+            <a:fillRect/>
+          </a:stretch>
+        </p:blipFill>
+        <p:spPr>
+          <a:xfrm>
+            <a:off x="9099987" y="3577457"/>
+            <a:ext cx="2713641" cy="1829770"/>
+          </a:xfrm>
+          <a:prstGeom prst="rect">
+            <a:avLst/>
+          </a:prstGeom>
+          <a:ln w="12700">
+            <a:miter lim="400000"/>
+          </a:ln>
+        </p:spPr>
+      </p:pic>
+      <p:sp>
+        <p:nvSpPr>
+          <p:cNvPr id="219" name="Content Placeholder 2"/>
+          <p:cNvSpPr txBox="1"/>
+          <p:nvPr/>
+        </p:nvSpPr>
+        <p:spPr>
+          <a:xfrm>
+            <a:off x="883919" y="4067404"/>
+            <a:ext cx="10424161" cy="1753148"/>
+          </a:xfrm>
+          <a:prstGeom prst="rect">
+            <a:avLst/>
+          </a:prstGeom>
+          <a:ln w="12700">
+            <a:miter lim="400000"/>
+          </a:ln>
+          <a:extLst>
+            <a:ext uri="{C572A759-6A51-4108-AA02-DFA0A04FC94B}">
+              <ma14:wrappingTextBoxFlag xmlns="" xmlns:m="http://schemas.openxmlformats.org/officeDocument/2006/math" xmlns:a14="http://schemas.microsoft.com/office/drawing/2010/main" xmlns:ma14="http://schemas.microsoft.com/office/mac/drawingml/2011/main" val="1"/>
+            </a:ext>
+          </a:extLst>
+        </p:spPr>
+        <p:txBody>
+          <a:bodyPr lIns="45719" rIns="45719">
+            <a:normAutofit/>
+          </a:bodyPr>
+          <a:lstStyle/>
+          <a:p>
+            <a:pPr marL="201168" indent="-201168" defTabSz="804672">
+              <a:lnSpc>
+                <a:spcPct val="90000"/>
+              </a:lnSpc>
+              <a:spcBef>
+                <a:spcPts val="800"/>
+              </a:spcBef>
+              <a:buSzPct val="100000"/>
+              <a:buFont typeface="Arial"/>
+              <a:buChar char="•"/>
+              <a:defRPr sz="2464"/>
+            </a:pPr>
+            <a:r>
+              <a:rPr u="sng" dirty="0">
+                <a:solidFill>
+                  <a:srgbClr val="0563C1"/>
+                </a:solidFill>
+                <a:uFill>
+                  <a:solidFill>
+                    <a:srgbClr val="0563C1"/>
+                  </a:solidFill>
+                </a:uFill>
+                <a:hlinkClick r:id="rId4"/>
+              </a:rPr>
+              <a:t>https://restcountries.eu/</a:t>
+            </a:r>
+          </a:p>
+          <a:p>
+            <a:pPr marL="201168" indent="-201168" defTabSz="804672">
+              <a:lnSpc>
+                <a:spcPct val="90000"/>
+              </a:lnSpc>
+              <a:spcBef>
+                <a:spcPts val="800"/>
+              </a:spcBef>
+              <a:buSzPct val="100000"/>
+              <a:buFont typeface="Arial"/>
+              <a:buChar char="•"/>
+              <a:defRPr sz="2464"/>
+            </a:pPr>
+            <a:r>
+              <a:rPr u="sng" dirty="0">
+                <a:solidFill>
+                  <a:srgbClr val="0563C1"/>
+                </a:solidFill>
+                <a:uFill>
+                  <a:solidFill>
+                    <a:srgbClr val="0563C1"/>
+                  </a:solidFill>
+                </a:uFill>
+                <a:hlinkClick r:id="rId5"/>
+              </a:rPr>
+              <a:t>https://restcountries.eu/rest/v2/all</a:t>
+            </a:r>
+          </a:p>
+          <a:p>
+            <a:pPr marL="201168" indent="-201168" defTabSz="804672">
+              <a:lnSpc>
+                <a:spcPct val="90000"/>
+              </a:lnSpc>
+              <a:spcBef>
+                <a:spcPts val="800"/>
+              </a:spcBef>
+              <a:buSzPct val="100000"/>
+              <a:buFont typeface="Arial"/>
+              <a:buChar char="•"/>
+              <a:defRPr sz="2464"/>
+            </a:pPr>
+            <a:r>
+              <a:rPr u="sng" dirty="0">
+                <a:solidFill>
+                  <a:srgbClr val="0563C1"/>
+                </a:solidFill>
+                <a:uFill>
+                  <a:solidFill>
+                    <a:srgbClr val="0563C1"/>
+                  </a:solidFill>
+                </a:uFill>
+                <a:hlinkClick r:id="rId6"/>
+              </a:rPr>
+              <a:t>https://restcountries.eu/rest/v2/capital/tallinn</a:t>
+            </a:r>
+          </a:p>
+        </p:txBody>
+      </p:sp>
+      <p:sp>
+        <p:nvSpPr>
+          <p:cNvPr id="220" name="Title 1"/>
+          <p:cNvSpPr txBox="1"/>
+          <p:nvPr/>
+        </p:nvSpPr>
+        <p:spPr>
+          <a:xfrm>
+            <a:off x="424091" y="3048212"/>
+            <a:ext cx="10424161" cy="1325563"/>
+          </a:xfrm>
+          <a:prstGeom prst="rect">
+            <a:avLst/>
+          </a:prstGeom>
+          <a:ln w="12700">
+            <a:miter lim="400000"/>
+          </a:ln>
+          <a:extLst>
+            <a:ext uri="{C572A759-6A51-4108-AA02-DFA0A04FC94B}">
+              <ma14:wrappingTextBoxFlag xmlns="" xmlns:m="http://schemas.openxmlformats.org/officeDocument/2006/math" xmlns:a14="http://schemas.microsoft.com/office/drawing/2010/main" xmlns:ma14="http://schemas.microsoft.com/office/mac/drawingml/2011/main" val="1"/>
+            </a:ext>
+          </a:extLst>
+        </p:spPr>
+        <p:txBody>
+          <a:bodyPr lIns="45719" rIns="45719" anchor="ctr">
+            <a:normAutofit/>
+          </a:bodyPr>
+          <a:lstStyle>
+            <a:lvl1pPr>
+              <a:lnSpc>
+                <a:spcPct val="90000"/>
+              </a:lnSpc>
+              <a:defRPr sz="4400">
+                <a:latin typeface="Calibri Light"/>
+                <a:ea typeface="Calibri Light"/>
+                <a:cs typeface="Calibri Light"/>
+                <a:sym typeface="Calibri Light"/>
+              </a:defRPr>
+            </a:lvl1pPr>
+          </a:lstStyle>
+          <a:p>
+            <a:r>
+              <a:t>Sample API</a:t>
+            </a:r>
+          </a:p>
+        </p:txBody>
+      </p:sp>
+    </p:spTree>
+  </p:cSld>
+  <p:clrMapOvr>
+    <a:masterClrMapping/>
+  </p:clrMapOvr>
+  <p:transition spd="med"/>
+</p:sld>
+</file>
+
+<file path=ppt/slides/slide22.xml><?xml version="1.0" encoding="utf-8"?>
 <p:sld xmlns:a="http://schemas.openxmlformats.org/drawingml/2006/main" xmlns:r="http://schemas.openxmlformats.org/officeDocument/2006/relationships" xmlns:p="http://schemas.openxmlformats.org/presentationml/2006/main">
   <p:cSld>
     <p:spTree>
@@ -10788,7 +11279,7 @@
 </p:sld>
 </file>
 
-<file path=ppt/slides/slide21.xml><?xml version="1.0" encoding="utf-8"?>
+<file path=ppt/slides/slide23.xml><?xml version="1.0" encoding="utf-8"?>
 <p:sld xmlns:a="http://schemas.openxmlformats.org/drawingml/2006/main" xmlns:r="http://schemas.openxmlformats.org/officeDocument/2006/relationships" xmlns:p="http://schemas.openxmlformats.org/presentationml/2006/main">
   <p:cSld>
     <p:spTree>
@@ -10983,7 +11474,7 @@
 </p:sld>
 </file>
 
-<file path=ppt/slides/slide22.xml><?xml version="1.0" encoding="utf-8"?>
+<file path=ppt/slides/slide24.xml><?xml version="1.0" encoding="utf-8"?>
 <p:sld xmlns:a="http://schemas.openxmlformats.org/drawingml/2006/main" xmlns:r="http://schemas.openxmlformats.org/officeDocument/2006/relationships" xmlns:p="http://schemas.openxmlformats.org/presentationml/2006/main">
   <p:cSld>
     <p:spTree>
@@ -11071,7 +11562,7 @@
           </a:ln>
           <a:extLst>
             <a:ext uri="{C572A759-6A51-4108-AA02-DFA0A04FC94B}">
-              <ma14:wrappingTextBoxFlag xmlns:ma14="http://schemas.microsoft.com/office/mac/drawingml/2011/main" xmlns:a14="http://schemas.microsoft.com/office/drawing/2010/main" xmlns:m="http://schemas.openxmlformats.org/officeDocument/2006/math" xmlns="" val="1"/>
+              <ma14:wrappingTextBoxFlag xmlns="" xmlns:m="http://schemas.openxmlformats.org/officeDocument/2006/math" xmlns:a14="http://schemas.microsoft.com/office/drawing/2010/main" xmlns:ma14="http://schemas.microsoft.com/office/mac/drawingml/2011/main" val="1"/>
             </a:ext>
           </a:extLst>
         </p:spPr>
@@ -11153,7 +11644,7 @@
 </p:sld>
 </file>
 
-<file path=ppt/slides/slide23.xml><?xml version="1.0" encoding="utf-8"?>
+<file path=ppt/slides/slide25.xml><?xml version="1.0" encoding="utf-8"?>
 <p:sld xmlns:a="http://schemas.openxmlformats.org/drawingml/2006/main" xmlns:r="http://schemas.openxmlformats.org/officeDocument/2006/relationships" xmlns:p="http://schemas.openxmlformats.org/presentationml/2006/main">
   <p:cSld>
     <p:spTree>
@@ -12034,7 +12525,7 @@
 </p:sld>
 </file>
 
-<file path=ppt/slides/slide24.xml><?xml version="1.0" encoding="utf-8"?>
+<file path=ppt/slides/slide26.xml><?xml version="1.0" encoding="utf-8"?>
 <p:sld xmlns:a="http://schemas.openxmlformats.org/drawingml/2006/main" xmlns:r="http://schemas.openxmlformats.org/officeDocument/2006/relationships" xmlns:p="http://schemas.openxmlformats.org/presentationml/2006/main">
   <p:cSld>
     <p:spTree>
@@ -12216,7 +12707,7 @@
 </p:sld>
 </file>
 
-<file path=ppt/slides/slide25.xml><?xml version="1.0" encoding="utf-8"?>
+<file path=ppt/slides/slide27.xml><?xml version="1.0" encoding="utf-8"?>
 <p:sld xmlns:a="http://schemas.openxmlformats.org/drawingml/2006/main" xmlns:r="http://schemas.openxmlformats.org/officeDocument/2006/relationships" xmlns:p="http://schemas.openxmlformats.org/presentationml/2006/main">
   <p:cSld>
     <p:spTree>
@@ -12341,7 +12832,7 @@
 </p:sld>
 </file>
 
-<file path=ppt/slides/slide26.xml><?xml version="1.0" encoding="utf-8"?>
+<file path=ppt/slides/slide28.xml><?xml version="1.0" encoding="utf-8"?>
 <p:sld xmlns:a="http://schemas.openxmlformats.org/drawingml/2006/main" xmlns:r="http://schemas.openxmlformats.org/officeDocument/2006/relationships" xmlns:p="http://schemas.openxmlformats.org/presentationml/2006/main">
   <p:cSld>
     <p:spTree>
@@ -12543,7 +13034,7 @@
 </p:sld>
 </file>
 
-<file path=ppt/slides/slide27.xml><?xml version="1.0" encoding="utf-8"?>
+<file path=ppt/slides/slide29.xml><?xml version="1.0" encoding="utf-8"?>
 <p:sld xmlns:a="http://schemas.openxmlformats.org/drawingml/2006/main" xmlns:r="http://schemas.openxmlformats.org/officeDocument/2006/relationships" xmlns:p="http://schemas.openxmlformats.org/presentationml/2006/main">
   <p:cSld>
     <p:spTree>
@@ -12729,7 +13220,7 @@
           </a:ln>
           <a:extLst>
             <a:ext uri="{C572A759-6A51-4108-AA02-DFA0A04FC94B}">
-              <ma14:wrappingTextBoxFlag xmlns:ma14="http://schemas.microsoft.com/office/mac/drawingml/2011/main" xmlns:a14="http://schemas.microsoft.com/office/drawing/2010/main" xmlns:m="http://schemas.openxmlformats.org/officeDocument/2006/math" xmlns="" val="1"/>
+              <ma14:wrappingTextBoxFlag xmlns="" xmlns:m="http://schemas.openxmlformats.org/officeDocument/2006/math" xmlns:a14="http://schemas.microsoft.com/office/drawing/2010/main" xmlns:ma14="http://schemas.microsoft.com/office/mac/drawingml/2011/main" val="1"/>
             </a:ext>
           </a:extLst>
         </p:spPr>
@@ -12997,7 +13488,702 @@
 </p:sld>
 </file>
 
-<file path=ppt/slides/slide28.xml><?xml version="1.0" encoding="utf-8"?>
+<file path=ppt/slides/slide3.xml><?xml version="1.0" encoding="utf-8"?>
+<p:sld xmlns:a="http://schemas.openxmlformats.org/drawingml/2006/main" xmlns:r="http://schemas.openxmlformats.org/officeDocument/2006/relationships" xmlns:p="http://schemas.openxmlformats.org/presentationml/2006/main">
+  <p:cSld>
+    <p:spTree>
+      <p:nvGrpSpPr>
+        <p:cNvPr id="1" name=""/>
+        <p:cNvGrpSpPr/>
+        <p:nvPr/>
+      </p:nvGrpSpPr>
+      <p:grpSpPr>
+        <a:xfrm>
+          <a:off x="0" y="0"/>
+          <a:ext cx="0" cy="0"/>
+          <a:chOff x="0" y="0"/>
+          <a:chExt cx="0" cy="0"/>
+        </a:xfrm>
+      </p:grpSpPr>
+      <p:pic>
+        <p:nvPicPr>
+          <p:cNvPr id="110" name="Google Shape;54;p13" descr="Google Shape;54;p13"/>
+          <p:cNvPicPr>
+            <a:picLocks noChangeAspect="1"/>
+          </p:cNvPicPr>
+          <p:nvPr/>
+        </p:nvPicPr>
+        <p:blipFill>
+          <a:blip r:embed="rId2"/>
+          <a:stretch>
+            <a:fillRect/>
+          </a:stretch>
+        </p:blipFill>
+        <p:spPr>
+          <a:xfrm>
+            <a:off x="0" y="0"/>
+            <a:ext cx="12191997" cy="6858000"/>
+          </a:xfrm>
+          <a:prstGeom prst="rect">
+            <a:avLst/>
+          </a:prstGeom>
+          <a:ln w="12700">
+            <a:miter lim="400000"/>
+          </a:ln>
+        </p:spPr>
+      </p:pic>
+      <p:sp>
+        <p:nvSpPr>
+          <p:cNvPr id="111" name="Title 1"/>
+          <p:cNvSpPr txBox="1">
+            <a:spLocks noGrp="1"/>
+          </p:cNvSpPr>
+          <p:nvPr>
+            <p:ph type="title"/>
+          </p:nvPr>
+        </p:nvSpPr>
+        <p:spPr>
+          <a:prstGeom prst="rect">
+            <a:avLst/>
+          </a:prstGeom>
+        </p:spPr>
+        <p:txBody>
+          <a:bodyPr/>
+          <a:lstStyle/>
+          <a:p>
+            <a:r>
+              <a:t>Recap</a:t>
+            </a:r>
+          </a:p>
+        </p:txBody>
+      </p:sp>
+      <p:sp>
+        <p:nvSpPr>
+          <p:cNvPr id="112" name="Content Placeholder 2"/>
+          <p:cNvSpPr txBox="1">
+            <a:spLocks noGrp="1"/>
+          </p:cNvSpPr>
+          <p:nvPr>
+            <p:ph type="body" sz="quarter" idx="1"/>
+          </p:nvPr>
+        </p:nvSpPr>
+        <p:spPr>
+          <a:xfrm>
+            <a:off x="838200" y="1825625"/>
+            <a:ext cx="2966546" cy="4351338"/>
+          </a:xfrm>
+          <a:prstGeom prst="rect">
+            <a:avLst/>
+          </a:prstGeom>
+        </p:spPr>
+        <p:txBody>
+          <a:bodyPr/>
+          <a:lstStyle/>
+          <a:p>
+            <a:pPr marL="0" indent="0">
+              <a:lnSpc>
+                <a:spcPct val="72000"/>
+              </a:lnSpc>
+              <a:buSzTx/>
+              <a:buNone/>
+              <a:defRPr sz="1700"/>
+            </a:pPr>
+            <a:r>
+              <a:t>function f()</a:t>
+            </a:r>
+          </a:p>
+          <a:p>
+            <a:pPr marL="0" indent="0">
+              <a:lnSpc>
+                <a:spcPct val="72000"/>
+              </a:lnSpc>
+              <a:buSzTx/>
+              <a:buNone/>
+              <a:defRPr sz="1700"/>
+            </a:pPr>
+            <a:r>
+              <a:t>{</a:t>
+            </a:r>
+          </a:p>
+          <a:p>
+            <a:pPr marL="0" indent="0">
+              <a:lnSpc>
+                <a:spcPct val="72000"/>
+              </a:lnSpc>
+              <a:buSzTx/>
+              <a:buNone/>
+              <a:defRPr sz="1700"/>
+            </a:pPr>
+            <a:r>
+              <a:t>var m1 = 10;</a:t>
+            </a:r>
+          </a:p>
+          <a:p>
+            <a:pPr marL="0" indent="0">
+              <a:lnSpc>
+                <a:spcPct val="72000"/>
+              </a:lnSpc>
+              <a:buSzTx/>
+              <a:buNone/>
+              <a:defRPr sz="1700"/>
+            </a:pPr>
+            <a:r>
+              <a:t>var m2 = 10;</a:t>
+            </a:r>
+          </a:p>
+          <a:p>
+            <a:pPr marL="0" indent="0">
+              <a:lnSpc>
+                <a:spcPct val="72000"/>
+              </a:lnSpc>
+              <a:buSzTx/>
+              <a:buNone/>
+              <a:defRPr sz="1700"/>
+            </a:pPr>
+            <a:r>
+              <a:t>if(m1==m1)</a:t>
+            </a:r>
+          </a:p>
+          <a:p>
+            <a:pPr marL="0" indent="0">
+              <a:lnSpc>
+                <a:spcPct val="72000"/>
+              </a:lnSpc>
+              <a:buSzTx/>
+              <a:buNone/>
+              <a:defRPr sz="1700"/>
+            </a:pPr>
+            <a:r>
+              <a:t>{</a:t>
+            </a:r>
+          </a:p>
+          <a:p>
+            <a:pPr marL="0" indent="0">
+              <a:lnSpc>
+                <a:spcPct val="72000"/>
+              </a:lnSpc>
+              <a:buSzTx/>
+              <a:buNone/>
+              <a:defRPr sz="1700"/>
+            </a:pPr>
+            <a:r>
+              <a:t>console.log("Equal");</a:t>
+            </a:r>
+          </a:p>
+          <a:p>
+            <a:pPr marL="0" indent="0">
+              <a:lnSpc>
+                <a:spcPct val="72000"/>
+              </a:lnSpc>
+              <a:buSzTx/>
+              <a:buNone/>
+              <a:defRPr sz="1700"/>
+            </a:pPr>
+            <a:r>
+              <a:t>}</a:t>
+            </a:r>
+          </a:p>
+          <a:p>
+            <a:pPr marL="0" indent="0">
+              <a:lnSpc>
+                <a:spcPct val="72000"/>
+              </a:lnSpc>
+              <a:buSzTx/>
+              <a:buNone/>
+              <a:defRPr sz="1700"/>
+            </a:pPr>
+            <a:r>
+              <a:t>else</a:t>
+            </a:r>
+          </a:p>
+          <a:p>
+            <a:pPr marL="0" indent="0">
+              <a:lnSpc>
+                <a:spcPct val="72000"/>
+              </a:lnSpc>
+              <a:buSzTx/>
+              <a:buNone/>
+              <a:defRPr sz="1700"/>
+            </a:pPr>
+            <a:r>
+              <a:t>{</a:t>
+            </a:r>
+          </a:p>
+          <a:p>
+            <a:pPr marL="0" indent="0">
+              <a:lnSpc>
+                <a:spcPct val="72000"/>
+              </a:lnSpc>
+              <a:buSzTx/>
+              <a:buNone/>
+              <a:defRPr sz="1700"/>
+            </a:pPr>
+            <a:r>
+              <a:t>console.log("Not Equal");</a:t>
+            </a:r>
+          </a:p>
+          <a:p>
+            <a:pPr marL="0" indent="0">
+              <a:lnSpc>
+                <a:spcPct val="72000"/>
+              </a:lnSpc>
+              <a:buSzTx/>
+              <a:buNone/>
+              <a:defRPr sz="1700"/>
+            </a:pPr>
+            <a:r>
+              <a:t>}</a:t>
+            </a:r>
+          </a:p>
+          <a:p>
+            <a:pPr marL="0" indent="0">
+              <a:lnSpc>
+                <a:spcPct val="72000"/>
+              </a:lnSpc>
+              <a:buSzTx/>
+              <a:buNone/>
+              <a:defRPr sz="1700"/>
+            </a:pPr>
+            <a:r>
+              <a:t>}</a:t>
+            </a:r>
+          </a:p>
+        </p:txBody>
+      </p:sp>
+      <p:sp>
+        <p:nvSpPr>
+          <p:cNvPr id="113" name="Content Placeholder 2"/>
+          <p:cNvSpPr txBox="1"/>
+          <p:nvPr/>
+        </p:nvSpPr>
+        <p:spPr>
+          <a:xfrm>
+            <a:off x="4431160" y="1578631"/>
+            <a:ext cx="2875107" cy="4351338"/>
+          </a:xfrm>
+          <a:prstGeom prst="rect">
+            <a:avLst/>
+          </a:prstGeom>
+          <a:ln w="12700">
+            <a:miter lim="400000"/>
+          </a:ln>
+          <a:extLst>
+            <a:ext uri="{C572A759-6A51-4108-AA02-DFA0A04FC94B}">
+              <ma14:wrappingTextBoxFlag xmlns="" xmlns:m="http://schemas.openxmlformats.org/officeDocument/2006/math" xmlns:a14="http://schemas.microsoft.com/office/drawing/2010/main" xmlns:ma14="http://schemas.microsoft.com/office/mac/drawingml/2011/main" val="1"/>
+            </a:ext>
+          </a:extLst>
+        </p:spPr>
+        <p:txBody>
+          <a:bodyPr lIns="45719" rIns="45719">
+            <a:normAutofit/>
+          </a:bodyPr>
+          <a:lstStyle/>
+          <a:p>
+            <a:pPr>
+              <a:lnSpc>
+                <a:spcPct val="72000"/>
+              </a:lnSpc>
+              <a:spcBef>
+                <a:spcPts val="1000"/>
+              </a:spcBef>
+              <a:defRPr sz="1700"/>
+            </a:pPr>
+            <a:r>
+              <a:t>function f()</a:t>
+            </a:r>
+          </a:p>
+          <a:p>
+            <a:pPr>
+              <a:lnSpc>
+                <a:spcPct val="72000"/>
+              </a:lnSpc>
+              <a:spcBef>
+                <a:spcPts val="1000"/>
+              </a:spcBef>
+              <a:defRPr sz="1700"/>
+            </a:pPr>
+            <a:r>
+              <a:t>{</a:t>
+            </a:r>
+          </a:p>
+          <a:p>
+            <a:pPr>
+              <a:lnSpc>
+                <a:spcPct val="72000"/>
+              </a:lnSpc>
+              <a:spcBef>
+                <a:spcPts val="1000"/>
+              </a:spcBef>
+              <a:defRPr sz="1700"/>
+            </a:pPr>
+            <a:r>
+              <a:t>var m1 = 10;</a:t>
+            </a:r>
+          </a:p>
+          <a:p>
+            <a:pPr>
+              <a:lnSpc>
+                <a:spcPct val="72000"/>
+              </a:lnSpc>
+              <a:spcBef>
+                <a:spcPts val="1000"/>
+              </a:spcBef>
+              <a:defRPr sz="1700"/>
+            </a:pPr>
+            <a:r>
+              <a:t>var m2 = "10";</a:t>
+            </a:r>
+          </a:p>
+          <a:p>
+            <a:pPr>
+              <a:lnSpc>
+                <a:spcPct val="72000"/>
+              </a:lnSpc>
+              <a:spcBef>
+                <a:spcPts val="1000"/>
+              </a:spcBef>
+              <a:defRPr sz="1700"/>
+            </a:pPr>
+            <a:r>
+              <a:t>if(m1==m2)</a:t>
+            </a:r>
+          </a:p>
+          <a:p>
+            <a:pPr>
+              <a:lnSpc>
+                <a:spcPct val="72000"/>
+              </a:lnSpc>
+              <a:spcBef>
+                <a:spcPts val="1000"/>
+              </a:spcBef>
+              <a:defRPr sz="1700"/>
+            </a:pPr>
+            <a:r>
+              <a:t>{</a:t>
+            </a:r>
+          </a:p>
+          <a:p>
+            <a:pPr>
+              <a:lnSpc>
+                <a:spcPct val="72000"/>
+              </a:lnSpc>
+              <a:spcBef>
+                <a:spcPts val="1000"/>
+              </a:spcBef>
+              <a:defRPr sz="1700"/>
+            </a:pPr>
+            <a:r>
+              <a:t>console.log("Equal");</a:t>
+            </a:r>
+          </a:p>
+          <a:p>
+            <a:pPr>
+              <a:lnSpc>
+                <a:spcPct val="72000"/>
+              </a:lnSpc>
+              <a:spcBef>
+                <a:spcPts val="1000"/>
+              </a:spcBef>
+              <a:defRPr sz="1700"/>
+            </a:pPr>
+            <a:r>
+              <a:t>}</a:t>
+            </a:r>
+          </a:p>
+          <a:p>
+            <a:pPr>
+              <a:lnSpc>
+                <a:spcPct val="72000"/>
+              </a:lnSpc>
+              <a:spcBef>
+                <a:spcPts val="1000"/>
+              </a:spcBef>
+              <a:defRPr sz="1700"/>
+            </a:pPr>
+            <a:r>
+              <a:t>else</a:t>
+            </a:r>
+          </a:p>
+          <a:p>
+            <a:pPr>
+              <a:lnSpc>
+                <a:spcPct val="72000"/>
+              </a:lnSpc>
+              <a:spcBef>
+                <a:spcPts val="1000"/>
+              </a:spcBef>
+              <a:defRPr sz="1700"/>
+            </a:pPr>
+            <a:r>
+              <a:t>{</a:t>
+            </a:r>
+          </a:p>
+          <a:p>
+            <a:pPr>
+              <a:lnSpc>
+                <a:spcPct val="72000"/>
+              </a:lnSpc>
+              <a:spcBef>
+                <a:spcPts val="1000"/>
+              </a:spcBef>
+              <a:defRPr sz="1700"/>
+            </a:pPr>
+            <a:r>
+              <a:t>console.log("Not Equal");</a:t>
+            </a:r>
+          </a:p>
+          <a:p>
+            <a:pPr>
+              <a:lnSpc>
+                <a:spcPct val="72000"/>
+              </a:lnSpc>
+              <a:spcBef>
+                <a:spcPts val="1000"/>
+              </a:spcBef>
+              <a:defRPr sz="1700"/>
+            </a:pPr>
+            <a:r>
+              <a:t>}</a:t>
+            </a:r>
+          </a:p>
+          <a:p>
+            <a:pPr>
+              <a:lnSpc>
+                <a:spcPct val="72000"/>
+              </a:lnSpc>
+              <a:spcBef>
+                <a:spcPts val="1000"/>
+              </a:spcBef>
+              <a:defRPr sz="1700"/>
+            </a:pPr>
+            <a:r>
+              <a:t>}</a:t>
+            </a:r>
+          </a:p>
+        </p:txBody>
+      </p:sp>
+      <p:sp>
+        <p:nvSpPr>
+          <p:cNvPr id="114" name="Content Placeholder 2"/>
+          <p:cNvSpPr txBox="1"/>
+          <p:nvPr/>
+        </p:nvSpPr>
+        <p:spPr>
+          <a:xfrm>
+            <a:off x="7915339" y="1394700"/>
+            <a:ext cx="2875106" cy="4351339"/>
+          </a:xfrm>
+          <a:prstGeom prst="rect">
+            <a:avLst/>
+          </a:prstGeom>
+          <a:ln w="12700">
+            <a:miter lim="400000"/>
+          </a:ln>
+          <a:extLst>
+            <a:ext uri="{C572A759-6A51-4108-AA02-DFA0A04FC94B}">
+              <ma14:wrappingTextBoxFlag xmlns="" xmlns:m="http://schemas.openxmlformats.org/officeDocument/2006/math" xmlns:a14="http://schemas.microsoft.com/office/drawing/2010/main" xmlns:ma14="http://schemas.microsoft.com/office/mac/drawingml/2011/main" val="1"/>
+            </a:ext>
+          </a:extLst>
+        </p:spPr>
+        <p:txBody>
+          <a:bodyPr lIns="45719" rIns="45719">
+            <a:normAutofit/>
+          </a:bodyPr>
+          <a:lstStyle/>
+          <a:p>
+            <a:pPr>
+              <a:lnSpc>
+                <a:spcPct val="72000"/>
+              </a:lnSpc>
+              <a:spcBef>
+                <a:spcPts val="1000"/>
+              </a:spcBef>
+              <a:defRPr sz="1700"/>
+            </a:pPr>
+            <a:r>
+              <a:t>function f()</a:t>
+            </a:r>
+          </a:p>
+          <a:p>
+            <a:pPr>
+              <a:lnSpc>
+                <a:spcPct val="72000"/>
+              </a:lnSpc>
+              <a:spcBef>
+                <a:spcPts val="1000"/>
+              </a:spcBef>
+              <a:defRPr sz="1700"/>
+            </a:pPr>
+            <a:r>
+              <a:t>{</a:t>
+            </a:r>
+          </a:p>
+          <a:p>
+            <a:pPr>
+              <a:lnSpc>
+                <a:spcPct val="72000"/>
+              </a:lnSpc>
+              <a:spcBef>
+                <a:spcPts val="1000"/>
+              </a:spcBef>
+              <a:defRPr sz="1700"/>
+            </a:pPr>
+            <a:r>
+              <a:t>var m1 = 10;</a:t>
+            </a:r>
+          </a:p>
+          <a:p>
+            <a:pPr>
+              <a:lnSpc>
+                <a:spcPct val="72000"/>
+              </a:lnSpc>
+              <a:spcBef>
+                <a:spcPts val="1000"/>
+              </a:spcBef>
+              <a:defRPr sz="1700"/>
+            </a:pPr>
+            <a:r>
+              <a:t>var m2 = "10";</a:t>
+            </a:r>
+          </a:p>
+          <a:p>
+            <a:pPr>
+              <a:lnSpc>
+                <a:spcPct val="72000"/>
+              </a:lnSpc>
+              <a:spcBef>
+                <a:spcPts val="1000"/>
+              </a:spcBef>
+              <a:defRPr sz="1700"/>
+            </a:pPr>
+            <a:r>
+              <a:t>if(m1===m2)</a:t>
+            </a:r>
+          </a:p>
+          <a:p>
+            <a:pPr>
+              <a:lnSpc>
+                <a:spcPct val="72000"/>
+              </a:lnSpc>
+              <a:spcBef>
+                <a:spcPts val="1000"/>
+              </a:spcBef>
+              <a:defRPr sz="1700"/>
+            </a:pPr>
+            <a:r>
+              <a:t>{</a:t>
+            </a:r>
+          </a:p>
+          <a:p>
+            <a:pPr>
+              <a:lnSpc>
+                <a:spcPct val="72000"/>
+              </a:lnSpc>
+              <a:spcBef>
+                <a:spcPts val="1000"/>
+              </a:spcBef>
+              <a:defRPr sz="1700"/>
+            </a:pPr>
+            <a:r>
+              <a:t>console.log("Equal");</a:t>
+            </a:r>
+          </a:p>
+          <a:p>
+            <a:pPr>
+              <a:lnSpc>
+                <a:spcPct val="72000"/>
+              </a:lnSpc>
+              <a:spcBef>
+                <a:spcPts val="1000"/>
+              </a:spcBef>
+              <a:defRPr sz="1700"/>
+            </a:pPr>
+            <a:r>
+              <a:t>}</a:t>
+            </a:r>
+          </a:p>
+          <a:p>
+            <a:pPr>
+              <a:lnSpc>
+                <a:spcPct val="72000"/>
+              </a:lnSpc>
+              <a:spcBef>
+                <a:spcPts val="1000"/>
+              </a:spcBef>
+              <a:defRPr sz="1700"/>
+            </a:pPr>
+            <a:r>
+              <a:t>else</a:t>
+            </a:r>
+          </a:p>
+          <a:p>
+            <a:pPr>
+              <a:lnSpc>
+                <a:spcPct val="72000"/>
+              </a:lnSpc>
+              <a:spcBef>
+                <a:spcPts val="1000"/>
+              </a:spcBef>
+              <a:defRPr sz="1700"/>
+            </a:pPr>
+            <a:r>
+              <a:t>{</a:t>
+            </a:r>
+          </a:p>
+          <a:p>
+            <a:pPr>
+              <a:lnSpc>
+                <a:spcPct val="72000"/>
+              </a:lnSpc>
+              <a:spcBef>
+                <a:spcPts val="1000"/>
+              </a:spcBef>
+              <a:defRPr sz="1700"/>
+            </a:pPr>
+            <a:r>
+              <a:t>console.log("Not Equal");</a:t>
+            </a:r>
+          </a:p>
+          <a:p>
+            <a:pPr>
+              <a:lnSpc>
+                <a:spcPct val="72000"/>
+              </a:lnSpc>
+              <a:spcBef>
+                <a:spcPts val="1000"/>
+              </a:spcBef>
+              <a:defRPr sz="1700"/>
+            </a:pPr>
+            <a:r>
+              <a:t>}</a:t>
+            </a:r>
+          </a:p>
+          <a:p>
+            <a:pPr>
+              <a:lnSpc>
+                <a:spcPct val="72000"/>
+              </a:lnSpc>
+              <a:spcBef>
+                <a:spcPts val="1000"/>
+              </a:spcBef>
+              <a:defRPr sz="1700"/>
+            </a:pPr>
+            <a:r>
+              <a:t>}</a:t>
+            </a:r>
+          </a:p>
+        </p:txBody>
+      </p:sp>
+    </p:spTree>
+  </p:cSld>
+  <p:clrMapOvr>
+    <a:masterClrMapping/>
+  </p:clrMapOvr>
+  <p:transition spd="med"/>
+</p:sld>
+</file>
+
+<file path=ppt/slides/slide30.xml><?xml version="1.0" encoding="utf-8"?>
 <p:sld xmlns:a="http://schemas.openxmlformats.org/drawingml/2006/main" xmlns:r="http://schemas.openxmlformats.org/officeDocument/2006/relationships" xmlns:p="http://schemas.openxmlformats.org/presentationml/2006/main">
   <p:cSld>
     <p:spTree>
@@ -13089,7 +14275,7 @@
 </p:sld>
 </file>
 
-<file path=ppt/slides/slide29.xml><?xml version="1.0" encoding="utf-8"?>
+<file path=ppt/slides/slide31.xml><?xml version="1.0" encoding="utf-8"?>
 <p:sld xmlns:a="http://schemas.openxmlformats.org/drawingml/2006/main" xmlns:r="http://schemas.openxmlformats.org/officeDocument/2006/relationships" xmlns:p="http://schemas.openxmlformats.org/presentationml/2006/main">
   <p:cSld>
     <p:spTree>
@@ -13166,7 +14352,7 @@
           </a:ln>
           <a:extLst>
             <a:ext uri="{C572A759-6A51-4108-AA02-DFA0A04FC94B}">
-              <ma14:wrappingTextBoxFlag xmlns:ma14="http://schemas.microsoft.com/office/mac/drawingml/2011/main" xmlns:a14="http://schemas.microsoft.com/office/drawing/2010/main" xmlns:m="http://schemas.openxmlformats.org/officeDocument/2006/math" xmlns="" val="1"/>
+              <ma14:wrappingTextBoxFlag xmlns="" xmlns:m="http://schemas.openxmlformats.org/officeDocument/2006/math" xmlns:a14="http://schemas.microsoft.com/office/drawing/2010/main" xmlns:ma14="http://schemas.microsoft.com/office/mac/drawingml/2011/main" val="1"/>
             </a:ext>
           </a:extLst>
         </p:spPr>
@@ -13463,702 +14649,7 @@
 </p:sld>
 </file>
 
-<file path=ppt/slides/slide3.xml><?xml version="1.0" encoding="utf-8"?>
-<p:sld xmlns:a="http://schemas.openxmlformats.org/drawingml/2006/main" xmlns:r="http://schemas.openxmlformats.org/officeDocument/2006/relationships" xmlns:p="http://schemas.openxmlformats.org/presentationml/2006/main">
-  <p:cSld>
-    <p:spTree>
-      <p:nvGrpSpPr>
-        <p:cNvPr id="1" name=""/>
-        <p:cNvGrpSpPr/>
-        <p:nvPr/>
-      </p:nvGrpSpPr>
-      <p:grpSpPr>
-        <a:xfrm>
-          <a:off x="0" y="0"/>
-          <a:ext cx="0" cy="0"/>
-          <a:chOff x="0" y="0"/>
-          <a:chExt cx="0" cy="0"/>
-        </a:xfrm>
-      </p:grpSpPr>
-      <p:pic>
-        <p:nvPicPr>
-          <p:cNvPr id="110" name="Google Shape;54;p13" descr="Google Shape;54;p13"/>
-          <p:cNvPicPr>
-            <a:picLocks noChangeAspect="1"/>
-          </p:cNvPicPr>
-          <p:nvPr/>
-        </p:nvPicPr>
-        <p:blipFill>
-          <a:blip r:embed="rId2"/>
-          <a:stretch>
-            <a:fillRect/>
-          </a:stretch>
-        </p:blipFill>
-        <p:spPr>
-          <a:xfrm>
-            <a:off x="0" y="0"/>
-            <a:ext cx="12191997" cy="6858000"/>
-          </a:xfrm>
-          <a:prstGeom prst="rect">
-            <a:avLst/>
-          </a:prstGeom>
-          <a:ln w="12700">
-            <a:miter lim="400000"/>
-          </a:ln>
-        </p:spPr>
-      </p:pic>
-      <p:sp>
-        <p:nvSpPr>
-          <p:cNvPr id="111" name="Title 1"/>
-          <p:cNvSpPr txBox="1">
-            <a:spLocks noGrp="1"/>
-          </p:cNvSpPr>
-          <p:nvPr>
-            <p:ph type="title"/>
-          </p:nvPr>
-        </p:nvSpPr>
-        <p:spPr>
-          <a:prstGeom prst="rect">
-            <a:avLst/>
-          </a:prstGeom>
-        </p:spPr>
-        <p:txBody>
-          <a:bodyPr/>
-          <a:lstStyle/>
-          <a:p>
-            <a:r>
-              <a:t>Recap</a:t>
-            </a:r>
-          </a:p>
-        </p:txBody>
-      </p:sp>
-      <p:sp>
-        <p:nvSpPr>
-          <p:cNvPr id="112" name="Content Placeholder 2"/>
-          <p:cNvSpPr txBox="1">
-            <a:spLocks noGrp="1"/>
-          </p:cNvSpPr>
-          <p:nvPr>
-            <p:ph type="body" sz="quarter" idx="1"/>
-          </p:nvPr>
-        </p:nvSpPr>
-        <p:spPr>
-          <a:xfrm>
-            <a:off x="838200" y="1825625"/>
-            <a:ext cx="2966546" cy="4351338"/>
-          </a:xfrm>
-          <a:prstGeom prst="rect">
-            <a:avLst/>
-          </a:prstGeom>
-        </p:spPr>
-        <p:txBody>
-          <a:bodyPr/>
-          <a:lstStyle/>
-          <a:p>
-            <a:pPr marL="0" indent="0">
-              <a:lnSpc>
-                <a:spcPct val="72000"/>
-              </a:lnSpc>
-              <a:buSzTx/>
-              <a:buNone/>
-              <a:defRPr sz="1700"/>
-            </a:pPr>
-            <a:r>
-              <a:t>function f()</a:t>
-            </a:r>
-          </a:p>
-          <a:p>
-            <a:pPr marL="0" indent="0">
-              <a:lnSpc>
-                <a:spcPct val="72000"/>
-              </a:lnSpc>
-              <a:buSzTx/>
-              <a:buNone/>
-              <a:defRPr sz="1700"/>
-            </a:pPr>
-            <a:r>
-              <a:t>{</a:t>
-            </a:r>
-          </a:p>
-          <a:p>
-            <a:pPr marL="0" indent="0">
-              <a:lnSpc>
-                <a:spcPct val="72000"/>
-              </a:lnSpc>
-              <a:buSzTx/>
-              <a:buNone/>
-              <a:defRPr sz="1700"/>
-            </a:pPr>
-            <a:r>
-              <a:t>var m1 = 10;</a:t>
-            </a:r>
-          </a:p>
-          <a:p>
-            <a:pPr marL="0" indent="0">
-              <a:lnSpc>
-                <a:spcPct val="72000"/>
-              </a:lnSpc>
-              <a:buSzTx/>
-              <a:buNone/>
-              <a:defRPr sz="1700"/>
-            </a:pPr>
-            <a:r>
-              <a:t>var m2 = 10;</a:t>
-            </a:r>
-          </a:p>
-          <a:p>
-            <a:pPr marL="0" indent="0">
-              <a:lnSpc>
-                <a:spcPct val="72000"/>
-              </a:lnSpc>
-              <a:buSzTx/>
-              <a:buNone/>
-              <a:defRPr sz="1700"/>
-            </a:pPr>
-            <a:r>
-              <a:t>if(m1==m1)</a:t>
-            </a:r>
-          </a:p>
-          <a:p>
-            <a:pPr marL="0" indent="0">
-              <a:lnSpc>
-                <a:spcPct val="72000"/>
-              </a:lnSpc>
-              <a:buSzTx/>
-              <a:buNone/>
-              <a:defRPr sz="1700"/>
-            </a:pPr>
-            <a:r>
-              <a:t>{</a:t>
-            </a:r>
-          </a:p>
-          <a:p>
-            <a:pPr marL="0" indent="0">
-              <a:lnSpc>
-                <a:spcPct val="72000"/>
-              </a:lnSpc>
-              <a:buSzTx/>
-              <a:buNone/>
-              <a:defRPr sz="1700"/>
-            </a:pPr>
-            <a:r>
-              <a:t>console.log("Equal");</a:t>
-            </a:r>
-          </a:p>
-          <a:p>
-            <a:pPr marL="0" indent="0">
-              <a:lnSpc>
-                <a:spcPct val="72000"/>
-              </a:lnSpc>
-              <a:buSzTx/>
-              <a:buNone/>
-              <a:defRPr sz="1700"/>
-            </a:pPr>
-            <a:r>
-              <a:t>}</a:t>
-            </a:r>
-          </a:p>
-          <a:p>
-            <a:pPr marL="0" indent="0">
-              <a:lnSpc>
-                <a:spcPct val="72000"/>
-              </a:lnSpc>
-              <a:buSzTx/>
-              <a:buNone/>
-              <a:defRPr sz="1700"/>
-            </a:pPr>
-            <a:r>
-              <a:t>else</a:t>
-            </a:r>
-          </a:p>
-          <a:p>
-            <a:pPr marL="0" indent="0">
-              <a:lnSpc>
-                <a:spcPct val="72000"/>
-              </a:lnSpc>
-              <a:buSzTx/>
-              <a:buNone/>
-              <a:defRPr sz="1700"/>
-            </a:pPr>
-            <a:r>
-              <a:t>{</a:t>
-            </a:r>
-          </a:p>
-          <a:p>
-            <a:pPr marL="0" indent="0">
-              <a:lnSpc>
-                <a:spcPct val="72000"/>
-              </a:lnSpc>
-              <a:buSzTx/>
-              <a:buNone/>
-              <a:defRPr sz="1700"/>
-            </a:pPr>
-            <a:r>
-              <a:t>console.log("Not Equal");</a:t>
-            </a:r>
-          </a:p>
-          <a:p>
-            <a:pPr marL="0" indent="0">
-              <a:lnSpc>
-                <a:spcPct val="72000"/>
-              </a:lnSpc>
-              <a:buSzTx/>
-              <a:buNone/>
-              <a:defRPr sz="1700"/>
-            </a:pPr>
-            <a:r>
-              <a:t>}</a:t>
-            </a:r>
-          </a:p>
-          <a:p>
-            <a:pPr marL="0" indent="0">
-              <a:lnSpc>
-                <a:spcPct val="72000"/>
-              </a:lnSpc>
-              <a:buSzTx/>
-              <a:buNone/>
-              <a:defRPr sz="1700"/>
-            </a:pPr>
-            <a:r>
-              <a:t>}</a:t>
-            </a:r>
-          </a:p>
-        </p:txBody>
-      </p:sp>
-      <p:sp>
-        <p:nvSpPr>
-          <p:cNvPr id="113" name="Content Placeholder 2"/>
-          <p:cNvSpPr txBox="1"/>
-          <p:nvPr/>
-        </p:nvSpPr>
-        <p:spPr>
-          <a:xfrm>
-            <a:off x="4431160" y="1578631"/>
-            <a:ext cx="2875107" cy="4351338"/>
-          </a:xfrm>
-          <a:prstGeom prst="rect">
-            <a:avLst/>
-          </a:prstGeom>
-          <a:ln w="12700">
-            <a:miter lim="400000"/>
-          </a:ln>
-          <a:extLst>
-            <a:ext uri="{C572A759-6A51-4108-AA02-DFA0A04FC94B}">
-              <ma14:wrappingTextBoxFlag xmlns:ma14="http://schemas.microsoft.com/office/mac/drawingml/2011/main" xmlns:a14="http://schemas.microsoft.com/office/drawing/2010/main" xmlns:m="http://schemas.openxmlformats.org/officeDocument/2006/math" xmlns="" val="1"/>
-            </a:ext>
-          </a:extLst>
-        </p:spPr>
-        <p:txBody>
-          <a:bodyPr lIns="45719" rIns="45719">
-            <a:normAutofit/>
-          </a:bodyPr>
-          <a:lstStyle/>
-          <a:p>
-            <a:pPr>
-              <a:lnSpc>
-                <a:spcPct val="72000"/>
-              </a:lnSpc>
-              <a:spcBef>
-                <a:spcPts val="1000"/>
-              </a:spcBef>
-              <a:defRPr sz="1700"/>
-            </a:pPr>
-            <a:r>
-              <a:t>function f()</a:t>
-            </a:r>
-          </a:p>
-          <a:p>
-            <a:pPr>
-              <a:lnSpc>
-                <a:spcPct val="72000"/>
-              </a:lnSpc>
-              <a:spcBef>
-                <a:spcPts val="1000"/>
-              </a:spcBef>
-              <a:defRPr sz="1700"/>
-            </a:pPr>
-            <a:r>
-              <a:t>{</a:t>
-            </a:r>
-          </a:p>
-          <a:p>
-            <a:pPr>
-              <a:lnSpc>
-                <a:spcPct val="72000"/>
-              </a:lnSpc>
-              <a:spcBef>
-                <a:spcPts val="1000"/>
-              </a:spcBef>
-              <a:defRPr sz="1700"/>
-            </a:pPr>
-            <a:r>
-              <a:t>var m1 = 10;</a:t>
-            </a:r>
-          </a:p>
-          <a:p>
-            <a:pPr>
-              <a:lnSpc>
-                <a:spcPct val="72000"/>
-              </a:lnSpc>
-              <a:spcBef>
-                <a:spcPts val="1000"/>
-              </a:spcBef>
-              <a:defRPr sz="1700"/>
-            </a:pPr>
-            <a:r>
-              <a:t>var m2 = "10";</a:t>
-            </a:r>
-          </a:p>
-          <a:p>
-            <a:pPr>
-              <a:lnSpc>
-                <a:spcPct val="72000"/>
-              </a:lnSpc>
-              <a:spcBef>
-                <a:spcPts val="1000"/>
-              </a:spcBef>
-              <a:defRPr sz="1700"/>
-            </a:pPr>
-            <a:r>
-              <a:t>if(m1==m2)</a:t>
-            </a:r>
-          </a:p>
-          <a:p>
-            <a:pPr>
-              <a:lnSpc>
-                <a:spcPct val="72000"/>
-              </a:lnSpc>
-              <a:spcBef>
-                <a:spcPts val="1000"/>
-              </a:spcBef>
-              <a:defRPr sz="1700"/>
-            </a:pPr>
-            <a:r>
-              <a:t>{</a:t>
-            </a:r>
-          </a:p>
-          <a:p>
-            <a:pPr>
-              <a:lnSpc>
-                <a:spcPct val="72000"/>
-              </a:lnSpc>
-              <a:spcBef>
-                <a:spcPts val="1000"/>
-              </a:spcBef>
-              <a:defRPr sz="1700"/>
-            </a:pPr>
-            <a:r>
-              <a:t>console.log("Equal");</a:t>
-            </a:r>
-          </a:p>
-          <a:p>
-            <a:pPr>
-              <a:lnSpc>
-                <a:spcPct val="72000"/>
-              </a:lnSpc>
-              <a:spcBef>
-                <a:spcPts val="1000"/>
-              </a:spcBef>
-              <a:defRPr sz="1700"/>
-            </a:pPr>
-            <a:r>
-              <a:t>}</a:t>
-            </a:r>
-          </a:p>
-          <a:p>
-            <a:pPr>
-              <a:lnSpc>
-                <a:spcPct val="72000"/>
-              </a:lnSpc>
-              <a:spcBef>
-                <a:spcPts val="1000"/>
-              </a:spcBef>
-              <a:defRPr sz="1700"/>
-            </a:pPr>
-            <a:r>
-              <a:t>else</a:t>
-            </a:r>
-          </a:p>
-          <a:p>
-            <a:pPr>
-              <a:lnSpc>
-                <a:spcPct val="72000"/>
-              </a:lnSpc>
-              <a:spcBef>
-                <a:spcPts val="1000"/>
-              </a:spcBef>
-              <a:defRPr sz="1700"/>
-            </a:pPr>
-            <a:r>
-              <a:t>{</a:t>
-            </a:r>
-          </a:p>
-          <a:p>
-            <a:pPr>
-              <a:lnSpc>
-                <a:spcPct val="72000"/>
-              </a:lnSpc>
-              <a:spcBef>
-                <a:spcPts val="1000"/>
-              </a:spcBef>
-              <a:defRPr sz="1700"/>
-            </a:pPr>
-            <a:r>
-              <a:t>console.log("Not Equal");</a:t>
-            </a:r>
-          </a:p>
-          <a:p>
-            <a:pPr>
-              <a:lnSpc>
-                <a:spcPct val="72000"/>
-              </a:lnSpc>
-              <a:spcBef>
-                <a:spcPts val="1000"/>
-              </a:spcBef>
-              <a:defRPr sz="1700"/>
-            </a:pPr>
-            <a:r>
-              <a:t>}</a:t>
-            </a:r>
-          </a:p>
-          <a:p>
-            <a:pPr>
-              <a:lnSpc>
-                <a:spcPct val="72000"/>
-              </a:lnSpc>
-              <a:spcBef>
-                <a:spcPts val="1000"/>
-              </a:spcBef>
-              <a:defRPr sz="1700"/>
-            </a:pPr>
-            <a:r>
-              <a:t>}</a:t>
-            </a:r>
-          </a:p>
-        </p:txBody>
-      </p:sp>
-      <p:sp>
-        <p:nvSpPr>
-          <p:cNvPr id="114" name="Content Placeholder 2"/>
-          <p:cNvSpPr txBox="1"/>
-          <p:nvPr/>
-        </p:nvSpPr>
-        <p:spPr>
-          <a:xfrm>
-            <a:off x="7915339" y="1394700"/>
-            <a:ext cx="2875106" cy="4351339"/>
-          </a:xfrm>
-          <a:prstGeom prst="rect">
-            <a:avLst/>
-          </a:prstGeom>
-          <a:ln w="12700">
-            <a:miter lim="400000"/>
-          </a:ln>
-          <a:extLst>
-            <a:ext uri="{C572A759-6A51-4108-AA02-DFA0A04FC94B}">
-              <ma14:wrappingTextBoxFlag xmlns:ma14="http://schemas.microsoft.com/office/mac/drawingml/2011/main" xmlns:a14="http://schemas.microsoft.com/office/drawing/2010/main" xmlns:m="http://schemas.openxmlformats.org/officeDocument/2006/math" xmlns="" val="1"/>
-            </a:ext>
-          </a:extLst>
-        </p:spPr>
-        <p:txBody>
-          <a:bodyPr lIns="45719" rIns="45719">
-            <a:normAutofit/>
-          </a:bodyPr>
-          <a:lstStyle/>
-          <a:p>
-            <a:pPr>
-              <a:lnSpc>
-                <a:spcPct val="72000"/>
-              </a:lnSpc>
-              <a:spcBef>
-                <a:spcPts val="1000"/>
-              </a:spcBef>
-              <a:defRPr sz="1700"/>
-            </a:pPr>
-            <a:r>
-              <a:t>function f()</a:t>
-            </a:r>
-          </a:p>
-          <a:p>
-            <a:pPr>
-              <a:lnSpc>
-                <a:spcPct val="72000"/>
-              </a:lnSpc>
-              <a:spcBef>
-                <a:spcPts val="1000"/>
-              </a:spcBef>
-              <a:defRPr sz="1700"/>
-            </a:pPr>
-            <a:r>
-              <a:t>{</a:t>
-            </a:r>
-          </a:p>
-          <a:p>
-            <a:pPr>
-              <a:lnSpc>
-                <a:spcPct val="72000"/>
-              </a:lnSpc>
-              <a:spcBef>
-                <a:spcPts val="1000"/>
-              </a:spcBef>
-              <a:defRPr sz="1700"/>
-            </a:pPr>
-            <a:r>
-              <a:t>var m1 = 10;</a:t>
-            </a:r>
-          </a:p>
-          <a:p>
-            <a:pPr>
-              <a:lnSpc>
-                <a:spcPct val="72000"/>
-              </a:lnSpc>
-              <a:spcBef>
-                <a:spcPts val="1000"/>
-              </a:spcBef>
-              <a:defRPr sz="1700"/>
-            </a:pPr>
-            <a:r>
-              <a:t>var m2 = "10";</a:t>
-            </a:r>
-          </a:p>
-          <a:p>
-            <a:pPr>
-              <a:lnSpc>
-                <a:spcPct val="72000"/>
-              </a:lnSpc>
-              <a:spcBef>
-                <a:spcPts val="1000"/>
-              </a:spcBef>
-              <a:defRPr sz="1700"/>
-            </a:pPr>
-            <a:r>
-              <a:t>if(m1===m2)</a:t>
-            </a:r>
-          </a:p>
-          <a:p>
-            <a:pPr>
-              <a:lnSpc>
-                <a:spcPct val="72000"/>
-              </a:lnSpc>
-              <a:spcBef>
-                <a:spcPts val="1000"/>
-              </a:spcBef>
-              <a:defRPr sz="1700"/>
-            </a:pPr>
-            <a:r>
-              <a:t>{</a:t>
-            </a:r>
-          </a:p>
-          <a:p>
-            <a:pPr>
-              <a:lnSpc>
-                <a:spcPct val="72000"/>
-              </a:lnSpc>
-              <a:spcBef>
-                <a:spcPts val="1000"/>
-              </a:spcBef>
-              <a:defRPr sz="1700"/>
-            </a:pPr>
-            <a:r>
-              <a:t>console.log("Equal");</a:t>
-            </a:r>
-          </a:p>
-          <a:p>
-            <a:pPr>
-              <a:lnSpc>
-                <a:spcPct val="72000"/>
-              </a:lnSpc>
-              <a:spcBef>
-                <a:spcPts val="1000"/>
-              </a:spcBef>
-              <a:defRPr sz="1700"/>
-            </a:pPr>
-            <a:r>
-              <a:t>}</a:t>
-            </a:r>
-          </a:p>
-          <a:p>
-            <a:pPr>
-              <a:lnSpc>
-                <a:spcPct val="72000"/>
-              </a:lnSpc>
-              <a:spcBef>
-                <a:spcPts val="1000"/>
-              </a:spcBef>
-              <a:defRPr sz="1700"/>
-            </a:pPr>
-            <a:r>
-              <a:t>else</a:t>
-            </a:r>
-          </a:p>
-          <a:p>
-            <a:pPr>
-              <a:lnSpc>
-                <a:spcPct val="72000"/>
-              </a:lnSpc>
-              <a:spcBef>
-                <a:spcPts val="1000"/>
-              </a:spcBef>
-              <a:defRPr sz="1700"/>
-            </a:pPr>
-            <a:r>
-              <a:t>{</a:t>
-            </a:r>
-          </a:p>
-          <a:p>
-            <a:pPr>
-              <a:lnSpc>
-                <a:spcPct val="72000"/>
-              </a:lnSpc>
-              <a:spcBef>
-                <a:spcPts val="1000"/>
-              </a:spcBef>
-              <a:defRPr sz="1700"/>
-            </a:pPr>
-            <a:r>
-              <a:t>console.log("Not Equal");</a:t>
-            </a:r>
-          </a:p>
-          <a:p>
-            <a:pPr>
-              <a:lnSpc>
-                <a:spcPct val="72000"/>
-              </a:lnSpc>
-              <a:spcBef>
-                <a:spcPts val="1000"/>
-              </a:spcBef>
-              <a:defRPr sz="1700"/>
-            </a:pPr>
-            <a:r>
-              <a:t>}</a:t>
-            </a:r>
-          </a:p>
-          <a:p>
-            <a:pPr>
-              <a:lnSpc>
-                <a:spcPct val="72000"/>
-              </a:lnSpc>
-              <a:spcBef>
-                <a:spcPts val="1000"/>
-              </a:spcBef>
-              <a:defRPr sz="1700"/>
-            </a:pPr>
-            <a:r>
-              <a:t>}</a:t>
-            </a:r>
-          </a:p>
-        </p:txBody>
-      </p:sp>
-    </p:spTree>
-  </p:cSld>
-  <p:clrMapOvr>
-    <a:masterClrMapping/>
-  </p:clrMapOvr>
-  <p:transition spd="med"/>
-</p:sld>
-</file>
-
-<file path=ppt/slides/slide30.xml><?xml version="1.0" encoding="utf-8"?>
+<file path=ppt/slides/slide32.xml><?xml version="1.0" encoding="utf-8"?>
 <p:sld xmlns:a="http://schemas.openxmlformats.org/drawingml/2006/main" xmlns:r="http://schemas.openxmlformats.org/officeDocument/2006/relationships" xmlns:p="http://schemas.openxmlformats.org/presentationml/2006/main">
   <p:cSld>
     <p:spTree>
@@ -14423,7 +14914,7 @@
 </p:sld>
 </file>
 
-<file path=ppt/slides/slide31.xml><?xml version="1.0" encoding="utf-8"?>
+<file path=ppt/slides/slide33.xml><?xml version="1.0" encoding="utf-8"?>
 <p:sld xmlns:a="http://schemas.openxmlformats.org/drawingml/2006/main" xmlns:r="http://schemas.openxmlformats.org/officeDocument/2006/relationships" xmlns:p="http://schemas.openxmlformats.org/presentationml/2006/main">
   <p:cSld>
     <p:spTree>
@@ -14575,7 +15066,7 @@
             <a:effectLst/>
             <a:extLst>
               <a:ext uri="{C572A759-6A51-4108-AA02-DFA0A04FC94B}">
-                <ma14:wrappingTextBoxFlag xmlns:ma14="http://schemas.microsoft.com/office/mac/drawingml/2011/main" xmlns:a14="http://schemas.microsoft.com/office/drawing/2010/main" xmlns:m="http://schemas.openxmlformats.org/officeDocument/2006/math" xmlns="" val="1"/>
+                <ma14:wrappingTextBoxFlag xmlns="" xmlns:m="http://schemas.openxmlformats.org/officeDocument/2006/math" xmlns:a14="http://schemas.microsoft.com/office/drawing/2010/main" xmlns:ma14="http://schemas.microsoft.com/office/mac/drawingml/2011/main" val="1"/>
               </a:ext>
             </a:extLst>
           </p:spPr>
@@ -14654,7 +15145,7 @@
           </a:ln>
           <a:extLst>
             <a:ext uri="{C572A759-6A51-4108-AA02-DFA0A04FC94B}">
-              <ma14:wrappingTextBoxFlag xmlns:ma14="http://schemas.microsoft.com/office/mac/drawingml/2011/main" xmlns:a14="http://schemas.microsoft.com/office/drawing/2010/main" xmlns:m="http://schemas.openxmlformats.org/officeDocument/2006/math" xmlns="" val="1"/>
+              <ma14:wrappingTextBoxFlag xmlns="" xmlns:m="http://schemas.openxmlformats.org/officeDocument/2006/math" xmlns:a14="http://schemas.microsoft.com/office/drawing/2010/main" xmlns:ma14="http://schemas.microsoft.com/office/mac/drawingml/2011/main" val="1"/>
             </a:ext>
           </a:extLst>
         </p:spPr>
@@ -14727,7 +15218,7 @@
           </a:ln>
           <a:extLst>
             <a:ext uri="{C572A759-6A51-4108-AA02-DFA0A04FC94B}">
-              <ma14:wrappingTextBoxFlag xmlns:ma14="http://schemas.microsoft.com/office/mac/drawingml/2011/main" xmlns:a14="http://schemas.microsoft.com/office/drawing/2010/main" xmlns:m="http://schemas.openxmlformats.org/officeDocument/2006/math" xmlns="" val="1"/>
+              <ma14:wrappingTextBoxFlag xmlns="" xmlns:m="http://schemas.openxmlformats.org/officeDocument/2006/math" xmlns:a14="http://schemas.microsoft.com/office/drawing/2010/main" xmlns:ma14="http://schemas.microsoft.com/office/mac/drawingml/2011/main" val="1"/>
             </a:ext>
           </a:extLst>
         </p:spPr>
@@ -14761,7 +15252,7 @@
 </p:sld>
 </file>
 
-<file path=ppt/slides/slide32.xml><?xml version="1.0" encoding="utf-8"?>
+<file path=ppt/slides/slide34.xml><?xml version="1.0" encoding="utf-8"?>
 <p:sld xmlns:a="http://schemas.openxmlformats.org/drawingml/2006/main" xmlns:r="http://schemas.openxmlformats.org/officeDocument/2006/relationships" xmlns:p="http://schemas.openxmlformats.org/presentationml/2006/main">
   <p:cSld>
     <p:spTree>
@@ -14814,7 +15305,7 @@
         <p:spPr>
           <a:xfrm>
             <a:off x="3506664" y="649803"/>
-            <a:ext cx="5008645" cy="6740307"/>
+            <a:ext cx="5008645" cy="6001643"/>
           </a:xfrm>
           <a:prstGeom prst="rect">
             <a:avLst/>
@@ -14824,7 +15315,7 @@
           </a:ln>
           <a:extLst>
             <a:ext uri="{C572A759-6A51-4108-AA02-DFA0A04FC94B}">
-              <ma14:wrappingTextBoxFlag xmlns:ma14="http://schemas.microsoft.com/office/mac/drawingml/2011/main" xmlns:a14="http://schemas.microsoft.com/office/drawing/2010/main" xmlns:m="http://schemas.openxmlformats.org/officeDocument/2006/math" xmlns="" val="1"/>
+              <ma14:wrappingTextBoxFlag xmlns="" xmlns:m="http://schemas.openxmlformats.org/officeDocument/2006/math" xmlns:a14="http://schemas.microsoft.com/office/drawing/2010/main" xmlns:ma14="http://schemas.microsoft.com/office/mac/drawingml/2011/main" val="1"/>
             </a:ext>
           </a:extLst>
         </p:spPr>
@@ -14986,18 +15477,6 @@
               <a:rPr lang="en-IN" sz="2400" dirty="0"/>
               <a:t>f();</a:t>
             </a:r>
-          </a:p>
-          <a:p>
-            <a:pPr>
-              <a:defRPr sz="4400"/>
-            </a:pPr>
-            <a:endParaRPr lang="en-IN" sz="2400" dirty="0"/>
-          </a:p>
-          <a:p>
-            <a:pPr>
-              <a:defRPr sz="4400"/>
-            </a:pPr>
-            <a:endParaRPr lang="en-IN" sz="2400" dirty="0"/>
           </a:p>
         </p:txBody>
       </p:sp>
@@ -15020,7 +15499,7 @@
           </a:ln>
           <a:extLst>
             <a:ext uri="{C572A759-6A51-4108-AA02-DFA0A04FC94B}">
-              <ma14:wrappingTextBoxFlag xmlns:ma14="http://schemas.microsoft.com/office/mac/drawingml/2011/main" xmlns:a14="http://schemas.microsoft.com/office/drawing/2010/main" xmlns:m="http://schemas.openxmlformats.org/officeDocument/2006/math" xmlns="" val="1"/>
+              <ma14:wrappingTextBoxFlag xmlns="" xmlns:m="http://schemas.openxmlformats.org/officeDocument/2006/math" xmlns:a14="http://schemas.microsoft.com/office/drawing/2010/main" xmlns:ma14="http://schemas.microsoft.com/office/mac/drawingml/2011/main" val="1"/>
             </a:ext>
           </a:extLst>
         </p:spPr>
@@ -15139,7 +15618,7 @@
 </p:sld>
 </file>
 
-<file path=ppt/slides/slide33.xml><?xml version="1.0" encoding="utf-8"?>
+<file path=ppt/slides/slide35.xml><?xml version="1.0" encoding="utf-8"?>
 <p:sld xmlns:a="http://schemas.openxmlformats.org/drawingml/2006/main" xmlns:r="http://schemas.openxmlformats.org/officeDocument/2006/relationships" xmlns:p="http://schemas.openxmlformats.org/presentationml/2006/main">
   <p:cSld>
     <p:spTree>
@@ -15202,7 +15681,7 @@
           </a:ln>
           <a:extLst>
             <a:ext uri="{C572A759-6A51-4108-AA02-DFA0A04FC94B}">
-              <ma14:wrappingTextBoxFlag xmlns:ma14="http://schemas.microsoft.com/office/mac/drawingml/2011/main" xmlns:a14="http://schemas.microsoft.com/office/drawing/2010/main" xmlns:m="http://schemas.openxmlformats.org/officeDocument/2006/math" xmlns="" val="1"/>
+              <ma14:wrappingTextBoxFlag xmlns="" xmlns:m="http://schemas.openxmlformats.org/officeDocument/2006/math" xmlns:a14="http://schemas.microsoft.com/office/drawing/2010/main" xmlns:ma14="http://schemas.microsoft.com/office/mac/drawingml/2011/main" val="1"/>
             </a:ext>
           </a:extLst>
         </p:spPr>
@@ -15306,7 +15785,7 @@
           </a:ln>
           <a:extLst>
             <a:ext uri="{C572A759-6A51-4108-AA02-DFA0A04FC94B}">
-              <ma14:wrappingTextBoxFlag xmlns:ma14="http://schemas.microsoft.com/office/mac/drawingml/2011/main" xmlns:a14="http://schemas.microsoft.com/office/drawing/2010/main" xmlns:m="http://schemas.openxmlformats.org/officeDocument/2006/math" xmlns="" val="1"/>
+              <ma14:wrappingTextBoxFlag xmlns="" xmlns:m="http://schemas.openxmlformats.org/officeDocument/2006/math" xmlns:a14="http://schemas.microsoft.com/office/drawing/2010/main" xmlns:ma14="http://schemas.microsoft.com/office/mac/drawingml/2011/main" val="1"/>
             </a:ext>
           </a:extLst>
         </p:spPr>
@@ -15587,7 +16066,7 @@
 </p:sld>
 </file>
 
-<file path=ppt/slides/slide34.xml><?xml version="1.0" encoding="utf-8"?>
+<file path=ppt/slides/slide36.xml><?xml version="1.0" encoding="utf-8"?>
 <p:sld xmlns:a="http://schemas.openxmlformats.org/drawingml/2006/main" xmlns:r="http://schemas.openxmlformats.org/officeDocument/2006/relationships" xmlns:p="http://schemas.openxmlformats.org/presentationml/2006/main">
   <p:cSld>
     <p:spTree>
@@ -15650,7 +16129,7 @@
           </a:ln>
           <a:extLst>
             <a:ext uri="{C572A759-6A51-4108-AA02-DFA0A04FC94B}">
-              <ma14:wrappingTextBoxFlag xmlns:ma14="http://schemas.microsoft.com/office/mac/drawingml/2011/main" xmlns:a14="http://schemas.microsoft.com/office/drawing/2010/main" xmlns:m="http://schemas.openxmlformats.org/officeDocument/2006/math" xmlns="" val="1"/>
+              <ma14:wrappingTextBoxFlag xmlns="" xmlns:m="http://schemas.openxmlformats.org/officeDocument/2006/math" xmlns:a14="http://schemas.microsoft.com/office/drawing/2010/main" xmlns:ma14="http://schemas.microsoft.com/office/mac/drawingml/2011/main" val="1"/>
             </a:ext>
           </a:extLst>
         </p:spPr>
@@ -15728,7 +16207,7 @@
           </a:ln>
           <a:extLst>
             <a:ext uri="{C572A759-6A51-4108-AA02-DFA0A04FC94B}">
-              <ma14:wrappingTextBoxFlag xmlns:ma14="http://schemas.microsoft.com/office/mac/drawingml/2011/main" xmlns:a14="http://schemas.microsoft.com/office/drawing/2010/main" xmlns:m="http://schemas.openxmlformats.org/officeDocument/2006/math" xmlns="" val="1"/>
+              <ma14:wrappingTextBoxFlag xmlns="" xmlns:m="http://schemas.openxmlformats.org/officeDocument/2006/math" xmlns:a14="http://schemas.microsoft.com/office/drawing/2010/main" xmlns:ma14="http://schemas.microsoft.com/office/mac/drawingml/2011/main" val="1"/>
             </a:ext>
           </a:extLst>
         </p:spPr>
@@ -15796,7 +16275,7 @@
           </a:ln>
           <a:extLst>
             <a:ext uri="{C572A759-6A51-4108-AA02-DFA0A04FC94B}">
-              <ma14:wrappingTextBoxFlag xmlns:ma14="http://schemas.microsoft.com/office/mac/drawingml/2011/main" xmlns:a14="http://schemas.microsoft.com/office/drawing/2010/main" xmlns:m="http://schemas.openxmlformats.org/officeDocument/2006/math" xmlns="" val="1"/>
+              <ma14:wrappingTextBoxFlag xmlns="" xmlns:m="http://schemas.openxmlformats.org/officeDocument/2006/math" xmlns:a14="http://schemas.microsoft.com/office/drawing/2010/main" xmlns:ma14="http://schemas.microsoft.com/office/mac/drawingml/2011/main" val="1"/>
             </a:ext>
           </a:extLst>
         </p:spPr>
@@ -15843,7 +16322,7 @@
           </a:ln>
           <a:extLst>
             <a:ext uri="{C572A759-6A51-4108-AA02-DFA0A04FC94B}">
-              <ma14:wrappingTextBoxFlag xmlns:ma14="http://schemas.microsoft.com/office/mac/drawingml/2011/main" xmlns:a14="http://schemas.microsoft.com/office/drawing/2010/main" xmlns:m="http://schemas.openxmlformats.org/officeDocument/2006/math" xmlns="" val="1"/>
+              <ma14:wrappingTextBoxFlag xmlns="" xmlns:m="http://schemas.openxmlformats.org/officeDocument/2006/math" xmlns:a14="http://schemas.microsoft.com/office/drawing/2010/main" xmlns:ma14="http://schemas.microsoft.com/office/mac/drawingml/2011/main" val="1"/>
             </a:ext>
           </a:extLst>
         </p:spPr>
@@ -16183,7 +16662,7 @@
 </p:sld>
 </file>
 
-<file path=ppt/slides/slide35.xml><?xml version="1.0" encoding="utf-8"?>
+<file path=ppt/slides/slide37.xml><?xml version="1.0" encoding="utf-8"?>
 <p:sld xmlns:a="http://schemas.openxmlformats.org/drawingml/2006/main" xmlns:r="http://schemas.openxmlformats.org/officeDocument/2006/relationships" xmlns:p="http://schemas.openxmlformats.org/presentationml/2006/main">
   <p:cSld>
     <p:spTree>
@@ -16377,7 +16856,7 @@
           </a:ln>
           <a:extLst>
             <a:ext uri="{C572A759-6A51-4108-AA02-DFA0A04FC94B}">
-              <ma14:wrappingTextBoxFlag xmlns:ma14="http://schemas.microsoft.com/office/mac/drawingml/2011/main" xmlns:a14="http://schemas.microsoft.com/office/drawing/2010/main" xmlns:m="http://schemas.openxmlformats.org/officeDocument/2006/math" xmlns="" val="1"/>
+              <ma14:wrappingTextBoxFlag xmlns="" xmlns:m="http://schemas.openxmlformats.org/officeDocument/2006/math" xmlns:a14="http://schemas.microsoft.com/office/drawing/2010/main" xmlns:ma14="http://schemas.microsoft.com/office/mac/drawingml/2011/main" val="1"/>
             </a:ext>
           </a:extLst>
         </p:spPr>
@@ -16431,7 +16910,7 @@
           </a:ln>
           <a:extLst>
             <a:ext uri="{C572A759-6A51-4108-AA02-DFA0A04FC94B}">
-              <ma14:wrappingTextBoxFlag xmlns:ma14="http://schemas.microsoft.com/office/mac/drawingml/2011/main" xmlns:a14="http://schemas.microsoft.com/office/drawing/2010/main" xmlns:m="http://schemas.openxmlformats.org/officeDocument/2006/math" xmlns="" val="1"/>
+              <ma14:wrappingTextBoxFlag xmlns="" xmlns:m="http://schemas.openxmlformats.org/officeDocument/2006/math" xmlns:a14="http://schemas.microsoft.com/office/drawing/2010/main" xmlns:ma14="http://schemas.microsoft.com/office/mac/drawingml/2011/main" val="1"/>
             </a:ext>
           </a:extLst>
         </p:spPr>
@@ -16545,7 +17024,7 @@
           </a:ln>
           <a:extLst>
             <a:ext uri="{C572A759-6A51-4108-AA02-DFA0A04FC94B}">
-              <ma14:wrappingTextBoxFlag xmlns:ma14="http://schemas.microsoft.com/office/mac/drawingml/2011/main" xmlns:a14="http://schemas.microsoft.com/office/drawing/2010/main" xmlns:m="http://schemas.openxmlformats.org/officeDocument/2006/math" xmlns="" val="1"/>
+              <ma14:wrappingTextBoxFlag xmlns="" xmlns:m="http://schemas.openxmlformats.org/officeDocument/2006/math" xmlns:a14="http://schemas.microsoft.com/office/drawing/2010/main" xmlns:ma14="http://schemas.microsoft.com/office/mac/drawingml/2011/main" val="1"/>
             </a:ext>
           </a:extLst>
         </p:spPr>
@@ -16966,7 +17445,7 @@
 </p:sld>
 </file>
 
-<file path=ppt/slides/slide36.xml><?xml version="1.0" encoding="utf-8"?>
+<file path=ppt/slides/slide38.xml><?xml version="1.0" encoding="utf-8"?>
 <p:sld xmlns:a="http://schemas.openxmlformats.org/drawingml/2006/main" xmlns:r="http://schemas.openxmlformats.org/officeDocument/2006/relationships" xmlns:p="http://schemas.openxmlformats.org/presentationml/2006/main">
   <p:cSld>
     <p:spTree>
@@ -17029,7 +17508,7 @@
           </a:ln>
           <a:extLst>
             <a:ext uri="{C572A759-6A51-4108-AA02-DFA0A04FC94B}">
-              <ma14:wrappingTextBoxFlag xmlns:ma14="http://schemas.microsoft.com/office/mac/drawingml/2011/main" xmlns:a14="http://schemas.microsoft.com/office/drawing/2010/main" xmlns:m="http://schemas.openxmlformats.org/officeDocument/2006/math" xmlns="" val="1"/>
+              <ma14:wrappingTextBoxFlag xmlns="" xmlns:m="http://schemas.openxmlformats.org/officeDocument/2006/math" xmlns:a14="http://schemas.microsoft.com/office/drawing/2010/main" xmlns:ma14="http://schemas.microsoft.com/office/mac/drawingml/2011/main" val="1"/>
             </a:ext>
           </a:extLst>
         </p:spPr>
@@ -17107,7 +17586,7 @@
           </a:ln>
           <a:extLst>
             <a:ext uri="{C572A759-6A51-4108-AA02-DFA0A04FC94B}">
-              <ma14:wrappingTextBoxFlag xmlns:ma14="http://schemas.microsoft.com/office/mac/drawingml/2011/main" xmlns:a14="http://schemas.microsoft.com/office/drawing/2010/main" xmlns:m="http://schemas.openxmlformats.org/officeDocument/2006/math" xmlns="" val="1"/>
+              <ma14:wrappingTextBoxFlag xmlns="" xmlns:m="http://schemas.openxmlformats.org/officeDocument/2006/math" xmlns:a14="http://schemas.microsoft.com/office/drawing/2010/main" xmlns:ma14="http://schemas.microsoft.com/office/mac/drawingml/2011/main" val="1"/>
             </a:ext>
           </a:extLst>
         </p:spPr>
@@ -17180,7 +17659,7 @@
           </a:ln>
           <a:extLst>
             <a:ext uri="{C572A759-6A51-4108-AA02-DFA0A04FC94B}">
-              <ma14:wrappingTextBoxFlag xmlns:ma14="http://schemas.microsoft.com/office/mac/drawingml/2011/main" xmlns:a14="http://schemas.microsoft.com/office/drawing/2010/main" xmlns:m="http://schemas.openxmlformats.org/officeDocument/2006/math" xmlns="" val="1"/>
+              <ma14:wrappingTextBoxFlag xmlns="" xmlns:m="http://schemas.openxmlformats.org/officeDocument/2006/math" xmlns:a14="http://schemas.microsoft.com/office/drawing/2010/main" xmlns:ma14="http://schemas.microsoft.com/office/mac/drawingml/2011/main" val="1"/>
             </a:ext>
           </a:extLst>
         </p:spPr>
@@ -17249,7 +17728,7 @@
           </a:ln>
           <a:extLst>
             <a:ext uri="{C572A759-6A51-4108-AA02-DFA0A04FC94B}">
-              <ma14:wrappingTextBoxFlag xmlns:ma14="http://schemas.microsoft.com/office/mac/drawingml/2011/main" xmlns:a14="http://schemas.microsoft.com/office/drawing/2010/main" xmlns:m="http://schemas.openxmlformats.org/officeDocument/2006/math" xmlns="" val="1"/>
+              <ma14:wrappingTextBoxFlag xmlns="" xmlns:m="http://schemas.openxmlformats.org/officeDocument/2006/math" xmlns:a14="http://schemas.microsoft.com/office/drawing/2010/main" xmlns:ma14="http://schemas.microsoft.com/office/mac/drawingml/2011/main" val="1"/>
             </a:ext>
           </a:extLst>
         </p:spPr>
@@ -17293,7 +17772,7 @@
           </a:ln>
           <a:extLst>
             <a:ext uri="{C572A759-6A51-4108-AA02-DFA0A04FC94B}">
-              <ma14:wrappingTextBoxFlag xmlns:ma14="http://schemas.microsoft.com/office/mac/drawingml/2011/main" xmlns:a14="http://schemas.microsoft.com/office/drawing/2010/main" xmlns:m="http://schemas.openxmlformats.org/officeDocument/2006/math" xmlns="" val="1"/>
+              <ma14:wrappingTextBoxFlag xmlns="" xmlns:m="http://schemas.openxmlformats.org/officeDocument/2006/math" xmlns:a14="http://schemas.microsoft.com/office/drawing/2010/main" xmlns:ma14="http://schemas.microsoft.com/office/mac/drawingml/2011/main" val="1"/>
             </a:ext>
           </a:extLst>
         </p:spPr>
@@ -17542,7 +18021,7 @@
 </p:sld>
 </file>
 
-<file path=ppt/slides/slide37.xml><?xml version="1.0" encoding="utf-8"?>
+<file path=ppt/slides/slide39.xml><?xml version="1.0" encoding="utf-8"?>
 <p:sld xmlns:a="http://schemas.openxmlformats.org/drawingml/2006/main" xmlns:r="http://schemas.openxmlformats.org/officeDocument/2006/relationships" xmlns:p="http://schemas.openxmlformats.org/presentationml/2006/main">
   <p:cSld>
     <p:spTree>
@@ -17669,7 +18148,7 @@
           </a:ln>
           <a:extLst>
             <a:ext uri="{C572A759-6A51-4108-AA02-DFA0A04FC94B}">
-              <ma14:wrappingTextBoxFlag xmlns:ma14="http://schemas.microsoft.com/office/mac/drawingml/2011/main" xmlns:a14="http://schemas.microsoft.com/office/drawing/2010/main" xmlns:m="http://schemas.openxmlformats.org/officeDocument/2006/math" xmlns="" val="1"/>
+              <ma14:wrappingTextBoxFlag xmlns="" xmlns:m="http://schemas.openxmlformats.org/officeDocument/2006/math" xmlns:a14="http://schemas.microsoft.com/office/drawing/2010/main" xmlns:ma14="http://schemas.microsoft.com/office/mac/drawingml/2011/main" val="1"/>
             </a:ext>
           </a:extLst>
         </p:spPr>
@@ -17731,7 +18210,7 @@
           </a:ln>
           <a:extLst>
             <a:ext uri="{C572A759-6A51-4108-AA02-DFA0A04FC94B}">
-              <ma14:wrappingTextBoxFlag xmlns:ma14="http://schemas.microsoft.com/office/mac/drawingml/2011/main" xmlns:a14="http://schemas.microsoft.com/office/drawing/2010/main" xmlns:m="http://schemas.openxmlformats.org/officeDocument/2006/math" xmlns="" val="1"/>
+              <ma14:wrappingTextBoxFlag xmlns="" xmlns:m="http://schemas.openxmlformats.org/officeDocument/2006/math" xmlns:a14="http://schemas.microsoft.com/office/drawing/2010/main" xmlns:ma14="http://schemas.microsoft.com/office/mac/drawingml/2011/main" val="1"/>
             </a:ext>
           </a:extLst>
         </p:spPr>
@@ -18055,7 +18534,235 @@
 </p:sld>
 </file>
 
-<file path=ppt/slides/slide38.xml><?xml version="1.0" encoding="utf-8"?>
+<file path=ppt/slides/slide4.xml><?xml version="1.0" encoding="utf-8"?>
+<p:sld xmlns:a="http://schemas.openxmlformats.org/drawingml/2006/main" xmlns:r="http://schemas.openxmlformats.org/officeDocument/2006/relationships" xmlns:p="http://schemas.openxmlformats.org/presentationml/2006/main">
+  <p:cSld>
+    <p:spTree>
+      <p:nvGrpSpPr>
+        <p:cNvPr id="1" name=""/>
+        <p:cNvGrpSpPr/>
+        <p:nvPr/>
+      </p:nvGrpSpPr>
+      <p:grpSpPr>
+        <a:xfrm>
+          <a:off x="0" y="0"/>
+          <a:ext cx="0" cy="0"/>
+          <a:chOff x="0" y="0"/>
+          <a:chExt cx="0" cy="0"/>
+        </a:xfrm>
+      </p:grpSpPr>
+      <p:pic>
+        <p:nvPicPr>
+          <p:cNvPr id="116" name="Google Shape;54;p13" descr="Google Shape;54;p13"/>
+          <p:cNvPicPr>
+            <a:picLocks noChangeAspect="1"/>
+          </p:cNvPicPr>
+          <p:nvPr/>
+        </p:nvPicPr>
+        <p:blipFill>
+          <a:blip r:embed="rId2"/>
+          <a:stretch>
+            <a:fillRect/>
+          </a:stretch>
+        </p:blipFill>
+        <p:spPr>
+          <a:xfrm>
+            <a:off x="0" y="0"/>
+            <a:ext cx="12191997" cy="6858000"/>
+          </a:xfrm>
+          <a:prstGeom prst="rect">
+            <a:avLst/>
+          </a:prstGeom>
+          <a:ln w="12700">
+            <a:miter lim="400000"/>
+          </a:ln>
+        </p:spPr>
+      </p:pic>
+      <p:sp>
+        <p:nvSpPr>
+          <p:cNvPr id="117" name="Title 1"/>
+          <p:cNvSpPr txBox="1">
+            <a:spLocks noGrp="1"/>
+          </p:cNvSpPr>
+          <p:nvPr>
+            <p:ph type="title"/>
+          </p:nvPr>
+        </p:nvSpPr>
+        <p:spPr>
+          <a:prstGeom prst="rect">
+            <a:avLst/>
+          </a:prstGeom>
+        </p:spPr>
+        <p:txBody>
+          <a:bodyPr/>
+          <a:lstStyle/>
+          <a:p>
+            <a:r>
+              <a:t>Recap</a:t>
+            </a:r>
+          </a:p>
+        </p:txBody>
+      </p:sp>
+      <p:sp>
+        <p:nvSpPr>
+          <p:cNvPr id="118" name="Content Placeholder 2"/>
+          <p:cNvSpPr txBox="1">
+            <a:spLocks noGrp="1"/>
+          </p:cNvSpPr>
+          <p:nvPr>
+            <p:ph type="body" idx="1"/>
+          </p:nvPr>
+        </p:nvSpPr>
+        <p:spPr>
+          <a:prstGeom prst="rect">
+            <a:avLst/>
+          </a:prstGeom>
+        </p:spPr>
+        <p:txBody>
+          <a:bodyPr/>
+          <a:lstStyle/>
+          <a:p>
+            <a:pPr marL="0" indent="0">
+              <a:lnSpc>
+                <a:spcPct val="72000"/>
+              </a:lnSpc>
+              <a:buSzTx/>
+              <a:buNone/>
+              <a:defRPr sz="2500"/>
+            </a:pPr>
+            <a:r>
+              <a:t>var m1 = 10;</a:t>
+            </a:r>
+          </a:p>
+          <a:p>
+            <a:pPr marL="0" indent="0">
+              <a:lnSpc>
+                <a:spcPct val="72000"/>
+              </a:lnSpc>
+              <a:buSzTx/>
+              <a:buNone/>
+              <a:defRPr sz="2500"/>
+            </a:pPr>
+            <a:r>
+              <a:t>var m2 = 10;</a:t>
+            </a:r>
+          </a:p>
+          <a:p>
+            <a:pPr marL="0" indent="0">
+              <a:lnSpc>
+                <a:spcPct val="72000"/>
+              </a:lnSpc>
+              <a:buSzTx/>
+              <a:buNone/>
+              <a:defRPr sz="2500"/>
+            </a:pPr>
+            <a:r>
+              <a:t>If(m1==m1)</a:t>
+            </a:r>
+          </a:p>
+          <a:p>
+            <a:pPr marL="0" indent="0">
+              <a:lnSpc>
+                <a:spcPct val="72000"/>
+              </a:lnSpc>
+              <a:buSzTx/>
+              <a:buNone/>
+              <a:defRPr sz="2500"/>
+            </a:pPr>
+            <a:r>
+              <a:t>{</a:t>
+            </a:r>
+          </a:p>
+          <a:p>
+            <a:pPr marL="0" indent="0">
+              <a:lnSpc>
+                <a:spcPct val="72000"/>
+              </a:lnSpc>
+              <a:buSzTx/>
+              <a:buNone/>
+              <a:defRPr sz="2500"/>
+            </a:pPr>
+            <a:r>
+              <a:t>console.log(“Equal”);</a:t>
+            </a:r>
+          </a:p>
+          <a:p>
+            <a:pPr marL="0" indent="0">
+              <a:lnSpc>
+                <a:spcPct val="72000"/>
+              </a:lnSpc>
+              <a:buSzTx/>
+              <a:buNone/>
+              <a:defRPr sz="2500"/>
+            </a:pPr>
+            <a:r>
+              <a:t>};</a:t>
+            </a:r>
+          </a:p>
+          <a:p>
+            <a:pPr marL="0" indent="0">
+              <a:lnSpc>
+                <a:spcPct val="72000"/>
+              </a:lnSpc>
+              <a:buSzTx/>
+              <a:buNone/>
+              <a:defRPr sz="2500"/>
+            </a:pPr>
+            <a:r>
+              <a:t>else</a:t>
+            </a:r>
+          </a:p>
+          <a:p>
+            <a:pPr marL="0" indent="0">
+              <a:lnSpc>
+                <a:spcPct val="72000"/>
+              </a:lnSpc>
+              <a:buSzTx/>
+              <a:buNone/>
+              <a:defRPr sz="2500"/>
+            </a:pPr>
+            <a:r>
+              <a:t>{</a:t>
+            </a:r>
+          </a:p>
+          <a:p>
+            <a:pPr marL="0" indent="0">
+              <a:lnSpc>
+                <a:spcPct val="72000"/>
+              </a:lnSpc>
+              <a:buSzTx/>
+              <a:buNone/>
+              <a:defRPr sz="2500"/>
+            </a:pPr>
+            <a:r>
+              <a:t>console.log(“Not Equal”);</a:t>
+            </a:r>
+          </a:p>
+          <a:p>
+            <a:pPr marL="0" indent="0">
+              <a:lnSpc>
+                <a:spcPct val="72000"/>
+              </a:lnSpc>
+              <a:buSzTx/>
+              <a:buNone/>
+              <a:defRPr sz="2500"/>
+            </a:pPr>
+            <a:r>
+              <a:t>};</a:t>
+            </a:r>
+          </a:p>
+        </p:txBody>
+      </p:sp>
+    </p:spTree>
+  </p:cSld>
+  <p:clrMapOvr>
+    <a:masterClrMapping/>
+  </p:clrMapOvr>
+  <p:transition spd="med"/>
+</p:sld>
+</file>
+
+<file path=ppt/slides/slide40.xml><?xml version="1.0" encoding="utf-8"?>
 <p:sld xmlns:a="http://schemas.openxmlformats.org/drawingml/2006/main" xmlns:r="http://schemas.openxmlformats.org/officeDocument/2006/relationships" xmlns:p="http://schemas.openxmlformats.org/presentationml/2006/main">
   <p:cSld>
     <p:spTree>
@@ -18215,7 +18922,7 @@
           </a:ln>
           <a:extLst>
             <a:ext uri="{C572A759-6A51-4108-AA02-DFA0A04FC94B}">
-              <ma14:wrappingTextBoxFlag xmlns:ma14="http://schemas.microsoft.com/office/mac/drawingml/2011/main" xmlns:a14="http://schemas.microsoft.com/office/drawing/2010/main" xmlns:m="http://schemas.openxmlformats.org/officeDocument/2006/math" xmlns="" val="1"/>
+              <ma14:wrappingTextBoxFlag xmlns="" xmlns:m="http://schemas.openxmlformats.org/officeDocument/2006/math" xmlns:a14="http://schemas.microsoft.com/office/drawing/2010/main" xmlns:ma14="http://schemas.microsoft.com/office/mac/drawingml/2011/main" val="1"/>
             </a:ext>
           </a:extLst>
         </p:spPr>
@@ -18281,7 +18988,7 @@
           </a:ln>
           <a:extLst>
             <a:ext uri="{C572A759-6A51-4108-AA02-DFA0A04FC94B}">
-              <ma14:wrappingTextBoxFlag xmlns:ma14="http://schemas.microsoft.com/office/mac/drawingml/2011/main" xmlns:a14="http://schemas.microsoft.com/office/drawing/2010/main" xmlns:m="http://schemas.openxmlformats.org/officeDocument/2006/math" xmlns="" val="1"/>
+              <ma14:wrappingTextBoxFlag xmlns="" xmlns:m="http://schemas.openxmlformats.org/officeDocument/2006/math" xmlns:a14="http://schemas.microsoft.com/office/drawing/2010/main" xmlns:ma14="http://schemas.microsoft.com/office/mac/drawingml/2011/main" val="1"/>
             </a:ext>
           </a:extLst>
         </p:spPr>
@@ -18548,7 +19255,7 @@
 </p:sld>
 </file>
 
-<file path=ppt/slides/slide39.xml><?xml version="1.0" encoding="utf-8"?>
+<file path=ppt/slides/slide41.xml><?xml version="1.0" encoding="utf-8"?>
 <p:sld xmlns:a="http://schemas.openxmlformats.org/drawingml/2006/main" xmlns:r="http://schemas.openxmlformats.org/officeDocument/2006/relationships" xmlns:p="http://schemas.openxmlformats.org/presentationml/2006/main">
   <p:cSld>
     <p:spTree>
@@ -18700,7 +19407,7 @@
             <a:effectLst/>
             <a:extLst>
               <a:ext uri="{C572A759-6A51-4108-AA02-DFA0A04FC94B}">
-                <ma14:wrappingTextBoxFlag xmlns:ma14="http://schemas.microsoft.com/office/mac/drawingml/2011/main" xmlns:a14="http://schemas.microsoft.com/office/drawing/2010/main" xmlns:m="http://schemas.openxmlformats.org/officeDocument/2006/math" xmlns="" val="1"/>
+                <ma14:wrappingTextBoxFlag xmlns="" xmlns:m="http://schemas.openxmlformats.org/officeDocument/2006/math" xmlns:a14="http://schemas.microsoft.com/office/drawing/2010/main" xmlns:ma14="http://schemas.microsoft.com/office/mac/drawingml/2011/main" val="1"/>
               </a:ext>
             </a:extLst>
           </p:spPr>
@@ -18779,7 +19486,7 @@
           </a:ln>
           <a:extLst>
             <a:ext uri="{C572A759-6A51-4108-AA02-DFA0A04FC94B}">
-              <ma14:wrappingTextBoxFlag xmlns:ma14="http://schemas.microsoft.com/office/mac/drawingml/2011/main" xmlns:a14="http://schemas.microsoft.com/office/drawing/2010/main" xmlns:m="http://schemas.openxmlformats.org/officeDocument/2006/math" xmlns="" val="1"/>
+              <ma14:wrappingTextBoxFlag xmlns="" xmlns:m="http://schemas.openxmlformats.org/officeDocument/2006/math" xmlns:a14="http://schemas.microsoft.com/office/drawing/2010/main" xmlns:ma14="http://schemas.microsoft.com/office/mac/drawingml/2011/main" val="1"/>
             </a:ext>
           </a:extLst>
         </p:spPr>
@@ -18852,7 +19559,7 @@
           </a:ln>
           <a:extLst>
             <a:ext uri="{C572A759-6A51-4108-AA02-DFA0A04FC94B}">
-              <ma14:wrappingTextBoxFlag xmlns:ma14="http://schemas.microsoft.com/office/mac/drawingml/2011/main" xmlns:a14="http://schemas.microsoft.com/office/drawing/2010/main" xmlns:m="http://schemas.openxmlformats.org/officeDocument/2006/math" xmlns="" val="1"/>
+              <ma14:wrappingTextBoxFlag xmlns="" xmlns:m="http://schemas.openxmlformats.org/officeDocument/2006/math" xmlns:a14="http://schemas.microsoft.com/office/drawing/2010/main" xmlns:ma14="http://schemas.microsoft.com/office/mac/drawingml/2011/main" val="1"/>
             </a:ext>
           </a:extLst>
         </p:spPr>
@@ -18886,235 +19593,7 @@
 </p:sld>
 </file>
 
-<file path=ppt/slides/slide4.xml><?xml version="1.0" encoding="utf-8"?>
-<p:sld xmlns:a="http://schemas.openxmlformats.org/drawingml/2006/main" xmlns:r="http://schemas.openxmlformats.org/officeDocument/2006/relationships" xmlns:p="http://schemas.openxmlformats.org/presentationml/2006/main">
-  <p:cSld>
-    <p:spTree>
-      <p:nvGrpSpPr>
-        <p:cNvPr id="1" name=""/>
-        <p:cNvGrpSpPr/>
-        <p:nvPr/>
-      </p:nvGrpSpPr>
-      <p:grpSpPr>
-        <a:xfrm>
-          <a:off x="0" y="0"/>
-          <a:ext cx="0" cy="0"/>
-          <a:chOff x="0" y="0"/>
-          <a:chExt cx="0" cy="0"/>
-        </a:xfrm>
-      </p:grpSpPr>
-      <p:pic>
-        <p:nvPicPr>
-          <p:cNvPr id="116" name="Google Shape;54;p13" descr="Google Shape;54;p13"/>
-          <p:cNvPicPr>
-            <a:picLocks noChangeAspect="1"/>
-          </p:cNvPicPr>
-          <p:nvPr/>
-        </p:nvPicPr>
-        <p:blipFill>
-          <a:blip r:embed="rId2"/>
-          <a:stretch>
-            <a:fillRect/>
-          </a:stretch>
-        </p:blipFill>
-        <p:spPr>
-          <a:xfrm>
-            <a:off x="0" y="0"/>
-            <a:ext cx="12191997" cy="6858000"/>
-          </a:xfrm>
-          <a:prstGeom prst="rect">
-            <a:avLst/>
-          </a:prstGeom>
-          <a:ln w="12700">
-            <a:miter lim="400000"/>
-          </a:ln>
-        </p:spPr>
-      </p:pic>
-      <p:sp>
-        <p:nvSpPr>
-          <p:cNvPr id="117" name="Title 1"/>
-          <p:cNvSpPr txBox="1">
-            <a:spLocks noGrp="1"/>
-          </p:cNvSpPr>
-          <p:nvPr>
-            <p:ph type="title"/>
-          </p:nvPr>
-        </p:nvSpPr>
-        <p:spPr>
-          <a:prstGeom prst="rect">
-            <a:avLst/>
-          </a:prstGeom>
-        </p:spPr>
-        <p:txBody>
-          <a:bodyPr/>
-          <a:lstStyle/>
-          <a:p>
-            <a:r>
-              <a:t>Recap</a:t>
-            </a:r>
-          </a:p>
-        </p:txBody>
-      </p:sp>
-      <p:sp>
-        <p:nvSpPr>
-          <p:cNvPr id="118" name="Content Placeholder 2"/>
-          <p:cNvSpPr txBox="1">
-            <a:spLocks noGrp="1"/>
-          </p:cNvSpPr>
-          <p:nvPr>
-            <p:ph type="body" idx="1"/>
-          </p:nvPr>
-        </p:nvSpPr>
-        <p:spPr>
-          <a:prstGeom prst="rect">
-            <a:avLst/>
-          </a:prstGeom>
-        </p:spPr>
-        <p:txBody>
-          <a:bodyPr/>
-          <a:lstStyle/>
-          <a:p>
-            <a:pPr marL="0" indent="0">
-              <a:lnSpc>
-                <a:spcPct val="72000"/>
-              </a:lnSpc>
-              <a:buSzTx/>
-              <a:buNone/>
-              <a:defRPr sz="2500"/>
-            </a:pPr>
-            <a:r>
-              <a:t>var m1 = 10;</a:t>
-            </a:r>
-          </a:p>
-          <a:p>
-            <a:pPr marL="0" indent="0">
-              <a:lnSpc>
-                <a:spcPct val="72000"/>
-              </a:lnSpc>
-              <a:buSzTx/>
-              <a:buNone/>
-              <a:defRPr sz="2500"/>
-            </a:pPr>
-            <a:r>
-              <a:t>var m2 = 10;</a:t>
-            </a:r>
-          </a:p>
-          <a:p>
-            <a:pPr marL="0" indent="0">
-              <a:lnSpc>
-                <a:spcPct val="72000"/>
-              </a:lnSpc>
-              <a:buSzTx/>
-              <a:buNone/>
-              <a:defRPr sz="2500"/>
-            </a:pPr>
-            <a:r>
-              <a:t>If(m1==m1)</a:t>
-            </a:r>
-          </a:p>
-          <a:p>
-            <a:pPr marL="0" indent="0">
-              <a:lnSpc>
-                <a:spcPct val="72000"/>
-              </a:lnSpc>
-              <a:buSzTx/>
-              <a:buNone/>
-              <a:defRPr sz="2500"/>
-            </a:pPr>
-            <a:r>
-              <a:t>{</a:t>
-            </a:r>
-          </a:p>
-          <a:p>
-            <a:pPr marL="0" indent="0">
-              <a:lnSpc>
-                <a:spcPct val="72000"/>
-              </a:lnSpc>
-              <a:buSzTx/>
-              <a:buNone/>
-              <a:defRPr sz="2500"/>
-            </a:pPr>
-            <a:r>
-              <a:t>console.log(“Equal”);</a:t>
-            </a:r>
-          </a:p>
-          <a:p>
-            <a:pPr marL="0" indent="0">
-              <a:lnSpc>
-                <a:spcPct val="72000"/>
-              </a:lnSpc>
-              <a:buSzTx/>
-              <a:buNone/>
-              <a:defRPr sz="2500"/>
-            </a:pPr>
-            <a:r>
-              <a:t>};</a:t>
-            </a:r>
-          </a:p>
-          <a:p>
-            <a:pPr marL="0" indent="0">
-              <a:lnSpc>
-                <a:spcPct val="72000"/>
-              </a:lnSpc>
-              <a:buSzTx/>
-              <a:buNone/>
-              <a:defRPr sz="2500"/>
-            </a:pPr>
-            <a:r>
-              <a:t>else</a:t>
-            </a:r>
-          </a:p>
-          <a:p>
-            <a:pPr marL="0" indent="0">
-              <a:lnSpc>
-                <a:spcPct val="72000"/>
-              </a:lnSpc>
-              <a:buSzTx/>
-              <a:buNone/>
-              <a:defRPr sz="2500"/>
-            </a:pPr>
-            <a:r>
-              <a:t>{</a:t>
-            </a:r>
-          </a:p>
-          <a:p>
-            <a:pPr marL="0" indent="0">
-              <a:lnSpc>
-                <a:spcPct val="72000"/>
-              </a:lnSpc>
-              <a:buSzTx/>
-              <a:buNone/>
-              <a:defRPr sz="2500"/>
-            </a:pPr>
-            <a:r>
-              <a:t>console.log(“Not Equal”);</a:t>
-            </a:r>
-          </a:p>
-          <a:p>
-            <a:pPr marL="0" indent="0">
-              <a:lnSpc>
-                <a:spcPct val="72000"/>
-              </a:lnSpc>
-              <a:buSzTx/>
-              <a:buNone/>
-              <a:defRPr sz="2500"/>
-            </a:pPr>
-            <a:r>
-              <a:t>};</a:t>
-            </a:r>
-          </a:p>
-        </p:txBody>
-      </p:sp>
-    </p:spTree>
-  </p:cSld>
-  <p:clrMapOvr>
-    <a:masterClrMapping/>
-  </p:clrMapOvr>
-  <p:transition spd="med"/>
-</p:sld>
-</file>
-
-<file path=ppt/slides/slide40.xml><?xml version="1.0" encoding="utf-8"?>
+<file path=ppt/slides/slide42.xml><?xml version="1.0" encoding="utf-8"?>
 <p:sld xmlns:a="http://schemas.openxmlformats.org/drawingml/2006/main" xmlns:r="http://schemas.openxmlformats.org/officeDocument/2006/relationships" xmlns:p="http://schemas.openxmlformats.org/presentationml/2006/main">
   <p:cSld>
     <p:spTree>
@@ -19727,7 +20206,7 @@
 </p:sld>
 </file>
 
-<file path=ppt/slides/slide41.xml><?xml version="1.0" encoding="utf-8"?>
+<file path=ppt/slides/slide43.xml><?xml version="1.0" encoding="utf-8"?>
 <p:sld xmlns:a="http://schemas.openxmlformats.org/drawingml/2006/main" xmlns:r="http://schemas.openxmlformats.org/officeDocument/2006/relationships" xmlns:p="http://schemas.openxmlformats.org/presentationml/2006/main">
   <p:cSld>
     <p:spTree>
@@ -19857,7 +20336,7 @@
 </p:sld>
 </file>
 
-<file path=ppt/slides/slide42.xml><?xml version="1.0" encoding="utf-8"?>
+<file path=ppt/slides/slide44.xml><?xml version="1.0" encoding="utf-8"?>
 <p:sld xmlns:a="http://schemas.openxmlformats.org/drawingml/2006/main" xmlns:r="http://schemas.openxmlformats.org/officeDocument/2006/relationships" xmlns:p="http://schemas.openxmlformats.org/presentationml/2006/main">
   <p:cSld>
     <p:spTree>
@@ -20009,7 +20488,7 @@
             <a:effectLst/>
             <a:extLst>
               <a:ext uri="{C572A759-6A51-4108-AA02-DFA0A04FC94B}">
-                <ma14:wrappingTextBoxFlag xmlns:ma14="http://schemas.microsoft.com/office/mac/drawingml/2011/main" xmlns:a14="http://schemas.microsoft.com/office/drawing/2010/main" xmlns:m="http://schemas.openxmlformats.org/officeDocument/2006/math" xmlns="" val="1"/>
+                <ma14:wrappingTextBoxFlag xmlns="" xmlns:m="http://schemas.openxmlformats.org/officeDocument/2006/math" xmlns:a14="http://schemas.microsoft.com/office/drawing/2010/main" xmlns:ma14="http://schemas.microsoft.com/office/mac/drawingml/2011/main" val="1"/>
               </a:ext>
             </a:extLst>
           </p:spPr>
@@ -20088,7 +20567,7 @@
           </a:ln>
           <a:extLst>
             <a:ext uri="{C572A759-6A51-4108-AA02-DFA0A04FC94B}">
-              <ma14:wrappingTextBoxFlag xmlns:ma14="http://schemas.microsoft.com/office/mac/drawingml/2011/main" xmlns:a14="http://schemas.microsoft.com/office/drawing/2010/main" xmlns:m="http://schemas.openxmlformats.org/officeDocument/2006/math" xmlns="" val="1"/>
+              <ma14:wrappingTextBoxFlag xmlns="" xmlns:m="http://schemas.openxmlformats.org/officeDocument/2006/math" xmlns:a14="http://schemas.microsoft.com/office/drawing/2010/main" xmlns:ma14="http://schemas.microsoft.com/office/mac/drawingml/2011/main" val="1"/>
             </a:ext>
           </a:extLst>
         </p:spPr>
@@ -20161,7 +20640,7 @@
           </a:ln>
           <a:extLst>
             <a:ext uri="{C572A759-6A51-4108-AA02-DFA0A04FC94B}">
-              <ma14:wrappingTextBoxFlag xmlns:ma14="http://schemas.microsoft.com/office/mac/drawingml/2011/main" xmlns:a14="http://schemas.microsoft.com/office/drawing/2010/main" xmlns:m="http://schemas.openxmlformats.org/officeDocument/2006/math" xmlns="" val="1"/>
+              <ma14:wrappingTextBoxFlag xmlns="" xmlns:m="http://schemas.openxmlformats.org/officeDocument/2006/math" xmlns:a14="http://schemas.microsoft.com/office/drawing/2010/main" xmlns:ma14="http://schemas.microsoft.com/office/mac/drawingml/2011/main" val="1"/>
             </a:ext>
           </a:extLst>
         </p:spPr>
@@ -20195,7 +20674,7 @@
 </p:sld>
 </file>
 
-<file path=ppt/slides/slide43.xml><?xml version="1.0" encoding="utf-8"?>
+<file path=ppt/slides/slide45.xml><?xml version="1.0" encoding="utf-8"?>
 <p:sld xmlns:a="http://schemas.openxmlformats.org/drawingml/2006/main" xmlns:r="http://schemas.openxmlformats.org/officeDocument/2006/relationships" xmlns:p="http://schemas.openxmlformats.org/presentationml/2006/main">
   <p:cSld>
     <p:spTree>
@@ -20258,7 +20737,7 @@
           </a:ln>
           <a:extLst>
             <a:ext uri="{C572A759-6A51-4108-AA02-DFA0A04FC94B}">
-              <ma14:wrappingTextBoxFlag xmlns:ma14="http://schemas.microsoft.com/office/mac/drawingml/2011/main" xmlns:a14="http://schemas.microsoft.com/office/drawing/2010/main" xmlns:m="http://schemas.openxmlformats.org/officeDocument/2006/math" xmlns="" val="1"/>
+              <ma14:wrappingTextBoxFlag xmlns="" xmlns:m="http://schemas.openxmlformats.org/officeDocument/2006/math" xmlns:a14="http://schemas.microsoft.com/office/drawing/2010/main" xmlns:ma14="http://schemas.microsoft.com/office/mac/drawingml/2011/main" val="1"/>
             </a:ext>
           </a:extLst>
         </p:spPr>
@@ -20368,7 +20847,7 @@
           </a:ln>
           <a:extLst>
             <a:ext uri="{C572A759-6A51-4108-AA02-DFA0A04FC94B}">
-              <ma14:wrappingTextBoxFlag xmlns:ma14="http://schemas.microsoft.com/office/mac/drawingml/2011/main" xmlns:a14="http://schemas.microsoft.com/office/drawing/2010/main" xmlns:m="http://schemas.openxmlformats.org/officeDocument/2006/math" xmlns="" val="1"/>
+              <ma14:wrappingTextBoxFlag xmlns="" xmlns:m="http://schemas.openxmlformats.org/officeDocument/2006/math" xmlns:a14="http://schemas.microsoft.com/office/drawing/2010/main" xmlns:ma14="http://schemas.microsoft.com/office/mac/drawingml/2011/main" val="1"/>
             </a:ext>
           </a:extLst>
         </p:spPr>
@@ -20434,7 +20913,7 @@
           </a:ln>
           <a:extLst>
             <a:ext uri="{C572A759-6A51-4108-AA02-DFA0A04FC94B}">
-              <ma14:wrappingTextBoxFlag xmlns:ma14="http://schemas.microsoft.com/office/mac/drawingml/2011/main" xmlns:a14="http://schemas.microsoft.com/office/drawing/2010/main" xmlns:m="http://schemas.openxmlformats.org/officeDocument/2006/math" xmlns="" val="1"/>
+              <ma14:wrappingTextBoxFlag xmlns="" xmlns:m="http://schemas.openxmlformats.org/officeDocument/2006/math" xmlns:a14="http://schemas.microsoft.com/office/drawing/2010/main" xmlns:ma14="http://schemas.microsoft.com/office/mac/drawingml/2011/main" val="1"/>
             </a:ext>
           </a:extLst>
         </p:spPr>
@@ -20656,7 +21135,7 @@
 </p:sld>
 </file>
 
-<file path=ppt/slides/slide44.xml><?xml version="1.0" encoding="utf-8"?>
+<file path=ppt/slides/slide46.xml><?xml version="1.0" encoding="utf-8"?>
 <p:sld xmlns:a="http://schemas.openxmlformats.org/drawingml/2006/main" xmlns:r="http://schemas.openxmlformats.org/officeDocument/2006/relationships" xmlns:p="http://schemas.openxmlformats.org/presentationml/2006/main">
   <p:cSld>
     <p:spTree>
@@ -20999,7 +21478,7 @@
           </a:ln>
           <a:extLst>
             <a:ext uri="{C572A759-6A51-4108-AA02-DFA0A04FC94B}">
-              <ma14:wrappingTextBoxFlag xmlns:ma14="http://schemas.microsoft.com/office/mac/drawingml/2011/main" xmlns:a14="http://schemas.microsoft.com/office/drawing/2010/main" xmlns:m="http://schemas.openxmlformats.org/officeDocument/2006/math" xmlns="" val="1"/>
+              <ma14:wrappingTextBoxFlag xmlns="" xmlns:m="http://schemas.openxmlformats.org/officeDocument/2006/math" xmlns:a14="http://schemas.microsoft.com/office/drawing/2010/main" xmlns:ma14="http://schemas.microsoft.com/office/mac/drawingml/2011/main" val="1"/>
             </a:ext>
           </a:extLst>
         </p:spPr>
@@ -21051,7 +21530,7 @@
 </p:sld>
 </file>
 
-<file path=ppt/slides/slide45.xml><?xml version="1.0" encoding="utf-8"?>
+<file path=ppt/slides/slide47.xml><?xml version="1.0" encoding="utf-8"?>
 <p:sld xmlns:a="http://schemas.openxmlformats.org/drawingml/2006/main" xmlns:r="http://schemas.openxmlformats.org/officeDocument/2006/relationships" xmlns:p="http://schemas.openxmlformats.org/presentationml/2006/main">
   <p:cSld>
     <p:spTree>
@@ -21144,7 +21623,7 @@
           </a:ln>
           <a:extLst>
             <a:ext uri="{C572A759-6A51-4108-AA02-DFA0A04FC94B}">
-              <ma14:wrappingTextBoxFlag xmlns:ma14="http://schemas.microsoft.com/office/mac/drawingml/2011/main" xmlns:a14="http://schemas.microsoft.com/office/drawing/2010/main" xmlns:m="http://schemas.openxmlformats.org/officeDocument/2006/math" xmlns="" val="1"/>
+              <ma14:wrappingTextBoxFlag xmlns="" xmlns:m="http://schemas.openxmlformats.org/officeDocument/2006/math" xmlns:a14="http://schemas.microsoft.com/office/drawing/2010/main" xmlns:ma14="http://schemas.microsoft.com/office/mac/drawingml/2011/main" val="1"/>
             </a:ext>
           </a:extLst>
         </p:spPr>
@@ -21193,7 +21672,7 @@
           </a:ln>
           <a:extLst>
             <a:ext uri="{C572A759-6A51-4108-AA02-DFA0A04FC94B}">
-              <ma14:wrappingTextBoxFlag xmlns:ma14="http://schemas.microsoft.com/office/mac/drawingml/2011/main" xmlns:a14="http://schemas.microsoft.com/office/drawing/2010/main" xmlns:m="http://schemas.openxmlformats.org/officeDocument/2006/math" xmlns="" val="1"/>
+              <ma14:wrappingTextBoxFlag xmlns="" xmlns:m="http://schemas.openxmlformats.org/officeDocument/2006/math" xmlns:a14="http://schemas.microsoft.com/office/drawing/2010/main" xmlns:ma14="http://schemas.microsoft.com/office/mac/drawingml/2011/main" val="1"/>
             </a:ext>
           </a:extLst>
         </p:spPr>
@@ -21394,7 +21873,7 @@
 </p:sld>
 </file>
 
-<file path=ppt/slides/slide46.xml><?xml version="1.0" encoding="utf-8"?>
+<file path=ppt/slides/slide48.xml><?xml version="1.0" encoding="utf-8"?>
 <p:sld xmlns:a="http://schemas.openxmlformats.org/drawingml/2006/main" xmlns:r="http://schemas.openxmlformats.org/officeDocument/2006/relationships" xmlns:p="http://schemas.openxmlformats.org/presentationml/2006/main">
   <p:cSld>
     <p:spTree>
@@ -21487,7 +21966,7 @@
           </a:ln>
           <a:extLst>
             <a:ext uri="{C572A759-6A51-4108-AA02-DFA0A04FC94B}">
-              <ma14:wrappingTextBoxFlag xmlns:ma14="http://schemas.microsoft.com/office/mac/drawingml/2011/main" xmlns:a14="http://schemas.microsoft.com/office/drawing/2010/main" xmlns:m="http://schemas.openxmlformats.org/officeDocument/2006/math" xmlns="" val="1"/>
+              <ma14:wrappingTextBoxFlag xmlns="" xmlns:m="http://schemas.openxmlformats.org/officeDocument/2006/math" xmlns:a14="http://schemas.microsoft.com/office/drawing/2010/main" xmlns:ma14="http://schemas.microsoft.com/office/mac/drawingml/2011/main" val="1"/>
             </a:ext>
           </a:extLst>
         </p:spPr>
@@ -21638,7 +22117,7 @@
 </p:sld>
 </file>
 
-<file path=ppt/slides/slide47.xml><?xml version="1.0" encoding="utf-8"?>
+<file path=ppt/slides/slide49.xml><?xml version="1.0" encoding="utf-8"?>
 <p:sld xmlns:a="http://schemas.openxmlformats.org/drawingml/2006/main" xmlns:r="http://schemas.openxmlformats.org/officeDocument/2006/relationships" xmlns:p="http://schemas.openxmlformats.org/presentationml/2006/main">
   <p:cSld>
     <p:spTree>
@@ -21795,905 +22274,6 @@
 </p:sld>
 </file>
 
-<file path=ppt/slides/slide48.xml><?xml version="1.0" encoding="utf-8"?>
-<p:sld xmlns:a="http://schemas.openxmlformats.org/drawingml/2006/main" xmlns:r="http://schemas.openxmlformats.org/officeDocument/2006/relationships" xmlns:p="http://schemas.openxmlformats.org/presentationml/2006/main">
-  <p:cSld>
-    <p:spTree>
-      <p:nvGrpSpPr>
-        <p:cNvPr id="1" name=""/>
-        <p:cNvGrpSpPr/>
-        <p:nvPr/>
-      </p:nvGrpSpPr>
-      <p:grpSpPr>
-        <a:xfrm>
-          <a:off x="0" y="0"/>
-          <a:ext cx="0" cy="0"/>
-          <a:chOff x="0" y="0"/>
-          <a:chExt cx="0" cy="0"/>
-        </a:xfrm>
-      </p:grpSpPr>
-      <p:pic>
-        <p:nvPicPr>
-          <p:cNvPr id="330" name="Google Shape;54;p13" descr="Google Shape;54;p13"/>
-          <p:cNvPicPr>
-            <a:picLocks noChangeAspect="1"/>
-          </p:cNvPicPr>
-          <p:nvPr/>
-        </p:nvPicPr>
-        <p:blipFill>
-          <a:blip r:embed="rId2"/>
-          <a:stretch>
-            <a:fillRect/>
-          </a:stretch>
-        </p:blipFill>
-        <p:spPr>
-          <a:xfrm>
-            <a:off x="0" y="0"/>
-            <a:ext cx="12191997" cy="6858000"/>
-          </a:xfrm>
-          <a:prstGeom prst="rect">
-            <a:avLst/>
-          </a:prstGeom>
-          <a:ln w="12700">
-            <a:miter lim="400000"/>
-          </a:ln>
-        </p:spPr>
-      </p:pic>
-      <p:sp>
-        <p:nvSpPr>
-          <p:cNvPr id="331" name="Title 1"/>
-          <p:cNvSpPr txBox="1">
-            <a:spLocks noGrp="1"/>
-          </p:cNvSpPr>
-          <p:nvPr>
-            <p:ph type="title"/>
-          </p:nvPr>
-        </p:nvSpPr>
-        <p:spPr>
-          <a:prstGeom prst="rect">
-            <a:avLst/>
-          </a:prstGeom>
-        </p:spPr>
-        <p:txBody>
-          <a:bodyPr/>
-          <a:lstStyle/>
-          <a:p>
-            <a:r>
-              <a:t>Anonymous functions – Function Expressions </a:t>
-            </a:r>
-          </a:p>
-        </p:txBody>
-      </p:sp>
-      <p:sp>
-        <p:nvSpPr>
-          <p:cNvPr id="332" name="Rectangle 4"/>
-          <p:cNvSpPr txBox="1"/>
-          <p:nvPr/>
-        </p:nvSpPr>
-        <p:spPr>
-          <a:xfrm>
-            <a:off x="883920" y="1987033"/>
-            <a:ext cx="9819641" cy="497048"/>
-          </a:xfrm>
-          <a:prstGeom prst="rect">
-            <a:avLst/>
-          </a:prstGeom>
-          <a:ln w="12700">
-            <a:miter lim="400000"/>
-          </a:ln>
-          <a:extLst>
-            <a:ext uri="{C572A759-6A51-4108-AA02-DFA0A04FC94B}">
-              <ma14:wrappingTextBoxFlag xmlns:ma14="http://schemas.microsoft.com/office/mac/drawingml/2011/main" xmlns:a14="http://schemas.microsoft.com/office/drawing/2010/main" xmlns:m="http://schemas.openxmlformats.org/officeDocument/2006/math" xmlns="" val="1"/>
-            </a:ext>
-          </a:extLst>
-        </p:spPr>
-        <p:txBody>
-          <a:bodyPr wrap="none" lIns="45719" rIns="45719">
-            <a:spAutoFit/>
-          </a:bodyPr>
-          <a:lstStyle>
-            <a:lvl1pPr>
-              <a:defRPr sz="3200"/>
-            </a:lvl1pPr>
-          </a:lstStyle>
-          <a:p>
-            <a:r>
-              <a:t>var square = function(number) { return number * number }</a:t>
-            </a:r>
-          </a:p>
-        </p:txBody>
-      </p:sp>
-      <p:sp>
-        <p:nvSpPr>
-          <p:cNvPr id="333" name="Rectangle 5"/>
-          <p:cNvSpPr txBox="1"/>
-          <p:nvPr/>
-        </p:nvSpPr>
-        <p:spPr>
-          <a:xfrm>
-            <a:off x="4099560" y="2844225"/>
-            <a:ext cx="1784509" cy="497047"/>
-          </a:xfrm>
-          <a:prstGeom prst="rect">
-            <a:avLst/>
-          </a:prstGeom>
-          <a:ln w="12700">
-            <a:miter lim="400000"/>
-          </a:ln>
-          <a:extLst>
-            <a:ext uri="{C572A759-6A51-4108-AA02-DFA0A04FC94B}">
-              <ma14:wrappingTextBoxFlag xmlns:ma14="http://schemas.microsoft.com/office/mac/drawingml/2011/main" xmlns:a14="http://schemas.microsoft.com/office/drawing/2010/main" xmlns:m="http://schemas.openxmlformats.org/officeDocument/2006/math" xmlns="" val="1"/>
-            </a:ext>
-          </a:extLst>
-        </p:spPr>
-        <p:txBody>
-          <a:bodyPr wrap="none" lIns="45719" rIns="45719">
-            <a:spAutoFit/>
-          </a:bodyPr>
-          <a:lstStyle>
-            <a:lvl1pPr>
-              <a:defRPr sz="3200"/>
-            </a:lvl1pPr>
-          </a:lstStyle>
-          <a:p>
-            <a:r>
-              <a:t>square(4);</a:t>
-            </a:r>
-          </a:p>
-        </p:txBody>
-      </p:sp>
-      <p:sp>
-        <p:nvSpPr>
-          <p:cNvPr id="334" name="Rectangle 6"/>
-          <p:cNvSpPr txBox="1"/>
-          <p:nvPr/>
-        </p:nvSpPr>
-        <p:spPr>
-          <a:xfrm>
-            <a:off x="3526275" y="4286191"/>
-            <a:ext cx="3405744" cy="497048"/>
-          </a:xfrm>
-          <a:prstGeom prst="rect">
-            <a:avLst/>
-          </a:prstGeom>
-          <a:ln w="12700">
-            <a:miter lim="400000"/>
-          </a:ln>
-          <a:extLst>
-            <a:ext uri="{C572A759-6A51-4108-AA02-DFA0A04FC94B}">
-              <ma14:wrappingTextBoxFlag xmlns:ma14="http://schemas.microsoft.com/office/mac/drawingml/2011/main" xmlns:a14="http://schemas.microsoft.com/office/drawing/2010/main" xmlns:m="http://schemas.openxmlformats.org/officeDocument/2006/math" xmlns="" val="1"/>
-            </a:ext>
-          </a:extLst>
-        </p:spPr>
-        <p:txBody>
-          <a:bodyPr wrap="none" lIns="45719" rIns="45719">
-            <a:spAutoFit/>
-          </a:bodyPr>
-          <a:lstStyle>
-            <a:lvl1pPr>
-              <a:defRPr sz="3200" b="1">
-                <a:latin typeface="+mn-lt"/>
-                <a:ea typeface="+mn-ea"/>
-                <a:cs typeface="+mn-cs"/>
-                <a:sym typeface="Helvetica"/>
-              </a:defRPr>
-            </a:lvl1pPr>
-          </a:lstStyle>
-          <a:p>
-            <a:r>
-              <a:t>Why anonymous?? </a:t>
-            </a:r>
-          </a:p>
-        </p:txBody>
-      </p:sp>
-      <p:sp>
-        <p:nvSpPr>
-          <p:cNvPr id="2" name="Rectangle 1">
-            <a:extLst>
-              <a:ext uri="{FF2B5EF4-FFF2-40B4-BE49-F238E27FC236}">
-                <a16:creationId xmlns:a16="http://schemas.microsoft.com/office/drawing/2014/main" id="{9D54BF55-C0D4-4241-84FD-58819D7458B3}"/>
-              </a:ext>
-            </a:extLst>
-          </p:cNvPr>
-          <p:cNvSpPr/>
-          <p:nvPr/>
-        </p:nvSpPr>
-        <p:spPr>
-          <a:xfrm>
-            <a:off x="1150706" y="4989494"/>
-            <a:ext cx="10387173" cy="923330"/>
-          </a:xfrm>
-          <a:prstGeom prst="rect">
-            <a:avLst/>
-          </a:prstGeom>
-        </p:spPr>
-        <p:txBody>
-          <a:bodyPr wrap="square">
-            <a:spAutoFit/>
-          </a:bodyPr>
-          <a:lstStyle/>
-          <a:p>
-            <a:r>
-              <a:rPr lang="en-IN" dirty="0">
-                <a:hlinkClick r:id="rId3"/>
-              </a:rPr>
-              <a:t>https://stackoverflow.com/questions/10273185/what-are-the-benefits-to-using-anonymous-functions-instead-of-named-functions-fo#:~:text=I%20use%20anonymous%20functions%20for,variables%20in%20the%20parent%20scopes.</a:t>
-            </a:r>
-            <a:endParaRPr lang="en-US" dirty="0"/>
-          </a:p>
-        </p:txBody>
-      </p:sp>
-    </p:spTree>
-  </p:cSld>
-  <p:clrMapOvr>
-    <a:masterClrMapping/>
-  </p:clrMapOvr>
-  <p:transition spd="med"/>
-  <p:timing>
-    <p:tnLst>
-      <p:par>
-        <p:cTn id="1" dur="indefinite" restart="never" fill="hold" nodeType="tmRoot">
-          <p:childTnLst>
-            <p:seq concurrent="1" prevAc="none" nextAc="seek">
-              <p:cTn id="2" dur="indefinite" fill="hold" nodeType="mainSeq">
-                <p:childTnLst>
-                  <p:par>
-                    <p:cTn id="3" fill="hold">
-                      <p:stCondLst>
-                        <p:cond delay="indefinite"/>
-                      </p:stCondLst>
-                      <p:childTnLst>
-                        <p:par>
-                          <p:cTn id="4" fill="hold">
-                            <p:stCondLst>
-                              <p:cond delay="0"/>
-                            </p:stCondLst>
-                            <p:childTnLst>
-                              <p:par>
-                                <p:cTn id="5" presetID="1" presetClass="entr" presetSubtype="0" fill="hold" grpId="1" nodeType="clickEffect">
-                                  <p:stCondLst>
-                                    <p:cond delay="0"/>
-                                  </p:stCondLst>
-                                  <p:iterate>
-                                    <p:tmAbs val="0"/>
-                                  </p:iterate>
-                                  <p:childTnLst>
-                                    <p:set>
-                                      <p:cBhvr>
-                                        <p:cTn id="6" fill="hold"/>
-                                        <p:tgtEl>
-                                          <p:spTgt spid="332"/>
-                                        </p:tgtEl>
-                                        <p:attrNameLst>
-                                          <p:attrName>style.visibility</p:attrName>
-                                        </p:attrNameLst>
-                                      </p:cBhvr>
-                                      <p:to>
-                                        <p:strVal val="visible"/>
-                                      </p:to>
-                                    </p:set>
-                                  </p:childTnLst>
-                                </p:cTn>
-                              </p:par>
-                            </p:childTnLst>
-                          </p:cTn>
-                        </p:par>
-                      </p:childTnLst>
-                    </p:cTn>
-                  </p:par>
-                  <p:par>
-                    <p:cTn id="7" fill="hold">
-                      <p:stCondLst>
-                        <p:cond delay="indefinite"/>
-                      </p:stCondLst>
-                      <p:childTnLst>
-                        <p:par>
-                          <p:cTn id="8" fill="hold">
-                            <p:stCondLst>
-                              <p:cond delay="0"/>
-                            </p:stCondLst>
-                            <p:childTnLst>
-                              <p:par>
-                                <p:cTn id="9" presetID="1" presetClass="entr" presetSubtype="0" fill="hold" grpId="2" nodeType="clickEffect">
-                                  <p:stCondLst>
-                                    <p:cond delay="0"/>
-                                  </p:stCondLst>
-                                  <p:iterate>
-                                    <p:tmAbs val="0"/>
-                                  </p:iterate>
-                                  <p:childTnLst>
-                                    <p:set>
-                                      <p:cBhvr>
-                                        <p:cTn id="10" fill="hold"/>
-                                        <p:tgtEl>
-                                          <p:spTgt spid="333"/>
-                                        </p:tgtEl>
-                                        <p:attrNameLst>
-                                          <p:attrName>style.visibility</p:attrName>
-                                        </p:attrNameLst>
-                                      </p:cBhvr>
-                                      <p:to>
-                                        <p:strVal val="visible"/>
-                                      </p:to>
-                                    </p:set>
-                                  </p:childTnLst>
-                                </p:cTn>
-                              </p:par>
-                            </p:childTnLst>
-                          </p:cTn>
-                        </p:par>
-                      </p:childTnLst>
-                    </p:cTn>
-                  </p:par>
-                  <p:par>
-                    <p:cTn id="11" fill="hold">
-                      <p:stCondLst>
-                        <p:cond delay="indefinite"/>
-                      </p:stCondLst>
-                      <p:childTnLst>
-                        <p:par>
-                          <p:cTn id="12" fill="hold">
-                            <p:stCondLst>
-                              <p:cond delay="0"/>
-                            </p:stCondLst>
-                            <p:childTnLst>
-                              <p:par>
-                                <p:cTn id="13" presetID="1" presetClass="entr" presetSubtype="0" fill="hold" grpId="3" nodeType="clickEffect">
-                                  <p:stCondLst>
-                                    <p:cond delay="0"/>
-                                  </p:stCondLst>
-                                  <p:iterate>
-                                    <p:tmAbs val="0"/>
-                                  </p:iterate>
-                                  <p:childTnLst>
-                                    <p:set>
-                                      <p:cBhvr>
-                                        <p:cTn id="14" fill="hold"/>
-                                        <p:tgtEl>
-                                          <p:spTgt spid="334"/>
-                                        </p:tgtEl>
-                                        <p:attrNameLst>
-                                          <p:attrName>style.visibility</p:attrName>
-                                        </p:attrNameLst>
-                                      </p:cBhvr>
-                                      <p:to>
-                                        <p:strVal val="visible"/>
-                                      </p:to>
-                                    </p:set>
-                                  </p:childTnLst>
-                                </p:cTn>
-                              </p:par>
-                            </p:childTnLst>
-                          </p:cTn>
-                        </p:par>
-                      </p:childTnLst>
-                    </p:cTn>
-                  </p:par>
-                  <p:par>
-                    <p:cTn id="15" fill="hold">
-                      <p:stCondLst>
-                        <p:cond delay="indefinite"/>
-                      </p:stCondLst>
-                      <p:childTnLst>
-                        <p:par>
-                          <p:cTn id="16" fill="hold">
-                            <p:stCondLst>
-                              <p:cond delay="0"/>
-                            </p:stCondLst>
-                            <p:childTnLst>
-                              <p:par>
-                                <p:cTn id="17" presetID="1" presetClass="entr" presetSubtype="0" fill="hold" grpId="0" nodeType="clickEffect">
-                                  <p:stCondLst>
-                                    <p:cond delay="0"/>
-                                  </p:stCondLst>
-                                  <p:childTnLst>
-                                    <p:set>
-                                      <p:cBhvr>
-                                        <p:cTn id="18" dur="1" fill="hold">
-                                          <p:stCondLst>
-                                            <p:cond delay="0"/>
-                                          </p:stCondLst>
-                                        </p:cTn>
-                                        <p:tgtEl>
-                                          <p:spTgt spid="2"/>
-                                        </p:tgtEl>
-                                        <p:attrNameLst>
-                                          <p:attrName>style.visibility</p:attrName>
-                                        </p:attrNameLst>
-                                      </p:cBhvr>
-                                      <p:to>
-                                        <p:strVal val="visible"/>
-                                      </p:to>
-                                    </p:set>
-                                  </p:childTnLst>
-                                </p:cTn>
-                              </p:par>
-                            </p:childTnLst>
-                          </p:cTn>
-                        </p:par>
-                      </p:childTnLst>
-                    </p:cTn>
-                  </p:par>
-                </p:childTnLst>
-              </p:cTn>
-              <p:prevCondLst>
-                <p:cond evt="onPrev" delay="0">
-                  <p:tgtEl>
-                    <p:sldTgt/>
-                  </p:tgtEl>
-                </p:cond>
-              </p:prevCondLst>
-              <p:nextCondLst>
-                <p:cond evt="onNext" delay="0">
-                  <p:tgtEl>
-                    <p:sldTgt/>
-                  </p:tgtEl>
-                </p:cond>
-              </p:nextCondLst>
-            </p:seq>
-          </p:childTnLst>
-        </p:cTn>
-      </p:par>
-    </p:tnLst>
-    <p:bldLst>
-      <p:bldP spid="332" grpId="1" animBg="1" advAuto="0"/>
-      <p:bldP spid="333" grpId="2" animBg="1" advAuto="0"/>
-      <p:bldP spid="334" grpId="3" animBg="1" advAuto="0"/>
-      <p:bldP spid="2" grpId="0"/>
-    </p:bldLst>
-  </p:timing>
-</p:sld>
-</file>
-
-<file path=ppt/slides/slide49.xml><?xml version="1.0" encoding="utf-8"?>
-<p:sld xmlns:a="http://schemas.openxmlformats.org/drawingml/2006/main" xmlns:r="http://schemas.openxmlformats.org/officeDocument/2006/relationships" xmlns:p="http://schemas.openxmlformats.org/presentationml/2006/main">
-  <p:cSld>
-    <p:spTree>
-      <p:nvGrpSpPr>
-        <p:cNvPr id="1" name=""/>
-        <p:cNvGrpSpPr/>
-        <p:nvPr/>
-      </p:nvGrpSpPr>
-      <p:grpSpPr>
-        <a:xfrm>
-          <a:off x="0" y="0"/>
-          <a:ext cx="0" cy="0"/>
-          <a:chOff x="0" y="0"/>
-          <a:chExt cx="0" cy="0"/>
-        </a:xfrm>
-      </p:grpSpPr>
-      <p:pic>
-        <p:nvPicPr>
-          <p:cNvPr id="336" name="Google Shape;54;p13" descr="Google Shape;54;p13"/>
-          <p:cNvPicPr>
-            <a:picLocks noChangeAspect="1"/>
-          </p:cNvPicPr>
-          <p:nvPr/>
-        </p:nvPicPr>
-        <p:blipFill>
-          <a:blip r:embed="rId2"/>
-          <a:stretch>
-            <a:fillRect/>
-          </a:stretch>
-        </p:blipFill>
-        <p:spPr>
-          <a:xfrm>
-            <a:off x="0" y="0"/>
-            <a:ext cx="12191997" cy="6858000"/>
-          </a:xfrm>
-          <a:prstGeom prst="rect">
-            <a:avLst/>
-          </a:prstGeom>
-          <a:ln w="12700">
-            <a:miter lim="400000"/>
-          </a:ln>
-        </p:spPr>
-      </p:pic>
-      <p:sp>
-        <p:nvSpPr>
-          <p:cNvPr id="337" name="Title 1"/>
-          <p:cNvSpPr txBox="1">
-            <a:spLocks noGrp="1"/>
-          </p:cNvSpPr>
-          <p:nvPr>
-            <p:ph type="title"/>
-          </p:nvPr>
-        </p:nvSpPr>
-        <p:spPr>
-          <a:prstGeom prst="rect">
-            <a:avLst/>
-          </a:prstGeom>
-        </p:spPr>
-        <p:txBody>
-          <a:bodyPr/>
-          <a:lstStyle/>
-          <a:p>
-            <a:r>
-              <a:t>IIFE</a:t>
-            </a:r>
-          </a:p>
-        </p:txBody>
-      </p:sp>
-      <p:sp>
-        <p:nvSpPr>
-          <p:cNvPr id="338" name="Rectangle 4"/>
-          <p:cNvSpPr txBox="1"/>
-          <p:nvPr/>
-        </p:nvSpPr>
-        <p:spPr>
-          <a:xfrm>
-            <a:off x="883919" y="1910189"/>
-            <a:ext cx="10483167" cy="601624"/>
-          </a:xfrm>
-          <a:prstGeom prst="rect">
-            <a:avLst/>
-          </a:prstGeom>
-          <a:ln w="12700">
-            <a:miter lim="400000"/>
-          </a:ln>
-          <a:extLst>
-            <a:ext uri="{C572A759-6A51-4108-AA02-DFA0A04FC94B}">
-              <ma14:wrappingTextBoxFlag xmlns:ma14="http://schemas.microsoft.com/office/mac/drawingml/2011/main" xmlns:a14="http://schemas.microsoft.com/office/drawing/2010/main" xmlns:m="http://schemas.openxmlformats.org/officeDocument/2006/math" xmlns="" val="1"/>
-            </a:ext>
-          </a:extLst>
-        </p:spPr>
-        <p:txBody>
-          <a:bodyPr wrap="none" lIns="45719" rIns="45719">
-            <a:spAutoFit/>
-          </a:bodyPr>
-          <a:lstStyle>
-            <a:lvl1pPr>
-              <a:defRPr sz="4000"/>
-            </a:lvl1pPr>
-          </a:lstStyle>
-          <a:p>
-            <a:r>
-              <a:t>(function(number) { return number * number })(4)</a:t>
-            </a:r>
-          </a:p>
-        </p:txBody>
-      </p:sp>
-      <p:sp>
-        <p:nvSpPr>
-          <p:cNvPr id="339" name="Rectangle 6"/>
-          <p:cNvSpPr txBox="1"/>
-          <p:nvPr/>
-        </p:nvSpPr>
-        <p:spPr>
-          <a:xfrm>
-            <a:off x="5169337" y="3545464"/>
-            <a:ext cx="1848804" cy="497048"/>
-          </a:xfrm>
-          <a:prstGeom prst="rect">
-            <a:avLst/>
-          </a:prstGeom>
-          <a:ln w="12700">
-            <a:miter lim="400000"/>
-          </a:ln>
-          <a:extLst>
-            <a:ext uri="{C572A759-6A51-4108-AA02-DFA0A04FC94B}">
-              <ma14:wrappingTextBoxFlag xmlns:ma14="http://schemas.microsoft.com/office/mac/drawingml/2011/main" xmlns:a14="http://schemas.microsoft.com/office/drawing/2010/main" xmlns:m="http://schemas.openxmlformats.org/officeDocument/2006/math" xmlns="" val="1"/>
-            </a:ext>
-          </a:extLst>
-        </p:spPr>
-        <p:txBody>
-          <a:bodyPr wrap="none" lIns="45719" rIns="45719">
-            <a:spAutoFit/>
-          </a:bodyPr>
-          <a:lstStyle>
-            <a:lvl1pPr>
-              <a:defRPr sz="3200" b="1">
-                <a:latin typeface="+mn-lt"/>
-                <a:ea typeface="+mn-ea"/>
-                <a:cs typeface="+mn-cs"/>
-                <a:sym typeface="Helvetica"/>
-              </a:defRPr>
-            </a:lvl1pPr>
-          </a:lstStyle>
-          <a:p>
-            <a:r>
-              <a:t>Only Once</a:t>
-            </a:r>
-          </a:p>
-        </p:txBody>
-      </p:sp>
-      <p:sp>
-        <p:nvSpPr>
-          <p:cNvPr id="2" name="Rectangle 1">
-            <a:extLst>
-              <a:ext uri="{FF2B5EF4-FFF2-40B4-BE49-F238E27FC236}">
-                <a16:creationId xmlns:a16="http://schemas.microsoft.com/office/drawing/2014/main" id="{CBB679F1-FDD4-BE44-B62D-D8D6DB26F6C8}"/>
-              </a:ext>
-            </a:extLst>
-          </p:cNvPr>
-          <p:cNvSpPr/>
-          <p:nvPr/>
-        </p:nvSpPr>
-        <p:spPr>
-          <a:xfrm>
-            <a:off x="2369905" y="4803924"/>
-            <a:ext cx="8818651" cy="369332"/>
-          </a:xfrm>
-          <a:prstGeom prst="rect">
-            <a:avLst/>
-          </a:prstGeom>
-        </p:spPr>
-        <p:txBody>
-          <a:bodyPr wrap="square">
-            <a:spAutoFit/>
-          </a:bodyPr>
-          <a:lstStyle/>
-          <a:p>
-            <a:r>
-              <a:rPr lang="en-IN" dirty="0">
-                <a:hlinkClick r:id="rId3"/>
-              </a:rPr>
-              <a:t>http://benalman.com/news/2010/11/immediately-invoked-function-expression/</a:t>
-            </a:r>
-            <a:endParaRPr lang="en-US" dirty="0"/>
-          </a:p>
-        </p:txBody>
-      </p:sp>
-      <p:sp>
-        <p:nvSpPr>
-          <p:cNvPr id="3" name="Rectangle 2">
-            <a:extLst>
-              <a:ext uri="{FF2B5EF4-FFF2-40B4-BE49-F238E27FC236}">
-                <a16:creationId xmlns:a16="http://schemas.microsoft.com/office/drawing/2014/main" id="{0CBA5B70-2274-4146-835A-E5E20DEBB76A}"/>
-              </a:ext>
-            </a:extLst>
-          </p:cNvPr>
-          <p:cNvSpPr/>
-          <p:nvPr/>
-        </p:nvSpPr>
-        <p:spPr>
-          <a:xfrm>
-            <a:off x="5210027" y="4238552"/>
-            <a:ext cx="1830950" cy="369332"/>
-          </a:xfrm>
-          <a:prstGeom prst="rect">
-            <a:avLst/>
-          </a:prstGeom>
-        </p:spPr>
-        <p:txBody>
-          <a:bodyPr wrap="none">
-            <a:spAutoFit/>
-          </a:bodyPr>
-          <a:lstStyle/>
-          <a:p>
-            <a:r>
-              <a:rPr lang="en-IN" dirty="0">
-                <a:latin typeface="Helvetica Neue" panose="02000503000000020004" pitchFamily="2" charset="0"/>
-              </a:rPr>
-              <a:t>Module Pattern </a:t>
-            </a:r>
-            <a:endParaRPr lang="en-US" dirty="0"/>
-          </a:p>
-        </p:txBody>
-      </p:sp>
-    </p:spTree>
-  </p:cSld>
-  <p:clrMapOvr>
-    <a:masterClrMapping/>
-  </p:clrMapOvr>
-  <p:transition spd="med"/>
-  <p:timing>
-    <p:tnLst>
-      <p:par>
-        <p:cTn id="1" dur="indefinite" restart="never" fill="hold" nodeType="tmRoot">
-          <p:childTnLst>
-            <p:seq concurrent="1" prevAc="none" nextAc="seek">
-              <p:cTn id="2" dur="indefinite" fill="hold" nodeType="mainSeq">
-                <p:childTnLst>
-                  <p:par>
-                    <p:cTn id="3" fill="hold">
-                      <p:stCondLst>
-                        <p:cond delay="indefinite"/>
-                      </p:stCondLst>
-                      <p:childTnLst>
-                        <p:par>
-                          <p:cTn id="4" fill="hold">
-                            <p:stCondLst>
-                              <p:cond delay="0"/>
-                            </p:stCondLst>
-                            <p:childTnLst>
-                              <p:par>
-                                <p:cTn id="5" presetID="1" presetClass="entr" presetSubtype="0" fill="hold" grpId="1" nodeType="clickEffect">
-                                  <p:stCondLst>
-                                    <p:cond delay="0"/>
-                                  </p:stCondLst>
-                                  <p:iterate>
-                                    <p:tmAbs val="0"/>
-                                  </p:iterate>
-                                  <p:childTnLst>
-                                    <p:set>
-                                      <p:cBhvr>
-                                        <p:cTn id="6" fill="hold"/>
-                                        <p:tgtEl>
-                                          <p:spTgt spid="338"/>
-                                        </p:tgtEl>
-                                        <p:attrNameLst>
-                                          <p:attrName>style.visibility</p:attrName>
-                                        </p:attrNameLst>
-                                      </p:cBhvr>
-                                      <p:to>
-                                        <p:strVal val="visible"/>
-                                      </p:to>
-                                    </p:set>
-                                  </p:childTnLst>
-                                </p:cTn>
-                              </p:par>
-                            </p:childTnLst>
-                          </p:cTn>
-                        </p:par>
-                      </p:childTnLst>
-                    </p:cTn>
-                  </p:par>
-                  <p:par>
-                    <p:cTn id="7" fill="hold">
-                      <p:stCondLst>
-                        <p:cond delay="indefinite"/>
-                      </p:stCondLst>
-                      <p:childTnLst>
-                        <p:par>
-                          <p:cTn id="8" fill="hold">
-                            <p:stCondLst>
-                              <p:cond delay="0"/>
-                            </p:stCondLst>
-                            <p:childTnLst>
-                              <p:par>
-                                <p:cTn id="9" presetID="1" presetClass="entr" presetSubtype="0" fill="hold" grpId="2" nodeType="clickEffect">
-                                  <p:stCondLst>
-                                    <p:cond delay="0"/>
-                                  </p:stCondLst>
-                                  <p:iterate>
-                                    <p:tmAbs val="0"/>
-                                  </p:iterate>
-                                  <p:childTnLst>
-                                    <p:set>
-                                      <p:cBhvr>
-                                        <p:cTn id="10" fill="hold"/>
-                                        <p:tgtEl>
-                                          <p:spTgt spid="339"/>
-                                        </p:tgtEl>
-                                        <p:attrNameLst>
-                                          <p:attrName>style.visibility</p:attrName>
-                                        </p:attrNameLst>
-                                      </p:cBhvr>
-                                      <p:to>
-                                        <p:strVal val="visible"/>
-                                      </p:to>
-                                    </p:set>
-                                  </p:childTnLst>
-                                </p:cTn>
-                              </p:par>
-                            </p:childTnLst>
-                          </p:cTn>
-                        </p:par>
-                      </p:childTnLst>
-                    </p:cTn>
-                  </p:par>
-                  <p:par>
-                    <p:cTn id="11" fill="hold">
-                      <p:stCondLst>
-                        <p:cond delay="indefinite"/>
-                      </p:stCondLst>
-                      <p:childTnLst>
-                        <p:par>
-                          <p:cTn id="12" fill="hold">
-                            <p:stCondLst>
-                              <p:cond delay="0"/>
-                            </p:stCondLst>
-                            <p:childTnLst>
-                              <p:par>
-                                <p:cTn id="13" presetID="1" presetClass="entr" presetSubtype="0" fill="hold" grpId="0" nodeType="clickEffect">
-                                  <p:stCondLst>
-                                    <p:cond delay="0"/>
-                                  </p:stCondLst>
-                                  <p:childTnLst>
-                                    <p:set>
-                                      <p:cBhvr>
-                                        <p:cTn id="14" dur="1" fill="hold">
-                                          <p:stCondLst>
-                                            <p:cond delay="0"/>
-                                          </p:stCondLst>
-                                        </p:cTn>
-                                        <p:tgtEl>
-                                          <p:spTgt spid="2"/>
-                                        </p:tgtEl>
-                                        <p:attrNameLst>
-                                          <p:attrName>style.visibility</p:attrName>
-                                        </p:attrNameLst>
-                                      </p:cBhvr>
-                                      <p:to>
-                                        <p:strVal val="visible"/>
-                                      </p:to>
-                                    </p:set>
-                                  </p:childTnLst>
-                                </p:cTn>
-                              </p:par>
-                            </p:childTnLst>
-                          </p:cTn>
-                        </p:par>
-                      </p:childTnLst>
-                    </p:cTn>
-                  </p:par>
-                  <p:par>
-                    <p:cTn id="15" fill="hold">
-                      <p:stCondLst>
-                        <p:cond delay="indefinite"/>
-                      </p:stCondLst>
-                      <p:childTnLst>
-                        <p:par>
-                          <p:cTn id="16" fill="hold">
-                            <p:stCondLst>
-                              <p:cond delay="0"/>
-                            </p:stCondLst>
-                            <p:childTnLst>
-                              <p:par>
-                                <p:cTn id="17" presetID="1" presetClass="entr" presetSubtype="0" fill="hold" grpId="0" nodeType="clickEffect">
-                                  <p:stCondLst>
-                                    <p:cond delay="0"/>
-                                  </p:stCondLst>
-                                  <p:childTnLst>
-                                    <p:set>
-                                      <p:cBhvr>
-                                        <p:cTn id="18" dur="1" fill="hold">
-                                          <p:stCondLst>
-                                            <p:cond delay="0"/>
-                                          </p:stCondLst>
-                                        </p:cTn>
-                                        <p:tgtEl>
-                                          <p:spTgt spid="3"/>
-                                        </p:tgtEl>
-                                        <p:attrNameLst>
-                                          <p:attrName>style.visibility</p:attrName>
-                                        </p:attrNameLst>
-                                      </p:cBhvr>
-                                      <p:to>
-                                        <p:strVal val="visible"/>
-                                      </p:to>
-                                    </p:set>
-                                  </p:childTnLst>
-                                </p:cTn>
-                              </p:par>
-                            </p:childTnLst>
-                          </p:cTn>
-                        </p:par>
-                      </p:childTnLst>
-                    </p:cTn>
-                  </p:par>
-                </p:childTnLst>
-              </p:cTn>
-              <p:prevCondLst>
-                <p:cond evt="onPrev" delay="0">
-                  <p:tgtEl>
-                    <p:sldTgt/>
-                  </p:tgtEl>
-                </p:cond>
-              </p:prevCondLst>
-              <p:nextCondLst>
-                <p:cond evt="onNext" delay="0">
-                  <p:tgtEl>
-                    <p:sldTgt/>
-                  </p:tgtEl>
-                </p:cond>
-              </p:nextCondLst>
-            </p:seq>
-          </p:childTnLst>
-        </p:cTn>
-      </p:par>
-    </p:tnLst>
-    <p:bldLst>
-      <p:bldP spid="338" grpId="1" animBg="1" advAuto="0"/>
-      <p:bldP spid="339" grpId="2" animBg="1" advAuto="0"/>
-      <p:bldP spid="2" grpId="0"/>
-      <p:bldP spid="3" grpId="0"/>
-    </p:bldLst>
-  </p:timing>
-</p:sld>
-</file>
-
 <file path=ppt/slides/slide5.xml><?xml version="1.0" encoding="utf-8"?>
 <p:sld xmlns:a="http://schemas.openxmlformats.org/drawingml/2006/main" xmlns:r="http://schemas.openxmlformats.org/officeDocument/2006/relationships" xmlns:p="http://schemas.openxmlformats.org/presentationml/2006/main">
   <p:cSld>
@@ -22846,7 +22426,7 @@
             <a:effectLst/>
             <a:extLst>
               <a:ext uri="{C572A759-6A51-4108-AA02-DFA0A04FC94B}">
-                <ma14:wrappingTextBoxFlag xmlns:ma14="http://schemas.microsoft.com/office/mac/drawingml/2011/main" xmlns:a14="http://schemas.microsoft.com/office/drawing/2010/main" xmlns:m="http://schemas.openxmlformats.org/officeDocument/2006/math" xmlns="" val="1"/>
+                <ma14:wrappingTextBoxFlag xmlns="" xmlns:m="http://schemas.openxmlformats.org/officeDocument/2006/math" xmlns:a14="http://schemas.microsoft.com/office/drawing/2010/main" xmlns:ma14="http://schemas.microsoft.com/office/mac/drawingml/2011/main" val="1"/>
               </a:ext>
             </a:extLst>
           </p:spPr>
@@ -22958,7 +22538,7 @@
             <a:effectLst/>
             <a:extLst>
               <a:ext uri="{C572A759-6A51-4108-AA02-DFA0A04FC94B}">
-                <ma14:wrappingTextBoxFlag xmlns:ma14="http://schemas.microsoft.com/office/mac/drawingml/2011/main" xmlns:a14="http://schemas.microsoft.com/office/drawing/2010/main" xmlns:m="http://schemas.openxmlformats.org/officeDocument/2006/math" xmlns="" val="1"/>
+                <ma14:wrappingTextBoxFlag xmlns="" xmlns:m="http://schemas.openxmlformats.org/officeDocument/2006/math" xmlns:a14="http://schemas.microsoft.com/office/drawing/2010/main" xmlns:ma14="http://schemas.microsoft.com/office/mac/drawingml/2011/main" val="1"/>
               </a:ext>
             </a:extLst>
           </p:spPr>
@@ -23070,7 +22650,7 @@
             <a:effectLst/>
             <a:extLst>
               <a:ext uri="{C572A759-6A51-4108-AA02-DFA0A04FC94B}">
-                <ma14:wrappingTextBoxFlag xmlns:ma14="http://schemas.microsoft.com/office/mac/drawingml/2011/main" xmlns:a14="http://schemas.microsoft.com/office/drawing/2010/main" xmlns:m="http://schemas.openxmlformats.org/officeDocument/2006/math" xmlns="" val="1"/>
+                <ma14:wrappingTextBoxFlag xmlns="" xmlns:m="http://schemas.openxmlformats.org/officeDocument/2006/math" xmlns:a14="http://schemas.microsoft.com/office/drawing/2010/main" xmlns:ma14="http://schemas.microsoft.com/office/mac/drawingml/2011/main" val="1"/>
               </a:ext>
             </a:extLst>
           </p:spPr>
@@ -23182,7 +22762,7 @@
             <a:effectLst/>
             <a:extLst>
               <a:ext uri="{C572A759-6A51-4108-AA02-DFA0A04FC94B}">
-                <ma14:wrappingTextBoxFlag xmlns:ma14="http://schemas.microsoft.com/office/mac/drawingml/2011/main" xmlns:a14="http://schemas.microsoft.com/office/drawing/2010/main" xmlns:m="http://schemas.openxmlformats.org/officeDocument/2006/math" xmlns="" val="1"/>
+                <ma14:wrappingTextBoxFlag xmlns="" xmlns:m="http://schemas.openxmlformats.org/officeDocument/2006/math" xmlns:a14="http://schemas.microsoft.com/office/drawing/2010/main" xmlns:ma14="http://schemas.microsoft.com/office/mac/drawingml/2011/main" val="1"/>
               </a:ext>
             </a:extLst>
           </p:spPr>
@@ -23277,7 +22857,7 @@
             <a:effectLst/>
             <a:extLst>
               <a:ext uri="{C572A759-6A51-4108-AA02-DFA0A04FC94B}">
-                <ma14:wrappingTextBoxFlag xmlns:ma14="http://schemas.microsoft.com/office/mac/drawingml/2011/main" xmlns:a14="http://schemas.microsoft.com/office/drawing/2010/main" xmlns:m="http://schemas.openxmlformats.org/officeDocument/2006/math" xmlns="" val="1"/>
+                <ma14:wrappingTextBoxFlag xmlns="" xmlns:m="http://schemas.openxmlformats.org/officeDocument/2006/math" xmlns:a14="http://schemas.microsoft.com/office/drawing/2010/main" xmlns:ma14="http://schemas.microsoft.com/office/mac/drawingml/2011/main" val="1"/>
               </a:ext>
             </a:extLst>
           </p:spPr>
@@ -23318,7 +22898,7 @@
           </a:ln>
           <a:extLst>
             <a:ext uri="{C572A759-6A51-4108-AA02-DFA0A04FC94B}">
-              <ma14:wrappingTextBoxFlag xmlns:ma14="http://schemas.microsoft.com/office/mac/drawingml/2011/main" xmlns:a14="http://schemas.microsoft.com/office/drawing/2010/main" xmlns:m="http://schemas.openxmlformats.org/officeDocument/2006/math" xmlns="" val="1"/>
+              <ma14:wrappingTextBoxFlag xmlns="" xmlns:m="http://schemas.openxmlformats.org/officeDocument/2006/math" xmlns:a14="http://schemas.microsoft.com/office/drawing/2010/main" xmlns:ma14="http://schemas.microsoft.com/office/mac/drawingml/2011/main" val="1"/>
             </a:ext>
           </a:extLst>
         </p:spPr>
@@ -23356,7 +22936,7 @@
           </a:ln>
           <a:extLst>
             <a:ext uri="{C572A759-6A51-4108-AA02-DFA0A04FC94B}">
-              <ma14:wrappingTextBoxFlag xmlns:ma14="http://schemas.microsoft.com/office/mac/drawingml/2011/main" xmlns:a14="http://schemas.microsoft.com/office/drawing/2010/main" xmlns:m="http://schemas.openxmlformats.org/officeDocument/2006/math" xmlns="" val="1"/>
+              <ma14:wrappingTextBoxFlag xmlns="" xmlns:m="http://schemas.openxmlformats.org/officeDocument/2006/math" xmlns:a14="http://schemas.microsoft.com/office/drawing/2010/main" xmlns:ma14="http://schemas.microsoft.com/office/mac/drawingml/2011/main" val="1"/>
             </a:ext>
           </a:extLst>
         </p:spPr>
@@ -23394,7 +22974,7 @@
           </a:ln>
           <a:extLst>
             <a:ext uri="{C572A759-6A51-4108-AA02-DFA0A04FC94B}">
-              <ma14:wrappingTextBoxFlag xmlns:ma14="http://schemas.microsoft.com/office/mac/drawingml/2011/main" xmlns:a14="http://schemas.microsoft.com/office/drawing/2010/main" xmlns:m="http://schemas.openxmlformats.org/officeDocument/2006/math" xmlns="" val="1"/>
+              <ma14:wrappingTextBoxFlag xmlns="" xmlns:m="http://schemas.openxmlformats.org/officeDocument/2006/math" xmlns:a14="http://schemas.microsoft.com/office/drawing/2010/main" xmlns:ma14="http://schemas.microsoft.com/office/mac/drawingml/2011/main" val="1"/>
             </a:ext>
           </a:extLst>
         </p:spPr>
@@ -23432,7 +23012,7 @@
           </a:ln>
           <a:extLst>
             <a:ext uri="{C572A759-6A51-4108-AA02-DFA0A04FC94B}">
-              <ma14:wrappingTextBoxFlag xmlns:ma14="http://schemas.microsoft.com/office/mac/drawingml/2011/main" xmlns:a14="http://schemas.microsoft.com/office/drawing/2010/main" xmlns:m="http://schemas.openxmlformats.org/officeDocument/2006/math" xmlns="" val="1"/>
+              <ma14:wrappingTextBoxFlag xmlns="" xmlns:m="http://schemas.openxmlformats.org/officeDocument/2006/math" xmlns:a14="http://schemas.microsoft.com/office/drawing/2010/main" xmlns:ma14="http://schemas.microsoft.com/office/mac/drawingml/2011/main" val="1"/>
             </a:ext>
           </a:extLst>
         </p:spPr>
@@ -23470,7 +23050,7 @@
           </a:ln>
           <a:extLst>
             <a:ext uri="{C572A759-6A51-4108-AA02-DFA0A04FC94B}">
-              <ma14:wrappingTextBoxFlag xmlns:ma14="http://schemas.microsoft.com/office/mac/drawingml/2011/main" xmlns:a14="http://schemas.microsoft.com/office/drawing/2010/main" xmlns:m="http://schemas.openxmlformats.org/officeDocument/2006/math" xmlns="" val="1"/>
+              <ma14:wrappingTextBoxFlag xmlns="" xmlns:m="http://schemas.openxmlformats.org/officeDocument/2006/math" xmlns:a14="http://schemas.microsoft.com/office/drawing/2010/main" xmlns:ma14="http://schemas.microsoft.com/office/mac/drawingml/2011/main" val="1"/>
             </a:ext>
           </a:extLst>
         </p:spPr>
@@ -23508,7 +23088,7 @@
           </a:ln>
           <a:extLst>
             <a:ext uri="{C572A759-6A51-4108-AA02-DFA0A04FC94B}">
-              <ma14:wrappingTextBoxFlag xmlns:ma14="http://schemas.microsoft.com/office/mac/drawingml/2011/main" xmlns:a14="http://schemas.microsoft.com/office/drawing/2010/main" xmlns:m="http://schemas.openxmlformats.org/officeDocument/2006/math" xmlns="" val="1"/>
+              <ma14:wrappingTextBoxFlag xmlns="" xmlns:m="http://schemas.openxmlformats.org/officeDocument/2006/math" xmlns:a14="http://schemas.microsoft.com/office/drawing/2010/main" xmlns:ma14="http://schemas.microsoft.com/office/mac/drawingml/2011/main" val="1"/>
             </a:ext>
           </a:extLst>
         </p:spPr>
@@ -23546,7 +23126,7 @@
           </a:ln>
           <a:extLst>
             <a:ext uri="{C572A759-6A51-4108-AA02-DFA0A04FC94B}">
-              <ma14:wrappingTextBoxFlag xmlns:ma14="http://schemas.microsoft.com/office/mac/drawingml/2011/main" xmlns:a14="http://schemas.microsoft.com/office/drawing/2010/main" xmlns:m="http://schemas.openxmlformats.org/officeDocument/2006/math" xmlns="" val="1"/>
+              <ma14:wrappingTextBoxFlag xmlns="" xmlns:m="http://schemas.openxmlformats.org/officeDocument/2006/math" xmlns:a14="http://schemas.microsoft.com/office/drawing/2010/main" xmlns:ma14="http://schemas.microsoft.com/office/mac/drawingml/2011/main" val="1"/>
             </a:ext>
           </a:extLst>
         </p:spPr>
@@ -23584,7 +23164,7 @@
           </a:ln>
           <a:extLst>
             <a:ext uri="{C572A759-6A51-4108-AA02-DFA0A04FC94B}">
-              <ma14:wrappingTextBoxFlag xmlns:ma14="http://schemas.microsoft.com/office/mac/drawingml/2011/main" xmlns:a14="http://schemas.microsoft.com/office/drawing/2010/main" xmlns:m="http://schemas.openxmlformats.org/officeDocument/2006/math" xmlns="" val="1"/>
+              <ma14:wrappingTextBoxFlag xmlns="" xmlns:m="http://schemas.openxmlformats.org/officeDocument/2006/math" xmlns:a14="http://schemas.microsoft.com/office/drawing/2010/main" xmlns:ma14="http://schemas.microsoft.com/office/mac/drawingml/2011/main" val="1"/>
             </a:ext>
           </a:extLst>
         </p:spPr>
@@ -23619,7 +23199,7 @@
           </a:ln>
           <a:extLst>
             <a:ext uri="{C572A759-6A51-4108-AA02-DFA0A04FC94B}">
-              <ma14:wrappingTextBoxFlag xmlns:ma14="http://schemas.microsoft.com/office/mac/drawingml/2011/main" xmlns:a14="http://schemas.microsoft.com/office/drawing/2010/main" xmlns:m="http://schemas.openxmlformats.org/officeDocument/2006/math" xmlns="" val="1"/>
+              <ma14:wrappingTextBoxFlag xmlns="" xmlns:m="http://schemas.openxmlformats.org/officeDocument/2006/math" xmlns:a14="http://schemas.microsoft.com/office/drawing/2010/main" xmlns:ma14="http://schemas.microsoft.com/office/mac/drawingml/2011/main" val="1"/>
             </a:ext>
           </a:extLst>
         </p:spPr>
@@ -23667,7 +23247,7 @@
           </a:ln>
           <a:extLst>
             <a:ext uri="{C572A759-6A51-4108-AA02-DFA0A04FC94B}">
-              <ma14:wrappingTextBoxFlag xmlns:ma14="http://schemas.microsoft.com/office/mac/drawingml/2011/main" xmlns:a14="http://schemas.microsoft.com/office/drawing/2010/main" xmlns:m="http://schemas.openxmlformats.org/officeDocument/2006/math" xmlns="" val="1"/>
+              <ma14:wrappingTextBoxFlag xmlns="" xmlns:m="http://schemas.openxmlformats.org/officeDocument/2006/math" xmlns:a14="http://schemas.microsoft.com/office/drawing/2010/main" xmlns:ma14="http://schemas.microsoft.com/office/mac/drawingml/2011/main" val="1"/>
             </a:ext>
           </a:extLst>
         </p:spPr>
@@ -23712,7 +23292,7 @@
           </a:ln>
           <a:extLst>
             <a:ext uri="{C572A759-6A51-4108-AA02-DFA0A04FC94B}">
-              <ma14:wrappingTextBoxFlag xmlns:ma14="http://schemas.microsoft.com/office/mac/drawingml/2011/main" xmlns:a14="http://schemas.microsoft.com/office/drawing/2010/main" xmlns:m="http://schemas.openxmlformats.org/officeDocument/2006/math" xmlns="" val="1"/>
+              <ma14:wrappingTextBoxFlag xmlns="" xmlns:m="http://schemas.openxmlformats.org/officeDocument/2006/math" xmlns:a14="http://schemas.microsoft.com/office/drawing/2010/main" xmlns:ma14="http://schemas.microsoft.com/office/mac/drawingml/2011/main" val="1"/>
             </a:ext>
           </a:extLst>
         </p:spPr>
@@ -23757,7 +23337,7 @@
           </a:ln>
           <a:extLst>
             <a:ext uri="{C572A759-6A51-4108-AA02-DFA0A04FC94B}">
-              <ma14:wrappingTextBoxFlag xmlns:ma14="http://schemas.microsoft.com/office/mac/drawingml/2011/main" xmlns:a14="http://schemas.microsoft.com/office/drawing/2010/main" xmlns:m="http://schemas.openxmlformats.org/officeDocument/2006/math" xmlns="" val="1"/>
+              <ma14:wrappingTextBoxFlag xmlns="" xmlns:m="http://schemas.openxmlformats.org/officeDocument/2006/math" xmlns:a14="http://schemas.microsoft.com/office/drawing/2010/main" xmlns:ma14="http://schemas.microsoft.com/office/mac/drawingml/2011/main" val="1"/>
             </a:ext>
           </a:extLst>
         </p:spPr>
@@ -24482,6 +24062,905 @@
       </p:grpSpPr>
       <p:pic>
         <p:nvPicPr>
+          <p:cNvPr id="330" name="Google Shape;54;p13" descr="Google Shape;54;p13"/>
+          <p:cNvPicPr>
+            <a:picLocks noChangeAspect="1"/>
+          </p:cNvPicPr>
+          <p:nvPr/>
+        </p:nvPicPr>
+        <p:blipFill>
+          <a:blip r:embed="rId2"/>
+          <a:stretch>
+            <a:fillRect/>
+          </a:stretch>
+        </p:blipFill>
+        <p:spPr>
+          <a:xfrm>
+            <a:off x="0" y="0"/>
+            <a:ext cx="12191997" cy="6858000"/>
+          </a:xfrm>
+          <a:prstGeom prst="rect">
+            <a:avLst/>
+          </a:prstGeom>
+          <a:ln w="12700">
+            <a:miter lim="400000"/>
+          </a:ln>
+        </p:spPr>
+      </p:pic>
+      <p:sp>
+        <p:nvSpPr>
+          <p:cNvPr id="331" name="Title 1"/>
+          <p:cNvSpPr txBox="1">
+            <a:spLocks noGrp="1"/>
+          </p:cNvSpPr>
+          <p:nvPr>
+            <p:ph type="title"/>
+          </p:nvPr>
+        </p:nvSpPr>
+        <p:spPr>
+          <a:prstGeom prst="rect">
+            <a:avLst/>
+          </a:prstGeom>
+        </p:spPr>
+        <p:txBody>
+          <a:bodyPr/>
+          <a:lstStyle/>
+          <a:p>
+            <a:r>
+              <a:t>Anonymous functions – Function Expressions </a:t>
+            </a:r>
+          </a:p>
+        </p:txBody>
+      </p:sp>
+      <p:sp>
+        <p:nvSpPr>
+          <p:cNvPr id="332" name="Rectangle 4"/>
+          <p:cNvSpPr txBox="1"/>
+          <p:nvPr/>
+        </p:nvSpPr>
+        <p:spPr>
+          <a:xfrm>
+            <a:off x="883920" y="1987033"/>
+            <a:ext cx="9819641" cy="497048"/>
+          </a:xfrm>
+          <a:prstGeom prst="rect">
+            <a:avLst/>
+          </a:prstGeom>
+          <a:ln w="12700">
+            <a:miter lim="400000"/>
+          </a:ln>
+          <a:extLst>
+            <a:ext uri="{C572A759-6A51-4108-AA02-DFA0A04FC94B}">
+              <ma14:wrappingTextBoxFlag xmlns="" xmlns:m="http://schemas.openxmlformats.org/officeDocument/2006/math" xmlns:a14="http://schemas.microsoft.com/office/drawing/2010/main" xmlns:ma14="http://schemas.microsoft.com/office/mac/drawingml/2011/main" val="1"/>
+            </a:ext>
+          </a:extLst>
+        </p:spPr>
+        <p:txBody>
+          <a:bodyPr wrap="none" lIns="45719" rIns="45719">
+            <a:spAutoFit/>
+          </a:bodyPr>
+          <a:lstStyle>
+            <a:lvl1pPr>
+              <a:defRPr sz="3200"/>
+            </a:lvl1pPr>
+          </a:lstStyle>
+          <a:p>
+            <a:r>
+              <a:t>var square = function(number) { return number * number }</a:t>
+            </a:r>
+          </a:p>
+        </p:txBody>
+      </p:sp>
+      <p:sp>
+        <p:nvSpPr>
+          <p:cNvPr id="333" name="Rectangle 5"/>
+          <p:cNvSpPr txBox="1"/>
+          <p:nvPr/>
+        </p:nvSpPr>
+        <p:spPr>
+          <a:xfrm>
+            <a:off x="4099560" y="2844225"/>
+            <a:ext cx="1784509" cy="497047"/>
+          </a:xfrm>
+          <a:prstGeom prst="rect">
+            <a:avLst/>
+          </a:prstGeom>
+          <a:ln w="12700">
+            <a:miter lim="400000"/>
+          </a:ln>
+          <a:extLst>
+            <a:ext uri="{C572A759-6A51-4108-AA02-DFA0A04FC94B}">
+              <ma14:wrappingTextBoxFlag xmlns="" xmlns:m="http://schemas.openxmlformats.org/officeDocument/2006/math" xmlns:a14="http://schemas.microsoft.com/office/drawing/2010/main" xmlns:ma14="http://schemas.microsoft.com/office/mac/drawingml/2011/main" val="1"/>
+            </a:ext>
+          </a:extLst>
+        </p:spPr>
+        <p:txBody>
+          <a:bodyPr wrap="none" lIns="45719" rIns="45719">
+            <a:spAutoFit/>
+          </a:bodyPr>
+          <a:lstStyle>
+            <a:lvl1pPr>
+              <a:defRPr sz="3200"/>
+            </a:lvl1pPr>
+          </a:lstStyle>
+          <a:p>
+            <a:r>
+              <a:t>square(4);</a:t>
+            </a:r>
+          </a:p>
+        </p:txBody>
+      </p:sp>
+      <p:sp>
+        <p:nvSpPr>
+          <p:cNvPr id="334" name="Rectangle 6"/>
+          <p:cNvSpPr txBox="1"/>
+          <p:nvPr/>
+        </p:nvSpPr>
+        <p:spPr>
+          <a:xfrm>
+            <a:off x="3526275" y="4286191"/>
+            <a:ext cx="3405744" cy="497048"/>
+          </a:xfrm>
+          <a:prstGeom prst="rect">
+            <a:avLst/>
+          </a:prstGeom>
+          <a:ln w="12700">
+            <a:miter lim="400000"/>
+          </a:ln>
+          <a:extLst>
+            <a:ext uri="{C572A759-6A51-4108-AA02-DFA0A04FC94B}">
+              <ma14:wrappingTextBoxFlag xmlns="" xmlns:m="http://schemas.openxmlformats.org/officeDocument/2006/math" xmlns:a14="http://schemas.microsoft.com/office/drawing/2010/main" xmlns:ma14="http://schemas.microsoft.com/office/mac/drawingml/2011/main" val="1"/>
+            </a:ext>
+          </a:extLst>
+        </p:spPr>
+        <p:txBody>
+          <a:bodyPr wrap="none" lIns="45719" rIns="45719">
+            <a:spAutoFit/>
+          </a:bodyPr>
+          <a:lstStyle>
+            <a:lvl1pPr>
+              <a:defRPr sz="3200" b="1">
+                <a:latin typeface="+mn-lt"/>
+                <a:ea typeface="+mn-ea"/>
+                <a:cs typeface="+mn-cs"/>
+                <a:sym typeface="Helvetica"/>
+              </a:defRPr>
+            </a:lvl1pPr>
+          </a:lstStyle>
+          <a:p>
+            <a:r>
+              <a:t>Why anonymous?? </a:t>
+            </a:r>
+          </a:p>
+        </p:txBody>
+      </p:sp>
+      <p:sp>
+        <p:nvSpPr>
+          <p:cNvPr id="2" name="Rectangle 1">
+            <a:extLst>
+              <a:ext uri="{FF2B5EF4-FFF2-40B4-BE49-F238E27FC236}">
+                <a16:creationId xmlns:a16="http://schemas.microsoft.com/office/drawing/2014/main" id="{9D54BF55-C0D4-4241-84FD-58819D7458B3}"/>
+              </a:ext>
+            </a:extLst>
+          </p:cNvPr>
+          <p:cNvSpPr/>
+          <p:nvPr/>
+        </p:nvSpPr>
+        <p:spPr>
+          <a:xfrm>
+            <a:off x="1150706" y="4989494"/>
+            <a:ext cx="10387173" cy="923330"/>
+          </a:xfrm>
+          <a:prstGeom prst="rect">
+            <a:avLst/>
+          </a:prstGeom>
+        </p:spPr>
+        <p:txBody>
+          <a:bodyPr wrap="square">
+            <a:spAutoFit/>
+          </a:bodyPr>
+          <a:lstStyle/>
+          <a:p>
+            <a:r>
+              <a:rPr lang="en-IN" dirty="0">
+                <a:hlinkClick r:id="rId3"/>
+              </a:rPr>
+              <a:t>https://stackoverflow.com/questions/10273185/what-are-the-benefits-to-using-anonymous-functions-instead-of-named-functions-fo#:~:text=I%20use%20anonymous%20functions%20for,variables%20in%20the%20parent%20scopes.</a:t>
+            </a:r>
+            <a:endParaRPr lang="en-US" dirty="0"/>
+          </a:p>
+        </p:txBody>
+      </p:sp>
+    </p:spTree>
+  </p:cSld>
+  <p:clrMapOvr>
+    <a:masterClrMapping/>
+  </p:clrMapOvr>
+  <p:transition spd="med"/>
+  <p:timing>
+    <p:tnLst>
+      <p:par>
+        <p:cTn id="1" dur="indefinite" restart="never" fill="hold" nodeType="tmRoot">
+          <p:childTnLst>
+            <p:seq concurrent="1" prevAc="none" nextAc="seek">
+              <p:cTn id="2" dur="indefinite" fill="hold" nodeType="mainSeq">
+                <p:childTnLst>
+                  <p:par>
+                    <p:cTn id="3" fill="hold">
+                      <p:stCondLst>
+                        <p:cond delay="indefinite"/>
+                      </p:stCondLst>
+                      <p:childTnLst>
+                        <p:par>
+                          <p:cTn id="4" fill="hold">
+                            <p:stCondLst>
+                              <p:cond delay="0"/>
+                            </p:stCondLst>
+                            <p:childTnLst>
+                              <p:par>
+                                <p:cTn id="5" presetID="1" presetClass="entr" presetSubtype="0" fill="hold" grpId="1" nodeType="clickEffect">
+                                  <p:stCondLst>
+                                    <p:cond delay="0"/>
+                                  </p:stCondLst>
+                                  <p:iterate>
+                                    <p:tmAbs val="0"/>
+                                  </p:iterate>
+                                  <p:childTnLst>
+                                    <p:set>
+                                      <p:cBhvr>
+                                        <p:cTn id="6" fill="hold"/>
+                                        <p:tgtEl>
+                                          <p:spTgt spid="332"/>
+                                        </p:tgtEl>
+                                        <p:attrNameLst>
+                                          <p:attrName>style.visibility</p:attrName>
+                                        </p:attrNameLst>
+                                      </p:cBhvr>
+                                      <p:to>
+                                        <p:strVal val="visible"/>
+                                      </p:to>
+                                    </p:set>
+                                  </p:childTnLst>
+                                </p:cTn>
+                              </p:par>
+                            </p:childTnLst>
+                          </p:cTn>
+                        </p:par>
+                      </p:childTnLst>
+                    </p:cTn>
+                  </p:par>
+                  <p:par>
+                    <p:cTn id="7" fill="hold">
+                      <p:stCondLst>
+                        <p:cond delay="indefinite"/>
+                      </p:stCondLst>
+                      <p:childTnLst>
+                        <p:par>
+                          <p:cTn id="8" fill="hold">
+                            <p:stCondLst>
+                              <p:cond delay="0"/>
+                            </p:stCondLst>
+                            <p:childTnLst>
+                              <p:par>
+                                <p:cTn id="9" presetID="1" presetClass="entr" presetSubtype="0" fill="hold" grpId="2" nodeType="clickEffect">
+                                  <p:stCondLst>
+                                    <p:cond delay="0"/>
+                                  </p:stCondLst>
+                                  <p:iterate>
+                                    <p:tmAbs val="0"/>
+                                  </p:iterate>
+                                  <p:childTnLst>
+                                    <p:set>
+                                      <p:cBhvr>
+                                        <p:cTn id="10" fill="hold"/>
+                                        <p:tgtEl>
+                                          <p:spTgt spid="333"/>
+                                        </p:tgtEl>
+                                        <p:attrNameLst>
+                                          <p:attrName>style.visibility</p:attrName>
+                                        </p:attrNameLst>
+                                      </p:cBhvr>
+                                      <p:to>
+                                        <p:strVal val="visible"/>
+                                      </p:to>
+                                    </p:set>
+                                  </p:childTnLst>
+                                </p:cTn>
+                              </p:par>
+                            </p:childTnLst>
+                          </p:cTn>
+                        </p:par>
+                      </p:childTnLst>
+                    </p:cTn>
+                  </p:par>
+                  <p:par>
+                    <p:cTn id="11" fill="hold">
+                      <p:stCondLst>
+                        <p:cond delay="indefinite"/>
+                      </p:stCondLst>
+                      <p:childTnLst>
+                        <p:par>
+                          <p:cTn id="12" fill="hold">
+                            <p:stCondLst>
+                              <p:cond delay="0"/>
+                            </p:stCondLst>
+                            <p:childTnLst>
+                              <p:par>
+                                <p:cTn id="13" presetID="1" presetClass="entr" presetSubtype="0" fill="hold" grpId="3" nodeType="clickEffect">
+                                  <p:stCondLst>
+                                    <p:cond delay="0"/>
+                                  </p:stCondLst>
+                                  <p:iterate>
+                                    <p:tmAbs val="0"/>
+                                  </p:iterate>
+                                  <p:childTnLst>
+                                    <p:set>
+                                      <p:cBhvr>
+                                        <p:cTn id="14" fill="hold"/>
+                                        <p:tgtEl>
+                                          <p:spTgt spid="334"/>
+                                        </p:tgtEl>
+                                        <p:attrNameLst>
+                                          <p:attrName>style.visibility</p:attrName>
+                                        </p:attrNameLst>
+                                      </p:cBhvr>
+                                      <p:to>
+                                        <p:strVal val="visible"/>
+                                      </p:to>
+                                    </p:set>
+                                  </p:childTnLst>
+                                </p:cTn>
+                              </p:par>
+                            </p:childTnLst>
+                          </p:cTn>
+                        </p:par>
+                      </p:childTnLst>
+                    </p:cTn>
+                  </p:par>
+                  <p:par>
+                    <p:cTn id="15" fill="hold">
+                      <p:stCondLst>
+                        <p:cond delay="indefinite"/>
+                      </p:stCondLst>
+                      <p:childTnLst>
+                        <p:par>
+                          <p:cTn id="16" fill="hold">
+                            <p:stCondLst>
+                              <p:cond delay="0"/>
+                            </p:stCondLst>
+                            <p:childTnLst>
+                              <p:par>
+                                <p:cTn id="17" presetID="1" presetClass="entr" presetSubtype="0" fill="hold" grpId="0" nodeType="clickEffect">
+                                  <p:stCondLst>
+                                    <p:cond delay="0"/>
+                                  </p:stCondLst>
+                                  <p:childTnLst>
+                                    <p:set>
+                                      <p:cBhvr>
+                                        <p:cTn id="18" dur="1" fill="hold">
+                                          <p:stCondLst>
+                                            <p:cond delay="0"/>
+                                          </p:stCondLst>
+                                        </p:cTn>
+                                        <p:tgtEl>
+                                          <p:spTgt spid="2"/>
+                                        </p:tgtEl>
+                                        <p:attrNameLst>
+                                          <p:attrName>style.visibility</p:attrName>
+                                        </p:attrNameLst>
+                                      </p:cBhvr>
+                                      <p:to>
+                                        <p:strVal val="visible"/>
+                                      </p:to>
+                                    </p:set>
+                                  </p:childTnLst>
+                                </p:cTn>
+                              </p:par>
+                            </p:childTnLst>
+                          </p:cTn>
+                        </p:par>
+                      </p:childTnLst>
+                    </p:cTn>
+                  </p:par>
+                </p:childTnLst>
+              </p:cTn>
+              <p:prevCondLst>
+                <p:cond evt="onPrev" delay="0">
+                  <p:tgtEl>
+                    <p:sldTgt/>
+                  </p:tgtEl>
+                </p:cond>
+              </p:prevCondLst>
+              <p:nextCondLst>
+                <p:cond evt="onNext" delay="0">
+                  <p:tgtEl>
+                    <p:sldTgt/>
+                  </p:tgtEl>
+                </p:cond>
+              </p:nextCondLst>
+            </p:seq>
+          </p:childTnLst>
+        </p:cTn>
+      </p:par>
+    </p:tnLst>
+    <p:bldLst>
+      <p:bldP spid="332" grpId="1" animBg="1" advAuto="0"/>
+      <p:bldP spid="333" grpId="2" animBg="1" advAuto="0"/>
+      <p:bldP spid="334" grpId="3" animBg="1" advAuto="0"/>
+      <p:bldP spid="2" grpId="0"/>
+    </p:bldLst>
+  </p:timing>
+</p:sld>
+</file>
+
+<file path=ppt/slides/slide51.xml><?xml version="1.0" encoding="utf-8"?>
+<p:sld xmlns:a="http://schemas.openxmlformats.org/drawingml/2006/main" xmlns:r="http://schemas.openxmlformats.org/officeDocument/2006/relationships" xmlns:p="http://schemas.openxmlformats.org/presentationml/2006/main">
+  <p:cSld>
+    <p:spTree>
+      <p:nvGrpSpPr>
+        <p:cNvPr id="1" name=""/>
+        <p:cNvGrpSpPr/>
+        <p:nvPr/>
+      </p:nvGrpSpPr>
+      <p:grpSpPr>
+        <a:xfrm>
+          <a:off x="0" y="0"/>
+          <a:ext cx="0" cy="0"/>
+          <a:chOff x="0" y="0"/>
+          <a:chExt cx="0" cy="0"/>
+        </a:xfrm>
+      </p:grpSpPr>
+      <p:pic>
+        <p:nvPicPr>
+          <p:cNvPr id="336" name="Google Shape;54;p13" descr="Google Shape;54;p13"/>
+          <p:cNvPicPr>
+            <a:picLocks noChangeAspect="1"/>
+          </p:cNvPicPr>
+          <p:nvPr/>
+        </p:nvPicPr>
+        <p:blipFill>
+          <a:blip r:embed="rId2"/>
+          <a:stretch>
+            <a:fillRect/>
+          </a:stretch>
+        </p:blipFill>
+        <p:spPr>
+          <a:xfrm>
+            <a:off x="0" y="0"/>
+            <a:ext cx="12191997" cy="6858000"/>
+          </a:xfrm>
+          <a:prstGeom prst="rect">
+            <a:avLst/>
+          </a:prstGeom>
+          <a:ln w="12700">
+            <a:miter lim="400000"/>
+          </a:ln>
+        </p:spPr>
+      </p:pic>
+      <p:sp>
+        <p:nvSpPr>
+          <p:cNvPr id="337" name="Title 1"/>
+          <p:cNvSpPr txBox="1">
+            <a:spLocks noGrp="1"/>
+          </p:cNvSpPr>
+          <p:nvPr>
+            <p:ph type="title"/>
+          </p:nvPr>
+        </p:nvSpPr>
+        <p:spPr>
+          <a:prstGeom prst="rect">
+            <a:avLst/>
+          </a:prstGeom>
+        </p:spPr>
+        <p:txBody>
+          <a:bodyPr/>
+          <a:lstStyle/>
+          <a:p>
+            <a:r>
+              <a:t>IIFE</a:t>
+            </a:r>
+          </a:p>
+        </p:txBody>
+      </p:sp>
+      <p:sp>
+        <p:nvSpPr>
+          <p:cNvPr id="338" name="Rectangle 4"/>
+          <p:cNvSpPr txBox="1"/>
+          <p:nvPr/>
+        </p:nvSpPr>
+        <p:spPr>
+          <a:xfrm>
+            <a:off x="883919" y="1910189"/>
+            <a:ext cx="10483167" cy="601624"/>
+          </a:xfrm>
+          <a:prstGeom prst="rect">
+            <a:avLst/>
+          </a:prstGeom>
+          <a:ln w="12700">
+            <a:miter lim="400000"/>
+          </a:ln>
+          <a:extLst>
+            <a:ext uri="{C572A759-6A51-4108-AA02-DFA0A04FC94B}">
+              <ma14:wrappingTextBoxFlag xmlns="" xmlns:m="http://schemas.openxmlformats.org/officeDocument/2006/math" xmlns:a14="http://schemas.microsoft.com/office/drawing/2010/main" xmlns:ma14="http://schemas.microsoft.com/office/mac/drawingml/2011/main" val="1"/>
+            </a:ext>
+          </a:extLst>
+        </p:spPr>
+        <p:txBody>
+          <a:bodyPr wrap="none" lIns="45719" rIns="45719">
+            <a:spAutoFit/>
+          </a:bodyPr>
+          <a:lstStyle>
+            <a:lvl1pPr>
+              <a:defRPr sz="4000"/>
+            </a:lvl1pPr>
+          </a:lstStyle>
+          <a:p>
+            <a:r>
+              <a:t>(function(number) { return number * number })(4)</a:t>
+            </a:r>
+          </a:p>
+        </p:txBody>
+      </p:sp>
+      <p:sp>
+        <p:nvSpPr>
+          <p:cNvPr id="339" name="Rectangle 6"/>
+          <p:cNvSpPr txBox="1"/>
+          <p:nvPr/>
+        </p:nvSpPr>
+        <p:spPr>
+          <a:xfrm>
+            <a:off x="5169337" y="3545464"/>
+            <a:ext cx="1848804" cy="497048"/>
+          </a:xfrm>
+          <a:prstGeom prst="rect">
+            <a:avLst/>
+          </a:prstGeom>
+          <a:ln w="12700">
+            <a:miter lim="400000"/>
+          </a:ln>
+          <a:extLst>
+            <a:ext uri="{C572A759-6A51-4108-AA02-DFA0A04FC94B}">
+              <ma14:wrappingTextBoxFlag xmlns="" xmlns:m="http://schemas.openxmlformats.org/officeDocument/2006/math" xmlns:a14="http://schemas.microsoft.com/office/drawing/2010/main" xmlns:ma14="http://schemas.microsoft.com/office/mac/drawingml/2011/main" val="1"/>
+            </a:ext>
+          </a:extLst>
+        </p:spPr>
+        <p:txBody>
+          <a:bodyPr wrap="none" lIns="45719" rIns="45719">
+            <a:spAutoFit/>
+          </a:bodyPr>
+          <a:lstStyle>
+            <a:lvl1pPr>
+              <a:defRPr sz="3200" b="1">
+                <a:latin typeface="+mn-lt"/>
+                <a:ea typeface="+mn-ea"/>
+                <a:cs typeface="+mn-cs"/>
+                <a:sym typeface="Helvetica"/>
+              </a:defRPr>
+            </a:lvl1pPr>
+          </a:lstStyle>
+          <a:p>
+            <a:r>
+              <a:t>Only Once</a:t>
+            </a:r>
+          </a:p>
+        </p:txBody>
+      </p:sp>
+      <p:sp>
+        <p:nvSpPr>
+          <p:cNvPr id="2" name="Rectangle 1">
+            <a:extLst>
+              <a:ext uri="{FF2B5EF4-FFF2-40B4-BE49-F238E27FC236}">
+                <a16:creationId xmlns:a16="http://schemas.microsoft.com/office/drawing/2014/main" id="{CBB679F1-FDD4-BE44-B62D-D8D6DB26F6C8}"/>
+              </a:ext>
+            </a:extLst>
+          </p:cNvPr>
+          <p:cNvSpPr/>
+          <p:nvPr/>
+        </p:nvSpPr>
+        <p:spPr>
+          <a:xfrm>
+            <a:off x="2369905" y="4803924"/>
+            <a:ext cx="8818651" cy="369332"/>
+          </a:xfrm>
+          <a:prstGeom prst="rect">
+            <a:avLst/>
+          </a:prstGeom>
+        </p:spPr>
+        <p:txBody>
+          <a:bodyPr wrap="square">
+            <a:spAutoFit/>
+          </a:bodyPr>
+          <a:lstStyle/>
+          <a:p>
+            <a:r>
+              <a:rPr lang="en-IN" dirty="0">
+                <a:hlinkClick r:id="rId3"/>
+              </a:rPr>
+              <a:t>http://benalman.com/news/2010/11/immediately-invoked-function-expression/</a:t>
+            </a:r>
+            <a:endParaRPr lang="en-US" dirty="0"/>
+          </a:p>
+        </p:txBody>
+      </p:sp>
+      <p:sp>
+        <p:nvSpPr>
+          <p:cNvPr id="3" name="Rectangle 2">
+            <a:extLst>
+              <a:ext uri="{FF2B5EF4-FFF2-40B4-BE49-F238E27FC236}">
+                <a16:creationId xmlns:a16="http://schemas.microsoft.com/office/drawing/2014/main" id="{0CBA5B70-2274-4146-835A-E5E20DEBB76A}"/>
+              </a:ext>
+            </a:extLst>
+          </p:cNvPr>
+          <p:cNvSpPr/>
+          <p:nvPr/>
+        </p:nvSpPr>
+        <p:spPr>
+          <a:xfrm>
+            <a:off x="5210027" y="4238552"/>
+            <a:ext cx="1830950" cy="369332"/>
+          </a:xfrm>
+          <a:prstGeom prst="rect">
+            <a:avLst/>
+          </a:prstGeom>
+        </p:spPr>
+        <p:txBody>
+          <a:bodyPr wrap="none">
+            <a:spAutoFit/>
+          </a:bodyPr>
+          <a:lstStyle/>
+          <a:p>
+            <a:r>
+              <a:rPr lang="en-IN" dirty="0">
+                <a:latin typeface="Helvetica Neue" panose="02000503000000020004" pitchFamily="2" charset="0"/>
+              </a:rPr>
+              <a:t>Module Pattern </a:t>
+            </a:r>
+            <a:endParaRPr lang="en-US" dirty="0"/>
+          </a:p>
+        </p:txBody>
+      </p:sp>
+    </p:spTree>
+  </p:cSld>
+  <p:clrMapOvr>
+    <a:masterClrMapping/>
+  </p:clrMapOvr>
+  <p:transition spd="med"/>
+  <p:timing>
+    <p:tnLst>
+      <p:par>
+        <p:cTn id="1" dur="indefinite" restart="never" fill="hold" nodeType="tmRoot">
+          <p:childTnLst>
+            <p:seq concurrent="1" prevAc="none" nextAc="seek">
+              <p:cTn id="2" dur="indefinite" fill="hold" nodeType="mainSeq">
+                <p:childTnLst>
+                  <p:par>
+                    <p:cTn id="3" fill="hold">
+                      <p:stCondLst>
+                        <p:cond delay="indefinite"/>
+                      </p:stCondLst>
+                      <p:childTnLst>
+                        <p:par>
+                          <p:cTn id="4" fill="hold">
+                            <p:stCondLst>
+                              <p:cond delay="0"/>
+                            </p:stCondLst>
+                            <p:childTnLst>
+                              <p:par>
+                                <p:cTn id="5" presetID="1" presetClass="entr" presetSubtype="0" fill="hold" grpId="1" nodeType="clickEffect">
+                                  <p:stCondLst>
+                                    <p:cond delay="0"/>
+                                  </p:stCondLst>
+                                  <p:iterate>
+                                    <p:tmAbs val="0"/>
+                                  </p:iterate>
+                                  <p:childTnLst>
+                                    <p:set>
+                                      <p:cBhvr>
+                                        <p:cTn id="6" fill="hold"/>
+                                        <p:tgtEl>
+                                          <p:spTgt spid="338"/>
+                                        </p:tgtEl>
+                                        <p:attrNameLst>
+                                          <p:attrName>style.visibility</p:attrName>
+                                        </p:attrNameLst>
+                                      </p:cBhvr>
+                                      <p:to>
+                                        <p:strVal val="visible"/>
+                                      </p:to>
+                                    </p:set>
+                                  </p:childTnLst>
+                                </p:cTn>
+                              </p:par>
+                            </p:childTnLst>
+                          </p:cTn>
+                        </p:par>
+                      </p:childTnLst>
+                    </p:cTn>
+                  </p:par>
+                  <p:par>
+                    <p:cTn id="7" fill="hold">
+                      <p:stCondLst>
+                        <p:cond delay="indefinite"/>
+                      </p:stCondLst>
+                      <p:childTnLst>
+                        <p:par>
+                          <p:cTn id="8" fill="hold">
+                            <p:stCondLst>
+                              <p:cond delay="0"/>
+                            </p:stCondLst>
+                            <p:childTnLst>
+                              <p:par>
+                                <p:cTn id="9" presetID="1" presetClass="entr" presetSubtype="0" fill="hold" grpId="2" nodeType="clickEffect">
+                                  <p:stCondLst>
+                                    <p:cond delay="0"/>
+                                  </p:stCondLst>
+                                  <p:iterate>
+                                    <p:tmAbs val="0"/>
+                                  </p:iterate>
+                                  <p:childTnLst>
+                                    <p:set>
+                                      <p:cBhvr>
+                                        <p:cTn id="10" fill="hold"/>
+                                        <p:tgtEl>
+                                          <p:spTgt spid="339"/>
+                                        </p:tgtEl>
+                                        <p:attrNameLst>
+                                          <p:attrName>style.visibility</p:attrName>
+                                        </p:attrNameLst>
+                                      </p:cBhvr>
+                                      <p:to>
+                                        <p:strVal val="visible"/>
+                                      </p:to>
+                                    </p:set>
+                                  </p:childTnLst>
+                                </p:cTn>
+                              </p:par>
+                            </p:childTnLst>
+                          </p:cTn>
+                        </p:par>
+                      </p:childTnLst>
+                    </p:cTn>
+                  </p:par>
+                  <p:par>
+                    <p:cTn id="11" fill="hold">
+                      <p:stCondLst>
+                        <p:cond delay="indefinite"/>
+                      </p:stCondLst>
+                      <p:childTnLst>
+                        <p:par>
+                          <p:cTn id="12" fill="hold">
+                            <p:stCondLst>
+                              <p:cond delay="0"/>
+                            </p:stCondLst>
+                            <p:childTnLst>
+                              <p:par>
+                                <p:cTn id="13" presetID="1" presetClass="entr" presetSubtype="0" fill="hold" grpId="0" nodeType="clickEffect">
+                                  <p:stCondLst>
+                                    <p:cond delay="0"/>
+                                  </p:stCondLst>
+                                  <p:childTnLst>
+                                    <p:set>
+                                      <p:cBhvr>
+                                        <p:cTn id="14" dur="1" fill="hold">
+                                          <p:stCondLst>
+                                            <p:cond delay="0"/>
+                                          </p:stCondLst>
+                                        </p:cTn>
+                                        <p:tgtEl>
+                                          <p:spTgt spid="2"/>
+                                        </p:tgtEl>
+                                        <p:attrNameLst>
+                                          <p:attrName>style.visibility</p:attrName>
+                                        </p:attrNameLst>
+                                      </p:cBhvr>
+                                      <p:to>
+                                        <p:strVal val="visible"/>
+                                      </p:to>
+                                    </p:set>
+                                  </p:childTnLst>
+                                </p:cTn>
+                              </p:par>
+                            </p:childTnLst>
+                          </p:cTn>
+                        </p:par>
+                      </p:childTnLst>
+                    </p:cTn>
+                  </p:par>
+                  <p:par>
+                    <p:cTn id="15" fill="hold">
+                      <p:stCondLst>
+                        <p:cond delay="indefinite"/>
+                      </p:stCondLst>
+                      <p:childTnLst>
+                        <p:par>
+                          <p:cTn id="16" fill="hold">
+                            <p:stCondLst>
+                              <p:cond delay="0"/>
+                            </p:stCondLst>
+                            <p:childTnLst>
+                              <p:par>
+                                <p:cTn id="17" presetID="1" presetClass="entr" presetSubtype="0" fill="hold" grpId="0" nodeType="clickEffect">
+                                  <p:stCondLst>
+                                    <p:cond delay="0"/>
+                                  </p:stCondLst>
+                                  <p:childTnLst>
+                                    <p:set>
+                                      <p:cBhvr>
+                                        <p:cTn id="18" dur="1" fill="hold">
+                                          <p:stCondLst>
+                                            <p:cond delay="0"/>
+                                          </p:stCondLst>
+                                        </p:cTn>
+                                        <p:tgtEl>
+                                          <p:spTgt spid="3"/>
+                                        </p:tgtEl>
+                                        <p:attrNameLst>
+                                          <p:attrName>style.visibility</p:attrName>
+                                        </p:attrNameLst>
+                                      </p:cBhvr>
+                                      <p:to>
+                                        <p:strVal val="visible"/>
+                                      </p:to>
+                                    </p:set>
+                                  </p:childTnLst>
+                                </p:cTn>
+                              </p:par>
+                            </p:childTnLst>
+                          </p:cTn>
+                        </p:par>
+                      </p:childTnLst>
+                    </p:cTn>
+                  </p:par>
+                </p:childTnLst>
+              </p:cTn>
+              <p:prevCondLst>
+                <p:cond evt="onPrev" delay="0">
+                  <p:tgtEl>
+                    <p:sldTgt/>
+                  </p:tgtEl>
+                </p:cond>
+              </p:prevCondLst>
+              <p:nextCondLst>
+                <p:cond evt="onNext" delay="0">
+                  <p:tgtEl>
+                    <p:sldTgt/>
+                  </p:tgtEl>
+                </p:cond>
+              </p:nextCondLst>
+            </p:seq>
+          </p:childTnLst>
+        </p:cTn>
+      </p:par>
+    </p:tnLst>
+    <p:bldLst>
+      <p:bldP spid="338" grpId="1" animBg="1" advAuto="0"/>
+      <p:bldP spid="339" grpId="2" animBg="1" advAuto="0"/>
+      <p:bldP spid="2" grpId="0"/>
+      <p:bldP spid="3" grpId="0"/>
+    </p:bldLst>
+  </p:timing>
+</p:sld>
+</file>
+
+<file path=ppt/slides/slide52.xml><?xml version="1.0" encoding="utf-8"?>
+<p:sld xmlns:a="http://schemas.openxmlformats.org/drawingml/2006/main" xmlns:r="http://schemas.openxmlformats.org/officeDocument/2006/relationships" xmlns:p="http://schemas.openxmlformats.org/presentationml/2006/main">
+  <p:cSld>
+    <p:spTree>
+      <p:nvGrpSpPr>
+        <p:cNvPr id="1" name=""/>
+        <p:cNvGrpSpPr/>
+        <p:nvPr/>
+      </p:nvGrpSpPr>
+      <p:grpSpPr>
+        <a:xfrm>
+          <a:off x="0" y="0"/>
+          <a:ext cx="0" cy="0"/>
+          <a:chOff x="0" y="0"/>
+          <a:chExt cx="0" cy="0"/>
+        </a:xfrm>
+      </p:grpSpPr>
+      <p:pic>
+        <p:nvPicPr>
           <p:cNvPr id="341" name="Google Shape;54;p13" descr="Google Shape;54;p13"/>
           <p:cNvPicPr>
             <a:picLocks noChangeAspect="1"/>
@@ -24551,7 +25030,7 @@
           </a:ln>
           <a:extLst>
             <a:ext uri="{C572A759-6A51-4108-AA02-DFA0A04FC94B}">
-              <ma14:wrappingTextBoxFlag xmlns:ma14="http://schemas.microsoft.com/office/mac/drawingml/2011/main" xmlns:a14="http://schemas.microsoft.com/office/drawing/2010/main" xmlns:m="http://schemas.openxmlformats.org/officeDocument/2006/math" xmlns="" val="1"/>
+              <ma14:wrappingTextBoxFlag xmlns="" xmlns:m="http://schemas.openxmlformats.org/officeDocument/2006/math" xmlns:a14="http://schemas.microsoft.com/office/drawing/2010/main" xmlns:ma14="http://schemas.microsoft.com/office/mac/drawingml/2011/main" val="1"/>
             </a:ext>
           </a:extLst>
         </p:spPr>
@@ -24625,7 +25104,7 @@
           </a:ln>
           <a:extLst>
             <a:ext uri="{C572A759-6A51-4108-AA02-DFA0A04FC94B}">
-              <ma14:wrappingTextBoxFlag xmlns:ma14="http://schemas.microsoft.com/office/mac/drawingml/2011/main" xmlns:a14="http://schemas.microsoft.com/office/drawing/2010/main" xmlns:m="http://schemas.openxmlformats.org/officeDocument/2006/math" xmlns="" val="1"/>
+              <ma14:wrappingTextBoxFlag xmlns="" xmlns:m="http://schemas.openxmlformats.org/officeDocument/2006/math" xmlns:a14="http://schemas.microsoft.com/office/drawing/2010/main" xmlns:ma14="http://schemas.microsoft.com/office/mac/drawingml/2011/main" val="1"/>
             </a:ext>
           </a:extLst>
         </p:spPr>
@@ -24654,7 +25133,7 @@
 </p:sld>
 </file>
 
-<file path=ppt/slides/slide51.xml><?xml version="1.0" encoding="utf-8"?>
+<file path=ppt/slides/slide53.xml><?xml version="1.0" encoding="utf-8"?>
 <p:sld xmlns:a="http://schemas.openxmlformats.org/drawingml/2006/main" xmlns:r="http://schemas.openxmlformats.org/officeDocument/2006/relationships" xmlns:p="http://schemas.openxmlformats.org/presentationml/2006/main">
   <p:cSld>
     <p:spTree>
@@ -24742,7 +25221,7 @@
           </a:ln>
           <a:extLst>
             <a:ext uri="{C572A759-6A51-4108-AA02-DFA0A04FC94B}">
-              <ma14:wrappingTextBoxFlag xmlns:ma14="http://schemas.microsoft.com/office/mac/drawingml/2011/main" xmlns:a14="http://schemas.microsoft.com/office/drawing/2010/main" xmlns:m="http://schemas.openxmlformats.org/officeDocument/2006/math" xmlns="" val="1"/>
+              <ma14:wrappingTextBoxFlag xmlns="" xmlns:m="http://schemas.openxmlformats.org/officeDocument/2006/math" xmlns:a14="http://schemas.microsoft.com/office/drawing/2010/main" xmlns:ma14="http://schemas.microsoft.com/office/mac/drawingml/2011/main" val="1"/>
             </a:ext>
           </a:extLst>
         </p:spPr>
@@ -24804,7 +25283,7 @@
 </p:sld>
 </file>
 
-<file path=ppt/slides/slide52.xml><?xml version="1.0" encoding="utf-8"?>
+<file path=ppt/slides/slide54.xml><?xml version="1.0" encoding="utf-8"?>
 <p:sld xmlns:a="http://schemas.openxmlformats.org/drawingml/2006/main" xmlns:r="http://schemas.openxmlformats.org/officeDocument/2006/relationships" xmlns:p="http://schemas.openxmlformats.org/presentationml/2006/main">
   <p:cSld>
     <p:spTree>
@@ -24892,7 +25371,7 @@
           </a:ln>
           <a:extLst>
             <a:ext uri="{C572A759-6A51-4108-AA02-DFA0A04FC94B}">
-              <ma14:wrappingTextBoxFlag xmlns:ma14="http://schemas.microsoft.com/office/mac/drawingml/2011/main" xmlns:a14="http://schemas.microsoft.com/office/drawing/2010/main" xmlns:m="http://schemas.openxmlformats.org/officeDocument/2006/math" xmlns="" val="1"/>
+              <ma14:wrappingTextBoxFlag xmlns="" xmlns:m="http://schemas.openxmlformats.org/officeDocument/2006/math" xmlns:a14="http://schemas.microsoft.com/office/drawing/2010/main" xmlns:ma14="http://schemas.microsoft.com/office/mac/drawingml/2011/main" val="1"/>
             </a:ext>
           </a:extLst>
         </p:spPr>
@@ -24976,7 +25455,7 @@
           </a:ln>
           <a:extLst>
             <a:ext uri="{C572A759-6A51-4108-AA02-DFA0A04FC94B}">
-              <ma14:wrappingTextBoxFlag xmlns:ma14="http://schemas.microsoft.com/office/mac/drawingml/2011/main" xmlns:a14="http://schemas.microsoft.com/office/drawing/2010/main" xmlns:m="http://schemas.openxmlformats.org/officeDocument/2006/math" xmlns="" val="1"/>
+              <ma14:wrappingTextBoxFlag xmlns="" xmlns:m="http://schemas.openxmlformats.org/officeDocument/2006/math" xmlns:a14="http://schemas.microsoft.com/office/drawing/2010/main" xmlns:ma14="http://schemas.microsoft.com/office/mac/drawingml/2011/main" val="1"/>
             </a:ext>
           </a:extLst>
         </p:spPr>
@@ -25012,7 +25491,7 @@
 </p:sld>
 </file>
 
-<file path=ppt/slides/slide53.xml><?xml version="1.0" encoding="utf-8"?>
+<file path=ppt/slides/slide55.xml><?xml version="1.0" encoding="utf-8"?>
 <p:sld xmlns:a="http://schemas.openxmlformats.org/drawingml/2006/main" xmlns:r="http://schemas.openxmlformats.org/officeDocument/2006/relationships" xmlns:p="http://schemas.openxmlformats.org/presentationml/2006/main">
   <p:cSld>
     <p:spTree>
@@ -25142,7 +25621,7 @@
 </p:sld>
 </file>
 
-<file path=ppt/slides/slide54.xml><?xml version="1.0" encoding="utf-8"?>
+<file path=ppt/slides/slide56.xml><?xml version="1.0" encoding="utf-8"?>
 <p:sld xmlns:a="http://schemas.openxmlformats.org/drawingml/2006/main" xmlns:r="http://schemas.openxmlformats.org/officeDocument/2006/relationships" xmlns:p="http://schemas.openxmlformats.org/presentationml/2006/main">
   <p:cSld>
     <p:spTree>
@@ -25373,7 +25852,7 @@
 </p:sld>
 </file>
 
-<file path=ppt/slides/slide55.xml><?xml version="1.0" encoding="utf-8"?>
+<file path=ppt/slides/slide57.xml><?xml version="1.0" encoding="utf-8"?>
 <p:sld xmlns:a="http://schemas.openxmlformats.org/drawingml/2006/main" xmlns:r="http://schemas.openxmlformats.org/officeDocument/2006/relationships" xmlns:p="http://schemas.openxmlformats.org/presentationml/2006/main">
   <p:cSld>
     <p:spTree>
@@ -25525,7 +26004,7 @@
             <a:effectLst/>
             <a:extLst>
               <a:ext uri="{C572A759-6A51-4108-AA02-DFA0A04FC94B}">
-                <ma14:wrappingTextBoxFlag xmlns:ma14="http://schemas.microsoft.com/office/mac/drawingml/2011/main" xmlns:a14="http://schemas.microsoft.com/office/drawing/2010/main" xmlns:m="http://schemas.openxmlformats.org/officeDocument/2006/math" xmlns="" val="1"/>
+                <ma14:wrappingTextBoxFlag xmlns="" xmlns:m="http://schemas.openxmlformats.org/officeDocument/2006/math" xmlns:a14="http://schemas.microsoft.com/office/drawing/2010/main" xmlns:ma14="http://schemas.microsoft.com/office/mac/drawingml/2011/main" val="1"/>
               </a:ext>
             </a:extLst>
           </p:spPr>
@@ -25604,7 +26083,7 @@
           </a:ln>
           <a:extLst>
             <a:ext uri="{C572A759-6A51-4108-AA02-DFA0A04FC94B}">
-              <ma14:wrappingTextBoxFlag xmlns:ma14="http://schemas.microsoft.com/office/mac/drawingml/2011/main" xmlns:a14="http://schemas.microsoft.com/office/drawing/2010/main" xmlns:m="http://schemas.openxmlformats.org/officeDocument/2006/math" xmlns="" val="1"/>
+              <ma14:wrappingTextBoxFlag xmlns="" xmlns:m="http://schemas.openxmlformats.org/officeDocument/2006/math" xmlns:a14="http://schemas.microsoft.com/office/drawing/2010/main" xmlns:ma14="http://schemas.microsoft.com/office/mac/drawingml/2011/main" val="1"/>
             </a:ext>
           </a:extLst>
         </p:spPr>
@@ -25677,7 +26156,7 @@
           </a:ln>
           <a:extLst>
             <a:ext uri="{C572A759-6A51-4108-AA02-DFA0A04FC94B}">
-              <ma14:wrappingTextBoxFlag xmlns:ma14="http://schemas.microsoft.com/office/mac/drawingml/2011/main" xmlns:a14="http://schemas.microsoft.com/office/drawing/2010/main" xmlns:m="http://schemas.openxmlformats.org/officeDocument/2006/math" xmlns="" val="1"/>
+              <ma14:wrappingTextBoxFlag xmlns="" xmlns:m="http://schemas.openxmlformats.org/officeDocument/2006/math" xmlns:a14="http://schemas.microsoft.com/office/drawing/2010/main" xmlns:ma14="http://schemas.microsoft.com/office/mac/drawingml/2011/main" val="1"/>
             </a:ext>
           </a:extLst>
         </p:spPr>
@@ -25711,7 +26190,7 @@
 </p:sld>
 </file>
 
-<file path=ppt/slides/slide56.xml><?xml version="1.0" encoding="utf-8"?>
+<file path=ppt/slides/slide58.xml><?xml version="1.0" encoding="utf-8"?>
 <p:sld xmlns:a="http://schemas.openxmlformats.org/drawingml/2006/main" xmlns:r="http://schemas.openxmlformats.org/officeDocument/2006/relationships" xmlns:p="http://schemas.openxmlformats.org/presentationml/2006/main">
   <p:cSld>
     <p:spTree>
@@ -26275,7 +26754,7 @@
 </p:sld>
 </file>
 
-<file path=ppt/slides/slide57.xml><?xml version="1.0" encoding="utf-8"?>
+<file path=ppt/slides/slide59.xml><?xml version="1.0" encoding="utf-8"?>
 <p:sld xmlns:a="http://schemas.openxmlformats.org/drawingml/2006/main" xmlns:r="http://schemas.openxmlformats.org/officeDocument/2006/relationships" xmlns:p="http://schemas.openxmlformats.org/presentationml/2006/main">
   <p:cSld>
     <p:spTree>
@@ -26363,7 +26842,7 @@
           </a:ln>
           <a:extLst>
             <a:ext uri="{C572A759-6A51-4108-AA02-DFA0A04FC94B}">
-              <ma14:wrappingTextBoxFlag xmlns:ma14="http://schemas.microsoft.com/office/mac/drawingml/2011/main" xmlns:a14="http://schemas.microsoft.com/office/drawing/2010/main" xmlns:m="http://schemas.openxmlformats.org/officeDocument/2006/math" xmlns="" val="1"/>
+              <ma14:wrappingTextBoxFlag xmlns="" xmlns:m="http://schemas.openxmlformats.org/officeDocument/2006/math" xmlns:a14="http://schemas.microsoft.com/office/drawing/2010/main" xmlns:ma14="http://schemas.microsoft.com/office/mac/drawingml/2011/main" val="1"/>
             </a:ext>
           </a:extLst>
         </p:spPr>
@@ -26413,7 +26892,7 @@
           </a:ln>
           <a:extLst>
             <a:ext uri="{C572A759-6A51-4108-AA02-DFA0A04FC94B}">
-              <ma14:wrappingTextBoxFlag xmlns:ma14="http://schemas.microsoft.com/office/mac/drawingml/2011/main" xmlns:a14="http://schemas.microsoft.com/office/drawing/2010/main" xmlns:m="http://schemas.openxmlformats.org/officeDocument/2006/math" xmlns="" val="1"/>
+              <ma14:wrappingTextBoxFlag xmlns="" xmlns:m="http://schemas.openxmlformats.org/officeDocument/2006/math" xmlns:a14="http://schemas.microsoft.com/office/drawing/2010/main" xmlns:ma14="http://schemas.microsoft.com/office/mac/drawingml/2011/main" val="1"/>
             </a:ext>
           </a:extLst>
         </p:spPr>
@@ -26472,7 +26951,7 @@
           </a:ln>
           <a:extLst>
             <a:ext uri="{C572A759-6A51-4108-AA02-DFA0A04FC94B}">
-              <ma14:wrappingTextBoxFlag xmlns:ma14="http://schemas.microsoft.com/office/mac/drawingml/2011/main" xmlns:a14="http://schemas.microsoft.com/office/drawing/2010/main" xmlns:m="http://schemas.openxmlformats.org/officeDocument/2006/math" xmlns="" val="1"/>
+              <ma14:wrappingTextBoxFlag xmlns="" xmlns:m="http://schemas.openxmlformats.org/officeDocument/2006/math" xmlns:a14="http://schemas.microsoft.com/office/drawing/2010/main" xmlns:ma14="http://schemas.microsoft.com/office/mac/drawingml/2011/main" val="1"/>
             </a:ext>
           </a:extLst>
         </p:spPr>
@@ -26621,529 +27100,6 @@
 </p:sld>
 </file>
 
-<file path=ppt/slides/slide58.xml><?xml version="1.0" encoding="utf-8"?>
-<p:sld xmlns:a="http://schemas.openxmlformats.org/drawingml/2006/main" xmlns:r="http://schemas.openxmlformats.org/officeDocument/2006/relationships" xmlns:p="http://schemas.openxmlformats.org/presentationml/2006/main">
-  <p:cSld>
-    <p:spTree>
-      <p:nvGrpSpPr>
-        <p:cNvPr id="1" name=""/>
-        <p:cNvGrpSpPr/>
-        <p:nvPr/>
-      </p:nvGrpSpPr>
-      <p:grpSpPr>
-        <a:xfrm>
-          <a:off x="0" y="0"/>
-          <a:ext cx="0" cy="0"/>
-          <a:chOff x="0" y="0"/>
-          <a:chExt cx="0" cy="0"/>
-        </a:xfrm>
-      </p:grpSpPr>
-      <p:pic>
-        <p:nvPicPr>
-          <p:cNvPr id="382" name="Google Shape;54;p13" descr="Google Shape;54;p13"/>
-          <p:cNvPicPr>
-            <a:picLocks noChangeAspect="1"/>
-          </p:cNvPicPr>
-          <p:nvPr/>
-        </p:nvPicPr>
-        <p:blipFill>
-          <a:blip r:embed="rId2"/>
-          <a:stretch>
-            <a:fillRect/>
-          </a:stretch>
-        </p:blipFill>
-        <p:spPr>
-          <a:xfrm>
-            <a:off x="0" y="0"/>
-            <a:ext cx="12191997" cy="6858000"/>
-          </a:xfrm>
-          <a:prstGeom prst="rect">
-            <a:avLst/>
-          </a:prstGeom>
-          <a:ln w="12700">
-            <a:miter lim="400000"/>
-          </a:ln>
-        </p:spPr>
-      </p:pic>
-      <p:sp>
-        <p:nvSpPr>
-          <p:cNvPr id="383" name="Title 1"/>
-          <p:cNvSpPr txBox="1">
-            <a:spLocks noGrp="1"/>
-          </p:cNvSpPr>
-          <p:nvPr>
-            <p:ph type="title"/>
-          </p:nvPr>
-        </p:nvSpPr>
-        <p:spPr>
-          <a:prstGeom prst="rect">
-            <a:avLst/>
-          </a:prstGeom>
-        </p:spPr>
-        <p:txBody>
-          <a:bodyPr/>
-          <a:lstStyle/>
-          <a:p>
-            <a:r>
-              <a:t>Mandatory Tasks </a:t>
-            </a:r>
-          </a:p>
-        </p:txBody>
-      </p:sp>
-      <p:sp>
-        <p:nvSpPr>
-          <p:cNvPr id="384" name="Content Placeholder 2"/>
-          <p:cNvSpPr txBox="1">
-            <a:spLocks noGrp="1"/>
-          </p:cNvSpPr>
-          <p:nvPr>
-            <p:ph type="body" idx="1"/>
-          </p:nvPr>
-        </p:nvSpPr>
-        <p:spPr>
-          <a:prstGeom prst="rect">
-            <a:avLst/>
-          </a:prstGeom>
-        </p:spPr>
-        <p:txBody>
-          <a:bodyPr/>
-          <a:lstStyle/>
-          <a:p>
-            <a:pPr>
-              <a:defRPr sz="3600"/>
-            </a:pPr>
-            <a:r>
-              <a:t>Watch the Array methods </a:t>
-            </a:r>
-          </a:p>
-          <a:p>
-            <a:pPr marL="685800" lvl="1" indent="-228600">
-              <a:spcBef>
-                <a:spcPts val="500"/>
-              </a:spcBef>
-              <a:defRPr sz="3200"/>
-            </a:pPr>
-            <a:r>
-              <a:t>https://www.youtube.com/watch?v=R8rmfD9Y5-c</a:t>
-            </a:r>
-            <a:endParaRPr sz="2400"/>
-          </a:p>
-          <a:p>
-            <a:pPr>
-              <a:defRPr sz="3600"/>
-            </a:pPr>
-            <a:r>
-              <a:t>Do the below programs in arrow functions</a:t>
-            </a:r>
-          </a:p>
-          <a:p>
-            <a:pPr marL="685800" lvl="1" indent="-228600">
-              <a:spcBef>
-                <a:spcPts val="500"/>
-              </a:spcBef>
-              <a:defRPr sz="3200"/>
-            </a:pPr>
-            <a:r>
-              <a:t>Print odd numbers in an array </a:t>
-            </a:r>
-            <a:endParaRPr sz="2400"/>
-          </a:p>
-          <a:p>
-            <a:pPr marL="685800" lvl="1" indent="-228600">
-              <a:spcBef>
-                <a:spcPts val="500"/>
-              </a:spcBef>
-              <a:defRPr sz="3200"/>
-            </a:pPr>
-            <a:r>
-              <a:t>Convert all the strings to title caps in a string array</a:t>
-            </a:r>
-            <a:endParaRPr sz="2400"/>
-          </a:p>
-          <a:p>
-            <a:pPr marL="685800" lvl="1" indent="-228600">
-              <a:spcBef>
-                <a:spcPts val="500"/>
-              </a:spcBef>
-              <a:defRPr sz="3200"/>
-            </a:pPr>
-            <a:r>
-              <a:t>Sum of all numbers in an array</a:t>
-            </a:r>
-            <a:endParaRPr sz="2400"/>
-          </a:p>
-          <a:p>
-            <a:pPr marL="685800" lvl="1" indent="-228600">
-              <a:spcBef>
-                <a:spcPts val="500"/>
-              </a:spcBef>
-              <a:defRPr sz="3200"/>
-            </a:pPr>
-            <a:r>
-              <a:t>Return all the prime numbers in an array</a:t>
-            </a:r>
-            <a:endParaRPr sz="2400"/>
-          </a:p>
-          <a:p>
-            <a:pPr marL="685800" lvl="1" indent="-228600">
-              <a:spcBef>
-                <a:spcPts val="500"/>
-              </a:spcBef>
-              <a:defRPr sz="3200"/>
-            </a:pPr>
-            <a:r>
-              <a:t>Return all the palindromes in an array </a:t>
-            </a:r>
-          </a:p>
-        </p:txBody>
-      </p:sp>
-    </p:spTree>
-  </p:cSld>
-  <p:clrMapOvr>
-    <a:masterClrMapping/>
-  </p:clrMapOvr>
-  <p:transition spd="med"/>
-</p:sld>
-</file>
-
-<file path=ppt/slides/slide59.xml><?xml version="1.0" encoding="utf-8"?>
-<p:sld xmlns:a="http://schemas.openxmlformats.org/drawingml/2006/main" xmlns:r="http://schemas.openxmlformats.org/officeDocument/2006/relationships" xmlns:p="http://schemas.openxmlformats.org/presentationml/2006/main">
-  <p:cSld>
-    <p:spTree>
-      <p:nvGrpSpPr>
-        <p:cNvPr id="1" name=""/>
-        <p:cNvGrpSpPr/>
-        <p:nvPr/>
-      </p:nvGrpSpPr>
-      <p:grpSpPr>
-        <a:xfrm>
-          <a:off x="0" y="0"/>
-          <a:ext cx="0" cy="0"/>
-          <a:chOff x="0" y="0"/>
-          <a:chExt cx="0" cy="0"/>
-        </a:xfrm>
-      </p:grpSpPr>
-      <p:sp>
-        <p:nvSpPr>
-          <p:cNvPr id="386" name="Body"/>
-          <p:cNvSpPr txBox="1">
-            <a:spLocks noGrp="1"/>
-          </p:cNvSpPr>
-          <p:nvPr>
-            <p:ph type="body" sz="quarter" idx="1"/>
-          </p:nvPr>
-        </p:nvSpPr>
-        <p:spPr>
-          <a:xfrm>
-            <a:off x="1524000" y="3602037"/>
-            <a:ext cx="9144000" cy="1655762"/>
-          </a:xfrm>
-          <a:prstGeom prst="rect">
-            <a:avLst/>
-          </a:prstGeom>
-        </p:spPr>
-        <p:txBody>
-          <a:bodyPr/>
-          <a:lstStyle/>
-          <a:p>
-            <a:pPr marL="0" indent="0" algn="ctr">
-              <a:buSzTx/>
-              <a:buFontTx/>
-              <a:buNone/>
-              <a:defRPr sz="2400"/>
-            </a:pPr>
-            <a:endParaRPr/>
-          </a:p>
-        </p:txBody>
-      </p:sp>
-      <p:pic>
-        <p:nvPicPr>
-          <p:cNvPr id="387" name="Google Shape;54;p13" descr="Google Shape;54;p13"/>
-          <p:cNvPicPr>
-            <a:picLocks noChangeAspect="1"/>
-          </p:cNvPicPr>
-          <p:nvPr/>
-        </p:nvPicPr>
-        <p:blipFill>
-          <a:blip r:embed="rId2"/>
-          <a:stretch>
-            <a:fillRect/>
-          </a:stretch>
-        </p:blipFill>
-        <p:spPr>
-          <a:xfrm>
-            <a:off x="0" y="0"/>
-            <a:ext cx="12191997" cy="6858000"/>
-          </a:xfrm>
-          <a:prstGeom prst="rect">
-            <a:avLst/>
-          </a:prstGeom>
-          <a:ln w="12700">
-            <a:miter lim="400000"/>
-          </a:ln>
-        </p:spPr>
-      </p:pic>
-      <p:grpSp>
-        <p:nvGrpSpPr>
-          <p:cNvPr id="390" name="Rectangle 7"/>
-          <p:cNvGrpSpPr/>
-          <p:nvPr/>
-        </p:nvGrpSpPr>
-        <p:grpSpPr>
-          <a:xfrm>
-            <a:off x="1532746" y="2761177"/>
-            <a:ext cx="9557068" cy="3129940"/>
-            <a:chOff x="0" y="0"/>
-            <a:chExt cx="9557067" cy="3129939"/>
-          </a:xfrm>
-        </p:grpSpPr>
-        <p:sp>
-          <p:nvSpPr>
-            <p:cNvPr id="388" name="Rectangle"/>
-            <p:cNvSpPr/>
-            <p:nvPr/>
-          </p:nvSpPr>
-          <p:spPr>
-            <a:xfrm>
-              <a:off x="0" y="-1"/>
-              <a:ext cx="9557068" cy="3129941"/>
-            </a:xfrm>
-            <a:prstGeom prst="rect">
-              <a:avLst/>
-            </a:prstGeom>
-            <a:solidFill>
-              <a:srgbClr val="FFFFFF"/>
-            </a:solidFill>
-            <a:ln w="12700" cap="flat">
-              <a:solidFill>
-                <a:srgbClr val="32538F"/>
-              </a:solidFill>
-              <a:prstDash val="solid"/>
-              <a:miter lim="800000"/>
-            </a:ln>
-            <a:effectLst/>
-          </p:spPr>
-          <p:txBody>
-            <a:bodyPr wrap="square" lIns="45719" tIns="45719" rIns="45719" bIns="45719" numCol="1" anchor="ctr">
-              <a:noAutofit/>
-            </a:bodyPr>
-            <a:lstStyle/>
-            <a:p>
-              <a:pPr algn="ctr">
-                <a:defRPr sz="6600"/>
-              </a:pPr>
-              <a:endParaRPr/>
-            </a:p>
-          </p:txBody>
-        </p:sp>
-        <p:sp>
-          <p:nvSpPr>
-            <p:cNvPr id="389" name="Picking ES6"/>
-            <p:cNvSpPr txBox="1"/>
-            <p:nvPr/>
-          </p:nvSpPr>
-          <p:spPr>
-            <a:xfrm>
-              <a:off x="47785" y="1069637"/>
-              <a:ext cx="9461498" cy="990666"/>
-            </a:xfrm>
-            <a:prstGeom prst="rect">
-              <a:avLst/>
-            </a:prstGeom>
-            <a:noFill/>
-            <a:ln w="12700" cap="flat">
-              <a:noFill/>
-              <a:miter lim="400000"/>
-            </a:ln>
-            <a:effectLst/>
-            <a:extLst>
-              <a:ext uri="{C572A759-6A51-4108-AA02-DFA0A04FC94B}">
-                <ma14:wrappingTextBoxFlag xmlns:ma14="http://schemas.microsoft.com/office/mac/drawingml/2011/main" xmlns:a14="http://schemas.microsoft.com/office/drawing/2010/main" xmlns:m="http://schemas.openxmlformats.org/officeDocument/2006/math" xmlns="" val="1"/>
-              </a:ext>
-            </a:extLst>
-          </p:spPr>
-          <p:txBody>
-            <a:bodyPr wrap="square" lIns="45719" tIns="45719" rIns="45719" bIns="45719" numCol="1" anchor="ctr">
-              <a:noAutofit/>
-            </a:bodyPr>
-            <a:lstStyle>
-              <a:lvl1pPr algn="ctr">
-                <a:defRPr sz="6600"/>
-              </a:lvl1pPr>
-            </a:lstStyle>
-            <a:p>
-              <a:r>
-                <a:t>Picking ES6</a:t>
-              </a:r>
-            </a:p>
-          </p:txBody>
-        </p:sp>
-      </p:grpSp>
-      <p:sp>
-        <p:nvSpPr>
-          <p:cNvPr id="391" name="Rectangle"/>
-          <p:cNvSpPr/>
-          <p:nvPr/>
-        </p:nvSpPr>
-        <p:spPr>
-          <a:xfrm>
-            <a:off x="4063881" y="2858626"/>
-            <a:ext cx="3924301" cy="729933"/>
-          </a:xfrm>
-          <a:prstGeom prst="rect">
-            <a:avLst/>
-          </a:prstGeom>
-          <a:solidFill>
-            <a:srgbClr val="FFFFFF"/>
-          </a:solidFill>
-          <a:ln w="12700">
-            <a:miter lim="400000"/>
-          </a:ln>
-        </p:spPr>
-        <p:txBody>
-          <a:bodyPr lIns="45719" rIns="45719" anchor="ctr"/>
-          <a:lstStyle/>
-          <a:p>
-            <a:pPr algn="ctr">
-              <a:defRPr>
-                <a:solidFill>
-                  <a:srgbClr val="FFFFFF"/>
-                </a:solidFill>
-              </a:defRPr>
-            </a:pPr>
-            <a:endParaRPr/>
-          </a:p>
-        </p:txBody>
-      </p:sp>
-      <p:sp>
-        <p:nvSpPr>
-          <p:cNvPr id="392" name="FS dev 101"/>
-          <p:cNvSpPr txBox="1"/>
-          <p:nvPr/>
-        </p:nvSpPr>
-        <p:spPr>
-          <a:xfrm>
-            <a:off x="4394849" y="2303619"/>
-            <a:ext cx="3832861" cy="947848"/>
-          </a:xfrm>
-          <a:prstGeom prst="rect">
-            <a:avLst/>
-          </a:prstGeom>
-          <a:solidFill>
-            <a:srgbClr val="FFFFFF"/>
-          </a:solidFill>
-          <a:ln w="12700">
-            <a:miter lim="400000"/>
-          </a:ln>
-          <a:extLst>
-            <a:ext uri="{C572A759-6A51-4108-AA02-DFA0A04FC94B}">
-              <ma14:wrappingTextBoxFlag xmlns:ma14="http://schemas.microsoft.com/office/mac/drawingml/2011/main" xmlns:a14="http://schemas.microsoft.com/office/drawing/2010/main" xmlns:m="http://schemas.openxmlformats.org/officeDocument/2006/math" xmlns="" val="1"/>
-            </a:ext>
-          </a:extLst>
-        </p:spPr>
-        <p:txBody>
-          <a:bodyPr lIns="45719" rIns="45719" anchor="ctr">
-            <a:spAutoFit/>
-          </a:bodyPr>
-          <a:lstStyle>
-            <a:lvl1pPr algn="ctr">
-              <a:defRPr sz="6600"/>
-            </a:lvl1pPr>
-          </a:lstStyle>
-          <a:p>
-            <a:r>
-              <a:t>FS dev 101</a:t>
-            </a:r>
-          </a:p>
-        </p:txBody>
-      </p:sp>
-      <p:sp>
-        <p:nvSpPr>
-          <p:cNvPr id="393" name="Rectangle 9"/>
-          <p:cNvSpPr/>
-          <p:nvPr/>
-        </p:nvSpPr>
-        <p:spPr>
-          <a:xfrm>
-            <a:off x="4769171" y="1505843"/>
-            <a:ext cx="2846071" cy="1"/>
-          </a:xfrm>
-          <a:custGeom>
-            <a:avLst/>
-            <a:gdLst/>
-            <a:ahLst/>
-            <a:cxnLst>
-              <a:cxn ang="0">
-                <a:pos x="wd2" y="hd2"/>
-              </a:cxn>
-              <a:cxn ang="5400000">
-                <a:pos x="wd2" y="hd2"/>
-              </a:cxn>
-              <a:cxn ang="10800000">
-                <a:pos x="wd2" y="hd2"/>
-              </a:cxn>
-              <a:cxn ang="16200000">
-                <a:pos x="wd2" y="hd2"/>
-              </a:cxn>
-            </a:cxnLst>
-            <a:rect l="0" t="0" r="r" b="b"/>
-            <a:pathLst>
-              <a:path w="21600" extrusionOk="0">
-                <a:moveTo>
-                  <a:pt x="0" y="0"/>
-                </a:moveTo>
-                <a:lnTo>
-                  <a:pt x="21600" y="0"/>
-                </a:lnTo>
-                <a:lnTo>
-                  <a:pt x="21600" y="0"/>
-                </a:lnTo>
-                <a:lnTo>
-                  <a:pt x="0" y="0"/>
-                </a:lnTo>
-                <a:close/>
-              </a:path>
-            </a:pathLst>
-          </a:custGeom>
-          <a:ln w="12700">
-            <a:miter lim="400000"/>
-          </a:ln>
-          <a:extLst>
-            <a:ext uri="{C572A759-6A51-4108-AA02-DFA0A04FC94B}">
-              <ma14:wrappingTextBoxFlag xmlns:ma14="http://schemas.microsoft.com/office/mac/drawingml/2011/main" xmlns:a14="http://schemas.microsoft.com/office/drawing/2010/main" xmlns:m="http://schemas.openxmlformats.org/officeDocument/2006/math" xmlns="" val="1"/>
-            </a:ext>
-          </a:extLst>
-        </p:spPr>
-        <p:txBody>
-          <a:bodyPr lIns="45719" rIns="45719" anchor="ctr">
-            <a:spAutoFit/>
-          </a:bodyPr>
-          <a:lstStyle>
-            <a:lvl1pPr algn="ctr">
-              <a:defRPr sz="15000" b="1">
-                <a:latin typeface="+mn-lt"/>
-                <a:ea typeface="+mn-ea"/>
-                <a:cs typeface="+mn-cs"/>
-                <a:sym typeface="Helvetica"/>
-              </a:defRPr>
-            </a:lvl1pPr>
-          </a:lstStyle>
-          <a:p>
-            <a:r>
-              <a:t>JS</a:t>
-            </a:r>
-          </a:p>
-        </p:txBody>
-      </p:sp>
-    </p:spTree>
-  </p:cSld>
-  <p:clrMapOvr>
-    <a:masterClrMapping/>
-  </p:clrMapOvr>
-  <p:transition spd="med"/>
-</p:sld>
-</file>
-
 <file path=ppt/slides/slide6.xml><?xml version="1.0" encoding="utf-8"?>
 <p:sld xmlns:a="http://schemas.openxmlformats.org/drawingml/2006/main" xmlns:r="http://schemas.openxmlformats.org/officeDocument/2006/relationships" xmlns:p="http://schemas.openxmlformats.org/presentationml/2006/main">
   <p:cSld>
@@ -27233,7 +27189,7 @@
           </a:ln>
           <a:extLst>
             <a:ext uri="{C572A759-6A51-4108-AA02-DFA0A04FC94B}">
-              <ma14:wrappingTextBoxFlag xmlns:ma14="http://schemas.microsoft.com/office/mac/drawingml/2011/main" xmlns:a14="http://schemas.microsoft.com/office/drawing/2010/main" xmlns:m="http://schemas.openxmlformats.org/officeDocument/2006/math" xmlns="" val="1"/>
+              <ma14:wrappingTextBoxFlag xmlns="" xmlns:m="http://schemas.openxmlformats.org/officeDocument/2006/math" xmlns:a14="http://schemas.microsoft.com/office/drawing/2010/main" xmlns:ma14="http://schemas.microsoft.com/office/mac/drawingml/2011/main" val="1"/>
             </a:ext>
           </a:extLst>
         </p:spPr>
@@ -27329,7 +27285,7 @@
           </a:ln>
           <a:extLst>
             <a:ext uri="{C572A759-6A51-4108-AA02-DFA0A04FC94B}">
-              <ma14:wrappingTextBoxFlag xmlns:ma14="http://schemas.microsoft.com/office/mac/drawingml/2011/main" xmlns:a14="http://schemas.microsoft.com/office/drawing/2010/main" xmlns:m="http://schemas.openxmlformats.org/officeDocument/2006/math" xmlns="" val="1"/>
+              <ma14:wrappingTextBoxFlag xmlns="" xmlns:m="http://schemas.openxmlformats.org/officeDocument/2006/math" xmlns:a14="http://schemas.microsoft.com/office/drawing/2010/main" xmlns:ma14="http://schemas.microsoft.com/office/mac/drawingml/2011/main" val="1"/>
             </a:ext>
           </a:extLst>
         </p:spPr>
@@ -27368,7 +27324,7 @@
           </a:ln>
           <a:extLst>
             <a:ext uri="{C572A759-6A51-4108-AA02-DFA0A04FC94B}">
-              <ma14:wrappingTextBoxFlag xmlns:ma14="http://schemas.microsoft.com/office/mac/drawingml/2011/main" xmlns:a14="http://schemas.microsoft.com/office/drawing/2010/main" xmlns:m="http://schemas.openxmlformats.org/officeDocument/2006/math" xmlns="" val="1"/>
+              <ma14:wrappingTextBoxFlag xmlns="" xmlns:m="http://schemas.openxmlformats.org/officeDocument/2006/math" xmlns:a14="http://schemas.microsoft.com/office/drawing/2010/main" xmlns:ma14="http://schemas.microsoft.com/office/mac/drawingml/2011/main" val="1"/>
             </a:ext>
           </a:extLst>
         </p:spPr>
@@ -27401,7 +27357,7 @@
           </a:ln>
           <a:extLst>
             <a:ext uri="{C572A759-6A51-4108-AA02-DFA0A04FC94B}">
-              <ma14:wrappingTextBoxFlag xmlns:ma14="http://schemas.microsoft.com/office/mac/drawingml/2011/main" xmlns:a14="http://schemas.microsoft.com/office/drawing/2010/main" xmlns:m="http://schemas.openxmlformats.org/officeDocument/2006/math" xmlns="" val="1"/>
+              <ma14:wrappingTextBoxFlag xmlns="" xmlns:m="http://schemas.openxmlformats.org/officeDocument/2006/math" xmlns:a14="http://schemas.microsoft.com/office/drawing/2010/main" xmlns:ma14="http://schemas.microsoft.com/office/mac/drawingml/2011/main" val="1"/>
             </a:ext>
           </a:extLst>
         </p:spPr>
@@ -27441,7 +27397,7 @@
           </a:ln>
           <a:extLst>
             <a:ext uri="{C572A759-6A51-4108-AA02-DFA0A04FC94B}">
-              <ma14:wrappingTextBoxFlag xmlns:ma14="http://schemas.microsoft.com/office/mac/drawingml/2011/main" xmlns:a14="http://schemas.microsoft.com/office/drawing/2010/main" xmlns:m="http://schemas.openxmlformats.org/officeDocument/2006/math" xmlns="" val="1"/>
+              <ma14:wrappingTextBoxFlag xmlns="" xmlns:m="http://schemas.openxmlformats.org/officeDocument/2006/math" xmlns:a14="http://schemas.microsoft.com/office/drawing/2010/main" xmlns:ma14="http://schemas.microsoft.com/office/mac/drawingml/2011/main" val="1"/>
             </a:ext>
           </a:extLst>
         </p:spPr>
@@ -27737,6 +27693,529 @@
       </p:grpSpPr>
       <p:pic>
         <p:nvPicPr>
+          <p:cNvPr id="382" name="Google Shape;54;p13" descr="Google Shape;54;p13"/>
+          <p:cNvPicPr>
+            <a:picLocks noChangeAspect="1"/>
+          </p:cNvPicPr>
+          <p:nvPr/>
+        </p:nvPicPr>
+        <p:blipFill>
+          <a:blip r:embed="rId2"/>
+          <a:stretch>
+            <a:fillRect/>
+          </a:stretch>
+        </p:blipFill>
+        <p:spPr>
+          <a:xfrm>
+            <a:off x="0" y="0"/>
+            <a:ext cx="12191997" cy="6858000"/>
+          </a:xfrm>
+          <a:prstGeom prst="rect">
+            <a:avLst/>
+          </a:prstGeom>
+          <a:ln w="12700">
+            <a:miter lim="400000"/>
+          </a:ln>
+        </p:spPr>
+      </p:pic>
+      <p:sp>
+        <p:nvSpPr>
+          <p:cNvPr id="383" name="Title 1"/>
+          <p:cNvSpPr txBox="1">
+            <a:spLocks noGrp="1"/>
+          </p:cNvSpPr>
+          <p:nvPr>
+            <p:ph type="title"/>
+          </p:nvPr>
+        </p:nvSpPr>
+        <p:spPr>
+          <a:prstGeom prst="rect">
+            <a:avLst/>
+          </a:prstGeom>
+        </p:spPr>
+        <p:txBody>
+          <a:bodyPr/>
+          <a:lstStyle/>
+          <a:p>
+            <a:r>
+              <a:t>Mandatory Tasks </a:t>
+            </a:r>
+          </a:p>
+        </p:txBody>
+      </p:sp>
+      <p:sp>
+        <p:nvSpPr>
+          <p:cNvPr id="384" name="Content Placeholder 2"/>
+          <p:cNvSpPr txBox="1">
+            <a:spLocks noGrp="1"/>
+          </p:cNvSpPr>
+          <p:nvPr>
+            <p:ph type="body" idx="1"/>
+          </p:nvPr>
+        </p:nvSpPr>
+        <p:spPr>
+          <a:prstGeom prst="rect">
+            <a:avLst/>
+          </a:prstGeom>
+        </p:spPr>
+        <p:txBody>
+          <a:bodyPr/>
+          <a:lstStyle/>
+          <a:p>
+            <a:pPr>
+              <a:defRPr sz="3600"/>
+            </a:pPr>
+            <a:r>
+              <a:t>Watch the Array methods </a:t>
+            </a:r>
+          </a:p>
+          <a:p>
+            <a:pPr marL="685800" lvl="1" indent="-228600">
+              <a:spcBef>
+                <a:spcPts val="500"/>
+              </a:spcBef>
+              <a:defRPr sz="3200"/>
+            </a:pPr>
+            <a:r>
+              <a:t>https://www.youtube.com/watch?v=R8rmfD9Y5-c</a:t>
+            </a:r>
+            <a:endParaRPr sz="2400"/>
+          </a:p>
+          <a:p>
+            <a:pPr>
+              <a:defRPr sz="3600"/>
+            </a:pPr>
+            <a:r>
+              <a:t>Do the below programs in arrow functions</a:t>
+            </a:r>
+          </a:p>
+          <a:p>
+            <a:pPr marL="685800" lvl="1" indent="-228600">
+              <a:spcBef>
+                <a:spcPts val="500"/>
+              </a:spcBef>
+              <a:defRPr sz="3200"/>
+            </a:pPr>
+            <a:r>
+              <a:t>Print odd numbers in an array </a:t>
+            </a:r>
+            <a:endParaRPr sz="2400"/>
+          </a:p>
+          <a:p>
+            <a:pPr marL="685800" lvl="1" indent="-228600">
+              <a:spcBef>
+                <a:spcPts val="500"/>
+              </a:spcBef>
+              <a:defRPr sz="3200"/>
+            </a:pPr>
+            <a:r>
+              <a:t>Convert all the strings to title caps in a string array</a:t>
+            </a:r>
+            <a:endParaRPr sz="2400"/>
+          </a:p>
+          <a:p>
+            <a:pPr marL="685800" lvl="1" indent="-228600">
+              <a:spcBef>
+                <a:spcPts val="500"/>
+              </a:spcBef>
+              <a:defRPr sz="3200"/>
+            </a:pPr>
+            <a:r>
+              <a:t>Sum of all numbers in an array</a:t>
+            </a:r>
+            <a:endParaRPr sz="2400"/>
+          </a:p>
+          <a:p>
+            <a:pPr marL="685800" lvl="1" indent="-228600">
+              <a:spcBef>
+                <a:spcPts val="500"/>
+              </a:spcBef>
+              <a:defRPr sz="3200"/>
+            </a:pPr>
+            <a:r>
+              <a:t>Return all the prime numbers in an array</a:t>
+            </a:r>
+            <a:endParaRPr sz="2400"/>
+          </a:p>
+          <a:p>
+            <a:pPr marL="685800" lvl="1" indent="-228600">
+              <a:spcBef>
+                <a:spcPts val="500"/>
+              </a:spcBef>
+              <a:defRPr sz="3200"/>
+            </a:pPr>
+            <a:r>
+              <a:t>Return all the palindromes in an array </a:t>
+            </a:r>
+          </a:p>
+        </p:txBody>
+      </p:sp>
+    </p:spTree>
+  </p:cSld>
+  <p:clrMapOvr>
+    <a:masterClrMapping/>
+  </p:clrMapOvr>
+  <p:transition spd="med"/>
+</p:sld>
+</file>
+
+<file path=ppt/slides/slide61.xml><?xml version="1.0" encoding="utf-8"?>
+<p:sld xmlns:a="http://schemas.openxmlformats.org/drawingml/2006/main" xmlns:r="http://schemas.openxmlformats.org/officeDocument/2006/relationships" xmlns:p="http://schemas.openxmlformats.org/presentationml/2006/main">
+  <p:cSld>
+    <p:spTree>
+      <p:nvGrpSpPr>
+        <p:cNvPr id="1" name=""/>
+        <p:cNvGrpSpPr/>
+        <p:nvPr/>
+      </p:nvGrpSpPr>
+      <p:grpSpPr>
+        <a:xfrm>
+          <a:off x="0" y="0"/>
+          <a:ext cx="0" cy="0"/>
+          <a:chOff x="0" y="0"/>
+          <a:chExt cx="0" cy="0"/>
+        </a:xfrm>
+      </p:grpSpPr>
+      <p:sp>
+        <p:nvSpPr>
+          <p:cNvPr id="386" name="Body"/>
+          <p:cNvSpPr txBox="1">
+            <a:spLocks noGrp="1"/>
+          </p:cNvSpPr>
+          <p:nvPr>
+            <p:ph type="body" sz="quarter" idx="1"/>
+          </p:nvPr>
+        </p:nvSpPr>
+        <p:spPr>
+          <a:xfrm>
+            <a:off x="1524000" y="3602037"/>
+            <a:ext cx="9144000" cy="1655762"/>
+          </a:xfrm>
+          <a:prstGeom prst="rect">
+            <a:avLst/>
+          </a:prstGeom>
+        </p:spPr>
+        <p:txBody>
+          <a:bodyPr/>
+          <a:lstStyle/>
+          <a:p>
+            <a:pPr marL="0" indent="0" algn="ctr">
+              <a:buSzTx/>
+              <a:buFontTx/>
+              <a:buNone/>
+              <a:defRPr sz="2400"/>
+            </a:pPr>
+            <a:endParaRPr/>
+          </a:p>
+        </p:txBody>
+      </p:sp>
+      <p:pic>
+        <p:nvPicPr>
+          <p:cNvPr id="387" name="Google Shape;54;p13" descr="Google Shape;54;p13"/>
+          <p:cNvPicPr>
+            <a:picLocks noChangeAspect="1"/>
+          </p:cNvPicPr>
+          <p:nvPr/>
+        </p:nvPicPr>
+        <p:blipFill>
+          <a:blip r:embed="rId2"/>
+          <a:stretch>
+            <a:fillRect/>
+          </a:stretch>
+        </p:blipFill>
+        <p:spPr>
+          <a:xfrm>
+            <a:off x="0" y="0"/>
+            <a:ext cx="12191997" cy="6858000"/>
+          </a:xfrm>
+          <a:prstGeom prst="rect">
+            <a:avLst/>
+          </a:prstGeom>
+          <a:ln w="12700">
+            <a:miter lim="400000"/>
+          </a:ln>
+        </p:spPr>
+      </p:pic>
+      <p:grpSp>
+        <p:nvGrpSpPr>
+          <p:cNvPr id="390" name="Rectangle 7"/>
+          <p:cNvGrpSpPr/>
+          <p:nvPr/>
+        </p:nvGrpSpPr>
+        <p:grpSpPr>
+          <a:xfrm>
+            <a:off x="1532746" y="2761177"/>
+            <a:ext cx="9557068" cy="3129940"/>
+            <a:chOff x="0" y="0"/>
+            <a:chExt cx="9557067" cy="3129939"/>
+          </a:xfrm>
+        </p:grpSpPr>
+        <p:sp>
+          <p:nvSpPr>
+            <p:cNvPr id="388" name="Rectangle"/>
+            <p:cNvSpPr/>
+            <p:nvPr/>
+          </p:nvSpPr>
+          <p:spPr>
+            <a:xfrm>
+              <a:off x="0" y="-1"/>
+              <a:ext cx="9557068" cy="3129941"/>
+            </a:xfrm>
+            <a:prstGeom prst="rect">
+              <a:avLst/>
+            </a:prstGeom>
+            <a:solidFill>
+              <a:srgbClr val="FFFFFF"/>
+            </a:solidFill>
+            <a:ln w="12700" cap="flat">
+              <a:solidFill>
+                <a:srgbClr val="32538F"/>
+              </a:solidFill>
+              <a:prstDash val="solid"/>
+              <a:miter lim="800000"/>
+            </a:ln>
+            <a:effectLst/>
+          </p:spPr>
+          <p:txBody>
+            <a:bodyPr wrap="square" lIns="45719" tIns="45719" rIns="45719" bIns="45719" numCol="1" anchor="ctr">
+              <a:noAutofit/>
+            </a:bodyPr>
+            <a:lstStyle/>
+            <a:p>
+              <a:pPr algn="ctr">
+                <a:defRPr sz="6600"/>
+              </a:pPr>
+              <a:endParaRPr/>
+            </a:p>
+          </p:txBody>
+        </p:sp>
+        <p:sp>
+          <p:nvSpPr>
+            <p:cNvPr id="389" name="Picking ES6"/>
+            <p:cNvSpPr txBox="1"/>
+            <p:nvPr/>
+          </p:nvSpPr>
+          <p:spPr>
+            <a:xfrm>
+              <a:off x="47785" y="1069637"/>
+              <a:ext cx="9461498" cy="990666"/>
+            </a:xfrm>
+            <a:prstGeom prst="rect">
+              <a:avLst/>
+            </a:prstGeom>
+            <a:noFill/>
+            <a:ln w="12700" cap="flat">
+              <a:noFill/>
+              <a:miter lim="400000"/>
+            </a:ln>
+            <a:effectLst/>
+            <a:extLst>
+              <a:ext uri="{C572A759-6A51-4108-AA02-DFA0A04FC94B}">
+                <ma14:wrappingTextBoxFlag xmlns="" xmlns:m="http://schemas.openxmlformats.org/officeDocument/2006/math" xmlns:a14="http://schemas.microsoft.com/office/drawing/2010/main" xmlns:ma14="http://schemas.microsoft.com/office/mac/drawingml/2011/main" val="1"/>
+              </a:ext>
+            </a:extLst>
+          </p:spPr>
+          <p:txBody>
+            <a:bodyPr wrap="square" lIns="45719" tIns="45719" rIns="45719" bIns="45719" numCol="1" anchor="ctr">
+              <a:noAutofit/>
+            </a:bodyPr>
+            <a:lstStyle>
+              <a:lvl1pPr algn="ctr">
+                <a:defRPr sz="6600"/>
+              </a:lvl1pPr>
+            </a:lstStyle>
+            <a:p>
+              <a:r>
+                <a:t>Picking ES6</a:t>
+              </a:r>
+            </a:p>
+          </p:txBody>
+        </p:sp>
+      </p:grpSp>
+      <p:sp>
+        <p:nvSpPr>
+          <p:cNvPr id="391" name="Rectangle"/>
+          <p:cNvSpPr/>
+          <p:nvPr/>
+        </p:nvSpPr>
+        <p:spPr>
+          <a:xfrm>
+            <a:off x="4063881" y="2858626"/>
+            <a:ext cx="3924301" cy="729933"/>
+          </a:xfrm>
+          <a:prstGeom prst="rect">
+            <a:avLst/>
+          </a:prstGeom>
+          <a:solidFill>
+            <a:srgbClr val="FFFFFF"/>
+          </a:solidFill>
+          <a:ln w="12700">
+            <a:miter lim="400000"/>
+          </a:ln>
+        </p:spPr>
+        <p:txBody>
+          <a:bodyPr lIns="45719" rIns="45719" anchor="ctr"/>
+          <a:lstStyle/>
+          <a:p>
+            <a:pPr algn="ctr">
+              <a:defRPr>
+                <a:solidFill>
+                  <a:srgbClr val="FFFFFF"/>
+                </a:solidFill>
+              </a:defRPr>
+            </a:pPr>
+            <a:endParaRPr/>
+          </a:p>
+        </p:txBody>
+      </p:sp>
+      <p:sp>
+        <p:nvSpPr>
+          <p:cNvPr id="392" name="FS dev 101"/>
+          <p:cNvSpPr txBox="1"/>
+          <p:nvPr/>
+        </p:nvSpPr>
+        <p:spPr>
+          <a:xfrm>
+            <a:off x="4394849" y="2303619"/>
+            <a:ext cx="3832861" cy="947848"/>
+          </a:xfrm>
+          <a:prstGeom prst="rect">
+            <a:avLst/>
+          </a:prstGeom>
+          <a:solidFill>
+            <a:srgbClr val="FFFFFF"/>
+          </a:solidFill>
+          <a:ln w="12700">
+            <a:miter lim="400000"/>
+          </a:ln>
+          <a:extLst>
+            <a:ext uri="{C572A759-6A51-4108-AA02-DFA0A04FC94B}">
+              <ma14:wrappingTextBoxFlag xmlns="" xmlns:m="http://schemas.openxmlformats.org/officeDocument/2006/math" xmlns:a14="http://schemas.microsoft.com/office/drawing/2010/main" xmlns:ma14="http://schemas.microsoft.com/office/mac/drawingml/2011/main" val="1"/>
+            </a:ext>
+          </a:extLst>
+        </p:spPr>
+        <p:txBody>
+          <a:bodyPr lIns="45719" rIns="45719" anchor="ctr">
+            <a:spAutoFit/>
+          </a:bodyPr>
+          <a:lstStyle>
+            <a:lvl1pPr algn="ctr">
+              <a:defRPr sz="6600"/>
+            </a:lvl1pPr>
+          </a:lstStyle>
+          <a:p>
+            <a:r>
+              <a:t>FS dev 101</a:t>
+            </a:r>
+          </a:p>
+        </p:txBody>
+      </p:sp>
+      <p:sp>
+        <p:nvSpPr>
+          <p:cNvPr id="393" name="Rectangle 9"/>
+          <p:cNvSpPr/>
+          <p:nvPr/>
+        </p:nvSpPr>
+        <p:spPr>
+          <a:xfrm>
+            <a:off x="4769171" y="1505843"/>
+            <a:ext cx="2846071" cy="1"/>
+          </a:xfrm>
+          <a:custGeom>
+            <a:avLst/>
+            <a:gdLst/>
+            <a:ahLst/>
+            <a:cxnLst>
+              <a:cxn ang="0">
+                <a:pos x="wd2" y="hd2"/>
+              </a:cxn>
+              <a:cxn ang="5400000">
+                <a:pos x="wd2" y="hd2"/>
+              </a:cxn>
+              <a:cxn ang="10800000">
+                <a:pos x="wd2" y="hd2"/>
+              </a:cxn>
+              <a:cxn ang="16200000">
+                <a:pos x="wd2" y="hd2"/>
+              </a:cxn>
+            </a:cxnLst>
+            <a:rect l="0" t="0" r="r" b="b"/>
+            <a:pathLst>
+              <a:path w="21600" extrusionOk="0">
+                <a:moveTo>
+                  <a:pt x="0" y="0"/>
+                </a:moveTo>
+                <a:lnTo>
+                  <a:pt x="21600" y="0"/>
+                </a:lnTo>
+                <a:lnTo>
+                  <a:pt x="21600" y="0"/>
+                </a:lnTo>
+                <a:lnTo>
+                  <a:pt x="0" y="0"/>
+                </a:lnTo>
+                <a:close/>
+              </a:path>
+            </a:pathLst>
+          </a:custGeom>
+          <a:ln w="12700">
+            <a:miter lim="400000"/>
+          </a:ln>
+          <a:extLst>
+            <a:ext uri="{C572A759-6A51-4108-AA02-DFA0A04FC94B}">
+              <ma14:wrappingTextBoxFlag xmlns="" xmlns:m="http://schemas.openxmlformats.org/officeDocument/2006/math" xmlns:a14="http://schemas.microsoft.com/office/drawing/2010/main" xmlns:ma14="http://schemas.microsoft.com/office/mac/drawingml/2011/main" val="1"/>
+            </a:ext>
+          </a:extLst>
+        </p:spPr>
+        <p:txBody>
+          <a:bodyPr lIns="45719" rIns="45719" anchor="ctr">
+            <a:spAutoFit/>
+          </a:bodyPr>
+          <a:lstStyle>
+            <a:lvl1pPr algn="ctr">
+              <a:defRPr sz="15000" b="1">
+                <a:latin typeface="+mn-lt"/>
+                <a:ea typeface="+mn-ea"/>
+                <a:cs typeface="+mn-cs"/>
+                <a:sym typeface="Helvetica"/>
+              </a:defRPr>
+            </a:lvl1pPr>
+          </a:lstStyle>
+          <a:p>
+            <a:r>
+              <a:t>JS</a:t>
+            </a:r>
+          </a:p>
+        </p:txBody>
+      </p:sp>
+    </p:spTree>
+  </p:cSld>
+  <p:clrMapOvr>
+    <a:masterClrMapping/>
+  </p:clrMapOvr>
+  <p:transition spd="med"/>
+</p:sld>
+</file>
+
+<file path=ppt/slides/slide62.xml><?xml version="1.0" encoding="utf-8"?>
+<p:sld xmlns:a="http://schemas.openxmlformats.org/drawingml/2006/main" xmlns:r="http://schemas.openxmlformats.org/officeDocument/2006/relationships" xmlns:p="http://schemas.openxmlformats.org/presentationml/2006/main">
+  <p:cSld>
+    <p:spTree>
+      <p:nvGrpSpPr>
+        <p:cNvPr id="1" name=""/>
+        <p:cNvGrpSpPr/>
+        <p:nvPr/>
+      </p:nvGrpSpPr>
+      <p:grpSpPr>
+        <a:xfrm>
+          <a:off x="0" y="0"/>
+          <a:ext cx="0" cy="0"/>
+          <a:chOff x="0" y="0"/>
+          <a:chExt cx="0" cy="0"/>
+        </a:xfrm>
+      </p:grpSpPr>
+      <p:pic>
+        <p:nvPicPr>
           <p:cNvPr id="395" name="Google Shape;54;p13" descr="Google Shape;54;p13"/>
           <p:cNvPicPr>
             <a:picLocks noChangeAspect="1"/>
@@ -27886,7 +28365,7 @@
           </a:ln>
           <a:extLst>
             <a:ext uri="{C572A759-6A51-4108-AA02-DFA0A04FC94B}">
-              <ma14:wrappingTextBoxFlag xmlns:ma14="http://schemas.microsoft.com/office/mac/drawingml/2011/main" xmlns:a14="http://schemas.microsoft.com/office/drawing/2010/main" xmlns:m="http://schemas.openxmlformats.org/officeDocument/2006/math" xmlns="" val="1"/>
+              <ma14:wrappingTextBoxFlag xmlns="" xmlns:m="http://schemas.openxmlformats.org/officeDocument/2006/math" xmlns:a14="http://schemas.microsoft.com/office/drawing/2010/main" xmlns:ma14="http://schemas.microsoft.com/office/mac/drawingml/2011/main" val="1"/>
             </a:ext>
           </a:extLst>
         </p:spPr>
@@ -28014,7 +28493,7 @@
           </a:ln>
           <a:extLst>
             <a:ext uri="{C572A759-6A51-4108-AA02-DFA0A04FC94B}">
-              <ma14:wrappingTextBoxFlag xmlns:ma14="http://schemas.microsoft.com/office/mac/drawingml/2011/main" xmlns:a14="http://schemas.microsoft.com/office/drawing/2010/main" xmlns:m="http://schemas.openxmlformats.org/officeDocument/2006/math" xmlns="" val="1"/>
+              <ma14:wrappingTextBoxFlag xmlns="" xmlns:m="http://schemas.openxmlformats.org/officeDocument/2006/math" xmlns:a14="http://schemas.microsoft.com/office/drawing/2010/main" xmlns:ma14="http://schemas.microsoft.com/office/mac/drawingml/2011/main" val="1"/>
             </a:ext>
           </a:extLst>
         </p:spPr>
@@ -28053,7 +28532,7 @@
           </a:ln>
           <a:extLst>
             <a:ext uri="{C572A759-6A51-4108-AA02-DFA0A04FC94B}">
-              <ma14:wrappingTextBoxFlag xmlns:ma14="http://schemas.microsoft.com/office/mac/drawingml/2011/main" xmlns:a14="http://schemas.microsoft.com/office/drawing/2010/main" xmlns:m="http://schemas.openxmlformats.org/officeDocument/2006/math" xmlns="" val="1"/>
+              <ma14:wrappingTextBoxFlag xmlns="" xmlns:m="http://schemas.openxmlformats.org/officeDocument/2006/math" xmlns:a14="http://schemas.microsoft.com/office/drawing/2010/main" xmlns:ma14="http://schemas.microsoft.com/office/mac/drawingml/2011/main" val="1"/>
             </a:ext>
           </a:extLst>
         </p:spPr>
@@ -28123,7 +28602,7 @@
           </a:ln>
           <a:extLst>
             <a:ext uri="{C572A759-6A51-4108-AA02-DFA0A04FC94B}">
-              <ma14:wrappingTextBoxFlag xmlns:ma14="http://schemas.microsoft.com/office/mac/drawingml/2011/main" xmlns:a14="http://schemas.microsoft.com/office/drawing/2010/main" xmlns:m="http://schemas.openxmlformats.org/officeDocument/2006/math" xmlns="" val="1"/>
+              <ma14:wrappingTextBoxFlag xmlns="" xmlns:m="http://schemas.openxmlformats.org/officeDocument/2006/math" xmlns:a14="http://schemas.microsoft.com/office/drawing/2010/main" xmlns:ma14="http://schemas.microsoft.com/office/mac/drawingml/2011/main" val="1"/>
             </a:ext>
           </a:extLst>
         </p:spPr>
@@ -28546,7 +29025,7 @@
           </a:ln>
           <a:extLst>
             <a:ext uri="{C572A759-6A51-4108-AA02-DFA0A04FC94B}">
-              <ma14:wrappingTextBoxFlag xmlns:ma14="http://schemas.microsoft.com/office/mac/drawingml/2011/main" xmlns:a14="http://schemas.microsoft.com/office/drawing/2010/main" xmlns:m="http://schemas.openxmlformats.org/officeDocument/2006/math" xmlns="" val="1"/>
+              <ma14:wrappingTextBoxFlag xmlns="" xmlns:m="http://schemas.openxmlformats.org/officeDocument/2006/math" xmlns:a14="http://schemas.microsoft.com/office/drawing/2010/main" xmlns:ma14="http://schemas.microsoft.com/office/mac/drawingml/2011/main" val="1"/>
             </a:ext>
           </a:extLst>
         </p:spPr>
@@ -28587,7 +29066,7 @@
           </a:ln>
           <a:extLst>
             <a:ext uri="{C572A759-6A51-4108-AA02-DFA0A04FC94B}">
-              <ma14:wrappingTextBoxFlag xmlns:ma14="http://schemas.microsoft.com/office/mac/drawingml/2011/main" xmlns:a14="http://schemas.microsoft.com/office/drawing/2010/main" xmlns:m="http://schemas.openxmlformats.org/officeDocument/2006/math" xmlns="" val="1"/>
+              <ma14:wrappingTextBoxFlag xmlns="" xmlns:m="http://schemas.openxmlformats.org/officeDocument/2006/math" xmlns:a14="http://schemas.microsoft.com/office/drawing/2010/main" xmlns:ma14="http://schemas.microsoft.com/office/mac/drawingml/2011/main" val="1"/>
             </a:ext>
           </a:extLst>
         </p:spPr>
@@ -28638,7 +29117,7 @@
           </a:ln>
           <a:extLst>
             <a:ext uri="{C572A759-6A51-4108-AA02-DFA0A04FC94B}">
-              <ma14:wrappingTextBoxFlag xmlns:ma14="http://schemas.microsoft.com/office/mac/drawingml/2011/main" xmlns:a14="http://schemas.microsoft.com/office/drawing/2010/main" xmlns:m="http://schemas.openxmlformats.org/officeDocument/2006/math" xmlns="" val="1"/>
+              <ma14:wrappingTextBoxFlag xmlns="" xmlns:m="http://schemas.openxmlformats.org/officeDocument/2006/math" xmlns:a14="http://schemas.microsoft.com/office/drawing/2010/main" xmlns:ma14="http://schemas.microsoft.com/office/mac/drawingml/2011/main" val="1"/>
             </a:ext>
           </a:extLst>
         </p:spPr>

--- a/ppt/001 - DataTypes.pptx
+++ b/ppt/001 - DataTypes.pptx
@@ -43,8 +43,8 @@
     <p:sldId id="278" r:id="rId34"/>
     <p:sldId id="279" r:id="rId35"/>
     <p:sldId id="307" r:id="rId36"/>
-    <p:sldId id="280" r:id="rId37"/>
-    <p:sldId id="306" r:id="rId38"/>
+    <p:sldId id="306" r:id="rId37"/>
+    <p:sldId id="280" r:id="rId38"/>
     <p:sldId id="281" r:id="rId39"/>
     <p:sldId id="282" r:id="rId40"/>
     <p:sldId id="283" r:id="rId41"/>
@@ -5370,7 +5370,7 @@
           </a:ln>
           <a:extLst>
             <a:ext uri="{C572A759-6A51-4108-AA02-DFA0A04FC94B}">
-              <ma14:wrappingTextBoxFlag xmlns="" xmlns:m="http://schemas.openxmlformats.org/officeDocument/2006/math" xmlns:a14="http://schemas.microsoft.com/office/drawing/2010/main" xmlns:ma14="http://schemas.microsoft.com/office/mac/drawingml/2011/main" val="1"/>
+              <ma14:wrappingTextBoxFlag xmlns:ma14="http://schemas.microsoft.com/office/mac/drawingml/2011/main" xmlns:a14="http://schemas.microsoft.com/office/drawing/2010/main" xmlns:m="http://schemas.openxmlformats.org/officeDocument/2006/math" xmlns="" val="1"/>
             </a:ext>
           </a:extLst>
         </p:spPr>
@@ -5409,7 +5409,7 @@
           </a:ln>
           <a:extLst>
             <a:ext uri="{C572A759-6A51-4108-AA02-DFA0A04FC94B}">
-              <ma14:wrappingTextBoxFlag xmlns="" xmlns:m="http://schemas.openxmlformats.org/officeDocument/2006/math" xmlns:a14="http://schemas.microsoft.com/office/drawing/2010/main" xmlns:ma14="http://schemas.microsoft.com/office/mac/drawingml/2011/main" val="1"/>
+              <ma14:wrappingTextBoxFlag xmlns:ma14="http://schemas.microsoft.com/office/mac/drawingml/2011/main" xmlns:a14="http://schemas.microsoft.com/office/drawing/2010/main" xmlns:m="http://schemas.openxmlformats.org/officeDocument/2006/math" xmlns="" val="1"/>
             </a:ext>
           </a:extLst>
         </p:spPr>
@@ -6372,7 +6372,7 @@
             <a:effectLst/>
             <a:extLst>
               <a:ext uri="{C572A759-6A51-4108-AA02-DFA0A04FC94B}">
-                <ma14:wrappingTextBoxFlag xmlns="" xmlns:m="http://schemas.openxmlformats.org/officeDocument/2006/math" xmlns:a14="http://schemas.microsoft.com/office/drawing/2010/main" xmlns:ma14="http://schemas.microsoft.com/office/mac/drawingml/2011/main" val="1"/>
+                <ma14:wrappingTextBoxFlag xmlns:ma14="http://schemas.microsoft.com/office/mac/drawingml/2011/main" xmlns:a14="http://schemas.microsoft.com/office/drawing/2010/main" xmlns:m="http://schemas.openxmlformats.org/officeDocument/2006/math" xmlns="" val="1"/>
               </a:ext>
             </a:extLst>
           </p:spPr>
@@ -6458,7 +6458,7 @@
           </a:ln>
           <a:extLst>
             <a:ext uri="{C572A759-6A51-4108-AA02-DFA0A04FC94B}">
-              <ma14:wrappingTextBoxFlag xmlns="" xmlns:m="http://schemas.openxmlformats.org/officeDocument/2006/math" xmlns:a14="http://schemas.microsoft.com/office/drawing/2010/main" xmlns:ma14="http://schemas.microsoft.com/office/mac/drawingml/2011/main" val="1"/>
+              <ma14:wrappingTextBoxFlag xmlns:ma14="http://schemas.microsoft.com/office/mac/drawingml/2011/main" xmlns:a14="http://schemas.microsoft.com/office/drawing/2010/main" xmlns:m="http://schemas.openxmlformats.org/officeDocument/2006/math" xmlns="" val="1"/>
             </a:ext>
           </a:extLst>
         </p:spPr>
@@ -6531,7 +6531,7 @@
           </a:ln>
           <a:extLst>
             <a:ext uri="{C572A759-6A51-4108-AA02-DFA0A04FC94B}">
-              <ma14:wrappingTextBoxFlag xmlns="" xmlns:m="http://schemas.openxmlformats.org/officeDocument/2006/math" xmlns:a14="http://schemas.microsoft.com/office/drawing/2010/main" xmlns:ma14="http://schemas.microsoft.com/office/mac/drawingml/2011/main" val="1"/>
+              <ma14:wrappingTextBoxFlag xmlns:ma14="http://schemas.microsoft.com/office/mac/drawingml/2011/main" xmlns:a14="http://schemas.microsoft.com/office/drawing/2010/main" xmlns:m="http://schemas.openxmlformats.org/officeDocument/2006/math" xmlns="" val="1"/>
             </a:ext>
           </a:extLst>
         </p:spPr>
@@ -6999,7 +6999,7 @@
             <a:effectLst/>
             <a:extLst>
               <a:ext uri="{C572A759-6A51-4108-AA02-DFA0A04FC94B}">
-                <ma14:wrappingTextBoxFlag xmlns="" xmlns:m="http://schemas.openxmlformats.org/officeDocument/2006/math" xmlns:a14="http://schemas.microsoft.com/office/drawing/2010/main" xmlns:ma14="http://schemas.microsoft.com/office/mac/drawingml/2011/main" val="1"/>
+                <ma14:wrappingTextBoxFlag xmlns:ma14="http://schemas.microsoft.com/office/mac/drawingml/2011/main" xmlns:a14="http://schemas.microsoft.com/office/drawing/2010/main" xmlns:m="http://schemas.openxmlformats.org/officeDocument/2006/math" xmlns="" val="1"/>
               </a:ext>
             </a:extLst>
           </p:spPr>
@@ -7078,7 +7078,7 @@
           </a:ln>
           <a:extLst>
             <a:ext uri="{C572A759-6A51-4108-AA02-DFA0A04FC94B}">
-              <ma14:wrappingTextBoxFlag xmlns="" xmlns:m="http://schemas.openxmlformats.org/officeDocument/2006/math" xmlns:a14="http://schemas.microsoft.com/office/drawing/2010/main" xmlns:ma14="http://schemas.microsoft.com/office/mac/drawingml/2011/main" val="1"/>
+              <ma14:wrappingTextBoxFlag xmlns:ma14="http://schemas.microsoft.com/office/mac/drawingml/2011/main" xmlns:a14="http://schemas.microsoft.com/office/drawing/2010/main" xmlns:m="http://schemas.openxmlformats.org/officeDocument/2006/math" xmlns="" val="1"/>
             </a:ext>
           </a:extLst>
         </p:spPr>
@@ -7151,7 +7151,7 @@
           </a:ln>
           <a:extLst>
             <a:ext uri="{C572A759-6A51-4108-AA02-DFA0A04FC94B}">
-              <ma14:wrappingTextBoxFlag xmlns="" xmlns:m="http://schemas.openxmlformats.org/officeDocument/2006/math" xmlns:a14="http://schemas.microsoft.com/office/drawing/2010/main" xmlns:ma14="http://schemas.microsoft.com/office/mac/drawingml/2011/main" val="1"/>
+              <ma14:wrappingTextBoxFlag xmlns:ma14="http://schemas.microsoft.com/office/mac/drawingml/2011/main" xmlns:a14="http://schemas.microsoft.com/office/drawing/2010/main" xmlns:m="http://schemas.openxmlformats.org/officeDocument/2006/math" xmlns="" val="1"/>
             </a:ext>
           </a:extLst>
         </p:spPr>
@@ -8641,7 +8641,7 @@
           </a:ln>
           <a:extLst>
             <a:ext uri="{C572A759-6A51-4108-AA02-DFA0A04FC94B}">
-              <ma14:wrappingTextBoxFlag xmlns="" xmlns:m="http://schemas.openxmlformats.org/officeDocument/2006/math" xmlns:a14="http://schemas.microsoft.com/office/drawing/2010/main" xmlns:ma14="http://schemas.microsoft.com/office/mac/drawingml/2011/main" val="1"/>
+              <ma14:wrappingTextBoxFlag xmlns:ma14="http://schemas.microsoft.com/office/mac/drawingml/2011/main" xmlns:a14="http://schemas.microsoft.com/office/drawing/2010/main" xmlns:m="http://schemas.openxmlformats.org/officeDocument/2006/math" xmlns="" val="1"/>
             </a:ext>
           </a:extLst>
         </p:spPr>
@@ -8680,7 +8680,7 @@
           </a:ln>
           <a:extLst>
             <a:ext uri="{C572A759-6A51-4108-AA02-DFA0A04FC94B}">
-              <ma14:wrappingTextBoxFlag xmlns="" xmlns:m="http://schemas.openxmlformats.org/officeDocument/2006/math" xmlns:a14="http://schemas.microsoft.com/office/drawing/2010/main" xmlns:ma14="http://schemas.microsoft.com/office/mac/drawingml/2011/main" val="1"/>
+              <ma14:wrappingTextBoxFlag xmlns:ma14="http://schemas.microsoft.com/office/mac/drawingml/2011/main" xmlns:a14="http://schemas.microsoft.com/office/drawing/2010/main" xmlns:m="http://schemas.openxmlformats.org/officeDocument/2006/math" xmlns="" val="1"/>
             </a:ext>
           </a:extLst>
         </p:spPr>
@@ -8722,7 +8722,7 @@
           </a:ln>
           <a:extLst>
             <a:ext uri="{C572A759-6A51-4108-AA02-DFA0A04FC94B}">
-              <ma14:wrappingTextBoxFlag xmlns="" xmlns:m="http://schemas.openxmlformats.org/officeDocument/2006/math" xmlns:a14="http://schemas.microsoft.com/office/drawing/2010/main" xmlns:ma14="http://schemas.microsoft.com/office/mac/drawingml/2011/main" val="1"/>
+              <ma14:wrappingTextBoxFlag xmlns:ma14="http://schemas.microsoft.com/office/mac/drawingml/2011/main" xmlns:a14="http://schemas.microsoft.com/office/drawing/2010/main" xmlns:m="http://schemas.openxmlformats.org/officeDocument/2006/math" xmlns="" val="1"/>
             </a:ext>
           </a:extLst>
         </p:spPr>
@@ -9047,7 +9047,7 @@
           </a:ln>
           <a:extLst>
             <a:ext uri="{C572A759-6A51-4108-AA02-DFA0A04FC94B}">
-              <ma14:wrappingTextBoxFlag xmlns="" xmlns:m="http://schemas.openxmlformats.org/officeDocument/2006/math" xmlns:a14="http://schemas.microsoft.com/office/drawing/2010/main" xmlns:ma14="http://schemas.microsoft.com/office/mac/drawingml/2011/main" val="1"/>
+              <ma14:wrappingTextBoxFlag xmlns:ma14="http://schemas.microsoft.com/office/mac/drawingml/2011/main" xmlns:a14="http://schemas.microsoft.com/office/drawing/2010/main" xmlns:m="http://schemas.openxmlformats.org/officeDocument/2006/math" xmlns="" val="1"/>
             </a:ext>
           </a:extLst>
         </p:spPr>
@@ -9090,7 +9090,7 @@
           </a:ln>
           <a:extLst>
             <a:ext uri="{C572A759-6A51-4108-AA02-DFA0A04FC94B}">
-              <ma14:wrappingTextBoxFlag xmlns="" xmlns:m="http://schemas.openxmlformats.org/officeDocument/2006/math" xmlns:a14="http://schemas.microsoft.com/office/drawing/2010/main" xmlns:ma14="http://schemas.microsoft.com/office/mac/drawingml/2011/main" val="1"/>
+              <ma14:wrappingTextBoxFlag xmlns:ma14="http://schemas.microsoft.com/office/mac/drawingml/2011/main" xmlns:a14="http://schemas.microsoft.com/office/drawing/2010/main" xmlns:m="http://schemas.openxmlformats.org/officeDocument/2006/math" xmlns="" val="1"/>
             </a:ext>
           </a:extLst>
         </p:spPr>
@@ -9132,7 +9132,7 @@
           </a:ln>
           <a:extLst>
             <a:ext uri="{C572A759-6A51-4108-AA02-DFA0A04FC94B}">
-              <ma14:wrappingTextBoxFlag xmlns="" xmlns:m="http://schemas.openxmlformats.org/officeDocument/2006/math" xmlns:a14="http://schemas.microsoft.com/office/drawing/2010/main" xmlns:ma14="http://schemas.microsoft.com/office/mac/drawingml/2011/main" val="1"/>
+              <ma14:wrappingTextBoxFlag xmlns:ma14="http://schemas.microsoft.com/office/mac/drawingml/2011/main" xmlns:a14="http://schemas.microsoft.com/office/drawing/2010/main" xmlns:m="http://schemas.openxmlformats.org/officeDocument/2006/math" xmlns="" val="1"/>
             </a:ext>
           </a:extLst>
         </p:spPr>
@@ -9201,7 +9201,7 @@
           </a:ln>
           <a:extLst>
             <a:ext uri="{C572A759-6A51-4108-AA02-DFA0A04FC94B}">
-              <ma14:wrappingTextBoxFlag xmlns="" xmlns:m="http://schemas.openxmlformats.org/officeDocument/2006/math" xmlns:a14="http://schemas.microsoft.com/office/drawing/2010/main" xmlns:ma14="http://schemas.microsoft.com/office/mac/drawingml/2011/main" val="1"/>
+              <ma14:wrappingTextBoxFlag xmlns:ma14="http://schemas.microsoft.com/office/mac/drawingml/2011/main" xmlns:a14="http://schemas.microsoft.com/office/drawing/2010/main" xmlns:m="http://schemas.openxmlformats.org/officeDocument/2006/math" xmlns="" val="1"/>
             </a:ext>
           </a:extLst>
         </p:spPr>
@@ -10405,7 +10405,7 @@
           </a:ln>
           <a:extLst>
             <a:ext uri="{C572A759-6A51-4108-AA02-DFA0A04FC94B}">
-              <ma14:wrappingTextBoxFlag xmlns="" xmlns:m="http://schemas.openxmlformats.org/officeDocument/2006/math" xmlns:a14="http://schemas.microsoft.com/office/drawing/2010/main" xmlns:ma14="http://schemas.microsoft.com/office/mac/drawingml/2011/main" val="1"/>
+              <ma14:wrappingTextBoxFlag xmlns:ma14="http://schemas.microsoft.com/office/mac/drawingml/2011/main" xmlns:a14="http://schemas.microsoft.com/office/drawing/2010/main" xmlns:m="http://schemas.openxmlformats.org/officeDocument/2006/math" xmlns="" val="1"/>
             </a:ext>
           </a:extLst>
         </p:spPr>
@@ -10444,7 +10444,7 @@
           </a:ln>
           <a:extLst>
             <a:ext uri="{C572A759-6A51-4108-AA02-DFA0A04FC94B}">
-              <ma14:wrappingTextBoxFlag xmlns="" xmlns:m="http://schemas.openxmlformats.org/officeDocument/2006/math" xmlns:a14="http://schemas.microsoft.com/office/drawing/2010/main" xmlns:ma14="http://schemas.microsoft.com/office/mac/drawingml/2011/main" val="1"/>
+              <ma14:wrappingTextBoxFlag xmlns:ma14="http://schemas.microsoft.com/office/mac/drawingml/2011/main" xmlns:a14="http://schemas.microsoft.com/office/drawing/2010/main" xmlns:m="http://schemas.openxmlformats.org/officeDocument/2006/math" xmlns="" val="1"/>
             </a:ext>
           </a:extLst>
         </p:spPr>
@@ -10483,7 +10483,7 @@
           </a:ln>
           <a:extLst>
             <a:ext uri="{C572A759-6A51-4108-AA02-DFA0A04FC94B}">
-              <ma14:wrappingTextBoxFlag xmlns="" xmlns:m="http://schemas.openxmlformats.org/officeDocument/2006/math" xmlns:a14="http://schemas.microsoft.com/office/drawing/2010/main" xmlns:ma14="http://schemas.microsoft.com/office/mac/drawingml/2011/main" val="1"/>
+              <ma14:wrappingTextBoxFlag xmlns:ma14="http://schemas.microsoft.com/office/mac/drawingml/2011/main" xmlns:a14="http://schemas.microsoft.com/office/drawing/2010/main" xmlns:m="http://schemas.openxmlformats.org/officeDocument/2006/math" xmlns="" val="1"/>
             </a:ext>
           </a:extLst>
         </p:spPr>
@@ -10843,7 +10843,7 @@
           </a:ln>
           <a:extLst>
             <a:ext uri="{C572A759-6A51-4108-AA02-DFA0A04FC94B}">
-              <ma14:wrappingTextBoxFlag xmlns="" xmlns:m="http://schemas.openxmlformats.org/officeDocument/2006/math" xmlns:a14="http://schemas.microsoft.com/office/drawing/2010/main" xmlns:ma14="http://schemas.microsoft.com/office/mac/drawingml/2011/main" val="1"/>
+              <ma14:wrappingTextBoxFlag xmlns:ma14="http://schemas.microsoft.com/office/mac/drawingml/2011/main" xmlns:a14="http://schemas.microsoft.com/office/drawing/2010/main" xmlns:m="http://schemas.openxmlformats.org/officeDocument/2006/math" xmlns="" val="1"/>
             </a:ext>
           </a:extLst>
         </p:spPr>
@@ -10957,7 +10957,7 @@
           </a:ln>
           <a:extLst>
             <a:ext uri="{C572A759-6A51-4108-AA02-DFA0A04FC94B}">
-              <ma14:wrappingTextBoxFlag xmlns="" xmlns:m="http://schemas.openxmlformats.org/officeDocument/2006/math" xmlns:a14="http://schemas.microsoft.com/office/drawing/2010/main" xmlns:ma14="http://schemas.microsoft.com/office/mac/drawingml/2011/main" val="1"/>
+              <ma14:wrappingTextBoxFlag xmlns:ma14="http://schemas.microsoft.com/office/mac/drawingml/2011/main" xmlns:a14="http://schemas.microsoft.com/office/drawing/2010/main" xmlns:m="http://schemas.openxmlformats.org/officeDocument/2006/math" xmlns="" val="1"/>
             </a:ext>
           </a:extLst>
         </p:spPr>
@@ -11562,7 +11562,7 @@
           </a:ln>
           <a:extLst>
             <a:ext uri="{C572A759-6A51-4108-AA02-DFA0A04FC94B}">
-              <ma14:wrappingTextBoxFlag xmlns="" xmlns:m="http://schemas.openxmlformats.org/officeDocument/2006/math" xmlns:a14="http://schemas.microsoft.com/office/drawing/2010/main" xmlns:ma14="http://schemas.microsoft.com/office/mac/drawingml/2011/main" val="1"/>
+              <ma14:wrappingTextBoxFlag xmlns:ma14="http://schemas.microsoft.com/office/mac/drawingml/2011/main" xmlns:a14="http://schemas.microsoft.com/office/drawing/2010/main" xmlns:m="http://schemas.openxmlformats.org/officeDocument/2006/math" xmlns="" val="1"/>
             </a:ext>
           </a:extLst>
         </p:spPr>
@@ -13220,7 +13220,7 @@
           </a:ln>
           <a:extLst>
             <a:ext uri="{C572A759-6A51-4108-AA02-DFA0A04FC94B}">
-              <ma14:wrappingTextBoxFlag xmlns="" xmlns:m="http://schemas.openxmlformats.org/officeDocument/2006/math" xmlns:a14="http://schemas.microsoft.com/office/drawing/2010/main" xmlns:ma14="http://schemas.microsoft.com/office/mac/drawingml/2011/main" val="1"/>
+              <ma14:wrappingTextBoxFlag xmlns:ma14="http://schemas.microsoft.com/office/mac/drawingml/2011/main" xmlns:a14="http://schemas.microsoft.com/office/drawing/2010/main" xmlns:m="http://schemas.openxmlformats.org/officeDocument/2006/math" xmlns="" val="1"/>
             </a:ext>
           </a:extLst>
         </p:spPr>
@@ -13769,7 +13769,7 @@
           </a:ln>
           <a:extLst>
             <a:ext uri="{C572A759-6A51-4108-AA02-DFA0A04FC94B}">
-              <ma14:wrappingTextBoxFlag xmlns="" xmlns:m="http://schemas.openxmlformats.org/officeDocument/2006/math" xmlns:a14="http://schemas.microsoft.com/office/drawing/2010/main" xmlns:ma14="http://schemas.microsoft.com/office/mac/drawingml/2011/main" val="1"/>
+              <ma14:wrappingTextBoxFlag xmlns:ma14="http://schemas.microsoft.com/office/mac/drawingml/2011/main" xmlns:a14="http://schemas.microsoft.com/office/drawing/2010/main" xmlns:m="http://schemas.openxmlformats.org/officeDocument/2006/math" xmlns="" val="1"/>
             </a:ext>
           </a:extLst>
         </p:spPr>
@@ -13981,7 +13981,7 @@
           </a:ln>
           <a:extLst>
             <a:ext uri="{C572A759-6A51-4108-AA02-DFA0A04FC94B}">
-              <ma14:wrappingTextBoxFlag xmlns="" xmlns:m="http://schemas.openxmlformats.org/officeDocument/2006/math" xmlns:a14="http://schemas.microsoft.com/office/drawing/2010/main" xmlns:ma14="http://schemas.microsoft.com/office/mac/drawingml/2011/main" val="1"/>
+              <ma14:wrappingTextBoxFlag xmlns:ma14="http://schemas.microsoft.com/office/mac/drawingml/2011/main" xmlns:a14="http://schemas.microsoft.com/office/drawing/2010/main" xmlns:m="http://schemas.openxmlformats.org/officeDocument/2006/math" xmlns="" val="1"/>
             </a:ext>
           </a:extLst>
         </p:spPr>
@@ -14352,7 +14352,7 @@
           </a:ln>
           <a:extLst>
             <a:ext uri="{C572A759-6A51-4108-AA02-DFA0A04FC94B}">
-              <ma14:wrappingTextBoxFlag xmlns="" xmlns:m="http://schemas.openxmlformats.org/officeDocument/2006/math" xmlns:a14="http://schemas.microsoft.com/office/drawing/2010/main" xmlns:ma14="http://schemas.microsoft.com/office/mac/drawingml/2011/main" val="1"/>
+              <ma14:wrappingTextBoxFlag xmlns:ma14="http://schemas.microsoft.com/office/mac/drawingml/2011/main" xmlns:a14="http://schemas.microsoft.com/office/drawing/2010/main" xmlns:m="http://schemas.openxmlformats.org/officeDocument/2006/math" xmlns="" val="1"/>
             </a:ext>
           </a:extLst>
         </p:spPr>
@@ -15066,7 +15066,7 @@
             <a:effectLst/>
             <a:extLst>
               <a:ext uri="{C572A759-6A51-4108-AA02-DFA0A04FC94B}">
-                <ma14:wrappingTextBoxFlag xmlns="" xmlns:m="http://schemas.openxmlformats.org/officeDocument/2006/math" xmlns:a14="http://schemas.microsoft.com/office/drawing/2010/main" xmlns:ma14="http://schemas.microsoft.com/office/mac/drawingml/2011/main" val="1"/>
+                <ma14:wrappingTextBoxFlag xmlns:ma14="http://schemas.microsoft.com/office/mac/drawingml/2011/main" xmlns:a14="http://schemas.microsoft.com/office/drawing/2010/main" xmlns:m="http://schemas.openxmlformats.org/officeDocument/2006/math" xmlns="" val="1"/>
               </a:ext>
             </a:extLst>
           </p:spPr>
@@ -15145,7 +15145,7 @@
           </a:ln>
           <a:extLst>
             <a:ext uri="{C572A759-6A51-4108-AA02-DFA0A04FC94B}">
-              <ma14:wrappingTextBoxFlag xmlns="" xmlns:m="http://schemas.openxmlformats.org/officeDocument/2006/math" xmlns:a14="http://schemas.microsoft.com/office/drawing/2010/main" xmlns:ma14="http://schemas.microsoft.com/office/mac/drawingml/2011/main" val="1"/>
+              <ma14:wrappingTextBoxFlag xmlns:ma14="http://schemas.microsoft.com/office/mac/drawingml/2011/main" xmlns:a14="http://schemas.microsoft.com/office/drawing/2010/main" xmlns:m="http://schemas.openxmlformats.org/officeDocument/2006/math" xmlns="" val="1"/>
             </a:ext>
           </a:extLst>
         </p:spPr>
@@ -15218,7 +15218,7 @@
           </a:ln>
           <a:extLst>
             <a:ext uri="{C572A759-6A51-4108-AA02-DFA0A04FC94B}">
-              <ma14:wrappingTextBoxFlag xmlns="" xmlns:m="http://schemas.openxmlformats.org/officeDocument/2006/math" xmlns:a14="http://schemas.microsoft.com/office/drawing/2010/main" xmlns:ma14="http://schemas.microsoft.com/office/mac/drawingml/2011/main" val="1"/>
+              <ma14:wrappingTextBoxFlag xmlns:ma14="http://schemas.microsoft.com/office/mac/drawingml/2011/main" xmlns:a14="http://schemas.microsoft.com/office/drawing/2010/main" xmlns:m="http://schemas.openxmlformats.org/officeDocument/2006/math" xmlns="" val="1"/>
             </a:ext>
           </a:extLst>
         </p:spPr>
@@ -15315,7 +15315,7 @@
           </a:ln>
           <a:extLst>
             <a:ext uri="{C572A759-6A51-4108-AA02-DFA0A04FC94B}">
-              <ma14:wrappingTextBoxFlag xmlns="" xmlns:m="http://schemas.openxmlformats.org/officeDocument/2006/math" xmlns:a14="http://schemas.microsoft.com/office/drawing/2010/main" xmlns:ma14="http://schemas.microsoft.com/office/mac/drawingml/2011/main" val="1"/>
+              <ma14:wrappingTextBoxFlag xmlns:ma14="http://schemas.microsoft.com/office/mac/drawingml/2011/main" xmlns:a14="http://schemas.microsoft.com/office/drawing/2010/main" xmlns:m="http://schemas.openxmlformats.org/officeDocument/2006/math" xmlns="" val="1"/>
             </a:ext>
           </a:extLst>
         </p:spPr>
@@ -15499,7 +15499,7 @@
           </a:ln>
           <a:extLst>
             <a:ext uri="{C572A759-6A51-4108-AA02-DFA0A04FC94B}">
-              <ma14:wrappingTextBoxFlag xmlns="" xmlns:m="http://schemas.openxmlformats.org/officeDocument/2006/math" xmlns:a14="http://schemas.microsoft.com/office/drawing/2010/main" xmlns:ma14="http://schemas.microsoft.com/office/mac/drawingml/2011/main" val="1"/>
+              <ma14:wrappingTextBoxFlag xmlns:ma14="http://schemas.microsoft.com/office/mac/drawingml/2011/main" xmlns:a14="http://schemas.microsoft.com/office/drawing/2010/main" xmlns:m="http://schemas.openxmlformats.org/officeDocument/2006/math" xmlns="" val="1"/>
             </a:ext>
           </a:extLst>
         </p:spPr>
@@ -15681,7 +15681,7 @@
           </a:ln>
           <a:extLst>
             <a:ext uri="{C572A759-6A51-4108-AA02-DFA0A04FC94B}">
-              <ma14:wrappingTextBoxFlag xmlns="" xmlns:m="http://schemas.openxmlformats.org/officeDocument/2006/math" xmlns:a14="http://schemas.microsoft.com/office/drawing/2010/main" xmlns:ma14="http://schemas.microsoft.com/office/mac/drawingml/2011/main" val="1"/>
+              <ma14:wrappingTextBoxFlag xmlns:ma14="http://schemas.microsoft.com/office/mac/drawingml/2011/main" xmlns:a14="http://schemas.microsoft.com/office/drawing/2010/main" xmlns:m="http://schemas.openxmlformats.org/officeDocument/2006/math" xmlns="" val="1"/>
             </a:ext>
           </a:extLst>
         </p:spPr>
@@ -15698,7 +15698,15 @@
             </a:pPr>
             <a:r>
               <a:rPr lang="en-IN" sz="2400" dirty="0"/>
-              <a:t>Global - Outside {} - ES5</a:t>
+              <a:t>Global - </a:t>
+            </a:r>
+            <a:r>
+              <a:rPr lang="en-IN" sz="2400"/>
+              <a:t>Outside fun </a:t>
+            </a:r>
+            <a:r>
+              <a:rPr lang="en-IN" sz="2400" dirty="0"/>
+              <a:t>- ES5</a:t>
             </a:r>
           </a:p>
           <a:p>
@@ -15709,7 +15717,7 @@
             </a:pPr>
             <a:r>
               <a:rPr lang="en-IN" sz="2400" dirty="0"/>
-              <a:t>Global variables last as long as the application is running</a:t>
+              <a:t>        Global variables last as long as the application is running</a:t>
             </a:r>
           </a:p>
           <a:p>
@@ -15731,7 +15739,7 @@
             </a:pPr>
             <a:r>
               <a:rPr lang="en-IN" sz="2400" dirty="0"/>
-              <a:t>Local variables last as long as a function is running</a:t>
+              <a:t>       Local variables last as long as a function is running</a:t>
             </a:r>
           </a:p>
           <a:p>
@@ -15785,7 +15793,7 @@
           </a:ln>
           <a:extLst>
             <a:ext uri="{C572A759-6A51-4108-AA02-DFA0A04FC94B}">
-              <ma14:wrappingTextBoxFlag xmlns="" xmlns:m="http://schemas.openxmlformats.org/officeDocument/2006/math" xmlns:a14="http://schemas.microsoft.com/office/drawing/2010/main" xmlns:ma14="http://schemas.microsoft.com/office/mac/drawingml/2011/main" val="1"/>
+              <ma14:wrappingTextBoxFlag xmlns:ma14="http://schemas.microsoft.com/office/mac/drawingml/2011/main" xmlns:a14="http://schemas.microsoft.com/office/drawing/2010/main" xmlns:m="http://schemas.openxmlformats.org/officeDocument/2006/math" xmlns="" val="1"/>
             </a:ext>
           </a:extLst>
         </p:spPr>
@@ -16085,602 +16093,6 @@
       </p:grpSpPr>
       <p:pic>
         <p:nvPicPr>
-          <p:cNvPr id="254" name="Google Shape;54;p13" descr="Google Shape;54;p13"/>
-          <p:cNvPicPr>
-            <a:picLocks noChangeAspect="1"/>
-          </p:cNvPicPr>
-          <p:nvPr/>
-        </p:nvPicPr>
-        <p:blipFill>
-          <a:blip r:embed="rId2"/>
-          <a:stretch>
-            <a:fillRect/>
-          </a:stretch>
-        </p:blipFill>
-        <p:spPr>
-          <a:xfrm>
-            <a:off x="0" y="0"/>
-            <a:ext cx="12191997" cy="6858000"/>
-          </a:xfrm>
-          <a:prstGeom prst="rect">
-            <a:avLst/>
-          </a:prstGeom>
-          <a:ln w="12700">
-            <a:miter lim="400000"/>
-          </a:ln>
-        </p:spPr>
-      </p:pic>
-      <p:sp>
-        <p:nvSpPr>
-          <p:cNvPr id="255" name="Rectangle 3"/>
-          <p:cNvSpPr txBox="1"/>
-          <p:nvPr/>
-        </p:nvSpPr>
-        <p:spPr>
-          <a:xfrm>
-            <a:off x="767079" y="1116646"/>
-            <a:ext cx="6004561" cy="2973548"/>
-          </a:xfrm>
-          <a:prstGeom prst="rect">
-            <a:avLst/>
-          </a:prstGeom>
-          <a:ln w="12700">
-            <a:miter lim="400000"/>
-          </a:ln>
-          <a:extLst>
-            <a:ext uri="{C572A759-6A51-4108-AA02-DFA0A04FC94B}">
-              <ma14:wrappingTextBoxFlag xmlns="" xmlns:m="http://schemas.openxmlformats.org/officeDocument/2006/math" xmlns:a14="http://schemas.microsoft.com/office/drawing/2010/main" xmlns:ma14="http://schemas.microsoft.com/office/mac/drawingml/2011/main" val="1"/>
-            </a:ext>
-          </a:extLst>
-        </p:spPr>
-        <p:txBody>
-          <a:bodyPr lIns="45719" rIns="45719">
-            <a:spAutoFit/>
-          </a:bodyPr>
-          <a:lstStyle/>
-          <a:p>
-            <a:pPr>
-              <a:defRPr sz="3200"/>
-            </a:pPr>
-            <a:r>
-              <a:t>function hoist() {</a:t>
-            </a:r>
-          </a:p>
-          <a:p>
-            <a:pPr>
-              <a:defRPr sz="3200"/>
-            </a:pPr>
-            <a:r>
-              <a:t>  console.log(a,b);</a:t>
-            </a:r>
-          </a:p>
-          <a:p>
-            <a:pPr>
-              <a:defRPr sz="3200"/>
-            </a:pPr>
-            <a:r>
-              <a:t>  a = 20;</a:t>
-            </a:r>
-          </a:p>
-          <a:p>
-            <a:pPr>
-              <a:defRPr sz="3200"/>
-            </a:pPr>
-            <a:r>
-              <a:t>  var b = 100;</a:t>
-            </a:r>
-          </a:p>
-          <a:p>
-            <a:pPr>
-              <a:defRPr sz="3200"/>
-            </a:pPr>
-            <a:r>
-              <a:t>  console.log(a,b); </a:t>
-            </a:r>
-          </a:p>
-          <a:p>
-            <a:pPr>
-              <a:defRPr sz="3200"/>
-            </a:pPr>
-            <a:r>
-              <a:t>}</a:t>
-            </a:r>
-          </a:p>
-        </p:txBody>
-      </p:sp>
-      <p:sp>
-        <p:nvSpPr>
-          <p:cNvPr id="256" name="Rectangle 4"/>
-          <p:cNvSpPr txBox="1"/>
-          <p:nvPr/>
-        </p:nvSpPr>
-        <p:spPr>
-          <a:xfrm>
-            <a:off x="4276090" y="4344847"/>
-            <a:ext cx="6004560" cy="2171959"/>
-          </a:xfrm>
-          <a:prstGeom prst="rect">
-            <a:avLst/>
-          </a:prstGeom>
-          <a:ln w="12700">
-            <a:miter lim="400000"/>
-          </a:ln>
-          <a:extLst>
-            <a:ext uri="{C572A759-6A51-4108-AA02-DFA0A04FC94B}">
-              <ma14:wrappingTextBoxFlag xmlns="" xmlns:m="http://schemas.openxmlformats.org/officeDocument/2006/math" xmlns:a14="http://schemas.microsoft.com/office/drawing/2010/main" xmlns:ma14="http://schemas.microsoft.com/office/mac/drawingml/2011/main" val="1"/>
-            </a:ext>
-          </a:extLst>
-        </p:spPr>
-        <p:txBody>
-          <a:bodyPr lIns="45719" rIns="45719">
-            <a:spAutoFit/>
-          </a:bodyPr>
-          <a:lstStyle/>
-          <a:p>
-            <a:pPr>
-              <a:defRPr sz="2800"/>
-            </a:pPr>
-            <a:endParaRPr/>
-          </a:p>
-          <a:p>
-            <a:pPr>
-              <a:defRPr sz="2800"/>
-            </a:pPr>
-            <a:r>
-              <a:t>hoist();</a:t>
-            </a:r>
-          </a:p>
-          <a:p>
-            <a:pPr>
-              <a:defRPr sz="2800"/>
-            </a:pPr>
-            <a:r>
-              <a:t>console.log(a);</a:t>
-            </a:r>
-          </a:p>
-          <a:p>
-            <a:pPr>
-              <a:defRPr sz="2800"/>
-            </a:pPr>
-            <a:r>
-              <a:t>console.log(window.a);</a:t>
-            </a:r>
-          </a:p>
-          <a:p>
-            <a:pPr>
-              <a:defRPr sz="2800"/>
-            </a:pPr>
-            <a:r>
-              <a:t>console.log(b);</a:t>
-            </a:r>
-          </a:p>
-        </p:txBody>
-      </p:sp>
-      <p:sp>
-        <p:nvSpPr>
-          <p:cNvPr id="257" name="Title 1"/>
-          <p:cNvSpPr txBox="1"/>
-          <p:nvPr/>
-        </p:nvSpPr>
-        <p:spPr>
-          <a:xfrm>
-            <a:off x="1046861" y="-279231"/>
-            <a:ext cx="10424161" cy="1325564"/>
-          </a:xfrm>
-          <a:prstGeom prst="rect">
-            <a:avLst/>
-          </a:prstGeom>
-          <a:ln w="12700">
-            <a:miter lim="400000"/>
-          </a:ln>
-          <a:extLst>
-            <a:ext uri="{C572A759-6A51-4108-AA02-DFA0A04FC94B}">
-              <ma14:wrappingTextBoxFlag xmlns="" xmlns:m="http://schemas.openxmlformats.org/officeDocument/2006/math" xmlns:a14="http://schemas.microsoft.com/office/drawing/2010/main" xmlns:ma14="http://schemas.microsoft.com/office/mac/drawingml/2011/main" val="1"/>
-            </a:ext>
-          </a:extLst>
-        </p:spPr>
-        <p:txBody>
-          <a:bodyPr lIns="45719" rIns="45719" anchor="ctr">
-            <a:normAutofit/>
-          </a:bodyPr>
-          <a:lstStyle>
-            <a:lvl1pPr algn="ctr">
-              <a:lnSpc>
-                <a:spcPct val="90000"/>
-              </a:lnSpc>
-              <a:defRPr sz="4400">
-                <a:latin typeface="Calibri Light"/>
-                <a:ea typeface="Calibri Light"/>
-                <a:cs typeface="Calibri Light"/>
-                <a:sym typeface="Calibri Light"/>
-              </a:defRPr>
-            </a:lvl1pPr>
-          </a:lstStyle>
-          <a:p>
-            <a:r>
-              <a:t>Hoisting twisted</a:t>
-            </a:r>
-          </a:p>
-        </p:txBody>
-      </p:sp>
-      <p:sp>
-        <p:nvSpPr>
-          <p:cNvPr id="258" name="Rectangle 8"/>
-          <p:cNvSpPr txBox="1"/>
-          <p:nvPr/>
-        </p:nvSpPr>
-        <p:spPr>
-          <a:xfrm>
-            <a:off x="6863079" y="900617"/>
-            <a:ext cx="6004561" cy="3468848"/>
-          </a:xfrm>
-          <a:prstGeom prst="rect">
-            <a:avLst/>
-          </a:prstGeom>
-          <a:ln w="12700">
-            <a:miter lim="400000"/>
-          </a:ln>
-          <a:extLst>
-            <a:ext uri="{C572A759-6A51-4108-AA02-DFA0A04FC94B}">
-              <ma14:wrappingTextBoxFlag xmlns="" xmlns:m="http://schemas.openxmlformats.org/officeDocument/2006/math" xmlns:a14="http://schemas.microsoft.com/office/drawing/2010/main" xmlns:ma14="http://schemas.microsoft.com/office/mac/drawingml/2011/main" val="1"/>
-            </a:ext>
-          </a:extLst>
-        </p:spPr>
-        <p:txBody>
-          <a:bodyPr lIns="45719" rIns="45719">
-            <a:spAutoFit/>
-          </a:bodyPr>
-          <a:lstStyle/>
-          <a:p>
-            <a:pPr>
-              <a:defRPr sz="3200"/>
-            </a:pPr>
-            <a:r>
-              <a:t>function hoist() {</a:t>
-            </a:r>
-          </a:p>
-          <a:p>
-            <a:pPr>
-              <a:defRPr sz="3200"/>
-            </a:pPr>
-            <a:r>
-              <a:t>   var b = undefined;</a:t>
-            </a:r>
-          </a:p>
-          <a:p>
-            <a:pPr>
-              <a:defRPr sz="3200"/>
-            </a:pPr>
-            <a:r>
-              <a:t>  console.log(a,b);</a:t>
-            </a:r>
-          </a:p>
-          <a:p>
-            <a:pPr>
-              <a:defRPr sz="3200"/>
-            </a:pPr>
-            <a:r>
-              <a:t>  window.a = 20;</a:t>
-            </a:r>
-          </a:p>
-          <a:p>
-            <a:pPr>
-              <a:defRPr sz="3200"/>
-            </a:pPr>
-            <a:r>
-              <a:t>  b = 100;</a:t>
-            </a:r>
-          </a:p>
-          <a:p>
-            <a:pPr>
-              <a:defRPr sz="3200"/>
-            </a:pPr>
-            <a:r>
-              <a:t>  console.log(a,b); </a:t>
-            </a:r>
-          </a:p>
-          <a:p>
-            <a:pPr>
-              <a:defRPr sz="3200"/>
-            </a:pPr>
-            <a:r>
-              <a:t>}</a:t>
-            </a:r>
-          </a:p>
-        </p:txBody>
-      </p:sp>
-      <p:sp>
-        <p:nvSpPr>
-          <p:cNvPr id="259" name="Arrow: Right 9"/>
-          <p:cNvSpPr/>
-          <p:nvPr/>
-        </p:nvSpPr>
-        <p:spPr>
-          <a:xfrm>
-            <a:off x="4487560" y="2144832"/>
-            <a:ext cx="2190308" cy="488247"/>
-          </a:xfrm>
-          <a:prstGeom prst="rightArrow">
-            <a:avLst>
-              <a:gd name="adj1" fmla="val 50000"/>
-              <a:gd name="adj2" fmla="val 50000"/>
-            </a:avLst>
-          </a:prstGeom>
-          <a:gradFill>
-            <a:gsLst>
-              <a:gs pos="0">
-                <a:srgbClr val="C00000"/>
-              </a:gs>
-              <a:gs pos="26000">
-                <a:srgbClr val="C00000"/>
-              </a:gs>
-              <a:gs pos="100000">
-                <a:srgbClr val="C00000"/>
-              </a:gs>
-            </a:gsLst>
-            <a:path path="circle">
-              <a:fillToRect l="-19636" t="62278" r="119636" b="37721"/>
-            </a:path>
-          </a:gradFill>
-          <a:ln w="12700">
-            <a:miter lim="400000"/>
-          </a:ln>
-        </p:spPr>
-        <p:txBody>
-          <a:bodyPr lIns="45719" rIns="45719" anchor="ctr"/>
-          <a:lstStyle/>
-          <a:p>
-            <a:pPr algn="ctr">
-              <a:defRPr>
-                <a:solidFill>
-                  <a:srgbClr val="FFFFFF"/>
-                </a:solidFill>
-              </a:defRPr>
-            </a:pPr>
-            <a:endParaRPr/>
-          </a:p>
-        </p:txBody>
-      </p:sp>
-    </p:spTree>
-  </p:cSld>
-  <p:clrMapOvr>
-    <a:masterClrMapping/>
-  </p:clrMapOvr>
-  <p:transition spd="med"/>
-  <p:timing>
-    <p:tnLst>
-      <p:par>
-        <p:cTn id="1" dur="indefinite" restart="never" fill="hold" nodeType="tmRoot">
-          <p:childTnLst>
-            <p:seq concurrent="1" prevAc="none" nextAc="seek">
-              <p:cTn id="2" dur="indefinite" fill="hold" nodeType="mainSeq">
-                <p:childTnLst>
-                  <p:par>
-                    <p:cTn id="3" fill="hold">
-                      <p:stCondLst>
-                        <p:cond delay="indefinite"/>
-                      </p:stCondLst>
-                      <p:childTnLst>
-                        <p:par>
-                          <p:cTn id="4" fill="hold">
-                            <p:stCondLst>
-                              <p:cond delay="0"/>
-                            </p:stCondLst>
-                            <p:childTnLst>
-                              <p:par>
-                                <p:cTn id="5" presetID="1" presetClass="entr" presetSubtype="0" fill="hold" grpId="1" nodeType="clickEffect">
-                                  <p:stCondLst>
-                                    <p:cond delay="0"/>
-                                  </p:stCondLst>
-                                  <p:iterate>
-                                    <p:tmAbs val="0"/>
-                                  </p:iterate>
-                                  <p:childTnLst>
-                                    <p:set>
-                                      <p:cBhvr>
-                                        <p:cTn id="6" fill="hold"/>
-                                        <p:tgtEl>
-                                          <p:spTgt spid="255"/>
-                                        </p:tgtEl>
-                                        <p:attrNameLst>
-                                          <p:attrName>style.visibility</p:attrName>
-                                        </p:attrNameLst>
-                                      </p:cBhvr>
-                                      <p:to>
-                                        <p:strVal val="visible"/>
-                                      </p:to>
-                                    </p:set>
-                                  </p:childTnLst>
-                                </p:cTn>
-                              </p:par>
-                            </p:childTnLst>
-                          </p:cTn>
-                        </p:par>
-                      </p:childTnLst>
-                    </p:cTn>
-                  </p:par>
-                  <p:par>
-                    <p:cTn id="7" fill="hold">
-                      <p:stCondLst>
-                        <p:cond delay="indefinite"/>
-                      </p:stCondLst>
-                      <p:childTnLst>
-                        <p:par>
-                          <p:cTn id="8" fill="hold">
-                            <p:stCondLst>
-                              <p:cond delay="0"/>
-                            </p:stCondLst>
-                            <p:childTnLst>
-                              <p:par>
-                                <p:cTn id="9" presetID="1" presetClass="entr" presetSubtype="0" fill="hold" grpId="2" nodeType="clickEffect">
-                                  <p:stCondLst>
-                                    <p:cond delay="0"/>
-                                  </p:stCondLst>
-                                  <p:iterate>
-                                    <p:tmAbs val="0"/>
-                                  </p:iterate>
-                                  <p:childTnLst>
-                                    <p:set>
-                                      <p:cBhvr>
-                                        <p:cTn id="10" fill="hold"/>
-                                        <p:tgtEl>
-                                          <p:spTgt spid="259"/>
-                                        </p:tgtEl>
-                                        <p:attrNameLst>
-                                          <p:attrName>style.visibility</p:attrName>
-                                        </p:attrNameLst>
-                                      </p:cBhvr>
-                                      <p:to>
-                                        <p:strVal val="visible"/>
-                                      </p:to>
-                                    </p:set>
-                                  </p:childTnLst>
-                                </p:cTn>
-                              </p:par>
-                            </p:childTnLst>
-                          </p:cTn>
-                        </p:par>
-                      </p:childTnLst>
-                    </p:cTn>
-                  </p:par>
-                  <p:par>
-                    <p:cTn id="11" fill="hold">
-                      <p:stCondLst>
-                        <p:cond delay="indefinite"/>
-                      </p:stCondLst>
-                      <p:childTnLst>
-                        <p:par>
-                          <p:cTn id="12" fill="hold">
-                            <p:stCondLst>
-                              <p:cond delay="0"/>
-                            </p:stCondLst>
-                            <p:childTnLst>
-                              <p:par>
-                                <p:cTn id="13" presetID="1" presetClass="entr" presetSubtype="0" fill="hold" grpId="3" nodeType="clickEffect">
-                                  <p:stCondLst>
-                                    <p:cond delay="0"/>
-                                  </p:stCondLst>
-                                  <p:iterate>
-                                    <p:tmAbs val="0"/>
-                                  </p:iterate>
-                                  <p:childTnLst>
-                                    <p:set>
-                                      <p:cBhvr>
-                                        <p:cTn id="14" fill="hold"/>
-                                        <p:tgtEl>
-                                          <p:spTgt spid="258"/>
-                                        </p:tgtEl>
-                                        <p:attrNameLst>
-                                          <p:attrName>style.visibility</p:attrName>
-                                        </p:attrNameLst>
-                                      </p:cBhvr>
-                                      <p:to>
-                                        <p:strVal val="visible"/>
-                                      </p:to>
-                                    </p:set>
-                                  </p:childTnLst>
-                                </p:cTn>
-                              </p:par>
-                            </p:childTnLst>
-                          </p:cTn>
-                        </p:par>
-                      </p:childTnLst>
-                    </p:cTn>
-                  </p:par>
-                  <p:par>
-                    <p:cTn id="15" fill="hold">
-                      <p:stCondLst>
-                        <p:cond delay="indefinite"/>
-                      </p:stCondLst>
-                      <p:childTnLst>
-                        <p:par>
-                          <p:cTn id="16" fill="hold">
-                            <p:stCondLst>
-                              <p:cond delay="0"/>
-                            </p:stCondLst>
-                            <p:childTnLst>
-                              <p:par>
-                                <p:cTn id="17" presetID="1" presetClass="entr" presetSubtype="0" fill="hold" grpId="4" nodeType="clickEffect">
-                                  <p:stCondLst>
-                                    <p:cond delay="0"/>
-                                  </p:stCondLst>
-                                  <p:iterate>
-                                    <p:tmAbs val="0"/>
-                                  </p:iterate>
-                                  <p:childTnLst>
-                                    <p:set>
-                                      <p:cBhvr>
-                                        <p:cTn id="18" fill="hold"/>
-                                        <p:tgtEl>
-                                          <p:spTgt spid="256"/>
-                                        </p:tgtEl>
-                                        <p:attrNameLst>
-                                          <p:attrName>style.visibility</p:attrName>
-                                        </p:attrNameLst>
-                                      </p:cBhvr>
-                                      <p:to>
-                                        <p:strVal val="visible"/>
-                                      </p:to>
-                                    </p:set>
-                                  </p:childTnLst>
-                                </p:cTn>
-                              </p:par>
-                            </p:childTnLst>
-                          </p:cTn>
-                        </p:par>
-                      </p:childTnLst>
-                    </p:cTn>
-                  </p:par>
-                </p:childTnLst>
-              </p:cTn>
-              <p:prevCondLst>
-                <p:cond evt="onPrev" delay="0">
-                  <p:tgtEl>
-                    <p:sldTgt/>
-                  </p:tgtEl>
-                </p:cond>
-              </p:prevCondLst>
-              <p:nextCondLst>
-                <p:cond evt="onNext" delay="0">
-                  <p:tgtEl>
-                    <p:sldTgt/>
-                  </p:tgtEl>
-                </p:cond>
-              </p:nextCondLst>
-            </p:seq>
-          </p:childTnLst>
-        </p:cTn>
-      </p:par>
-    </p:tnLst>
-    <p:bldLst>
-      <p:bldP spid="255" grpId="1" animBg="1" advAuto="0"/>
-      <p:bldP spid="256" grpId="4" animBg="1" advAuto="0"/>
-      <p:bldP spid="258" grpId="3" animBg="1" advAuto="0"/>
-      <p:bldP spid="259" grpId="2" animBg="1" advAuto="0"/>
-    </p:bldLst>
-  </p:timing>
-</p:sld>
-</file>
-
-<file path=ppt/slides/slide37.xml><?xml version="1.0" encoding="utf-8"?>
-<p:sld xmlns:a="http://schemas.openxmlformats.org/drawingml/2006/main" xmlns:r="http://schemas.openxmlformats.org/officeDocument/2006/relationships" xmlns:p="http://schemas.openxmlformats.org/presentationml/2006/main">
-  <p:cSld>
-    <p:spTree>
-      <p:nvGrpSpPr>
-        <p:cNvPr id="1" name=""/>
-        <p:cNvGrpSpPr/>
-        <p:nvPr/>
-      </p:nvGrpSpPr>
-      <p:grpSpPr>
-        <a:xfrm>
-          <a:off x="0" y="0"/>
-          <a:ext cx="0" cy="0"/>
-          <a:chOff x="0" y="0"/>
-          <a:chExt cx="0" cy="0"/>
-        </a:xfrm>
-      </p:grpSpPr>
-      <p:pic>
-        <p:nvPicPr>
           <p:cNvPr id="247" name="Google Shape;54;p13" descr="Google Shape;54;p13"/>
           <p:cNvPicPr>
             <a:picLocks noChangeAspect="1"/>
@@ -16856,7 +16268,7 @@
           </a:ln>
           <a:extLst>
             <a:ext uri="{C572A759-6A51-4108-AA02-DFA0A04FC94B}">
-              <ma14:wrappingTextBoxFlag xmlns="" xmlns:m="http://schemas.openxmlformats.org/officeDocument/2006/math" xmlns:a14="http://schemas.microsoft.com/office/drawing/2010/main" xmlns:ma14="http://schemas.microsoft.com/office/mac/drawingml/2011/main" val="1"/>
+              <ma14:wrappingTextBoxFlag xmlns:ma14="http://schemas.microsoft.com/office/mac/drawingml/2011/main" xmlns:a14="http://schemas.microsoft.com/office/drawing/2010/main" xmlns:m="http://schemas.openxmlformats.org/officeDocument/2006/math" xmlns="" val="1"/>
             </a:ext>
           </a:extLst>
         </p:spPr>
@@ -16870,7 +16282,16 @@
               <a:defRPr sz="4400"/>
             </a:pPr>
             <a:r>
-              <a:t> console.log(b); </a:t>
+              <a:rPr dirty="0"/>
+              <a:t> </a:t>
+            </a:r>
+            <a:r>
+              <a:rPr dirty="0" err="1"/>
+              <a:t>console.log</a:t>
+            </a:r>
+            <a:r>
+              <a:rPr dirty="0"/>
+              <a:t>(b); </a:t>
             </a:r>
           </a:p>
           <a:p>
@@ -16878,6 +16299,7 @@
               <a:defRPr sz="4400"/>
             </a:pPr>
             <a:r>
+              <a:rPr dirty="0"/>
               <a:t> var b = 100;</a:t>
             </a:r>
           </a:p>
@@ -16886,7 +16308,16 @@
               <a:defRPr sz="4400"/>
             </a:pPr>
             <a:r>
-              <a:t> console.log(b); </a:t>
+              <a:rPr dirty="0"/>
+              <a:t> </a:t>
+            </a:r>
+            <a:r>
+              <a:rPr dirty="0" err="1"/>
+              <a:t>console.log</a:t>
+            </a:r>
+            <a:r>
+              <a:rPr dirty="0"/>
+              <a:t>(b); </a:t>
             </a:r>
           </a:p>
         </p:txBody>
@@ -16910,7 +16341,7 @@
           </a:ln>
           <a:extLst>
             <a:ext uri="{C572A759-6A51-4108-AA02-DFA0A04FC94B}">
-              <ma14:wrappingTextBoxFlag xmlns="" xmlns:m="http://schemas.openxmlformats.org/officeDocument/2006/math" xmlns:a14="http://schemas.microsoft.com/office/drawing/2010/main" xmlns:ma14="http://schemas.microsoft.com/office/mac/drawingml/2011/main" val="1"/>
+              <ma14:wrappingTextBoxFlag xmlns:ma14="http://schemas.microsoft.com/office/mac/drawingml/2011/main" xmlns:a14="http://schemas.microsoft.com/office/drawing/2010/main" xmlns:m="http://schemas.openxmlformats.org/officeDocument/2006/math" xmlns="" val="1"/>
             </a:ext>
           </a:extLst>
         </p:spPr>
@@ -17024,7 +16455,7 @@
           </a:ln>
           <a:extLst>
             <a:ext uri="{C572A759-6A51-4108-AA02-DFA0A04FC94B}">
-              <ma14:wrappingTextBoxFlag xmlns="" xmlns:m="http://schemas.openxmlformats.org/officeDocument/2006/math" xmlns:a14="http://schemas.microsoft.com/office/drawing/2010/main" xmlns:ma14="http://schemas.microsoft.com/office/mac/drawingml/2011/main" val="1"/>
+              <ma14:wrappingTextBoxFlag xmlns:ma14="http://schemas.microsoft.com/office/mac/drawingml/2011/main" xmlns:a14="http://schemas.microsoft.com/office/drawing/2010/main" xmlns:m="http://schemas.openxmlformats.org/officeDocument/2006/math" xmlns="" val="1"/>
             </a:ext>
           </a:extLst>
         </p:spPr>
@@ -17445,6 +16876,664 @@
 </p:sld>
 </file>
 
+<file path=ppt/slides/slide37.xml><?xml version="1.0" encoding="utf-8"?>
+<p:sld xmlns:a="http://schemas.openxmlformats.org/drawingml/2006/main" xmlns:r="http://schemas.openxmlformats.org/officeDocument/2006/relationships" xmlns:p="http://schemas.openxmlformats.org/presentationml/2006/main">
+  <p:cSld>
+    <p:spTree>
+      <p:nvGrpSpPr>
+        <p:cNvPr id="1" name=""/>
+        <p:cNvGrpSpPr/>
+        <p:nvPr/>
+      </p:nvGrpSpPr>
+      <p:grpSpPr>
+        <a:xfrm>
+          <a:off x="0" y="0"/>
+          <a:ext cx="0" cy="0"/>
+          <a:chOff x="0" y="0"/>
+          <a:chExt cx="0" cy="0"/>
+        </a:xfrm>
+      </p:grpSpPr>
+      <p:pic>
+        <p:nvPicPr>
+          <p:cNvPr id="254" name="Google Shape;54;p13" descr="Google Shape;54;p13"/>
+          <p:cNvPicPr>
+            <a:picLocks noChangeAspect="1"/>
+          </p:cNvPicPr>
+          <p:nvPr/>
+        </p:nvPicPr>
+        <p:blipFill>
+          <a:blip r:embed="rId2"/>
+          <a:stretch>
+            <a:fillRect/>
+          </a:stretch>
+        </p:blipFill>
+        <p:spPr>
+          <a:xfrm>
+            <a:off x="0" y="0"/>
+            <a:ext cx="12191997" cy="6858000"/>
+          </a:xfrm>
+          <a:prstGeom prst="rect">
+            <a:avLst/>
+          </a:prstGeom>
+          <a:ln w="12700">
+            <a:miter lim="400000"/>
+          </a:ln>
+        </p:spPr>
+      </p:pic>
+      <p:sp>
+        <p:nvSpPr>
+          <p:cNvPr id="255" name="Rectangle 3"/>
+          <p:cNvSpPr txBox="1"/>
+          <p:nvPr/>
+        </p:nvSpPr>
+        <p:spPr>
+          <a:xfrm>
+            <a:off x="767079" y="1116646"/>
+            <a:ext cx="6004561" cy="2973548"/>
+          </a:xfrm>
+          <a:prstGeom prst="rect">
+            <a:avLst/>
+          </a:prstGeom>
+          <a:ln w="12700">
+            <a:miter lim="400000"/>
+          </a:ln>
+          <a:extLst>
+            <a:ext uri="{C572A759-6A51-4108-AA02-DFA0A04FC94B}">
+              <ma14:wrappingTextBoxFlag xmlns:ma14="http://schemas.microsoft.com/office/mac/drawingml/2011/main" xmlns:a14="http://schemas.microsoft.com/office/drawing/2010/main" xmlns:m="http://schemas.openxmlformats.org/officeDocument/2006/math" xmlns="" val="1"/>
+            </a:ext>
+          </a:extLst>
+        </p:spPr>
+        <p:txBody>
+          <a:bodyPr lIns="45719" rIns="45719">
+            <a:spAutoFit/>
+          </a:bodyPr>
+          <a:lstStyle/>
+          <a:p>
+            <a:pPr>
+              <a:defRPr sz="3200"/>
+            </a:pPr>
+            <a:r>
+              <a:rPr dirty="0"/>
+              <a:t>function hoist() {</a:t>
+            </a:r>
+          </a:p>
+          <a:p>
+            <a:pPr>
+              <a:defRPr sz="3200"/>
+            </a:pPr>
+            <a:r>
+              <a:rPr dirty="0"/>
+              <a:t>  </a:t>
+            </a:r>
+            <a:r>
+              <a:rPr dirty="0" err="1"/>
+              <a:t>console.log</a:t>
+            </a:r>
+            <a:r>
+              <a:rPr dirty="0"/>
+              <a:t>(</a:t>
+            </a:r>
+            <a:r>
+              <a:rPr dirty="0" err="1"/>
+              <a:t>a,b</a:t>
+            </a:r>
+            <a:r>
+              <a:rPr dirty="0"/>
+              <a:t>);</a:t>
+            </a:r>
+          </a:p>
+          <a:p>
+            <a:pPr>
+              <a:defRPr sz="3200"/>
+            </a:pPr>
+            <a:r>
+              <a:rPr dirty="0"/>
+              <a:t>  a = 20;</a:t>
+            </a:r>
+          </a:p>
+          <a:p>
+            <a:pPr>
+              <a:defRPr sz="3200"/>
+            </a:pPr>
+            <a:r>
+              <a:rPr dirty="0"/>
+              <a:t>  var b = 100;</a:t>
+            </a:r>
+          </a:p>
+          <a:p>
+            <a:pPr>
+              <a:defRPr sz="3200"/>
+            </a:pPr>
+            <a:r>
+              <a:rPr dirty="0"/>
+              <a:t>  </a:t>
+            </a:r>
+            <a:r>
+              <a:rPr dirty="0" err="1"/>
+              <a:t>console.log</a:t>
+            </a:r>
+            <a:r>
+              <a:rPr dirty="0"/>
+              <a:t>(</a:t>
+            </a:r>
+            <a:r>
+              <a:rPr dirty="0" err="1"/>
+              <a:t>a,b</a:t>
+            </a:r>
+            <a:r>
+              <a:rPr dirty="0"/>
+              <a:t>); </a:t>
+            </a:r>
+          </a:p>
+          <a:p>
+            <a:pPr>
+              <a:defRPr sz="3200"/>
+            </a:pPr>
+            <a:r>
+              <a:rPr dirty="0"/>
+              <a:t>}</a:t>
+            </a:r>
+          </a:p>
+        </p:txBody>
+      </p:sp>
+      <p:sp>
+        <p:nvSpPr>
+          <p:cNvPr id="256" name="Rectangle 4"/>
+          <p:cNvSpPr txBox="1"/>
+          <p:nvPr/>
+        </p:nvSpPr>
+        <p:spPr>
+          <a:xfrm>
+            <a:off x="4276090" y="4344847"/>
+            <a:ext cx="6004560" cy="2171959"/>
+          </a:xfrm>
+          <a:prstGeom prst="rect">
+            <a:avLst/>
+          </a:prstGeom>
+          <a:ln w="12700">
+            <a:miter lim="400000"/>
+          </a:ln>
+          <a:extLst>
+            <a:ext uri="{C572A759-6A51-4108-AA02-DFA0A04FC94B}">
+              <ma14:wrappingTextBoxFlag xmlns:ma14="http://schemas.microsoft.com/office/mac/drawingml/2011/main" xmlns:a14="http://schemas.microsoft.com/office/drawing/2010/main" xmlns:m="http://schemas.openxmlformats.org/officeDocument/2006/math" xmlns="" val="1"/>
+            </a:ext>
+          </a:extLst>
+        </p:spPr>
+        <p:txBody>
+          <a:bodyPr lIns="45719" rIns="45719">
+            <a:spAutoFit/>
+          </a:bodyPr>
+          <a:lstStyle/>
+          <a:p>
+            <a:pPr>
+              <a:defRPr sz="2800"/>
+            </a:pPr>
+            <a:endParaRPr dirty="0"/>
+          </a:p>
+          <a:p>
+            <a:pPr>
+              <a:defRPr sz="2800"/>
+            </a:pPr>
+            <a:r>
+              <a:rPr dirty="0"/>
+              <a:t>hoist();</a:t>
+            </a:r>
+          </a:p>
+          <a:p>
+            <a:pPr>
+              <a:defRPr sz="2800"/>
+            </a:pPr>
+            <a:r>
+              <a:rPr dirty="0" err="1"/>
+              <a:t>console.log</a:t>
+            </a:r>
+            <a:r>
+              <a:rPr dirty="0"/>
+              <a:t>(a);</a:t>
+            </a:r>
+          </a:p>
+          <a:p>
+            <a:pPr>
+              <a:defRPr sz="2800"/>
+            </a:pPr>
+            <a:r>
+              <a:rPr dirty="0" err="1"/>
+              <a:t>console.log</a:t>
+            </a:r>
+            <a:r>
+              <a:rPr dirty="0"/>
+              <a:t>(</a:t>
+            </a:r>
+            <a:r>
+              <a:rPr dirty="0" err="1"/>
+              <a:t>window.a</a:t>
+            </a:r>
+            <a:r>
+              <a:rPr dirty="0"/>
+              <a:t>);</a:t>
+            </a:r>
+          </a:p>
+          <a:p>
+            <a:pPr>
+              <a:defRPr sz="2800"/>
+            </a:pPr>
+            <a:r>
+              <a:rPr dirty="0" err="1"/>
+              <a:t>console.log</a:t>
+            </a:r>
+            <a:r>
+              <a:rPr dirty="0"/>
+              <a:t>(b);</a:t>
+            </a:r>
+          </a:p>
+        </p:txBody>
+      </p:sp>
+      <p:sp>
+        <p:nvSpPr>
+          <p:cNvPr id="257" name="Title 1"/>
+          <p:cNvSpPr txBox="1"/>
+          <p:nvPr/>
+        </p:nvSpPr>
+        <p:spPr>
+          <a:xfrm>
+            <a:off x="1046861" y="-279231"/>
+            <a:ext cx="10424161" cy="1325564"/>
+          </a:xfrm>
+          <a:prstGeom prst="rect">
+            <a:avLst/>
+          </a:prstGeom>
+          <a:ln w="12700">
+            <a:miter lim="400000"/>
+          </a:ln>
+          <a:extLst>
+            <a:ext uri="{C572A759-6A51-4108-AA02-DFA0A04FC94B}">
+              <ma14:wrappingTextBoxFlag xmlns:ma14="http://schemas.microsoft.com/office/mac/drawingml/2011/main" xmlns:a14="http://schemas.microsoft.com/office/drawing/2010/main" xmlns:m="http://schemas.openxmlformats.org/officeDocument/2006/math" xmlns="" val="1"/>
+            </a:ext>
+          </a:extLst>
+        </p:spPr>
+        <p:txBody>
+          <a:bodyPr lIns="45719" rIns="45719" anchor="ctr">
+            <a:normAutofit/>
+          </a:bodyPr>
+          <a:lstStyle>
+            <a:lvl1pPr algn="ctr">
+              <a:lnSpc>
+                <a:spcPct val="90000"/>
+              </a:lnSpc>
+              <a:defRPr sz="4400">
+                <a:latin typeface="Calibri Light"/>
+                <a:ea typeface="Calibri Light"/>
+                <a:cs typeface="Calibri Light"/>
+                <a:sym typeface="Calibri Light"/>
+              </a:defRPr>
+            </a:lvl1pPr>
+          </a:lstStyle>
+          <a:p>
+            <a:r>
+              <a:t>Hoisting twisted</a:t>
+            </a:r>
+          </a:p>
+        </p:txBody>
+      </p:sp>
+      <p:sp>
+        <p:nvSpPr>
+          <p:cNvPr id="258" name="Rectangle 8"/>
+          <p:cNvSpPr txBox="1"/>
+          <p:nvPr/>
+        </p:nvSpPr>
+        <p:spPr>
+          <a:xfrm>
+            <a:off x="6863079" y="900617"/>
+            <a:ext cx="6004561" cy="3468848"/>
+          </a:xfrm>
+          <a:prstGeom prst="rect">
+            <a:avLst/>
+          </a:prstGeom>
+          <a:ln w="12700">
+            <a:miter lim="400000"/>
+          </a:ln>
+          <a:extLst>
+            <a:ext uri="{C572A759-6A51-4108-AA02-DFA0A04FC94B}">
+              <ma14:wrappingTextBoxFlag xmlns:ma14="http://schemas.microsoft.com/office/mac/drawingml/2011/main" xmlns:a14="http://schemas.microsoft.com/office/drawing/2010/main" xmlns:m="http://schemas.openxmlformats.org/officeDocument/2006/math" xmlns="" val="1"/>
+            </a:ext>
+          </a:extLst>
+        </p:spPr>
+        <p:txBody>
+          <a:bodyPr lIns="45719" rIns="45719">
+            <a:spAutoFit/>
+          </a:bodyPr>
+          <a:lstStyle/>
+          <a:p>
+            <a:pPr>
+              <a:defRPr sz="3200"/>
+            </a:pPr>
+            <a:r>
+              <a:t>function hoist() {</a:t>
+            </a:r>
+          </a:p>
+          <a:p>
+            <a:pPr>
+              <a:defRPr sz="3200"/>
+            </a:pPr>
+            <a:r>
+              <a:t>   var b = undefined;</a:t>
+            </a:r>
+          </a:p>
+          <a:p>
+            <a:pPr>
+              <a:defRPr sz="3200"/>
+            </a:pPr>
+            <a:r>
+              <a:t>  console.log(a,b);</a:t>
+            </a:r>
+          </a:p>
+          <a:p>
+            <a:pPr>
+              <a:defRPr sz="3200"/>
+            </a:pPr>
+            <a:r>
+              <a:t>  window.a = 20;</a:t>
+            </a:r>
+          </a:p>
+          <a:p>
+            <a:pPr>
+              <a:defRPr sz="3200"/>
+            </a:pPr>
+            <a:r>
+              <a:t>  b = 100;</a:t>
+            </a:r>
+          </a:p>
+          <a:p>
+            <a:pPr>
+              <a:defRPr sz="3200"/>
+            </a:pPr>
+            <a:r>
+              <a:t>  console.log(a,b); </a:t>
+            </a:r>
+          </a:p>
+          <a:p>
+            <a:pPr>
+              <a:defRPr sz="3200"/>
+            </a:pPr>
+            <a:r>
+              <a:t>}</a:t>
+            </a:r>
+          </a:p>
+        </p:txBody>
+      </p:sp>
+      <p:sp>
+        <p:nvSpPr>
+          <p:cNvPr id="259" name="Arrow: Right 9"/>
+          <p:cNvSpPr/>
+          <p:nvPr/>
+        </p:nvSpPr>
+        <p:spPr>
+          <a:xfrm>
+            <a:off x="4487560" y="2144832"/>
+            <a:ext cx="2190308" cy="488247"/>
+          </a:xfrm>
+          <a:prstGeom prst="rightArrow">
+            <a:avLst>
+              <a:gd name="adj1" fmla="val 50000"/>
+              <a:gd name="adj2" fmla="val 50000"/>
+            </a:avLst>
+          </a:prstGeom>
+          <a:gradFill>
+            <a:gsLst>
+              <a:gs pos="0">
+                <a:srgbClr val="C00000"/>
+              </a:gs>
+              <a:gs pos="26000">
+                <a:srgbClr val="C00000"/>
+              </a:gs>
+              <a:gs pos="100000">
+                <a:srgbClr val="C00000"/>
+              </a:gs>
+            </a:gsLst>
+            <a:path path="circle">
+              <a:fillToRect l="-19636" t="62278" r="119636" b="37721"/>
+            </a:path>
+          </a:gradFill>
+          <a:ln w="12700">
+            <a:miter lim="400000"/>
+          </a:ln>
+        </p:spPr>
+        <p:txBody>
+          <a:bodyPr lIns="45719" rIns="45719" anchor="ctr"/>
+          <a:lstStyle/>
+          <a:p>
+            <a:pPr algn="ctr">
+              <a:defRPr>
+                <a:solidFill>
+                  <a:srgbClr val="FFFFFF"/>
+                </a:solidFill>
+              </a:defRPr>
+            </a:pPr>
+            <a:endParaRPr/>
+          </a:p>
+        </p:txBody>
+      </p:sp>
+    </p:spTree>
+  </p:cSld>
+  <p:clrMapOvr>
+    <a:masterClrMapping/>
+  </p:clrMapOvr>
+  <p:transition spd="med"/>
+  <p:timing>
+    <p:tnLst>
+      <p:par>
+        <p:cTn id="1" dur="indefinite" restart="never" fill="hold" nodeType="tmRoot">
+          <p:childTnLst>
+            <p:seq concurrent="1" prevAc="none" nextAc="seek">
+              <p:cTn id="2" dur="indefinite" fill="hold" nodeType="mainSeq">
+                <p:childTnLst>
+                  <p:par>
+                    <p:cTn id="3" fill="hold">
+                      <p:stCondLst>
+                        <p:cond delay="indefinite"/>
+                      </p:stCondLst>
+                      <p:childTnLst>
+                        <p:par>
+                          <p:cTn id="4" fill="hold">
+                            <p:stCondLst>
+                              <p:cond delay="0"/>
+                            </p:stCondLst>
+                            <p:childTnLst>
+                              <p:par>
+                                <p:cTn id="5" presetID="1" presetClass="entr" presetSubtype="0" fill="hold" grpId="1" nodeType="clickEffect">
+                                  <p:stCondLst>
+                                    <p:cond delay="0"/>
+                                  </p:stCondLst>
+                                  <p:iterate>
+                                    <p:tmAbs val="0"/>
+                                  </p:iterate>
+                                  <p:childTnLst>
+                                    <p:set>
+                                      <p:cBhvr>
+                                        <p:cTn id="6" fill="hold"/>
+                                        <p:tgtEl>
+                                          <p:spTgt spid="255"/>
+                                        </p:tgtEl>
+                                        <p:attrNameLst>
+                                          <p:attrName>style.visibility</p:attrName>
+                                        </p:attrNameLst>
+                                      </p:cBhvr>
+                                      <p:to>
+                                        <p:strVal val="visible"/>
+                                      </p:to>
+                                    </p:set>
+                                  </p:childTnLst>
+                                </p:cTn>
+                              </p:par>
+                            </p:childTnLst>
+                          </p:cTn>
+                        </p:par>
+                      </p:childTnLst>
+                    </p:cTn>
+                  </p:par>
+                  <p:par>
+                    <p:cTn id="7" fill="hold">
+                      <p:stCondLst>
+                        <p:cond delay="indefinite"/>
+                      </p:stCondLst>
+                      <p:childTnLst>
+                        <p:par>
+                          <p:cTn id="8" fill="hold">
+                            <p:stCondLst>
+                              <p:cond delay="0"/>
+                            </p:stCondLst>
+                            <p:childTnLst>
+                              <p:par>
+                                <p:cTn id="9" presetID="1" presetClass="entr" presetSubtype="0" fill="hold" grpId="2" nodeType="clickEffect">
+                                  <p:stCondLst>
+                                    <p:cond delay="0"/>
+                                  </p:stCondLst>
+                                  <p:iterate>
+                                    <p:tmAbs val="0"/>
+                                  </p:iterate>
+                                  <p:childTnLst>
+                                    <p:set>
+                                      <p:cBhvr>
+                                        <p:cTn id="10" fill="hold"/>
+                                        <p:tgtEl>
+                                          <p:spTgt spid="259"/>
+                                        </p:tgtEl>
+                                        <p:attrNameLst>
+                                          <p:attrName>style.visibility</p:attrName>
+                                        </p:attrNameLst>
+                                      </p:cBhvr>
+                                      <p:to>
+                                        <p:strVal val="visible"/>
+                                      </p:to>
+                                    </p:set>
+                                  </p:childTnLst>
+                                </p:cTn>
+                              </p:par>
+                            </p:childTnLst>
+                          </p:cTn>
+                        </p:par>
+                      </p:childTnLst>
+                    </p:cTn>
+                  </p:par>
+                  <p:par>
+                    <p:cTn id="11" fill="hold">
+                      <p:stCondLst>
+                        <p:cond delay="indefinite"/>
+                      </p:stCondLst>
+                      <p:childTnLst>
+                        <p:par>
+                          <p:cTn id="12" fill="hold">
+                            <p:stCondLst>
+                              <p:cond delay="0"/>
+                            </p:stCondLst>
+                            <p:childTnLst>
+                              <p:par>
+                                <p:cTn id="13" presetID="1" presetClass="entr" presetSubtype="0" fill="hold" grpId="3" nodeType="clickEffect">
+                                  <p:stCondLst>
+                                    <p:cond delay="0"/>
+                                  </p:stCondLst>
+                                  <p:iterate>
+                                    <p:tmAbs val="0"/>
+                                  </p:iterate>
+                                  <p:childTnLst>
+                                    <p:set>
+                                      <p:cBhvr>
+                                        <p:cTn id="14" fill="hold"/>
+                                        <p:tgtEl>
+                                          <p:spTgt spid="258"/>
+                                        </p:tgtEl>
+                                        <p:attrNameLst>
+                                          <p:attrName>style.visibility</p:attrName>
+                                        </p:attrNameLst>
+                                      </p:cBhvr>
+                                      <p:to>
+                                        <p:strVal val="visible"/>
+                                      </p:to>
+                                    </p:set>
+                                  </p:childTnLst>
+                                </p:cTn>
+                              </p:par>
+                            </p:childTnLst>
+                          </p:cTn>
+                        </p:par>
+                      </p:childTnLst>
+                    </p:cTn>
+                  </p:par>
+                  <p:par>
+                    <p:cTn id="15" fill="hold">
+                      <p:stCondLst>
+                        <p:cond delay="indefinite"/>
+                      </p:stCondLst>
+                      <p:childTnLst>
+                        <p:par>
+                          <p:cTn id="16" fill="hold">
+                            <p:stCondLst>
+                              <p:cond delay="0"/>
+                            </p:stCondLst>
+                            <p:childTnLst>
+                              <p:par>
+                                <p:cTn id="17" presetID="1" presetClass="entr" presetSubtype="0" fill="hold" grpId="4" nodeType="clickEffect">
+                                  <p:stCondLst>
+                                    <p:cond delay="0"/>
+                                  </p:stCondLst>
+                                  <p:iterate>
+                                    <p:tmAbs val="0"/>
+                                  </p:iterate>
+                                  <p:childTnLst>
+                                    <p:set>
+                                      <p:cBhvr>
+                                        <p:cTn id="18" fill="hold"/>
+                                        <p:tgtEl>
+                                          <p:spTgt spid="256"/>
+                                        </p:tgtEl>
+                                        <p:attrNameLst>
+                                          <p:attrName>style.visibility</p:attrName>
+                                        </p:attrNameLst>
+                                      </p:cBhvr>
+                                      <p:to>
+                                        <p:strVal val="visible"/>
+                                      </p:to>
+                                    </p:set>
+                                  </p:childTnLst>
+                                </p:cTn>
+                              </p:par>
+                            </p:childTnLst>
+                          </p:cTn>
+                        </p:par>
+                      </p:childTnLst>
+                    </p:cTn>
+                  </p:par>
+                </p:childTnLst>
+              </p:cTn>
+              <p:prevCondLst>
+                <p:cond evt="onPrev" delay="0">
+                  <p:tgtEl>
+                    <p:sldTgt/>
+                  </p:tgtEl>
+                </p:cond>
+              </p:prevCondLst>
+              <p:nextCondLst>
+                <p:cond evt="onNext" delay="0">
+                  <p:tgtEl>
+                    <p:sldTgt/>
+                  </p:tgtEl>
+                </p:cond>
+              </p:nextCondLst>
+            </p:seq>
+          </p:childTnLst>
+        </p:cTn>
+      </p:par>
+    </p:tnLst>
+    <p:bldLst>
+      <p:bldP spid="255" grpId="1" animBg="1" advAuto="0"/>
+      <p:bldP spid="256" grpId="4" animBg="1" advAuto="0"/>
+      <p:bldP spid="258" grpId="3" animBg="1" advAuto="0"/>
+      <p:bldP spid="259" grpId="2" animBg="1" advAuto="0"/>
+    </p:bldLst>
+  </p:timing>
+</p:sld>
+</file>
+
 <file path=ppt/slides/slide38.xml><?xml version="1.0" encoding="utf-8"?>
 <p:sld xmlns:a="http://schemas.openxmlformats.org/drawingml/2006/main" xmlns:r="http://schemas.openxmlformats.org/officeDocument/2006/relationships" xmlns:p="http://schemas.openxmlformats.org/presentationml/2006/main">
   <p:cSld>
@@ -17508,7 +17597,7 @@
           </a:ln>
           <a:extLst>
             <a:ext uri="{C572A759-6A51-4108-AA02-DFA0A04FC94B}">
-              <ma14:wrappingTextBoxFlag xmlns="" xmlns:m="http://schemas.openxmlformats.org/officeDocument/2006/math" xmlns:a14="http://schemas.microsoft.com/office/drawing/2010/main" xmlns:ma14="http://schemas.microsoft.com/office/mac/drawingml/2011/main" val="1"/>
+              <ma14:wrappingTextBoxFlag xmlns:ma14="http://schemas.microsoft.com/office/mac/drawingml/2011/main" xmlns:a14="http://schemas.microsoft.com/office/drawing/2010/main" xmlns:m="http://schemas.openxmlformats.org/officeDocument/2006/math" xmlns="" val="1"/>
             </a:ext>
           </a:extLst>
         </p:spPr>
@@ -17586,7 +17675,7 @@
           </a:ln>
           <a:extLst>
             <a:ext uri="{C572A759-6A51-4108-AA02-DFA0A04FC94B}">
-              <ma14:wrappingTextBoxFlag xmlns="" xmlns:m="http://schemas.openxmlformats.org/officeDocument/2006/math" xmlns:a14="http://schemas.microsoft.com/office/drawing/2010/main" xmlns:ma14="http://schemas.microsoft.com/office/mac/drawingml/2011/main" val="1"/>
+              <ma14:wrappingTextBoxFlag xmlns:ma14="http://schemas.microsoft.com/office/mac/drawingml/2011/main" xmlns:a14="http://schemas.microsoft.com/office/drawing/2010/main" xmlns:m="http://schemas.openxmlformats.org/officeDocument/2006/math" xmlns="" val="1"/>
             </a:ext>
           </a:extLst>
         </p:spPr>
@@ -17659,7 +17748,7 @@
           </a:ln>
           <a:extLst>
             <a:ext uri="{C572A759-6A51-4108-AA02-DFA0A04FC94B}">
-              <ma14:wrappingTextBoxFlag xmlns="" xmlns:m="http://schemas.openxmlformats.org/officeDocument/2006/math" xmlns:a14="http://schemas.microsoft.com/office/drawing/2010/main" xmlns:ma14="http://schemas.microsoft.com/office/mac/drawingml/2011/main" val="1"/>
+              <ma14:wrappingTextBoxFlag xmlns:ma14="http://schemas.microsoft.com/office/mac/drawingml/2011/main" xmlns:a14="http://schemas.microsoft.com/office/drawing/2010/main" xmlns:m="http://schemas.openxmlformats.org/officeDocument/2006/math" xmlns="" val="1"/>
             </a:ext>
           </a:extLst>
         </p:spPr>
@@ -17728,7 +17817,7 @@
           </a:ln>
           <a:extLst>
             <a:ext uri="{C572A759-6A51-4108-AA02-DFA0A04FC94B}">
-              <ma14:wrappingTextBoxFlag xmlns="" xmlns:m="http://schemas.openxmlformats.org/officeDocument/2006/math" xmlns:a14="http://schemas.microsoft.com/office/drawing/2010/main" xmlns:ma14="http://schemas.microsoft.com/office/mac/drawingml/2011/main" val="1"/>
+              <ma14:wrappingTextBoxFlag xmlns:ma14="http://schemas.microsoft.com/office/mac/drawingml/2011/main" xmlns:a14="http://schemas.microsoft.com/office/drawing/2010/main" xmlns:m="http://schemas.openxmlformats.org/officeDocument/2006/math" xmlns="" val="1"/>
             </a:ext>
           </a:extLst>
         </p:spPr>
@@ -17772,7 +17861,7 @@
           </a:ln>
           <a:extLst>
             <a:ext uri="{C572A759-6A51-4108-AA02-DFA0A04FC94B}">
-              <ma14:wrappingTextBoxFlag xmlns="" xmlns:m="http://schemas.openxmlformats.org/officeDocument/2006/math" xmlns:a14="http://schemas.microsoft.com/office/drawing/2010/main" xmlns:ma14="http://schemas.microsoft.com/office/mac/drawingml/2011/main" val="1"/>
+              <ma14:wrappingTextBoxFlag xmlns:ma14="http://schemas.microsoft.com/office/mac/drawingml/2011/main" xmlns:a14="http://schemas.microsoft.com/office/drawing/2010/main" xmlns:m="http://schemas.openxmlformats.org/officeDocument/2006/math" xmlns="" val="1"/>
             </a:ext>
           </a:extLst>
         </p:spPr>
@@ -18148,7 +18237,7 @@
           </a:ln>
           <a:extLst>
             <a:ext uri="{C572A759-6A51-4108-AA02-DFA0A04FC94B}">
-              <ma14:wrappingTextBoxFlag xmlns="" xmlns:m="http://schemas.openxmlformats.org/officeDocument/2006/math" xmlns:a14="http://schemas.microsoft.com/office/drawing/2010/main" xmlns:ma14="http://schemas.microsoft.com/office/mac/drawingml/2011/main" val="1"/>
+              <ma14:wrappingTextBoxFlag xmlns:ma14="http://schemas.microsoft.com/office/mac/drawingml/2011/main" xmlns:a14="http://schemas.microsoft.com/office/drawing/2010/main" xmlns:m="http://schemas.openxmlformats.org/officeDocument/2006/math" xmlns="" val="1"/>
             </a:ext>
           </a:extLst>
         </p:spPr>
@@ -18210,7 +18299,7 @@
           </a:ln>
           <a:extLst>
             <a:ext uri="{C572A759-6A51-4108-AA02-DFA0A04FC94B}">
-              <ma14:wrappingTextBoxFlag xmlns="" xmlns:m="http://schemas.openxmlformats.org/officeDocument/2006/math" xmlns:a14="http://schemas.microsoft.com/office/drawing/2010/main" xmlns:ma14="http://schemas.microsoft.com/office/mac/drawingml/2011/main" val="1"/>
+              <ma14:wrappingTextBoxFlag xmlns:ma14="http://schemas.microsoft.com/office/mac/drawingml/2011/main" xmlns:a14="http://schemas.microsoft.com/office/drawing/2010/main" xmlns:m="http://schemas.openxmlformats.org/officeDocument/2006/math" xmlns="" val="1"/>
             </a:ext>
           </a:extLst>
         </p:spPr>
@@ -18922,7 +19011,7 @@
           </a:ln>
           <a:extLst>
             <a:ext uri="{C572A759-6A51-4108-AA02-DFA0A04FC94B}">
-              <ma14:wrappingTextBoxFlag xmlns="" xmlns:m="http://schemas.openxmlformats.org/officeDocument/2006/math" xmlns:a14="http://schemas.microsoft.com/office/drawing/2010/main" xmlns:ma14="http://schemas.microsoft.com/office/mac/drawingml/2011/main" val="1"/>
+              <ma14:wrappingTextBoxFlag xmlns:ma14="http://schemas.microsoft.com/office/mac/drawingml/2011/main" xmlns:a14="http://schemas.microsoft.com/office/drawing/2010/main" xmlns:m="http://schemas.openxmlformats.org/officeDocument/2006/math" xmlns="" val="1"/>
             </a:ext>
           </a:extLst>
         </p:spPr>
@@ -18988,7 +19077,7 @@
           </a:ln>
           <a:extLst>
             <a:ext uri="{C572A759-6A51-4108-AA02-DFA0A04FC94B}">
-              <ma14:wrappingTextBoxFlag xmlns="" xmlns:m="http://schemas.openxmlformats.org/officeDocument/2006/math" xmlns:a14="http://schemas.microsoft.com/office/drawing/2010/main" xmlns:ma14="http://schemas.microsoft.com/office/mac/drawingml/2011/main" val="1"/>
+              <ma14:wrappingTextBoxFlag xmlns:ma14="http://schemas.microsoft.com/office/mac/drawingml/2011/main" xmlns:a14="http://schemas.microsoft.com/office/drawing/2010/main" xmlns:m="http://schemas.openxmlformats.org/officeDocument/2006/math" xmlns="" val="1"/>
             </a:ext>
           </a:extLst>
         </p:spPr>
@@ -19407,7 +19496,7 @@
             <a:effectLst/>
             <a:extLst>
               <a:ext uri="{C572A759-6A51-4108-AA02-DFA0A04FC94B}">
-                <ma14:wrappingTextBoxFlag xmlns="" xmlns:m="http://schemas.openxmlformats.org/officeDocument/2006/math" xmlns:a14="http://schemas.microsoft.com/office/drawing/2010/main" xmlns:ma14="http://schemas.microsoft.com/office/mac/drawingml/2011/main" val="1"/>
+                <ma14:wrappingTextBoxFlag xmlns:ma14="http://schemas.microsoft.com/office/mac/drawingml/2011/main" xmlns:a14="http://schemas.microsoft.com/office/drawing/2010/main" xmlns:m="http://schemas.openxmlformats.org/officeDocument/2006/math" xmlns="" val="1"/>
               </a:ext>
             </a:extLst>
           </p:spPr>
@@ -19422,6 +19511,7 @@
             </a:lstStyle>
             <a:p>
               <a:r>
+                <a:rPr dirty="0"/>
                 <a:t>Object Comparison</a:t>
               </a:r>
             </a:p>
@@ -19486,7 +19576,7 @@
           </a:ln>
           <a:extLst>
             <a:ext uri="{C572A759-6A51-4108-AA02-DFA0A04FC94B}">
-              <ma14:wrappingTextBoxFlag xmlns="" xmlns:m="http://schemas.openxmlformats.org/officeDocument/2006/math" xmlns:a14="http://schemas.microsoft.com/office/drawing/2010/main" xmlns:ma14="http://schemas.microsoft.com/office/mac/drawingml/2011/main" val="1"/>
+              <ma14:wrappingTextBoxFlag xmlns:ma14="http://schemas.microsoft.com/office/mac/drawingml/2011/main" xmlns:a14="http://schemas.microsoft.com/office/drawing/2010/main" xmlns:m="http://schemas.openxmlformats.org/officeDocument/2006/math" xmlns="" val="1"/>
             </a:ext>
           </a:extLst>
         </p:spPr>
@@ -19559,7 +19649,7 @@
           </a:ln>
           <a:extLst>
             <a:ext uri="{C572A759-6A51-4108-AA02-DFA0A04FC94B}">
-              <ma14:wrappingTextBoxFlag xmlns="" xmlns:m="http://schemas.openxmlformats.org/officeDocument/2006/math" xmlns:a14="http://schemas.microsoft.com/office/drawing/2010/main" xmlns:ma14="http://schemas.microsoft.com/office/mac/drawingml/2011/main" val="1"/>
+              <ma14:wrappingTextBoxFlag xmlns:ma14="http://schemas.microsoft.com/office/mac/drawingml/2011/main" xmlns:a14="http://schemas.microsoft.com/office/drawing/2010/main" xmlns:m="http://schemas.openxmlformats.org/officeDocument/2006/math" xmlns="" val="1"/>
             </a:ext>
           </a:extLst>
         </p:spPr>
@@ -20488,7 +20578,7 @@
             <a:effectLst/>
             <a:extLst>
               <a:ext uri="{C572A759-6A51-4108-AA02-DFA0A04FC94B}">
-                <ma14:wrappingTextBoxFlag xmlns="" xmlns:m="http://schemas.openxmlformats.org/officeDocument/2006/math" xmlns:a14="http://schemas.microsoft.com/office/drawing/2010/main" xmlns:ma14="http://schemas.microsoft.com/office/mac/drawingml/2011/main" val="1"/>
+                <ma14:wrappingTextBoxFlag xmlns:ma14="http://schemas.microsoft.com/office/mac/drawingml/2011/main" xmlns:a14="http://schemas.microsoft.com/office/drawing/2010/main" xmlns:m="http://schemas.openxmlformats.org/officeDocument/2006/math" xmlns="" val="1"/>
               </a:ext>
             </a:extLst>
           </p:spPr>
@@ -20567,7 +20657,7 @@
           </a:ln>
           <a:extLst>
             <a:ext uri="{C572A759-6A51-4108-AA02-DFA0A04FC94B}">
-              <ma14:wrappingTextBoxFlag xmlns="" xmlns:m="http://schemas.openxmlformats.org/officeDocument/2006/math" xmlns:a14="http://schemas.microsoft.com/office/drawing/2010/main" xmlns:ma14="http://schemas.microsoft.com/office/mac/drawingml/2011/main" val="1"/>
+              <ma14:wrappingTextBoxFlag xmlns:ma14="http://schemas.microsoft.com/office/mac/drawingml/2011/main" xmlns:a14="http://schemas.microsoft.com/office/drawing/2010/main" xmlns:m="http://schemas.openxmlformats.org/officeDocument/2006/math" xmlns="" val="1"/>
             </a:ext>
           </a:extLst>
         </p:spPr>
@@ -20640,7 +20730,7 @@
           </a:ln>
           <a:extLst>
             <a:ext uri="{C572A759-6A51-4108-AA02-DFA0A04FC94B}">
-              <ma14:wrappingTextBoxFlag xmlns="" xmlns:m="http://schemas.openxmlformats.org/officeDocument/2006/math" xmlns:a14="http://schemas.microsoft.com/office/drawing/2010/main" xmlns:ma14="http://schemas.microsoft.com/office/mac/drawingml/2011/main" val="1"/>
+              <ma14:wrappingTextBoxFlag xmlns:ma14="http://schemas.microsoft.com/office/mac/drawingml/2011/main" xmlns:a14="http://schemas.microsoft.com/office/drawing/2010/main" xmlns:m="http://schemas.openxmlformats.org/officeDocument/2006/math" xmlns="" val="1"/>
             </a:ext>
           </a:extLst>
         </p:spPr>
@@ -20727,7 +20817,7 @@
         <p:spPr>
           <a:xfrm>
             <a:off x="716280" y="1902380"/>
-            <a:ext cx="3615690" cy="4330959"/>
+            <a:ext cx="3615690" cy="4832092"/>
           </a:xfrm>
           <a:prstGeom prst="rect">
             <a:avLst/>
@@ -20737,7 +20827,7 @@
           </a:ln>
           <a:extLst>
             <a:ext uri="{C572A759-6A51-4108-AA02-DFA0A04FC94B}">
-              <ma14:wrappingTextBoxFlag xmlns="" xmlns:m="http://schemas.openxmlformats.org/officeDocument/2006/math" xmlns:a14="http://schemas.microsoft.com/office/drawing/2010/main" xmlns:ma14="http://schemas.microsoft.com/office/mac/drawingml/2011/main" val="1"/>
+              <ma14:wrappingTextBoxFlag xmlns:ma14="http://schemas.microsoft.com/office/mac/drawingml/2011/main" xmlns:a14="http://schemas.microsoft.com/office/drawing/2010/main" xmlns:m="http://schemas.openxmlformats.org/officeDocument/2006/math" xmlns="" val="1"/>
             </a:ext>
           </a:extLst>
         </p:spPr>
@@ -20751,7 +20841,24 @@
               <a:defRPr sz="2800"/>
             </a:pPr>
             <a:r>
-              <a:t>function myfun(a,b) {</a:t>
+              <a:rPr dirty="0"/>
+              <a:t>function </a:t>
+            </a:r>
+            <a:r>
+              <a:rPr dirty="0" err="1"/>
+              <a:t>myfun</a:t>
+            </a:r>
+            <a:r>
+              <a:rPr dirty="0"/>
+              <a:t>(a</a:t>
+            </a:r>
+            <a:r>
+              <a:rPr lang="en-US" dirty="0"/>
+              <a:t>=20</a:t>
+            </a:r>
+            <a:r>
+              <a:rPr dirty="0"/>
+              <a:t>,b) {</a:t>
             </a:r>
           </a:p>
           <a:p>
@@ -20759,7 +20866,16 @@
               <a:defRPr sz="2800"/>
             </a:pPr>
             <a:r>
-              <a:t>  console.log("hi");</a:t>
+              <a:rPr dirty="0"/>
+              <a:t>  </a:t>
+            </a:r>
+            <a:r>
+              <a:rPr dirty="0" err="1"/>
+              <a:t>console.log</a:t>
+            </a:r>
+            <a:r>
+              <a:rPr dirty="0"/>
+              <a:t>("hi");</a:t>
             </a:r>
           </a:p>
           <a:p>
@@ -20767,6 +20883,7 @@
               <a:defRPr sz="2800"/>
             </a:pPr>
             <a:r>
+              <a:rPr dirty="0"/>
               <a:t>  if(a==10)</a:t>
             </a:r>
           </a:p>
@@ -20775,6 +20892,7 @@
               <a:defRPr sz="2800"/>
             </a:pPr>
             <a:r>
+              <a:rPr dirty="0"/>
               <a:t>  {</a:t>
             </a:r>
           </a:p>
@@ -20783,14 +20901,21 @@
               <a:defRPr sz="2800"/>
             </a:pPr>
             <a:r>
+              <a:rPr dirty="0"/>
               <a:t>    return a-b;</a:t>
             </a:r>
+            <a:r>
+              <a:rPr lang="en-US" dirty="0"/>
+              <a:t> // -10</a:t>
+            </a:r>
+            <a:endParaRPr dirty="0"/>
           </a:p>
           <a:p>
             <a:pPr>
               <a:defRPr sz="2800"/>
             </a:pPr>
             <a:r>
+              <a:rPr dirty="0"/>
               <a:t>  }</a:t>
             </a:r>
           </a:p>
@@ -20799,7 +20924,16 @@
               <a:defRPr sz="2800"/>
             </a:pPr>
             <a:r>
-              <a:t>  console.log( a + b ); </a:t>
+              <a:rPr dirty="0"/>
+              <a:t>  </a:t>
+            </a:r>
+            <a:r>
+              <a:rPr dirty="0" err="1"/>
+              <a:t>console.log</a:t>
+            </a:r>
+            <a:r>
+              <a:rPr dirty="0"/>
+              <a:t>( a + b ); </a:t>
             </a:r>
           </a:p>
           <a:p>
@@ -20807,7 +20941,16 @@
               <a:defRPr sz="2800"/>
             </a:pPr>
             <a:r>
-              <a:t>  return a+b;</a:t>
+              <a:rPr dirty="0"/>
+              <a:t>  return </a:t>
+            </a:r>
+            <a:r>
+              <a:rPr dirty="0" err="1"/>
+              <a:t>a+b</a:t>
+            </a:r>
+            <a:r>
+              <a:rPr dirty="0"/>
+              <a:t>;</a:t>
             </a:r>
           </a:p>
           <a:p>
@@ -20815,7 +20958,16 @@
               <a:defRPr sz="2800"/>
             </a:pPr>
             <a:r>
-              <a:t>  console.log("hello");</a:t>
+              <a:rPr dirty="0"/>
+              <a:t>  </a:t>
+            </a:r>
+            <a:r>
+              <a:rPr dirty="0" err="1"/>
+              <a:t>console.log</a:t>
+            </a:r>
+            <a:r>
+              <a:rPr dirty="0"/>
+              <a:t>("hello");</a:t>
             </a:r>
           </a:p>
           <a:p>
@@ -20823,6 +20975,7 @@
               <a:defRPr sz="2800"/>
             </a:pPr>
             <a:r>
+              <a:rPr dirty="0"/>
               <a:t>}</a:t>
             </a:r>
           </a:p>
@@ -20847,7 +21000,7 @@
           </a:ln>
           <a:extLst>
             <a:ext uri="{C572A759-6A51-4108-AA02-DFA0A04FC94B}">
-              <ma14:wrappingTextBoxFlag xmlns="" xmlns:m="http://schemas.openxmlformats.org/officeDocument/2006/math" xmlns:a14="http://schemas.microsoft.com/office/drawing/2010/main" xmlns:ma14="http://schemas.microsoft.com/office/mac/drawingml/2011/main" val="1"/>
+              <ma14:wrappingTextBoxFlag xmlns:ma14="http://schemas.microsoft.com/office/mac/drawingml/2011/main" xmlns:a14="http://schemas.microsoft.com/office/drawing/2010/main" xmlns:m="http://schemas.openxmlformats.org/officeDocument/2006/math" xmlns="" val="1"/>
             </a:ext>
           </a:extLst>
         </p:spPr>
@@ -20913,7 +21066,7 @@
           </a:ln>
           <a:extLst>
             <a:ext uri="{C572A759-6A51-4108-AA02-DFA0A04FC94B}">
-              <ma14:wrappingTextBoxFlag xmlns="" xmlns:m="http://schemas.openxmlformats.org/officeDocument/2006/math" xmlns:a14="http://schemas.microsoft.com/office/drawing/2010/main" xmlns:ma14="http://schemas.microsoft.com/office/mac/drawingml/2011/main" val="1"/>
+              <ma14:wrappingTextBoxFlag xmlns:ma14="http://schemas.microsoft.com/office/mac/drawingml/2011/main" xmlns:a14="http://schemas.microsoft.com/office/drawing/2010/main" xmlns:m="http://schemas.openxmlformats.org/officeDocument/2006/math" xmlns="" val="1"/>
             </a:ext>
           </a:extLst>
         </p:spPr>
@@ -20926,14 +21079,23 @@
             <a:pPr>
               <a:defRPr sz="3200"/>
             </a:pPr>
-            <a:endParaRPr/>
+            <a:endParaRPr dirty="0"/>
           </a:p>
           <a:p>
             <a:pPr>
               <a:defRPr sz="3200"/>
             </a:pPr>
             <a:r>
-              <a:t> a1 = myfun(10,20);</a:t>
+              <a:rPr dirty="0"/>
+              <a:t> a1 = </a:t>
+            </a:r>
+            <a:r>
+              <a:rPr dirty="0" err="1"/>
+              <a:t>myfun</a:t>
+            </a:r>
+            <a:r>
+              <a:rPr dirty="0"/>
+              <a:t>(10,20);</a:t>
             </a:r>
           </a:p>
           <a:p>
@@ -20941,21 +21103,39 @@
               <a:defRPr sz="3200"/>
             </a:pPr>
             <a:r>
-              <a:t> console.log( a1 ); </a:t>
+              <a:rPr dirty="0"/>
+              <a:t> </a:t>
+            </a:r>
+            <a:r>
+              <a:rPr dirty="0" err="1"/>
+              <a:t>console.log</a:t>
+            </a:r>
+            <a:r>
+              <a:rPr dirty="0"/>
+              <a:t>( a1 ); </a:t>
             </a:r>
           </a:p>
           <a:p>
             <a:pPr>
               <a:defRPr sz="3200"/>
             </a:pPr>
-            <a:endParaRPr/>
+            <a:endParaRPr dirty="0"/>
           </a:p>
           <a:p>
             <a:pPr>
               <a:defRPr sz="3200"/>
             </a:pPr>
             <a:r>
-              <a:t> b1 = myfun(20,10);</a:t>
+              <a:rPr dirty="0"/>
+              <a:t> b1 = </a:t>
+            </a:r>
+            <a:r>
+              <a:rPr dirty="0" err="1"/>
+              <a:t>myfun</a:t>
+            </a:r>
+            <a:r>
+              <a:rPr dirty="0"/>
+              <a:t>(20,10);</a:t>
             </a:r>
           </a:p>
           <a:p>
@@ -20963,7 +21143,16 @@
               <a:defRPr sz="3200"/>
             </a:pPr>
             <a:r>
-              <a:t> console.log( b1 ); </a:t>
+              <a:rPr dirty="0"/>
+              <a:t> </a:t>
+            </a:r>
+            <a:r>
+              <a:rPr dirty="0" err="1"/>
+              <a:t>console.log</a:t>
+            </a:r>
+            <a:r>
+              <a:rPr dirty="0"/>
+              <a:t>( b1 ); </a:t>
             </a:r>
           </a:p>
         </p:txBody>
@@ -21468,7 +21657,7 @@
         <p:spPr>
           <a:xfrm>
             <a:off x="7329389" y="2311350"/>
-            <a:ext cx="3679147" cy="2225736"/>
+            <a:ext cx="3679147" cy="2308324"/>
           </a:xfrm>
           <a:prstGeom prst="rect">
             <a:avLst/>
@@ -21478,7 +21667,7 @@
           </a:ln>
           <a:extLst>
             <a:ext uri="{C572A759-6A51-4108-AA02-DFA0A04FC94B}">
-              <ma14:wrappingTextBoxFlag xmlns="" xmlns:m="http://schemas.openxmlformats.org/officeDocument/2006/math" xmlns:a14="http://schemas.microsoft.com/office/drawing/2010/main" xmlns:ma14="http://schemas.microsoft.com/office/mac/drawingml/2011/main" val="1"/>
+              <ma14:wrappingTextBoxFlag xmlns:ma14="http://schemas.microsoft.com/office/mac/drawingml/2011/main" xmlns:a14="http://schemas.microsoft.com/office/drawing/2010/main" xmlns:m="http://schemas.openxmlformats.org/officeDocument/2006/math" xmlns="" val="1"/>
             </a:ext>
           </a:extLst>
         </p:spPr>
@@ -21492,6 +21681,7 @@
               <a:defRPr sz="3600"/>
             </a:pPr>
             <a:r>
+              <a:rPr dirty="0"/>
               <a:t> m1 = f1(10);</a:t>
             </a:r>
           </a:p>
@@ -21500,7 +21690,12 @@
               <a:defRPr sz="3600"/>
             </a:pPr>
             <a:r>
-              <a:t>Console.log(m1);</a:t>
+              <a:rPr dirty="0" err="1"/>
+              <a:t>Console.log</a:t>
+            </a:r>
+            <a:r>
+              <a:rPr dirty="0"/>
+              <a:t>(m1);</a:t>
             </a:r>
           </a:p>
           <a:p>
@@ -21508,7 +21703,14 @@
               <a:defRPr sz="3600"/>
             </a:pPr>
             <a:r>
-              <a:t>m1 = f1(10);</a:t>
+              <a:t>m1 = f1(1</a:t>
+            </a:r>
+            <a:r>
+              <a:rPr lang="en-US"/>
+              <a:t>1</a:t>
+            </a:r>
+            <a:r>
+              <a:t>);</a:t>
             </a:r>
           </a:p>
           <a:p>
@@ -21516,7 +21718,12 @@
               <a:defRPr sz="3600"/>
             </a:pPr>
             <a:r>
-              <a:t>Console.log(m1);</a:t>
+              <a:rPr dirty="0" err="1"/>
+              <a:t>Console.log</a:t>
+            </a:r>
+            <a:r>
+              <a:rPr dirty="0"/>
+              <a:t>(m1);</a:t>
             </a:r>
           </a:p>
         </p:txBody>
@@ -21623,7 +21830,7 @@
           </a:ln>
           <a:extLst>
             <a:ext uri="{C572A759-6A51-4108-AA02-DFA0A04FC94B}">
-              <ma14:wrappingTextBoxFlag xmlns="" xmlns:m="http://schemas.openxmlformats.org/officeDocument/2006/math" xmlns:a14="http://schemas.microsoft.com/office/drawing/2010/main" xmlns:ma14="http://schemas.microsoft.com/office/mac/drawingml/2011/main" val="1"/>
+              <ma14:wrappingTextBoxFlag xmlns:ma14="http://schemas.microsoft.com/office/mac/drawingml/2011/main" xmlns:a14="http://schemas.microsoft.com/office/drawing/2010/main" xmlns:m="http://schemas.openxmlformats.org/officeDocument/2006/math" xmlns="" val="1"/>
             </a:ext>
           </a:extLst>
         </p:spPr>
@@ -21672,7 +21879,7 @@
           </a:ln>
           <a:extLst>
             <a:ext uri="{C572A759-6A51-4108-AA02-DFA0A04FC94B}">
-              <ma14:wrappingTextBoxFlag xmlns="" xmlns:m="http://schemas.openxmlformats.org/officeDocument/2006/math" xmlns:a14="http://schemas.microsoft.com/office/drawing/2010/main" xmlns:ma14="http://schemas.microsoft.com/office/mac/drawingml/2011/main" val="1"/>
+              <ma14:wrappingTextBoxFlag xmlns:ma14="http://schemas.microsoft.com/office/mac/drawingml/2011/main" xmlns:a14="http://schemas.microsoft.com/office/drawing/2010/main" xmlns:m="http://schemas.openxmlformats.org/officeDocument/2006/math" xmlns="" val="1"/>
             </a:ext>
           </a:extLst>
         </p:spPr>
@@ -21966,7 +22173,7 @@
           </a:ln>
           <a:extLst>
             <a:ext uri="{C572A759-6A51-4108-AA02-DFA0A04FC94B}">
-              <ma14:wrappingTextBoxFlag xmlns="" xmlns:m="http://schemas.openxmlformats.org/officeDocument/2006/math" xmlns:a14="http://schemas.microsoft.com/office/drawing/2010/main" xmlns:ma14="http://schemas.microsoft.com/office/mac/drawingml/2011/main" val="1"/>
+              <ma14:wrappingTextBoxFlag xmlns:ma14="http://schemas.microsoft.com/office/mac/drawingml/2011/main" xmlns:a14="http://schemas.microsoft.com/office/drawing/2010/main" xmlns:m="http://schemas.openxmlformats.org/officeDocument/2006/math" xmlns="" val="1"/>
             </a:ext>
           </a:extLst>
         </p:spPr>
@@ -22426,7 +22633,7 @@
             <a:effectLst/>
             <a:extLst>
               <a:ext uri="{C572A759-6A51-4108-AA02-DFA0A04FC94B}">
-                <ma14:wrappingTextBoxFlag xmlns="" xmlns:m="http://schemas.openxmlformats.org/officeDocument/2006/math" xmlns:a14="http://schemas.microsoft.com/office/drawing/2010/main" xmlns:ma14="http://schemas.microsoft.com/office/mac/drawingml/2011/main" val="1"/>
+                <ma14:wrappingTextBoxFlag xmlns:ma14="http://schemas.microsoft.com/office/mac/drawingml/2011/main" xmlns:a14="http://schemas.microsoft.com/office/drawing/2010/main" xmlns:m="http://schemas.openxmlformats.org/officeDocument/2006/math" xmlns="" val="1"/>
               </a:ext>
             </a:extLst>
           </p:spPr>
@@ -22538,7 +22745,7 @@
             <a:effectLst/>
             <a:extLst>
               <a:ext uri="{C572A759-6A51-4108-AA02-DFA0A04FC94B}">
-                <ma14:wrappingTextBoxFlag xmlns="" xmlns:m="http://schemas.openxmlformats.org/officeDocument/2006/math" xmlns:a14="http://schemas.microsoft.com/office/drawing/2010/main" xmlns:ma14="http://schemas.microsoft.com/office/mac/drawingml/2011/main" val="1"/>
+                <ma14:wrappingTextBoxFlag xmlns:ma14="http://schemas.microsoft.com/office/mac/drawingml/2011/main" xmlns:a14="http://schemas.microsoft.com/office/drawing/2010/main" xmlns:m="http://schemas.openxmlformats.org/officeDocument/2006/math" xmlns="" val="1"/>
               </a:ext>
             </a:extLst>
           </p:spPr>
@@ -22650,7 +22857,7 @@
             <a:effectLst/>
             <a:extLst>
               <a:ext uri="{C572A759-6A51-4108-AA02-DFA0A04FC94B}">
-                <ma14:wrappingTextBoxFlag xmlns="" xmlns:m="http://schemas.openxmlformats.org/officeDocument/2006/math" xmlns:a14="http://schemas.microsoft.com/office/drawing/2010/main" xmlns:ma14="http://schemas.microsoft.com/office/mac/drawingml/2011/main" val="1"/>
+                <ma14:wrappingTextBoxFlag xmlns:ma14="http://schemas.microsoft.com/office/mac/drawingml/2011/main" xmlns:a14="http://schemas.microsoft.com/office/drawing/2010/main" xmlns:m="http://schemas.openxmlformats.org/officeDocument/2006/math" xmlns="" val="1"/>
               </a:ext>
             </a:extLst>
           </p:spPr>
@@ -22762,7 +22969,7 @@
             <a:effectLst/>
             <a:extLst>
               <a:ext uri="{C572A759-6A51-4108-AA02-DFA0A04FC94B}">
-                <ma14:wrappingTextBoxFlag xmlns="" xmlns:m="http://schemas.openxmlformats.org/officeDocument/2006/math" xmlns:a14="http://schemas.microsoft.com/office/drawing/2010/main" xmlns:ma14="http://schemas.microsoft.com/office/mac/drawingml/2011/main" val="1"/>
+                <ma14:wrappingTextBoxFlag xmlns:ma14="http://schemas.microsoft.com/office/mac/drawingml/2011/main" xmlns:a14="http://schemas.microsoft.com/office/drawing/2010/main" xmlns:m="http://schemas.openxmlformats.org/officeDocument/2006/math" xmlns="" val="1"/>
               </a:ext>
             </a:extLst>
           </p:spPr>
@@ -22857,7 +23064,7 @@
             <a:effectLst/>
             <a:extLst>
               <a:ext uri="{C572A759-6A51-4108-AA02-DFA0A04FC94B}">
-                <ma14:wrappingTextBoxFlag xmlns="" xmlns:m="http://schemas.openxmlformats.org/officeDocument/2006/math" xmlns:a14="http://schemas.microsoft.com/office/drawing/2010/main" xmlns:ma14="http://schemas.microsoft.com/office/mac/drawingml/2011/main" val="1"/>
+                <ma14:wrappingTextBoxFlag xmlns:ma14="http://schemas.microsoft.com/office/mac/drawingml/2011/main" xmlns:a14="http://schemas.microsoft.com/office/drawing/2010/main" xmlns:m="http://schemas.openxmlformats.org/officeDocument/2006/math" xmlns="" val="1"/>
               </a:ext>
             </a:extLst>
           </p:spPr>
@@ -22898,7 +23105,7 @@
           </a:ln>
           <a:extLst>
             <a:ext uri="{C572A759-6A51-4108-AA02-DFA0A04FC94B}">
-              <ma14:wrappingTextBoxFlag xmlns="" xmlns:m="http://schemas.openxmlformats.org/officeDocument/2006/math" xmlns:a14="http://schemas.microsoft.com/office/drawing/2010/main" xmlns:ma14="http://schemas.microsoft.com/office/mac/drawingml/2011/main" val="1"/>
+              <ma14:wrappingTextBoxFlag xmlns:ma14="http://schemas.microsoft.com/office/mac/drawingml/2011/main" xmlns:a14="http://schemas.microsoft.com/office/drawing/2010/main" xmlns:m="http://schemas.openxmlformats.org/officeDocument/2006/math" xmlns="" val="1"/>
             </a:ext>
           </a:extLst>
         </p:spPr>
@@ -22936,7 +23143,7 @@
           </a:ln>
           <a:extLst>
             <a:ext uri="{C572A759-6A51-4108-AA02-DFA0A04FC94B}">
-              <ma14:wrappingTextBoxFlag xmlns="" xmlns:m="http://schemas.openxmlformats.org/officeDocument/2006/math" xmlns:a14="http://schemas.microsoft.com/office/drawing/2010/main" xmlns:ma14="http://schemas.microsoft.com/office/mac/drawingml/2011/main" val="1"/>
+              <ma14:wrappingTextBoxFlag xmlns:ma14="http://schemas.microsoft.com/office/mac/drawingml/2011/main" xmlns:a14="http://schemas.microsoft.com/office/drawing/2010/main" xmlns:m="http://schemas.openxmlformats.org/officeDocument/2006/math" xmlns="" val="1"/>
             </a:ext>
           </a:extLst>
         </p:spPr>
@@ -22974,7 +23181,7 @@
           </a:ln>
           <a:extLst>
             <a:ext uri="{C572A759-6A51-4108-AA02-DFA0A04FC94B}">
-              <ma14:wrappingTextBoxFlag xmlns="" xmlns:m="http://schemas.openxmlformats.org/officeDocument/2006/math" xmlns:a14="http://schemas.microsoft.com/office/drawing/2010/main" xmlns:ma14="http://schemas.microsoft.com/office/mac/drawingml/2011/main" val="1"/>
+              <ma14:wrappingTextBoxFlag xmlns:ma14="http://schemas.microsoft.com/office/mac/drawingml/2011/main" xmlns:a14="http://schemas.microsoft.com/office/drawing/2010/main" xmlns:m="http://schemas.openxmlformats.org/officeDocument/2006/math" xmlns="" val="1"/>
             </a:ext>
           </a:extLst>
         </p:spPr>
@@ -23012,7 +23219,7 @@
           </a:ln>
           <a:extLst>
             <a:ext uri="{C572A759-6A51-4108-AA02-DFA0A04FC94B}">
-              <ma14:wrappingTextBoxFlag xmlns="" xmlns:m="http://schemas.openxmlformats.org/officeDocument/2006/math" xmlns:a14="http://schemas.microsoft.com/office/drawing/2010/main" xmlns:ma14="http://schemas.microsoft.com/office/mac/drawingml/2011/main" val="1"/>
+              <ma14:wrappingTextBoxFlag xmlns:ma14="http://schemas.microsoft.com/office/mac/drawingml/2011/main" xmlns:a14="http://schemas.microsoft.com/office/drawing/2010/main" xmlns:m="http://schemas.openxmlformats.org/officeDocument/2006/math" xmlns="" val="1"/>
             </a:ext>
           </a:extLst>
         </p:spPr>
@@ -23050,7 +23257,7 @@
           </a:ln>
           <a:extLst>
             <a:ext uri="{C572A759-6A51-4108-AA02-DFA0A04FC94B}">
-              <ma14:wrappingTextBoxFlag xmlns="" xmlns:m="http://schemas.openxmlformats.org/officeDocument/2006/math" xmlns:a14="http://schemas.microsoft.com/office/drawing/2010/main" xmlns:ma14="http://schemas.microsoft.com/office/mac/drawingml/2011/main" val="1"/>
+              <ma14:wrappingTextBoxFlag xmlns:ma14="http://schemas.microsoft.com/office/mac/drawingml/2011/main" xmlns:a14="http://schemas.microsoft.com/office/drawing/2010/main" xmlns:m="http://schemas.openxmlformats.org/officeDocument/2006/math" xmlns="" val="1"/>
             </a:ext>
           </a:extLst>
         </p:spPr>
@@ -23088,7 +23295,7 @@
           </a:ln>
           <a:extLst>
             <a:ext uri="{C572A759-6A51-4108-AA02-DFA0A04FC94B}">
-              <ma14:wrappingTextBoxFlag xmlns="" xmlns:m="http://schemas.openxmlformats.org/officeDocument/2006/math" xmlns:a14="http://schemas.microsoft.com/office/drawing/2010/main" xmlns:ma14="http://schemas.microsoft.com/office/mac/drawingml/2011/main" val="1"/>
+              <ma14:wrappingTextBoxFlag xmlns:ma14="http://schemas.microsoft.com/office/mac/drawingml/2011/main" xmlns:a14="http://schemas.microsoft.com/office/drawing/2010/main" xmlns:m="http://schemas.openxmlformats.org/officeDocument/2006/math" xmlns="" val="1"/>
             </a:ext>
           </a:extLst>
         </p:spPr>
@@ -23126,7 +23333,7 @@
           </a:ln>
           <a:extLst>
             <a:ext uri="{C572A759-6A51-4108-AA02-DFA0A04FC94B}">
-              <ma14:wrappingTextBoxFlag xmlns="" xmlns:m="http://schemas.openxmlformats.org/officeDocument/2006/math" xmlns:a14="http://schemas.microsoft.com/office/drawing/2010/main" xmlns:ma14="http://schemas.microsoft.com/office/mac/drawingml/2011/main" val="1"/>
+              <ma14:wrappingTextBoxFlag xmlns:ma14="http://schemas.microsoft.com/office/mac/drawingml/2011/main" xmlns:a14="http://schemas.microsoft.com/office/drawing/2010/main" xmlns:m="http://schemas.openxmlformats.org/officeDocument/2006/math" xmlns="" val="1"/>
             </a:ext>
           </a:extLst>
         </p:spPr>
@@ -23164,7 +23371,7 @@
           </a:ln>
           <a:extLst>
             <a:ext uri="{C572A759-6A51-4108-AA02-DFA0A04FC94B}">
-              <ma14:wrappingTextBoxFlag xmlns="" xmlns:m="http://schemas.openxmlformats.org/officeDocument/2006/math" xmlns:a14="http://schemas.microsoft.com/office/drawing/2010/main" xmlns:ma14="http://schemas.microsoft.com/office/mac/drawingml/2011/main" val="1"/>
+              <ma14:wrappingTextBoxFlag xmlns:ma14="http://schemas.microsoft.com/office/mac/drawingml/2011/main" xmlns:a14="http://schemas.microsoft.com/office/drawing/2010/main" xmlns:m="http://schemas.openxmlformats.org/officeDocument/2006/math" xmlns="" val="1"/>
             </a:ext>
           </a:extLst>
         </p:spPr>
@@ -23199,7 +23406,7 @@
           </a:ln>
           <a:extLst>
             <a:ext uri="{C572A759-6A51-4108-AA02-DFA0A04FC94B}">
-              <ma14:wrappingTextBoxFlag xmlns="" xmlns:m="http://schemas.openxmlformats.org/officeDocument/2006/math" xmlns:a14="http://schemas.microsoft.com/office/drawing/2010/main" xmlns:ma14="http://schemas.microsoft.com/office/mac/drawingml/2011/main" val="1"/>
+              <ma14:wrappingTextBoxFlag xmlns:ma14="http://schemas.microsoft.com/office/mac/drawingml/2011/main" xmlns:a14="http://schemas.microsoft.com/office/drawing/2010/main" xmlns:m="http://schemas.openxmlformats.org/officeDocument/2006/math" xmlns="" val="1"/>
             </a:ext>
           </a:extLst>
         </p:spPr>
@@ -23247,7 +23454,7 @@
           </a:ln>
           <a:extLst>
             <a:ext uri="{C572A759-6A51-4108-AA02-DFA0A04FC94B}">
-              <ma14:wrappingTextBoxFlag xmlns="" xmlns:m="http://schemas.openxmlformats.org/officeDocument/2006/math" xmlns:a14="http://schemas.microsoft.com/office/drawing/2010/main" xmlns:ma14="http://schemas.microsoft.com/office/mac/drawingml/2011/main" val="1"/>
+              <ma14:wrappingTextBoxFlag xmlns:ma14="http://schemas.microsoft.com/office/mac/drawingml/2011/main" xmlns:a14="http://schemas.microsoft.com/office/drawing/2010/main" xmlns:m="http://schemas.openxmlformats.org/officeDocument/2006/math" xmlns="" val="1"/>
             </a:ext>
           </a:extLst>
         </p:spPr>
@@ -23292,7 +23499,7 @@
           </a:ln>
           <a:extLst>
             <a:ext uri="{C572A759-6A51-4108-AA02-DFA0A04FC94B}">
-              <ma14:wrappingTextBoxFlag xmlns="" xmlns:m="http://schemas.openxmlformats.org/officeDocument/2006/math" xmlns:a14="http://schemas.microsoft.com/office/drawing/2010/main" xmlns:ma14="http://schemas.microsoft.com/office/mac/drawingml/2011/main" val="1"/>
+              <ma14:wrappingTextBoxFlag xmlns:ma14="http://schemas.microsoft.com/office/mac/drawingml/2011/main" xmlns:a14="http://schemas.microsoft.com/office/drawing/2010/main" xmlns:m="http://schemas.openxmlformats.org/officeDocument/2006/math" xmlns="" val="1"/>
             </a:ext>
           </a:extLst>
         </p:spPr>
@@ -23337,7 +23544,7 @@
           </a:ln>
           <a:extLst>
             <a:ext uri="{C572A759-6A51-4108-AA02-DFA0A04FC94B}">
-              <ma14:wrappingTextBoxFlag xmlns="" xmlns:m="http://schemas.openxmlformats.org/officeDocument/2006/math" xmlns:a14="http://schemas.microsoft.com/office/drawing/2010/main" xmlns:ma14="http://schemas.microsoft.com/office/mac/drawingml/2011/main" val="1"/>
+              <ma14:wrappingTextBoxFlag xmlns:ma14="http://schemas.microsoft.com/office/mac/drawingml/2011/main" xmlns:a14="http://schemas.microsoft.com/office/drawing/2010/main" xmlns:m="http://schemas.openxmlformats.org/officeDocument/2006/math" xmlns="" val="1"/>
             </a:ext>
           </a:extLst>
         </p:spPr>
@@ -24107,6 +24314,7 @@
           <a:lstStyle/>
           <a:p>
             <a:r>
+              <a:rPr dirty="0"/>
               <a:t>Anonymous functions – Function Expressions </a:t>
             </a:r>
           </a:p>
@@ -24131,7 +24339,7 @@
           </a:ln>
           <a:extLst>
             <a:ext uri="{C572A759-6A51-4108-AA02-DFA0A04FC94B}">
-              <ma14:wrappingTextBoxFlag xmlns="" xmlns:m="http://schemas.openxmlformats.org/officeDocument/2006/math" xmlns:a14="http://schemas.microsoft.com/office/drawing/2010/main" xmlns:ma14="http://schemas.microsoft.com/office/mac/drawingml/2011/main" val="1"/>
+              <ma14:wrappingTextBoxFlag xmlns:ma14="http://schemas.microsoft.com/office/mac/drawingml/2011/main" xmlns:a14="http://schemas.microsoft.com/office/drawing/2010/main" xmlns:m="http://schemas.openxmlformats.org/officeDocument/2006/math" xmlns="" val="1"/>
             </a:ext>
           </a:extLst>
         </p:spPr>
@@ -24170,7 +24378,7 @@
           </a:ln>
           <a:extLst>
             <a:ext uri="{C572A759-6A51-4108-AA02-DFA0A04FC94B}">
-              <ma14:wrappingTextBoxFlag xmlns="" xmlns:m="http://schemas.openxmlformats.org/officeDocument/2006/math" xmlns:a14="http://schemas.microsoft.com/office/drawing/2010/main" xmlns:ma14="http://schemas.microsoft.com/office/mac/drawingml/2011/main" val="1"/>
+              <ma14:wrappingTextBoxFlag xmlns:ma14="http://schemas.microsoft.com/office/mac/drawingml/2011/main" xmlns:a14="http://schemas.microsoft.com/office/drawing/2010/main" xmlns:m="http://schemas.openxmlformats.org/officeDocument/2006/math" xmlns="" val="1"/>
             </a:ext>
           </a:extLst>
         </p:spPr>
@@ -24209,7 +24417,7 @@
           </a:ln>
           <a:extLst>
             <a:ext uri="{C572A759-6A51-4108-AA02-DFA0A04FC94B}">
-              <ma14:wrappingTextBoxFlag xmlns="" xmlns:m="http://schemas.openxmlformats.org/officeDocument/2006/math" xmlns:a14="http://schemas.microsoft.com/office/drawing/2010/main" xmlns:ma14="http://schemas.microsoft.com/office/mac/drawingml/2011/main" val="1"/>
+              <ma14:wrappingTextBoxFlag xmlns:ma14="http://schemas.microsoft.com/office/mac/drawingml/2011/main" xmlns:a14="http://schemas.microsoft.com/office/drawing/2010/main" xmlns:m="http://schemas.openxmlformats.org/officeDocument/2006/math" xmlns="" val="1"/>
             </a:ext>
           </a:extLst>
         </p:spPr>
@@ -24557,6 +24765,7 @@
           <a:lstStyle/>
           <a:p>
             <a:r>
+              <a:rPr dirty="0"/>
               <a:t>IIFE</a:t>
             </a:r>
           </a:p>
@@ -24581,7 +24790,7 @@
           </a:ln>
           <a:extLst>
             <a:ext uri="{C572A759-6A51-4108-AA02-DFA0A04FC94B}">
-              <ma14:wrappingTextBoxFlag xmlns="" xmlns:m="http://schemas.openxmlformats.org/officeDocument/2006/math" xmlns:a14="http://schemas.microsoft.com/office/drawing/2010/main" xmlns:ma14="http://schemas.microsoft.com/office/mac/drawingml/2011/main" val="1"/>
+              <ma14:wrappingTextBoxFlag xmlns:ma14="http://schemas.microsoft.com/office/mac/drawingml/2011/main" xmlns:a14="http://schemas.microsoft.com/office/drawing/2010/main" xmlns:m="http://schemas.openxmlformats.org/officeDocument/2006/math" xmlns="" val="1"/>
             </a:ext>
           </a:extLst>
         </p:spPr>
@@ -24620,7 +24829,7 @@
           </a:ln>
           <a:extLst>
             <a:ext uri="{C572A759-6A51-4108-AA02-DFA0A04FC94B}">
-              <ma14:wrappingTextBoxFlag xmlns="" xmlns:m="http://schemas.openxmlformats.org/officeDocument/2006/math" xmlns:a14="http://schemas.microsoft.com/office/drawing/2010/main" xmlns:ma14="http://schemas.microsoft.com/office/mac/drawingml/2011/main" val="1"/>
+              <ma14:wrappingTextBoxFlag xmlns:ma14="http://schemas.microsoft.com/office/mac/drawingml/2011/main" xmlns:a14="http://schemas.microsoft.com/office/drawing/2010/main" xmlns:m="http://schemas.openxmlformats.org/officeDocument/2006/math" xmlns="" val="1"/>
             </a:ext>
           </a:extLst>
         </p:spPr>
@@ -25006,6 +25215,7 @@
           <a:lstStyle/>
           <a:p>
             <a:r>
+              <a:rPr dirty="0"/>
               <a:t>Passing function to another function</a:t>
             </a:r>
           </a:p>
@@ -25030,7 +25240,7 @@
           </a:ln>
           <a:extLst>
             <a:ext uri="{C572A759-6A51-4108-AA02-DFA0A04FC94B}">
-              <ma14:wrappingTextBoxFlag xmlns="" xmlns:m="http://schemas.openxmlformats.org/officeDocument/2006/math" xmlns:a14="http://schemas.microsoft.com/office/drawing/2010/main" xmlns:ma14="http://schemas.microsoft.com/office/mac/drawingml/2011/main" val="1"/>
+              <ma14:wrappingTextBoxFlag xmlns:ma14="http://schemas.microsoft.com/office/mac/drawingml/2011/main" xmlns:a14="http://schemas.microsoft.com/office/drawing/2010/main" xmlns:m="http://schemas.openxmlformats.org/officeDocument/2006/math" xmlns="" val="1"/>
             </a:ext>
           </a:extLst>
         </p:spPr>
@@ -25104,7 +25314,7 @@
           </a:ln>
           <a:extLst>
             <a:ext uri="{C572A759-6A51-4108-AA02-DFA0A04FC94B}">
-              <ma14:wrappingTextBoxFlag xmlns="" xmlns:m="http://schemas.openxmlformats.org/officeDocument/2006/math" xmlns:a14="http://schemas.microsoft.com/office/drawing/2010/main" xmlns:ma14="http://schemas.microsoft.com/office/mac/drawingml/2011/main" val="1"/>
+              <ma14:wrappingTextBoxFlag xmlns:ma14="http://schemas.microsoft.com/office/mac/drawingml/2011/main" xmlns:a14="http://schemas.microsoft.com/office/drawing/2010/main" xmlns:m="http://schemas.openxmlformats.org/officeDocument/2006/math" xmlns="" val="1"/>
             </a:ext>
           </a:extLst>
         </p:spPr>
@@ -25197,6 +25407,7 @@
           <a:lstStyle/>
           <a:p>
             <a:r>
+              <a:rPr dirty="0"/>
               <a:t>Task for callback</a:t>
             </a:r>
           </a:p>
@@ -25221,7 +25432,7 @@
           </a:ln>
           <a:extLst>
             <a:ext uri="{C572A759-6A51-4108-AA02-DFA0A04FC94B}">
-              <ma14:wrappingTextBoxFlag xmlns="" xmlns:m="http://schemas.openxmlformats.org/officeDocument/2006/math" xmlns:a14="http://schemas.microsoft.com/office/drawing/2010/main" xmlns:ma14="http://schemas.microsoft.com/office/mac/drawingml/2011/main" val="1"/>
+              <ma14:wrappingTextBoxFlag xmlns:ma14="http://schemas.microsoft.com/office/mac/drawingml/2011/main" xmlns:a14="http://schemas.microsoft.com/office/drawing/2010/main" xmlns:m="http://schemas.openxmlformats.org/officeDocument/2006/math" xmlns="" val="1"/>
             </a:ext>
           </a:extLst>
         </p:spPr>
@@ -25347,6 +25558,7 @@
           <a:lstStyle/>
           <a:p>
             <a:r>
+              <a:rPr dirty="0"/>
               <a:t>Return a function from another function</a:t>
             </a:r>
           </a:p>
@@ -25371,7 +25583,7 @@
           </a:ln>
           <a:extLst>
             <a:ext uri="{C572A759-6A51-4108-AA02-DFA0A04FC94B}">
-              <ma14:wrappingTextBoxFlag xmlns="" xmlns:m="http://schemas.openxmlformats.org/officeDocument/2006/math" xmlns:a14="http://schemas.microsoft.com/office/drawing/2010/main" xmlns:ma14="http://schemas.microsoft.com/office/mac/drawingml/2011/main" val="1"/>
+              <ma14:wrappingTextBoxFlag xmlns:ma14="http://schemas.microsoft.com/office/mac/drawingml/2011/main" xmlns:a14="http://schemas.microsoft.com/office/drawing/2010/main" xmlns:m="http://schemas.openxmlformats.org/officeDocument/2006/math" xmlns="" val="1"/>
             </a:ext>
           </a:extLst>
         </p:spPr>
@@ -25455,7 +25667,7 @@
           </a:ln>
           <a:extLst>
             <a:ext uri="{C572A759-6A51-4108-AA02-DFA0A04FC94B}">
-              <ma14:wrappingTextBoxFlag xmlns="" xmlns:m="http://schemas.openxmlformats.org/officeDocument/2006/math" xmlns:a14="http://schemas.microsoft.com/office/drawing/2010/main" xmlns:ma14="http://schemas.microsoft.com/office/mac/drawingml/2011/main" val="1"/>
+              <ma14:wrappingTextBoxFlag xmlns:ma14="http://schemas.microsoft.com/office/mac/drawingml/2011/main" xmlns:a14="http://schemas.microsoft.com/office/drawing/2010/main" xmlns:m="http://schemas.openxmlformats.org/officeDocument/2006/math" xmlns="" val="1"/>
             </a:ext>
           </a:extLst>
         </p:spPr>
@@ -25580,11 +25792,13 @@
           <a:lstStyle/>
           <a:p>
             <a:r>
+              <a:rPr dirty="0"/>
               <a:t>Upload to git </a:t>
             </a:r>
           </a:p>
           <a:p>
             <a:r>
+              <a:rPr dirty="0"/>
               <a:t>Warmup tasks</a:t>
             </a:r>
           </a:p>
@@ -25596,7 +25810,7 @@
               <a:defRPr sz="2400"/>
             </a:pPr>
             <a:r>
-              <a:rPr u="sng">
+              <a:rPr u="sng" dirty="0">
                 <a:solidFill>
                   <a:srgbClr val="0563C1"/>
                 </a:solidFill>
@@ -26004,7 +26218,7 @@
             <a:effectLst/>
             <a:extLst>
               <a:ext uri="{C572A759-6A51-4108-AA02-DFA0A04FC94B}">
-                <ma14:wrappingTextBoxFlag xmlns="" xmlns:m="http://schemas.openxmlformats.org/officeDocument/2006/math" xmlns:a14="http://schemas.microsoft.com/office/drawing/2010/main" xmlns:ma14="http://schemas.microsoft.com/office/mac/drawingml/2011/main" val="1"/>
+                <ma14:wrappingTextBoxFlag xmlns:ma14="http://schemas.microsoft.com/office/mac/drawingml/2011/main" xmlns:a14="http://schemas.microsoft.com/office/drawing/2010/main" xmlns:m="http://schemas.openxmlformats.org/officeDocument/2006/math" xmlns="" val="1"/>
               </a:ext>
             </a:extLst>
           </p:spPr>
@@ -26083,7 +26297,7 @@
           </a:ln>
           <a:extLst>
             <a:ext uri="{C572A759-6A51-4108-AA02-DFA0A04FC94B}">
-              <ma14:wrappingTextBoxFlag xmlns="" xmlns:m="http://schemas.openxmlformats.org/officeDocument/2006/math" xmlns:a14="http://schemas.microsoft.com/office/drawing/2010/main" xmlns:ma14="http://schemas.microsoft.com/office/mac/drawingml/2011/main" val="1"/>
+              <ma14:wrappingTextBoxFlag xmlns:ma14="http://schemas.microsoft.com/office/mac/drawingml/2011/main" xmlns:a14="http://schemas.microsoft.com/office/drawing/2010/main" xmlns:m="http://schemas.openxmlformats.org/officeDocument/2006/math" xmlns="" val="1"/>
             </a:ext>
           </a:extLst>
         </p:spPr>
@@ -26156,7 +26370,7 @@
           </a:ln>
           <a:extLst>
             <a:ext uri="{C572A759-6A51-4108-AA02-DFA0A04FC94B}">
-              <ma14:wrappingTextBoxFlag xmlns="" xmlns:m="http://schemas.openxmlformats.org/officeDocument/2006/math" xmlns:a14="http://schemas.microsoft.com/office/drawing/2010/main" xmlns:ma14="http://schemas.microsoft.com/office/mac/drawingml/2011/main" val="1"/>
+              <ma14:wrappingTextBoxFlag xmlns:ma14="http://schemas.microsoft.com/office/mac/drawingml/2011/main" xmlns:a14="http://schemas.microsoft.com/office/drawing/2010/main" xmlns:m="http://schemas.openxmlformats.org/officeDocument/2006/math" xmlns="" val="1"/>
             </a:ext>
           </a:extLst>
         </p:spPr>
@@ -26842,7 +27056,7 @@
           </a:ln>
           <a:extLst>
             <a:ext uri="{C572A759-6A51-4108-AA02-DFA0A04FC94B}">
-              <ma14:wrappingTextBoxFlag xmlns="" xmlns:m="http://schemas.openxmlformats.org/officeDocument/2006/math" xmlns:a14="http://schemas.microsoft.com/office/drawing/2010/main" xmlns:ma14="http://schemas.microsoft.com/office/mac/drawingml/2011/main" val="1"/>
+              <ma14:wrappingTextBoxFlag xmlns:ma14="http://schemas.microsoft.com/office/mac/drawingml/2011/main" xmlns:a14="http://schemas.microsoft.com/office/drawing/2010/main" xmlns:m="http://schemas.openxmlformats.org/officeDocument/2006/math" xmlns="" val="1"/>
             </a:ext>
           </a:extLst>
         </p:spPr>
@@ -26892,7 +27106,7 @@
           </a:ln>
           <a:extLst>
             <a:ext uri="{C572A759-6A51-4108-AA02-DFA0A04FC94B}">
-              <ma14:wrappingTextBoxFlag xmlns="" xmlns:m="http://schemas.openxmlformats.org/officeDocument/2006/math" xmlns:a14="http://schemas.microsoft.com/office/drawing/2010/main" xmlns:ma14="http://schemas.microsoft.com/office/mac/drawingml/2011/main" val="1"/>
+              <ma14:wrappingTextBoxFlag xmlns:ma14="http://schemas.microsoft.com/office/mac/drawingml/2011/main" xmlns:a14="http://schemas.microsoft.com/office/drawing/2010/main" xmlns:m="http://schemas.openxmlformats.org/officeDocument/2006/math" xmlns="" val="1"/>
             </a:ext>
           </a:extLst>
         </p:spPr>
@@ -26951,7 +27165,7 @@
           </a:ln>
           <a:extLst>
             <a:ext uri="{C572A759-6A51-4108-AA02-DFA0A04FC94B}">
-              <ma14:wrappingTextBoxFlag xmlns="" xmlns:m="http://schemas.openxmlformats.org/officeDocument/2006/math" xmlns:a14="http://schemas.microsoft.com/office/drawing/2010/main" xmlns:ma14="http://schemas.microsoft.com/office/mac/drawingml/2011/main" val="1"/>
+              <ma14:wrappingTextBoxFlag xmlns:ma14="http://schemas.microsoft.com/office/mac/drawingml/2011/main" xmlns:a14="http://schemas.microsoft.com/office/drawing/2010/main" xmlns:m="http://schemas.openxmlformats.org/officeDocument/2006/math" xmlns="" val="1"/>
             </a:ext>
           </a:extLst>
         </p:spPr>
@@ -27189,7 +27403,7 @@
           </a:ln>
           <a:extLst>
             <a:ext uri="{C572A759-6A51-4108-AA02-DFA0A04FC94B}">
-              <ma14:wrappingTextBoxFlag xmlns="" xmlns:m="http://schemas.openxmlformats.org/officeDocument/2006/math" xmlns:a14="http://schemas.microsoft.com/office/drawing/2010/main" xmlns:ma14="http://schemas.microsoft.com/office/mac/drawingml/2011/main" val="1"/>
+              <ma14:wrappingTextBoxFlag xmlns:ma14="http://schemas.microsoft.com/office/mac/drawingml/2011/main" xmlns:a14="http://schemas.microsoft.com/office/drawing/2010/main" xmlns:m="http://schemas.openxmlformats.org/officeDocument/2006/math" xmlns="" val="1"/>
             </a:ext>
           </a:extLst>
         </p:spPr>
@@ -27285,7 +27499,7 @@
           </a:ln>
           <a:extLst>
             <a:ext uri="{C572A759-6A51-4108-AA02-DFA0A04FC94B}">
-              <ma14:wrappingTextBoxFlag xmlns="" xmlns:m="http://schemas.openxmlformats.org/officeDocument/2006/math" xmlns:a14="http://schemas.microsoft.com/office/drawing/2010/main" xmlns:ma14="http://schemas.microsoft.com/office/mac/drawingml/2011/main" val="1"/>
+              <ma14:wrappingTextBoxFlag xmlns:ma14="http://schemas.microsoft.com/office/mac/drawingml/2011/main" xmlns:a14="http://schemas.microsoft.com/office/drawing/2010/main" xmlns:m="http://schemas.openxmlformats.org/officeDocument/2006/math" xmlns="" val="1"/>
             </a:ext>
           </a:extLst>
         </p:spPr>
@@ -27324,7 +27538,7 @@
           </a:ln>
           <a:extLst>
             <a:ext uri="{C572A759-6A51-4108-AA02-DFA0A04FC94B}">
-              <ma14:wrappingTextBoxFlag xmlns="" xmlns:m="http://schemas.openxmlformats.org/officeDocument/2006/math" xmlns:a14="http://schemas.microsoft.com/office/drawing/2010/main" xmlns:ma14="http://schemas.microsoft.com/office/mac/drawingml/2011/main" val="1"/>
+              <ma14:wrappingTextBoxFlag xmlns:ma14="http://schemas.microsoft.com/office/mac/drawingml/2011/main" xmlns:a14="http://schemas.microsoft.com/office/drawing/2010/main" xmlns:m="http://schemas.openxmlformats.org/officeDocument/2006/math" xmlns="" val="1"/>
             </a:ext>
           </a:extLst>
         </p:spPr>
@@ -27357,7 +27571,7 @@
           </a:ln>
           <a:extLst>
             <a:ext uri="{C572A759-6A51-4108-AA02-DFA0A04FC94B}">
-              <ma14:wrappingTextBoxFlag xmlns="" xmlns:m="http://schemas.openxmlformats.org/officeDocument/2006/math" xmlns:a14="http://schemas.microsoft.com/office/drawing/2010/main" xmlns:ma14="http://schemas.microsoft.com/office/mac/drawingml/2011/main" val="1"/>
+              <ma14:wrappingTextBoxFlag xmlns:ma14="http://schemas.microsoft.com/office/mac/drawingml/2011/main" xmlns:a14="http://schemas.microsoft.com/office/drawing/2010/main" xmlns:m="http://schemas.openxmlformats.org/officeDocument/2006/math" xmlns="" val="1"/>
             </a:ext>
           </a:extLst>
         </p:spPr>
@@ -27397,7 +27611,7 @@
           </a:ln>
           <a:extLst>
             <a:ext uri="{C572A759-6A51-4108-AA02-DFA0A04FC94B}">
-              <ma14:wrappingTextBoxFlag xmlns="" xmlns:m="http://schemas.openxmlformats.org/officeDocument/2006/math" xmlns:a14="http://schemas.microsoft.com/office/drawing/2010/main" xmlns:ma14="http://schemas.microsoft.com/office/mac/drawingml/2011/main" val="1"/>
+              <ma14:wrappingTextBoxFlag xmlns:ma14="http://schemas.microsoft.com/office/mac/drawingml/2011/main" xmlns:a14="http://schemas.microsoft.com/office/drawing/2010/main" xmlns:m="http://schemas.openxmlformats.org/officeDocument/2006/math" xmlns="" val="1"/>
             </a:ext>
           </a:extLst>
         </p:spPr>
@@ -28011,7 +28225,7 @@
             <a:effectLst/>
             <a:extLst>
               <a:ext uri="{C572A759-6A51-4108-AA02-DFA0A04FC94B}">
-                <ma14:wrappingTextBoxFlag xmlns="" xmlns:m="http://schemas.openxmlformats.org/officeDocument/2006/math" xmlns:a14="http://schemas.microsoft.com/office/drawing/2010/main" xmlns:ma14="http://schemas.microsoft.com/office/mac/drawingml/2011/main" val="1"/>
+                <ma14:wrappingTextBoxFlag xmlns:ma14="http://schemas.microsoft.com/office/mac/drawingml/2011/main" xmlns:a14="http://schemas.microsoft.com/office/drawing/2010/main" xmlns:m="http://schemas.openxmlformats.org/officeDocument/2006/math" xmlns="" val="1"/>
               </a:ext>
             </a:extLst>
           </p:spPr>
@@ -28090,7 +28304,7 @@
           </a:ln>
           <a:extLst>
             <a:ext uri="{C572A759-6A51-4108-AA02-DFA0A04FC94B}">
-              <ma14:wrappingTextBoxFlag xmlns="" xmlns:m="http://schemas.openxmlformats.org/officeDocument/2006/math" xmlns:a14="http://schemas.microsoft.com/office/drawing/2010/main" xmlns:ma14="http://schemas.microsoft.com/office/mac/drawingml/2011/main" val="1"/>
+              <ma14:wrappingTextBoxFlag xmlns:ma14="http://schemas.microsoft.com/office/mac/drawingml/2011/main" xmlns:a14="http://schemas.microsoft.com/office/drawing/2010/main" xmlns:m="http://schemas.openxmlformats.org/officeDocument/2006/math" xmlns="" val="1"/>
             </a:ext>
           </a:extLst>
         </p:spPr>
@@ -28163,7 +28377,7 @@
           </a:ln>
           <a:extLst>
             <a:ext uri="{C572A759-6A51-4108-AA02-DFA0A04FC94B}">
-              <ma14:wrappingTextBoxFlag xmlns="" xmlns:m="http://schemas.openxmlformats.org/officeDocument/2006/math" xmlns:a14="http://schemas.microsoft.com/office/drawing/2010/main" xmlns:ma14="http://schemas.microsoft.com/office/mac/drawingml/2011/main" val="1"/>
+              <ma14:wrappingTextBoxFlag xmlns:ma14="http://schemas.microsoft.com/office/mac/drawingml/2011/main" xmlns:a14="http://schemas.microsoft.com/office/drawing/2010/main" xmlns:m="http://schemas.openxmlformats.org/officeDocument/2006/math" xmlns="" val="1"/>
             </a:ext>
           </a:extLst>
         </p:spPr>
@@ -28365,7 +28579,7 @@
           </a:ln>
           <a:extLst>
             <a:ext uri="{C572A759-6A51-4108-AA02-DFA0A04FC94B}">
-              <ma14:wrappingTextBoxFlag xmlns="" xmlns:m="http://schemas.openxmlformats.org/officeDocument/2006/math" xmlns:a14="http://schemas.microsoft.com/office/drawing/2010/main" xmlns:ma14="http://schemas.microsoft.com/office/mac/drawingml/2011/main" val="1"/>
+              <ma14:wrappingTextBoxFlag xmlns:ma14="http://schemas.microsoft.com/office/mac/drawingml/2011/main" xmlns:a14="http://schemas.microsoft.com/office/drawing/2010/main" xmlns:m="http://schemas.openxmlformats.org/officeDocument/2006/math" xmlns="" val="1"/>
             </a:ext>
           </a:extLst>
         </p:spPr>
@@ -28493,7 +28707,7 @@
           </a:ln>
           <a:extLst>
             <a:ext uri="{C572A759-6A51-4108-AA02-DFA0A04FC94B}">
-              <ma14:wrappingTextBoxFlag xmlns="" xmlns:m="http://schemas.openxmlformats.org/officeDocument/2006/math" xmlns:a14="http://schemas.microsoft.com/office/drawing/2010/main" xmlns:ma14="http://schemas.microsoft.com/office/mac/drawingml/2011/main" val="1"/>
+              <ma14:wrappingTextBoxFlag xmlns:ma14="http://schemas.microsoft.com/office/mac/drawingml/2011/main" xmlns:a14="http://schemas.microsoft.com/office/drawing/2010/main" xmlns:m="http://schemas.openxmlformats.org/officeDocument/2006/math" xmlns="" val="1"/>
             </a:ext>
           </a:extLst>
         </p:spPr>
@@ -28532,7 +28746,7 @@
           </a:ln>
           <a:extLst>
             <a:ext uri="{C572A759-6A51-4108-AA02-DFA0A04FC94B}">
-              <ma14:wrappingTextBoxFlag xmlns="" xmlns:m="http://schemas.openxmlformats.org/officeDocument/2006/math" xmlns:a14="http://schemas.microsoft.com/office/drawing/2010/main" xmlns:ma14="http://schemas.microsoft.com/office/mac/drawingml/2011/main" val="1"/>
+              <ma14:wrappingTextBoxFlag xmlns:ma14="http://schemas.microsoft.com/office/mac/drawingml/2011/main" xmlns:a14="http://schemas.microsoft.com/office/drawing/2010/main" xmlns:m="http://schemas.openxmlformats.org/officeDocument/2006/math" xmlns="" val="1"/>
             </a:ext>
           </a:extLst>
         </p:spPr>
@@ -28602,7 +28816,7 @@
           </a:ln>
           <a:extLst>
             <a:ext uri="{C572A759-6A51-4108-AA02-DFA0A04FC94B}">
-              <ma14:wrappingTextBoxFlag xmlns="" xmlns:m="http://schemas.openxmlformats.org/officeDocument/2006/math" xmlns:a14="http://schemas.microsoft.com/office/drawing/2010/main" xmlns:ma14="http://schemas.microsoft.com/office/mac/drawingml/2011/main" val="1"/>
+              <ma14:wrappingTextBoxFlag xmlns:ma14="http://schemas.microsoft.com/office/mac/drawingml/2011/main" xmlns:a14="http://schemas.microsoft.com/office/drawing/2010/main" xmlns:m="http://schemas.openxmlformats.org/officeDocument/2006/math" xmlns="" val="1"/>
             </a:ext>
           </a:extLst>
         </p:spPr>
@@ -29025,7 +29239,7 @@
           </a:ln>
           <a:extLst>
             <a:ext uri="{C572A759-6A51-4108-AA02-DFA0A04FC94B}">
-              <ma14:wrappingTextBoxFlag xmlns="" xmlns:m="http://schemas.openxmlformats.org/officeDocument/2006/math" xmlns:a14="http://schemas.microsoft.com/office/drawing/2010/main" xmlns:ma14="http://schemas.microsoft.com/office/mac/drawingml/2011/main" val="1"/>
+              <ma14:wrappingTextBoxFlag xmlns:ma14="http://schemas.microsoft.com/office/mac/drawingml/2011/main" xmlns:a14="http://schemas.microsoft.com/office/drawing/2010/main" xmlns:m="http://schemas.openxmlformats.org/officeDocument/2006/math" xmlns="" val="1"/>
             </a:ext>
           </a:extLst>
         </p:spPr>
@@ -29066,7 +29280,7 @@
           </a:ln>
           <a:extLst>
             <a:ext uri="{C572A759-6A51-4108-AA02-DFA0A04FC94B}">
-              <ma14:wrappingTextBoxFlag xmlns="" xmlns:m="http://schemas.openxmlformats.org/officeDocument/2006/math" xmlns:a14="http://schemas.microsoft.com/office/drawing/2010/main" xmlns:ma14="http://schemas.microsoft.com/office/mac/drawingml/2011/main" val="1"/>
+              <ma14:wrappingTextBoxFlag xmlns:ma14="http://schemas.microsoft.com/office/mac/drawingml/2011/main" xmlns:a14="http://schemas.microsoft.com/office/drawing/2010/main" xmlns:m="http://schemas.openxmlformats.org/officeDocument/2006/math" xmlns="" val="1"/>
             </a:ext>
           </a:extLst>
         </p:spPr>
@@ -29117,7 +29331,7 @@
           </a:ln>
           <a:extLst>
             <a:ext uri="{C572A759-6A51-4108-AA02-DFA0A04FC94B}">
-              <ma14:wrappingTextBoxFlag xmlns="" xmlns:m="http://schemas.openxmlformats.org/officeDocument/2006/math" xmlns:a14="http://schemas.microsoft.com/office/drawing/2010/main" xmlns:ma14="http://schemas.microsoft.com/office/mac/drawingml/2011/main" val="1"/>
+              <ma14:wrappingTextBoxFlag xmlns:ma14="http://schemas.microsoft.com/office/mac/drawingml/2011/main" xmlns:a14="http://schemas.microsoft.com/office/drawing/2010/main" xmlns:m="http://schemas.openxmlformats.org/officeDocument/2006/math" xmlns="" val="1"/>
             </a:ext>
           </a:extLst>
         </p:spPr>

--- a/ppt/001 - DataTypes.pptx
+++ b/ppt/001 - DataTypes.pptx
@@ -5,7 +5,7 @@
     <p:sldMasterId id="2147483648" r:id="rId1"/>
   </p:sldMasterIdLst>
   <p:notesMasterIdLst>
-    <p:notesMasterId r:id="rId64"/>
+    <p:notesMasterId r:id="rId65"/>
   </p:notesMasterIdLst>
   <p:sldIdLst>
     <p:sldId id="256" r:id="rId2"/>
@@ -34,42 +34,43 @@
     <p:sldId id="276" r:id="rId25"/>
     <p:sldId id="398" r:id="rId26"/>
     <p:sldId id="399" r:id="rId27"/>
-    <p:sldId id="400" r:id="rId28"/>
-    <p:sldId id="308" r:id="rId29"/>
-    <p:sldId id="309" r:id="rId30"/>
-    <p:sldId id="311" r:id="rId31"/>
-    <p:sldId id="310" r:id="rId32"/>
-    <p:sldId id="277" r:id="rId33"/>
-    <p:sldId id="278" r:id="rId34"/>
-    <p:sldId id="279" r:id="rId35"/>
-    <p:sldId id="307" r:id="rId36"/>
-    <p:sldId id="306" r:id="rId37"/>
-    <p:sldId id="280" r:id="rId38"/>
-    <p:sldId id="281" r:id="rId39"/>
-    <p:sldId id="282" r:id="rId40"/>
-    <p:sldId id="283" r:id="rId41"/>
-    <p:sldId id="284" r:id="rId42"/>
-    <p:sldId id="285" r:id="rId43"/>
-    <p:sldId id="286" r:id="rId44"/>
-    <p:sldId id="287" r:id="rId45"/>
-    <p:sldId id="288" r:id="rId46"/>
-    <p:sldId id="289" r:id="rId47"/>
-    <p:sldId id="290" r:id="rId48"/>
-    <p:sldId id="291" r:id="rId49"/>
-    <p:sldId id="292" r:id="rId50"/>
-    <p:sldId id="293" r:id="rId51"/>
-    <p:sldId id="294" r:id="rId52"/>
-    <p:sldId id="295" r:id="rId53"/>
-    <p:sldId id="296" r:id="rId54"/>
-    <p:sldId id="297" r:id="rId55"/>
-    <p:sldId id="298" r:id="rId56"/>
-    <p:sldId id="299" r:id="rId57"/>
-    <p:sldId id="300" r:id="rId58"/>
-    <p:sldId id="301" r:id="rId59"/>
-    <p:sldId id="302" r:id="rId60"/>
-    <p:sldId id="303" r:id="rId61"/>
-    <p:sldId id="304" r:id="rId62"/>
-    <p:sldId id="305" r:id="rId63"/>
+    <p:sldId id="403" r:id="rId28"/>
+    <p:sldId id="400" r:id="rId29"/>
+    <p:sldId id="308" r:id="rId30"/>
+    <p:sldId id="309" r:id="rId31"/>
+    <p:sldId id="311" r:id="rId32"/>
+    <p:sldId id="310" r:id="rId33"/>
+    <p:sldId id="277" r:id="rId34"/>
+    <p:sldId id="278" r:id="rId35"/>
+    <p:sldId id="279" r:id="rId36"/>
+    <p:sldId id="307" r:id="rId37"/>
+    <p:sldId id="306" r:id="rId38"/>
+    <p:sldId id="280" r:id="rId39"/>
+    <p:sldId id="281" r:id="rId40"/>
+    <p:sldId id="282" r:id="rId41"/>
+    <p:sldId id="283" r:id="rId42"/>
+    <p:sldId id="284" r:id="rId43"/>
+    <p:sldId id="285" r:id="rId44"/>
+    <p:sldId id="286" r:id="rId45"/>
+    <p:sldId id="287" r:id="rId46"/>
+    <p:sldId id="288" r:id="rId47"/>
+    <p:sldId id="289" r:id="rId48"/>
+    <p:sldId id="290" r:id="rId49"/>
+    <p:sldId id="291" r:id="rId50"/>
+    <p:sldId id="292" r:id="rId51"/>
+    <p:sldId id="293" r:id="rId52"/>
+    <p:sldId id="294" r:id="rId53"/>
+    <p:sldId id="295" r:id="rId54"/>
+    <p:sldId id="296" r:id="rId55"/>
+    <p:sldId id="297" r:id="rId56"/>
+    <p:sldId id="298" r:id="rId57"/>
+    <p:sldId id="299" r:id="rId58"/>
+    <p:sldId id="300" r:id="rId59"/>
+    <p:sldId id="301" r:id="rId60"/>
+    <p:sldId id="302" r:id="rId61"/>
+    <p:sldId id="303" r:id="rId62"/>
+    <p:sldId id="304" r:id="rId63"/>
+    <p:sldId id="305" r:id="rId64"/>
   </p:sldIdLst>
   <p:sldSz cx="12192000" cy="6858000"/>
   <p:notesSz cx="6858000" cy="9144000"/>
@@ -3886,6 +3887,109 @@
       </p:grpSpPr>
       <p:sp>
         <p:nvSpPr>
+          <p:cNvPr id="177154" name="Rectangle 2">
+            <a:extLst>
+              <a:ext uri="{FF2B5EF4-FFF2-40B4-BE49-F238E27FC236}">
+                <a16:creationId xmlns:a16="http://schemas.microsoft.com/office/drawing/2014/main" id="{1004C402-041A-C643-8185-6C910494B48B}"/>
+              </a:ext>
+            </a:extLst>
+          </p:cNvPr>
+          <p:cNvSpPr>
+            <a:spLocks noGrp="1" noRot="1" noChangeAspect="1" noChangeArrowheads="1" noTextEdit="1"/>
+          </p:cNvSpPr>
+          <p:nvPr>
+            <p:ph type="sldImg"/>
+          </p:nvPr>
+        </p:nvSpPr>
+        <p:spPr>
+          <a:xfrm>
+            <a:off x="381000" y="685800"/>
+            <a:ext cx="6096000" cy="3429000"/>
+          </a:xfrm>
+          <a:ln/>
+        </p:spPr>
+      </p:sp>
+      <p:sp>
+        <p:nvSpPr>
+          <p:cNvPr id="177155" name="Rectangle 3">
+            <a:extLst>
+              <a:ext uri="{FF2B5EF4-FFF2-40B4-BE49-F238E27FC236}">
+                <a16:creationId xmlns:a16="http://schemas.microsoft.com/office/drawing/2014/main" id="{C314F2E0-AE82-994C-B2AC-1945F47915CD}"/>
+              </a:ext>
+            </a:extLst>
+          </p:cNvPr>
+          <p:cNvSpPr>
+            <a:spLocks noGrp="1" noChangeArrowheads="1"/>
+          </p:cNvSpPr>
+          <p:nvPr>
+            <p:ph type="body" idx="1"/>
+          </p:nvPr>
+        </p:nvSpPr>
+        <p:spPr>
+          <a:noFill/>
+          <a:ln/>
+          <a:extLst>
+            <a:ext uri="{909E8E84-426E-40DD-AFC4-6F175D3DCCD1}">
+              <a14:hiddenFill xmlns:a14="http://schemas.microsoft.com/office/drawing/2010/main">
+                <a:solidFill>
+                  <a:srgbClr val="FFFFFF"/>
+                </a:solidFill>
+              </a14:hiddenFill>
+            </a:ext>
+            <a:ext uri="{91240B29-F687-4F45-9708-019B960494DF}">
+              <a14:hiddenLine xmlns:a14="http://schemas.microsoft.com/office/drawing/2010/main" w="9525">
+                <a:solidFill>
+                  <a:srgbClr val="000000"/>
+                </a:solidFill>
+                <a:miter lim="800000"/>
+                <a:headEnd/>
+                <a:tailEnd/>
+              </a14:hiddenLine>
+            </a:ext>
+          </a:extLst>
+        </p:spPr>
+        <p:txBody>
+          <a:bodyPr/>
+          <a:lstStyle/>
+          <a:p>
+            <a:endParaRPr lang="en-US" altLang="en-US">
+              <a:latin typeface="Arial" panose="020B0604020202020204" pitchFamily="34" charset="0"/>
+            </a:endParaRPr>
+          </a:p>
+        </p:txBody>
+      </p:sp>
+    </p:spTree>
+    <p:extLst>
+      <p:ext uri="{BB962C8B-B14F-4D97-AF65-F5344CB8AC3E}">
+        <p14:creationId xmlns:p14="http://schemas.microsoft.com/office/powerpoint/2010/main" val="2027798268"/>
+      </p:ext>
+    </p:extLst>
+  </p:cSld>
+  <p:clrMapOvr>
+    <a:masterClrMapping/>
+  </p:clrMapOvr>
+</p:notes>
+</file>
+
+<file path=ppt/notesSlides/notesSlide3.xml><?xml version="1.0" encoding="utf-8"?>
+<p:notes xmlns:a="http://schemas.openxmlformats.org/drawingml/2006/main" xmlns:r="http://schemas.openxmlformats.org/officeDocument/2006/relationships" xmlns:p="http://schemas.openxmlformats.org/presentationml/2006/main">
+  <p:cSld>
+    <p:spTree>
+      <p:nvGrpSpPr>
+        <p:cNvPr id="1" name=""/>
+        <p:cNvGrpSpPr/>
+        <p:nvPr/>
+      </p:nvGrpSpPr>
+      <p:grpSpPr>
+        <a:xfrm>
+          <a:off x="0" y="0"/>
+          <a:ext cx="0" cy="0"/>
+          <a:chOff x="0" y="0"/>
+          <a:chExt cx="0" cy="0"/>
+        </a:xfrm>
+      </p:grpSpPr>
+      <p:sp>
+        <p:nvSpPr>
           <p:cNvPr id="2" name="Slide Image Placeholder 1"/>
           <p:cNvSpPr>
             <a:spLocks noGrp="1" noRot="1" noChangeAspect="1"/>
@@ -11576,7 +11680,16 @@
               <a:defRPr sz="3600"/>
             </a:pPr>
             <a:r>
-              <a:t>request.onload = function() {</a:t>
+              <a:rPr dirty="0" err="1"/>
+              <a:t>request.onload</a:t>
+            </a:r>
+            <a:r>
+              <a:rPr dirty="0"/>
+              <a:t> = </a:t>
+            </a:r>
+            <a:r>
+              <a:rPr lang="en-IN" dirty="0"/>
+              <a:t>function() {</a:t>
             </a:r>
           </a:p>
           <a:p>
@@ -11584,6 +11697,7 @@
               <a:defRPr sz="3600"/>
             </a:pPr>
             <a:r>
+              <a:rPr lang="en-IN" dirty="0"/>
               <a:t>  // Begin accessing JSON data here</a:t>
             </a:r>
           </a:p>
@@ -11592,7 +11706,24 @@
               <a:defRPr sz="3600"/>
             </a:pPr>
             <a:r>
-              <a:t>var data = JSON.parse(this.response)</a:t>
+              <a:rPr lang="en-IN" dirty="0"/>
+              <a:t>var data = </a:t>
+            </a:r>
+            <a:r>
+              <a:rPr lang="en-IN" dirty="0" err="1"/>
+              <a:t>JSON.parse</a:t>
+            </a:r>
+            <a:r>
+              <a:rPr lang="en-IN" dirty="0"/>
+              <a:t>(</a:t>
+            </a:r>
+            <a:r>
+              <a:rPr lang="en-IN" dirty="0" err="1"/>
+              <a:t>this.response</a:t>
+            </a:r>
+            <a:r>
+              <a:rPr lang="en-IN" dirty="0"/>
+              <a:t>)</a:t>
             </a:r>
           </a:p>
           <a:p>
@@ -11600,7 +11731,12 @@
               <a:defRPr sz="3600"/>
             </a:pPr>
             <a:r>
-              <a:t>console.log(data)</a:t>
+              <a:rPr lang="en-IN" dirty="0" err="1"/>
+              <a:t>console.log</a:t>
+            </a:r>
+            <a:r>
+              <a:rPr lang="en-IN" dirty="0"/>
+              <a:t>(data)</a:t>
             </a:r>
           </a:p>
           <a:p>
@@ -11608,6 +11744,7 @@
               <a:defRPr sz="3600"/>
             </a:pPr>
             <a:r>
+              <a:rPr lang="en-IN" dirty="0"/>
               <a:t>}</a:t>
             </a:r>
           </a:p>
@@ -11615,13 +11752,14 @@
             <a:pPr>
               <a:defRPr sz="3600"/>
             </a:pPr>
-            <a:endParaRPr/>
+            <a:endParaRPr dirty="0"/>
           </a:p>
           <a:p>
             <a:pPr>
               <a:defRPr sz="3600"/>
             </a:pPr>
             <a:r>
+              <a:rPr dirty="0"/>
               <a:t>// Send request</a:t>
             </a:r>
           </a:p>
@@ -11630,7 +11768,12 @@
               <a:defRPr sz="3600"/>
             </a:pPr>
             <a:r>
-              <a:t>request.send()</a:t>
+              <a:rPr dirty="0" err="1"/>
+              <a:t>request.send</a:t>
+            </a:r>
+            <a:r>
+              <a:rPr dirty="0"/>
+              <a:t>()</a:t>
             </a:r>
           </a:p>
         </p:txBody>
@@ -12656,6 +12799,13 @@
             <a:pPr lvl="2"/>
             <a:r>
               <a:rPr lang="en-IN" dirty="0"/>
+              <a:t>1 hr activation </a:t>
+            </a:r>
+          </a:p>
+          <a:p>
+            <a:pPr lvl="2"/>
+            <a:r>
+              <a:rPr lang="en-IN" dirty="0"/>
               <a:t>Call current weather data - By city name By city ID </a:t>
             </a:r>
             <a:endParaRPr lang="en-US" dirty="0"/>
@@ -12708,6 +12858,825 @@
 </file>
 
 <file path=ppt/slides/slide27.xml><?xml version="1.0" encoding="utf-8"?>
+<p:sld xmlns:a="http://schemas.openxmlformats.org/drawingml/2006/main" xmlns:r="http://schemas.openxmlformats.org/officeDocument/2006/relationships" xmlns:p="http://schemas.openxmlformats.org/presentationml/2006/main">
+  <p:cSld>
+    <p:spTree>
+      <p:nvGrpSpPr>
+        <p:cNvPr id="1" name=""/>
+        <p:cNvGrpSpPr/>
+        <p:nvPr/>
+      </p:nvGrpSpPr>
+      <p:grpSpPr>
+        <a:xfrm>
+          <a:off x="0" y="0"/>
+          <a:ext cx="0" cy="0"/>
+          <a:chOff x="0" y="0"/>
+          <a:chExt cx="0" cy="0"/>
+        </a:xfrm>
+      </p:grpSpPr>
+      <p:sp>
+        <p:nvSpPr>
+          <p:cNvPr id="78850" name="Title 1">
+            <a:extLst>
+              <a:ext uri="{FF2B5EF4-FFF2-40B4-BE49-F238E27FC236}">
+                <a16:creationId xmlns:a16="http://schemas.microsoft.com/office/drawing/2014/main" id="{95DB1C28-85D6-0640-BAF5-0659CF628192}"/>
+              </a:ext>
+            </a:extLst>
+          </p:cNvPr>
+          <p:cNvSpPr>
+            <a:spLocks noGrp="1"/>
+          </p:cNvSpPr>
+          <p:nvPr>
+            <p:ph type="title"/>
+          </p:nvPr>
+        </p:nvSpPr>
+        <p:spPr/>
+        <p:txBody>
+          <a:bodyPr/>
+          <a:lstStyle/>
+          <a:p>
+            <a:r>
+              <a:rPr lang="en-US" altLang="en-US" i="1">
+                <a:solidFill>
+                  <a:srgbClr val="FF9933"/>
+                </a:solidFill>
+              </a:rPr>
+              <a:t>C</a:t>
+            </a:r>
+            <a:r>
+              <a:rPr lang="en-US" altLang="en-US"/>
+              <a:t>ross-</a:t>
+            </a:r>
+            <a:r>
+              <a:rPr lang="en-US" altLang="en-US" i="1">
+                <a:solidFill>
+                  <a:srgbClr val="FF9933"/>
+                </a:solidFill>
+              </a:rPr>
+              <a:t>O</a:t>
+            </a:r>
+            <a:r>
+              <a:rPr lang="en-US" altLang="en-US"/>
+              <a:t>rigin </a:t>
+            </a:r>
+            <a:r>
+              <a:rPr lang="en-US" altLang="en-US" i="1">
+                <a:solidFill>
+                  <a:srgbClr val="FF9933"/>
+                </a:solidFill>
+              </a:rPr>
+              <a:t>R</a:t>
+            </a:r>
+            <a:r>
+              <a:rPr lang="en-US" altLang="en-US"/>
+              <a:t>esource </a:t>
+            </a:r>
+            <a:r>
+              <a:rPr lang="en-US" altLang="en-US" i="1">
+                <a:solidFill>
+                  <a:srgbClr val="FF9933"/>
+                </a:solidFill>
+              </a:rPr>
+              <a:t>S</a:t>
+            </a:r>
+            <a:r>
+              <a:rPr lang="en-US" altLang="en-US"/>
+              <a:t>haring</a:t>
+            </a:r>
+          </a:p>
+        </p:txBody>
+      </p:sp>
+      <p:sp>
+        <p:nvSpPr>
+          <p:cNvPr id="6" name="Content Placeholder 2">
+            <a:extLst>
+              <a:ext uri="{FF2B5EF4-FFF2-40B4-BE49-F238E27FC236}">
+                <a16:creationId xmlns:a16="http://schemas.microsoft.com/office/drawing/2014/main" id="{BA03BE68-1C7D-8F4A-AB0A-FC9841D9F655}"/>
+              </a:ext>
+            </a:extLst>
+          </p:cNvPr>
+          <p:cNvSpPr>
+            <a:spLocks noGrp="1"/>
+          </p:cNvSpPr>
+          <p:nvPr>
+            <p:ph idx="1"/>
+          </p:nvPr>
+        </p:nvSpPr>
+        <p:spPr>
+          <a:xfrm>
+            <a:off x="1981200" y="1981200"/>
+            <a:ext cx="8915400" cy="685800"/>
+          </a:xfrm>
+        </p:spPr>
+        <p:txBody>
+          <a:bodyPr/>
+          <a:lstStyle/>
+          <a:p>
+            <a:pPr>
+              <a:defRPr/>
+            </a:pPr>
+            <a:r>
+              <a:rPr lang="en-US" dirty="0"/>
+              <a:t>Not all servers support CORS:</a:t>
+            </a:r>
+          </a:p>
+          <a:p>
+            <a:pPr marL="0" indent="0">
+              <a:buNone/>
+              <a:defRPr/>
+            </a:pPr>
+            <a:endParaRPr lang="en-US" dirty="0"/>
+          </a:p>
+        </p:txBody>
+      </p:sp>
+      <p:grpSp>
+        <p:nvGrpSpPr>
+          <p:cNvPr id="78852" name="Group 2">
+            <a:extLst>
+              <a:ext uri="{FF2B5EF4-FFF2-40B4-BE49-F238E27FC236}">
+                <a16:creationId xmlns:a16="http://schemas.microsoft.com/office/drawing/2014/main" id="{63D5E323-5B8E-5A4B-A95E-F2CF383D4074}"/>
+              </a:ext>
+            </a:extLst>
+          </p:cNvPr>
+          <p:cNvGrpSpPr>
+            <a:grpSpLocks/>
+          </p:cNvGrpSpPr>
+          <p:nvPr/>
+        </p:nvGrpSpPr>
+        <p:grpSpPr bwMode="auto">
+          <a:xfrm>
+            <a:off x="1755423" y="2957512"/>
+            <a:ext cx="8686799" cy="3003021"/>
+            <a:chOff x="-1851978" y="3391081"/>
+            <a:chExt cx="7828004" cy="2236051"/>
+          </a:xfrm>
+        </p:grpSpPr>
+        <p:sp>
+          <p:nvSpPr>
+            <p:cNvPr id="78853" name="TextBox 3">
+              <a:extLst>
+                <a:ext uri="{FF2B5EF4-FFF2-40B4-BE49-F238E27FC236}">
+                  <a16:creationId xmlns:a16="http://schemas.microsoft.com/office/drawing/2014/main" id="{A232C799-92AB-6249-9C1D-320DACE83560}"/>
+                </a:ext>
+              </a:extLst>
+            </p:cNvPr>
+            <p:cNvSpPr txBox="1">
+              <a:spLocks noChangeArrowheads="1"/>
+            </p:cNvSpPr>
+            <p:nvPr/>
+          </p:nvSpPr>
+          <p:spPr bwMode="auto">
+            <a:xfrm>
+              <a:off x="1600200" y="5257800"/>
+              <a:ext cx="1031051" cy="369332"/>
+            </a:xfrm>
+            <a:prstGeom prst="rect">
+              <a:avLst/>
+            </a:prstGeom>
+            <a:solidFill>
+              <a:srgbClr val="92D050"/>
+            </a:solidFill>
+            <a:ln w="9525">
+              <a:solidFill>
+                <a:schemeClr val="tx1"/>
+              </a:solidFill>
+              <a:miter lim="800000"/>
+              <a:headEnd/>
+              <a:tailEnd/>
+            </a:ln>
+          </p:spPr>
+          <p:txBody>
+            <a:bodyPr wrap="none">
+              <a:spAutoFit/>
+            </a:bodyPr>
+            <a:lstStyle>
+              <a:lvl1pPr>
+                <a:defRPr>
+                  <a:solidFill>
+                    <a:schemeClr val="tx1"/>
+                  </a:solidFill>
+                  <a:latin typeface="Arial" panose="020B0604020202020204" pitchFamily="34" charset="0"/>
+                </a:defRPr>
+              </a:lvl1pPr>
+              <a:lvl2pPr marL="742950" indent="-285750">
+                <a:defRPr>
+                  <a:solidFill>
+                    <a:schemeClr val="tx1"/>
+                  </a:solidFill>
+                  <a:latin typeface="Arial" panose="020B0604020202020204" pitchFamily="34" charset="0"/>
+                </a:defRPr>
+              </a:lvl2pPr>
+              <a:lvl3pPr marL="1143000" indent="-228600">
+                <a:defRPr>
+                  <a:solidFill>
+                    <a:schemeClr val="tx1"/>
+                  </a:solidFill>
+                  <a:latin typeface="Arial" panose="020B0604020202020204" pitchFamily="34" charset="0"/>
+                </a:defRPr>
+              </a:lvl3pPr>
+              <a:lvl4pPr marL="1600200" indent="-228600">
+                <a:defRPr>
+                  <a:solidFill>
+                    <a:schemeClr val="tx1"/>
+                  </a:solidFill>
+                  <a:latin typeface="Arial" panose="020B0604020202020204" pitchFamily="34" charset="0"/>
+                </a:defRPr>
+              </a:lvl4pPr>
+              <a:lvl5pPr marL="2057400" indent="-228600">
+                <a:defRPr>
+                  <a:solidFill>
+                    <a:schemeClr val="tx1"/>
+                  </a:solidFill>
+                  <a:latin typeface="Arial" panose="020B0604020202020204" pitchFamily="34" charset="0"/>
+                </a:defRPr>
+              </a:lvl5pPr>
+              <a:lvl6pPr marL="2514600" indent="-228600" eaLnBrk="0" fontAlgn="base" hangingPunct="0">
+                <a:spcBef>
+                  <a:spcPct val="0"/>
+                </a:spcBef>
+                <a:spcAft>
+                  <a:spcPct val="0"/>
+                </a:spcAft>
+                <a:defRPr>
+                  <a:solidFill>
+                    <a:schemeClr val="tx1"/>
+                  </a:solidFill>
+                  <a:latin typeface="Arial" panose="020B0604020202020204" pitchFamily="34" charset="0"/>
+                </a:defRPr>
+              </a:lvl6pPr>
+              <a:lvl7pPr marL="2971800" indent="-228600" eaLnBrk="0" fontAlgn="base" hangingPunct="0">
+                <a:spcBef>
+                  <a:spcPct val="0"/>
+                </a:spcBef>
+                <a:spcAft>
+                  <a:spcPct val="0"/>
+                </a:spcAft>
+                <a:defRPr>
+                  <a:solidFill>
+                    <a:schemeClr val="tx1"/>
+                  </a:solidFill>
+                  <a:latin typeface="Arial" panose="020B0604020202020204" pitchFamily="34" charset="0"/>
+                </a:defRPr>
+              </a:lvl7pPr>
+              <a:lvl8pPr marL="3429000" indent="-228600" eaLnBrk="0" fontAlgn="base" hangingPunct="0">
+                <a:spcBef>
+                  <a:spcPct val="0"/>
+                </a:spcBef>
+                <a:spcAft>
+                  <a:spcPct val="0"/>
+                </a:spcAft>
+                <a:defRPr>
+                  <a:solidFill>
+                    <a:schemeClr val="tx1"/>
+                  </a:solidFill>
+                  <a:latin typeface="Arial" panose="020B0604020202020204" pitchFamily="34" charset="0"/>
+                </a:defRPr>
+              </a:lvl8pPr>
+              <a:lvl9pPr marL="3886200" indent="-228600" eaLnBrk="0" fontAlgn="base" hangingPunct="0">
+                <a:spcBef>
+                  <a:spcPct val="0"/>
+                </a:spcBef>
+                <a:spcAft>
+                  <a:spcPct val="0"/>
+                </a:spcAft>
+                <a:defRPr>
+                  <a:solidFill>
+                    <a:schemeClr val="tx1"/>
+                  </a:solidFill>
+                  <a:latin typeface="Arial" panose="020B0604020202020204" pitchFamily="34" charset="0"/>
+                </a:defRPr>
+              </a:lvl9pPr>
+            </a:lstStyle>
+            <a:p>
+              <a:r>
+                <a:rPr lang="en-US" altLang="en-US" dirty="0"/>
+                <a:t>Browser</a:t>
+              </a:r>
+            </a:p>
+          </p:txBody>
+        </p:sp>
+        <p:sp>
+          <p:nvSpPr>
+            <p:cNvPr id="78854" name="TextBox 3">
+              <a:extLst>
+                <a:ext uri="{FF2B5EF4-FFF2-40B4-BE49-F238E27FC236}">
+                  <a16:creationId xmlns:a16="http://schemas.microsoft.com/office/drawing/2014/main" id="{72DFE6CA-5AA4-894B-A7C7-871DBCE1C10F}"/>
+                </a:ext>
+              </a:extLst>
+            </p:cNvPr>
+            <p:cNvSpPr txBox="1">
+              <a:spLocks noChangeArrowheads="1"/>
+            </p:cNvSpPr>
+            <p:nvPr/>
+          </p:nvSpPr>
+          <p:spPr bwMode="auto">
+            <a:xfrm>
+              <a:off x="-1851978" y="3391081"/>
+              <a:ext cx="3453974" cy="369426"/>
+            </a:xfrm>
+            <a:prstGeom prst="rect">
+              <a:avLst/>
+            </a:prstGeom>
+            <a:solidFill>
+              <a:srgbClr val="FFFF99"/>
+            </a:solidFill>
+            <a:ln w="9525">
+              <a:solidFill>
+                <a:schemeClr val="tx1"/>
+              </a:solidFill>
+              <a:miter lim="800000"/>
+              <a:headEnd/>
+              <a:tailEnd/>
+            </a:ln>
+          </p:spPr>
+          <p:txBody>
+            <a:bodyPr wrap="none">
+              <a:spAutoFit/>
+            </a:bodyPr>
+            <a:lstStyle>
+              <a:lvl1pPr>
+                <a:defRPr>
+                  <a:solidFill>
+                    <a:schemeClr val="tx1"/>
+                  </a:solidFill>
+                  <a:latin typeface="Arial" panose="020B0604020202020204" pitchFamily="34" charset="0"/>
+                </a:defRPr>
+              </a:lvl1pPr>
+              <a:lvl2pPr marL="742950" indent="-285750">
+                <a:defRPr>
+                  <a:solidFill>
+                    <a:schemeClr val="tx1"/>
+                  </a:solidFill>
+                  <a:latin typeface="Arial" panose="020B0604020202020204" pitchFamily="34" charset="0"/>
+                </a:defRPr>
+              </a:lvl2pPr>
+              <a:lvl3pPr marL="1143000" indent="-228600">
+                <a:defRPr>
+                  <a:solidFill>
+                    <a:schemeClr val="tx1"/>
+                  </a:solidFill>
+                  <a:latin typeface="Arial" panose="020B0604020202020204" pitchFamily="34" charset="0"/>
+                </a:defRPr>
+              </a:lvl3pPr>
+              <a:lvl4pPr marL="1600200" indent="-228600">
+                <a:defRPr>
+                  <a:solidFill>
+                    <a:schemeClr val="tx1"/>
+                  </a:solidFill>
+                  <a:latin typeface="Arial" panose="020B0604020202020204" pitchFamily="34" charset="0"/>
+                </a:defRPr>
+              </a:lvl4pPr>
+              <a:lvl5pPr marL="2057400" indent="-228600">
+                <a:defRPr>
+                  <a:solidFill>
+                    <a:schemeClr val="tx1"/>
+                  </a:solidFill>
+                  <a:latin typeface="Arial" panose="020B0604020202020204" pitchFamily="34" charset="0"/>
+                </a:defRPr>
+              </a:lvl5pPr>
+              <a:lvl6pPr marL="2514600" indent="-228600" eaLnBrk="0" fontAlgn="base" hangingPunct="0">
+                <a:spcBef>
+                  <a:spcPct val="0"/>
+                </a:spcBef>
+                <a:spcAft>
+                  <a:spcPct val="0"/>
+                </a:spcAft>
+                <a:defRPr>
+                  <a:solidFill>
+                    <a:schemeClr val="tx1"/>
+                  </a:solidFill>
+                  <a:latin typeface="Arial" panose="020B0604020202020204" pitchFamily="34" charset="0"/>
+                </a:defRPr>
+              </a:lvl6pPr>
+              <a:lvl7pPr marL="2971800" indent="-228600" eaLnBrk="0" fontAlgn="base" hangingPunct="0">
+                <a:spcBef>
+                  <a:spcPct val="0"/>
+                </a:spcBef>
+                <a:spcAft>
+                  <a:spcPct val="0"/>
+                </a:spcAft>
+                <a:defRPr>
+                  <a:solidFill>
+                    <a:schemeClr val="tx1"/>
+                  </a:solidFill>
+                  <a:latin typeface="Arial" panose="020B0604020202020204" pitchFamily="34" charset="0"/>
+                </a:defRPr>
+              </a:lvl7pPr>
+              <a:lvl8pPr marL="3429000" indent="-228600" eaLnBrk="0" fontAlgn="base" hangingPunct="0">
+                <a:spcBef>
+                  <a:spcPct val="0"/>
+                </a:spcBef>
+                <a:spcAft>
+                  <a:spcPct val="0"/>
+                </a:spcAft>
+                <a:defRPr>
+                  <a:solidFill>
+                    <a:schemeClr val="tx1"/>
+                  </a:solidFill>
+                  <a:latin typeface="Arial" panose="020B0604020202020204" pitchFamily="34" charset="0"/>
+                </a:defRPr>
+              </a:lvl8pPr>
+              <a:lvl9pPr marL="3886200" indent="-228600" eaLnBrk="0" fontAlgn="base" hangingPunct="0">
+                <a:spcBef>
+                  <a:spcPct val="0"/>
+                </a:spcBef>
+                <a:spcAft>
+                  <a:spcPct val="0"/>
+                </a:spcAft>
+                <a:defRPr>
+                  <a:solidFill>
+                    <a:schemeClr val="tx1"/>
+                  </a:solidFill>
+                  <a:latin typeface="Arial" panose="020B0604020202020204" pitchFamily="34" charset="0"/>
+                </a:defRPr>
+              </a:lvl9pPr>
+            </a:lstStyle>
+            <a:p>
+              <a:pPr lvl="1"/>
+              <a:r>
+                <a:rPr lang="en-US" dirty="0">
+                  <a:hlinkClick r:id="rId3"/>
+                </a:rPr>
+                <a:t>https://api.domainsdb.info/</a:t>
+              </a:r>
+              <a:endParaRPr lang="en-IN" dirty="0"/>
+            </a:p>
+          </p:txBody>
+        </p:sp>
+        <p:sp>
+          <p:nvSpPr>
+            <p:cNvPr id="78855" name="TextBox 3">
+              <a:extLst>
+                <a:ext uri="{FF2B5EF4-FFF2-40B4-BE49-F238E27FC236}">
+                  <a16:creationId xmlns:a16="http://schemas.microsoft.com/office/drawing/2014/main" id="{8671BAB6-7EE6-E049-84AA-7BAA7348FA4C}"/>
+                </a:ext>
+              </a:extLst>
+            </p:cNvPr>
+            <p:cNvSpPr txBox="1">
+              <a:spLocks noChangeArrowheads="1"/>
+            </p:cNvSpPr>
+            <p:nvPr/>
+          </p:nvSpPr>
+          <p:spPr bwMode="auto">
+            <a:xfrm>
+              <a:off x="4111853" y="3391081"/>
+              <a:ext cx="1864173" cy="369426"/>
+            </a:xfrm>
+            <a:prstGeom prst="rect">
+              <a:avLst/>
+            </a:prstGeom>
+            <a:solidFill>
+              <a:srgbClr val="00B0F0"/>
+            </a:solidFill>
+            <a:ln w="9525">
+              <a:solidFill>
+                <a:schemeClr val="tx1"/>
+              </a:solidFill>
+              <a:miter lim="800000"/>
+              <a:headEnd/>
+              <a:tailEnd/>
+            </a:ln>
+          </p:spPr>
+          <p:txBody>
+            <a:bodyPr wrap="none">
+              <a:spAutoFit/>
+            </a:bodyPr>
+            <a:lstStyle>
+              <a:lvl1pPr>
+                <a:defRPr>
+                  <a:solidFill>
+                    <a:schemeClr val="tx1"/>
+                  </a:solidFill>
+                  <a:latin typeface="Arial" panose="020B0604020202020204" pitchFamily="34" charset="0"/>
+                </a:defRPr>
+              </a:lvl1pPr>
+              <a:lvl2pPr marL="742950" indent="-285750">
+                <a:defRPr>
+                  <a:solidFill>
+                    <a:schemeClr val="tx1"/>
+                  </a:solidFill>
+                  <a:latin typeface="Arial" panose="020B0604020202020204" pitchFamily="34" charset="0"/>
+                </a:defRPr>
+              </a:lvl2pPr>
+              <a:lvl3pPr marL="1143000" indent="-228600">
+                <a:defRPr>
+                  <a:solidFill>
+                    <a:schemeClr val="tx1"/>
+                  </a:solidFill>
+                  <a:latin typeface="Arial" panose="020B0604020202020204" pitchFamily="34" charset="0"/>
+                </a:defRPr>
+              </a:lvl3pPr>
+              <a:lvl4pPr marL="1600200" indent="-228600">
+                <a:defRPr>
+                  <a:solidFill>
+                    <a:schemeClr val="tx1"/>
+                  </a:solidFill>
+                  <a:latin typeface="Arial" panose="020B0604020202020204" pitchFamily="34" charset="0"/>
+                </a:defRPr>
+              </a:lvl4pPr>
+              <a:lvl5pPr marL="2057400" indent="-228600">
+                <a:defRPr>
+                  <a:solidFill>
+                    <a:schemeClr val="tx1"/>
+                  </a:solidFill>
+                  <a:latin typeface="Arial" panose="020B0604020202020204" pitchFamily="34" charset="0"/>
+                </a:defRPr>
+              </a:lvl5pPr>
+              <a:lvl6pPr marL="2514600" indent="-228600" eaLnBrk="0" fontAlgn="base" hangingPunct="0">
+                <a:spcBef>
+                  <a:spcPct val="0"/>
+                </a:spcBef>
+                <a:spcAft>
+                  <a:spcPct val="0"/>
+                </a:spcAft>
+                <a:defRPr>
+                  <a:solidFill>
+                    <a:schemeClr val="tx1"/>
+                  </a:solidFill>
+                  <a:latin typeface="Arial" panose="020B0604020202020204" pitchFamily="34" charset="0"/>
+                </a:defRPr>
+              </a:lvl6pPr>
+              <a:lvl7pPr marL="2971800" indent="-228600" eaLnBrk="0" fontAlgn="base" hangingPunct="0">
+                <a:spcBef>
+                  <a:spcPct val="0"/>
+                </a:spcBef>
+                <a:spcAft>
+                  <a:spcPct val="0"/>
+                </a:spcAft>
+                <a:defRPr>
+                  <a:solidFill>
+                    <a:schemeClr val="tx1"/>
+                  </a:solidFill>
+                  <a:latin typeface="Arial" panose="020B0604020202020204" pitchFamily="34" charset="0"/>
+                </a:defRPr>
+              </a:lvl7pPr>
+              <a:lvl8pPr marL="3429000" indent="-228600" eaLnBrk="0" fontAlgn="base" hangingPunct="0">
+                <a:spcBef>
+                  <a:spcPct val="0"/>
+                </a:spcBef>
+                <a:spcAft>
+                  <a:spcPct val="0"/>
+                </a:spcAft>
+                <a:defRPr>
+                  <a:solidFill>
+                    <a:schemeClr val="tx1"/>
+                  </a:solidFill>
+                  <a:latin typeface="Arial" panose="020B0604020202020204" pitchFamily="34" charset="0"/>
+                </a:defRPr>
+              </a:lvl8pPr>
+              <a:lvl9pPr marL="3886200" indent="-228600" eaLnBrk="0" fontAlgn="base" hangingPunct="0">
+                <a:spcBef>
+                  <a:spcPct val="0"/>
+                </a:spcBef>
+                <a:spcAft>
+                  <a:spcPct val="0"/>
+                </a:spcAft>
+                <a:defRPr>
+                  <a:solidFill>
+                    <a:schemeClr val="tx1"/>
+                  </a:solidFill>
+                  <a:latin typeface="Arial" panose="020B0604020202020204" pitchFamily="34" charset="0"/>
+                </a:defRPr>
+              </a:lvl9pPr>
+            </a:lstStyle>
+            <a:p>
+              <a:r>
+                <a:rPr lang="en-US" altLang="en-US" dirty="0"/>
+                <a:t>Separate Server</a:t>
+              </a:r>
+            </a:p>
+          </p:txBody>
+        </p:sp>
+        <p:cxnSp>
+          <p:nvCxnSpPr>
+            <p:cNvPr id="78856" name="Straight Arrow Connector 10">
+              <a:extLst>
+                <a:ext uri="{FF2B5EF4-FFF2-40B4-BE49-F238E27FC236}">
+                  <a16:creationId xmlns:a16="http://schemas.microsoft.com/office/drawing/2014/main" id="{39A525F6-F4D2-A346-B879-64689E872AB0}"/>
+                </a:ext>
+              </a:extLst>
+            </p:cNvPr>
+            <p:cNvCxnSpPr>
+              <a:cxnSpLocks noChangeShapeType="1"/>
+              <a:endCxn id="78853" idx="0"/>
+            </p:cNvCxnSpPr>
+            <p:nvPr/>
+          </p:nvCxnSpPr>
+          <p:spPr bwMode="auto">
+            <a:xfrm>
+              <a:off x="1223518" y="4888467"/>
+              <a:ext cx="892208" cy="369332"/>
+            </a:xfrm>
+            <a:prstGeom prst="straightConnector1">
+              <a:avLst/>
+            </a:prstGeom>
+            <a:noFill/>
+            <a:ln w="9525" algn="ctr">
+              <a:solidFill>
+                <a:schemeClr val="tx1"/>
+              </a:solidFill>
+              <a:round/>
+              <a:headEnd type="arrow" w="med" len="med"/>
+              <a:tailEnd type="arrow" w="med" len="med"/>
+            </a:ln>
+          </p:spPr>
+        </p:cxnSp>
+        <p:cxnSp>
+          <p:nvCxnSpPr>
+            <p:cNvPr id="78857" name="Straight Arrow Connector 12">
+              <a:extLst>
+                <a:ext uri="{FF2B5EF4-FFF2-40B4-BE49-F238E27FC236}">
+                  <a16:creationId xmlns:a16="http://schemas.microsoft.com/office/drawing/2014/main" id="{0E510498-DBDE-AD40-8B6F-43E77F312755}"/>
+                </a:ext>
+              </a:extLst>
+            </p:cNvPr>
+            <p:cNvCxnSpPr>
+              <a:cxnSpLocks noChangeShapeType="1"/>
+              <a:stCxn id="16" idx="3"/>
+              <a:endCxn id="78855" idx="2"/>
+            </p:cNvCxnSpPr>
+            <p:nvPr/>
+          </p:nvCxnSpPr>
+          <p:spPr bwMode="auto">
+            <a:xfrm flipV="1">
+              <a:off x="1688043" y="3760507"/>
+              <a:ext cx="3355897" cy="834992"/>
+            </a:xfrm>
+            <a:prstGeom prst="straightConnector1">
+              <a:avLst/>
+            </a:prstGeom>
+            <a:noFill/>
+            <a:ln w="9525" algn="ctr">
+              <a:solidFill>
+                <a:schemeClr val="tx1"/>
+              </a:solidFill>
+              <a:round/>
+              <a:headEnd type="none" w="med" len="med"/>
+              <a:tailEnd type="arrow" w="med" len="med"/>
+            </a:ln>
+          </p:spPr>
+        </p:cxnSp>
+        <p:sp>
+          <p:nvSpPr>
+            <p:cNvPr id="16" name="TextBox 15">
+              <a:extLst>
+                <a:ext uri="{FF2B5EF4-FFF2-40B4-BE49-F238E27FC236}">
+                  <a16:creationId xmlns:a16="http://schemas.microsoft.com/office/drawing/2014/main" id="{692ECFF4-1ABF-4A45-9F98-37CA96DB96BB}"/>
+                </a:ext>
+              </a:extLst>
+            </p:cNvPr>
+            <p:cNvSpPr txBox="1"/>
+            <p:nvPr/>
+          </p:nvSpPr>
+          <p:spPr>
+            <a:xfrm>
+              <a:off x="543727" y="4302531"/>
+              <a:ext cx="1144316" cy="585936"/>
+            </a:xfrm>
+            <a:prstGeom prst="rect">
+              <a:avLst/>
+            </a:prstGeom>
+            <a:solidFill>
+              <a:schemeClr val="accent2"/>
+            </a:solidFill>
+          </p:spPr>
+          <p:txBody>
+            <a:bodyPr wrap="none">
+              <a:spAutoFit/>
+            </a:bodyPr>
+            <a:lstStyle/>
+            <a:p>
+              <a:pPr algn="ctr">
+                <a:defRPr/>
+              </a:pPr>
+              <a:r>
+                <a:rPr lang="en-US" sz="1600" dirty="0">
+                  <a:solidFill>
+                    <a:schemeClr val="tx2">
+                      <a:lumMod val="20000"/>
+                      <a:lumOff val="80000"/>
+                    </a:schemeClr>
+                  </a:solidFill>
+                  <a:latin typeface="Arial" charset="0"/>
+                </a:rPr>
+                <a:t>html/</a:t>
+              </a:r>
+              <a:r>
+                <a:rPr lang="en-US" sz="1600" dirty="0" err="1">
+                  <a:solidFill>
+                    <a:schemeClr val="tx2">
+                      <a:lumMod val="20000"/>
+                      <a:lumOff val="80000"/>
+                    </a:schemeClr>
+                  </a:solidFill>
+                  <a:latin typeface="Arial" charset="0"/>
+                </a:rPr>
+                <a:t>js</a:t>
+              </a:r>
+              <a:r>
+                <a:rPr lang="en-US" sz="1600" dirty="0">
+                  <a:solidFill>
+                    <a:schemeClr val="tx2">
+                      <a:lumMod val="20000"/>
+                      <a:lumOff val="80000"/>
+                    </a:schemeClr>
+                  </a:solidFill>
+                  <a:latin typeface="Arial" charset="0"/>
+                </a:rPr>
+                <a:t>/</a:t>
+              </a:r>
+              <a:r>
+                <a:rPr lang="en-US" sz="1600" dirty="0" err="1">
+                  <a:solidFill>
+                    <a:schemeClr val="tx2">
+                      <a:lumMod val="20000"/>
+                      <a:lumOff val="80000"/>
+                    </a:schemeClr>
+                  </a:solidFill>
+                  <a:latin typeface="Arial" charset="0"/>
+                </a:rPr>
+                <a:t>css</a:t>
+              </a:r>
+              <a:endParaRPr lang="en-US" sz="1600" dirty="0">
+                <a:solidFill>
+                  <a:schemeClr val="tx2">
+                    <a:lumMod val="20000"/>
+                    <a:lumOff val="80000"/>
+                  </a:schemeClr>
+                </a:solidFill>
+                <a:latin typeface="Arial" charset="0"/>
+              </a:endParaRPr>
+            </a:p>
+            <a:p>
+              <a:pPr algn="ctr">
+                <a:defRPr/>
+              </a:pPr>
+              <a:r>
+                <a:rPr lang="en-US" sz="1600" dirty="0">
+                  <a:solidFill>
+                    <a:schemeClr val="tx2">
+                      <a:lumMod val="20000"/>
+                      <a:lumOff val="80000"/>
+                    </a:schemeClr>
+                  </a:solidFill>
+                  <a:latin typeface="Arial" charset="0"/>
+                </a:rPr>
+                <a:t>files</a:t>
+              </a:r>
+            </a:p>
+          </p:txBody>
+        </p:sp>
+      </p:grpSp>
+      <p:cxnSp>
+        <p:nvCxnSpPr>
+          <p:cNvPr id="19" name="Straight Arrow Connector 10">
+            <a:extLst>
+              <a:ext uri="{FF2B5EF4-FFF2-40B4-BE49-F238E27FC236}">
+                <a16:creationId xmlns:a16="http://schemas.microsoft.com/office/drawing/2014/main" id="{BE27141F-B913-114B-A437-A0F66C335400}"/>
+              </a:ext>
+            </a:extLst>
+          </p:cNvPr>
+          <p:cNvCxnSpPr>
+            <a:cxnSpLocks noChangeShapeType="1"/>
+            <a:stCxn id="78854" idx="2"/>
+            <a:endCxn id="16" idx="0"/>
+          </p:cNvCxnSpPr>
+          <p:nvPr/>
+        </p:nvCxnSpPr>
+        <p:spPr bwMode="auto">
+          <a:xfrm>
+            <a:off x="3671875" y="3453652"/>
+            <a:ext cx="1377010" cy="727939"/>
+          </a:xfrm>
+          <a:prstGeom prst="straightConnector1">
+            <a:avLst/>
+          </a:prstGeom>
+          <a:noFill/>
+          <a:ln w="9525" algn="ctr">
+            <a:solidFill>
+              <a:schemeClr val="tx1"/>
+            </a:solidFill>
+            <a:round/>
+            <a:headEnd type="arrow" w="med" len="med"/>
+            <a:tailEnd type="arrow" w="med" len="med"/>
+          </a:ln>
+        </p:spPr>
+      </p:cxnSp>
+    </p:spTree>
+    <p:extLst>
+      <p:ext uri="{BB962C8B-B14F-4D97-AF65-F5344CB8AC3E}">
+        <p14:creationId xmlns:p14="http://schemas.microsoft.com/office/powerpoint/2010/main" val="2939745536"/>
+      </p:ext>
+    </p:extLst>
+  </p:cSld>
+  <p:clrMapOvr>
+    <a:masterClrMapping/>
+  </p:clrMapOvr>
+  <p:transition spd="med"/>
+</p:sld>
+</file>
+
+<file path=ppt/slides/slide28.xml><?xml version="1.0" encoding="utf-8"?>
 <p:sld xmlns:a="http://schemas.openxmlformats.org/drawingml/2006/main" xmlns:r="http://schemas.openxmlformats.org/officeDocument/2006/relationships" xmlns:p="http://schemas.openxmlformats.org/presentationml/2006/main">
   <p:cSld>
     <p:spTree>
@@ -12832,7 +13801,7 @@
 </p:sld>
 </file>
 
-<file path=ppt/slides/slide28.xml><?xml version="1.0" encoding="utf-8"?>
+<file path=ppt/slides/slide29.xml><?xml version="1.0" encoding="utf-8"?>
 <p:sld xmlns:a="http://schemas.openxmlformats.org/drawingml/2006/main" xmlns:r="http://schemas.openxmlformats.org/officeDocument/2006/relationships" xmlns:p="http://schemas.openxmlformats.org/presentationml/2006/main">
   <p:cSld>
     <p:spTree>
@@ -13034,7 +14003,702 @@
 </p:sld>
 </file>
 
-<file path=ppt/slides/slide29.xml><?xml version="1.0" encoding="utf-8"?>
+<file path=ppt/slides/slide3.xml><?xml version="1.0" encoding="utf-8"?>
+<p:sld xmlns:a="http://schemas.openxmlformats.org/drawingml/2006/main" xmlns:r="http://schemas.openxmlformats.org/officeDocument/2006/relationships" xmlns:p="http://schemas.openxmlformats.org/presentationml/2006/main">
+  <p:cSld>
+    <p:spTree>
+      <p:nvGrpSpPr>
+        <p:cNvPr id="1" name=""/>
+        <p:cNvGrpSpPr/>
+        <p:nvPr/>
+      </p:nvGrpSpPr>
+      <p:grpSpPr>
+        <a:xfrm>
+          <a:off x="0" y="0"/>
+          <a:ext cx="0" cy="0"/>
+          <a:chOff x="0" y="0"/>
+          <a:chExt cx="0" cy="0"/>
+        </a:xfrm>
+      </p:grpSpPr>
+      <p:pic>
+        <p:nvPicPr>
+          <p:cNvPr id="110" name="Google Shape;54;p13" descr="Google Shape;54;p13"/>
+          <p:cNvPicPr>
+            <a:picLocks noChangeAspect="1"/>
+          </p:cNvPicPr>
+          <p:nvPr/>
+        </p:nvPicPr>
+        <p:blipFill>
+          <a:blip r:embed="rId2"/>
+          <a:stretch>
+            <a:fillRect/>
+          </a:stretch>
+        </p:blipFill>
+        <p:spPr>
+          <a:xfrm>
+            <a:off x="0" y="0"/>
+            <a:ext cx="12191997" cy="6858000"/>
+          </a:xfrm>
+          <a:prstGeom prst="rect">
+            <a:avLst/>
+          </a:prstGeom>
+          <a:ln w="12700">
+            <a:miter lim="400000"/>
+          </a:ln>
+        </p:spPr>
+      </p:pic>
+      <p:sp>
+        <p:nvSpPr>
+          <p:cNvPr id="111" name="Title 1"/>
+          <p:cNvSpPr txBox="1">
+            <a:spLocks noGrp="1"/>
+          </p:cNvSpPr>
+          <p:nvPr>
+            <p:ph type="title"/>
+          </p:nvPr>
+        </p:nvSpPr>
+        <p:spPr>
+          <a:prstGeom prst="rect">
+            <a:avLst/>
+          </a:prstGeom>
+        </p:spPr>
+        <p:txBody>
+          <a:bodyPr/>
+          <a:lstStyle/>
+          <a:p>
+            <a:r>
+              <a:t>Recap</a:t>
+            </a:r>
+          </a:p>
+        </p:txBody>
+      </p:sp>
+      <p:sp>
+        <p:nvSpPr>
+          <p:cNvPr id="112" name="Content Placeholder 2"/>
+          <p:cNvSpPr txBox="1">
+            <a:spLocks noGrp="1"/>
+          </p:cNvSpPr>
+          <p:nvPr>
+            <p:ph type="body" sz="quarter" idx="1"/>
+          </p:nvPr>
+        </p:nvSpPr>
+        <p:spPr>
+          <a:xfrm>
+            <a:off x="838200" y="1825625"/>
+            <a:ext cx="2966546" cy="4351338"/>
+          </a:xfrm>
+          <a:prstGeom prst="rect">
+            <a:avLst/>
+          </a:prstGeom>
+        </p:spPr>
+        <p:txBody>
+          <a:bodyPr/>
+          <a:lstStyle/>
+          <a:p>
+            <a:pPr marL="0" indent="0">
+              <a:lnSpc>
+                <a:spcPct val="72000"/>
+              </a:lnSpc>
+              <a:buSzTx/>
+              <a:buNone/>
+              <a:defRPr sz="1700"/>
+            </a:pPr>
+            <a:r>
+              <a:t>function f()</a:t>
+            </a:r>
+          </a:p>
+          <a:p>
+            <a:pPr marL="0" indent="0">
+              <a:lnSpc>
+                <a:spcPct val="72000"/>
+              </a:lnSpc>
+              <a:buSzTx/>
+              <a:buNone/>
+              <a:defRPr sz="1700"/>
+            </a:pPr>
+            <a:r>
+              <a:t>{</a:t>
+            </a:r>
+          </a:p>
+          <a:p>
+            <a:pPr marL="0" indent="0">
+              <a:lnSpc>
+                <a:spcPct val="72000"/>
+              </a:lnSpc>
+              <a:buSzTx/>
+              <a:buNone/>
+              <a:defRPr sz="1700"/>
+            </a:pPr>
+            <a:r>
+              <a:t>var m1 = 10;</a:t>
+            </a:r>
+          </a:p>
+          <a:p>
+            <a:pPr marL="0" indent="0">
+              <a:lnSpc>
+                <a:spcPct val="72000"/>
+              </a:lnSpc>
+              <a:buSzTx/>
+              <a:buNone/>
+              <a:defRPr sz="1700"/>
+            </a:pPr>
+            <a:r>
+              <a:t>var m2 = 10;</a:t>
+            </a:r>
+          </a:p>
+          <a:p>
+            <a:pPr marL="0" indent="0">
+              <a:lnSpc>
+                <a:spcPct val="72000"/>
+              </a:lnSpc>
+              <a:buSzTx/>
+              <a:buNone/>
+              <a:defRPr sz="1700"/>
+            </a:pPr>
+            <a:r>
+              <a:t>if(m1==m1)</a:t>
+            </a:r>
+          </a:p>
+          <a:p>
+            <a:pPr marL="0" indent="0">
+              <a:lnSpc>
+                <a:spcPct val="72000"/>
+              </a:lnSpc>
+              <a:buSzTx/>
+              <a:buNone/>
+              <a:defRPr sz="1700"/>
+            </a:pPr>
+            <a:r>
+              <a:t>{</a:t>
+            </a:r>
+          </a:p>
+          <a:p>
+            <a:pPr marL="0" indent="0">
+              <a:lnSpc>
+                <a:spcPct val="72000"/>
+              </a:lnSpc>
+              <a:buSzTx/>
+              <a:buNone/>
+              <a:defRPr sz="1700"/>
+            </a:pPr>
+            <a:r>
+              <a:t>console.log("Equal");</a:t>
+            </a:r>
+          </a:p>
+          <a:p>
+            <a:pPr marL="0" indent="0">
+              <a:lnSpc>
+                <a:spcPct val="72000"/>
+              </a:lnSpc>
+              <a:buSzTx/>
+              <a:buNone/>
+              <a:defRPr sz="1700"/>
+            </a:pPr>
+            <a:r>
+              <a:t>}</a:t>
+            </a:r>
+          </a:p>
+          <a:p>
+            <a:pPr marL="0" indent="0">
+              <a:lnSpc>
+                <a:spcPct val="72000"/>
+              </a:lnSpc>
+              <a:buSzTx/>
+              <a:buNone/>
+              <a:defRPr sz="1700"/>
+            </a:pPr>
+            <a:r>
+              <a:t>else</a:t>
+            </a:r>
+          </a:p>
+          <a:p>
+            <a:pPr marL="0" indent="0">
+              <a:lnSpc>
+                <a:spcPct val="72000"/>
+              </a:lnSpc>
+              <a:buSzTx/>
+              <a:buNone/>
+              <a:defRPr sz="1700"/>
+            </a:pPr>
+            <a:r>
+              <a:t>{</a:t>
+            </a:r>
+          </a:p>
+          <a:p>
+            <a:pPr marL="0" indent="0">
+              <a:lnSpc>
+                <a:spcPct val="72000"/>
+              </a:lnSpc>
+              <a:buSzTx/>
+              <a:buNone/>
+              <a:defRPr sz="1700"/>
+            </a:pPr>
+            <a:r>
+              <a:t>console.log("Not Equal");</a:t>
+            </a:r>
+          </a:p>
+          <a:p>
+            <a:pPr marL="0" indent="0">
+              <a:lnSpc>
+                <a:spcPct val="72000"/>
+              </a:lnSpc>
+              <a:buSzTx/>
+              <a:buNone/>
+              <a:defRPr sz="1700"/>
+            </a:pPr>
+            <a:r>
+              <a:t>}</a:t>
+            </a:r>
+          </a:p>
+          <a:p>
+            <a:pPr marL="0" indent="0">
+              <a:lnSpc>
+                <a:spcPct val="72000"/>
+              </a:lnSpc>
+              <a:buSzTx/>
+              <a:buNone/>
+              <a:defRPr sz="1700"/>
+            </a:pPr>
+            <a:r>
+              <a:t>}</a:t>
+            </a:r>
+          </a:p>
+        </p:txBody>
+      </p:sp>
+      <p:sp>
+        <p:nvSpPr>
+          <p:cNvPr id="113" name="Content Placeholder 2"/>
+          <p:cNvSpPr txBox="1"/>
+          <p:nvPr/>
+        </p:nvSpPr>
+        <p:spPr>
+          <a:xfrm>
+            <a:off x="4431160" y="1578631"/>
+            <a:ext cx="2875107" cy="4351338"/>
+          </a:xfrm>
+          <a:prstGeom prst="rect">
+            <a:avLst/>
+          </a:prstGeom>
+          <a:ln w="12700">
+            <a:miter lim="400000"/>
+          </a:ln>
+          <a:extLst>
+            <a:ext uri="{C572A759-6A51-4108-AA02-DFA0A04FC94B}">
+              <ma14:wrappingTextBoxFlag xmlns:ma14="http://schemas.microsoft.com/office/mac/drawingml/2011/main" xmlns:a14="http://schemas.microsoft.com/office/drawing/2010/main" xmlns:m="http://schemas.openxmlformats.org/officeDocument/2006/math" xmlns="" val="1"/>
+            </a:ext>
+          </a:extLst>
+        </p:spPr>
+        <p:txBody>
+          <a:bodyPr lIns="45719" rIns="45719">
+            <a:normAutofit/>
+          </a:bodyPr>
+          <a:lstStyle/>
+          <a:p>
+            <a:pPr>
+              <a:lnSpc>
+                <a:spcPct val="72000"/>
+              </a:lnSpc>
+              <a:spcBef>
+                <a:spcPts val="1000"/>
+              </a:spcBef>
+              <a:defRPr sz="1700"/>
+            </a:pPr>
+            <a:r>
+              <a:t>function f()</a:t>
+            </a:r>
+          </a:p>
+          <a:p>
+            <a:pPr>
+              <a:lnSpc>
+                <a:spcPct val="72000"/>
+              </a:lnSpc>
+              <a:spcBef>
+                <a:spcPts val="1000"/>
+              </a:spcBef>
+              <a:defRPr sz="1700"/>
+            </a:pPr>
+            <a:r>
+              <a:t>{</a:t>
+            </a:r>
+          </a:p>
+          <a:p>
+            <a:pPr>
+              <a:lnSpc>
+                <a:spcPct val="72000"/>
+              </a:lnSpc>
+              <a:spcBef>
+                <a:spcPts val="1000"/>
+              </a:spcBef>
+              <a:defRPr sz="1700"/>
+            </a:pPr>
+            <a:r>
+              <a:t>var m1 = 10;</a:t>
+            </a:r>
+          </a:p>
+          <a:p>
+            <a:pPr>
+              <a:lnSpc>
+                <a:spcPct val="72000"/>
+              </a:lnSpc>
+              <a:spcBef>
+                <a:spcPts val="1000"/>
+              </a:spcBef>
+              <a:defRPr sz="1700"/>
+            </a:pPr>
+            <a:r>
+              <a:t>var m2 = "10";</a:t>
+            </a:r>
+          </a:p>
+          <a:p>
+            <a:pPr>
+              <a:lnSpc>
+                <a:spcPct val="72000"/>
+              </a:lnSpc>
+              <a:spcBef>
+                <a:spcPts val="1000"/>
+              </a:spcBef>
+              <a:defRPr sz="1700"/>
+            </a:pPr>
+            <a:r>
+              <a:t>if(m1==m2)</a:t>
+            </a:r>
+          </a:p>
+          <a:p>
+            <a:pPr>
+              <a:lnSpc>
+                <a:spcPct val="72000"/>
+              </a:lnSpc>
+              <a:spcBef>
+                <a:spcPts val="1000"/>
+              </a:spcBef>
+              <a:defRPr sz="1700"/>
+            </a:pPr>
+            <a:r>
+              <a:t>{</a:t>
+            </a:r>
+          </a:p>
+          <a:p>
+            <a:pPr>
+              <a:lnSpc>
+                <a:spcPct val="72000"/>
+              </a:lnSpc>
+              <a:spcBef>
+                <a:spcPts val="1000"/>
+              </a:spcBef>
+              <a:defRPr sz="1700"/>
+            </a:pPr>
+            <a:r>
+              <a:t>console.log("Equal");</a:t>
+            </a:r>
+          </a:p>
+          <a:p>
+            <a:pPr>
+              <a:lnSpc>
+                <a:spcPct val="72000"/>
+              </a:lnSpc>
+              <a:spcBef>
+                <a:spcPts val="1000"/>
+              </a:spcBef>
+              <a:defRPr sz="1700"/>
+            </a:pPr>
+            <a:r>
+              <a:t>}</a:t>
+            </a:r>
+          </a:p>
+          <a:p>
+            <a:pPr>
+              <a:lnSpc>
+                <a:spcPct val="72000"/>
+              </a:lnSpc>
+              <a:spcBef>
+                <a:spcPts val="1000"/>
+              </a:spcBef>
+              <a:defRPr sz="1700"/>
+            </a:pPr>
+            <a:r>
+              <a:t>else</a:t>
+            </a:r>
+          </a:p>
+          <a:p>
+            <a:pPr>
+              <a:lnSpc>
+                <a:spcPct val="72000"/>
+              </a:lnSpc>
+              <a:spcBef>
+                <a:spcPts val="1000"/>
+              </a:spcBef>
+              <a:defRPr sz="1700"/>
+            </a:pPr>
+            <a:r>
+              <a:t>{</a:t>
+            </a:r>
+          </a:p>
+          <a:p>
+            <a:pPr>
+              <a:lnSpc>
+                <a:spcPct val="72000"/>
+              </a:lnSpc>
+              <a:spcBef>
+                <a:spcPts val="1000"/>
+              </a:spcBef>
+              <a:defRPr sz="1700"/>
+            </a:pPr>
+            <a:r>
+              <a:t>console.log("Not Equal");</a:t>
+            </a:r>
+          </a:p>
+          <a:p>
+            <a:pPr>
+              <a:lnSpc>
+                <a:spcPct val="72000"/>
+              </a:lnSpc>
+              <a:spcBef>
+                <a:spcPts val="1000"/>
+              </a:spcBef>
+              <a:defRPr sz="1700"/>
+            </a:pPr>
+            <a:r>
+              <a:t>}</a:t>
+            </a:r>
+          </a:p>
+          <a:p>
+            <a:pPr>
+              <a:lnSpc>
+                <a:spcPct val="72000"/>
+              </a:lnSpc>
+              <a:spcBef>
+                <a:spcPts val="1000"/>
+              </a:spcBef>
+              <a:defRPr sz="1700"/>
+            </a:pPr>
+            <a:r>
+              <a:t>}</a:t>
+            </a:r>
+          </a:p>
+        </p:txBody>
+      </p:sp>
+      <p:sp>
+        <p:nvSpPr>
+          <p:cNvPr id="114" name="Content Placeholder 2"/>
+          <p:cNvSpPr txBox="1"/>
+          <p:nvPr/>
+        </p:nvSpPr>
+        <p:spPr>
+          <a:xfrm>
+            <a:off x="7915339" y="1394700"/>
+            <a:ext cx="2875106" cy="4351339"/>
+          </a:xfrm>
+          <a:prstGeom prst="rect">
+            <a:avLst/>
+          </a:prstGeom>
+          <a:ln w="12700">
+            <a:miter lim="400000"/>
+          </a:ln>
+          <a:extLst>
+            <a:ext uri="{C572A759-6A51-4108-AA02-DFA0A04FC94B}">
+              <ma14:wrappingTextBoxFlag xmlns:ma14="http://schemas.microsoft.com/office/mac/drawingml/2011/main" xmlns:a14="http://schemas.microsoft.com/office/drawing/2010/main" xmlns:m="http://schemas.openxmlformats.org/officeDocument/2006/math" xmlns="" val="1"/>
+            </a:ext>
+          </a:extLst>
+        </p:spPr>
+        <p:txBody>
+          <a:bodyPr lIns="45719" rIns="45719">
+            <a:normAutofit/>
+          </a:bodyPr>
+          <a:lstStyle/>
+          <a:p>
+            <a:pPr>
+              <a:lnSpc>
+                <a:spcPct val="72000"/>
+              </a:lnSpc>
+              <a:spcBef>
+                <a:spcPts val="1000"/>
+              </a:spcBef>
+              <a:defRPr sz="1700"/>
+            </a:pPr>
+            <a:r>
+              <a:t>function f()</a:t>
+            </a:r>
+          </a:p>
+          <a:p>
+            <a:pPr>
+              <a:lnSpc>
+                <a:spcPct val="72000"/>
+              </a:lnSpc>
+              <a:spcBef>
+                <a:spcPts val="1000"/>
+              </a:spcBef>
+              <a:defRPr sz="1700"/>
+            </a:pPr>
+            <a:r>
+              <a:t>{</a:t>
+            </a:r>
+          </a:p>
+          <a:p>
+            <a:pPr>
+              <a:lnSpc>
+                <a:spcPct val="72000"/>
+              </a:lnSpc>
+              <a:spcBef>
+                <a:spcPts val="1000"/>
+              </a:spcBef>
+              <a:defRPr sz="1700"/>
+            </a:pPr>
+            <a:r>
+              <a:t>var m1 = 10;</a:t>
+            </a:r>
+          </a:p>
+          <a:p>
+            <a:pPr>
+              <a:lnSpc>
+                <a:spcPct val="72000"/>
+              </a:lnSpc>
+              <a:spcBef>
+                <a:spcPts val="1000"/>
+              </a:spcBef>
+              <a:defRPr sz="1700"/>
+            </a:pPr>
+            <a:r>
+              <a:t>var m2 = "10";</a:t>
+            </a:r>
+          </a:p>
+          <a:p>
+            <a:pPr>
+              <a:lnSpc>
+                <a:spcPct val="72000"/>
+              </a:lnSpc>
+              <a:spcBef>
+                <a:spcPts val="1000"/>
+              </a:spcBef>
+              <a:defRPr sz="1700"/>
+            </a:pPr>
+            <a:r>
+              <a:t>if(m1===m2)</a:t>
+            </a:r>
+          </a:p>
+          <a:p>
+            <a:pPr>
+              <a:lnSpc>
+                <a:spcPct val="72000"/>
+              </a:lnSpc>
+              <a:spcBef>
+                <a:spcPts val="1000"/>
+              </a:spcBef>
+              <a:defRPr sz="1700"/>
+            </a:pPr>
+            <a:r>
+              <a:t>{</a:t>
+            </a:r>
+          </a:p>
+          <a:p>
+            <a:pPr>
+              <a:lnSpc>
+                <a:spcPct val="72000"/>
+              </a:lnSpc>
+              <a:spcBef>
+                <a:spcPts val="1000"/>
+              </a:spcBef>
+              <a:defRPr sz="1700"/>
+            </a:pPr>
+            <a:r>
+              <a:t>console.log("Equal");</a:t>
+            </a:r>
+          </a:p>
+          <a:p>
+            <a:pPr>
+              <a:lnSpc>
+                <a:spcPct val="72000"/>
+              </a:lnSpc>
+              <a:spcBef>
+                <a:spcPts val="1000"/>
+              </a:spcBef>
+              <a:defRPr sz="1700"/>
+            </a:pPr>
+            <a:r>
+              <a:t>}</a:t>
+            </a:r>
+          </a:p>
+          <a:p>
+            <a:pPr>
+              <a:lnSpc>
+                <a:spcPct val="72000"/>
+              </a:lnSpc>
+              <a:spcBef>
+                <a:spcPts val="1000"/>
+              </a:spcBef>
+              <a:defRPr sz="1700"/>
+            </a:pPr>
+            <a:r>
+              <a:t>else</a:t>
+            </a:r>
+          </a:p>
+          <a:p>
+            <a:pPr>
+              <a:lnSpc>
+                <a:spcPct val="72000"/>
+              </a:lnSpc>
+              <a:spcBef>
+                <a:spcPts val="1000"/>
+              </a:spcBef>
+              <a:defRPr sz="1700"/>
+            </a:pPr>
+            <a:r>
+              <a:t>{</a:t>
+            </a:r>
+          </a:p>
+          <a:p>
+            <a:pPr>
+              <a:lnSpc>
+                <a:spcPct val="72000"/>
+              </a:lnSpc>
+              <a:spcBef>
+                <a:spcPts val="1000"/>
+              </a:spcBef>
+              <a:defRPr sz="1700"/>
+            </a:pPr>
+            <a:r>
+              <a:t>console.log("Not Equal");</a:t>
+            </a:r>
+          </a:p>
+          <a:p>
+            <a:pPr>
+              <a:lnSpc>
+                <a:spcPct val="72000"/>
+              </a:lnSpc>
+              <a:spcBef>
+                <a:spcPts val="1000"/>
+              </a:spcBef>
+              <a:defRPr sz="1700"/>
+            </a:pPr>
+            <a:r>
+              <a:t>}</a:t>
+            </a:r>
+          </a:p>
+          <a:p>
+            <a:pPr>
+              <a:lnSpc>
+                <a:spcPct val="72000"/>
+              </a:lnSpc>
+              <a:spcBef>
+                <a:spcPts val="1000"/>
+              </a:spcBef>
+              <a:defRPr sz="1700"/>
+            </a:pPr>
+            <a:r>
+              <a:t>}</a:t>
+            </a:r>
+          </a:p>
+        </p:txBody>
+      </p:sp>
+    </p:spTree>
+  </p:cSld>
+  <p:clrMapOvr>
+    <a:masterClrMapping/>
+  </p:clrMapOvr>
+  <p:transition spd="med"/>
+</p:sld>
+</file>
+
+<file path=ppt/slides/slide30.xml><?xml version="1.0" encoding="utf-8"?>
 <p:sld xmlns:a="http://schemas.openxmlformats.org/drawingml/2006/main" xmlns:r="http://schemas.openxmlformats.org/officeDocument/2006/relationships" xmlns:p="http://schemas.openxmlformats.org/presentationml/2006/main">
   <p:cSld>
     <p:spTree>
@@ -13488,702 +15152,7 @@
 </p:sld>
 </file>
 
-<file path=ppt/slides/slide3.xml><?xml version="1.0" encoding="utf-8"?>
-<p:sld xmlns:a="http://schemas.openxmlformats.org/drawingml/2006/main" xmlns:r="http://schemas.openxmlformats.org/officeDocument/2006/relationships" xmlns:p="http://schemas.openxmlformats.org/presentationml/2006/main">
-  <p:cSld>
-    <p:spTree>
-      <p:nvGrpSpPr>
-        <p:cNvPr id="1" name=""/>
-        <p:cNvGrpSpPr/>
-        <p:nvPr/>
-      </p:nvGrpSpPr>
-      <p:grpSpPr>
-        <a:xfrm>
-          <a:off x="0" y="0"/>
-          <a:ext cx="0" cy="0"/>
-          <a:chOff x="0" y="0"/>
-          <a:chExt cx="0" cy="0"/>
-        </a:xfrm>
-      </p:grpSpPr>
-      <p:pic>
-        <p:nvPicPr>
-          <p:cNvPr id="110" name="Google Shape;54;p13" descr="Google Shape;54;p13"/>
-          <p:cNvPicPr>
-            <a:picLocks noChangeAspect="1"/>
-          </p:cNvPicPr>
-          <p:nvPr/>
-        </p:nvPicPr>
-        <p:blipFill>
-          <a:blip r:embed="rId2"/>
-          <a:stretch>
-            <a:fillRect/>
-          </a:stretch>
-        </p:blipFill>
-        <p:spPr>
-          <a:xfrm>
-            <a:off x="0" y="0"/>
-            <a:ext cx="12191997" cy="6858000"/>
-          </a:xfrm>
-          <a:prstGeom prst="rect">
-            <a:avLst/>
-          </a:prstGeom>
-          <a:ln w="12700">
-            <a:miter lim="400000"/>
-          </a:ln>
-        </p:spPr>
-      </p:pic>
-      <p:sp>
-        <p:nvSpPr>
-          <p:cNvPr id="111" name="Title 1"/>
-          <p:cNvSpPr txBox="1">
-            <a:spLocks noGrp="1"/>
-          </p:cNvSpPr>
-          <p:nvPr>
-            <p:ph type="title"/>
-          </p:nvPr>
-        </p:nvSpPr>
-        <p:spPr>
-          <a:prstGeom prst="rect">
-            <a:avLst/>
-          </a:prstGeom>
-        </p:spPr>
-        <p:txBody>
-          <a:bodyPr/>
-          <a:lstStyle/>
-          <a:p>
-            <a:r>
-              <a:t>Recap</a:t>
-            </a:r>
-          </a:p>
-        </p:txBody>
-      </p:sp>
-      <p:sp>
-        <p:nvSpPr>
-          <p:cNvPr id="112" name="Content Placeholder 2"/>
-          <p:cNvSpPr txBox="1">
-            <a:spLocks noGrp="1"/>
-          </p:cNvSpPr>
-          <p:nvPr>
-            <p:ph type="body" sz="quarter" idx="1"/>
-          </p:nvPr>
-        </p:nvSpPr>
-        <p:spPr>
-          <a:xfrm>
-            <a:off x="838200" y="1825625"/>
-            <a:ext cx="2966546" cy="4351338"/>
-          </a:xfrm>
-          <a:prstGeom prst="rect">
-            <a:avLst/>
-          </a:prstGeom>
-        </p:spPr>
-        <p:txBody>
-          <a:bodyPr/>
-          <a:lstStyle/>
-          <a:p>
-            <a:pPr marL="0" indent="0">
-              <a:lnSpc>
-                <a:spcPct val="72000"/>
-              </a:lnSpc>
-              <a:buSzTx/>
-              <a:buNone/>
-              <a:defRPr sz="1700"/>
-            </a:pPr>
-            <a:r>
-              <a:t>function f()</a:t>
-            </a:r>
-          </a:p>
-          <a:p>
-            <a:pPr marL="0" indent="0">
-              <a:lnSpc>
-                <a:spcPct val="72000"/>
-              </a:lnSpc>
-              <a:buSzTx/>
-              <a:buNone/>
-              <a:defRPr sz="1700"/>
-            </a:pPr>
-            <a:r>
-              <a:t>{</a:t>
-            </a:r>
-          </a:p>
-          <a:p>
-            <a:pPr marL="0" indent="0">
-              <a:lnSpc>
-                <a:spcPct val="72000"/>
-              </a:lnSpc>
-              <a:buSzTx/>
-              <a:buNone/>
-              <a:defRPr sz="1700"/>
-            </a:pPr>
-            <a:r>
-              <a:t>var m1 = 10;</a:t>
-            </a:r>
-          </a:p>
-          <a:p>
-            <a:pPr marL="0" indent="0">
-              <a:lnSpc>
-                <a:spcPct val="72000"/>
-              </a:lnSpc>
-              <a:buSzTx/>
-              <a:buNone/>
-              <a:defRPr sz="1700"/>
-            </a:pPr>
-            <a:r>
-              <a:t>var m2 = 10;</a:t>
-            </a:r>
-          </a:p>
-          <a:p>
-            <a:pPr marL="0" indent="0">
-              <a:lnSpc>
-                <a:spcPct val="72000"/>
-              </a:lnSpc>
-              <a:buSzTx/>
-              <a:buNone/>
-              <a:defRPr sz="1700"/>
-            </a:pPr>
-            <a:r>
-              <a:t>if(m1==m1)</a:t>
-            </a:r>
-          </a:p>
-          <a:p>
-            <a:pPr marL="0" indent="0">
-              <a:lnSpc>
-                <a:spcPct val="72000"/>
-              </a:lnSpc>
-              <a:buSzTx/>
-              <a:buNone/>
-              <a:defRPr sz="1700"/>
-            </a:pPr>
-            <a:r>
-              <a:t>{</a:t>
-            </a:r>
-          </a:p>
-          <a:p>
-            <a:pPr marL="0" indent="0">
-              <a:lnSpc>
-                <a:spcPct val="72000"/>
-              </a:lnSpc>
-              <a:buSzTx/>
-              <a:buNone/>
-              <a:defRPr sz="1700"/>
-            </a:pPr>
-            <a:r>
-              <a:t>console.log("Equal");</a:t>
-            </a:r>
-          </a:p>
-          <a:p>
-            <a:pPr marL="0" indent="0">
-              <a:lnSpc>
-                <a:spcPct val="72000"/>
-              </a:lnSpc>
-              <a:buSzTx/>
-              <a:buNone/>
-              <a:defRPr sz="1700"/>
-            </a:pPr>
-            <a:r>
-              <a:t>}</a:t>
-            </a:r>
-          </a:p>
-          <a:p>
-            <a:pPr marL="0" indent="0">
-              <a:lnSpc>
-                <a:spcPct val="72000"/>
-              </a:lnSpc>
-              <a:buSzTx/>
-              <a:buNone/>
-              <a:defRPr sz="1700"/>
-            </a:pPr>
-            <a:r>
-              <a:t>else</a:t>
-            </a:r>
-          </a:p>
-          <a:p>
-            <a:pPr marL="0" indent="0">
-              <a:lnSpc>
-                <a:spcPct val="72000"/>
-              </a:lnSpc>
-              <a:buSzTx/>
-              <a:buNone/>
-              <a:defRPr sz="1700"/>
-            </a:pPr>
-            <a:r>
-              <a:t>{</a:t>
-            </a:r>
-          </a:p>
-          <a:p>
-            <a:pPr marL="0" indent="0">
-              <a:lnSpc>
-                <a:spcPct val="72000"/>
-              </a:lnSpc>
-              <a:buSzTx/>
-              <a:buNone/>
-              <a:defRPr sz="1700"/>
-            </a:pPr>
-            <a:r>
-              <a:t>console.log("Not Equal");</a:t>
-            </a:r>
-          </a:p>
-          <a:p>
-            <a:pPr marL="0" indent="0">
-              <a:lnSpc>
-                <a:spcPct val="72000"/>
-              </a:lnSpc>
-              <a:buSzTx/>
-              <a:buNone/>
-              <a:defRPr sz="1700"/>
-            </a:pPr>
-            <a:r>
-              <a:t>}</a:t>
-            </a:r>
-          </a:p>
-          <a:p>
-            <a:pPr marL="0" indent="0">
-              <a:lnSpc>
-                <a:spcPct val="72000"/>
-              </a:lnSpc>
-              <a:buSzTx/>
-              <a:buNone/>
-              <a:defRPr sz="1700"/>
-            </a:pPr>
-            <a:r>
-              <a:t>}</a:t>
-            </a:r>
-          </a:p>
-        </p:txBody>
-      </p:sp>
-      <p:sp>
-        <p:nvSpPr>
-          <p:cNvPr id="113" name="Content Placeholder 2"/>
-          <p:cNvSpPr txBox="1"/>
-          <p:nvPr/>
-        </p:nvSpPr>
-        <p:spPr>
-          <a:xfrm>
-            <a:off x="4431160" y="1578631"/>
-            <a:ext cx="2875107" cy="4351338"/>
-          </a:xfrm>
-          <a:prstGeom prst="rect">
-            <a:avLst/>
-          </a:prstGeom>
-          <a:ln w="12700">
-            <a:miter lim="400000"/>
-          </a:ln>
-          <a:extLst>
-            <a:ext uri="{C572A759-6A51-4108-AA02-DFA0A04FC94B}">
-              <ma14:wrappingTextBoxFlag xmlns:ma14="http://schemas.microsoft.com/office/mac/drawingml/2011/main" xmlns:a14="http://schemas.microsoft.com/office/drawing/2010/main" xmlns:m="http://schemas.openxmlformats.org/officeDocument/2006/math" xmlns="" val="1"/>
-            </a:ext>
-          </a:extLst>
-        </p:spPr>
-        <p:txBody>
-          <a:bodyPr lIns="45719" rIns="45719">
-            <a:normAutofit/>
-          </a:bodyPr>
-          <a:lstStyle/>
-          <a:p>
-            <a:pPr>
-              <a:lnSpc>
-                <a:spcPct val="72000"/>
-              </a:lnSpc>
-              <a:spcBef>
-                <a:spcPts val="1000"/>
-              </a:spcBef>
-              <a:defRPr sz="1700"/>
-            </a:pPr>
-            <a:r>
-              <a:t>function f()</a:t>
-            </a:r>
-          </a:p>
-          <a:p>
-            <a:pPr>
-              <a:lnSpc>
-                <a:spcPct val="72000"/>
-              </a:lnSpc>
-              <a:spcBef>
-                <a:spcPts val="1000"/>
-              </a:spcBef>
-              <a:defRPr sz="1700"/>
-            </a:pPr>
-            <a:r>
-              <a:t>{</a:t>
-            </a:r>
-          </a:p>
-          <a:p>
-            <a:pPr>
-              <a:lnSpc>
-                <a:spcPct val="72000"/>
-              </a:lnSpc>
-              <a:spcBef>
-                <a:spcPts val="1000"/>
-              </a:spcBef>
-              <a:defRPr sz="1700"/>
-            </a:pPr>
-            <a:r>
-              <a:t>var m1 = 10;</a:t>
-            </a:r>
-          </a:p>
-          <a:p>
-            <a:pPr>
-              <a:lnSpc>
-                <a:spcPct val="72000"/>
-              </a:lnSpc>
-              <a:spcBef>
-                <a:spcPts val="1000"/>
-              </a:spcBef>
-              <a:defRPr sz="1700"/>
-            </a:pPr>
-            <a:r>
-              <a:t>var m2 = "10";</a:t>
-            </a:r>
-          </a:p>
-          <a:p>
-            <a:pPr>
-              <a:lnSpc>
-                <a:spcPct val="72000"/>
-              </a:lnSpc>
-              <a:spcBef>
-                <a:spcPts val="1000"/>
-              </a:spcBef>
-              <a:defRPr sz="1700"/>
-            </a:pPr>
-            <a:r>
-              <a:t>if(m1==m2)</a:t>
-            </a:r>
-          </a:p>
-          <a:p>
-            <a:pPr>
-              <a:lnSpc>
-                <a:spcPct val="72000"/>
-              </a:lnSpc>
-              <a:spcBef>
-                <a:spcPts val="1000"/>
-              </a:spcBef>
-              <a:defRPr sz="1700"/>
-            </a:pPr>
-            <a:r>
-              <a:t>{</a:t>
-            </a:r>
-          </a:p>
-          <a:p>
-            <a:pPr>
-              <a:lnSpc>
-                <a:spcPct val="72000"/>
-              </a:lnSpc>
-              <a:spcBef>
-                <a:spcPts val="1000"/>
-              </a:spcBef>
-              <a:defRPr sz="1700"/>
-            </a:pPr>
-            <a:r>
-              <a:t>console.log("Equal");</a:t>
-            </a:r>
-          </a:p>
-          <a:p>
-            <a:pPr>
-              <a:lnSpc>
-                <a:spcPct val="72000"/>
-              </a:lnSpc>
-              <a:spcBef>
-                <a:spcPts val="1000"/>
-              </a:spcBef>
-              <a:defRPr sz="1700"/>
-            </a:pPr>
-            <a:r>
-              <a:t>}</a:t>
-            </a:r>
-          </a:p>
-          <a:p>
-            <a:pPr>
-              <a:lnSpc>
-                <a:spcPct val="72000"/>
-              </a:lnSpc>
-              <a:spcBef>
-                <a:spcPts val="1000"/>
-              </a:spcBef>
-              <a:defRPr sz="1700"/>
-            </a:pPr>
-            <a:r>
-              <a:t>else</a:t>
-            </a:r>
-          </a:p>
-          <a:p>
-            <a:pPr>
-              <a:lnSpc>
-                <a:spcPct val="72000"/>
-              </a:lnSpc>
-              <a:spcBef>
-                <a:spcPts val="1000"/>
-              </a:spcBef>
-              <a:defRPr sz="1700"/>
-            </a:pPr>
-            <a:r>
-              <a:t>{</a:t>
-            </a:r>
-          </a:p>
-          <a:p>
-            <a:pPr>
-              <a:lnSpc>
-                <a:spcPct val="72000"/>
-              </a:lnSpc>
-              <a:spcBef>
-                <a:spcPts val="1000"/>
-              </a:spcBef>
-              <a:defRPr sz="1700"/>
-            </a:pPr>
-            <a:r>
-              <a:t>console.log("Not Equal");</a:t>
-            </a:r>
-          </a:p>
-          <a:p>
-            <a:pPr>
-              <a:lnSpc>
-                <a:spcPct val="72000"/>
-              </a:lnSpc>
-              <a:spcBef>
-                <a:spcPts val="1000"/>
-              </a:spcBef>
-              <a:defRPr sz="1700"/>
-            </a:pPr>
-            <a:r>
-              <a:t>}</a:t>
-            </a:r>
-          </a:p>
-          <a:p>
-            <a:pPr>
-              <a:lnSpc>
-                <a:spcPct val="72000"/>
-              </a:lnSpc>
-              <a:spcBef>
-                <a:spcPts val="1000"/>
-              </a:spcBef>
-              <a:defRPr sz="1700"/>
-            </a:pPr>
-            <a:r>
-              <a:t>}</a:t>
-            </a:r>
-          </a:p>
-        </p:txBody>
-      </p:sp>
-      <p:sp>
-        <p:nvSpPr>
-          <p:cNvPr id="114" name="Content Placeholder 2"/>
-          <p:cNvSpPr txBox="1"/>
-          <p:nvPr/>
-        </p:nvSpPr>
-        <p:spPr>
-          <a:xfrm>
-            <a:off x="7915339" y="1394700"/>
-            <a:ext cx="2875106" cy="4351339"/>
-          </a:xfrm>
-          <a:prstGeom prst="rect">
-            <a:avLst/>
-          </a:prstGeom>
-          <a:ln w="12700">
-            <a:miter lim="400000"/>
-          </a:ln>
-          <a:extLst>
-            <a:ext uri="{C572A759-6A51-4108-AA02-DFA0A04FC94B}">
-              <ma14:wrappingTextBoxFlag xmlns:ma14="http://schemas.microsoft.com/office/mac/drawingml/2011/main" xmlns:a14="http://schemas.microsoft.com/office/drawing/2010/main" xmlns:m="http://schemas.openxmlformats.org/officeDocument/2006/math" xmlns="" val="1"/>
-            </a:ext>
-          </a:extLst>
-        </p:spPr>
-        <p:txBody>
-          <a:bodyPr lIns="45719" rIns="45719">
-            <a:normAutofit/>
-          </a:bodyPr>
-          <a:lstStyle/>
-          <a:p>
-            <a:pPr>
-              <a:lnSpc>
-                <a:spcPct val="72000"/>
-              </a:lnSpc>
-              <a:spcBef>
-                <a:spcPts val="1000"/>
-              </a:spcBef>
-              <a:defRPr sz="1700"/>
-            </a:pPr>
-            <a:r>
-              <a:t>function f()</a:t>
-            </a:r>
-          </a:p>
-          <a:p>
-            <a:pPr>
-              <a:lnSpc>
-                <a:spcPct val="72000"/>
-              </a:lnSpc>
-              <a:spcBef>
-                <a:spcPts val="1000"/>
-              </a:spcBef>
-              <a:defRPr sz="1700"/>
-            </a:pPr>
-            <a:r>
-              <a:t>{</a:t>
-            </a:r>
-          </a:p>
-          <a:p>
-            <a:pPr>
-              <a:lnSpc>
-                <a:spcPct val="72000"/>
-              </a:lnSpc>
-              <a:spcBef>
-                <a:spcPts val="1000"/>
-              </a:spcBef>
-              <a:defRPr sz="1700"/>
-            </a:pPr>
-            <a:r>
-              <a:t>var m1 = 10;</a:t>
-            </a:r>
-          </a:p>
-          <a:p>
-            <a:pPr>
-              <a:lnSpc>
-                <a:spcPct val="72000"/>
-              </a:lnSpc>
-              <a:spcBef>
-                <a:spcPts val="1000"/>
-              </a:spcBef>
-              <a:defRPr sz="1700"/>
-            </a:pPr>
-            <a:r>
-              <a:t>var m2 = "10";</a:t>
-            </a:r>
-          </a:p>
-          <a:p>
-            <a:pPr>
-              <a:lnSpc>
-                <a:spcPct val="72000"/>
-              </a:lnSpc>
-              <a:spcBef>
-                <a:spcPts val="1000"/>
-              </a:spcBef>
-              <a:defRPr sz="1700"/>
-            </a:pPr>
-            <a:r>
-              <a:t>if(m1===m2)</a:t>
-            </a:r>
-          </a:p>
-          <a:p>
-            <a:pPr>
-              <a:lnSpc>
-                <a:spcPct val="72000"/>
-              </a:lnSpc>
-              <a:spcBef>
-                <a:spcPts val="1000"/>
-              </a:spcBef>
-              <a:defRPr sz="1700"/>
-            </a:pPr>
-            <a:r>
-              <a:t>{</a:t>
-            </a:r>
-          </a:p>
-          <a:p>
-            <a:pPr>
-              <a:lnSpc>
-                <a:spcPct val="72000"/>
-              </a:lnSpc>
-              <a:spcBef>
-                <a:spcPts val="1000"/>
-              </a:spcBef>
-              <a:defRPr sz="1700"/>
-            </a:pPr>
-            <a:r>
-              <a:t>console.log("Equal");</a:t>
-            </a:r>
-          </a:p>
-          <a:p>
-            <a:pPr>
-              <a:lnSpc>
-                <a:spcPct val="72000"/>
-              </a:lnSpc>
-              <a:spcBef>
-                <a:spcPts val="1000"/>
-              </a:spcBef>
-              <a:defRPr sz="1700"/>
-            </a:pPr>
-            <a:r>
-              <a:t>}</a:t>
-            </a:r>
-          </a:p>
-          <a:p>
-            <a:pPr>
-              <a:lnSpc>
-                <a:spcPct val="72000"/>
-              </a:lnSpc>
-              <a:spcBef>
-                <a:spcPts val="1000"/>
-              </a:spcBef>
-              <a:defRPr sz="1700"/>
-            </a:pPr>
-            <a:r>
-              <a:t>else</a:t>
-            </a:r>
-          </a:p>
-          <a:p>
-            <a:pPr>
-              <a:lnSpc>
-                <a:spcPct val="72000"/>
-              </a:lnSpc>
-              <a:spcBef>
-                <a:spcPts val="1000"/>
-              </a:spcBef>
-              <a:defRPr sz="1700"/>
-            </a:pPr>
-            <a:r>
-              <a:t>{</a:t>
-            </a:r>
-          </a:p>
-          <a:p>
-            <a:pPr>
-              <a:lnSpc>
-                <a:spcPct val="72000"/>
-              </a:lnSpc>
-              <a:spcBef>
-                <a:spcPts val="1000"/>
-              </a:spcBef>
-              <a:defRPr sz="1700"/>
-            </a:pPr>
-            <a:r>
-              <a:t>console.log("Not Equal");</a:t>
-            </a:r>
-          </a:p>
-          <a:p>
-            <a:pPr>
-              <a:lnSpc>
-                <a:spcPct val="72000"/>
-              </a:lnSpc>
-              <a:spcBef>
-                <a:spcPts val="1000"/>
-              </a:spcBef>
-              <a:defRPr sz="1700"/>
-            </a:pPr>
-            <a:r>
-              <a:t>}</a:t>
-            </a:r>
-          </a:p>
-          <a:p>
-            <a:pPr>
-              <a:lnSpc>
-                <a:spcPct val="72000"/>
-              </a:lnSpc>
-              <a:spcBef>
-                <a:spcPts val="1000"/>
-              </a:spcBef>
-              <a:defRPr sz="1700"/>
-            </a:pPr>
-            <a:r>
-              <a:t>}</a:t>
-            </a:r>
-          </a:p>
-        </p:txBody>
-      </p:sp>
-    </p:spTree>
-  </p:cSld>
-  <p:clrMapOvr>
-    <a:masterClrMapping/>
-  </p:clrMapOvr>
-  <p:transition spd="med"/>
-</p:sld>
-</file>
-
-<file path=ppt/slides/slide30.xml><?xml version="1.0" encoding="utf-8"?>
+<file path=ppt/slides/slide31.xml><?xml version="1.0" encoding="utf-8"?>
 <p:sld xmlns:a="http://schemas.openxmlformats.org/drawingml/2006/main" xmlns:r="http://schemas.openxmlformats.org/officeDocument/2006/relationships" xmlns:p="http://schemas.openxmlformats.org/presentationml/2006/main">
   <p:cSld>
     <p:spTree>
@@ -14275,7 +15244,7 @@
 </p:sld>
 </file>
 
-<file path=ppt/slides/slide31.xml><?xml version="1.0" encoding="utf-8"?>
+<file path=ppt/slides/slide32.xml><?xml version="1.0" encoding="utf-8"?>
 <p:sld xmlns:a="http://schemas.openxmlformats.org/drawingml/2006/main" xmlns:r="http://schemas.openxmlformats.org/officeDocument/2006/relationships" xmlns:p="http://schemas.openxmlformats.org/presentationml/2006/main">
   <p:cSld>
     <p:spTree>
@@ -14649,7 +15618,7 @@
 </p:sld>
 </file>
 
-<file path=ppt/slides/slide32.xml><?xml version="1.0" encoding="utf-8"?>
+<file path=ppt/slides/slide33.xml><?xml version="1.0" encoding="utf-8"?>
 <p:sld xmlns:a="http://schemas.openxmlformats.org/drawingml/2006/main" xmlns:r="http://schemas.openxmlformats.org/officeDocument/2006/relationships" xmlns:p="http://schemas.openxmlformats.org/presentationml/2006/main">
   <p:cSld>
     <p:spTree>
@@ -14914,7 +15883,7 @@
 </p:sld>
 </file>
 
-<file path=ppt/slides/slide33.xml><?xml version="1.0" encoding="utf-8"?>
+<file path=ppt/slides/slide34.xml><?xml version="1.0" encoding="utf-8"?>
 <p:sld xmlns:a="http://schemas.openxmlformats.org/drawingml/2006/main" xmlns:r="http://schemas.openxmlformats.org/officeDocument/2006/relationships" xmlns:p="http://schemas.openxmlformats.org/presentationml/2006/main">
   <p:cSld>
     <p:spTree>
@@ -15252,7 +16221,7 @@
 </p:sld>
 </file>
 
-<file path=ppt/slides/slide34.xml><?xml version="1.0" encoding="utf-8"?>
+<file path=ppt/slides/slide35.xml><?xml version="1.0" encoding="utf-8"?>
 <p:sld xmlns:a="http://schemas.openxmlformats.org/drawingml/2006/main" xmlns:r="http://schemas.openxmlformats.org/officeDocument/2006/relationships" xmlns:p="http://schemas.openxmlformats.org/presentationml/2006/main">
   <p:cSld>
     <p:spTree>
@@ -15523,7 +16492,7 @@
           <a:p>
             <a:r>
               <a:rPr lang="en-US" dirty="0"/>
-              <a:t>Scope - </a:t>
+              <a:t>Lexical Scope - </a:t>
             </a:r>
             <a:r>
               <a:rPr lang="en-IN" dirty="0"/>
@@ -15618,7 +16587,7 @@
 </p:sld>
 </file>
 
-<file path=ppt/slides/slide35.xml><?xml version="1.0" encoding="utf-8"?>
+<file path=ppt/slides/slide36.xml><?xml version="1.0" encoding="utf-8"?>
 <p:sld xmlns:a="http://schemas.openxmlformats.org/drawingml/2006/main" xmlns:r="http://schemas.openxmlformats.org/officeDocument/2006/relationships" xmlns:p="http://schemas.openxmlformats.org/presentationml/2006/main">
   <p:cSld>
     <p:spTree>
@@ -16074,7 +17043,7 @@
 </p:sld>
 </file>
 
-<file path=ppt/slides/slide36.xml><?xml version="1.0" encoding="utf-8"?>
+<file path=ppt/slides/slide37.xml><?xml version="1.0" encoding="utf-8"?>
 <p:sld xmlns:a="http://schemas.openxmlformats.org/drawingml/2006/main" xmlns:r="http://schemas.openxmlformats.org/officeDocument/2006/relationships" xmlns:p="http://schemas.openxmlformats.org/presentationml/2006/main">
   <p:cSld>
     <p:spTree>
@@ -16876,7 +17845,7 @@
 </p:sld>
 </file>
 
-<file path=ppt/slides/slide37.xml><?xml version="1.0" encoding="utf-8"?>
+<file path=ppt/slides/slide38.xml><?xml version="1.0" encoding="utf-8"?>
 <p:sld xmlns:a="http://schemas.openxmlformats.org/drawingml/2006/main" xmlns:r="http://schemas.openxmlformats.org/officeDocument/2006/relationships" xmlns:p="http://schemas.openxmlformats.org/presentationml/2006/main">
   <p:cSld>
     <p:spTree>
@@ -17534,7 +18503,7 @@
 </p:sld>
 </file>
 
-<file path=ppt/slides/slide38.xml><?xml version="1.0" encoding="utf-8"?>
+<file path=ppt/slides/slide39.xml><?xml version="1.0" encoding="utf-8"?>
 <p:sld xmlns:a="http://schemas.openxmlformats.org/drawingml/2006/main" xmlns:r="http://schemas.openxmlformats.org/officeDocument/2006/relationships" xmlns:p="http://schemas.openxmlformats.org/presentationml/2006/main">
   <p:cSld>
     <p:spTree>
@@ -17611,6 +18580,7 @@
               <a:defRPr sz="3200"/>
             </a:pPr>
             <a:r>
+              <a:rPr dirty="0"/>
               <a:t>function hoist() {</a:t>
             </a:r>
           </a:p>
@@ -17619,7 +18589,24 @@
               <a:defRPr sz="3200"/>
             </a:pPr>
             <a:r>
-              <a:t>  console.log(a,b);</a:t>
+              <a:rPr dirty="0"/>
+              <a:t>  </a:t>
+            </a:r>
+            <a:r>
+              <a:rPr dirty="0" err="1"/>
+              <a:t>console.log</a:t>
+            </a:r>
+            <a:r>
+              <a:rPr dirty="0"/>
+              <a:t>(</a:t>
+            </a:r>
+            <a:r>
+              <a:rPr dirty="0" err="1"/>
+              <a:t>a,b</a:t>
+            </a:r>
+            <a:r>
+              <a:rPr dirty="0"/>
+              <a:t>);</a:t>
             </a:r>
           </a:p>
           <a:p>
@@ -17627,6 +18614,7 @@
               <a:defRPr sz="3200"/>
             </a:pPr>
             <a:r>
+              <a:rPr dirty="0"/>
               <a:t>  a = 20;</a:t>
             </a:r>
           </a:p>
@@ -17635,6 +18623,7 @@
               <a:defRPr sz="3200"/>
             </a:pPr>
             <a:r>
+              <a:rPr dirty="0"/>
               <a:t>  var b = 100;</a:t>
             </a:r>
           </a:p>
@@ -17643,7 +18632,24 @@
               <a:defRPr sz="3200"/>
             </a:pPr>
             <a:r>
-              <a:t>  console.log(a,b); </a:t>
+              <a:rPr dirty="0"/>
+              <a:t>  </a:t>
+            </a:r>
+            <a:r>
+              <a:rPr dirty="0" err="1"/>
+              <a:t>console.log</a:t>
+            </a:r>
+            <a:r>
+              <a:rPr dirty="0"/>
+              <a:t>(</a:t>
+            </a:r>
+            <a:r>
+              <a:rPr dirty="0" err="1"/>
+              <a:t>a,b</a:t>
+            </a:r>
+            <a:r>
+              <a:rPr dirty="0"/>
+              <a:t>); </a:t>
             </a:r>
           </a:p>
           <a:p>
@@ -17651,6 +18657,7 @@
               <a:defRPr sz="3200"/>
             </a:pPr>
             <a:r>
+              <a:rPr dirty="0"/>
               <a:t>}</a:t>
             </a:r>
           </a:p>
@@ -17688,13 +18695,14 @@
             <a:pPr>
               <a:defRPr sz="2800"/>
             </a:pPr>
-            <a:endParaRPr/>
+            <a:endParaRPr dirty="0"/>
           </a:p>
           <a:p>
             <a:pPr>
               <a:defRPr sz="2800"/>
             </a:pPr>
             <a:r>
+              <a:rPr dirty="0"/>
               <a:t>hoist();</a:t>
             </a:r>
           </a:p>
@@ -17703,7 +18711,12 @@
               <a:defRPr sz="2800"/>
             </a:pPr>
             <a:r>
-              <a:t>console.log(a);</a:t>
+              <a:rPr dirty="0" err="1"/>
+              <a:t>console.log</a:t>
+            </a:r>
+            <a:r>
+              <a:rPr dirty="0"/>
+              <a:t>(a);</a:t>
             </a:r>
           </a:p>
           <a:p>
@@ -17711,7 +18724,20 @@
               <a:defRPr sz="2800"/>
             </a:pPr>
             <a:r>
-              <a:t>console.log(window.a);</a:t>
+              <a:rPr dirty="0" err="1"/>
+              <a:t>console.log</a:t>
+            </a:r>
+            <a:r>
+              <a:rPr dirty="0"/>
+              <a:t>(</a:t>
+            </a:r>
+            <a:r>
+              <a:rPr dirty="0" err="1"/>
+              <a:t>window.a</a:t>
+            </a:r>
+            <a:r>
+              <a:rPr dirty="0"/>
+              <a:t>);</a:t>
             </a:r>
           </a:p>
           <a:p>
@@ -17719,7 +18745,12 @@
               <a:defRPr sz="2800"/>
             </a:pPr>
             <a:r>
-              <a:t>console.log(b);</a:t>
+              <a:rPr dirty="0" err="1"/>
+              <a:t>console.log</a:t>
+            </a:r>
+            <a:r>
+              <a:rPr dirty="0"/>
+              <a:t>(b);</a:t>
             </a:r>
           </a:p>
         </p:txBody>
@@ -18110,7 +19141,235 @@
 </p:sld>
 </file>
 
-<file path=ppt/slides/slide39.xml><?xml version="1.0" encoding="utf-8"?>
+<file path=ppt/slides/slide4.xml><?xml version="1.0" encoding="utf-8"?>
+<p:sld xmlns:a="http://schemas.openxmlformats.org/drawingml/2006/main" xmlns:r="http://schemas.openxmlformats.org/officeDocument/2006/relationships" xmlns:p="http://schemas.openxmlformats.org/presentationml/2006/main">
+  <p:cSld>
+    <p:spTree>
+      <p:nvGrpSpPr>
+        <p:cNvPr id="1" name=""/>
+        <p:cNvGrpSpPr/>
+        <p:nvPr/>
+      </p:nvGrpSpPr>
+      <p:grpSpPr>
+        <a:xfrm>
+          <a:off x="0" y="0"/>
+          <a:ext cx="0" cy="0"/>
+          <a:chOff x="0" y="0"/>
+          <a:chExt cx="0" cy="0"/>
+        </a:xfrm>
+      </p:grpSpPr>
+      <p:pic>
+        <p:nvPicPr>
+          <p:cNvPr id="116" name="Google Shape;54;p13" descr="Google Shape;54;p13"/>
+          <p:cNvPicPr>
+            <a:picLocks noChangeAspect="1"/>
+          </p:cNvPicPr>
+          <p:nvPr/>
+        </p:nvPicPr>
+        <p:blipFill>
+          <a:blip r:embed="rId2"/>
+          <a:stretch>
+            <a:fillRect/>
+          </a:stretch>
+        </p:blipFill>
+        <p:spPr>
+          <a:xfrm>
+            <a:off x="0" y="0"/>
+            <a:ext cx="12191997" cy="6858000"/>
+          </a:xfrm>
+          <a:prstGeom prst="rect">
+            <a:avLst/>
+          </a:prstGeom>
+          <a:ln w="12700">
+            <a:miter lim="400000"/>
+          </a:ln>
+        </p:spPr>
+      </p:pic>
+      <p:sp>
+        <p:nvSpPr>
+          <p:cNvPr id="117" name="Title 1"/>
+          <p:cNvSpPr txBox="1">
+            <a:spLocks noGrp="1"/>
+          </p:cNvSpPr>
+          <p:nvPr>
+            <p:ph type="title"/>
+          </p:nvPr>
+        </p:nvSpPr>
+        <p:spPr>
+          <a:prstGeom prst="rect">
+            <a:avLst/>
+          </a:prstGeom>
+        </p:spPr>
+        <p:txBody>
+          <a:bodyPr/>
+          <a:lstStyle/>
+          <a:p>
+            <a:r>
+              <a:t>Recap</a:t>
+            </a:r>
+          </a:p>
+        </p:txBody>
+      </p:sp>
+      <p:sp>
+        <p:nvSpPr>
+          <p:cNvPr id="118" name="Content Placeholder 2"/>
+          <p:cNvSpPr txBox="1">
+            <a:spLocks noGrp="1"/>
+          </p:cNvSpPr>
+          <p:nvPr>
+            <p:ph type="body" idx="1"/>
+          </p:nvPr>
+        </p:nvSpPr>
+        <p:spPr>
+          <a:prstGeom prst="rect">
+            <a:avLst/>
+          </a:prstGeom>
+        </p:spPr>
+        <p:txBody>
+          <a:bodyPr/>
+          <a:lstStyle/>
+          <a:p>
+            <a:pPr marL="0" indent="0">
+              <a:lnSpc>
+                <a:spcPct val="72000"/>
+              </a:lnSpc>
+              <a:buSzTx/>
+              <a:buNone/>
+              <a:defRPr sz="2500"/>
+            </a:pPr>
+            <a:r>
+              <a:t>var m1 = 10;</a:t>
+            </a:r>
+          </a:p>
+          <a:p>
+            <a:pPr marL="0" indent="0">
+              <a:lnSpc>
+                <a:spcPct val="72000"/>
+              </a:lnSpc>
+              <a:buSzTx/>
+              <a:buNone/>
+              <a:defRPr sz="2500"/>
+            </a:pPr>
+            <a:r>
+              <a:t>var m2 = 10;</a:t>
+            </a:r>
+          </a:p>
+          <a:p>
+            <a:pPr marL="0" indent="0">
+              <a:lnSpc>
+                <a:spcPct val="72000"/>
+              </a:lnSpc>
+              <a:buSzTx/>
+              <a:buNone/>
+              <a:defRPr sz="2500"/>
+            </a:pPr>
+            <a:r>
+              <a:t>If(m1==m1)</a:t>
+            </a:r>
+          </a:p>
+          <a:p>
+            <a:pPr marL="0" indent="0">
+              <a:lnSpc>
+                <a:spcPct val="72000"/>
+              </a:lnSpc>
+              <a:buSzTx/>
+              <a:buNone/>
+              <a:defRPr sz="2500"/>
+            </a:pPr>
+            <a:r>
+              <a:t>{</a:t>
+            </a:r>
+          </a:p>
+          <a:p>
+            <a:pPr marL="0" indent="0">
+              <a:lnSpc>
+                <a:spcPct val="72000"/>
+              </a:lnSpc>
+              <a:buSzTx/>
+              <a:buNone/>
+              <a:defRPr sz="2500"/>
+            </a:pPr>
+            <a:r>
+              <a:t>console.log(“Equal”);</a:t>
+            </a:r>
+          </a:p>
+          <a:p>
+            <a:pPr marL="0" indent="0">
+              <a:lnSpc>
+                <a:spcPct val="72000"/>
+              </a:lnSpc>
+              <a:buSzTx/>
+              <a:buNone/>
+              <a:defRPr sz="2500"/>
+            </a:pPr>
+            <a:r>
+              <a:t>};</a:t>
+            </a:r>
+          </a:p>
+          <a:p>
+            <a:pPr marL="0" indent="0">
+              <a:lnSpc>
+                <a:spcPct val="72000"/>
+              </a:lnSpc>
+              <a:buSzTx/>
+              <a:buNone/>
+              <a:defRPr sz="2500"/>
+            </a:pPr>
+            <a:r>
+              <a:t>else</a:t>
+            </a:r>
+          </a:p>
+          <a:p>
+            <a:pPr marL="0" indent="0">
+              <a:lnSpc>
+                <a:spcPct val="72000"/>
+              </a:lnSpc>
+              <a:buSzTx/>
+              <a:buNone/>
+              <a:defRPr sz="2500"/>
+            </a:pPr>
+            <a:r>
+              <a:t>{</a:t>
+            </a:r>
+          </a:p>
+          <a:p>
+            <a:pPr marL="0" indent="0">
+              <a:lnSpc>
+                <a:spcPct val="72000"/>
+              </a:lnSpc>
+              <a:buSzTx/>
+              <a:buNone/>
+              <a:defRPr sz="2500"/>
+            </a:pPr>
+            <a:r>
+              <a:t>console.log(“Not Equal”);</a:t>
+            </a:r>
+          </a:p>
+          <a:p>
+            <a:pPr marL="0" indent="0">
+              <a:lnSpc>
+                <a:spcPct val="72000"/>
+              </a:lnSpc>
+              <a:buSzTx/>
+              <a:buNone/>
+              <a:defRPr sz="2500"/>
+            </a:pPr>
+            <a:r>
+              <a:t>};</a:t>
+            </a:r>
+          </a:p>
+        </p:txBody>
+      </p:sp>
+    </p:spTree>
+  </p:cSld>
+  <p:clrMapOvr>
+    <a:masterClrMapping/>
+  </p:clrMapOvr>
+  <p:transition spd="med"/>
+</p:sld>
+</file>
+
+<file path=ppt/slides/slide40.xml><?xml version="1.0" encoding="utf-8"?>
 <p:sld xmlns:a="http://schemas.openxmlformats.org/drawingml/2006/main" xmlns:r="http://schemas.openxmlformats.org/officeDocument/2006/relationships" xmlns:p="http://schemas.openxmlformats.org/presentationml/2006/main">
   <p:cSld>
     <p:spTree>
@@ -18623,235 +19882,7 @@
 </p:sld>
 </file>
 
-<file path=ppt/slides/slide4.xml><?xml version="1.0" encoding="utf-8"?>
-<p:sld xmlns:a="http://schemas.openxmlformats.org/drawingml/2006/main" xmlns:r="http://schemas.openxmlformats.org/officeDocument/2006/relationships" xmlns:p="http://schemas.openxmlformats.org/presentationml/2006/main">
-  <p:cSld>
-    <p:spTree>
-      <p:nvGrpSpPr>
-        <p:cNvPr id="1" name=""/>
-        <p:cNvGrpSpPr/>
-        <p:nvPr/>
-      </p:nvGrpSpPr>
-      <p:grpSpPr>
-        <a:xfrm>
-          <a:off x="0" y="0"/>
-          <a:ext cx="0" cy="0"/>
-          <a:chOff x="0" y="0"/>
-          <a:chExt cx="0" cy="0"/>
-        </a:xfrm>
-      </p:grpSpPr>
-      <p:pic>
-        <p:nvPicPr>
-          <p:cNvPr id="116" name="Google Shape;54;p13" descr="Google Shape;54;p13"/>
-          <p:cNvPicPr>
-            <a:picLocks noChangeAspect="1"/>
-          </p:cNvPicPr>
-          <p:nvPr/>
-        </p:nvPicPr>
-        <p:blipFill>
-          <a:blip r:embed="rId2"/>
-          <a:stretch>
-            <a:fillRect/>
-          </a:stretch>
-        </p:blipFill>
-        <p:spPr>
-          <a:xfrm>
-            <a:off x="0" y="0"/>
-            <a:ext cx="12191997" cy="6858000"/>
-          </a:xfrm>
-          <a:prstGeom prst="rect">
-            <a:avLst/>
-          </a:prstGeom>
-          <a:ln w="12700">
-            <a:miter lim="400000"/>
-          </a:ln>
-        </p:spPr>
-      </p:pic>
-      <p:sp>
-        <p:nvSpPr>
-          <p:cNvPr id="117" name="Title 1"/>
-          <p:cNvSpPr txBox="1">
-            <a:spLocks noGrp="1"/>
-          </p:cNvSpPr>
-          <p:nvPr>
-            <p:ph type="title"/>
-          </p:nvPr>
-        </p:nvSpPr>
-        <p:spPr>
-          <a:prstGeom prst="rect">
-            <a:avLst/>
-          </a:prstGeom>
-        </p:spPr>
-        <p:txBody>
-          <a:bodyPr/>
-          <a:lstStyle/>
-          <a:p>
-            <a:r>
-              <a:t>Recap</a:t>
-            </a:r>
-          </a:p>
-        </p:txBody>
-      </p:sp>
-      <p:sp>
-        <p:nvSpPr>
-          <p:cNvPr id="118" name="Content Placeholder 2"/>
-          <p:cNvSpPr txBox="1">
-            <a:spLocks noGrp="1"/>
-          </p:cNvSpPr>
-          <p:nvPr>
-            <p:ph type="body" idx="1"/>
-          </p:nvPr>
-        </p:nvSpPr>
-        <p:spPr>
-          <a:prstGeom prst="rect">
-            <a:avLst/>
-          </a:prstGeom>
-        </p:spPr>
-        <p:txBody>
-          <a:bodyPr/>
-          <a:lstStyle/>
-          <a:p>
-            <a:pPr marL="0" indent="0">
-              <a:lnSpc>
-                <a:spcPct val="72000"/>
-              </a:lnSpc>
-              <a:buSzTx/>
-              <a:buNone/>
-              <a:defRPr sz="2500"/>
-            </a:pPr>
-            <a:r>
-              <a:t>var m1 = 10;</a:t>
-            </a:r>
-          </a:p>
-          <a:p>
-            <a:pPr marL="0" indent="0">
-              <a:lnSpc>
-                <a:spcPct val="72000"/>
-              </a:lnSpc>
-              <a:buSzTx/>
-              <a:buNone/>
-              <a:defRPr sz="2500"/>
-            </a:pPr>
-            <a:r>
-              <a:t>var m2 = 10;</a:t>
-            </a:r>
-          </a:p>
-          <a:p>
-            <a:pPr marL="0" indent="0">
-              <a:lnSpc>
-                <a:spcPct val="72000"/>
-              </a:lnSpc>
-              <a:buSzTx/>
-              <a:buNone/>
-              <a:defRPr sz="2500"/>
-            </a:pPr>
-            <a:r>
-              <a:t>If(m1==m1)</a:t>
-            </a:r>
-          </a:p>
-          <a:p>
-            <a:pPr marL="0" indent="0">
-              <a:lnSpc>
-                <a:spcPct val="72000"/>
-              </a:lnSpc>
-              <a:buSzTx/>
-              <a:buNone/>
-              <a:defRPr sz="2500"/>
-            </a:pPr>
-            <a:r>
-              <a:t>{</a:t>
-            </a:r>
-          </a:p>
-          <a:p>
-            <a:pPr marL="0" indent="0">
-              <a:lnSpc>
-                <a:spcPct val="72000"/>
-              </a:lnSpc>
-              <a:buSzTx/>
-              <a:buNone/>
-              <a:defRPr sz="2500"/>
-            </a:pPr>
-            <a:r>
-              <a:t>console.log(“Equal”);</a:t>
-            </a:r>
-          </a:p>
-          <a:p>
-            <a:pPr marL="0" indent="0">
-              <a:lnSpc>
-                <a:spcPct val="72000"/>
-              </a:lnSpc>
-              <a:buSzTx/>
-              <a:buNone/>
-              <a:defRPr sz="2500"/>
-            </a:pPr>
-            <a:r>
-              <a:t>};</a:t>
-            </a:r>
-          </a:p>
-          <a:p>
-            <a:pPr marL="0" indent="0">
-              <a:lnSpc>
-                <a:spcPct val="72000"/>
-              </a:lnSpc>
-              <a:buSzTx/>
-              <a:buNone/>
-              <a:defRPr sz="2500"/>
-            </a:pPr>
-            <a:r>
-              <a:t>else</a:t>
-            </a:r>
-          </a:p>
-          <a:p>
-            <a:pPr marL="0" indent="0">
-              <a:lnSpc>
-                <a:spcPct val="72000"/>
-              </a:lnSpc>
-              <a:buSzTx/>
-              <a:buNone/>
-              <a:defRPr sz="2500"/>
-            </a:pPr>
-            <a:r>
-              <a:t>{</a:t>
-            </a:r>
-          </a:p>
-          <a:p>
-            <a:pPr marL="0" indent="0">
-              <a:lnSpc>
-                <a:spcPct val="72000"/>
-              </a:lnSpc>
-              <a:buSzTx/>
-              <a:buNone/>
-              <a:defRPr sz="2500"/>
-            </a:pPr>
-            <a:r>
-              <a:t>console.log(“Not Equal”);</a:t>
-            </a:r>
-          </a:p>
-          <a:p>
-            <a:pPr marL="0" indent="0">
-              <a:lnSpc>
-                <a:spcPct val="72000"/>
-              </a:lnSpc>
-              <a:buSzTx/>
-              <a:buNone/>
-              <a:defRPr sz="2500"/>
-            </a:pPr>
-            <a:r>
-              <a:t>};</a:t>
-            </a:r>
-          </a:p>
-        </p:txBody>
-      </p:sp>
-    </p:spTree>
-  </p:cSld>
-  <p:clrMapOvr>
-    <a:masterClrMapping/>
-  </p:clrMapOvr>
-  <p:transition spd="med"/>
-</p:sld>
-</file>
-
-<file path=ppt/slides/slide40.xml><?xml version="1.0" encoding="utf-8"?>
+<file path=ppt/slides/slide41.xml><?xml version="1.0" encoding="utf-8"?>
 <p:sld xmlns:a="http://schemas.openxmlformats.org/drawingml/2006/main" xmlns:r="http://schemas.openxmlformats.org/officeDocument/2006/relationships" xmlns:p="http://schemas.openxmlformats.org/presentationml/2006/main">
   <p:cSld>
     <p:spTree>
@@ -19344,7 +20375,7 @@
 </p:sld>
 </file>
 
-<file path=ppt/slides/slide41.xml><?xml version="1.0" encoding="utf-8"?>
+<file path=ppt/slides/slide42.xml><?xml version="1.0" encoding="utf-8"?>
 <p:sld xmlns:a="http://schemas.openxmlformats.org/drawingml/2006/main" xmlns:r="http://schemas.openxmlformats.org/officeDocument/2006/relationships" xmlns:p="http://schemas.openxmlformats.org/presentationml/2006/main">
   <p:cSld>
     <p:spTree>
@@ -19683,7 +20714,7 @@
 </p:sld>
 </file>
 
-<file path=ppt/slides/slide42.xml><?xml version="1.0" encoding="utf-8"?>
+<file path=ppt/slides/slide43.xml><?xml version="1.0" encoding="utf-8"?>
 <p:sld xmlns:a="http://schemas.openxmlformats.org/drawingml/2006/main" xmlns:r="http://schemas.openxmlformats.org/officeDocument/2006/relationships" xmlns:p="http://schemas.openxmlformats.org/presentationml/2006/main">
   <p:cSld>
     <p:spTree>
@@ -20296,7 +21327,7 @@
 </p:sld>
 </file>
 
-<file path=ppt/slides/slide43.xml><?xml version="1.0" encoding="utf-8"?>
+<file path=ppt/slides/slide44.xml><?xml version="1.0" encoding="utf-8"?>
 <p:sld xmlns:a="http://schemas.openxmlformats.org/drawingml/2006/main" xmlns:r="http://schemas.openxmlformats.org/officeDocument/2006/relationships" xmlns:p="http://schemas.openxmlformats.org/presentationml/2006/main">
   <p:cSld>
     <p:spTree>
@@ -20426,7 +21457,7 @@
 </p:sld>
 </file>
 
-<file path=ppt/slides/slide44.xml><?xml version="1.0" encoding="utf-8"?>
+<file path=ppt/slides/slide45.xml><?xml version="1.0" encoding="utf-8"?>
 <p:sld xmlns:a="http://schemas.openxmlformats.org/drawingml/2006/main" xmlns:r="http://schemas.openxmlformats.org/officeDocument/2006/relationships" xmlns:p="http://schemas.openxmlformats.org/presentationml/2006/main">
   <p:cSld>
     <p:spTree>
@@ -20764,7 +21795,7 @@
 </p:sld>
 </file>
 
-<file path=ppt/slides/slide45.xml><?xml version="1.0" encoding="utf-8"?>
+<file path=ppt/slides/slide46.xml><?xml version="1.0" encoding="utf-8"?>
 <p:sld xmlns:a="http://schemas.openxmlformats.org/drawingml/2006/main" xmlns:r="http://schemas.openxmlformats.org/officeDocument/2006/relationships" xmlns:p="http://schemas.openxmlformats.org/presentationml/2006/main">
   <p:cSld>
     <p:spTree>
@@ -21324,7 +22355,7 @@
 </p:sld>
 </file>
 
-<file path=ppt/slides/slide46.xml><?xml version="1.0" encoding="utf-8"?>
+<file path=ppt/slides/slide47.xml><?xml version="1.0" encoding="utf-8"?>
 <p:sld xmlns:a="http://schemas.openxmlformats.org/drawingml/2006/main" xmlns:r="http://schemas.openxmlformats.org/officeDocument/2006/relationships" xmlns:p="http://schemas.openxmlformats.org/presentationml/2006/main">
   <p:cSld>
     <p:spTree>
@@ -21403,6 +22434,7 @@
               <a:defRPr sz="3104"/>
             </a:pPr>
             <a:r>
+              <a:rPr dirty="0"/>
               <a:t>var m1 = 10;</a:t>
             </a:r>
           </a:p>
@@ -21419,6 +22451,7 @@
               <a:defRPr sz="3104"/>
             </a:pPr>
             <a:r>
+              <a:rPr dirty="0"/>
               <a:t>m1 = 20;</a:t>
             </a:r>
           </a:p>
@@ -21435,7 +22468,24 @@
               <a:defRPr sz="3104"/>
             </a:pPr>
             <a:r>
-              <a:t>function f1(m1)</a:t>
+              <a:rPr lang="en-US" dirty="0"/>
+              <a:t>Int </a:t>
+            </a:r>
+            <a:r>
+              <a:rPr dirty="0"/>
+              <a:t>fun</a:t>
+            </a:r>
+            <a:r>
+              <a:rPr lang="en-IN" dirty="0"/>
+              <a:t>c</a:t>
+            </a:r>
+            <a:r>
+              <a:rPr dirty="0" err="1"/>
+              <a:t>tion</a:t>
+            </a:r>
+            <a:r>
+              <a:rPr dirty="0"/>
+              <a:t> f1(m1)</a:t>
             </a:r>
           </a:p>
           <a:p>
@@ -21451,6 +22501,7 @@
               <a:defRPr sz="3104"/>
             </a:pPr>
             <a:r>
+              <a:rPr dirty="0"/>
               <a:t>{</a:t>
             </a:r>
           </a:p>
@@ -21467,7 +22518,12 @@
               <a:defRPr sz="2328"/>
             </a:pPr>
             <a:r>
-              <a:t>If(m1 == 10)</a:t>
+              <a:rPr lang="en-US" dirty="0"/>
+              <a:t>i</a:t>
+            </a:r>
+            <a:r>
+              <a:rPr dirty="0"/>
+              <a:t>f(m1 == 10)</a:t>
             </a:r>
           </a:p>
           <a:p>
@@ -21483,6 +22539,7 @@
               <a:defRPr sz="2328"/>
             </a:pPr>
             <a:r>
+              <a:rPr dirty="0"/>
               <a:t>{</a:t>
             </a:r>
           </a:p>
@@ -21499,6 +22556,7 @@
               <a:defRPr sz="2328"/>
             </a:pPr>
             <a:r>
+              <a:rPr dirty="0"/>
               <a:t>  m1 = 20;</a:t>
             </a:r>
           </a:p>
@@ -21515,6 +22573,7 @@
               <a:defRPr sz="2328"/>
             </a:pPr>
             <a:r>
+              <a:rPr dirty="0"/>
               <a:t>   return 30;</a:t>
             </a:r>
           </a:p>
@@ -21531,6 +22590,7 @@
               <a:defRPr sz="2328"/>
             </a:pPr>
             <a:r>
+              <a:rPr dirty="0"/>
               <a:t>}</a:t>
             </a:r>
           </a:p>
@@ -21547,7 +22607,12 @@
               <a:defRPr sz="2328"/>
             </a:pPr>
             <a:r>
-              <a:t>If(m1 == 11)</a:t>
+              <a:rPr lang="en-US" dirty="0"/>
+              <a:t>i</a:t>
+            </a:r>
+            <a:r>
+              <a:rPr dirty="0"/>
+              <a:t>f(m1 == 11)</a:t>
             </a:r>
           </a:p>
           <a:p>
@@ -21563,6 +22628,7 @@
               <a:defRPr sz="2328"/>
             </a:pPr>
             <a:r>
+              <a:rPr dirty="0"/>
               <a:t>{</a:t>
             </a:r>
           </a:p>
@@ -21579,6 +22645,7 @@
               <a:defRPr sz="2328"/>
             </a:pPr>
             <a:r>
+              <a:rPr dirty="0"/>
               <a:t>  return;</a:t>
             </a:r>
           </a:p>
@@ -21595,6 +22662,7 @@
               <a:defRPr sz="2328"/>
             </a:pPr>
             <a:r>
+              <a:rPr dirty="0"/>
               <a:t>}</a:t>
             </a:r>
           </a:p>
@@ -21611,6 +22679,7 @@
               <a:defRPr sz="2328"/>
             </a:pPr>
             <a:r>
+              <a:rPr dirty="0"/>
               <a:t>return 30;</a:t>
             </a:r>
           </a:p>
@@ -21627,7 +22696,12 @@
               <a:defRPr sz="2328"/>
             </a:pPr>
             <a:r>
-              <a:t>console.log(m1);</a:t>
+              <a:rPr dirty="0" err="1"/>
+              <a:t>console.log</a:t>
+            </a:r>
+            <a:r>
+              <a:rPr dirty="0"/>
+              <a:t>(m1);</a:t>
             </a:r>
           </a:p>
           <a:p>
@@ -21643,6 +22717,7 @@
               <a:defRPr sz="3104"/>
             </a:pPr>
             <a:r>
+              <a:rPr dirty="0"/>
               <a:t>}</a:t>
             </a:r>
           </a:p>
@@ -21690,8 +22765,12 @@
               <a:defRPr sz="3600"/>
             </a:pPr>
             <a:r>
+              <a:rPr lang="en-IN" dirty="0"/>
+              <a:t>C</a:t>
+            </a:r>
+            <a:r>
               <a:rPr dirty="0" err="1"/>
-              <a:t>Console.log</a:t>
+              <a:t>onsole.log</a:t>
             </a:r>
             <a:r>
               <a:rPr dirty="0"/>
@@ -21703,13 +22782,15 @@
               <a:defRPr sz="3600"/>
             </a:pPr>
             <a:r>
+              <a:rPr dirty="0"/>
               <a:t>m1 = f1(1</a:t>
             </a:r>
             <a:r>
-              <a:rPr lang="en-US"/>
+              <a:rPr lang="en-US" dirty="0"/>
               <a:t>1</a:t>
             </a:r>
             <a:r>
+              <a:rPr dirty="0"/>
               <a:t>);</a:t>
             </a:r>
           </a:p>
@@ -21718,8 +22799,12 @@
               <a:defRPr sz="3600"/>
             </a:pPr>
             <a:r>
+              <a:rPr lang="en-IN" dirty="0"/>
+              <a:t>C</a:t>
+            </a:r>
+            <a:r>
               <a:rPr dirty="0" err="1"/>
-              <a:t>Console.log</a:t>
+              <a:t>onsole.log</a:t>
             </a:r>
             <a:r>
               <a:rPr dirty="0"/>
@@ -21737,7 +22822,7 @@
 </p:sld>
 </file>
 
-<file path=ppt/slides/slide47.xml><?xml version="1.0" encoding="utf-8"?>
+<file path=ppt/slides/slide48.xml><?xml version="1.0" encoding="utf-8"?>
 <p:sld xmlns:a="http://schemas.openxmlformats.org/drawingml/2006/main" xmlns:r="http://schemas.openxmlformats.org/officeDocument/2006/relationships" xmlns:p="http://schemas.openxmlformats.org/presentationml/2006/main">
   <p:cSld>
     <p:spTree>
@@ -22080,7 +23165,7 @@
 </p:sld>
 </file>
 
-<file path=ppt/slides/slide48.xml><?xml version="1.0" encoding="utf-8"?>
+<file path=ppt/slides/slide49.xml><?xml version="1.0" encoding="utf-8"?>
 <p:sld xmlns:a="http://schemas.openxmlformats.org/drawingml/2006/main" xmlns:r="http://schemas.openxmlformats.org/officeDocument/2006/relationships" xmlns:p="http://schemas.openxmlformats.org/presentationml/2006/main">
   <p:cSld>
     <p:spTree>
@@ -22319,163 +23404,6 @@
     <p:bldLst>
       <p:bldP spid="324" grpId="1" animBg="1" advAuto="0"/>
       <p:bldP spid="325" grpId="2" animBg="1" advAuto="0"/>
-    </p:bldLst>
-  </p:timing>
-</p:sld>
-</file>
-
-<file path=ppt/slides/slide49.xml><?xml version="1.0" encoding="utf-8"?>
-<p:sld xmlns:a="http://schemas.openxmlformats.org/drawingml/2006/main" xmlns:r="http://schemas.openxmlformats.org/officeDocument/2006/relationships" xmlns:p="http://schemas.openxmlformats.org/presentationml/2006/main">
-  <p:cSld>
-    <p:spTree>
-      <p:nvGrpSpPr>
-        <p:cNvPr id="1" name=""/>
-        <p:cNvGrpSpPr/>
-        <p:nvPr/>
-      </p:nvGrpSpPr>
-      <p:grpSpPr>
-        <a:xfrm>
-          <a:off x="0" y="0"/>
-          <a:ext cx="0" cy="0"/>
-          <a:chOff x="0" y="0"/>
-          <a:chExt cx="0" cy="0"/>
-        </a:xfrm>
-      </p:grpSpPr>
-      <p:pic>
-        <p:nvPicPr>
-          <p:cNvPr id="327" name="Google Shape;54;p13" descr="Google Shape;54;p13"/>
-          <p:cNvPicPr>
-            <a:picLocks noChangeAspect="1"/>
-          </p:cNvPicPr>
-          <p:nvPr/>
-        </p:nvPicPr>
-        <p:blipFill>
-          <a:blip r:embed="rId2"/>
-          <a:stretch>
-            <a:fillRect/>
-          </a:stretch>
-        </p:blipFill>
-        <p:spPr>
-          <a:xfrm>
-            <a:off x="0" y="0"/>
-            <a:ext cx="12191997" cy="6858000"/>
-          </a:xfrm>
-          <a:prstGeom prst="rect">
-            <a:avLst/>
-          </a:prstGeom>
-          <a:ln w="12700">
-            <a:miter lim="400000"/>
-          </a:ln>
-        </p:spPr>
-      </p:pic>
-      <p:pic>
-        <p:nvPicPr>
-          <p:cNvPr id="328" name="Picture 4" descr="Picture 4"/>
-          <p:cNvPicPr>
-            <a:picLocks noChangeAspect="1"/>
-          </p:cNvPicPr>
-          <p:nvPr/>
-        </p:nvPicPr>
-        <p:blipFill>
-          <a:blip r:embed="rId3"/>
-          <a:stretch>
-            <a:fillRect/>
-          </a:stretch>
-        </p:blipFill>
-        <p:spPr>
-          <a:xfrm>
-            <a:off x="1127570" y="1155609"/>
-            <a:ext cx="10485944" cy="5016592"/>
-          </a:xfrm>
-          <a:prstGeom prst="rect">
-            <a:avLst/>
-          </a:prstGeom>
-          <a:ln w="12700">
-            <a:miter lim="400000"/>
-          </a:ln>
-        </p:spPr>
-      </p:pic>
-    </p:spTree>
-  </p:cSld>
-  <p:clrMapOvr>
-    <a:masterClrMapping/>
-  </p:clrMapOvr>
-  <p:transition spd="med"/>
-  <p:timing>
-    <p:tnLst>
-      <p:par>
-        <p:cTn id="1" dur="indefinite" restart="never" fill="hold" nodeType="tmRoot">
-          <p:childTnLst>
-            <p:seq concurrent="1" prevAc="none" nextAc="seek">
-              <p:cTn id="2" dur="indefinite" fill="hold" nodeType="mainSeq">
-                <p:childTnLst>
-                  <p:par>
-                    <p:cTn id="3" fill="hold">
-                      <p:stCondLst>
-                        <p:cond delay="indefinite"/>
-                      </p:stCondLst>
-                      <p:childTnLst>
-                        <p:par>
-                          <p:cTn id="4" fill="hold">
-                            <p:stCondLst>
-                              <p:cond delay="0"/>
-                            </p:stCondLst>
-                            <p:childTnLst>
-                              <p:par>
-                                <p:cTn id="5" presetID="1" presetClass="entr" presetSubtype="0" fill="hold" grpId="1" nodeType="clickEffect">
-                                  <p:stCondLst>
-                                    <p:cond delay="0"/>
-                                  </p:stCondLst>
-                                  <p:iterate>
-                                    <p:tmAbs val="0"/>
-                                  </p:iterate>
-                                  <p:childTnLst>
-                                    <p:set>
-                                      <p:cBhvr>
-                                        <p:cTn id="6" fill="hold"/>
-                                        <p:tgtEl>
-                                          <p:spTgt spid="328"/>
-                                        </p:tgtEl>
-                                        <p:attrNameLst>
-                                          <p:attrName>style.visibility</p:attrName>
-                                        </p:attrNameLst>
-                                      </p:cBhvr>
-                                      <p:to>
-                                        <p:strVal val="visible"/>
-                                      </p:to>
-                                    </p:set>
-                                  </p:childTnLst>
-                                </p:cTn>
-                              </p:par>
-                            </p:childTnLst>
-                          </p:cTn>
-                        </p:par>
-                      </p:childTnLst>
-                    </p:cTn>
-                  </p:par>
-                </p:childTnLst>
-              </p:cTn>
-              <p:prevCondLst>
-                <p:cond evt="onPrev" delay="0">
-                  <p:tgtEl>
-                    <p:sldTgt/>
-                  </p:tgtEl>
-                </p:cond>
-              </p:prevCondLst>
-              <p:nextCondLst>
-                <p:cond evt="onNext" delay="0">
-                  <p:tgtEl>
-                    <p:sldTgt/>
-                  </p:tgtEl>
-                </p:cond>
-              </p:nextCondLst>
-            </p:seq>
-          </p:childTnLst>
-        </p:cTn>
-      </p:par>
-    </p:tnLst>
-    <p:bldLst>
-      <p:bldP spid="328" grpId="1" animBg="1" advAuto="0"/>
     </p:bldLst>
   </p:timing>
 </p:sld>
@@ -24269,6 +25197,163 @@
       </p:grpSpPr>
       <p:pic>
         <p:nvPicPr>
+          <p:cNvPr id="327" name="Google Shape;54;p13" descr="Google Shape;54;p13"/>
+          <p:cNvPicPr>
+            <a:picLocks noChangeAspect="1"/>
+          </p:cNvPicPr>
+          <p:nvPr/>
+        </p:nvPicPr>
+        <p:blipFill>
+          <a:blip r:embed="rId2"/>
+          <a:stretch>
+            <a:fillRect/>
+          </a:stretch>
+        </p:blipFill>
+        <p:spPr>
+          <a:xfrm>
+            <a:off x="0" y="0"/>
+            <a:ext cx="12191997" cy="6858000"/>
+          </a:xfrm>
+          <a:prstGeom prst="rect">
+            <a:avLst/>
+          </a:prstGeom>
+          <a:ln w="12700">
+            <a:miter lim="400000"/>
+          </a:ln>
+        </p:spPr>
+      </p:pic>
+      <p:pic>
+        <p:nvPicPr>
+          <p:cNvPr id="328" name="Picture 4" descr="Picture 4"/>
+          <p:cNvPicPr>
+            <a:picLocks noChangeAspect="1"/>
+          </p:cNvPicPr>
+          <p:nvPr/>
+        </p:nvPicPr>
+        <p:blipFill>
+          <a:blip r:embed="rId3"/>
+          <a:stretch>
+            <a:fillRect/>
+          </a:stretch>
+        </p:blipFill>
+        <p:spPr>
+          <a:xfrm>
+            <a:off x="1127570" y="1155609"/>
+            <a:ext cx="10485944" cy="5016592"/>
+          </a:xfrm>
+          <a:prstGeom prst="rect">
+            <a:avLst/>
+          </a:prstGeom>
+          <a:ln w="12700">
+            <a:miter lim="400000"/>
+          </a:ln>
+        </p:spPr>
+      </p:pic>
+    </p:spTree>
+  </p:cSld>
+  <p:clrMapOvr>
+    <a:masterClrMapping/>
+  </p:clrMapOvr>
+  <p:transition spd="med"/>
+  <p:timing>
+    <p:tnLst>
+      <p:par>
+        <p:cTn id="1" dur="indefinite" restart="never" fill="hold" nodeType="tmRoot">
+          <p:childTnLst>
+            <p:seq concurrent="1" prevAc="none" nextAc="seek">
+              <p:cTn id="2" dur="indefinite" fill="hold" nodeType="mainSeq">
+                <p:childTnLst>
+                  <p:par>
+                    <p:cTn id="3" fill="hold">
+                      <p:stCondLst>
+                        <p:cond delay="indefinite"/>
+                      </p:stCondLst>
+                      <p:childTnLst>
+                        <p:par>
+                          <p:cTn id="4" fill="hold">
+                            <p:stCondLst>
+                              <p:cond delay="0"/>
+                            </p:stCondLst>
+                            <p:childTnLst>
+                              <p:par>
+                                <p:cTn id="5" presetID="1" presetClass="entr" presetSubtype="0" fill="hold" grpId="1" nodeType="clickEffect">
+                                  <p:stCondLst>
+                                    <p:cond delay="0"/>
+                                  </p:stCondLst>
+                                  <p:iterate>
+                                    <p:tmAbs val="0"/>
+                                  </p:iterate>
+                                  <p:childTnLst>
+                                    <p:set>
+                                      <p:cBhvr>
+                                        <p:cTn id="6" fill="hold"/>
+                                        <p:tgtEl>
+                                          <p:spTgt spid="328"/>
+                                        </p:tgtEl>
+                                        <p:attrNameLst>
+                                          <p:attrName>style.visibility</p:attrName>
+                                        </p:attrNameLst>
+                                      </p:cBhvr>
+                                      <p:to>
+                                        <p:strVal val="visible"/>
+                                      </p:to>
+                                    </p:set>
+                                  </p:childTnLst>
+                                </p:cTn>
+                              </p:par>
+                            </p:childTnLst>
+                          </p:cTn>
+                        </p:par>
+                      </p:childTnLst>
+                    </p:cTn>
+                  </p:par>
+                </p:childTnLst>
+              </p:cTn>
+              <p:prevCondLst>
+                <p:cond evt="onPrev" delay="0">
+                  <p:tgtEl>
+                    <p:sldTgt/>
+                  </p:tgtEl>
+                </p:cond>
+              </p:prevCondLst>
+              <p:nextCondLst>
+                <p:cond evt="onNext" delay="0">
+                  <p:tgtEl>
+                    <p:sldTgt/>
+                  </p:tgtEl>
+                </p:cond>
+              </p:nextCondLst>
+            </p:seq>
+          </p:childTnLst>
+        </p:cTn>
+      </p:par>
+    </p:tnLst>
+    <p:bldLst>
+      <p:bldP spid="328" grpId="1" animBg="1" advAuto="0"/>
+    </p:bldLst>
+  </p:timing>
+</p:sld>
+</file>
+
+<file path=ppt/slides/slide51.xml><?xml version="1.0" encoding="utf-8"?>
+<p:sld xmlns:a="http://schemas.openxmlformats.org/drawingml/2006/main" xmlns:r="http://schemas.openxmlformats.org/officeDocument/2006/relationships" xmlns:p="http://schemas.openxmlformats.org/presentationml/2006/main">
+  <p:cSld>
+    <p:spTree>
+      <p:nvGrpSpPr>
+        <p:cNvPr id="1" name=""/>
+        <p:cNvGrpSpPr/>
+        <p:nvPr/>
+      </p:nvGrpSpPr>
+      <p:grpSpPr>
+        <a:xfrm>
+          <a:off x="0" y="0"/>
+          <a:ext cx="0" cy="0"/>
+          <a:chOff x="0" y="0"/>
+          <a:chExt cx="0" cy="0"/>
+        </a:xfrm>
+      </p:grpSpPr>
+      <p:pic>
+        <p:nvPicPr>
           <p:cNvPr id="330" name="Google Shape;54;p13" descr="Google Shape;54;p13"/>
           <p:cNvPicPr>
             <a:picLocks noChangeAspect="1"/>
@@ -24354,6 +25439,7 @@
           </a:lstStyle>
           <a:p>
             <a:r>
+              <a:rPr dirty="0"/>
               <a:t>var square = function(number) { return number * number }</a:t>
             </a:r>
           </a:p>
@@ -24701,7 +25787,7 @@
 </p:sld>
 </file>
 
-<file path=ppt/slides/slide51.xml><?xml version="1.0" encoding="utf-8"?>
+<file path=ppt/slides/slide52.xml><?xml version="1.0" encoding="utf-8"?>
 <p:sld xmlns:a="http://schemas.openxmlformats.org/drawingml/2006/main" xmlns:r="http://schemas.openxmlformats.org/officeDocument/2006/relationships" xmlns:p="http://schemas.openxmlformats.org/presentationml/2006/main">
   <p:cSld>
     <p:spTree>
@@ -25151,7 +26237,7 @@
 </p:sld>
 </file>
 
-<file path=ppt/slides/slide52.xml><?xml version="1.0" encoding="utf-8"?>
+<file path=ppt/slides/slide53.xml><?xml version="1.0" encoding="utf-8"?>
 <p:sld xmlns:a="http://schemas.openxmlformats.org/drawingml/2006/main" xmlns:r="http://schemas.openxmlformats.org/officeDocument/2006/relationships" xmlns:p="http://schemas.openxmlformats.org/presentationml/2006/main">
   <p:cSld>
     <p:spTree>
@@ -25254,6 +26340,7 @@
               <a:defRPr sz="3200"/>
             </a:pPr>
             <a:r>
+              <a:rPr dirty="0"/>
               <a:t>var square = function(number) { return number * number }</a:t>
             </a:r>
           </a:p>
@@ -25261,14 +26348,23 @@
             <a:pPr>
               <a:defRPr sz="3200"/>
             </a:pPr>
-            <a:endParaRPr/>
+            <a:endParaRPr dirty="0"/>
           </a:p>
           <a:p>
             <a:pPr>
               <a:defRPr sz="3200"/>
             </a:pPr>
             <a:r>
-              <a:t>function newf(a){</a:t>
+              <a:rPr dirty="0"/>
+              <a:t>function </a:t>
+            </a:r>
+            <a:r>
+              <a:rPr dirty="0" err="1"/>
+              <a:t>newf</a:t>
+            </a:r>
+            <a:r>
+              <a:rPr dirty="0"/>
+              <a:t>(a){</a:t>
             </a:r>
           </a:p>
           <a:p>
@@ -25276,6 +26372,7 @@
               <a:defRPr sz="3200"/>
             </a:pPr>
             <a:r>
+              <a:rPr dirty="0"/>
               <a:t> a();</a:t>
             </a:r>
           </a:p>
@@ -25284,6 +26381,7 @@
               <a:defRPr sz="3200"/>
             </a:pPr>
             <a:r>
+              <a:rPr dirty="0"/>
               <a:t>}</a:t>
             </a:r>
           </a:p>
@@ -25291,7 +26389,7 @@
             <a:pPr>
               <a:defRPr sz="3200"/>
             </a:pPr>
-            <a:endParaRPr/>
+            <a:endParaRPr dirty="0"/>
           </a:p>
         </p:txBody>
       </p:sp>
@@ -25329,7 +26427,12 @@
           </a:lstStyle>
           <a:p>
             <a:r>
-              <a:t>newf(square);</a:t>
+              <a:rPr dirty="0" err="1"/>
+              <a:t>newf</a:t>
+            </a:r>
+            <a:r>
+              <a:rPr dirty="0"/>
+              <a:t>(square);</a:t>
             </a:r>
           </a:p>
         </p:txBody>
@@ -25343,7 +26446,7 @@
 </p:sld>
 </file>
 
-<file path=ppt/slides/slide53.xml><?xml version="1.0" encoding="utf-8"?>
+<file path=ppt/slides/slide54.xml><?xml version="1.0" encoding="utf-8"?>
 <p:sld xmlns:a="http://schemas.openxmlformats.org/drawingml/2006/main" xmlns:r="http://schemas.openxmlformats.org/officeDocument/2006/relationships" xmlns:p="http://schemas.openxmlformats.org/presentationml/2006/main">
   <p:cSld>
     <p:spTree>
@@ -25422,7 +26525,7 @@
         <p:spPr>
           <a:xfrm>
             <a:off x="883920" y="1987033"/>
-            <a:ext cx="6528356" cy="2478248"/>
+            <a:ext cx="6610141" cy="2554545"/>
           </a:xfrm>
           <a:prstGeom prst="rect">
             <a:avLst/>
@@ -25446,7 +26549,16 @@
               <a:defRPr sz="3200"/>
             </a:pPr>
             <a:r>
-              <a:t>Write a function which takes 2 params </a:t>
+              <a:rPr dirty="0"/>
+              <a:t>Write a function which takes </a:t>
+            </a:r>
+            <a:r>
+              <a:rPr lang="en-IN" dirty="0"/>
+              <a:t>2</a:t>
+            </a:r>
+            <a:r>
+              <a:rPr dirty="0"/>
+              <a:t> params </a:t>
             </a:r>
           </a:p>
           <a:p>
@@ -25456,8 +26568,10 @@
               <a:defRPr sz="3200"/>
             </a:pPr>
             <a:r>
+              <a:rPr lang="en-IN" dirty="0"/>
               <a:t>Operation</a:t>
             </a:r>
+            <a:endParaRPr dirty="0"/>
           </a:p>
           <a:p>
             <a:pPr marL="427789" indent="-427789">
@@ -25466,20 +26580,27 @@
               <a:defRPr sz="3200"/>
             </a:pPr>
             <a:r>
+              <a:rPr dirty="0"/>
               <a:t>Function </a:t>
             </a:r>
+            <a:r>
+              <a:rPr lang="en-US" dirty="0"/>
+              <a:t>array </a:t>
+            </a:r>
+            <a:endParaRPr dirty="0"/>
           </a:p>
           <a:p>
             <a:pPr>
               <a:defRPr sz="3200"/>
             </a:pPr>
-            <a:endParaRPr/>
+            <a:endParaRPr dirty="0"/>
           </a:p>
           <a:p>
             <a:pPr>
               <a:defRPr sz="3200"/>
             </a:pPr>
             <a:r>
+              <a:rPr dirty="0"/>
               <a:t> Based on the params do the operation</a:t>
             </a:r>
           </a:p>
@@ -25494,7 +26615,7 @@
 </p:sld>
 </file>
 
-<file path=ppt/slides/slide54.xml><?xml version="1.0" encoding="utf-8"?>
+<file path=ppt/slides/slide55.xml><?xml version="1.0" encoding="utf-8"?>
 <p:sld xmlns:a="http://schemas.openxmlformats.org/drawingml/2006/main" xmlns:r="http://schemas.openxmlformats.org/officeDocument/2006/relationships" xmlns:p="http://schemas.openxmlformats.org/presentationml/2006/main">
   <p:cSld>
     <p:spTree>
@@ -25597,7 +26718,16 @@
               <a:defRPr sz="3200"/>
             </a:pPr>
             <a:r>
-              <a:t>function newf(){</a:t>
+              <a:rPr dirty="0"/>
+              <a:t>function </a:t>
+            </a:r>
+            <a:r>
+              <a:rPr dirty="0" err="1"/>
+              <a:t>newf</a:t>
+            </a:r>
+            <a:r>
+              <a:rPr dirty="0"/>
+              <a:t>(){</a:t>
             </a:r>
           </a:p>
           <a:p>
@@ -25605,7 +26735,16 @@
               <a:defRPr sz="3200"/>
             </a:pPr>
             <a:r>
-              <a:t>   var inner_var = function(){</a:t>
+              <a:rPr dirty="0"/>
+              <a:t>   var </a:t>
+            </a:r>
+            <a:r>
+              <a:rPr dirty="0" err="1"/>
+              <a:t>inner_var</a:t>
+            </a:r>
+            <a:r>
+              <a:rPr dirty="0"/>
+              <a:t> = function(){</a:t>
             </a:r>
           </a:p>
           <a:p>
@@ -25613,7 +26752,24 @@
               <a:defRPr sz="3200"/>
             </a:pPr>
             <a:r>
-              <a:t>      console.log(“i am inside”);</a:t>
+              <a:rPr dirty="0"/>
+              <a:t>      </a:t>
+            </a:r>
+            <a:r>
+              <a:rPr dirty="0" err="1"/>
+              <a:t>console.log</a:t>
+            </a:r>
+            <a:r>
+              <a:rPr dirty="0"/>
+              <a:t>(“</a:t>
+            </a:r>
+            <a:r>
+              <a:rPr dirty="0" err="1"/>
+              <a:t>i</a:t>
+            </a:r>
+            <a:r>
+              <a:rPr dirty="0"/>
+              <a:t> am inside”);</a:t>
             </a:r>
           </a:p>
           <a:p>
@@ -25621,6 +26777,7 @@
               <a:defRPr sz="3200"/>
             </a:pPr>
             <a:r>
+              <a:rPr dirty="0"/>
               <a:t>   }</a:t>
             </a:r>
           </a:p>
@@ -25629,7 +26786,16 @@
               <a:defRPr sz="3200"/>
             </a:pPr>
             <a:r>
-              <a:t>  return inner_var;</a:t>
+              <a:rPr dirty="0"/>
+              <a:t>  return </a:t>
+            </a:r>
+            <a:r>
+              <a:rPr dirty="0" err="1"/>
+              <a:t>inner_var</a:t>
+            </a:r>
+            <a:r>
+              <a:rPr dirty="0"/>
+              <a:t>;</a:t>
             </a:r>
           </a:p>
           <a:p>
@@ -25637,6 +26803,7 @@
               <a:defRPr sz="3200"/>
             </a:pPr>
             <a:r>
+              <a:rPr dirty="0"/>
               <a:t>}</a:t>
             </a:r>
           </a:p>
@@ -25644,7 +26811,7 @@
             <a:pPr>
               <a:defRPr sz="3200"/>
             </a:pPr>
-            <a:endParaRPr/>
+            <a:endParaRPr dirty="0"/>
           </a:p>
         </p:txBody>
       </p:sp>
@@ -25703,7 +26870,7 @@
 </p:sld>
 </file>
 
-<file path=ppt/slides/slide55.xml><?xml version="1.0" encoding="utf-8"?>
+<file path=ppt/slides/slide56.xml><?xml version="1.0" encoding="utf-8"?>
 <p:sld xmlns:a="http://schemas.openxmlformats.org/drawingml/2006/main" xmlns:r="http://schemas.openxmlformats.org/officeDocument/2006/relationships" xmlns:p="http://schemas.openxmlformats.org/presentationml/2006/main">
   <p:cSld>
     <p:spTree>
@@ -25835,7 +27002,7 @@
 </p:sld>
 </file>
 
-<file path=ppt/slides/slide56.xml><?xml version="1.0" encoding="utf-8"?>
+<file path=ppt/slides/slide57.xml><?xml version="1.0" encoding="utf-8"?>
 <p:sld xmlns:a="http://schemas.openxmlformats.org/drawingml/2006/main" xmlns:r="http://schemas.openxmlformats.org/officeDocument/2006/relationships" xmlns:p="http://schemas.openxmlformats.org/presentationml/2006/main">
   <p:cSld>
     <p:spTree>
@@ -25933,6 +27100,7 @@
               <a:defRPr sz="3492"/>
             </a:pPr>
             <a:r>
+              <a:rPr dirty="0"/>
               <a:t>Do the below programs in anonymous function &amp; IIFE</a:t>
             </a:r>
           </a:p>
@@ -25947,9 +27115,10 @@
               <a:defRPr sz="3104"/>
             </a:pPr>
             <a:r>
+              <a:rPr dirty="0"/>
               <a:t>Print odd numbers in an array </a:t>
             </a:r>
-            <a:endParaRPr sz="2328"/>
+            <a:endParaRPr sz="2328" dirty="0"/>
           </a:p>
           <a:p>
             <a:pPr marL="665226" lvl="1" indent="-221742" defTabSz="886968">
@@ -25962,9 +27131,10 @@
               <a:defRPr sz="3104"/>
             </a:pPr>
             <a:r>
+              <a:rPr dirty="0"/>
               <a:t>Convert all the strings to title caps in a string array</a:t>
             </a:r>
-            <a:endParaRPr sz="2328"/>
+            <a:endParaRPr sz="2328" dirty="0"/>
           </a:p>
           <a:p>
             <a:pPr marL="665226" lvl="1" indent="-221742" defTabSz="886968">
@@ -25977,9 +27147,10 @@
               <a:defRPr sz="3104"/>
             </a:pPr>
             <a:r>
+              <a:rPr dirty="0"/>
               <a:t>Sum of all numbers in an array</a:t>
             </a:r>
-            <a:endParaRPr sz="2328"/>
+            <a:endParaRPr sz="2328" dirty="0"/>
           </a:p>
           <a:p>
             <a:pPr marL="665226" lvl="1" indent="-221742" defTabSz="886968">
@@ -25992,9 +27163,10 @@
               <a:defRPr sz="3104"/>
             </a:pPr>
             <a:r>
+              <a:rPr dirty="0"/>
               <a:t>Return all the prime numbers in an array</a:t>
             </a:r>
-            <a:endParaRPr sz="2328"/>
+            <a:endParaRPr sz="2328" dirty="0"/>
           </a:p>
           <a:p>
             <a:pPr marL="665226" lvl="1" indent="-221742" defTabSz="886968">
@@ -26007,9 +27179,10 @@
               <a:defRPr sz="3104"/>
             </a:pPr>
             <a:r>
+              <a:rPr dirty="0"/>
               <a:t>Return all the palindromes in an array</a:t>
             </a:r>
-            <a:endParaRPr sz="2328"/>
+            <a:endParaRPr sz="2328" dirty="0"/>
           </a:p>
           <a:p>
             <a:pPr marL="665226" lvl="1" indent="-221742" defTabSz="886968">
@@ -26022,9 +27195,10 @@
               <a:defRPr sz="3104"/>
             </a:pPr>
             <a:r>
+              <a:rPr dirty="0"/>
               <a:t>Return median of two sorted arrays of same size </a:t>
             </a:r>
-            <a:endParaRPr sz="2328"/>
+            <a:endParaRPr sz="2328" dirty="0"/>
           </a:p>
           <a:p>
             <a:pPr marL="665226" lvl="1" indent="-221742" defTabSz="886968">
@@ -26037,9 +27211,10 @@
               <a:defRPr sz="3104"/>
             </a:pPr>
             <a:r>
+              <a:rPr dirty="0"/>
               <a:t>Remove duplicates from an array</a:t>
             </a:r>
-            <a:endParaRPr sz="2328"/>
+            <a:endParaRPr sz="2328" dirty="0"/>
           </a:p>
           <a:p>
             <a:pPr marL="665226" lvl="1" indent="-221742" defTabSz="886968">
@@ -26052,6 +27227,7 @@
               <a:defRPr sz="3104"/>
             </a:pPr>
             <a:r>
+              <a:rPr dirty="0"/>
               <a:t>Rotate an array by k times and return the rotated array</a:t>
             </a:r>
           </a:p>
@@ -26066,7 +27242,7 @@
 </p:sld>
 </file>
 
-<file path=ppt/slides/slide57.xml><?xml version="1.0" encoding="utf-8"?>
+<file path=ppt/slides/slide58.xml><?xml version="1.0" encoding="utf-8"?>
 <p:sld xmlns:a="http://schemas.openxmlformats.org/drawingml/2006/main" xmlns:r="http://schemas.openxmlformats.org/officeDocument/2006/relationships" xmlns:p="http://schemas.openxmlformats.org/presentationml/2006/main">
   <p:cSld>
     <p:spTree>
@@ -26404,7 +27580,7 @@
 </p:sld>
 </file>
 
-<file path=ppt/slides/slide58.xml><?xml version="1.0" encoding="utf-8"?>
+<file path=ppt/slides/slide59.xml><?xml version="1.0" encoding="utf-8"?>
 <p:sld xmlns:a="http://schemas.openxmlformats.org/drawingml/2006/main" xmlns:r="http://schemas.openxmlformats.org/officeDocument/2006/relationships" xmlns:p="http://schemas.openxmlformats.org/presentationml/2006/main">
   <p:cSld>
     <p:spTree>
@@ -26968,352 +28144,6 @@
 </p:sld>
 </file>
 
-<file path=ppt/slides/slide59.xml><?xml version="1.0" encoding="utf-8"?>
-<p:sld xmlns:a="http://schemas.openxmlformats.org/drawingml/2006/main" xmlns:r="http://schemas.openxmlformats.org/officeDocument/2006/relationships" xmlns:p="http://schemas.openxmlformats.org/presentationml/2006/main">
-  <p:cSld>
-    <p:spTree>
-      <p:nvGrpSpPr>
-        <p:cNvPr id="1" name=""/>
-        <p:cNvGrpSpPr/>
-        <p:nvPr/>
-      </p:nvGrpSpPr>
-      <p:grpSpPr>
-        <a:xfrm>
-          <a:off x="0" y="0"/>
-          <a:ext cx="0" cy="0"/>
-          <a:chOff x="0" y="0"/>
-          <a:chExt cx="0" cy="0"/>
-        </a:xfrm>
-      </p:grpSpPr>
-      <p:pic>
-        <p:nvPicPr>
-          <p:cNvPr id="376" name="Google Shape;54;p13" descr="Google Shape;54;p13"/>
-          <p:cNvPicPr>
-            <a:picLocks noChangeAspect="1"/>
-          </p:cNvPicPr>
-          <p:nvPr/>
-        </p:nvPicPr>
-        <p:blipFill>
-          <a:blip r:embed="rId2"/>
-          <a:stretch>
-            <a:fillRect/>
-          </a:stretch>
-        </p:blipFill>
-        <p:spPr>
-          <a:xfrm>
-            <a:off x="0" y="0"/>
-            <a:ext cx="12191997" cy="6858000"/>
-          </a:xfrm>
-          <a:prstGeom prst="rect">
-            <a:avLst/>
-          </a:prstGeom>
-          <a:ln w="12700">
-            <a:miter lim="400000"/>
-          </a:ln>
-        </p:spPr>
-      </p:pic>
-      <p:sp>
-        <p:nvSpPr>
-          <p:cNvPr id="377" name="Title 1"/>
-          <p:cNvSpPr txBox="1">
-            <a:spLocks noGrp="1"/>
-          </p:cNvSpPr>
-          <p:nvPr>
-            <p:ph type="title"/>
-          </p:nvPr>
-        </p:nvSpPr>
-        <p:spPr>
-          <a:prstGeom prst="rect">
-            <a:avLst/>
-          </a:prstGeom>
-        </p:spPr>
-        <p:txBody>
-          <a:bodyPr/>
-          <a:lstStyle/>
-          <a:p>
-            <a:r>
-              <a:t>Arrow function – ES6</a:t>
-            </a:r>
-          </a:p>
-        </p:txBody>
-      </p:sp>
-      <p:sp>
-        <p:nvSpPr>
-          <p:cNvPr id="378" name="Rectangle 3"/>
-          <p:cNvSpPr txBox="1"/>
-          <p:nvPr/>
-        </p:nvSpPr>
-        <p:spPr>
-          <a:xfrm>
-            <a:off x="2312081" y="3701534"/>
-            <a:ext cx="7423707" cy="653912"/>
-          </a:xfrm>
-          <a:prstGeom prst="rect">
-            <a:avLst/>
-          </a:prstGeom>
-          <a:ln w="12700">
-            <a:miter lim="400000"/>
-          </a:ln>
-          <a:extLst>
-            <a:ext uri="{C572A759-6A51-4108-AA02-DFA0A04FC94B}">
-              <ma14:wrappingTextBoxFlag xmlns:ma14="http://schemas.microsoft.com/office/mac/drawingml/2011/main" xmlns:a14="http://schemas.microsoft.com/office/drawing/2010/main" xmlns:m="http://schemas.openxmlformats.org/officeDocument/2006/math" xmlns="" val="1"/>
-            </a:ext>
-          </a:extLst>
-        </p:spPr>
-        <p:txBody>
-          <a:bodyPr wrap="none" lIns="45719" rIns="45719">
-            <a:spAutoFit/>
-          </a:bodyPr>
-          <a:lstStyle/>
-          <a:p>
-            <a:pPr>
-              <a:defRPr sz="3200"/>
-            </a:pPr>
-            <a:r>
-              <a:t>var square = (number) </a:t>
-            </a:r>
-            <a:r>
-              <a:rPr sz="4400" b="1">
-                <a:latin typeface="+mn-lt"/>
-                <a:ea typeface="+mn-ea"/>
-                <a:cs typeface="+mn-cs"/>
-                <a:sym typeface="Helvetica"/>
-              </a:rPr>
-              <a:t>=&gt;</a:t>
-            </a:r>
-            <a:r>
-              <a:t>number * number</a:t>
-            </a:r>
-          </a:p>
-        </p:txBody>
-      </p:sp>
-      <p:sp>
-        <p:nvSpPr>
-          <p:cNvPr id="379" name="Rectangle 4"/>
-          <p:cNvSpPr txBox="1"/>
-          <p:nvPr/>
-        </p:nvSpPr>
-        <p:spPr>
-          <a:xfrm>
-            <a:off x="1524000" y="2111335"/>
-            <a:ext cx="9819641" cy="497047"/>
-          </a:xfrm>
-          <a:prstGeom prst="rect">
-            <a:avLst/>
-          </a:prstGeom>
-          <a:ln w="12700">
-            <a:miter lim="400000"/>
-          </a:ln>
-          <a:extLst>
-            <a:ext uri="{C572A759-6A51-4108-AA02-DFA0A04FC94B}">
-              <ma14:wrappingTextBoxFlag xmlns:ma14="http://schemas.microsoft.com/office/mac/drawingml/2011/main" xmlns:a14="http://schemas.microsoft.com/office/drawing/2010/main" xmlns:m="http://schemas.openxmlformats.org/officeDocument/2006/math" xmlns="" val="1"/>
-            </a:ext>
-          </a:extLst>
-        </p:spPr>
-        <p:txBody>
-          <a:bodyPr wrap="none" lIns="45719" rIns="45719">
-            <a:spAutoFit/>
-          </a:bodyPr>
-          <a:lstStyle/>
-          <a:p>
-            <a:pPr>
-              <a:defRPr sz="3200"/>
-            </a:pPr>
-            <a:r>
-              <a:t>var square = </a:t>
-            </a:r>
-            <a:r>
-              <a:rPr strike="dblStrike"/>
-              <a:t>function</a:t>
-            </a:r>
-            <a:r>
-              <a:t>(number) </a:t>
-            </a:r>
-            <a:r>
-              <a:rPr strike="dblStrike"/>
-              <a:t>{ return </a:t>
-            </a:r>
-            <a:r>
-              <a:t>number * number </a:t>
-            </a:r>
-            <a:r>
-              <a:rPr strike="dblStrike"/>
-              <a:t>}</a:t>
-            </a:r>
-          </a:p>
-        </p:txBody>
-      </p:sp>
-      <p:sp>
-        <p:nvSpPr>
-          <p:cNvPr id="380" name="Rectangle 5"/>
-          <p:cNvSpPr/>
-          <p:nvPr/>
-        </p:nvSpPr>
-        <p:spPr>
-          <a:xfrm>
-            <a:off x="975613" y="5474613"/>
-            <a:ext cx="10515601" cy="333088"/>
-          </a:xfrm>
-          <a:prstGeom prst="rect">
-            <a:avLst/>
-          </a:prstGeom>
-          <a:solidFill>
-            <a:srgbClr val="FFFFFF"/>
-          </a:solidFill>
-          <a:ln w="12700">
-            <a:miter lim="400000"/>
-          </a:ln>
-          <a:extLst>
-            <a:ext uri="{C572A759-6A51-4108-AA02-DFA0A04FC94B}">
-              <ma14:wrappingTextBoxFlag xmlns:ma14="http://schemas.microsoft.com/office/mac/drawingml/2011/main" xmlns:a14="http://schemas.microsoft.com/office/drawing/2010/main" xmlns:m="http://schemas.openxmlformats.org/officeDocument/2006/math" xmlns="" val="1"/>
-            </a:ext>
-          </a:extLst>
-        </p:spPr>
-        <p:txBody>
-          <a:bodyPr lIns="45719" rIns="45719">
-            <a:spAutoFit/>
-          </a:bodyPr>
-          <a:lstStyle>
-            <a:lvl1pPr algn="ctr"/>
-          </a:lstStyle>
-          <a:p>
-            <a:r>
-              <a:t>Arrow function expressions are ill suited as methods, and they cannot be used as constructors.</a:t>
-            </a:r>
-          </a:p>
-        </p:txBody>
-      </p:sp>
-    </p:spTree>
-  </p:cSld>
-  <p:clrMapOvr>
-    <a:masterClrMapping/>
-  </p:clrMapOvr>
-  <p:transition spd="med"/>
-  <p:timing>
-    <p:tnLst>
-      <p:par>
-        <p:cTn id="1" dur="indefinite" restart="never" fill="hold" nodeType="tmRoot">
-          <p:childTnLst>
-            <p:seq concurrent="1" prevAc="none" nextAc="seek">
-              <p:cTn id="2" dur="indefinite" fill="hold" nodeType="mainSeq">
-                <p:childTnLst>
-                  <p:par>
-                    <p:cTn id="3" fill="hold">
-                      <p:stCondLst>
-                        <p:cond delay="indefinite"/>
-                      </p:stCondLst>
-                      <p:childTnLst>
-                        <p:par>
-                          <p:cTn id="4" fill="hold">
-                            <p:stCondLst>
-                              <p:cond delay="0"/>
-                            </p:stCondLst>
-                            <p:childTnLst>
-                              <p:par>
-                                <p:cTn id="5" presetID="1" presetClass="entr" presetSubtype="0" fill="hold" grpId="1" nodeType="clickEffect">
-                                  <p:stCondLst>
-                                    <p:cond delay="0"/>
-                                  </p:stCondLst>
-                                  <p:iterate>
-                                    <p:tmAbs val="0"/>
-                                  </p:iterate>
-                                  <p:childTnLst>
-                                    <p:set>
-                                      <p:cBhvr>
-                                        <p:cTn id="6" fill="hold"/>
-                                        <p:tgtEl>
-                                          <p:spTgt spid="378"/>
-                                        </p:tgtEl>
-                                        <p:attrNameLst>
-                                          <p:attrName>style.visibility</p:attrName>
-                                        </p:attrNameLst>
-                                      </p:cBhvr>
-                                      <p:to>
-                                        <p:strVal val="visible"/>
-                                      </p:to>
-                                    </p:set>
-                                  </p:childTnLst>
-                                </p:cTn>
-                              </p:par>
-                            </p:childTnLst>
-                          </p:cTn>
-                        </p:par>
-                      </p:childTnLst>
-                    </p:cTn>
-                  </p:par>
-                  <p:par>
-                    <p:cTn id="7" fill="hold">
-                      <p:stCondLst>
-                        <p:cond delay="indefinite"/>
-                      </p:stCondLst>
-                      <p:childTnLst>
-                        <p:par>
-                          <p:cTn id="8" fill="hold">
-                            <p:stCondLst>
-                              <p:cond delay="0"/>
-                            </p:stCondLst>
-                            <p:childTnLst>
-                              <p:par>
-                                <p:cTn id="9" presetID="1" presetClass="entr" presetSubtype="0" fill="hold" grpId="2" nodeType="clickEffect">
-                                  <p:stCondLst>
-                                    <p:cond delay="0"/>
-                                  </p:stCondLst>
-                                  <p:iterate>
-                                    <p:tmAbs val="0"/>
-                                  </p:iterate>
-                                  <p:childTnLst>
-                                    <p:set>
-                                      <p:cBhvr>
-                                        <p:cTn id="10" fill="hold"/>
-                                        <p:tgtEl>
-                                          <p:spTgt spid="379"/>
-                                        </p:tgtEl>
-                                        <p:attrNameLst>
-                                          <p:attrName>style.visibility</p:attrName>
-                                        </p:attrNameLst>
-                                      </p:cBhvr>
-                                      <p:to>
-                                        <p:strVal val="visible"/>
-                                      </p:to>
-                                    </p:set>
-                                  </p:childTnLst>
-                                </p:cTn>
-                              </p:par>
-                            </p:childTnLst>
-                          </p:cTn>
-                        </p:par>
-                      </p:childTnLst>
-                    </p:cTn>
-                  </p:par>
-                </p:childTnLst>
-              </p:cTn>
-              <p:prevCondLst>
-                <p:cond evt="onPrev" delay="0">
-                  <p:tgtEl>
-                    <p:sldTgt/>
-                  </p:tgtEl>
-                </p:cond>
-              </p:prevCondLst>
-              <p:nextCondLst>
-                <p:cond evt="onNext" delay="0">
-                  <p:tgtEl>
-                    <p:sldTgt/>
-                  </p:tgtEl>
-                </p:cond>
-              </p:nextCondLst>
-            </p:seq>
-          </p:childTnLst>
-        </p:cTn>
-      </p:par>
-    </p:tnLst>
-    <p:bldLst>
-      <p:bldP spid="378" grpId="1" animBg="1" advAuto="0"/>
-      <p:bldP spid="379" grpId="2" animBg="1" advAuto="0"/>
-    </p:bldLst>
-  </p:timing>
-</p:sld>
-</file>
-
 <file path=ppt/slides/slide6.xml><?xml version="1.0" encoding="utf-8"?>
 <p:sld xmlns:a="http://schemas.openxmlformats.org/drawingml/2006/main" xmlns:r="http://schemas.openxmlformats.org/officeDocument/2006/relationships" xmlns:p="http://schemas.openxmlformats.org/presentationml/2006/main">
   <p:cSld>
@@ -27907,6 +28737,355 @@
       </p:grpSpPr>
       <p:pic>
         <p:nvPicPr>
+          <p:cNvPr id="376" name="Google Shape;54;p13" descr="Google Shape;54;p13"/>
+          <p:cNvPicPr>
+            <a:picLocks noChangeAspect="1"/>
+          </p:cNvPicPr>
+          <p:nvPr/>
+        </p:nvPicPr>
+        <p:blipFill>
+          <a:blip r:embed="rId2"/>
+          <a:stretch>
+            <a:fillRect/>
+          </a:stretch>
+        </p:blipFill>
+        <p:spPr>
+          <a:xfrm>
+            <a:off x="0" y="0"/>
+            <a:ext cx="12191997" cy="6858000"/>
+          </a:xfrm>
+          <a:prstGeom prst="rect">
+            <a:avLst/>
+          </a:prstGeom>
+          <a:ln w="12700">
+            <a:miter lim="400000"/>
+          </a:ln>
+        </p:spPr>
+      </p:pic>
+      <p:sp>
+        <p:nvSpPr>
+          <p:cNvPr id="377" name="Title 1"/>
+          <p:cNvSpPr txBox="1">
+            <a:spLocks noGrp="1"/>
+          </p:cNvSpPr>
+          <p:nvPr>
+            <p:ph type="title"/>
+          </p:nvPr>
+        </p:nvSpPr>
+        <p:spPr>
+          <a:prstGeom prst="rect">
+            <a:avLst/>
+          </a:prstGeom>
+        </p:spPr>
+        <p:txBody>
+          <a:bodyPr/>
+          <a:lstStyle/>
+          <a:p>
+            <a:r>
+              <a:t>Arrow function – ES6</a:t>
+            </a:r>
+          </a:p>
+        </p:txBody>
+      </p:sp>
+      <p:sp>
+        <p:nvSpPr>
+          <p:cNvPr id="378" name="Rectangle 3"/>
+          <p:cNvSpPr txBox="1"/>
+          <p:nvPr/>
+        </p:nvSpPr>
+        <p:spPr>
+          <a:xfrm>
+            <a:off x="2312081" y="3701534"/>
+            <a:ext cx="7423707" cy="653912"/>
+          </a:xfrm>
+          <a:prstGeom prst="rect">
+            <a:avLst/>
+          </a:prstGeom>
+          <a:ln w="12700">
+            <a:miter lim="400000"/>
+          </a:ln>
+          <a:extLst>
+            <a:ext uri="{C572A759-6A51-4108-AA02-DFA0A04FC94B}">
+              <ma14:wrappingTextBoxFlag xmlns:ma14="http://schemas.microsoft.com/office/mac/drawingml/2011/main" xmlns:a14="http://schemas.microsoft.com/office/drawing/2010/main" xmlns:m="http://schemas.openxmlformats.org/officeDocument/2006/math" xmlns="" val="1"/>
+            </a:ext>
+          </a:extLst>
+        </p:spPr>
+        <p:txBody>
+          <a:bodyPr wrap="none" lIns="45719" rIns="45719">
+            <a:spAutoFit/>
+          </a:bodyPr>
+          <a:lstStyle/>
+          <a:p>
+            <a:pPr>
+              <a:defRPr sz="3200"/>
+            </a:pPr>
+            <a:r>
+              <a:t>var square = (number) </a:t>
+            </a:r>
+            <a:r>
+              <a:rPr sz="4400" b="1">
+                <a:latin typeface="+mn-lt"/>
+                <a:ea typeface="+mn-ea"/>
+                <a:cs typeface="+mn-cs"/>
+                <a:sym typeface="Helvetica"/>
+              </a:rPr>
+              <a:t>=&gt;</a:t>
+            </a:r>
+            <a:r>
+              <a:t>number * number</a:t>
+            </a:r>
+          </a:p>
+        </p:txBody>
+      </p:sp>
+      <p:sp>
+        <p:nvSpPr>
+          <p:cNvPr id="379" name="Rectangle 4"/>
+          <p:cNvSpPr txBox="1"/>
+          <p:nvPr/>
+        </p:nvSpPr>
+        <p:spPr>
+          <a:xfrm>
+            <a:off x="1524000" y="2111335"/>
+            <a:ext cx="9819641" cy="497047"/>
+          </a:xfrm>
+          <a:prstGeom prst="rect">
+            <a:avLst/>
+          </a:prstGeom>
+          <a:ln w="12700">
+            <a:miter lim="400000"/>
+          </a:ln>
+          <a:extLst>
+            <a:ext uri="{C572A759-6A51-4108-AA02-DFA0A04FC94B}">
+              <ma14:wrappingTextBoxFlag xmlns:ma14="http://schemas.microsoft.com/office/mac/drawingml/2011/main" xmlns:a14="http://schemas.microsoft.com/office/drawing/2010/main" xmlns:m="http://schemas.openxmlformats.org/officeDocument/2006/math" xmlns="" val="1"/>
+            </a:ext>
+          </a:extLst>
+        </p:spPr>
+        <p:txBody>
+          <a:bodyPr wrap="none" lIns="45719" rIns="45719">
+            <a:spAutoFit/>
+          </a:bodyPr>
+          <a:lstStyle/>
+          <a:p>
+            <a:pPr>
+              <a:defRPr sz="3200"/>
+            </a:pPr>
+            <a:r>
+              <a:rPr dirty="0"/>
+              <a:t>var square = </a:t>
+            </a:r>
+            <a:r>
+              <a:rPr strike="dblStrike" dirty="0"/>
+              <a:t>function</a:t>
+            </a:r>
+            <a:r>
+              <a:rPr dirty="0"/>
+              <a:t>(number) </a:t>
+            </a:r>
+            <a:r>
+              <a:rPr strike="dblStrike" dirty="0"/>
+              <a:t>{ return </a:t>
+            </a:r>
+            <a:r>
+              <a:rPr dirty="0"/>
+              <a:t>number * number </a:t>
+            </a:r>
+            <a:r>
+              <a:rPr strike="dblStrike" dirty="0"/>
+              <a:t>}</a:t>
+            </a:r>
+          </a:p>
+        </p:txBody>
+      </p:sp>
+      <p:sp>
+        <p:nvSpPr>
+          <p:cNvPr id="380" name="Rectangle 5"/>
+          <p:cNvSpPr/>
+          <p:nvPr/>
+        </p:nvSpPr>
+        <p:spPr>
+          <a:xfrm>
+            <a:off x="975613" y="5474613"/>
+            <a:ext cx="10515601" cy="333088"/>
+          </a:xfrm>
+          <a:prstGeom prst="rect">
+            <a:avLst/>
+          </a:prstGeom>
+          <a:solidFill>
+            <a:srgbClr val="FFFFFF"/>
+          </a:solidFill>
+          <a:ln w="12700">
+            <a:miter lim="400000"/>
+          </a:ln>
+          <a:extLst>
+            <a:ext uri="{C572A759-6A51-4108-AA02-DFA0A04FC94B}">
+              <ma14:wrappingTextBoxFlag xmlns:ma14="http://schemas.microsoft.com/office/mac/drawingml/2011/main" xmlns:a14="http://schemas.microsoft.com/office/drawing/2010/main" xmlns:m="http://schemas.openxmlformats.org/officeDocument/2006/math" xmlns="" val="1"/>
+            </a:ext>
+          </a:extLst>
+        </p:spPr>
+        <p:txBody>
+          <a:bodyPr lIns="45719" rIns="45719">
+            <a:spAutoFit/>
+          </a:bodyPr>
+          <a:lstStyle>
+            <a:lvl1pPr algn="ctr"/>
+          </a:lstStyle>
+          <a:p>
+            <a:r>
+              <a:t>Arrow function expressions are ill suited as methods, and they cannot be used as constructors.</a:t>
+            </a:r>
+          </a:p>
+        </p:txBody>
+      </p:sp>
+    </p:spTree>
+  </p:cSld>
+  <p:clrMapOvr>
+    <a:masterClrMapping/>
+  </p:clrMapOvr>
+  <p:transition spd="med"/>
+  <p:timing>
+    <p:tnLst>
+      <p:par>
+        <p:cTn id="1" dur="indefinite" restart="never" fill="hold" nodeType="tmRoot">
+          <p:childTnLst>
+            <p:seq concurrent="1" prevAc="none" nextAc="seek">
+              <p:cTn id="2" dur="indefinite" fill="hold" nodeType="mainSeq">
+                <p:childTnLst>
+                  <p:par>
+                    <p:cTn id="3" fill="hold">
+                      <p:stCondLst>
+                        <p:cond delay="indefinite"/>
+                      </p:stCondLst>
+                      <p:childTnLst>
+                        <p:par>
+                          <p:cTn id="4" fill="hold">
+                            <p:stCondLst>
+                              <p:cond delay="0"/>
+                            </p:stCondLst>
+                            <p:childTnLst>
+                              <p:par>
+                                <p:cTn id="5" presetID="1" presetClass="entr" presetSubtype="0" fill="hold" grpId="1" nodeType="clickEffect">
+                                  <p:stCondLst>
+                                    <p:cond delay="0"/>
+                                  </p:stCondLst>
+                                  <p:iterate>
+                                    <p:tmAbs val="0"/>
+                                  </p:iterate>
+                                  <p:childTnLst>
+                                    <p:set>
+                                      <p:cBhvr>
+                                        <p:cTn id="6" fill="hold"/>
+                                        <p:tgtEl>
+                                          <p:spTgt spid="378"/>
+                                        </p:tgtEl>
+                                        <p:attrNameLst>
+                                          <p:attrName>style.visibility</p:attrName>
+                                        </p:attrNameLst>
+                                      </p:cBhvr>
+                                      <p:to>
+                                        <p:strVal val="visible"/>
+                                      </p:to>
+                                    </p:set>
+                                  </p:childTnLst>
+                                </p:cTn>
+                              </p:par>
+                            </p:childTnLst>
+                          </p:cTn>
+                        </p:par>
+                      </p:childTnLst>
+                    </p:cTn>
+                  </p:par>
+                  <p:par>
+                    <p:cTn id="7" fill="hold">
+                      <p:stCondLst>
+                        <p:cond delay="indefinite"/>
+                      </p:stCondLst>
+                      <p:childTnLst>
+                        <p:par>
+                          <p:cTn id="8" fill="hold">
+                            <p:stCondLst>
+                              <p:cond delay="0"/>
+                            </p:stCondLst>
+                            <p:childTnLst>
+                              <p:par>
+                                <p:cTn id="9" presetID="1" presetClass="entr" presetSubtype="0" fill="hold" grpId="2" nodeType="clickEffect">
+                                  <p:stCondLst>
+                                    <p:cond delay="0"/>
+                                  </p:stCondLst>
+                                  <p:iterate>
+                                    <p:tmAbs val="0"/>
+                                  </p:iterate>
+                                  <p:childTnLst>
+                                    <p:set>
+                                      <p:cBhvr>
+                                        <p:cTn id="10" fill="hold"/>
+                                        <p:tgtEl>
+                                          <p:spTgt spid="379"/>
+                                        </p:tgtEl>
+                                        <p:attrNameLst>
+                                          <p:attrName>style.visibility</p:attrName>
+                                        </p:attrNameLst>
+                                      </p:cBhvr>
+                                      <p:to>
+                                        <p:strVal val="visible"/>
+                                      </p:to>
+                                    </p:set>
+                                  </p:childTnLst>
+                                </p:cTn>
+                              </p:par>
+                            </p:childTnLst>
+                          </p:cTn>
+                        </p:par>
+                      </p:childTnLst>
+                    </p:cTn>
+                  </p:par>
+                </p:childTnLst>
+              </p:cTn>
+              <p:prevCondLst>
+                <p:cond evt="onPrev" delay="0">
+                  <p:tgtEl>
+                    <p:sldTgt/>
+                  </p:tgtEl>
+                </p:cond>
+              </p:prevCondLst>
+              <p:nextCondLst>
+                <p:cond evt="onNext" delay="0">
+                  <p:tgtEl>
+                    <p:sldTgt/>
+                  </p:tgtEl>
+                </p:cond>
+              </p:nextCondLst>
+            </p:seq>
+          </p:childTnLst>
+        </p:cTn>
+      </p:par>
+    </p:tnLst>
+    <p:bldLst>
+      <p:bldP spid="378" grpId="1" animBg="1" advAuto="0"/>
+      <p:bldP spid="379" grpId="2" animBg="1" advAuto="0"/>
+    </p:bldLst>
+  </p:timing>
+</p:sld>
+</file>
+
+<file path=ppt/slides/slide61.xml><?xml version="1.0" encoding="utf-8"?>
+<p:sld xmlns:a="http://schemas.openxmlformats.org/drawingml/2006/main" xmlns:r="http://schemas.openxmlformats.org/officeDocument/2006/relationships" xmlns:p="http://schemas.openxmlformats.org/presentationml/2006/main">
+  <p:cSld>
+    <p:spTree>
+      <p:nvGrpSpPr>
+        <p:cNvPr id="1" name=""/>
+        <p:cNvGrpSpPr/>
+        <p:nvPr/>
+      </p:nvGrpSpPr>
+      <p:grpSpPr>
+        <a:xfrm>
+          <a:off x="0" y="0"/>
+          <a:ext cx="0" cy="0"/>
+          <a:chOff x="0" y="0"/>
+          <a:chExt cx="0" cy="0"/>
+        </a:xfrm>
+      </p:grpSpPr>
+      <p:pic>
+        <p:nvPicPr>
           <p:cNvPr id="382" name="Google Shape;54;p13" descr="Google Shape;54;p13"/>
           <p:cNvPicPr>
             <a:picLocks noChangeAspect="1"/>
@@ -27980,6 +29159,7 @@
               <a:defRPr sz="3600"/>
             </a:pPr>
             <a:r>
+              <a:rPr dirty="0"/>
               <a:t>Watch the Array methods </a:t>
             </a:r>
           </a:p>
@@ -27991,15 +29171,33 @@
               <a:defRPr sz="3200"/>
             </a:pPr>
             <a:r>
-              <a:t>https://www.youtube.com/watch?v=R8rmfD9Y5-c</a:t>
-            </a:r>
-            <a:endParaRPr sz="2400"/>
+              <a:rPr dirty="0"/>
+              <a:t>https://</a:t>
+            </a:r>
+            <a:r>
+              <a:rPr dirty="0" err="1"/>
+              <a:t>www.youtube.com</a:t>
+            </a:r>
+            <a:r>
+              <a:rPr dirty="0"/>
+              <a:t>/</a:t>
+            </a:r>
+            <a:r>
+              <a:rPr dirty="0" err="1"/>
+              <a:t>watch?v</a:t>
+            </a:r>
+            <a:r>
+              <a:rPr dirty="0"/>
+              <a:t>=R8rmfD9Y5-c</a:t>
+            </a:r>
+            <a:endParaRPr sz="2400" dirty="0"/>
           </a:p>
           <a:p>
             <a:pPr>
               <a:defRPr sz="3600"/>
             </a:pPr>
             <a:r>
+              <a:rPr dirty="0"/>
               <a:t>Do the below programs in arrow functions</a:t>
             </a:r>
           </a:p>
@@ -28011,9 +29209,10 @@
               <a:defRPr sz="3200"/>
             </a:pPr>
             <a:r>
+              <a:rPr dirty="0"/>
               <a:t>Print odd numbers in an array </a:t>
             </a:r>
-            <a:endParaRPr sz="2400"/>
+            <a:endParaRPr sz="2400" dirty="0"/>
           </a:p>
           <a:p>
             <a:pPr marL="685800" lvl="1" indent="-228600">
@@ -28023,9 +29222,10 @@
               <a:defRPr sz="3200"/>
             </a:pPr>
             <a:r>
+              <a:rPr dirty="0"/>
               <a:t>Convert all the strings to title caps in a string array</a:t>
             </a:r>
-            <a:endParaRPr sz="2400"/>
+            <a:endParaRPr sz="2400" dirty="0"/>
           </a:p>
           <a:p>
             <a:pPr marL="685800" lvl="1" indent="-228600">
@@ -28035,9 +29235,10 @@
               <a:defRPr sz="3200"/>
             </a:pPr>
             <a:r>
+              <a:rPr dirty="0"/>
               <a:t>Sum of all numbers in an array</a:t>
             </a:r>
-            <a:endParaRPr sz="2400"/>
+            <a:endParaRPr sz="2400" dirty="0"/>
           </a:p>
           <a:p>
             <a:pPr marL="685800" lvl="1" indent="-228600">
@@ -28047,9 +29248,10 @@
               <a:defRPr sz="3200"/>
             </a:pPr>
             <a:r>
+              <a:rPr dirty="0"/>
               <a:t>Return all the prime numbers in an array</a:t>
             </a:r>
-            <a:endParaRPr sz="2400"/>
+            <a:endParaRPr sz="2400" dirty="0"/>
           </a:p>
           <a:p>
             <a:pPr marL="685800" lvl="1" indent="-228600">
@@ -28059,6 +29261,7 @@
               <a:defRPr sz="3200"/>
             </a:pPr>
             <a:r>
+              <a:rPr dirty="0"/>
               <a:t>Return all the palindromes in an array </a:t>
             </a:r>
           </a:p>
@@ -28073,7 +29276,7 @@
 </p:sld>
 </file>
 
-<file path=ppt/slides/slide61.xml><?xml version="1.0" encoding="utf-8"?>
+<file path=ppt/slides/slide62.xml><?xml version="1.0" encoding="utf-8"?>
 <p:sld xmlns:a="http://schemas.openxmlformats.org/drawingml/2006/main" xmlns:r="http://schemas.openxmlformats.org/officeDocument/2006/relationships" xmlns:p="http://schemas.openxmlformats.org/presentationml/2006/main">
   <p:cSld>
     <p:spTree>
@@ -28411,7 +29614,7 @@
 </p:sld>
 </file>
 
-<file path=ppt/slides/slide62.xml><?xml version="1.0" encoding="utf-8"?>
+<file path=ppt/slides/slide63.xml><?xml version="1.0" encoding="utf-8"?>
 <p:sld xmlns:a="http://schemas.openxmlformats.org/drawingml/2006/main" xmlns:r="http://schemas.openxmlformats.org/officeDocument/2006/relationships" xmlns:p="http://schemas.openxmlformats.org/presentationml/2006/main">
   <p:cSld>
     <p:spTree>
